--- a/doc/自社フレームワーク.pptx
+++ b/doc/自社フレームワーク.pptx
@@ -5,7 +5,7 @@
     <p:sldMasterId id="2147483648" r:id="rId1"/>
   </p:sldMasterIdLst>
   <p:notesMasterIdLst>
-    <p:notesMasterId r:id="rId67"/>
+    <p:notesMasterId r:id="rId73"/>
   </p:notesMasterIdLst>
   <p:sldIdLst>
     <p:sldId id="256" r:id="rId2"/>
@@ -52,27 +52,33 @@
     <p:sldId id="329" r:id="rId43"/>
     <p:sldId id="330" r:id="rId44"/>
     <p:sldId id="282" r:id="rId45"/>
-    <p:sldId id="285" r:id="rId46"/>
-    <p:sldId id="286" r:id="rId47"/>
-    <p:sldId id="287" r:id="rId48"/>
-    <p:sldId id="288" r:id="rId49"/>
-    <p:sldId id="289" r:id="rId50"/>
-    <p:sldId id="290" r:id="rId51"/>
-    <p:sldId id="283" r:id="rId52"/>
-    <p:sldId id="291" r:id="rId53"/>
-    <p:sldId id="292" r:id="rId54"/>
-    <p:sldId id="293" r:id="rId55"/>
-    <p:sldId id="294" r:id="rId56"/>
-    <p:sldId id="295" r:id="rId57"/>
-    <p:sldId id="284" r:id="rId58"/>
-    <p:sldId id="297" r:id="rId59"/>
-    <p:sldId id="298" r:id="rId60"/>
-    <p:sldId id="299" r:id="rId61"/>
-    <p:sldId id="300" r:id="rId62"/>
-    <p:sldId id="301" r:id="rId63"/>
-    <p:sldId id="260" r:id="rId64"/>
-    <p:sldId id="265" r:id="rId65"/>
-    <p:sldId id="304" r:id="rId66"/>
+    <p:sldId id="333" r:id="rId46"/>
+    <p:sldId id="334" r:id="rId47"/>
+    <p:sldId id="335" r:id="rId48"/>
+    <p:sldId id="336" r:id="rId49"/>
+    <p:sldId id="285" r:id="rId50"/>
+    <p:sldId id="286" r:id="rId51"/>
+    <p:sldId id="287" r:id="rId52"/>
+    <p:sldId id="288" r:id="rId53"/>
+    <p:sldId id="289" r:id="rId54"/>
+    <p:sldId id="290" r:id="rId55"/>
+    <p:sldId id="332" r:id="rId56"/>
+    <p:sldId id="331" r:id="rId57"/>
+    <p:sldId id="283" r:id="rId58"/>
+    <p:sldId id="291" r:id="rId59"/>
+    <p:sldId id="292" r:id="rId60"/>
+    <p:sldId id="293" r:id="rId61"/>
+    <p:sldId id="294" r:id="rId62"/>
+    <p:sldId id="295" r:id="rId63"/>
+    <p:sldId id="284" r:id="rId64"/>
+    <p:sldId id="297" r:id="rId65"/>
+    <p:sldId id="298" r:id="rId66"/>
+    <p:sldId id="299" r:id="rId67"/>
+    <p:sldId id="300" r:id="rId68"/>
+    <p:sldId id="301" r:id="rId69"/>
+    <p:sldId id="260" r:id="rId70"/>
+    <p:sldId id="265" r:id="rId71"/>
+    <p:sldId id="304" r:id="rId72"/>
   </p:sldIdLst>
   <p:sldSz cx="12192000" cy="6858000"/>
   <p:notesSz cx="6858000" cy="9144000"/>
@@ -244,12 +250,18 @@
           <p14:sldIdLst>
             <p14:sldId id="330"/>
             <p14:sldId id="282"/>
+            <p14:sldId id="333"/>
+            <p14:sldId id="334"/>
+            <p14:sldId id="335"/>
+            <p14:sldId id="336"/>
             <p14:sldId id="285"/>
             <p14:sldId id="286"/>
             <p14:sldId id="287"/>
             <p14:sldId id="288"/>
             <p14:sldId id="289"/>
             <p14:sldId id="290"/>
+            <p14:sldId id="332"/>
+            <p14:sldId id="331"/>
           </p14:sldIdLst>
         </p14:section>
         <p14:section name="インベントリ" id="{0764821B-A855-431C-AF31-2648B4B41D65}">
@@ -1182,6 +1194,48 @@
         <p:txBody>
           <a:bodyPr/>
           <a:lstStyle/>
+          <a:p>
+            <a:r>
+              <a:rPr kumimoji="1" lang="en-US" altLang="ja-JP" dirty="0" smtClean="0"/>
+              <a:t>Begin/End</a:t>
+            </a:r>
+            <a:r>
+              <a:rPr kumimoji="1" lang="ja-JP" altLang="en-US" dirty="0" smtClean="0"/>
+              <a:t>系の非同期処理と同様、行きと帰りが違う口なのが問題。ラウンドトリップを</a:t>
+            </a:r>
+            <a:r>
+              <a:rPr kumimoji="1" lang="en-US" altLang="ja-JP" dirty="0" smtClean="0"/>
+              <a:t>Task</a:t>
+            </a:r>
+            <a:r>
+              <a:rPr kumimoji="1" lang="ja-JP" altLang="en-US" dirty="0" smtClean="0"/>
+              <a:t>で一本化してしまえば案外楽。</a:t>
+            </a:r>
+            <a:endParaRPr kumimoji="1" lang="en-US" altLang="ja-JP" dirty="0" smtClean="0"/>
+          </a:p>
+          <a:p>
+            <a:r>
+              <a:rPr kumimoji="1" lang="ja-JP" altLang="en-US" dirty="0" smtClean="0"/>
+              <a:t>逆に言うと、メッセンジャー</a:t>
+            </a:r>
+            <a:r>
+              <a:rPr kumimoji="1" lang="en-US" altLang="ja-JP" dirty="0" smtClean="0"/>
+              <a:t>/</a:t>
+            </a:r>
+            <a:r>
+              <a:rPr kumimoji="1" lang="ja-JP" altLang="en-US" dirty="0" smtClean="0"/>
+              <a:t>コマンドのペアに分解する補助関数かけば、既存</a:t>
+            </a:r>
+            <a:r>
+              <a:rPr kumimoji="1" lang="en-US" altLang="ja-JP" dirty="0" smtClean="0"/>
+              <a:t>MVVM</a:t>
+            </a:r>
+            <a:r>
+              <a:rPr kumimoji="1" lang="ja-JP" altLang="en-US" dirty="0" smtClean="0"/>
+              <a:t>フレームワークにもつなげる。</a:t>
+            </a:r>
+            <a:endParaRPr kumimoji="1" lang="en-US" altLang="ja-JP" dirty="0" smtClean="0"/>
+          </a:p>
           <a:p>
             <a:r>
               <a:rPr kumimoji="1" lang="ja-JP" altLang="en-US" dirty="0" smtClean="0"/>
@@ -25726,6 +25780,13 @@
   <p:clrMapOvr>
     <a:masterClrMapping/>
   </p:clrMapOvr>
+  <p:timing>
+    <p:tnLst>
+      <p:par>
+        <p:cTn id="1" dur="indefinite" restart="never" nodeType="tmRoot"/>
+      </p:par>
+    </p:tnLst>
+  </p:timing>
 </p:sld>
 </file>
 
@@ -32558,7 +32619,11 @@
           <a:bodyPr/>
           <a:lstStyle/>
           <a:p>
-            <a:endParaRPr kumimoji="1" lang="ja-JP" altLang="en-US"/>
+            <a:r>
+              <a:rPr kumimoji="1" lang="ja-JP" altLang="en-US" dirty="0" smtClean="0"/>
+              <a:t>オンライン ゲーム</a:t>
+            </a:r>
+            <a:endParaRPr kumimoji="1" lang="ja-JP" altLang="en-US" dirty="0"/>
           </a:p>
         </p:txBody>
       </p:sp>
@@ -32579,22 +32644,48 @@
           <a:p>
             <a:r>
               <a:rPr kumimoji="1" lang="ja-JP" altLang="en-US" dirty="0" smtClean="0"/>
-              <a:t>通信</a:t>
+              <a:t>サーバーとの通信は定型文が多い</a:t>
             </a:r>
             <a:endParaRPr kumimoji="1" lang="en-US" altLang="ja-JP" dirty="0" smtClean="0"/>
           </a:p>
           <a:p>
+            <a:pPr lvl="1"/>
+            <a:r>
+              <a:rPr lang="ja-JP" altLang="en-US" dirty="0" smtClean="0"/>
+              <a:t>手書きすると大量に似たようなコードを書く必要がある</a:t>
+            </a:r>
+            <a:endParaRPr kumimoji="1" lang="en-US" altLang="ja-JP" dirty="0" smtClean="0"/>
+          </a:p>
+          <a:p>
+            <a:pPr lvl="1"/>
+            <a:r>
+              <a:rPr lang="ja-JP" altLang="en-US" dirty="0" smtClean="0"/>
+              <a:t>シリアライズ、デシリアライズ</a:t>
+            </a:r>
+            <a:endParaRPr lang="en-US" altLang="ja-JP" dirty="0" smtClean="0"/>
+          </a:p>
+          <a:p>
+            <a:pPr lvl="1"/>
+            <a:r>
+              <a:rPr lang="en-US" altLang="ja-JP" dirty="0" smtClean="0"/>
+              <a:t>HTTP</a:t>
+            </a:r>
+            <a:r>
+              <a:rPr lang="ja-JP" altLang="en-US" dirty="0" smtClean="0"/>
+              <a:t>通信、エラー処理</a:t>
+            </a:r>
             <a:endParaRPr lang="en-US" altLang="ja-JP" dirty="0"/>
           </a:p>
           <a:p>
             <a:r>
               <a:rPr kumimoji="1" lang="ja-JP" altLang="en-US" dirty="0" smtClean="0"/>
-              <a:t>いろんなフレームワークがリフレクションを前提にしてたりするんで</a:t>
+              <a:t>多くの通信フレームワークはリフレクションで実現していて</a:t>
             </a:r>
             <a:r>
               <a:rPr kumimoji="1" lang="en-US" altLang="ja-JP" dirty="0" smtClean="0"/>
               <a:t>…</a:t>
             </a:r>
+            <a:endParaRPr kumimoji="1" lang="en-US" altLang="ja-JP" dirty="0" smtClean="0"/>
           </a:p>
           <a:p>
             <a:pPr lvl="1"/>
@@ -32612,17 +32703,97 @@
             <a:pPr lvl="1"/>
             <a:r>
               <a:rPr kumimoji="1" lang="ja-JP" altLang="en-US" dirty="0" smtClean="0"/>
-              <a:t>性能的にいうと、携帯端末であんまり動的な処理したくない</a:t>
+              <a:t>性能的</a:t>
+            </a:r>
+            <a:r>
+              <a:rPr kumimoji="1" lang="ja-JP" altLang="en-US" dirty="0" smtClean="0"/>
+              <a:t>に、</a:t>
+            </a:r>
+            <a:r>
+              <a:rPr kumimoji="1" lang="ja-JP" altLang="en-US" dirty="0" smtClean="0"/>
+              <a:t>携帯端末で</a:t>
+            </a:r>
+            <a:r>
+              <a:rPr kumimoji="1" lang="ja-JP" altLang="en-US" dirty="0" smtClean="0"/>
+              <a:t>あまり</a:t>
+            </a:r>
+            <a:r>
+              <a:rPr kumimoji="1" lang="ja-JP" altLang="en-US" dirty="0" smtClean="0"/>
+              <a:t>動的な</a:t>
+            </a:r>
+            <a:r>
+              <a:rPr kumimoji="1" lang="ja-JP" altLang="en-US" dirty="0" smtClean="0"/>
+              <a:t>処理をしたくない</a:t>
             </a:r>
             <a:endParaRPr kumimoji="1" lang="en-US" altLang="ja-JP" dirty="0" smtClean="0"/>
           </a:p>
-          <a:p>
-            <a:pPr lvl="1"/>
-            <a:r>
-              <a:rPr lang="ja-JP" altLang="en-US" dirty="0" smtClean="0"/>
-              <a:t>まあ、コード生成を</a:t>
-            </a:r>
-            <a:endParaRPr kumimoji="1" lang="ja-JP" altLang="en-US" dirty="0"/>
+        </p:txBody>
+      </p:sp>
+      <p:sp>
+        <p:nvSpPr>
+          <p:cNvPr id="4" name="右矢印 3"/>
+          <p:cNvSpPr/>
+          <p:nvPr/>
+        </p:nvSpPr>
+        <p:spPr>
+          <a:xfrm>
+            <a:off x="1247774" y="5133975"/>
+            <a:ext cx="428625" cy="333375"/>
+          </a:xfrm>
+          <a:prstGeom prst="rightArrow">
+            <a:avLst/>
+          </a:prstGeom>
+        </p:spPr>
+        <p:style>
+          <a:lnRef idx="1">
+            <a:schemeClr val="accent4"/>
+          </a:lnRef>
+          <a:fillRef idx="2">
+            <a:schemeClr val="accent4"/>
+          </a:fillRef>
+          <a:effectRef idx="1">
+            <a:schemeClr val="accent4"/>
+          </a:effectRef>
+          <a:fontRef idx="minor">
+            <a:schemeClr val="dk1"/>
+          </a:fontRef>
+        </p:style>
+        <p:txBody>
+          <a:bodyPr lIns="36000" tIns="36000" rIns="36000" bIns="36000" rtlCol="0" anchor="ctr"/>
+          <a:lstStyle/>
+          <a:p>
+            <a:pPr algn="ctr"/>
+            <a:endParaRPr kumimoji="1" lang="ja-JP" altLang="en-US" dirty="0" smtClean="0"/>
+          </a:p>
+        </p:txBody>
+      </p:sp>
+      <p:sp>
+        <p:nvSpPr>
+          <p:cNvPr id="5" name="テキスト ボックス 4"/>
+          <p:cNvSpPr txBox="1"/>
+          <p:nvPr/>
+        </p:nvSpPr>
+        <p:spPr>
+          <a:xfrm>
+            <a:off x="1676399" y="5038725"/>
+            <a:ext cx="1787669" cy="523220"/>
+          </a:xfrm>
+          <a:prstGeom prst="rect">
+            <a:avLst/>
+          </a:prstGeom>
+          <a:noFill/>
+        </p:spPr>
+        <p:txBody>
+          <a:bodyPr wrap="none" rtlCol="0">
+            <a:spAutoFit/>
+          </a:bodyPr>
+          <a:lstStyle/>
+          <a:p>
+            <a:r>
+              <a:rPr kumimoji="1" lang="ja-JP" altLang="en-US" sz="2800" dirty="0" smtClean="0"/>
+              <a:t>コード生成</a:t>
+            </a:r>
+            <a:endParaRPr kumimoji="1" lang="ja-JP" altLang="en-US" sz="2800" dirty="0"/>
           </a:p>
         </p:txBody>
       </p:sp>
@@ -32639,9 +32810,124 @@
   <p:timing>
     <p:tnLst>
       <p:par>
-        <p:cTn id="1" dur="indefinite" restart="never" nodeType="tmRoot"/>
+        <p:cTn id="1" dur="indefinite" restart="never" nodeType="tmRoot">
+          <p:childTnLst>
+            <p:seq concurrent="1" nextAc="seek">
+              <p:cTn id="2" dur="indefinite" nodeType="mainSeq">
+                <p:childTnLst>
+                  <p:par>
+                    <p:cTn id="3" fill="hold">
+                      <p:stCondLst>
+                        <p:cond delay="indefinite"/>
+                      </p:stCondLst>
+                      <p:childTnLst>
+                        <p:par>
+                          <p:cTn id="4" fill="hold">
+                            <p:stCondLst>
+                              <p:cond delay="0"/>
+                            </p:stCondLst>
+                            <p:childTnLst>
+                              <p:par>
+                                <p:cTn id="5" presetID="14" presetClass="entr" presetSubtype="10" fill="hold" grpId="0" nodeType="clickEffect">
+                                  <p:stCondLst>
+                                    <p:cond delay="0"/>
+                                  </p:stCondLst>
+                                  <p:childTnLst>
+                                    <p:set>
+                                      <p:cBhvr>
+                                        <p:cTn id="6" dur="1" fill="hold">
+                                          <p:stCondLst>
+                                            <p:cond delay="0"/>
+                                          </p:stCondLst>
+                                        </p:cTn>
+                                        <p:tgtEl>
+                                          <p:spTgt spid="4"/>
+                                        </p:tgtEl>
+                                        <p:attrNameLst>
+                                          <p:attrName>style.visibility</p:attrName>
+                                        </p:attrNameLst>
+                                      </p:cBhvr>
+                                      <p:to>
+                                        <p:strVal val="visible"/>
+                                      </p:to>
+                                    </p:set>
+                                    <p:animEffect transition="in" filter="randombar(horizontal)">
+                                      <p:cBhvr>
+                                        <p:cTn id="7" dur="500"/>
+                                        <p:tgtEl>
+                                          <p:spTgt spid="4"/>
+                                        </p:tgtEl>
+                                      </p:cBhvr>
+                                    </p:animEffect>
+                                  </p:childTnLst>
+                                </p:cTn>
+                              </p:par>
+                              <p:par>
+                                <p:cTn id="8" presetID="14" presetClass="entr" presetSubtype="10" fill="hold" grpId="0" nodeType="withEffect">
+                                  <p:stCondLst>
+                                    <p:cond delay="0"/>
+                                  </p:stCondLst>
+                                  <p:childTnLst>
+                                    <p:set>
+                                      <p:cBhvr>
+                                        <p:cTn id="9" dur="1" fill="hold">
+                                          <p:stCondLst>
+                                            <p:cond delay="0"/>
+                                          </p:stCondLst>
+                                        </p:cTn>
+                                        <p:tgtEl>
+                                          <p:spTgt spid="5"/>
+                                        </p:tgtEl>
+                                        <p:attrNameLst>
+                                          <p:attrName>style.visibility</p:attrName>
+                                        </p:attrNameLst>
+                                      </p:cBhvr>
+                                      <p:to>
+                                        <p:strVal val="visible"/>
+                                      </p:to>
+                                    </p:set>
+                                    <p:animEffect transition="in" filter="randombar(horizontal)">
+                                      <p:cBhvr>
+                                        <p:cTn id="10" dur="500"/>
+                                        <p:tgtEl>
+                                          <p:spTgt spid="5"/>
+                                        </p:tgtEl>
+                                      </p:cBhvr>
+                                    </p:animEffect>
+                                  </p:childTnLst>
+                                </p:cTn>
+                              </p:par>
+                            </p:childTnLst>
+                          </p:cTn>
+                        </p:par>
+                      </p:childTnLst>
+                    </p:cTn>
+                  </p:par>
+                </p:childTnLst>
+              </p:cTn>
+              <p:prevCondLst>
+                <p:cond evt="onPrev" delay="0">
+                  <p:tgtEl>
+                    <p:sldTgt/>
+                  </p:tgtEl>
+                </p:cond>
+              </p:prevCondLst>
+              <p:nextCondLst>
+                <p:cond evt="onNext" delay="0">
+                  <p:tgtEl>
+                    <p:sldTgt/>
+                  </p:tgtEl>
+                </p:cond>
+              </p:nextCondLst>
+            </p:seq>
+          </p:childTnLst>
+        </p:cTn>
       </p:par>
     </p:tnLst>
+    <p:bldLst>
+      <p:bldP spid="4" grpId="0" animBg="1"/>
+      <p:bldP spid="5" grpId="0"/>
+    </p:bldLst>
   </p:timing>
 </p:sld>
 </file>
@@ -32678,7 +32964,23 @@
           <a:bodyPr/>
           <a:lstStyle/>
           <a:p>
-            <a:endParaRPr kumimoji="1" lang="ja-JP" altLang="en-US"/>
+            <a:r>
+              <a:rPr kumimoji="1" lang="en-US" altLang="ja-JP" dirty="0" smtClean="0"/>
+              <a:t>C#</a:t>
+            </a:r>
+            <a:r>
+              <a:rPr kumimoji="1" lang="ja-JP" altLang="en-US" dirty="0" smtClean="0"/>
+              <a:t> → </a:t>
+            </a:r>
+            <a:r>
+              <a:rPr kumimoji="1" lang="en-US" altLang="ja-JP" dirty="0" smtClean="0"/>
+              <a:t>C#</a:t>
+            </a:r>
+            <a:r>
+              <a:rPr kumimoji="1" lang="ja-JP" altLang="en-US" dirty="0" smtClean="0"/>
+              <a:t> コード生成</a:t>
+            </a:r>
+            <a:endParaRPr kumimoji="1" lang="ja-JP" altLang="en-US" dirty="0"/>
           </a:p>
         </p:txBody>
       </p:sp>
@@ -32699,53 +33001,114 @@
           <a:p>
             <a:r>
               <a:rPr kumimoji="1" lang="ja-JP" altLang="en-US" dirty="0" smtClean="0"/>
-              <a:t>クライアントとサーバーで言語が違う</a:t>
+              <a:t>型定義、メソッド定義は</a:t>
+            </a:r>
+            <a:r>
+              <a:rPr kumimoji="1" lang="en-US" altLang="ja-JP" dirty="0" smtClean="0"/>
+              <a:t>strongly-typed</a:t>
+            </a:r>
+            <a:r>
+              <a:rPr kumimoji="1" lang="ja-JP" altLang="en-US" dirty="0" smtClean="0"/>
+              <a:t>な言語使うのが楽</a:t>
             </a:r>
             <a:endParaRPr kumimoji="1" lang="en-US" altLang="ja-JP" dirty="0" smtClean="0"/>
           </a:p>
           <a:p>
             <a:pPr lvl="1"/>
             <a:r>
+              <a:rPr kumimoji="1" lang="ja-JP" altLang="en-US" dirty="0" smtClean="0"/>
+              <a:t>再初期は</a:t>
+            </a:r>
+            <a:r>
+              <a:rPr kumimoji="1" lang="en-US" altLang="ja-JP" dirty="0" smtClean="0"/>
+              <a:t>XML</a:t>
+            </a:r>
+            <a:r>
+              <a:rPr kumimoji="1" lang="ja-JP" altLang="en-US" dirty="0" err="1" smtClean="0"/>
+              <a:t>、</a:t>
+            </a:r>
+            <a:r>
+              <a:rPr kumimoji="1" lang="ja-JP" altLang="en-US" dirty="0" smtClean="0"/>
+              <a:t>その次は</a:t>
+            </a:r>
+            <a:r>
+              <a:rPr kumimoji="1" lang="en-US" altLang="ja-JP" dirty="0" smtClean="0"/>
+              <a:t>Ruby</a:t>
+            </a:r>
+            <a:r>
+              <a:rPr kumimoji="1" lang="ja-JP" altLang="en-US" dirty="0" smtClean="0"/>
+              <a:t>で</a:t>
+            </a:r>
+            <a:r>
+              <a:rPr kumimoji="1" lang="en-US" altLang="ja-JP" dirty="0" smtClean="0"/>
+              <a:t>DSL</a:t>
+            </a:r>
+            <a:r>
+              <a:rPr kumimoji="1" lang="ja-JP" altLang="en-US" dirty="0" smtClean="0"/>
+              <a:t>とか書いてた</a:t>
+            </a:r>
+            <a:endParaRPr kumimoji="1" lang="en-US" altLang="ja-JP" dirty="0" smtClean="0"/>
+          </a:p>
+          <a:p>
+            <a:pPr lvl="1"/>
+            <a:r>
+              <a:rPr lang="ja-JP" altLang="en-US" dirty="0" smtClean="0"/>
+              <a:t>だんだんやりたいことが</a:t>
+            </a:r>
+            <a:r>
               <a:rPr lang="ja-JP" altLang="en-US" dirty="0"/>
-              <a:t>サーバ</a:t>
+              <a:t>複雑</a:t>
             </a:r>
             <a:r>
               <a:rPr lang="ja-JP" altLang="en-US" dirty="0" smtClean="0"/>
-              <a:t>ー、外注なのでこちらでのコントロールできない</a:t>
-            </a:r>
-            <a:endParaRPr lang="en-US" altLang="ja-JP" dirty="0" smtClean="0"/>
+              <a:t>に</a:t>
+            </a:r>
+            <a:endParaRPr kumimoji="1" lang="en-US" altLang="ja-JP" dirty="0" smtClean="0"/>
+          </a:p>
+          <a:p>
+            <a:pPr lvl="2"/>
+            <a:r>
+              <a:rPr lang="ja-JP" altLang="en-US" dirty="0"/>
+              <a:t>配列</a:t>
+            </a:r>
+            <a:r>
+              <a:rPr lang="ja-JP" altLang="en-US" dirty="0" smtClean="0"/>
+              <a:t>に対応、</a:t>
+            </a:r>
+            <a:r>
+              <a:rPr lang="en-US" altLang="ja-JP" dirty="0" err="1" smtClean="0"/>
+              <a:t>nullable</a:t>
+            </a:r>
+            <a:r>
+              <a:rPr lang="ja-JP" altLang="en-US" dirty="0" smtClean="0"/>
+              <a:t>に対応、ジェネリックに対応</a:t>
+            </a:r>
+            <a:r>
+              <a:rPr lang="en-US" altLang="ja-JP" dirty="0" smtClean="0"/>
+              <a:t>…</a:t>
+            </a:r>
           </a:p>
           <a:p>
             <a:pPr lvl="1"/>
             <a:r>
-              <a:rPr kumimoji="1" lang="en-US" altLang="ja-JP" dirty="0" smtClean="0"/>
-              <a:t>PHP</a:t>
-            </a:r>
-          </a:p>
-          <a:p>
+              <a:rPr kumimoji="1" lang="ja-JP" altLang="en-US" dirty="0" smtClean="0"/>
+              <a:t>要するに、型に厳しい言語で書けることと要件変わらなくなった</a:t>
+            </a:r>
+            <a:endParaRPr kumimoji="1" lang="en-US" altLang="ja-JP" dirty="0" smtClean="0"/>
+          </a:p>
+          <a:p>
+            <a:pPr lvl="1"/>
             <a:r>
               <a:rPr lang="ja-JP" altLang="en-US" dirty="0" smtClean="0"/>
-              <a:t>共通規約</a:t>
-            </a:r>
-            <a:r>
-              <a:rPr lang="ja-JP" altLang="en-US" dirty="0"/>
-              <a:t>的</a:t>
+              <a:t>なら、最初から</a:t>
+            </a:r>
+            <a:r>
+              <a:rPr lang="en-US" altLang="ja-JP" dirty="0" smtClean="0"/>
+              <a:t>C#</a:t>
             </a:r>
             <a:r>
               <a:rPr lang="ja-JP" altLang="en-US" dirty="0" smtClean="0"/>
-              <a:t>なものが必要</a:t>
-            </a:r>
-            <a:endParaRPr lang="en-US" altLang="ja-JP" dirty="0" smtClean="0"/>
-          </a:p>
-          <a:p>
-            <a:pPr lvl="1"/>
-            <a:r>
-              <a:rPr lang="en-US" altLang="ja-JP" dirty="0" smtClean="0"/>
-              <a:t>PHP</a:t>
-            </a:r>
-            <a:r>
-              <a:rPr lang="ja-JP" altLang="en-US" dirty="0" smtClean="0"/>
-              <a:t>向けのコード生成も</a:t>
+              <a:t>で書けばいい</a:t>
             </a:r>
             <a:endParaRPr kumimoji="1" lang="ja-JP" altLang="en-US" dirty="0"/>
           </a:p>
@@ -32754,13 +33117,20 @@
     </p:spTree>
     <p:extLst>
       <p:ext uri="{BB962C8B-B14F-4D97-AF65-F5344CB8AC3E}">
-        <p14:creationId xmlns:p14="http://schemas.microsoft.com/office/powerpoint/2010/main" val="4111072024"/>
+        <p14:creationId xmlns:p14="http://schemas.microsoft.com/office/powerpoint/2010/main" val="913847756"/>
       </p:ext>
     </p:extLst>
   </p:cSld>
   <p:clrMapOvr>
     <a:masterClrMapping/>
   </p:clrMapOvr>
+  <p:timing>
+    <p:tnLst>
+      <p:par>
+        <p:cTn id="1" dur="indefinite" restart="never" nodeType="tmRoot"/>
+      </p:par>
+    </p:tnLst>
+  </p:timing>
 </p:sld>
 </file>
 
@@ -32796,107 +33166,2378 @@
           <a:bodyPr/>
           <a:lstStyle/>
           <a:p>
-            <a:endParaRPr kumimoji="1" lang="ja-JP" altLang="en-US"/>
-          </a:p>
-        </p:txBody>
-      </p:sp>
-      <p:sp>
-        <p:nvSpPr>
-          <p:cNvPr id="3" name="コンテンツ プレースホルダー 2"/>
-          <p:cNvSpPr>
-            <a:spLocks noGrp="1"/>
-          </p:cNvSpPr>
-          <p:nvPr>
-            <p:ph idx="1"/>
-          </p:nvPr>
-        </p:nvSpPr>
-        <p:spPr/>
-        <p:txBody>
-          <a:bodyPr/>
+            <a:r>
+              <a:rPr kumimoji="1" lang="ja-JP" altLang="en-US" dirty="0" smtClean="0"/>
+              <a:t>型定義例</a:t>
+            </a:r>
+            <a:endParaRPr kumimoji="1" lang="ja-JP" altLang="en-US" dirty="0"/>
+          </a:p>
+        </p:txBody>
+      </p:sp>
+      <p:sp>
+        <p:nvSpPr>
+          <p:cNvPr id="4" name="テキスト ボックス 3"/>
+          <p:cNvSpPr txBox="1"/>
+          <p:nvPr/>
+        </p:nvSpPr>
+        <p:spPr>
+          <a:xfrm>
+            <a:off x="838200" y="2152353"/>
+            <a:ext cx="4855816" cy="3970318"/>
+          </a:xfrm>
+          <a:prstGeom prst="rect">
+            <a:avLst/>
+          </a:prstGeom>
+        </p:spPr>
+        <p:style>
+          <a:lnRef idx="2">
+            <a:schemeClr val="accent5"/>
+          </a:lnRef>
+          <a:fillRef idx="1">
+            <a:schemeClr val="lt1"/>
+          </a:fillRef>
+          <a:effectRef idx="0">
+            <a:schemeClr val="accent5"/>
+          </a:effectRef>
+          <a:fontRef idx="minor">
+            <a:schemeClr val="dk1"/>
+          </a:fontRef>
+        </p:style>
+        <p:txBody>
+          <a:bodyPr wrap="none" rtlCol="0">
+            <a:spAutoFit/>
+          </a:bodyPr>
           <a:lstStyle/>
           <a:p>
             <a:r>
+              <a:rPr lang="en-US" altLang="ja-JP" sz="1400" dirty="0">
+                <a:solidFill>
+                  <a:srgbClr val="000000"/>
+                </a:solidFill>
+                <a:highlight>
+                  <a:srgbClr val="FFFFFF"/>
+                </a:highlight>
+                <a:latin typeface="Consolas" panose="020B0609020204030204" pitchFamily="49" charset="0"/>
+              </a:rPr>
+              <a:t>[</a:t>
+            </a:r>
+            <a:r>
+              <a:rPr lang="en-US" altLang="ja-JP" sz="1400" dirty="0">
+                <a:solidFill>
+                  <a:srgbClr val="2B91AF"/>
+                </a:solidFill>
+                <a:highlight>
+                  <a:srgbClr val="FFFFFF"/>
+                </a:highlight>
+                <a:latin typeface="Consolas" panose="020B0609020204030204" pitchFamily="49" charset="0"/>
+              </a:rPr>
+              <a:t>Comment</a:t>
+            </a:r>
+            <a:r>
+              <a:rPr lang="en-US" altLang="ja-JP" sz="1400" dirty="0">
+                <a:solidFill>
+                  <a:srgbClr val="000000"/>
+                </a:solidFill>
+                <a:highlight>
+                  <a:srgbClr val="FFFFFF"/>
+                </a:highlight>
+                <a:latin typeface="Consolas" panose="020B0609020204030204" pitchFamily="49" charset="0"/>
+              </a:rPr>
+              <a:t>(</a:t>
+            </a:r>
+            <a:r>
+              <a:rPr lang="en-US" altLang="ja-JP" sz="1400" dirty="0">
+                <a:solidFill>
+                  <a:srgbClr val="A31515"/>
+                </a:solidFill>
+                <a:highlight>
+                  <a:srgbClr val="FFFFFF"/>
+                </a:highlight>
+                <a:latin typeface="Consolas" panose="020B0609020204030204" pitchFamily="49" charset="0"/>
+              </a:rPr>
+              <a:t>"</a:t>
+            </a:r>
+            <a:r>
+              <a:rPr lang="ja-JP" altLang="en-US" sz="1400" dirty="0">
+                <a:solidFill>
+                  <a:srgbClr val="A31515"/>
+                </a:solidFill>
+                <a:highlight>
+                  <a:srgbClr val="FFFFFF"/>
+                </a:highlight>
+                <a:latin typeface="Consolas" panose="020B0609020204030204" pitchFamily="49" charset="0"/>
+              </a:rPr>
+              <a:t>装備品</a:t>
+            </a:r>
+            <a:r>
+              <a:rPr lang="en-US" altLang="ja-JP" sz="1400" dirty="0">
+                <a:solidFill>
+                  <a:srgbClr val="A31515"/>
+                </a:solidFill>
+                <a:highlight>
+                  <a:srgbClr val="FFFFFF"/>
+                </a:highlight>
+                <a:latin typeface="Consolas" panose="020B0609020204030204" pitchFamily="49" charset="0"/>
+              </a:rPr>
+              <a:t>"</a:t>
+            </a:r>
+            <a:r>
+              <a:rPr lang="en-US" altLang="ja-JP" sz="1400" dirty="0">
+                <a:solidFill>
+                  <a:srgbClr val="000000"/>
+                </a:solidFill>
+                <a:highlight>
+                  <a:srgbClr val="FFFFFF"/>
+                </a:highlight>
+                <a:latin typeface="Consolas" panose="020B0609020204030204" pitchFamily="49" charset="0"/>
+              </a:rPr>
+              <a:t>)]</a:t>
+            </a:r>
+          </a:p>
+          <a:p>
+            <a:r>
+              <a:rPr lang="en-US" altLang="ja-JP" sz="1400" dirty="0" smtClean="0">
+                <a:solidFill>
+                  <a:srgbClr val="0000FF"/>
+                </a:solidFill>
+                <a:highlight>
+                  <a:srgbClr val="FFFFFF"/>
+                </a:highlight>
+                <a:latin typeface="Consolas" panose="020B0609020204030204" pitchFamily="49" charset="0"/>
+              </a:rPr>
+              <a:t>class</a:t>
+            </a:r>
+            <a:r>
+              <a:rPr lang="en-US" altLang="ja-JP" sz="1400" dirty="0" smtClean="0">
+                <a:solidFill>
+                  <a:srgbClr val="000000"/>
+                </a:solidFill>
+                <a:highlight>
+                  <a:srgbClr val="FFFFFF"/>
+                </a:highlight>
+                <a:latin typeface="Consolas" panose="020B0609020204030204" pitchFamily="49" charset="0"/>
+              </a:rPr>
+              <a:t> </a:t>
+            </a:r>
+            <a:r>
+              <a:rPr lang="en-US" altLang="ja-JP" sz="1400" dirty="0">
+                <a:solidFill>
+                  <a:srgbClr val="2B91AF"/>
+                </a:solidFill>
+                <a:highlight>
+                  <a:srgbClr val="FFFFFF"/>
+                </a:highlight>
+                <a:latin typeface="Consolas" panose="020B0609020204030204" pitchFamily="49" charset="0"/>
+              </a:rPr>
+              <a:t>Equipment</a:t>
+            </a:r>
+            <a:endParaRPr lang="en-US" altLang="ja-JP" sz="1400" dirty="0">
+              <a:solidFill>
+                <a:srgbClr val="000000"/>
+              </a:solidFill>
+              <a:highlight>
+                <a:srgbClr val="FFFFFF"/>
+              </a:highlight>
+              <a:latin typeface="Consolas" panose="020B0609020204030204" pitchFamily="49" charset="0"/>
+            </a:endParaRPr>
+          </a:p>
+          <a:p>
+            <a:r>
+              <a:rPr lang="en-US" altLang="ja-JP" sz="1400" dirty="0">
+                <a:solidFill>
+                  <a:srgbClr val="000000"/>
+                </a:solidFill>
+                <a:highlight>
+                  <a:srgbClr val="FFFFFF"/>
+                </a:highlight>
+                <a:latin typeface="Consolas" panose="020B0609020204030204" pitchFamily="49" charset="0"/>
+              </a:rPr>
+              <a:t>{</a:t>
+            </a:r>
+          </a:p>
+          <a:p>
+            <a:r>
+              <a:rPr lang="en-US" altLang="ja-JP" sz="1400" dirty="0">
+                <a:solidFill>
+                  <a:srgbClr val="000000"/>
+                </a:solidFill>
+                <a:highlight>
+                  <a:srgbClr val="FFFFFF"/>
+                </a:highlight>
+                <a:latin typeface="Consolas" panose="020B0609020204030204" pitchFamily="49" charset="0"/>
+              </a:rPr>
+              <a:t>    [</a:t>
+            </a:r>
+            <a:r>
+              <a:rPr lang="en-US" altLang="ja-JP" sz="1400" dirty="0">
+                <a:solidFill>
+                  <a:srgbClr val="2B91AF"/>
+                </a:solidFill>
+                <a:highlight>
+                  <a:srgbClr val="FFFFFF"/>
+                </a:highlight>
+                <a:latin typeface="Consolas" panose="020B0609020204030204" pitchFamily="49" charset="0"/>
+              </a:rPr>
+              <a:t>Comment</a:t>
+            </a:r>
+            <a:r>
+              <a:rPr lang="en-US" altLang="ja-JP" sz="1400" dirty="0">
+                <a:solidFill>
+                  <a:srgbClr val="000000"/>
+                </a:solidFill>
+                <a:highlight>
+                  <a:srgbClr val="FFFFFF"/>
+                </a:highlight>
+                <a:latin typeface="Consolas" panose="020B0609020204030204" pitchFamily="49" charset="0"/>
+              </a:rPr>
+              <a:t>(</a:t>
+            </a:r>
+            <a:r>
+              <a:rPr lang="en-US" altLang="ja-JP" sz="1400" dirty="0">
+                <a:solidFill>
+                  <a:srgbClr val="A31515"/>
+                </a:solidFill>
+                <a:highlight>
+                  <a:srgbClr val="FFFFFF"/>
+                </a:highlight>
+                <a:latin typeface="Consolas" panose="020B0609020204030204" pitchFamily="49" charset="0"/>
+              </a:rPr>
+              <a:t>"</a:t>
+            </a:r>
+            <a:r>
+              <a:rPr lang="ja-JP" altLang="en-US" sz="1400" dirty="0">
+                <a:solidFill>
+                  <a:srgbClr val="A31515"/>
+                </a:solidFill>
+                <a:highlight>
+                  <a:srgbClr val="FFFFFF"/>
+                </a:highlight>
+                <a:latin typeface="Consolas" panose="020B0609020204030204" pitchFamily="49" charset="0"/>
+              </a:rPr>
+              <a:t>アイテム</a:t>
+            </a:r>
+            <a:r>
+              <a:rPr lang="en-US" altLang="ja-JP" sz="1400" dirty="0">
+                <a:solidFill>
+                  <a:srgbClr val="A31515"/>
+                </a:solidFill>
+                <a:highlight>
+                  <a:srgbClr val="FFFFFF"/>
+                </a:highlight>
+                <a:latin typeface="Consolas" panose="020B0609020204030204" pitchFamily="49" charset="0"/>
+              </a:rPr>
+              <a:t>ID"</a:t>
+            </a:r>
+            <a:r>
+              <a:rPr lang="en-US" altLang="ja-JP" sz="1400" dirty="0">
+                <a:solidFill>
+                  <a:srgbClr val="000000"/>
+                </a:solidFill>
+                <a:highlight>
+                  <a:srgbClr val="FFFFFF"/>
+                </a:highlight>
+                <a:latin typeface="Consolas" panose="020B0609020204030204" pitchFamily="49" charset="0"/>
+              </a:rPr>
+              <a:t>)]</a:t>
+            </a:r>
+          </a:p>
+          <a:p>
+            <a:r>
+              <a:rPr lang="en-US" altLang="ja-JP" sz="1400" dirty="0">
+                <a:solidFill>
+                  <a:srgbClr val="000000"/>
+                </a:solidFill>
+                <a:highlight>
+                  <a:srgbClr val="FFFFFF"/>
+                </a:highlight>
+                <a:latin typeface="Consolas" panose="020B0609020204030204" pitchFamily="49" charset="0"/>
+              </a:rPr>
+              <a:t>    </a:t>
+            </a:r>
+            <a:r>
+              <a:rPr lang="en-US" altLang="ja-JP" sz="1400" dirty="0" err="1">
+                <a:solidFill>
+                  <a:srgbClr val="0000FF"/>
+                </a:solidFill>
+                <a:highlight>
+                  <a:srgbClr val="FFFFFF"/>
+                </a:highlight>
+                <a:latin typeface="Consolas" panose="020B0609020204030204" pitchFamily="49" charset="0"/>
+              </a:rPr>
+              <a:t>int</a:t>
+            </a:r>
+            <a:r>
+              <a:rPr lang="en-US" altLang="ja-JP" sz="1400" dirty="0">
+                <a:solidFill>
+                  <a:srgbClr val="000000"/>
+                </a:solidFill>
+                <a:highlight>
+                  <a:srgbClr val="FFFFFF"/>
+                </a:highlight>
+                <a:latin typeface="Consolas" panose="020B0609020204030204" pitchFamily="49" charset="0"/>
+              </a:rPr>
+              <a:t> Id</a:t>
+            </a:r>
+            <a:r>
+              <a:rPr lang="en-US" altLang="ja-JP" sz="1400" dirty="0" smtClean="0">
+                <a:solidFill>
+                  <a:srgbClr val="000000"/>
+                </a:solidFill>
+                <a:highlight>
+                  <a:srgbClr val="FFFFFF"/>
+                </a:highlight>
+                <a:latin typeface="Consolas" panose="020B0609020204030204" pitchFamily="49" charset="0"/>
+              </a:rPr>
+              <a:t>;</a:t>
+            </a:r>
+            <a:endParaRPr lang="en-US" altLang="ja-JP" sz="1400" dirty="0">
+              <a:solidFill>
+                <a:srgbClr val="000000"/>
+              </a:solidFill>
+              <a:highlight>
+                <a:srgbClr val="FFFFFF"/>
+              </a:highlight>
+              <a:latin typeface="Consolas" panose="020B0609020204030204" pitchFamily="49" charset="0"/>
+            </a:endParaRPr>
+          </a:p>
+          <a:p>
+            <a:endParaRPr lang="ja-JP" altLang="en-US" sz="1400" dirty="0">
+              <a:solidFill>
+                <a:srgbClr val="000000"/>
+              </a:solidFill>
+              <a:highlight>
+                <a:srgbClr val="FFFFFF"/>
+              </a:highlight>
+              <a:latin typeface="Consolas" panose="020B0609020204030204" pitchFamily="49" charset="0"/>
+            </a:endParaRPr>
+          </a:p>
+          <a:p>
+            <a:r>
+              <a:rPr lang="en-US" altLang="ja-JP" sz="1400" dirty="0">
+                <a:solidFill>
+                  <a:srgbClr val="000000"/>
+                </a:solidFill>
+                <a:highlight>
+                  <a:srgbClr val="FFFFFF"/>
+                </a:highlight>
+                <a:latin typeface="Consolas" panose="020B0609020204030204" pitchFamily="49" charset="0"/>
+              </a:rPr>
+              <a:t>    [</a:t>
+            </a:r>
+            <a:r>
+              <a:rPr lang="en-US" altLang="ja-JP" sz="1400" dirty="0" err="1">
+                <a:solidFill>
+                  <a:srgbClr val="2B91AF"/>
+                </a:solidFill>
+                <a:highlight>
+                  <a:srgbClr val="FFFFFF"/>
+                </a:highlight>
+                <a:latin typeface="Consolas" panose="020B0609020204030204" pitchFamily="49" charset="0"/>
+              </a:rPr>
+              <a:t>MasterForeignKey</a:t>
+            </a:r>
+            <a:r>
+              <a:rPr lang="en-US" altLang="ja-JP" sz="1400" dirty="0">
+                <a:solidFill>
+                  <a:srgbClr val="000000"/>
+                </a:solidFill>
+                <a:highlight>
+                  <a:srgbClr val="FFFFFF"/>
+                </a:highlight>
+                <a:latin typeface="Consolas" panose="020B0609020204030204" pitchFamily="49" charset="0"/>
+              </a:rPr>
+              <a:t>(</a:t>
+            </a:r>
+            <a:r>
+              <a:rPr lang="en-US" altLang="ja-JP" sz="1400" dirty="0" err="1">
+                <a:solidFill>
+                  <a:srgbClr val="0000FF"/>
+                </a:solidFill>
+                <a:highlight>
+                  <a:srgbClr val="FFFFFF"/>
+                </a:highlight>
+                <a:latin typeface="Consolas" panose="020B0609020204030204" pitchFamily="49" charset="0"/>
+              </a:rPr>
+              <a:t>typeof</a:t>
+            </a:r>
+            <a:r>
+              <a:rPr lang="en-US" altLang="ja-JP" sz="1400" dirty="0">
+                <a:solidFill>
+                  <a:srgbClr val="000000"/>
+                </a:solidFill>
+                <a:highlight>
+                  <a:srgbClr val="FFFFFF"/>
+                </a:highlight>
+                <a:latin typeface="Consolas" panose="020B0609020204030204" pitchFamily="49" charset="0"/>
+              </a:rPr>
+              <a:t>(</a:t>
+            </a:r>
+            <a:r>
+              <a:rPr lang="en-US" altLang="ja-JP" sz="1400" dirty="0" err="1">
+                <a:solidFill>
+                  <a:srgbClr val="2B91AF"/>
+                </a:solidFill>
+                <a:highlight>
+                  <a:srgbClr val="FFFFFF"/>
+                </a:highlight>
+                <a:latin typeface="Consolas" panose="020B0609020204030204" pitchFamily="49" charset="0"/>
+              </a:rPr>
+              <a:t>EquipmentMaster</a:t>
+            </a:r>
+            <a:r>
+              <a:rPr lang="en-US" altLang="ja-JP" sz="1400" dirty="0">
+                <a:solidFill>
+                  <a:srgbClr val="000000"/>
+                </a:solidFill>
+                <a:highlight>
+                  <a:srgbClr val="FFFFFF"/>
+                </a:highlight>
+                <a:latin typeface="Consolas" panose="020B0609020204030204" pitchFamily="49" charset="0"/>
+              </a:rPr>
+              <a:t>))]</a:t>
+            </a:r>
+          </a:p>
+          <a:p>
+            <a:r>
+              <a:rPr lang="ja-JP" altLang="en-US" sz="1400" dirty="0">
+                <a:solidFill>
+                  <a:srgbClr val="000000"/>
+                </a:solidFill>
+                <a:highlight>
+                  <a:srgbClr val="FFFFFF"/>
+                </a:highlight>
+                <a:latin typeface="Consolas" panose="020B0609020204030204" pitchFamily="49" charset="0"/>
+              </a:rPr>
+              <a:t>    </a:t>
+            </a:r>
+            <a:r>
+              <a:rPr lang="en-US" altLang="ja-JP" sz="1400" dirty="0">
+                <a:solidFill>
+                  <a:srgbClr val="000000"/>
+                </a:solidFill>
+                <a:highlight>
+                  <a:srgbClr val="FFFFFF"/>
+                </a:highlight>
+                <a:latin typeface="Consolas" panose="020B0609020204030204" pitchFamily="49" charset="0"/>
+              </a:rPr>
+              <a:t>[</a:t>
+            </a:r>
+            <a:r>
+              <a:rPr lang="en-US" altLang="ja-JP" sz="1400" dirty="0">
+                <a:solidFill>
+                  <a:srgbClr val="2B91AF"/>
+                </a:solidFill>
+                <a:highlight>
+                  <a:srgbClr val="FFFFFF"/>
+                </a:highlight>
+                <a:latin typeface="Consolas" panose="020B0609020204030204" pitchFamily="49" charset="0"/>
+              </a:rPr>
+              <a:t>Comment</a:t>
+            </a:r>
+            <a:r>
+              <a:rPr lang="en-US" altLang="ja-JP" sz="1400" dirty="0">
+                <a:solidFill>
+                  <a:srgbClr val="000000"/>
+                </a:solidFill>
+                <a:highlight>
+                  <a:srgbClr val="FFFFFF"/>
+                </a:highlight>
+                <a:latin typeface="Consolas" panose="020B0609020204030204" pitchFamily="49" charset="0"/>
+              </a:rPr>
+              <a:t>(</a:t>
+            </a:r>
+            <a:r>
+              <a:rPr lang="en-US" altLang="ja-JP" sz="1400" dirty="0">
+                <a:solidFill>
+                  <a:srgbClr val="A31515"/>
+                </a:solidFill>
+                <a:highlight>
+                  <a:srgbClr val="FFFFFF"/>
+                </a:highlight>
+                <a:latin typeface="Consolas" panose="020B0609020204030204" pitchFamily="49" charset="0"/>
+              </a:rPr>
+              <a:t>"</a:t>
+            </a:r>
+            <a:r>
+              <a:rPr lang="ja-JP" altLang="en-US" sz="1400" dirty="0">
+                <a:solidFill>
+                  <a:srgbClr val="A31515"/>
+                </a:solidFill>
+                <a:highlight>
+                  <a:srgbClr val="FFFFFF"/>
+                </a:highlight>
+                <a:latin typeface="Consolas" panose="020B0609020204030204" pitchFamily="49" charset="0"/>
+              </a:rPr>
+              <a:t>アイテムマスター</a:t>
+            </a:r>
+            <a:r>
+              <a:rPr lang="en-US" altLang="ja-JP" sz="1400" dirty="0">
+                <a:solidFill>
+                  <a:srgbClr val="A31515"/>
+                </a:solidFill>
+                <a:highlight>
+                  <a:srgbClr val="FFFFFF"/>
+                </a:highlight>
+                <a:latin typeface="Consolas" panose="020B0609020204030204" pitchFamily="49" charset="0"/>
+              </a:rPr>
+              <a:t>ID"</a:t>
+            </a:r>
+            <a:r>
+              <a:rPr lang="en-US" altLang="ja-JP" sz="1400" dirty="0">
+                <a:solidFill>
+                  <a:srgbClr val="000000"/>
+                </a:solidFill>
+                <a:highlight>
+                  <a:srgbClr val="FFFFFF"/>
+                </a:highlight>
+                <a:latin typeface="Consolas" panose="020B0609020204030204" pitchFamily="49" charset="0"/>
+              </a:rPr>
+              <a:t>)]</a:t>
+            </a:r>
+          </a:p>
+          <a:p>
+            <a:r>
+              <a:rPr lang="en-US" altLang="ja-JP" sz="1400" dirty="0">
+                <a:solidFill>
+                  <a:srgbClr val="000000"/>
+                </a:solidFill>
+                <a:highlight>
+                  <a:srgbClr val="FFFFFF"/>
+                </a:highlight>
+                <a:latin typeface="Consolas" panose="020B0609020204030204" pitchFamily="49" charset="0"/>
+              </a:rPr>
+              <a:t>    </a:t>
+            </a:r>
+            <a:r>
+              <a:rPr lang="en-US" altLang="ja-JP" sz="1400" dirty="0" err="1">
+                <a:solidFill>
+                  <a:srgbClr val="0000FF"/>
+                </a:solidFill>
+                <a:highlight>
+                  <a:srgbClr val="FFFFFF"/>
+                </a:highlight>
+                <a:latin typeface="Consolas" panose="020B0609020204030204" pitchFamily="49" charset="0"/>
+              </a:rPr>
+              <a:t>int</a:t>
+            </a:r>
+            <a:r>
+              <a:rPr lang="en-US" altLang="ja-JP" sz="1400" dirty="0">
+                <a:solidFill>
+                  <a:srgbClr val="000000"/>
+                </a:solidFill>
+                <a:highlight>
+                  <a:srgbClr val="FFFFFF"/>
+                </a:highlight>
+                <a:latin typeface="Consolas" panose="020B0609020204030204" pitchFamily="49" charset="0"/>
+              </a:rPr>
+              <a:t> </a:t>
+            </a:r>
+            <a:r>
+              <a:rPr lang="en-US" altLang="ja-JP" sz="1400" dirty="0" err="1">
+                <a:solidFill>
+                  <a:srgbClr val="000000"/>
+                </a:solidFill>
+                <a:highlight>
+                  <a:srgbClr val="FFFFFF"/>
+                </a:highlight>
+                <a:latin typeface="Consolas" panose="020B0609020204030204" pitchFamily="49" charset="0"/>
+              </a:rPr>
+              <a:t>MasterId</a:t>
+            </a:r>
+            <a:r>
+              <a:rPr lang="en-US" altLang="ja-JP" sz="1400" dirty="0">
+                <a:solidFill>
+                  <a:srgbClr val="000000"/>
+                </a:solidFill>
+                <a:highlight>
+                  <a:srgbClr val="FFFFFF"/>
+                </a:highlight>
+                <a:latin typeface="Consolas" panose="020B0609020204030204" pitchFamily="49" charset="0"/>
+              </a:rPr>
+              <a:t>;</a:t>
+            </a:r>
+          </a:p>
+          <a:p>
+            <a:endParaRPr lang="ja-JP" altLang="en-US" sz="1400" dirty="0">
+              <a:solidFill>
+                <a:srgbClr val="000000"/>
+              </a:solidFill>
+              <a:highlight>
+                <a:srgbClr val="FFFFFF"/>
+              </a:highlight>
+              <a:latin typeface="Consolas" panose="020B0609020204030204" pitchFamily="49" charset="0"/>
+            </a:endParaRPr>
+          </a:p>
+          <a:p>
+            <a:r>
+              <a:rPr lang="en-US" altLang="ja-JP" sz="1400" dirty="0">
+                <a:solidFill>
+                  <a:srgbClr val="000000"/>
+                </a:solidFill>
+                <a:highlight>
+                  <a:srgbClr val="FFFFFF"/>
+                </a:highlight>
+                <a:latin typeface="Consolas" panose="020B0609020204030204" pitchFamily="49" charset="0"/>
+              </a:rPr>
+              <a:t>    [</a:t>
+            </a:r>
+            <a:r>
+              <a:rPr lang="en-US" altLang="ja-JP" sz="1400" dirty="0" err="1">
+                <a:solidFill>
+                  <a:srgbClr val="2B91AF"/>
+                </a:solidFill>
+                <a:highlight>
+                  <a:srgbClr val="FFFFFF"/>
+                </a:highlight>
+                <a:latin typeface="Consolas" panose="020B0609020204030204" pitchFamily="49" charset="0"/>
+              </a:rPr>
+              <a:t>InventoryForeignKey</a:t>
+            </a:r>
+            <a:r>
+              <a:rPr lang="en-US" altLang="ja-JP" sz="1400" dirty="0">
+                <a:solidFill>
+                  <a:srgbClr val="000000"/>
+                </a:solidFill>
+                <a:highlight>
+                  <a:srgbClr val="FFFFFF"/>
+                </a:highlight>
+                <a:latin typeface="Consolas" panose="020B0609020204030204" pitchFamily="49" charset="0"/>
+              </a:rPr>
+              <a:t>(</a:t>
+            </a:r>
+            <a:r>
+              <a:rPr lang="en-US" altLang="ja-JP" sz="1400" dirty="0">
+                <a:solidFill>
+                  <a:srgbClr val="A31515"/>
+                </a:solidFill>
+                <a:highlight>
+                  <a:srgbClr val="FFFFFF"/>
+                </a:highlight>
+                <a:latin typeface="Consolas" panose="020B0609020204030204" pitchFamily="49" charset="0"/>
+              </a:rPr>
+              <a:t>"Enhancers"</a:t>
+            </a:r>
+            <a:r>
+              <a:rPr lang="en-US" altLang="ja-JP" sz="1400" dirty="0">
+                <a:solidFill>
+                  <a:srgbClr val="000000"/>
+                </a:solidFill>
+                <a:highlight>
+                  <a:srgbClr val="FFFFFF"/>
+                </a:highlight>
+                <a:latin typeface="Consolas" panose="020B0609020204030204" pitchFamily="49" charset="0"/>
+              </a:rPr>
+              <a:t>)]</a:t>
+            </a:r>
+          </a:p>
+          <a:p>
+            <a:r>
+              <a:rPr lang="ja-JP" altLang="en-US" sz="1400" dirty="0">
+                <a:solidFill>
+                  <a:srgbClr val="000000"/>
+                </a:solidFill>
+                <a:highlight>
+                  <a:srgbClr val="FFFFFF"/>
+                </a:highlight>
+                <a:latin typeface="Consolas" panose="020B0609020204030204" pitchFamily="49" charset="0"/>
+              </a:rPr>
+              <a:t>    </a:t>
+            </a:r>
+            <a:r>
+              <a:rPr lang="en-US" altLang="ja-JP" sz="1400" dirty="0">
+                <a:solidFill>
+                  <a:srgbClr val="000000"/>
+                </a:solidFill>
+                <a:highlight>
+                  <a:srgbClr val="FFFFFF"/>
+                </a:highlight>
+                <a:latin typeface="Consolas" panose="020B0609020204030204" pitchFamily="49" charset="0"/>
+              </a:rPr>
+              <a:t>[</a:t>
+            </a:r>
+            <a:r>
+              <a:rPr lang="en-US" altLang="ja-JP" sz="1400" dirty="0">
+                <a:solidFill>
+                  <a:srgbClr val="2B91AF"/>
+                </a:solidFill>
+                <a:highlight>
+                  <a:srgbClr val="FFFFFF"/>
+                </a:highlight>
+                <a:latin typeface="Consolas" panose="020B0609020204030204" pitchFamily="49" charset="0"/>
+              </a:rPr>
+              <a:t>Comment</a:t>
+            </a:r>
+            <a:r>
+              <a:rPr lang="en-US" altLang="ja-JP" sz="1400" dirty="0" smtClean="0">
+                <a:solidFill>
+                  <a:srgbClr val="000000"/>
+                </a:solidFill>
+                <a:highlight>
+                  <a:srgbClr val="FFFFFF"/>
+                </a:highlight>
+                <a:latin typeface="Consolas" panose="020B0609020204030204" pitchFamily="49" charset="0"/>
+              </a:rPr>
+              <a:t>(</a:t>
+            </a:r>
+            <a:r>
+              <a:rPr lang="en-US" altLang="ja-JP" sz="1400" dirty="0" smtClean="0">
+                <a:solidFill>
+                  <a:srgbClr val="A31515"/>
+                </a:solidFill>
+                <a:highlight>
+                  <a:srgbClr val="FFFFFF"/>
+                </a:highlight>
+                <a:latin typeface="Consolas" panose="020B0609020204030204" pitchFamily="49" charset="0"/>
+              </a:rPr>
+              <a:t>"</a:t>
+            </a:r>
+            <a:r>
+              <a:rPr lang="ja-JP" altLang="en-US" sz="1400" dirty="0" smtClean="0">
+                <a:solidFill>
+                  <a:srgbClr val="A31515"/>
+                </a:solidFill>
+                <a:highlight>
+                  <a:srgbClr val="FFFFFF"/>
+                </a:highlight>
+                <a:latin typeface="Consolas" panose="020B0609020204030204" pitchFamily="49" charset="0"/>
+              </a:rPr>
+              <a:t>装備</a:t>
+            </a:r>
+            <a:r>
+              <a:rPr lang="ja-JP" altLang="en-US" sz="1400" dirty="0">
+                <a:solidFill>
+                  <a:srgbClr val="A31515"/>
+                </a:solidFill>
+                <a:highlight>
+                  <a:srgbClr val="FFFFFF"/>
+                </a:highlight>
+                <a:latin typeface="Consolas" panose="020B0609020204030204" pitchFamily="49" charset="0"/>
+              </a:rPr>
+              <a:t>強化アイテム</a:t>
+            </a:r>
+            <a:r>
+              <a:rPr lang="ja-JP" altLang="en-US" sz="1400" dirty="0" smtClean="0">
+                <a:solidFill>
+                  <a:srgbClr val="A31515"/>
+                </a:solidFill>
+                <a:highlight>
+                  <a:srgbClr val="FFFFFF"/>
+                </a:highlight>
+                <a:latin typeface="Consolas" panose="020B0609020204030204" pitchFamily="49" charset="0"/>
+              </a:rPr>
+              <a:t>の</a:t>
+            </a:r>
+            <a:r>
+              <a:rPr lang="en-US" altLang="ja-JP" sz="1400" dirty="0" smtClean="0">
+                <a:solidFill>
+                  <a:srgbClr val="A31515"/>
+                </a:solidFill>
+                <a:highlight>
+                  <a:srgbClr val="FFFFFF"/>
+                </a:highlight>
+                <a:latin typeface="Consolas" panose="020B0609020204030204" pitchFamily="49" charset="0"/>
+              </a:rPr>
+              <a:t>I</a:t>
+            </a:r>
+            <a:r>
+              <a:rPr lang="en-US" altLang="ja-JP" sz="1400" dirty="0">
+                <a:solidFill>
+                  <a:srgbClr val="A31515"/>
+                </a:solidFill>
+                <a:highlight>
+                  <a:srgbClr val="FFFFFF"/>
+                </a:highlight>
+                <a:latin typeface="Consolas" panose="020B0609020204030204" pitchFamily="49" charset="0"/>
+              </a:rPr>
+              <a:t>D</a:t>
+            </a:r>
+            <a:r>
+              <a:rPr lang="en-US" altLang="ja-JP" sz="1400" dirty="0" smtClean="0">
+                <a:solidFill>
+                  <a:srgbClr val="A31515"/>
+                </a:solidFill>
+                <a:highlight>
+                  <a:srgbClr val="FFFFFF"/>
+                </a:highlight>
+                <a:latin typeface="Consolas" panose="020B0609020204030204" pitchFamily="49" charset="0"/>
+              </a:rPr>
+              <a:t>"</a:t>
+            </a:r>
+            <a:r>
+              <a:rPr lang="en-US" altLang="ja-JP" sz="1400" dirty="0" smtClean="0">
+                <a:solidFill>
+                  <a:srgbClr val="000000"/>
+                </a:solidFill>
+                <a:highlight>
+                  <a:srgbClr val="FFFFFF"/>
+                </a:highlight>
+                <a:latin typeface="Consolas" panose="020B0609020204030204" pitchFamily="49" charset="0"/>
+              </a:rPr>
+              <a:t>)]</a:t>
+            </a:r>
+            <a:endParaRPr lang="en-US" altLang="ja-JP" sz="1400" dirty="0">
+              <a:solidFill>
+                <a:srgbClr val="000000"/>
+              </a:solidFill>
+              <a:highlight>
+                <a:srgbClr val="FFFFFF"/>
+              </a:highlight>
+              <a:latin typeface="Consolas" panose="020B0609020204030204" pitchFamily="49" charset="0"/>
+            </a:endParaRPr>
+          </a:p>
+          <a:p>
+            <a:r>
+              <a:rPr lang="en-US" altLang="ja-JP" sz="1400" dirty="0">
+                <a:solidFill>
+                  <a:srgbClr val="000000"/>
+                </a:solidFill>
+                <a:highlight>
+                  <a:srgbClr val="FFFFFF"/>
+                </a:highlight>
+                <a:latin typeface="Consolas" panose="020B0609020204030204" pitchFamily="49" charset="0"/>
+              </a:rPr>
+              <a:t>    </a:t>
+            </a:r>
+            <a:r>
+              <a:rPr lang="en-US" altLang="ja-JP" sz="1400" dirty="0" err="1">
+                <a:solidFill>
+                  <a:srgbClr val="0000FF"/>
+                </a:solidFill>
+                <a:highlight>
+                  <a:srgbClr val="FFFFFF"/>
+                </a:highlight>
+                <a:latin typeface="Consolas" panose="020B0609020204030204" pitchFamily="49" charset="0"/>
+              </a:rPr>
+              <a:t>int</a:t>
+            </a:r>
+            <a:r>
+              <a:rPr lang="en-US" altLang="ja-JP" sz="1400" dirty="0">
+                <a:solidFill>
+                  <a:srgbClr val="000000"/>
+                </a:solidFill>
+                <a:highlight>
+                  <a:srgbClr val="FFFFFF"/>
+                </a:highlight>
+                <a:latin typeface="Consolas" panose="020B0609020204030204" pitchFamily="49" charset="0"/>
+              </a:rPr>
+              <a:t>?[] </a:t>
+            </a:r>
+            <a:r>
+              <a:rPr lang="en-US" altLang="ja-JP" sz="1400" dirty="0" err="1">
+                <a:solidFill>
+                  <a:srgbClr val="000000"/>
+                </a:solidFill>
+                <a:highlight>
+                  <a:srgbClr val="FFFFFF"/>
+                </a:highlight>
+                <a:latin typeface="Consolas" panose="020B0609020204030204" pitchFamily="49" charset="0"/>
+              </a:rPr>
+              <a:t>EnhancerIds</a:t>
+            </a:r>
+            <a:r>
+              <a:rPr lang="en-US" altLang="ja-JP" sz="1400" dirty="0">
+                <a:solidFill>
+                  <a:srgbClr val="000000"/>
+                </a:solidFill>
+                <a:highlight>
+                  <a:srgbClr val="FFFFFF"/>
+                </a:highlight>
+                <a:latin typeface="Consolas" panose="020B0609020204030204" pitchFamily="49" charset="0"/>
+              </a:rPr>
+              <a:t>;</a:t>
+            </a:r>
+          </a:p>
+          <a:p>
+            <a:endParaRPr lang="ja-JP" altLang="en-US" sz="1400" dirty="0">
+              <a:solidFill>
+                <a:srgbClr val="000000"/>
+              </a:solidFill>
+              <a:highlight>
+                <a:srgbClr val="FFFFFF"/>
+              </a:highlight>
+              <a:latin typeface="Consolas" panose="020B0609020204030204" pitchFamily="49" charset="0"/>
+            </a:endParaRPr>
+          </a:p>
+          <a:p>
+            <a:r>
+              <a:rPr lang="en-US" altLang="ja-JP" sz="1400" dirty="0">
+                <a:solidFill>
+                  <a:srgbClr val="000000"/>
+                </a:solidFill>
+                <a:highlight>
+                  <a:srgbClr val="FFFFFF"/>
+                </a:highlight>
+                <a:latin typeface="Consolas" panose="020B0609020204030204" pitchFamily="49" charset="0"/>
+              </a:rPr>
+              <a:t>    [</a:t>
+            </a:r>
+            <a:r>
+              <a:rPr lang="en-US" altLang="ja-JP" sz="1400" dirty="0">
+                <a:solidFill>
+                  <a:srgbClr val="2B91AF"/>
+                </a:solidFill>
+                <a:highlight>
+                  <a:srgbClr val="FFFFFF"/>
+                </a:highlight>
+                <a:latin typeface="Consolas" panose="020B0609020204030204" pitchFamily="49" charset="0"/>
+              </a:rPr>
+              <a:t>Required</a:t>
+            </a:r>
+            <a:r>
+              <a:rPr lang="en-US" altLang="ja-JP" sz="1400" dirty="0">
+                <a:solidFill>
+                  <a:srgbClr val="000000"/>
+                </a:solidFill>
+                <a:highlight>
+                  <a:srgbClr val="FFFFFF"/>
+                </a:highlight>
+                <a:latin typeface="Consolas" panose="020B0609020204030204" pitchFamily="49" charset="0"/>
+              </a:rPr>
+              <a:t>(</a:t>
+            </a:r>
+            <a:r>
+              <a:rPr lang="en-US" altLang="ja-JP" sz="1400" dirty="0">
+                <a:solidFill>
+                  <a:srgbClr val="0000FF"/>
+                </a:solidFill>
+                <a:highlight>
+                  <a:srgbClr val="FFFFFF"/>
+                </a:highlight>
+                <a:latin typeface="Consolas" panose="020B0609020204030204" pitchFamily="49" charset="0"/>
+              </a:rPr>
+              <a:t>false</a:t>
+            </a:r>
+            <a:r>
+              <a:rPr lang="en-US" altLang="ja-JP" sz="1400" dirty="0">
+                <a:solidFill>
+                  <a:srgbClr val="000000"/>
+                </a:solidFill>
+                <a:highlight>
+                  <a:srgbClr val="FFFFFF"/>
+                </a:highlight>
+                <a:latin typeface="Consolas" panose="020B0609020204030204" pitchFamily="49" charset="0"/>
+              </a:rPr>
+              <a:t>, </a:t>
+            </a:r>
+            <a:r>
+              <a:rPr lang="en-US" altLang="ja-JP" sz="1400" dirty="0">
+                <a:solidFill>
+                  <a:srgbClr val="0000FF"/>
+                </a:solidFill>
+                <a:highlight>
+                  <a:srgbClr val="FFFFFF"/>
+                </a:highlight>
+                <a:latin typeface="Consolas" panose="020B0609020204030204" pitchFamily="49" charset="0"/>
+              </a:rPr>
+              <a:t>true</a:t>
+            </a:r>
+            <a:r>
+              <a:rPr lang="en-US" altLang="ja-JP" sz="1400" dirty="0">
+                <a:solidFill>
+                  <a:srgbClr val="000000"/>
+                </a:solidFill>
+                <a:highlight>
+                  <a:srgbClr val="FFFFFF"/>
+                </a:highlight>
+                <a:latin typeface="Consolas" panose="020B0609020204030204" pitchFamily="49" charset="0"/>
+              </a:rPr>
+              <a:t>)]</a:t>
+            </a:r>
+          </a:p>
+          <a:p>
+            <a:r>
+              <a:rPr lang="ja-JP" altLang="en-US" sz="1400" dirty="0">
+                <a:solidFill>
+                  <a:srgbClr val="000000"/>
+                </a:solidFill>
+                <a:highlight>
+                  <a:srgbClr val="FFFFFF"/>
+                </a:highlight>
+                <a:latin typeface="Consolas" panose="020B0609020204030204" pitchFamily="49" charset="0"/>
+              </a:rPr>
+              <a:t>    </a:t>
+            </a:r>
+            <a:r>
+              <a:rPr lang="en-US" altLang="ja-JP" sz="1400" dirty="0">
+                <a:solidFill>
+                  <a:srgbClr val="000000"/>
+                </a:solidFill>
+                <a:highlight>
+                  <a:srgbClr val="FFFFFF"/>
+                </a:highlight>
+                <a:latin typeface="Consolas" panose="020B0609020204030204" pitchFamily="49" charset="0"/>
+              </a:rPr>
+              <a:t>[</a:t>
+            </a:r>
+            <a:r>
+              <a:rPr lang="en-US" altLang="ja-JP" sz="1400" dirty="0">
+                <a:solidFill>
+                  <a:srgbClr val="2B91AF"/>
+                </a:solidFill>
+                <a:highlight>
+                  <a:srgbClr val="FFFFFF"/>
+                </a:highlight>
+                <a:latin typeface="Consolas" panose="020B0609020204030204" pitchFamily="49" charset="0"/>
+              </a:rPr>
+              <a:t>Comment</a:t>
+            </a:r>
+            <a:r>
+              <a:rPr lang="en-US" altLang="ja-JP" sz="1400" dirty="0" smtClean="0">
+                <a:solidFill>
+                  <a:srgbClr val="000000"/>
+                </a:solidFill>
+                <a:highlight>
+                  <a:srgbClr val="FFFFFF"/>
+                </a:highlight>
+                <a:latin typeface="Consolas" panose="020B0609020204030204" pitchFamily="49" charset="0"/>
+              </a:rPr>
+              <a:t>(</a:t>
+            </a:r>
+            <a:r>
+              <a:rPr lang="en-US" altLang="ja-JP" sz="1400" dirty="0" smtClean="0">
+                <a:solidFill>
+                  <a:srgbClr val="A31515"/>
+                </a:solidFill>
+                <a:highlight>
+                  <a:srgbClr val="FFFFFF"/>
+                </a:highlight>
+                <a:latin typeface="Consolas" panose="020B0609020204030204" pitchFamily="49" charset="0"/>
+              </a:rPr>
+              <a:t>"</a:t>
+            </a:r>
+            <a:r>
+              <a:rPr lang="ja-JP" altLang="en-US" sz="1400" dirty="0" smtClean="0">
+                <a:solidFill>
+                  <a:srgbClr val="A31515"/>
+                </a:solidFill>
+                <a:highlight>
+                  <a:srgbClr val="FFFFFF"/>
+                </a:highlight>
+                <a:latin typeface="Consolas" panose="020B0609020204030204" pitchFamily="49" charset="0"/>
+              </a:rPr>
+              <a:t>インスタンスごとの追加能力</a:t>
+            </a:r>
+            <a:r>
+              <a:rPr lang="en-US" altLang="ja-JP" sz="1400" dirty="0" smtClean="0">
+                <a:solidFill>
+                  <a:srgbClr val="A31515"/>
+                </a:solidFill>
+                <a:highlight>
+                  <a:srgbClr val="FFFFFF"/>
+                </a:highlight>
+                <a:latin typeface="Consolas" panose="020B0609020204030204" pitchFamily="49" charset="0"/>
+              </a:rPr>
+              <a:t>"</a:t>
+            </a:r>
+            <a:r>
+              <a:rPr lang="en-US" altLang="ja-JP" sz="1400" dirty="0" smtClean="0">
+                <a:solidFill>
+                  <a:srgbClr val="000000"/>
+                </a:solidFill>
+                <a:highlight>
+                  <a:srgbClr val="FFFFFF"/>
+                </a:highlight>
+                <a:latin typeface="Consolas" panose="020B0609020204030204" pitchFamily="49" charset="0"/>
+              </a:rPr>
+              <a:t>)]</a:t>
+            </a:r>
+            <a:endParaRPr lang="en-US" altLang="ja-JP" sz="1400" dirty="0">
+              <a:solidFill>
+                <a:srgbClr val="000000"/>
+              </a:solidFill>
+              <a:highlight>
+                <a:srgbClr val="FFFFFF"/>
+              </a:highlight>
+              <a:latin typeface="Consolas" panose="020B0609020204030204" pitchFamily="49" charset="0"/>
+            </a:endParaRPr>
+          </a:p>
+          <a:p>
+            <a:r>
+              <a:rPr lang="en-US" altLang="ja-JP" sz="1400" dirty="0">
+                <a:solidFill>
+                  <a:srgbClr val="000000"/>
+                </a:solidFill>
+                <a:highlight>
+                  <a:srgbClr val="FFFFFF"/>
+                </a:highlight>
+                <a:latin typeface="Consolas" panose="020B0609020204030204" pitchFamily="49" charset="0"/>
+              </a:rPr>
+              <a:t>    </a:t>
+            </a:r>
+            <a:r>
+              <a:rPr lang="en-US" altLang="ja-JP" sz="1400" dirty="0" err="1">
+                <a:solidFill>
+                  <a:srgbClr val="2B91AF"/>
+                </a:solidFill>
+                <a:highlight>
+                  <a:srgbClr val="FFFFFF"/>
+                </a:highlight>
+                <a:latin typeface="Consolas" panose="020B0609020204030204" pitchFamily="49" charset="0"/>
+              </a:rPr>
+              <a:t>AbilityIndexedValue</a:t>
+            </a:r>
+            <a:r>
+              <a:rPr lang="en-US" altLang="ja-JP" sz="1400" dirty="0">
+                <a:solidFill>
+                  <a:srgbClr val="000000"/>
+                </a:solidFill>
+                <a:highlight>
+                  <a:srgbClr val="FFFFFF"/>
+                </a:highlight>
+                <a:latin typeface="Consolas" panose="020B0609020204030204" pitchFamily="49" charset="0"/>
+              </a:rPr>
+              <a:t>[] </a:t>
+            </a:r>
+            <a:r>
+              <a:rPr lang="en-US" altLang="ja-JP" sz="1400" dirty="0" err="1">
+                <a:solidFill>
+                  <a:srgbClr val="000000"/>
+                </a:solidFill>
+                <a:highlight>
+                  <a:srgbClr val="FFFFFF"/>
+                </a:highlight>
+                <a:latin typeface="Consolas" panose="020B0609020204030204" pitchFamily="49" charset="0"/>
+              </a:rPr>
+              <a:t>InstanceAbilities</a:t>
+            </a:r>
+            <a:r>
+              <a:rPr lang="en-US" altLang="ja-JP" sz="1400" dirty="0">
+                <a:solidFill>
+                  <a:srgbClr val="000000"/>
+                </a:solidFill>
+                <a:highlight>
+                  <a:srgbClr val="FFFFFF"/>
+                </a:highlight>
+                <a:latin typeface="Consolas" panose="020B0609020204030204" pitchFamily="49" charset="0"/>
+              </a:rPr>
+              <a:t>;</a:t>
+            </a:r>
+          </a:p>
+          <a:p>
+            <a:r>
+              <a:rPr lang="en-US" altLang="ja-JP" sz="1400" dirty="0">
+                <a:solidFill>
+                  <a:srgbClr val="000000"/>
+                </a:solidFill>
+                <a:highlight>
+                  <a:srgbClr val="FFFFFF"/>
+                </a:highlight>
+                <a:latin typeface="Consolas" panose="020B0609020204030204" pitchFamily="49" charset="0"/>
+              </a:rPr>
+              <a:t>}</a:t>
+            </a:r>
+            <a:endParaRPr kumimoji="1" lang="ja-JP" altLang="en-US" sz="1400" dirty="0"/>
+          </a:p>
+        </p:txBody>
+      </p:sp>
+      <p:sp>
+        <p:nvSpPr>
+          <p:cNvPr id="5" name="テキスト ボックス 4"/>
+          <p:cNvSpPr txBox="1"/>
+          <p:nvPr/>
+        </p:nvSpPr>
+        <p:spPr>
+          <a:xfrm>
+            <a:off x="6010275" y="2152353"/>
+            <a:ext cx="3762568" cy="3323987"/>
+          </a:xfrm>
+          <a:prstGeom prst="rect">
+            <a:avLst/>
+          </a:prstGeom>
+        </p:spPr>
+        <p:style>
+          <a:lnRef idx="2">
+            <a:schemeClr val="accent5"/>
+          </a:lnRef>
+          <a:fillRef idx="1">
+            <a:schemeClr val="lt1"/>
+          </a:fillRef>
+          <a:effectRef idx="0">
+            <a:schemeClr val="accent5"/>
+          </a:effectRef>
+          <a:fontRef idx="minor">
+            <a:schemeClr val="dk1"/>
+          </a:fontRef>
+        </p:style>
+        <p:txBody>
+          <a:bodyPr wrap="none" rtlCol="0">
+            <a:spAutoFit/>
+          </a:bodyPr>
+          <a:lstStyle/>
+          <a:p>
+            <a:r>
+              <a:rPr lang="en-US" altLang="ja-JP" sz="1400" dirty="0">
+                <a:solidFill>
+                  <a:srgbClr val="000000"/>
+                </a:solidFill>
+                <a:highlight>
+                  <a:srgbClr val="FFFFFF"/>
+                </a:highlight>
+                <a:latin typeface="Consolas" panose="020B0609020204030204" pitchFamily="49" charset="0"/>
+              </a:rPr>
+              <a:t>[</a:t>
+            </a:r>
+            <a:r>
+              <a:rPr lang="en-US" altLang="ja-JP" sz="1400" dirty="0">
+                <a:solidFill>
+                  <a:srgbClr val="2B91AF"/>
+                </a:solidFill>
+                <a:highlight>
+                  <a:srgbClr val="FFFFFF"/>
+                </a:highlight>
+                <a:latin typeface="Consolas" panose="020B0609020204030204" pitchFamily="49" charset="0"/>
+              </a:rPr>
+              <a:t>Comment</a:t>
+            </a:r>
+            <a:r>
+              <a:rPr lang="en-US" altLang="ja-JP" sz="1400" dirty="0">
+                <a:solidFill>
+                  <a:srgbClr val="000000"/>
+                </a:solidFill>
+                <a:highlight>
+                  <a:srgbClr val="FFFFFF"/>
+                </a:highlight>
+                <a:latin typeface="Consolas" panose="020B0609020204030204" pitchFamily="49" charset="0"/>
+              </a:rPr>
+              <a:t>(</a:t>
+            </a:r>
+            <a:r>
+              <a:rPr lang="en-US" altLang="ja-JP" sz="1400" dirty="0">
+                <a:solidFill>
+                  <a:srgbClr val="A31515"/>
+                </a:solidFill>
+                <a:highlight>
+                  <a:srgbClr val="FFFFFF"/>
+                </a:highlight>
+                <a:latin typeface="Consolas" panose="020B0609020204030204" pitchFamily="49" charset="0"/>
+              </a:rPr>
+              <a:t>"</a:t>
+            </a:r>
+            <a:r>
+              <a:rPr lang="ja-JP" altLang="en-US" sz="1400" dirty="0">
+                <a:solidFill>
+                  <a:srgbClr val="A31515"/>
+                </a:solidFill>
+                <a:highlight>
+                  <a:srgbClr val="FFFFFF"/>
+                </a:highlight>
+                <a:latin typeface="Consolas" panose="020B0609020204030204" pitchFamily="49" charset="0"/>
+              </a:rPr>
+              <a:t>装備する</a:t>
+            </a:r>
+            <a:r>
+              <a:rPr lang="en-US" altLang="ja-JP" sz="1400" dirty="0">
+                <a:solidFill>
+                  <a:srgbClr val="A31515"/>
+                </a:solidFill>
+                <a:highlight>
+                  <a:srgbClr val="FFFFFF"/>
+                </a:highlight>
+                <a:latin typeface="Consolas" panose="020B0609020204030204" pitchFamily="49" charset="0"/>
+              </a:rPr>
+              <a:t>"</a:t>
+            </a:r>
+            <a:r>
+              <a:rPr lang="en-US" altLang="ja-JP" sz="1400" dirty="0">
+                <a:solidFill>
+                  <a:srgbClr val="000000"/>
+                </a:solidFill>
+                <a:highlight>
+                  <a:srgbClr val="FFFFFF"/>
+                </a:highlight>
+                <a:latin typeface="Consolas" panose="020B0609020204030204" pitchFamily="49" charset="0"/>
+              </a:rPr>
+              <a:t>)]</a:t>
+            </a:r>
+          </a:p>
+          <a:p>
+            <a:r>
+              <a:rPr lang="en-US" altLang="ja-JP" sz="1400" dirty="0">
+                <a:solidFill>
+                  <a:srgbClr val="0000FF"/>
+                </a:solidFill>
+                <a:highlight>
+                  <a:srgbClr val="FFFFFF"/>
+                </a:highlight>
+                <a:latin typeface="Consolas" panose="020B0609020204030204" pitchFamily="49" charset="0"/>
+              </a:rPr>
+              <a:t>void</a:t>
+            </a:r>
+            <a:r>
+              <a:rPr lang="en-US" altLang="ja-JP" sz="1400" dirty="0">
+                <a:solidFill>
+                  <a:srgbClr val="000000"/>
+                </a:solidFill>
+                <a:highlight>
+                  <a:srgbClr val="FFFFFF"/>
+                </a:highlight>
+                <a:latin typeface="Consolas" panose="020B0609020204030204" pitchFamily="49" charset="0"/>
+              </a:rPr>
+              <a:t> </a:t>
+            </a:r>
+            <a:r>
+              <a:rPr lang="en-US" altLang="ja-JP" sz="1400" dirty="0" err="1">
+                <a:solidFill>
+                  <a:srgbClr val="000000"/>
+                </a:solidFill>
+                <a:highlight>
+                  <a:srgbClr val="FFFFFF"/>
+                </a:highlight>
+                <a:latin typeface="Consolas" panose="020B0609020204030204" pitchFamily="49" charset="0"/>
+              </a:rPr>
+              <a:t>AddEquipment</a:t>
+            </a:r>
+            <a:r>
+              <a:rPr lang="en-US" altLang="ja-JP" sz="1400" dirty="0">
+                <a:solidFill>
+                  <a:srgbClr val="000000"/>
+                </a:solidFill>
+                <a:highlight>
+                  <a:srgbClr val="FFFFFF"/>
+                </a:highlight>
+                <a:latin typeface="Consolas" panose="020B0609020204030204" pitchFamily="49" charset="0"/>
+              </a:rPr>
+              <a:t>(</a:t>
+            </a:r>
+          </a:p>
+          <a:p>
+            <a:r>
+              <a:rPr lang="ja-JP" altLang="en-US" sz="1400" dirty="0">
+                <a:solidFill>
+                  <a:srgbClr val="000000"/>
+                </a:solidFill>
+                <a:highlight>
+                  <a:srgbClr val="FFFFFF"/>
+                </a:highlight>
+                <a:latin typeface="Consolas" panose="020B0609020204030204" pitchFamily="49" charset="0"/>
+              </a:rPr>
+              <a:t>    </a:t>
+            </a:r>
+            <a:r>
+              <a:rPr lang="en-US" altLang="ja-JP" sz="1400" dirty="0">
+                <a:solidFill>
+                  <a:srgbClr val="000000"/>
+                </a:solidFill>
+                <a:highlight>
+                  <a:srgbClr val="FFFFFF"/>
+                </a:highlight>
+                <a:latin typeface="Consolas" panose="020B0609020204030204" pitchFamily="49" charset="0"/>
+              </a:rPr>
+              <a:t>[</a:t>
+            </a:r>
+            <a:r>
+              <a:rPr lang="en-US" altLang="ja-JP" sz="1400" dirty="0">
+                <a:solidFill>
+                  <a:srgbClr val="2B91AF"/>
+                </a:solidFill>
+                <a:highlight>
+                  <a:srgbClr val="FFFFFF"/>
+                </a:highlight>
+                <a:latin typeface="Consolas" panose="020B0609020204030204" pitchFamily="49" charset="0"/>
+              </a:rPr>
+              <a:t>Comment</a:t>
+            </a:r>
+            <a:r>
+              <a:rPr lang="en-US" altLang="ja-JP" sz="1400" dirty="0" smtClean="0">
+                <a:solidFill>
+                  <a:srgbClr val="000000"/>
+                </a:solidFill>
+                <a:highlight>
+                  <a:srgbClr val="FFFFFF"/>
+                </a:highlight>
+                <a:latin typeface="Consolas" panose="020B0609020204030204" pitchFamily="49" charset="0"/>
+              </a:rPr>
+              <a:t>(</a:t>
+            </a:r>
+            <a:r>
+              <a:rPr lang="en-US" altLang="ja-JP" sz="1400" dirty="0" smtClean="0">
+                <a:solidFill>
+                  <a:srgbClr val="A31515"/>
+                </a:solidFill>
+                <a:highlight>
+                  <a:srgbClr val="FFFFFF"/>
+                </a:highlight>
+                <a:latin typeface="Consolas" panose="020B0609020204030204" pitchFamily="49" charset="0"/>
+              </a:rPr>
+              <a:t>"</a:t>
+            </a:r>
+            <a:r>
+              <a:rPr lang="ja-JP" altLang="en-US" sz="1400" dirty="0" smtClean="0">
+                <a:solidFill>
+                  <a:srgbClr val="A31515"/>
+                </a:solidFill>
+                <a:highlight>
+                  <a:srgbClr val="FFFFFF"/>
+                </a:highlight>
+                <a:latin typeface="Consolas" panose="020B0609020204030204" pitchFamily="49" charset="0"/>
+              </a:rPr>
+              <a:t>誰</a:t>
+            </a:r>
+            <a:r>
+              <a:rPr lang="ja-JP" altLang="en-US" sz="1400" dirty="0">
+                <a:solidFill>
+                  <a:srgbClr val="A31515"/>
+                </a:solidFill>
+                <a:highlight>
+                  <a:srgbClr val="FFFFFF"/>
+                </a:highlight>
+                <a:latin typeface="Consolas" panose="020B0609020204030204" pitchFamily="49" charset="0"/>
+              </a:rPr>
+              <a:t>の</a:t>
+            </a:r>
+            <a:r>
+              <a:rPr lang="en-US" altLang="ja-JP" sz="1400" dirty="0" smtClean="0">
+                <a:solidFill>
+                  <a:srgbClr val="A31515"/>
+                </a:solidFill>
+                <a:highlight>
+                  <a:srgbClr val="FFFFFF"/>
+                </a:highlight>
+                <a:latin typeface="Consolas" panose="020B0609020204030204" pitchFamily="49" charset="0"/>
+              </a:rPr>
+              <a:t>(</a:t>
+            </a:r>
+            <a:r>
+              <a:rPr lang="ja-JP" altLang="en-US" sz="1400" dirty="0" smtClean="0">
+                <a:solidFill>
+                  <a:srgbClr val="A31515"/>
+                </a:solidFill>
+                <a:highlight>
+                  <a:srgbClr val="FFFFFF"/>
+                </a:highlight>
+                <a:latin typeface="Consolas" panose="020B0609020204030204" pitchFamily="49" charset="0"/>
+              </a:rPr>
+              <a:t>ユニットの</a:t>
+            </a:r>
+            <a:r>
+              <a:rPr lang="en-US" altLang="ja-JP" sz="1400" dirty="0" smtClean="0">
+                <a:solidFill>
+                  <a:srgbClr val="A31515"/>
+                </a:solidFill>
+                <a:highlight>
+                  <a:srgbClr val="FFFFFF"/>
+                </a:highlight>
+                <a:latin typeface="Consolas" panose="020B0609020204030204" pitchFamily="49" charset="0"/>
+              </a:rPr>
+              <a:t>ID</a:t>
+            </a:r>
+            <a:r>
+              <a:rPr lang="en-US" altLang="ja-JP" sz="1400" dirty="0">
+                <a:solidFill>
+                  <a:srgbClr val="A31515"/>
+                </a:solidFill>
+                <a:highlight>
+                  <a:srgbClr val="FFFFFF"/>
+                </a:highlight>
+                <a:latin typeface="Consolas" panose="020B0609020204030204" pitchFamily="49" charset="0"/>
+              </a:rPr>
+              <a:t>)"</a:t>
+            </a:r>
+            <a:r>
+              <a:rPr lang="en-US" altLang="ja-JP" sz="1400" dirty="0">
+                <a:solidFill>
+                  <a:srgbClr val="000000"/>
+                </a:solidFill>
+                <a:highlight>
+                  <a:srgbClr val="FFFFFF"/>
+                </a:highlight>
+                <a:latin typeface="Consolas" panose="020B0609020204030204" pitchFamily="49" charset="0"/>
+              </a:rPr>
+              <a:t>)]</a:t>
+            </a:r>
+          </a:p>
+          <a:p>
+            <a:r>
+              <a:rPr lang="en-US" altLang="ja-JP" sz="1400" dirty="0">
+                <a:solidFill>
+                  <a:srgbClr val="000000"/>
+                </a:solidFill>
+                <a:highlight>
+                  <a:srgbClr val="FFFFFF"/>
+                </a:highlight>
+                <a:latin typeface="Consolas" panose="020B0609020204030204" pitchFamily="49" charset="0"/>
+              </a:rPr>
+              <a:t>    </a:t>
+            </a:r>
+            <a:r>
+              <a:rPr lang="en-US" altLang="ja-JP" sz="1400" dirty="0" err="1">
+                <a:solidFill>
+                  <a:srgbClr val="0000FF"/>
+                </a:solidFill>
+                <a:highlight>
+                  <a:srgbClr val="FFFFFF"/>
+                </a:highlight>
+                <a:latin typeface="Consolas" panose="020B0609020204030204" pitchFamily="49" charset="0"/>
+              </a:rPr>
+              <a:t>int</a:t>
+            </a:r>
+            <a:r>
+              <a:rPr lang="en-US" altLang="ja-JP" sz="1400" dirty="0">
+                <a:solidFill>
+                  <a:srgbClr val="000000"/>
+                </a:solidFill>
+                <a:highlight>
+                  <a:srgbClr val="FFFFFF"/>
+                </a:highlight>
+                <a:latin typeface="Consolas" panose="020B0609020204030204" pitchFamily="49" charset="0"/>
+              </a:rPr>
+              <a:t> </a:t>
+            </a:r>
+            <a:r>
+              <a:rPr lang="en-US" altLang="ja-JP" sz="1400" dirty="0" err="1" smtClean="0">
+                <a:solidFill>
+                  <a:srgbClr val="000000"/>
+                </a:solidFill>
+                <a:highlight>
+                  <a:srgbClr val="FFFFFF"/>
+                </a:highlight>
+                <a:latin typeface="Consolas" panose="020B0609020204030204" pitchFamily="49" charset="0"/>
+              </a:rPr>
+              <a:t>unitId</a:t>
+            </a:r>
+            <a:endParaRPr lang="en-US" altLang="ja-JP" sz="1400" dirty="0">
+              <a:solidFill>
+                <a:srgbClr val="000000"/>
+              </a:solidFill>
+              <a:highlight>
+                <a:srgbClr val="FFFFFF"/>
+              </a:highlight>
+              <a:latin typeface="Consolas" panose="020B0609020204030204" pitchFamily="49" charset="0"/>
+            </a:endParaRPr>
+          </a:p>
+          <a:p>
+            <a:r>
+              <a:rPr lang="ja-JP" altLang="en-US" sz="1400" dirty="0">
+                <a:solidFill>
+                  <a:srgbClr val="000000"/>
+                </a:solidFill>
+                <a:highlight>
+                  <a:srgbClr val="FFFFFF"/>
+                </a:highlight>
+                <a:latin typeface="Consolas" panose="020B0609020204030204" pitchFamily="49" charset="0"/>
+              </a:rPr>
+              <a:t>    </a:t>
+            </a:r>
+            <a:r>
+              <a:rPr lang="en-US" altLang="ja-JP" sz="1400" dirty="0">
+                <a:solidFill>
+                  <a:srgbClr val="000000"/>
+                </a:solidFill>
+                <a:highlight>
+                  <a:srgbClr val="FFFFFF"/>
+                </a:highlight>
+                <a:latin typeface="Consolas" panose="020B0609020204030204" pitchFamily="49" charset="0"/>
+              </a:rPr>
+              <a:t>,</a:t>
+            </a:r>
+          </a:p>
+          <a:p>
+            <a:r>
+              <a:rPr lang="ja-JP" altLang="en-US" sz="1400" dirty="0">
+                <a:solidFill>
+                  <a:srgbClr val="000000"/>
+                </a:solidFill>
+                <a:highlight>
+                  <a:srgbClr val="FFFFFF"/>
+                </a:highlight>
+                <a:latin typeface="Consolas" panose="020B0609020204030204" pitchFamily="49" charset="0"/>
+              </a:rPr>
+              <a:t>    </a:t>
+            </a:r>
+            <a:r>
+              <a:rPr lang="en-US" altLang="ja-JP" sz="1400" dirty="0">
+                <a:solidFill>
+                  <a:srgbClr val="000000"/>
+                </a:solidFill>
+                <a:highlight>
+                  <a:srgbClr val="FFFFFF"/>
+                </a:highlight>
+                <a:latin typeface="Consolas" panose="020B0609020204030204" pitchFamily="49" charset="0"/>
+              </a:rPr>
+              <a:t>[</a:t>
+            </a:r>
+            <a:r>
+              <a:rPr lang="en-US" altLang="ja-JP" sz="1400" dirty="0">
+                <a:solidFill>
+                  <a:srgbClr val="2B91AF"/>
+                </a:solidFill>
+                <a:highlight>
+                  <a:srgbClr val="FFFFFF"/>
+                </a:highlight>
+                <a:latin typeface="Consolas" panose="020B0609020204030204" pitchFamily="49" charset="0"/>
+              </a:rPr>
+              <a:t>Comment</a:t>
+            </a:r>
+            <a:r>
+              <a:rPr lang="en-US" altLang="ja-JP" sz="1400" dirty="0">
+                <a:solidFill>
+                  <a:srgbClr val="000000"/>
+                </a:solidFill>
+                <a:highlight>
+                  <a:srgbClr val="FFFFFF"/>
+                </a:highlight>
+                <a:latin typeface="Consolas" panose="020B0609020204030204" pitchFamily="49" charset="0"/>
+              </a:rPr>
+              <a:t>(</a:t>
+            </a:r>
+            <a:r>
+              <a:rPr lang="en-US" altLang="ja-JP" sz="1400" dirty="0">
+                <a:solidFill>
+                  <a:srgbClr val="A31515"/>
+                </a:solidFill>
+                <a:highlight>
+                  <a:srgbClr val="FFFFFF"/>
+                </a:highlight>
+                <a:latin typeface="Consolas" panose="020B0609020204030204" pitchFamily="49" charset="0"/>
+              </a:rPr>
+              <a:t>"</a:t>
+            </a:r>
+            <a:r>
+              <a:rPr lang="ja-JP" altLang="en-US" sz="1400" dirty="0">
+                <a:solidFill>
+                  <a:srgbClr val="A31515"/>
+                </a:solidFill>
+                <a:highlight>
+                  <a:srgbClr val="FFFFFF"/>
+                </a:highlight>
+                <a:latin typeface="Consolas" panose="020B0609020204030204" pitchFamily="49" charset="0"/>
+              </a:rPr>
+              <a:t>何番目の装備スロットに</a:t>
+            </a:r>
+            <a:r>
+              <a:rPr lang="en-US" altLang="ja-JP" sz="1400" dirty="0">
+                <a:solidFill>
+                  <a:srgbClr val="A31515"/>
+                </a:solidFill>
+                <a:highlight>
+                  <a:srgbClr val="FFFFFF"/>
+                </a:highlight>
+                <a:latin typeface="Consolas" panose="020B0609020204030204" pitchFamily="49" charset="0"/>
+              </a:rPr>
+              <a:t>"</a:t>
+            </a:r>
+            <a:r>
+              <a:rPr lang="en-US" altLang="ja-JP" sz="1400" dirty="0">
+                <a:solidFill>
+                  <a:srgbClr val="000000"/>
+                </a:solidFill>
+                <a:highlight>
+                  <a:srgbClr val="FFFFFF"/>
+                </a:highlight>
+                <a:latin typeface="Consolas" panose="020B0609020204030204" pitchFamily="49" charset="0"/>
+              </a:rPr>
+              <a:t>)]</a:t>
+            </a:r>
+          </a:p>
+          <a:p>
+            <a:r>
+              <a:rPr lang="en-US" altLang="ja-JP" sz="1400" dirty="0">
+                <a:solidFill>
+                  <a:srgbClr val="000000"/>
+                </a:solidFill>
+                <a:highlight>
+                  <a:srgbClr val="FFFFFF"/>
+                </a:highlight>
+                <a:latin typeface="Consolas" panose="020B0609020204030204" pitchFamily="49" charset="0"/>
+              </a:rPr>
+              <a:t>    </a:t>
+            </a:r>
+            <a:r>
+              <a:rPr lang="en-US" altLang="ja-JP" sz="1400" dirty="0" err="1">
+                <a:solidFill>
+                  <a:srgbClr val="0000FF"/>
+                </a:solidFill>
+                <a:highlight>
+                  <a:srgbClr val="FFFFFF"/>
+                </a:highlight>
+                <a:latin typeface="Consolas" panose="020B0609020204030204" pitchFamily="49" charset="0"/>
+              </a:rPr>
+              <a:t>int</a:t>
+            </a:r>
+            <a:r>
+              <a:rPr lang="en-US" altLang="ja-JP" sz="1400" dirty="0">
+                <a:solidFill>
+                  <a:srgbClr val="000000"/>
+                </a:solidFill>
+                <a:highlight>
+                  <a:srgbClr val="FFFFFF"/>
+                </a:highlight>
+                <a:latin typeface="Consolas" panose="020B0609020204030204" pitchFamily="49" charset="0"/>
+              </a:rPr>
+              <a:t> slot</a:t>
+            </a:r>
+          </a:p>
+          <a:p>
+            <a:r>
+              <a:rPr lang="ja-JP" altLang="en-US" sz="1400" dirty="0">
+                <a:solidFill>
+                  <a:srgbClr val="000000"/>
+                </a:solidFill>
+                <a:highlight>
+                  <a:srgbClr val="FFFFFF"/>
+                </a:highlight>
+                <a:latin typeface="Consolas" panose="020B0609020204030204" pitchFamily="49" charset="0"/>
+              </a:rPr>
+              <a:t>    </a:t>
+            </a:r>
+            <a:r>
+              <a:rPr lang="en-US" altLang="ja-JP" sz="1400" dirty="0">
+                <a:solidFill>
+                  <a:srgbClr val="000000"/>
+                </a:solidFill>
+                <a:highlight>
+                  <a:srgbClr val="FFFFFF"/>
+                </a:highlight>
+                <a:latin typeface="Consolas" panose="020B0609020204030204" pitchFamily="49" charset="0"/>
+              </a:rPr>
+              <a:t>,</a:t>
+            </a:r>
+          </a:p>
+          <a:p>
+            <a:r>
+              <a:rPr lang="ja-JP" altLang="en-US" sz="1400" dirty="0" smtClean="0">
+                <a:solidFill>
+                  <a:srgbClr val="000000"/>
+                </a:solidFill>
+                <a:highlight>
+                  <a:srgbClr val="FFFFFF"/>
+                </a:highlight>
+                <a:latin typeface="Consolas" panose="020B0609020204030204" pitchFamily="49" charset="0"/>
+              </a:rPr>
+              <a:t>    </a:t>
+            </a:r>
+            <a:r>
+              <a:rPr lang="en-US" altLang="ja-JP" sz="1400" dirty="0">
+                <a:solidFill>
+                  <a:srgbClr val="000000"/>
+                </a:solidFill>
+                <a:highlight>
+                  <a:srgbClr val="FFFFFF"/>
+                </a:highlight>
+                <a:latin typeface="Consolas" panose="020B0609020204030204" pitchFamily="49" charset="0"/>
+              </a:rPr>
+              <a:t>[</a:t>
+            </a:r>
+            <a:r>
+              <a:rPr lang="en-US" altLang="ja-JP" sz="1400" dirty="0">
+                <a:solidFill>
+                  <a:srgbClr val="2B91AF"/>
+                </a:solidFill>
+                <a:highlight>
+                  <a:srgbClr val="FFFFFF"/>
+                </a:highlight>
+                <a:latin typeface="Consolas" panose="020B0609020204030204" pitchFamily="49" charset="0"/>
+              </a:rPr>
+              <a:t>Comment</a:t>
+            </a:r>
+            <a:r>
+              <a:rPr lang="en-US" altLang="ja-JP" sz="1400" dirty="0">
+                <a:solidFill>
+                  <a:srgbClr val="000000"/>
+                </a:solidFill>
+                <a:highlight>
+                  <a:srgbClr val="FFFFFF"/>
+                </a:highlight>
+                <a:latin typeface="Consolas" panose="020B0609020204030204" pitchFamily="49" charset="0"/>
+              </a:rPr>
+              <a:t>(</a:t>
+            </a:r>
+            <a:r>
+              <a:rPr lang="en-US" altLang="ja-JP" sz="1400" dirty="0">
+                <a:solidFill>
+                  <a:srgbClr val="A31515"/>
+                </a:solidFill>
+                <a:highlight>
+                  <a:srgbClr val="FFFFFF"/>
+                </a:highlight>
+                <a:latin typeface="Consolas" panose="020B0609020204030204" pitchFamily="49" charset="0"/>
+              </a:rPr>
+              <a:t>"</a:t>
+            </a:r>
+            <a:r>
+              <a:rPr lang="ja-JP" altLang="en-US" sz="1400" dirty="0">
+                <a:solidFill>
+                  <a:srgbClr val="A31515"/>
+                </a:solidFill>
+                <a:highlight>
+                  <a:srgbClr val="FFFFFF"/>
+                </a:highlight>
+                <a:latin typeface="Consolas" panose="020B0609020204030204" pitchFamily="49" charset="0"/>
+              </a:rPr>
+              <a:t>何を</a:t>
+            </a:r>
+            <a:r>
+              <a:rPr lang="en-US" altLang="ja-JP" sz="1400" dirty="0">
+                <a:solidFill>
+                  <a:srgbClr val="A31515"/>
+                </a:solidFill>
+                <a:highlight>
+                  <a:srgbClr val="FFFFFF"/>
+                </a:highlight>
+                <a:latin typeface="Consolas" panose="020B0609020204030204" pitchFamily="49" charset="0"/>
+              </a:rPr>
+              <a:t>(</a:t>
+            </a:r>
+            <a:r>
+              <a:rPr lang="ja-JP" altLang="en-US" sz="1400" dirty="0">
+                <a:solidFill>
+                  <a:srgbClr val="A31515"/>
+                </a:solidFill>
+                <a:highlight>
+                  <a:srgbClr val="FFFFFF"/>
+                </a:highlight>
+                <a:latin typeface="Consolas" panose="020B0609020204030204" pitchFamily="49" charset="0"/>
+              </a:rPr>
+              <a:t>装備品</a:t>
+            </a:r>
+            <a:r>
+              <a:rPr lang="ja-JP" altLang="en-US" sz="1400" dirty="0" smtClean="0">
+                <a:solidFill>
+                  <a:srgbClr val="A31515"/>
+                </a:solidFill>
+                <a:highlight>
+                  <a:srgbClr val="FFFFFF"/>
+                </a:highlight>
+                <a:latin typeface="Consolas" panose="020B0609020204030204" pitchFamily="49" charset="0"/>
+              </a:rPr>
+              <a:t>の</a:t>
+            </a:r>
+            <a:r>
+              <a:rPr lang="en-US" altLang="ja-JP" sz="1400" dirty="0" smtClean="0">
+                <a:solidFill>
+                  <a:srgbClr val="A31515"/>
+                </a:solidFill>
+                <a:highlight>
+                  <a:srgbClr val="FFFFFF"/>
+                </a:highlight>
+                <a:latin typeface="Consolas" panose="020B0609020204030204" pitchFamily="49" charset="0"/>
+              </a:rPr>
+              <a:t>ID</a:t>
+            </a:r>
+            <a:r>
+              <a:rPr lang="en-US" altLang="ja-JP" sz="1400" dirty="0">
+                <a:solidFill>
+                  <a:srgbClr val="A31515"/>
+                </a:solidFill>
+                <a:highlight>
+                  <a:srgbClr val="FFFFFF"/>
+                </a:highlight>
+                <a:latin typeface="Consolas" panose="020B0609020204030204" pitchFamily="49" charset="0"/>
+              </a:rPr>
+              <a:t>)"</a:t>
+            </a:r>
+            <a:r>
+              <a:rPr lang="en-US" altLang="ja-JP" sz="1400" dirty="0">
+                <a:solidFill>
+                  <a:srgbClr val="000000"/>
+                </a:solidFill>
+                <a:highlight>
+                  <a:srgbClr val="FFFFFF"/>
+                </a:highlight>
+                <a:latin typeface="Consolas" panose="020B0609020204030204" pitchFamily="49" charset="0"/>
+              </a:rPr>
+              <a:t>)]</a:t>
+            </a:r>
+          </a:p>
+          <a:p>
+            <a:r>
+              <a:rPr lang="en-US" altLang="ja-JP" sz="1400" dirty="0">
+                <a:solidFill>
+                  <a:srgbClr val="000000"/>
+                </a:solidFill>
+                <a:highlight>
+                  <a:srgbClr val="FFFFFF"/>
+                </a:highlight>
+                <a:latin typeface="Consolas" panose="020B0609020204030204" pitchFamily="49" charset="0"/>
+              </a:rPr>
+              <a:t>    </a:t>
+            </a:r>
+            <a:r>
+              <a:rPr lang="en-US" altLang="ja-JP" sz="1400" dirty="0" err="1">
+                <a:solidFill>
+                  <a:srgbClr val="0000FF"/>
+                </a:solidFill>
+                <a:highlight>
+                  <a:srgbClr val="FFFFFF"/>
+                </a:highlight>
+                <a:latin typeface="Consolas" panose="020B0609020204030204" pitchFamily="49" charset="0"/>
+              </a:rPr>
+              <a:t>int</a:t>
+            </a:r>
+            <a:r>
+              <a:rPr lang="en-US" altLang="ja-JP" sz="1400" dirty="0">
+                <a:solidFill>
+                  <a:srgbClr val="000000"/>
+                </a:solidFill>
+                <a:highlight>
+                  <a:srgbClr val="FFFFFF"/>
+                </a:highlight>
+                <a:latin typeface="Consolas" panose="020B0609020204030204" pitchFamily="49" charset="0"/>
+              </a:rPr>
+              <a:t> </a:t>
+            </a:r>
+            <a:r>
+              <a:rPr lang="en-US" altLang="ja-JP" sz="1400" dirty="0" err="1">
+                <a:solidFill>
+                  <a:srgbClr val="000000"/>
+                </a:solidFill>
+                <a:highlight>
+                  <a:srgbClr val="FFFFFF"/>
+                </a:highlight>
+                <a:latin typeface="Consolas" panose="020B0609020204030204" pitchFamily="49" charset="0"/>
+              </a:rPr>
+              <a:t>equipmentId</a:t>
+            </a:r>
+            <a:endParaRPr lang="en-US" altLang="ja-JP" sz="1400" dirty="0">
+              <a:solidFill>
+                <a:srgbClr val="000000"/>
+              </a:solidFill>
+              <a:highlight>
+                <a:srgbClr val="FFFFFF"/>
+              </a:highlight>
+              <a:latin typeface="Consolas" panose="020B0609020204030204" pitchFamily="49" charset="0"/>
+            </a:endParaRPr>
+          </a:p>
+          <a:p>
+            <a:r>
+              <a:rPr lang="ja-JP" altLang="en-US" sz="1400" dirty="0">
+                <a:solidFill>
+                  <a:srgbClr val="000000"/>
+                </a:solidFill>
+                <a:highlight>
+                  <a:srgbClr val="FFFFFF"/>
+                </a:highlight>
+                <a:latin typeface="Consolas" panose="020B0609020204030204" pitchFamily="49" charset="0"/>
+              </a:rPr>
+              <a:t>    </a:t>
+            </a:r>
+            <a:r>
+              <a:rPr lang="en-US" altLang="ja-JP" sz="1400" dirty="0">
+                <a:solidFill>
+                  <a:srgbClr val="000000"/>
+                </a:solidFill>
+                <a:highlight>
+                  <a:srgbClr val="FFFFFF"/>
+                </a:highlight>
+                <a:latin typeface="Consolas" panose="020B0609020204030204" pitchFamily="49" charset="0"/>
+              </a:rPr>
+              <a:t>,</a:t>
+            </a:r>
+          </a:p>
+          <a:p>
+            <a:r>
+              <a:rPr lang="en-US" altLang="ja-JP" sz="1400" dirty="0">
+                <a:solidFill>
+                  <a:srgbClr val="000000"/>
+                </a:solidFill>
+                <a:highlight>
+                  <a:srgbClr val="FFFFFF"/>
+                </a:highlight>
+                <a:latin typeface="Consolas" panose="020B0609020204030204" pitchFamily="49" charset="0"/>
+              </a:rPr>
+              <a:t>    [</a:t>
+            </a:r>
+            <a:r>
+              <a:rPr lang="en-US" altLang="ja-JP" sz="1400" dirty="0">
+                <a:solidFill>
+                  <a:srgbClr val="2B91AF"/>
+                </a:solidFill>
+                <a:highlight>
+                  <a:srgbClr val="FFFFFF"/>
+                </a:highlight>
+                <a:latin typeface="Consolas" panose="020B0609020204030204" pitchFamily="49" charset="0"/>
+              </a:rPr>
+              <a:t>Required</a:t>
+            </a:r>
+            <a:r>
+              <a:rPr lang="en-US" altLang="ja-JP" sz="1400" dirty="0">
+                <a:solidFill>
+                  <a:srgbClr val="000000"/>
+                </a:solidFill>
+                <a:highlight>
+                  <a:srgbClr val="FFFFFF"/>
+                </a:highlight>
+                <a:latin typeface="Consolas" panose="020B0609020204030204" pitchFamily="49" charset="0"/>
+              </a:rPr>
+              <a:t>]</a:t>
+            </a:r>
+          </a:p>
+          <a:p>
+            <a:r>
+              <a:rPr lang="ja-JP" altLang="en-US" sz="1400" dirty="0">
+                <a:solidFill>
+                  <a:srgbClr val="000000"/>
+                </a:solidFill>
+                <a:highlight>
+                  <a:srgbClr val="FFFFFF"/>
+                </a:highlight>
+                <a:latin typeface="Consolas" panose="020B0609020204030204" pitchFamily="49" charset="0"/>
+              </a:rPr>
+              <a:t>    </a:t>
+            </a:r>
+            <a:r>
+              <a:rPr lang="en-US" altLang="ja-JP" sz="1400" dirty="0">
+                <a:solidFill>
+                  <a:srgbClr val="000000"/>
+                </a:solidFill>
+                <a:highlight>
+                  <a:srgbClr val="FFFFFF"/>
+                </a:highlight>
+                <a:latin typeface="Consolas" panose="020B0609020204030204" pitchFamily="49" charset="0"/>
+              </a:rPr>
+              <a:t>[</a:t>
+            </a:r>
+            <a:r>
+              <a:rPr lang="en-US" altLang="ja-JP" sz="1400" dirty="0">
+                <a:solidFill>
+                  <a:srgbClr val="2B91AF"/>
+                </a:solidFill>
+                <a:highlight>
+                  <a:srgbClr val="FFFFFF"/>
+                </a:highlight>
+                <a:latin typeface="Consolas" panose="020B0609020204030204" pitchFamily="49" charset="0"/>
+              </a:rPr>
+              <a:t>Comment</a:t>
+            </a:r>
+            <a:r>
+              <a:rPr lang="en-US" altLang="ja-JP" sz="1400" dirty="0" smtClean="0">
+                <a:solidFill>
+                  <a:srgbClr val="000000"/>
+                </a:solidFill>
+                <a:highlight>
+                  <a:srgbClr val="FFFFFF"/>
+                </a:highlight>
+                <a:latin typeface="Consolas" panose="020B0609020204030204" pitchFamily="49" charset="0"/>
+              </a:rPr>
+              <a:t>(</a:t>
+            </a:r>
+            <a:r>
+              <a:rPr lang="en-US" altLang="ja-JP" sz="1400" dirty="0" smtClean="0">
+                <a:solidFill>
+                  <a:srgbClr val="A31515"/>
+                </a:solidFill>
+                <a:highlight>
+                  <a:srgbClr val="FFFFFF"/>
+                </a:highlight>
+                <a:latin typeface="Consolas" panose="020B0609020204030204" pitchFamily="49" charset="0"/>
+              </a:rPr>
+              <a:t>"</a:t>
+            </a:r>
+            <a:r>
+              <a:rPr lang="ja-JP" altLang="en-US" sz="1400" dirty="0" smtClean="0">
+                <a:solidFill>
+                  <a:srgbClr val="A31515"/>
+                </a:solidFill>
+                <a:highlight>
+                  <a:srgbClr val="FFFFFF"/>
+                </a:highlight>
+                <a:latin typeface="Consolas" panose="020B0609020204030204" pitchFamily="49" charset="0"/>
+              </a:rPr>
+              <a:t>変更結果</a:t>
+            </a:r>
+            <a:r>
+              <a:rPr lang="en-US" altLang="ja-JP" sz="1400" dirty="0" smtClean="0">
+                <a:solidFill>
+                  <a:srgbClr val="A31515"/>
+                </a:solidFill>
+                <a:highlight>
+                  <a:srgbClr val="FFFFFF"/>
+                </a:highlight>
+                <a:latin typeface="Consolas" panose="020B0609020204030204" pitchFamily="49" charset="0"/>
+              </a:rPr>
+              <a:t>"</a:t>
+            </a:r>
+            <a:r>
+              <a:rPr lang="en-US" altLang="ja-JP" sz="1400" dirty="0" smtClean="0">
+                <a:solidFill>
+                  <a:srgbClr val="000000"/>
+                </a:solidFill>
+                <a:highlight>
+                  <a:srgbClr val="FFFFFF"/>
+                </a:highlight>
+                <a:latin typeface="Consolas" panose="020B0609020204030204" pitchFamily="49" charset="0"/>
+              </a:rPr>
+              <a:t>)]</a:t>
+            </a:r>
+            <a:endParaRPr lang="en-US" altLang="ja-JP" sz="1400" dirty="0">
+              <a:solidFill>
+                <a:srgbClr val="000000"/>
+              </a:solidFill>
+              <a:highlight>
+                <a:srgbClr val="FFFFFF"/>
+              </a:highlight>
+              <a:latin typeface="Consolas" panose="020B0609020204030204" pitchFamily="49" charset="0"/>
+            </a:endParaRPr>
+          </a:p>
+          <a:p>
+            <a:r>
+              <a:rPr lang="en-US" altLang="ja-JP" sz="1400" dirty="0">
+                <a:solidFill>
+                  <a:srgbClr val="000000"/>
+                </a:solidFill>
+                <a:highlight>
+                  <a:srgbClr val="FFFFFF"/>
+                </a:highlight>
+                <a:latin typeface="Consolas" panose="020B0609020204030204" pitchFamily="49" charset="0"/>
+              </a:rPr>
+              <a:t>    </a:t>
+            </a:r>
+            <a:r>
+              <a:rPr lang="en-US" altLang="ja-JP" sz="1400" dirty="0">
+                <a:solidFill>
+                  <a:srgbClr val="0000FF"/>
+                </a:solidFill>
+                <a:highlight>
+                  <a:srgbClr val="FFFFFF"/>
+                </a:highlight>
+                <a:latin typeface="Consolas" panose="020B0609020204030204" pitchFamily="49" charset="0"/>
+              </a:rPr>
+              <a:t>out</a:t>
+            </a:r>
+            <a:r>
+              <a:rPr lang="en-US" altLang="ja-JP" sz="1400" dirty="0">
+                <a:solidFill>
+                  <a:srgbClr val="000000"/>
+                </a:solidFill>
+                <a:highlight>
+                  <a:srgbClr val="FFFFFF"/>
+                </a:highlight>
+                <a:latin typeface="Consolas" panose="020B0609020204030204" pitchFamily="49" charset="0"/>
+              </a:rPr>
+              <a:t> </a:t>
+            </a:r>
+            <a:r>
+              <a:rPr lang="en-US" altLang="ja-JP" sz="1400" dirty="0" err="1" smtClean="0">
+                <a:solidFill>
+                  <a:srgbClr val="2B91AF"/>
+                </a:solidFill>
+                <a:highlight>
+                  <a:srgbClr val="FFFFFF"/>
+                </a:highlight>
+                <a:latin typeface="Consolas" panose="020B0609020204030204" pitchFamily="49" charset="0"/>
+              </a:rPr>
+              <a:t>SyncDifference</a:t>
+            </a:r>
+            <a:r>
+              <a:rPr lang="en-US" altLang="ja-JP" sz="1400" dirty="0" smtClean="0">
+                <a:solidFill>
+                  <a:srgbClr val="000000"/>
+                </a:solidFill>
+                <a:highlight>
+                  <a:srgbClr val="FFFFFF"/>
+                </a:highlight>
+                <a:latin typeface="Consolas" panose="020B0609020204030204" pitchFamily="49" charset="0"/>
+              </a:rPr>
+              <a:t>&lt;</a:t>
+            </a:r>
+            <a:r>
+              <a:rPr lang="en-US" altLang="ja-JP" sz="1400" dirty="0" smtClean="0">
+                <a:solidFill>
+                  <a:srgbClr val="2B91AF"/>
+                </a:solidFill>
+                <a:highlight>
+                  <a:srgbClr val="FFFFFF"/>
+                </a:highlight>
+                <a:latin typeface="Consolas" panose="020B0609020204030204" pitchFamily="49" charset="0"/>
+              </a:rPr>
+              <a:t>Unit</a:t>
+            </a:r>
+            <a:r>
+              <a:rPr lang="en-US" altLang="ja-JP" sz="1400" dirty="0" smtClean="0">
+                <a:solidFill>
+                  <a:srgbClr val="000000"/>
+                </a:solidFill>
+                <a:highlight>
+                  <a:srgbClr val="FFFFFF"/>
+                </a:highlight>
+                <a:latin typeface="Consolas" panose="020B0609020204030204" pitchFamily="49" charset="0"/>
+              </a:rPr>
+              <a:t>&gt;[] Units</a:t>
+            </a:r>
+            <a:endParaRPr lang="en-US" altLang="ja-JP" sz="1400" dirty="0">
+              <a:solidFill>
+                <a:srgbClr val="000000"/>
+              </a:solidFill>
+              <a:highlight>
+                <a:srgbClr val="FFFFFF"/>
+              </a:highlight>
+              <a:latin typeface="Consolas" panose="020B0609020204030204" pitchFamily="49" charset="0"/>
+            </a:endParaRPr>
+          </a:p>
+          <a:p>
+            <a:r>
+              <a:rPr lang="en-US" altLang="ja-JP" sz="1400" dirty="0">
+                <a:solidFill>
+                  <a:srgbClr val="000000"/>
+                </a:solidFill>
+                <a:highlight>
+                  <a:srgbClr val="FFFFFF"/>
+                </a:highlight>
+                <a:latin typeface="Consolas" panose="020B0609020204030204" pitchFamily="49" charset="0"/>
+              </a:rPr>
+              <a:t>);</a:t>
+            </a:r>
+          </a:p>
+        </p:txBody>
+      </p:sp>
+      <p:sp>
+        <p:nvSpPr>
+          <p:cNvPr id="6" name="テキスト ボックス 5"/>
+          <p:cNvSpPr txBox="1"/>
+          <p:nvPr/>
+        </p:nvSpPr>
+        <p:spPr>
+          <a:xfrm>
+            <a:off x="877708" y="1690688"/>
+            <a:ext cx="3414717" cy="461665"/>
+          </a:xfrm>
+          <a:prstGeom prst="rect">
+            <a:avLst/>
+          </a:prstGeom>
+          <a:noFill/>
+        </p:spPr>
+        <p:txBody>
+          <a:bodyPr wrap="none" rtlCol="0">
+            <a:spAutoFit/>
+          </a:bodyPr>
+          <a:lstStyle/>
+          <a:p>
+            <a:r>
+              <a:rPr kumimoji="1" lang="ja-JP" altLang="en-US" sz="2400" dirty="0" smtClean="0"/>
+              <a:t>型定義</a:t>
+            </a:r>
+            <a:r>
+              <a:rPr kumimoji="1" lang="en-US" altLang="ja-JP" sz="2400" dirty="0" smtClean="0"/>
+              <a:t>(C#</a:t>
+            </a:r>
+            <a:r>
+              <a:rPr kumimoji="1" lang="ja-JP" altLang="en-US" sz="2400" dirty="0" smtClean="0"/>
+              <a:t>でクラスを書く</a:t>
+            </a:r>
+            <a:r>
+              <a:rPr kumimoji="1" lang="en-US" altLang="ja-JP" sz="2400" dirty="0" smtClean="0"/>
+              <a:t>)</a:t>
+            </a:r>
+            <a:endParaRPr kumimoji="1" lang="ja-JP" altLang="en-US" sz="2400" dirty="0"/>
+          </a:p>
+        </p:txBody>
+      </p:sp>
+      <p:sp>
+        <p:nvSpPr>
+          <p:cNvPr id="7" name="テキスト ボックス 6"/>
+          <p:cNvSpPr txBox="1"/>
+          <p:nvPr/>
+        </p:nvSpPr>
+        <p:spPr>
+          <a:xfrm>
+            <a:off x="6010275" y="1690688"/>
+            <a:ext cx="5434501" cy="461665"/>
+          </a:xfrm>
+          <a:prstGeom prst="rect">
+            <a:avLst/>
+          </a:prstGeom>
+          <a:noFill/>
+        </p:spPr>
+        <p:txBody>
+          <a:bodyPr wrap="none" rtlCol="0">
+            <a:spAutoFit/>
+          </a:bodyPr>
+          <a:lstStyle/>
+          <a:p>
+            <a:r>
+              <a:rPr kumimoji="1" lang="en-US" altLang="ja-JP" sz="2400" dirty="0" smtClean="0"/>
+              <a:t>API</a:t>
+            </a:r>
+            <a:r>
+              <a:rPr kumimoji="1" lang="ja-JP" altLang="en-US" sz="2400" dirty="0" smtClean="0"/>
+              <a:t>定義</a:t>
+            </a:r>
+            <a:r>
+              <a:rPr kumimoji="1" lang="en-US" altLang="ja-JP" sz="2400" dirty="0" smtClean="0"/>
+              <a:t>(</a:t>
+            </a:r>
+            <a:r>
+              <a:rPr kumimoji="1" lang="ja-JP" altLang="en-US" sz="2400" dirty="0" smtClean="0"/>
+              <a:t>インターフェイスのメソッドを書く</a:t>
+            </a:r>
+            <a:r>
+              <a:rPr kumimoji="1" lang="en-US" altLang="ja-JP" sz="2400" dirty="0" smtClean="0"/>
+              <a:t>)</a:t>
+            </a:r>
+            <a:endParaRPr kumimoji="1" lang="ja-JP" altLang="en-US" sz="2400" dirty="0"/>
+          </a:p>
+        </p:txBody>
+      </p:sp>
+      <p:sp>
+        <p:nvSpPr>
+          <p:cNvPr id="8" name="四角形吹き出し 7"/>
+          <p:cNvSpPr/>
+          <p:nvPr/>
+        </p:nvSpPr>
+        <p:spPr>
+          <a:xfrm>
+            <a:off x="5876925" y="5325746"/>
+            <a:ext cx="4191000" cy="895350"/>
+          </a:xfrm>
+          <a:prstGeom prst="wedgeRectCallout">
+            <a:avLst>
+              <a:gd name="adj1" fmla="val -60151"/>
+              <a:gd name="adj2" fmla="val -34308"/>
+            </a:avLst>
+          </a:prstGeom>
+        </p:spPr>
+        <p:style>
+          <a:lnRef idx="2">
+            <a:schemeClr val="accent3"/>
+          </a:lnRef>
+          <a:fillRef idx="1">
+            <a:schemeClr val="lt1"/>
+          </a:fillRef>
+          <a:effectRef idx="0">
+            <a:schemeClr val="accent3"/>
+          </a:effectRef>
+          <a:fontRef idx="minor">
+            <a:schemeClr val="dk1"/>
+          </a:fontRef>
+        </p:style>
+        <p:txBody>
+          <a:bodyPr lIns="36000" tIns="36000" rIns="36000" bIns="36000" rtlCol="0" anchor="ctr"/>
+          <a:lstStyle/>
+          <a:p>
+            <a:pPr algn="ctr"/>
+            <a:r>
               <a:rPr kumimoji="1" lang="ja-JP" altLang="en-US" dirty="0" smtClean="0"/>
-              <a:t>シリアライズ コード</a:t>
+              <a:t>プレーンなクラス、フィールドを書く</a:t>
             </a:r>
             <a:endParaRPr kumimoji="1" lang="en-US" altLang="ja-JP" dirty="0" smtClean="0"/>
           </a:p>
           <a:p>
-            <a:pPr lvl="1"/>
-            <a:r>
-              <a:rPr lang="en-US" altLang="ja-JP" dirty="0" smtClean="0"/>
-              <a:t>JSON</a:t>
-            </a:r>
+            <a:pPr algn="ctr"/>
             <a:r>
               <a:rPr lang="ja-JP" altLang="en-US" dirty="0" smtClean="0"/>
-              <a:t>化、全部コード生成でやってる</a:t>
-            </a:r>
-            <a:endParaRPr lang="en-US" altLang="ja-JP" dirty="0" smtClean="0"/>
-          </a:p>
-          <a:p>
-            <a:pPr lvl="1"/>
-            <a:r>
-              <a:rPr lang="en-US" altLang="ja-JP" dirty="0" smtClean="0"/>
-              <a:t>iOS</a:t>
-            </a:r>
-            <a:r>
-              <a:rPr lang="ja-JP" altLang="en-US" dirty="0" smtClean="0"/>
-              <a:t>で動く</a:t>
-            </a:r>
-            <a:endParaRPr lang="en-US" altLang="ja-JP" dirty="0" smtClean="0"/>
-          </a:p>
-          <a:p>
-            <a:pPr lvl="1"/>
-            <a:r>
-              <a:rPr kumimoji="1" lang="en-US" altLang="ja-JP" dirty="0" err="1" smtClean="0"/>
-              <a:t>MiniJSON</a:t>
-            </a:r>
-            <a:r>
-              <a:rPr kumimoji="1" lang="ja-JP" altLang="en-US" dirty="0" smtClean="0"/>
-              <a:t>みたいに</a:t>
-            </a:r>
-            <a:r>
-              <a:rPr kumimoji="1" lang="en-US" altLang="ja-JP" dirty="0" smtClean="0"/>
-              <a:t>Dictionary</a:t>
-            </a:r>
-            <a:r>
-              <a:rPr kumimoji="1" lang="ja-JP" altLang="en-US" dirty="0" smtClean="0"/>
-              <a:t>でやる必要ない、</a:t>
-            </a:r>
-            <a:r>
-              <a:rPr kumimoji="1" lang="en-US" altLang="ja-JP" dirty="0" smtClean="0"/>
-              <a:t>static,</a:t>
-            </a:r>
-            <a:r>
-              <a:rPr kumimoji="1" lang="ja-JP" altLang="en-US" dirty="0" smtClean="0"/>
-              <a:t> </a:t>
-            </a:r>
-            <a:r>
-              <a:rPr kumimoji="1" lang="en-US" altLang="ja-JP" dirty="0" smtClean="0"/>
-              <a:t>strongly</a:t>
-            </a:r>
-            <a:r>
-              <a:rPr kumimoji="1" lang="ja-JP" altLang="en-US" dirty="0" smtClean="0"/>
-              <a:t> </a:t>
-            </a:r>
-            <a:r>
-              <a:rPr kumimoji="1" lang="en-US" altLang="ja-JP" dirty="0" smtClean="0"/>
-              <a:t>typed</a:t>
-            </a:r>
-            <a:endParaRPr kumimoji="1" lang="ja-JP" altLang="en-US" dirty="0"/>
+              <a:t>いくつか、属性を付けて生成結果を制御</a:t>
+            </a:r>
+            <a:endParaRPr kumimoji="1" lang="ja-JP" altLang="en-US" dirty="0" smtClean="0"/>
           </a:p>
         </p:txBody>
       </p:sp>
     </p:spTree>
     <p:extLst>
       <p:ext uri="{BB962C8B-B14F-4D97-AF65-F5344CB8AC3E}">
-        <p14:creationId xmlns:p14="http://schemas.microsoft.com/office/powerpoint/2010/main" val="1651816561"/>
+        <p14:creationId xmlns:p14="http://schemas.microsoft.com/office/powerpoint/2010/main" val="3981509166"/>
       </p:ext>
     </p:extLst>
   </p:cSld>
   <p:clrMapOvr>
     <a:masterClrMapping/>
   </p:clrMapOvr>
+  <p:timing>
+    <p:tnLst>
+      <p:par>
+        <p:cTn id="1" dur="indefinite" restart="never" nodeType="tmRoot"/>
+      </p:par>
+    </p:tnLst>
+  </p:timing>
 </p:sld>
 </file>
 
@@ -32932,171 +35573,1120 @@
           <a:bodyPr/>
           <a:lstStyle/>
           <a:p>
-            <a:endParaRPr kumimoji="1" lang="ja-JP" altLang="en-US"/>
-          </a:p>
-        </p:txBody>
-      </p:sp>
-      <p:sp>
-        <p:nvSpPr>
-          <p:cNvPr id="3" name="コンテンツ プレースホルダー 2"/>
-          <p:cNvSpPr>
-            <a:spLocks noGrp="1"/>
-          </p:cNvSpPr>
-          <p:nvPr>
-            <p:ph idx="1"/>
-          </p:nvPr>
-        </p:nvSpPr>
-        <p:spPr/>
-        <p:txBody>
-          <a:bodyPr/>
+            <a:r>
+              <a:rPr lang="ja-JP" altLang="en-US" dirty="0" smtClean="0"/>
+              <a:t>生成物</a:t>
+            </a:r>
+            <a:r>
+              <a:rPr lang="en-US" altLang="ja-JP" dirty="0" smtClean="0"/>
+              <a:t>:</a:t>
+            </a:r>
+            <a:r>
+              <a:rPr lang="ja-JP" altLang="en-US" dirty="0" smtClean="0"/>
+              <a:t> 普通のクラス</a:t>
+            </a:r>
+            <a:endParaRPr kumimoji="1" lang="ja-JP" altLang="en-US" dirty="0"/>
+          </a:p>
+        </p:txBody>
+      </p:sp>
+      <p:sp>
+        <p:nvSpPr>
+          <p:cNvPr id="4" name="テキスト ボックス 3"/>
+          <p:cNvSpPr txBox="1"/>
+          <p:nvPr/>
+        </p:nvSpPr>
+        <p:spPr>
+          <a:xfrm>
+            <a:off x="838200" y="1825625"/>
+            <a:ext cx="5352747" cy="3754874"/>
+          </a:xfrm>
+          <a:prstGeom prst="rect">
+            <a:avLst/>
+          </a:prstGeom>
+        </p:spPr>
+        <p:style>
+          <a:lnRef idx="2">
+            <a:schemeClr val="accent5"/>
+          </a:lnRef>
+          <a:fillRef idx="1">
+            <a:schemeClr val="lt1"/>
+          </a:fillRef>
+          <a:effectRef idx="0">
+            <a:schemeClr val="accent5"/>
+          </a:effectRef>
+          <a:fontRef idx="minor">
+            <a:schemeClr val="dk1"/>
+          </a:fontRef>
+        </p:style>
+        <p:txBody>
+          <a:bodyPr wrap="none" rtlCol="0">
+            <a:spAutoFit/>
+          </a:bodyPr>
           <a:lstStyle/>
           <a:p>
             <a:r>
+              <a:rPr lang="en-US" altLang="ja-JP" sz="1400" dirty="0" smtClean="0">
+                <a:solidFill>
+                  <a:srgbClr val="0000FF"/>
+                </a:solidFill>
+                <a:highlight>
+                  <a:srgbClr val="FFFFFF"/>
+                </a:highlight>
+                <a:latin typeface="Consolas" panose="020B0609020204030204" pitchFamily="49" charset="0"/>
+              </a:rPr>
+              <a:t>public</a:t>
+            </a:r>
+            <a:r>
+              <a:rPr lang="en-US" altLang="ja-JP" sz="1400" dirty="0" smtClean="0">
+                <a:solidFill>
+                  <a:srgbClr val="000000"/>
+                </a:solidFill>
+                <a:highlight>
+                  <a:srgbClr val="FFFFFF"/>
+                </a:highlight>
+                <a:latin typeface="Consolas" panose="020B0609020204030204" pitchFamily="49" charset="0"/>
+              </a:rPr>
+              <a:t> </a:t>
+            </a:r>
+            <a:r>
+              <a:rPr lang="en-US" altLang="ja-JP" sz="1400" dirty="0">
+                <a:solidFill>
+                  <a:srgbClr val="0000FF"/>
+                </a:solidFill>
+                <a:highlight>
+                  <a:srgbClr val="FFFFFF"/>
+                </a:highlight>
+                <a:latin typeface="Consolas" panose="020B0609020204030204" pitchFamily="49" charset="0"/>
+              </a:rPr>
+              <a:t>partial</a:t>
+            </a:r>
+            <a:r>
+              <a:rPr lang="en-US" altLang="ja-JP" sz="1400" dirty="0">
+                <a:solidFill>
+                  <a:srgbClr val="000000"/>
+                </a:solidFill>
+                <a:highlight>
+                  <a:srgbClr val="FFFFFF"/>
+                </a:highlight>
+                <a:latin typeface="Consolas" panose="020B0609020204030204" pitchFamily="49" charset="0"/>
+              </a:rPr>
+              <a:t> </a:t>
+            </a:r>
+            <a:r>
+              <a:rPr lang="en-US" altLang="ja-JP" sz="1400" dirty="0">
+                <a:solidFill>
+                  <a:srgbClr val="0000FF"/>
+                </a:solidFill>
+                <a:highlight>
+                  <a:srgbClr val="FFFFFF"/>
+                </a:highlight>
+                <a:latin typeface="Consolas" panose="020B0609020204030204" pitchFamily="49" charset="0"/>
+              </a:rPr>
+              <a:t>class</a:t>
+            </a:r>
+            <a:r>
+              <a:rPr lang="en-US" altLang="ja-JP" sz="1400" dirty="0">
+                <a:solidFill>
+                  <a:srgbClr val="000000"/>
+                </a:solidFill>
+                <a:highlight>
+                  <a:srgbClr val="FFFFFF"/>
+                </a:highlight>
+                <a:latin typeface="Consolas" panose="020B0609020204030204" pitchFamily="49" charset="0"/>
+              </a:rPr>
+              <a:t> </a:t>
+            </a:r>
+            <a:r>
+              <a:rPr lang="en-US" altLang="ja-JP" sz="1400" dirty="0">
+                <a:solidFill>
+                  <a:srgbClr val="2B91AF"/>
+                </a:solidFill>
+                <a:highlight>
+                  <a:srgbClr val="FFFFFF"/>
+                </a:highlight>
+                <a:latin typeface="Consolas" panose="020B0609020204030204" pitchFamily="49" charset="0"/>
+              </a:rPr>
+              <a:t>Equipment</a:t>
+            </a:r>
+            <a:endParaRPr lang="en-US" altLang="ja-JP" sz="1400" dirty="0">
+              <a:solidFill>
+                <a:srgbClr val="000000"/>
+              </a:solidFill>
+              <a:highlight>
+                <a:srgbClr val="FFFFFF"/>
+              </a:highlight>
+              <a:latin typeface="Consolas" panose="020B0609020204030204" pitchFamily="49" charset="0"/>
+            </a:endParaRPr>
+          </a:p>
+          <a:p>
+            <a:r>
+              <a:rPr lang="en-US" altLang="ja-JP" sz="1400" dirty="0">
+                <a:solidFill>
+                  <a:srgbClr val="000000"/>
+                </a:solidFill>
+                <a:highlight>
+                  <a:srgbClr val="FFFFFF"/>
+                </a:highlight>
+                <a:latin typeface="Consolas" panose="020B0609020204030204" pitchFamily="49" charset="0"/>
+              </a:rPr>
+              <a:t>{</a:t>
+            </a:r>
+          </a:p>
+          <a:p>
+            <a:r>
+              <a:rPr lang="en-US" altLang="ja-JP" sz="1400" dirty="0">
+                <a:solidFill>
+                  <a:srgbClr val="000000"/>
+                </a:solidFill>
+                <a:highlight>
+                  <a:srgbClr val="FFFFFF"/>
+                </a:highlight>
+                <a:latin typeface="Consolas" panose="020B0609020204030204" pitchFamily="49" charset="0"/>
+              </a:rPr>
+              <a:t>    </a:t>
+            </a:r>
+            <a:r>
+              <a:rPr lang="en-US" altLang="ja-JP" sz="1400" dirty="0">
+                <a:solidFill>
+                  <a:srgbClr val="808080"/>
+                </a:solidFill>
+                <a:highlight>
+                  <a:srgbClr val="FFFFFF"/>
+                </a:highlight>
+                <a:latin typeface="Consolas" panose="020B0609020204030204" pitchFamily="49" charset="0"/>
+              </a:rPr>
+              <a:t>///</a:t>
+            </a:r>
+            <a:r>
+              <a:rPr lang="en-US" altLang="ja-JP" sz="1400" dirty="0">
+                <a:solidFill>
+                  <a:srgbClr val="008000"/>
+                </a:solidFill>
+                <a:highlight>
+                  <a:srgbClr val="FFFFFF"/>
+                </a:highlight>
+                <a:latin typeface="Consolas" panose="020B0609020204030204" pitchFamily="49" charset="0"/>
+              </a:rPr>
+              <a:t> </a:t>
+            </a:r>
+            <a:r>
+              <a:rPr lang="en-US" altLang="ja-JP" sz="1400" dirty="0">
+                <a:solidFill>
+                  <a:srgbClr val="808080"/>
+                </a:solidFill>
+                <a:highlight>
+                  <a:srgbClr val="FFFFFF"/>
+                </a:highlight>
+                <a:latin typeface="Consolas" panose="020B0609020204030204" pitchFamily="49" charset="0"/>
+              </a:rPr>
+              <a:t>&lt;Summary&gt;</a:t>
+            </a:r>
+            <a:endParaRPr lang="en-US" altLang="ja-JP" sz="1400" dirty="0">
+              <a:solidFill>
+                <a:srgbClr val="000000"/>
+              </a:solidFill>
+              <a:highlight>
+                <a:srgbClr val="FFFFFF"/>
+              </a:highlight>
+              <a:latin typeface="Consolas" panose="020B0609020204030204" pitchFamily="49" charset="0"/>
+            </a:endParaRPr>
+          </a:p>
+          <a:p>
+            <a:r>
+              <a:rPr lang="ja-JP" altLang="en-US" sz="1400" dirty="0">
+                <a:solidFill>
+                  <a:srgbClr val="000000"/>
+                </a:solidFill>
+                <a:highlight>
+                  <a:srgbClr val="FFFFFF"/>
+                </a:highlight>
+                <a:latin typeface="Consolas" panose="020B0609020204030204" pitchFamily="49" charset="0"/>
+              </a:rPr>
+              <a:t>    </a:t>
+            </a:r>
+            <a:r>
+              <a:rPr lang="en-US" altLang="ja-JP" sz="1400" dirty="0">
+                <a:solidFill>
+                  <a:srgbClr val="808080"/>
+                </a:solidFill>
+                <a:highlight>
+                  <a:srgbClr val="FFFFFF"/>
+                </a:highlight>
+                <a:latin typeface="Consolas" panose="020B0609020204030204" pitchFamily="49" charset="0"/>
+              </a:rPr>
+              <a:t>///</a:t>
+            </a:r>
+            <a:r>
+              <a:rPr lang="ja-JP" altLang="en-US" sz="1400" dirty="0">
+                <a:solidFill>
+                  <a:srgbClr val="008000"/>
+                </a:solidFill>
+                <a:highlight>
+                  <a:srgbClr val="FFFFFF"/>
+                </a:highlight>
+                <a:latin typeface="Consolas" panose="020B0609020204030204" pitchFamily="49" charset="0"/>
+              </a:rPr>
+              <a:t> アイテム</a:t>
+            </a:r>
+            <a:r>
+              <a:rPr lang="en-US" altLang="ja-JP" sz="1400" dirty="0">
+                <a:solidFill>
+                  <a:srgbClr val="008000"/>
+                </a:solidFill>
+                <a:highlight>
+                  <a:srgbClr val="FFFFFF"/>
+                </a:highlight>
+                <a:latin typeface="Consolas" panose="020B0609020204030204" pitchFamily="49" charset="0"/>
+              </a:rPr>
+              <a:t>ID</a:t>
+            </a:r>
+            <a:endParaRPr lang="en-US" altLang="ja-JP" sz="1400" dirty="0">
+              <a:solidFill>
+                <a:srgbClr val="000000"/>
+              </a:solidFill>
+              <a:highlight>
+                <a:srgbClr val="FFFFFF"/>
+              </a:highlight>
+              <a:latin typeface="Consolas" panose="020B0609020204030204" pitchFamily="49" charset="0"/>
+            </a:endParaRPr>
+          </a:p>
+          <a:p>
+            <a:r>
+              <a:rPr lang="en-US" altLang="ja-JP" sz="1400" dirty="0">
+                <a:solidFill>
+                  <a:srgbClr val="000000"/>
+                </a:solidFill>
+                <a:highlight>
+                  <a:srgbClr val="FFFFFF"/>
+                </a:highlight>
+                <a:latin typeface="Consolas" panose="020B0609020204030204" pitchFamily="49" charset="0"/>
+              </a:rPr>
+              <a:t>    </a:t>
+            </a:r>
+            <a:r>
+              <a:rPr lang="en-US" altLang="ja-JP" sz="1400" dirty="0">
+                <a:solidFill>
+                  <a:srgbClr val="808080"/>
+                </a:solidFill>
+                <a:highlight>
+                  <a:srgbClr val="FFFFFF"/>
+                </a:highlight>
+                <a:latin typeface="Consolas" panose="020B0609020204030204" pitchFamily="49" charset="0"/>
+              </a:rPr>
+              <a:t>///</a:t>
+            </a:r>
+            <a:r>
+              <a:rPr lang="en-US" altLang="ja-JP" sz="1400" dirty="0">
+                <a:solidFill>
+                  <a:srgbClr val="008000"/>
+                </a:solidFill>
+                <a:highlight>
+                  <a:srgbClr val="FFFFFF"/>
+                </a:highlight>
+                <a:latin typeface="Consolas" panose="020B0609020204030204" pitchFamily="49" charset="0"/>
+              </a:rPr>
+              <a:t> </a:t>
+            </a:r>
+            <a:r>
+              <a:rPr lang="en-US" altLang="ja-JP" sz="1400" dirty="0">
+                <a:solidFill>
+                  <a:srgbClr val="808080"/>
+                </a:solidFill>
+                <a:highlight>
+                  <a:srgbClr val="FFFFFF"/>
+                </a:highlight>
+                <a:latin typeface="Consolas" panose="020B0609020204030204" pitchFamily="49" charset="0"/>
+              </a:rPr>
+              <a:t>&lt;/Summary&gt;</a:t>
+            </a:r>
+            <a:endParaRPr lang="en-US" altLang="ja-JP" sz="1400" dirty="0">
+              <a:solidFill>
+                <a:srgbClr val="000000"/>
+              </a:solidFill>
+              <a:highlight>
+                <a:srgbClr val="FFFFFF"/>
+              </a:highlight>
+              <a:latin typeface="Consolas" panose="020B0609020204030204" pitchFamily="49" charset="0"/>
+            </a:endParaRPr>
+          </a:p>
+          <a:p>
+            <a:r>
+              <a:rPr lang="en-US" altLang="ja-JP" sz="1400" dirty="0">
+                <a:solidFill>
+                  <a:srgbClr val="000000"/>
+                </a:solidFill>
+                <a:highlight>
+                  <a:srgbClr val="FFFFFF"/>
+                </a:highlight>
+                <a:latin typeface="Consolas" panose="020B0609020204030204" pitchFamily="49" charset="0"/>
+              </a:rPr>
+              <a:t>    </a:t>
+            </a:r>
+            <a:r>
+              <a:rPr lang="en-US" altLang="ja-JP" sz="1400" dirty="0">
+                <a:solidFill>
+                  <a:srgbClr val="0000FF"/>
+                </a:solidFill>
+                <a:highlight>
+                  <a:srgbClr val="FFFFFF"/>
+                </a:highlight>
+                <a:latin typeface="Consolas" panose="020B0609020204030204" pitchFamily="49" charset="0"/>
+              </a:rPr>
+              <a:t>public</a:t>
+            </a:r>
+            <a:r>
+              <a:rPr lang="en-US" altLang="ja-JP" sz="1400" dirty="0">
+                <a:solidFill>
+                  <a:srgbClr val="000000"/>
+                </a:solidFill>
+                <a:highlight>
+                  <a:srgbClr val="FFFFFF"/>
+                </a:highlight>
+                <a:latin typeface="Consolas" panose="020B0609020204030204" pitchFamily="49" charset="0"/>
+              </a:rPr>
+              <a:t> </a:t>
+            </a:r>
+            <a:r>
+              <a:rPr lang="en-US" altLang="ja-JP" sz="1400" dirty="0" err="1">
+                <a:solidFill>
+                  <a:srgbClr val="0000FF"/>
+                </a:solidFill>
+                <a:highlight>
+                  <a:srgbClr val="FFFFFF"/>
+                </a:highlight>
+                <a:latin typeface="Consolas" panose="020B0609020204030204" pitchFamily="49" charset="0"/>
+              </a:rPr>
+              <a:t>int</a:t>
+            </a:r>
+            <a:r>
+              <a:rPr lang="en-US" altLang="ja-JP" sz="1400" dirty="0">
+                <a:solidFill>
+                  <a:srgbClr val="000000"/>
+                </a:solidFill>
+                <a:highlight>
+                  <a:srgbClr val="FFFFFF"/>
+                </a:highlight>
+                <a:latin typeface="Consolas" panose="020B0609020204030204" pitchFamily="49" charset="0"/>
+              </a:rPr>
+              <a:t> Id { </a:t>
+            </a:r>
+            <a:r>
+              <a:rPr lang="en-US" altLang="ja-JP" sz="1400" dirty="0">
+                <a:solidFill>
+                  <a:srgbClr val="0000FF"/>
+                </a:solidFill>
+                <a:highlight>
+                  <a:srgbClr val="FFFFFF"/>
+                </a:highlight>
+                <a:latin typeface="Consolas" panose="020B0609020204030204" pitchFamily="49" charset="0"/>
+              </a:rPr>
+              <a:t>get</a:t>
+            </a:r>
+            <a:r>
+              <a:rPr lang="en-US" altLang="ja-JP" sz="1400" dirty="0">
+                <a:solidFill>
+                  <a:srgbClr val="000000"/>
+                </a:solidFill>
+                <a:highlight>
+                  <a:srgbClr val="FFFFFF"/>
+                </a:highlight>
+                <a:latin typeface="Consolas" panose="020B0609020204030204" pitchFamily="49" charset="0"/>
+              </a:rPr>
+              <a:t>; </a:t>
+            </a:r>
+            <a:r>
+              <a:rPr lang="en-US" altLang="ja-JP" sz="1400" dirty="0">
+                <a:solidFill>
+                  <a:srgbClr val="0000FF"/>
+                </a:solidFill>
+                <a:highlight>
+                  <a:srgbClr val="FFFFFF"/>
+                </a:highlight>
+                <a:latin typeface="Consolas" panose="020B0609020204030204" pitchFamily="49" charset="0"/>
+              </a:rPr>
+              <a:t>set</a:t>
+            </a:r>
+            <a:r>
+              <a:rPr lang="en-US" altLang="ja-JP" sz="1400" dirty="0">
+                <a:solidFill>
+                  <a:srgbClr val="000000"/>
+                </a:solidFill>
+                <a:highlight>
+                  <a:srgbClr val="FFFFFF"/>
+                </a:highlight>
+                <a:latin typeface="Consolas" panose="020B0609020204030204" pitchFamily="49" charset="0"/>
+              </a:rPr>
+              <a:t>; </a:t>
+            </a:r>
+            <a:r>
+              <a:rPr lang="en-US" altLang="ja-JP" sz="1400" dirty="0" smtClean="0">
+                <a:solidFill>
+                  <a:srgbClr val="000000"/>
+                </a:solidFill>
+                <a:highlight>
+                  <a:srgbClr val="FFFFFF"/>
+                </a:highlight>
+                <a:latin typeface="Consolas" panose="020B0609020204030204" pitchFamily="49" charset="0"/>
+              </a:rPr>
+              <a:t>}</a:t>
+            </a:r>
+          </a:p>
+          <a:p>
+            <a:r>
+              <a:rPr lang="en-US" altLang="ja-JP" sz="1400" dirty="0" smtClean="0">
+                <a:solidFill>
+                  <a:srgbClr val="000000"/>
+                </a:solidFill>
+                <a:highlight>
+                  <a:srgbClr val="FFFFFF"/>
+                </a:highlight>
+                <a:latin typeface="Consolas" panose="020B0609020204030204" pitchFamily="49" charset="0"/>
+              </a:rPr>
+              <a:t>…</a:t>
+            </a:r>
+            <a:endParaRPr lang="en-US" altLang="ja-JP" sz="1400" dirty="0">
+              <a:solidFill>
+                <a:srgbClr val="000000"/>
+              </a:solidFill>
+              <a:highlight>
+                <a:srgbClr val="FFFFFF"/>
+              </a:highlight>
+              <a:latin typeface="Consolas" panose="020B0609020204030204" pitchFamily="49" charset="0"/>
+            </a:endParaRPr>
+          </a:p>
+          <a:p>
+            <a:endParaRPr lang="ja-JP" altLang="en-US" sz="1400" dirty="0">
+              <a:solidFill>
+                <a:srgbClr val="000000"/>
+              </a:solidFill>
+              <a:highlight>
+                <a:srgbClr val="FFFFFF"/>
+              </a:highlight>
+              <a:latin typeface="Consolas" panose="020B0609020204030204" pitchFamily="49" charset="0"/>
+            </a:endParaRPr>
+          </a:p>
+          <a:p>
+            <a:r>
+              <a:rPr lang="en-US" altLang="ja-JP" sz="1400" dirty="0">
+                <a:solidFill>
+                  <a:srgbClr val="000000"/>
+                </a:solidFill>
+                <a:highlight>
+                  <a:srgbClr val="FFFFFF"/>
+                </a:highlight>
+                <a:latin typeface="Consolas" panose="020B0609020204030204" pitchFamily="49" charset="0"/>
+              </a:rPr>
+              <a:t>    </a:t>
+            </a:r>
+            <a:r>
+              <a:rPr lang="en-US" altLang="ja-JP" sz="1400" dirty="0">
+                <a:solidFill>
+                  <a:srgbClr val="0000FF"/>
+                </a:solidFill>
+                <a:highlight>
+                  <a:srgbClr val="FFFFFF"/>
+                </a:highlight>
+                <a:latin typeface="Consolas" panose="020B0609020204030204" pitchFamily="49" charset="0"/>
+              </a:rPr>
+              <a:t>public</a:t>
+            </a:r>
+            <a:r>
+              <a:rPr lang="en-US" altLang="ja-JP" sz="1400" dirty="0">
+                <a:solidFill>
+                  <a:srgbClr val="000000"/>
+                </a:solidFill>
+                <a:highlight>
+                  <a:srgbClr val="FFFFFF"/>
+                </a:highlight>
+                <a:latin typeface="Consolas" panose="020B0609020204030204" pitchFamily="49" charset="0"/>
+              </a:rPr>
+              <a:t> Equipment(</a:t>
+            </a:r>
+            <a:r>
+              <a:rPr lang="en-US" altLang="ja-JP" sz="1400" dirty="0" err="1">
+                <a:solidFill>
+                  <a:srgbClr val="0000FF"/>
+                </a:solidFill>
+                <a:highlight>
+                  <a:srgbClr val="FFFFFF"/>
+                </a:highlight>
+                <a:latin typeface="Consolas" panose="020B0609020204030204" pitchFamily="49" charset="0"/>
+              </a:rPr>
+              <a:t>int</a:t>
+            </a:r>
+            <a:r>
+              <a:rPr lang="en-US" altLang="ja-JP" sz="1400" dirty="0">
+                <a:solidFill>
+                  <a:srgbClr val="000000"/>
+                </a:solidFill>
+                <a:highlight>
+                  <a:srgbClr val="FFFFFF"/>
+                </a:highlight>
+                <a:latin typeface="Consolas" panose="020B0609020204030204" pitchFamily="49" charset="0"/>
+              </a:rPr>
+              <a:t> id</a:t>
+            </a:r>
+            <a:r>
+              <a:rPr lang="en-US" altLang="ja-JP" sz="1400" dirty="0" smtClean="0">
+                <a:solidFill>
+                  <a:srgbClr val="000000"/>
+                </a:solidFill>
+                <a:highlight>
+                  <a:srgbClr val="FFFFFF"/>
+                </a:highlight>
+                <a:latin typeface="Consolas" panose="020B0609020204030204" pitchFamily="49" charset="0"/>
+              </a:rPr>
+              <a:t>, …)</a:t>
+            </a:r>
+            <a:endParaRPr lang="en-US" altLang="ja-JP" sz="1400" dirty="0">
+              <a:solidFill>
+                <a:srgbClr val="000000"/>
+              </a:solidFill>
+              <a:highlight>
+                <a:srgbClr val="FFFFFF"/>
+              </a:highlight>
+              <a:latin typeface="Consolas" panose="020B0609020204030204" pitchFamily="49" charset="0"/>
+            </a:endParaRPr>
+          </a:p>
+          <a:p>
+            <a:r>
+              <a:rPr lang="ja-JP" altLang="en-US" sz="1400" dirty="0">
+                <a:solidFill>
+                  <a:srgbClr val="000000"/>
+                </a:solidFill>
+                <a:highlight>
+                  <a:srgbClr val="FFFFFF"/>
+                </a:highlight>
+                <a:latin typeface="Consolas" panose="020B0609020204030204" pitchFamily="49" charset="0"/>
+              </a:rPr>
+              <a:t>    </a:t>
+            </a:r>
+            <a:r>
+              <a:rPr lang="en-US" altLang="ja-JP" sz="1400" dirty="0" smtClean="0">
+                <a:solidFill>
+                  <a:srgbClr val="000000"/>
+                </a:solidFill>
+                <a:highlight>
+                  <a:srgbClr val="FFFFFF"/>
+                </a:highlight>
+                <a:latin typeface="Consolas" panose="020B0609020204030204" pitchFamily="49" charset="0"/>
+              </a:rPr>
+              <a:t>{</a:t>
+            </a:r>
+          </a:p>
+          <a:p>
+            <a:r>
+              <a:rPr lang="en-US" altLang="ja-JP" sz="1400" dirty="0" smtClean="0">
+                <a:solidFill>
+                  <a:srgbClr val="000000"/>
+                </a:solidFill>
+                <a:highlight>
+                  <a:srgbClr val="FFFFFF"/>
+                </a:highlight>
+                <a:latin typeface="Consolas" panose="020B0609020204030204" pitchFamily="49" charset="0"/>
+              </a:rPr>
+              <a:t>…</a:t>
+            </a:r>
+            <a:endParaRPr lang="en-US" altLang="ja-JP" sz="1400" dirty="0">
+              <a:solidFill>
+                <a:srgbClr val="000000"/>
+              </a:solidFill>
+              <a:highlight>
+                <a:srgbClr val="FFFFFF"/>
+              </a:highlight>
+              <a:latin typeface="Consolas" panose="020B0609020204030204" pitchFamily="49" charset="0"/>
+            </a:endParaRPr>
+          </a:p>
+          <a:p>
+            <a:r>
+              <a:rPr lang="en-US" altLang="ja-JP" sz="1400" dirty="0" smtClean="0">
+                <a:solidFill>
+                  <a:srgbClr val="000000"/>
+                </a:solidFill>
+                <a:highlight>
+                  <a:srgbClr val="FFFFFF"/>
+                </a:highlight>
+                <a:latin typeface="Consolas" panose="020B0609020204030204" pitchFamily="49" charset="0"/>
+              </a:rPr>
+              <a:t>        Id </a:t>
+            </a:r>
+            <a:r>
+              <a:rPr lang="en-US" altLang="ja-JP" sz="1400" dirty="0">
+                <a:solidFill>
+                  <a:srgbClr val="000000"/>
+                </a:solidFill>
+                <a:highlight>
+                  <a:srgbClr val="FFFFFF"/>
+                </a:highlight>
+                <a:latin typeface="Consolas" panose="020B0609020204030204" pitchFamily="49" charset="0"/>
+              </a:rPr>
+              <a:t>= id;</a:t>
+            </a:r>
+          </a:p>
+          <a:p>
+            <a:r>
+              <a:rPr lang="en-US" altLang="ja-JP" sz="1400" dirty="0">
+                <a:solidFill>
+                  <a:srgbClr val="000000"/>
+                </a:solidFill>
+                <a:highlight>
+                  <a:srgbClr val="FFFFFF"/>
+                </a:highlight>
+                <a:latin typeface="Consolas" panose="020B0609020204030204" pitchFamily="49" charset="0"/>
+              </a:rPr>
+              <a:t>…</a:t>
+            </a:r>
+          </a:p>
+          <a:p>
+            <a:r>
+              <a:rPr lang="ja-JP" altLang="en-US" sz="1400" dirty="0" smtClean="0">
+                <a:solidFill>
+                  <a:srgbClr val="000000"/>
+                </a:solidFill>
+                <a:highlight>
+                  <a:srgbClr val="FFFFFF"/>
+                </a:highlight>
+                <a:latin typeface="Consolas" panose="020B0609020204030204" pitchFamily="49" charset="0"/>
+              </a:rPr>
+              <a:t>    </a:t>
+            </a:r>
+            <a:r>
+              <a:rPr lang="en-US" altLang="ja-JP" sz="1400" dirty="0">
+                <a:solidFill>
+                  <a:srgbClr val="000000"/>
+                </a:solidFill>
+                <a:highlight>
+                  <a:srgbClr val="FFFFFF"/>
+                </a:highlight>
+                <a:latin typeface="Consolas" panose="020B0609020204030204" pitchFamily="49" charset="0"/>
+              </a:rPr>
+              <a:t>}</a:t>
+            </a:r>
+          </a:p>
+          <a:p>
+            <a:endParaRPr lang="ja-JP" altLang="en-US" sz="1400" dirty="0">
+              <a:solidFill>
+                <a:srgbClr val="000000"/>
+              </a:solidFill>
+              <a:highlight>
+                <a:srgbClr val="FFFFFF"/>
+              </a:highlight>
+              <a:latin typeface="Consolas" panose="020B0609020204030204" pitchFamily="49" charset="0"/>
+            </a:endParaRPr>
+          </a:p>
+          <a:p>
+            <a:r>
+              <a:rPr lang="en-US" altLang="ja-JP" sz="1400" dirty="0">
+                <a:solidFill>
+                  <a:srgbClr val="000000"/>
+                </a:solidFill>
+                <a:highlight>
+                  <a:srgbClr val="FFFFFF"/>
+                </a:highlight>
+                <a:latin typeface="Consolas" panose="020B0609020204030204" pitchFamily="49" charset="0"/>
+              </a:rPr>
+              <a:t>    </a:t>
+            </a:r>
+            <a:r>
+              <a:rPr lang="en-US" altLang="ja-JP" sz="1400" dirty="0">
+                <a:solidFill>
+                  <a:srgbClr val="0000FF"/>
+                </a:solidFill>
+                <a:highlight>
+                  <a:srgbClr val="FFFFFF"/>
+                </a:highlight>
+                <a:latin typeface="Consolas" panose="020B0609020204030204" pitchFamily="49" charset="0"/>
+              </a:rPr>
+              <a:t>public</a:t>
+            </a:r>
+            <a:r>
+              <a:rPr lang="en-US" altLang="ja-JP" sz="1400" dirty="0">
+                <a:solidFill>
+                  <a:srgbClr val="000000"/>
+                </a:solidFill>
+                <a:highlight>
+                  <a:srgbClr val="FFFFFF"/>
+                </a:highlight>
+                <a:latin typeface="Consolas" panose="020B0609020204030204" pitchFamily="49" charset="0"/>
+              </a:rPr>
+              <a:t> Equipment(</a:t>
+            </a:r>
+            <a:r>
+              <a:rPr lang="en-US" altLang="ja-JP" sz="1400" dirty="0">
+                <a:solidFill>
+                  <a:srgbClr val="2B91AF"/>
+                </a:solidFill>
+                <a:highlight>
+                  <a:srgbClr val="FFFFFF"/>
+                </a:highlight>
+                <a:latin typeface="Consolas" panose="020B0609020204030204" pitchFamily="49" charset="0"/>
+              </a:rPr>
+              <a:t>Equipment</a:t>
+            </a:r>
+            <a:r>
+              <a:rPr lang="en-US" altLang="ja-JP" sz="1400" dirty="0">
+                <a:solidFill>
+                  <a:srgbClr val="000000"/>
+                </a:solidFill>
+                <a:highlight>
+                  <a:srgbClr val="FFFFFF"/>
+                </a:highlight>
+                <a:latin typeface="Consolas" panose="020B0609020204030204" pitchFamily="49" charset="0"/>
+              </a:rPr>
+              <a:t> x</a:t>
+            </a:r>
+            <a:r>
+              <a:rPr lang="en-US" altLang="ja-JP" sz="1400" dirty="0" smtClean="0">
+                <a:solidFill>
+                  <a:srgbClr val="000000"/>
+                </a:solidFill>
+                <a:highlight>
+                  <a:srgbClr val="FFFFFF"/>
+                </a:highlight>
+                <a:latin typeface="Consolas" panose="020B0609020204030204" pitchFamily="49" charset="0"/>
+              </a:rPr>
+              <a:t>) { … }</a:t>
+            </a:r>
+            <a:endParaRPr lang="en-US" altLang="ja-JP" sz="1400" dirty="0">
+              <a:solidFill>
+                <a:srgbClr val="000000"/>
+              </a:solidFill>
+              <a:highlight>
+                <a:srgbClr val="FFFFFF"/>
+              </a:highlight>
+              <a:latin typeface="Consolas" panose="020B0609020204030204" pitchFamily="49" charset="0"/>
+            </a:endParaRPr>
+          </a:p>
+          <a:p>
+            <a:r>
+              <a:rPr lang="en-US" altLang="ja-JP" sz="1400" dirty="0" smtClean="0">
+                <a:solidFill>
+                  <a:srgbClr val="000000"/>
+                </a:solidFill>
+                <a:highlight>
+                  <a:srgbClr val="FFFFFF"/>
+                </a:highlight>
+                <a:latin typeface="Consolas" panose="020B0609020204030204" pitchFamily="49" charset="0"/>
+              </a:rPr>
+              <a:t>    </a:t>
+            </a:r>
+            <a:r>
+              <a:rPr lang="en-US" altLang="ja-JP" sz="1400" dirty="0">
+                <a:solidFill>
+                  <a:srgbClr val="0000FF"/>
+                </a:solidFill>
+                <a:highlight>
+                  <a:srgbClr val="FFFFFF"/>
+                </a:highlight>
+                <a:latin typeface="Consolas" panose="020B0609020204030204" pitchFamily="49" charset="0"/>
+              </a:rPr>
+              <a:t>public</a:t>
+            </a:r>
+            <a:r>
+              <a:rPr lang="en-US" altLang="ja-JP" sz="1400" dirty="0">
+                <a:solidFill>
+                  <a:srgbClr val="000000"/>
+                </a:solidFill>
+                <a:highlight>
+                  <a:srgbClr val="FFFFFF"/>
+                </a:highlight>
+                <a:latin typeface="Consolas" panose="020B0609020204030204" pitchFamily="49" charset="0"/>
+              </a:rPr>
+              <a:t> </a:t>
+            </a:r>
+            <a:r>
+              <a:rPr lang="en-US" altLang="ja-JP" sz="1400" dirty="0">
+                <a:solidFill>
+                  <a:srgbClr val="0000FF"/>
+                </a:solidFill>
+                <a:highlight>
+                  <a:srgbClr val="FFFFFF"/>
+                </a:highlight>
+                <a:latin typeface="Consolas" panose="020B0609020204030204" pitchFamily="49" charset="0"/>
+              </a:rPr>
+              <a:t>static</a:t>
+            </a:r>
+            <a:r>
+              <a:rPr lang="en-US" altLang="ja-JP" sz="1400" dirty="0">
+                <a:solidFill>
+                  <a:srgbClr val="000000"/>
+                </a:solidFill>
+                <a:highlight>
+                  <a:srgbClr val="FFFFFF"/>
+                </a:highlight>
+                <a:latin typeface="Consolas" panose="020B0609020204030204" pitchFamily="49" charset="0"/>
+              </a:rPr>
+              <a:t> </a:t>
+            </a:r>
+            <a:r>
+              <a:rPr lang="en-US" altLang="ja-JP" sz="1400" dirty="0">
+                <a:solidFill>
+                  <a:srgbClr val="2B91AF"/>
+                </a:solidFill>
+                <a:highlight>
+                  <a:srgbClr val="FFFFFF"/>
+                </a:highlight>
+                <a:latin typeface="Consolas" panose="020B0609020204030204" pitchFamily="49" charset="0"/>
+              </a:rPr>
+              <a:t>Equipment</a:t>
+            </a:r>
+            <a:r>
+              <a:rPr lang="en-US" altLang="ja-JP" sz="1400" dirty="0">
+                <a:solidFill>
+                  <a:srgbClr val="000000"/>
+                </a:solidFill>
+                <a:highlight>
+                  <a:srgbClr val="FFFFFF"/>
+                </a:highlight>
+                <a:latin typeface="Consolas" panose="020B0609020204030204" pitchFamily="49" charset="0"/>
+              </a:rPr>
+              <a:t> Clone(</a:t>
+            </a:r>
+            <a:r>
+              <a:rPr lang="en-US" altLang="ja-JP" sz="1400" dirty="0">
+                <a:solidFill>
+                  <a:srgbClr val="2B91AF"/>
+                </a:solidFill>
+                <a:highlight>
+                  <a:srgbClr val="FFFFFF"/>
+                </a:highlight>
+                <a:latin typeface="Consolas" panose="020B0609020204030204" pitchFamily="49" charset="0"/>
+              </a:rPr>
+              <a:t>Equipment</a:t>
+            </a:r>
+            <a:r>
+              <a:rPr lang="en-US" altLang="ja-JP" sz="1400" dirty="0">
+                <a:solidFill>
+                  <a:srgbClr val="000000"/>
+                </a:solidFill>
+                <a:highlight>
+                  <a:srgbClr val="FFFFFF"/>
+                </a:highlight>
+                <a:latin typeface="Consolas" panose="020B0609020204030204" pitchFamily="49" charset="0"/>
+              </a:rPr>
+              <a:t> x) </a:t>
+            </a:r>
+            <a:r>
+              <a:rPr lang="en-US" altLang="ja-JP" sz="1400" dirty="0" smtClean="0">
+                <a:solidFill>
+                  <a:srgbClr val="000000"/>
+                </a:solidFill>
+                <a:highlight>
+                  <a:srgbClr val="FFFFFF"/>
+                </a:highlight>
+                <a:latin typeface="Consolas" panose="020B0609020204030204" pitchFamily="49" charset="0"/>
+              </a:rPr>
+              <a:t>{ … }</a:t>
+            </a:r>
+            <a:endParaRPr lang="en-US" altLang="ja-JP" sz="1400" dirty="0">
+              <a:solidFill>
+                <a:srgbClr val="000000"/>
+              </a:solidFill>
+              <a:highlight>
+                <a:srgbClr val="FFFFFF"/>
+              </a:highlight>
+              <a:latin typeface="Consolas" panose="020B0609020204030204" pitchFamily="49" charset="0"/>
+            </a:endParaRPr>
+          </a:p>
+        </p:txBody>
+      </p:sp>
+      <p:sp>
+        <p:nvSpPr>
+          <p:cNvPr id="5" name="四角形吹き出し 4"/>
+          <p:cNvSpPr/>
+          <p:nvPr/>
+        </p:nvSpPr>
+        <p:spPr>
+          <a:xfrm>
+            <a:off x="4333875" y="2676525"/>
+            <a:ext cx="1419225" cy="447675"/>
+          </a:xfrm>
+          <a:prstGeom prst="wedgeRectCallout">
+            <a:avLst>
+              <a:gd name="adj1" fmla="val -68484"/>
+              <a:gd name="adj2" fmla="val 32713"/>
+            </a:avLst>
+          </a:prstGeom>
+        </p:spPr>
+        <p:style>
+          <a:lnRef idx="2">
+            <a:schemeClr val="accent3"/>
+          </a:lnRef>
+          <a:fillRef idx="1">
+            <a:schemeClr val="lt1"/>
+          </a:fillRef>
+          <a:effectRef idx="0">
+            <a:schemeClr val="accent3"/>
+          </a:effectRef>
+          <a:fontRef idx="minor">
+            <a:schemeClr val="dk1"/>
+          </a:fontRef>
+        </p:style>
+        <p:txBody>
+          <a:bodyPr lIns="36000" tIns="36000" rIns="36000" bIns="36000" rtlCol="0" anchor="ctr"/>
+          <a:lstStyle/>
+          <a:p>
+            <a:pPr algn="ctr"/>
+            <a:r>
               <a:rPr kumimoji="1" lang="ja-JP" altLang="en-US" dirty="0" smtClean="0"/>
-              <a:t>通信コード</a:t>
-            </a:r>
-            <a:endParaRPr kumimoji="1" lang="en-US" altLang="ja-JP" dirty="0" smtClean="0"/>
-          </a:p>
-          <a:p>
-            <a:pPr lvl="1"/>
-            <a:r>
-              <a:rPr lang="en-US" altLang="ja-JP" dirty="0" smtClean="0"/>
-              <a:t>Task&lt;</a:t>
-            </a:r>
-            <a:r>
-              <a:rPr lang="en-US" altLang="ja-JP" dirty="0" err="1" smtClean="0"/>
-              <a:t>int</a:t>
-            </a:r>
-            <a:r>
-              <a:rPr lang="en-US" altLang="ja-JP" dirty="0" smtClean="0"/>
-              <a:t>&gt; </a:t>
-            </a:r>
-            <a:r>
-              <a:rPr lang="en-US" altLang="ja-JP" dirty="0" err="1" smtClean="0"/>
-              <a:t>MethodAsync</a:t>
-            </a:r>
-            <a:r>
-              <a:rPr lang="en-US" altLang="ja-JP" dirty="0" smtClean="0"/>
-              <a:t>(</a:t>
-            </a:r>
-            <a:r>
-              <a:rPr lang="en-US" altLang="ja-JP" dirty="0" err="1" smtClean="0"/>
-              <a:t>int</a:t>
-            </a:r>
-            <a:r>
-              <a:rPr lang="en-US" altLang="ja-JP" dirty="0" smtClean="0"/>
-              <a:t> x1, string, x2)</a:t>
-            </a:r>
-            <a:r>
-              <a:rPr lang="ja-JP" altLang="en-US" dirty="0" smtClean="0"/>
-              <a:t>みたいなのから</a:t>
-            </a:r>
-            <a:r>
-              <a:rPr lang="en-US" altLang="ja-JP" dirty="0" smtClean="0"/>
-              <a:t/>
-            </a:r>
-            <a:br>
-              <a:rPr lang="en-US" altLang="ja-JP" dirty="0" smtClean="0"/>
-            </a:br>
-            <a:r>
-              <a:rPr lang="en-US" altLang="ja-JP" dirty="0" smtClean="0">
-                <a:hlinkClick r:id="rId2"/>
-              </a:rPr>
-              <a:t>http://server/Method</a:t>
-            </a:r>
-            <a:r>
-              <a:rPr lang="en-US" altLang="ja-JP" dirty="0" smtClean="0"/>
-              <a:t> </a:t>
-            </a:r>
-            <a:r>
-              <a:rPr lang="ja-JP" altLang="en-US" dirty="0" err="1" smtClean="0"/>
-              <a:t>への</a:t>
-            </a:r>
-            <a:r>
-              <a:rPr lang="ja-JP" altLang="en-US" dirty="0" smtClean="0"/>
-              <a:t>、</a:t>
-            </a:r>
-            <a:r>
-              <a:rPr lang="en-US" altLang="ja-JP" dirty="0" smtClean="0"/>
-              <a:t>{ “x1”: …, “x2”: “…” } </a:t>
-            </a:r>
-            <a:r>
-              <a:rPr lang="ja-JP" altLang="en-US" dirty="0" smtClean="0"/>
-              <a:t>の</a:t>
-            </a:r>
-            <a:r>
-              <a:rPr lang="en-US" altLang="ja-JP" dirty="0" smtClean="0"/>
-              <a:t>POST</a:t>
-            </a:r>
-          </a:p>
-          <a:p>
-            <a:pPr lvl="1"/>
-            <a:r>
-              <a:rPr kumimoji="1" lang="en-US" altLang="ja-JP" dirty="0" err="1" smtClean="0"/>
-              <a:t>MethodRequest</a:t>
-            </a:r>
-            <a:r>
-              <a:rPr kumimoji="1" lang="en-US" altLang="ja-JP" dirty="0" smtClean="0"/>
-              <a:t> { </a:t>
-            </a:r>
-            <a:r>
-              <a:rPr kumimoji="1" lang="en-US" altLang="ja-JP" dirty="0" err="1" smtClean="0"/>
-              <a:t>int</a:t>
-            </a:r>
-            <a:r>
-              <a:rPr kumimoji="1" lang="en-US" altLang="ja-JP" dirty="0" smtClean="0"/>
-              <a:t> X1; string X2 }</a:t>
-            </a:r>
+              <a:t>プロパティ</a:t>
+            </a:r>
+            <a:endParaRPr kumimoji="1" lang="ja-JP" altLang="en-US" dirty="0" smtClean="0"/>
+          </a:p>
+        </p:txBody>
+      </p:sp>
+      <p:sp>
+        <p:nvSpPr>
+          <p:cNvPr id="6" name="四角形吹き出し 5"/>
+          <p:cNvSpPr/>
+          <p:nvPr/>
+        </p:nvSpPr>
+        <p:spPr>
+          <a:xfrm>
+            <a:off x="4333874" y="3390900"/>
+            <a:ext cx="2038351" cy="447675"/>
+          </a:xfrm>
+          <a:prstGeom prst="wedgeRectCallout">
+            <a:avLst>
+              <a:gd name="adj1" fmla="val -68484"/>
+              <a:gd name="adj2" fmla="val 32713"/>
+            </a:avLst>
+          </a:prstGeom>
+        </p:spPr>
+        <p:style>
+          <a:lnRef idx="2">
+            <a:schemeClr val="accent3"/>
+          </a:lnRef>
+          <a:fillRef idx="1">
+            <a:schemeClr val="lt1"/>
+          </a:fillRef>
+          <a:effectRef idx="0">
+            <a:schemeClr val="accent3"/>
+          </a:effectRef>
+          <a:fontRef idx="minor">
+            <a:schemeClr val="dk1"/>
+          </a:fontRef>
+        </p:style>
+        <p:txBody>
+          <a:bodyPr lIns="36000" tIns="36000" rIns="36000" bIns="36000" rtlCol="0" anchor="ctr"/>
+          <a:lstStyle/>
+          <a:p>
+            <a:pPr algn="ctr"/>
             <a:r>
               <a:rPr kumimoji="1" lang="ja-JP" altLang="en-US" dirty="0" smtClean="0"/>
-              <a:t> と </a:t>
-            </a:r>
-            <a:r>
-              <a:rPr kumimoji="1" lang="en-US" altLang="ja-JP" dirty="0" err="1" smtClean="0"/>
-              <a:t>MethodResponse</a:t>
-            </a:r>
-            <a:r>
-              <a:rPr kumimoji="1" lang="en-US" altLang="ja-JP" dirty="0" smtClean="0"/>
-              <a:t> { </a:t>
-            </a:r>
-            <a:r>
-              <a:rPr kumimoji="1" lang="en-US" altLang="ja-JP" dirty="0" err="1" smtClean="0"/>
-              <a:t>int</a:t>
-            </a:r>
-            <a:r>
-              <a:rPr kumimoji="1" lang="en-US" altLang="ja-JP" dirty="0" smtClean="0"/>
-              <a:t> Result; } </a:t>
-            </a:r>
+              <a:t>コンストラクター引数</a:t>
+            </a:r>
+            <a:endParaRPr kumimoji="1" lang="ja-JP" altLang="en-US" dirty="0" smtClean="0"/>
+          </a:p>
+        </p:txBody>
+      </p:sp>
+      <p:sp>
+        <p:nvSpPr>
+          <p:cNvPr id="7" name="四角形吹き出し 6"/>
+          <p:cNvSpPr/>
+          <p:nvPr/>
+        </p:nvSpPr>
+        <p:spPr>
+          <a:xfrm>
+            <a:off x="3938283" y="4485699"/>
+            <a:ext cx="2400301" cy="447675"/>
+          </a:xfrm>
+          <a:prstGeom prst="wedgeRectCallout">
+            <a:avLst>
+              <a:gd name="adj1" fmla="val -40309"/>
+              <a:gd name="adj2" fmla="val 88032"/>
+            </a:avLst>
+          </a:prstGeom>
+        </p:spPr>
+        <p:style>
+          <a:lnRef idx="2">
+            <a:schemeClr val="accent3"/>
+          </a:lnRef>
+          <a:fillRef idx="1">
+            <a:schemeClr val="lt1"/>
+          </a:fillRef>
+          <a:effectRef idx="0">
+            <a:schemeClr val="accent3"/>
+          </a:effectRef>
+          <a:fontRef idx="minor">
+            <a:schemeClr val="dk1"/>
+          </a:fontRef>
+        </p:style>
+        <p:txBody>
+          <a:bodyPr lIns="36000" tIns="36000" rIns="36000" bIns="36000" rtlCol="0" anchor="ctr"/>
+          <a:lstStyle/>
+          <a:p>
+            <a:pPr algn="ctr"/>
             <a:r>
               <a:rPr kumimoji="1" lang="ja-JP" altLang="en-US" dirty="0" smtClean="0"/>
-              <a:t>みたいな型も生成</a:t>
-            </a:r>
-            <a:r>
-              <a:rPr lang="en-US" altLang="ja-JP" dirty="0" smtClean="0"/>
-              <a:t>(</a:t>
-            </a:r>
-            <a:r>
-              <a:rPr lang="ja-JP" altLang="en-US" dirty="0" smtClean="0"/>
-              <a:t>モック都合でこれが作りやすかった</a:t>
-            </a:r>
-            <a:r>
-              <a:rPr lang="en-US" altLang="ja-JP" dirty="0" smtClean="0"/>
-              <a:t>)</a:t>
-            </a:r>
-            <a:endParaRPr kumimoji="1" lang="ja-JP" altLang="en-US" dirty="0"/>
+              <a:t>コピー コンストラクター</a:t>
+            </a:r>
+            <a:endParaRPr kumimoji="1" lang="ja-JP" altLang="en-US" dirty="0" smtClean="0"/>
+          </a:p>
+        </p:txBody>
+      </p:sp>
+      <p:sp>
+        <p:nvSpPr>
+          <p:cNvPr id="8" name="四角形吹き出し 7"/>
+          <p:cNvSpPr/>
+          <p:nvPr/>
+        </p:nvSpPr>
+        <p:spPr>
+          <a:xfrm>
+            <a:off x="6486222" y="5048249"/>
+            <a:ext cx="1867203" cy="447675"/>
+          </a:xfrm>
+          <a:prstGeom prst="wedgeRectCallout">
+            <a:avLst>
+              <a:gd name="adj1" fmla="val -68484"/>
+              <a:gd name="adj2" fmla="val 32713"/>
+            </a:avLst>
+          </a:prstGeom>
+        </p:spPr>
+        <p:style>
+          <a:lnRef idx="2">
+            <a:schemeClr val="accent3"/>
+          </a:lnRef>
+          <a:fillRef idx="1">
+            <a:schemeClr val="lt1"/>
+          </a:fillRef>
+          <a:effectRef idx="0">
+            <a:schemeClr val="accent3"/>
+          </a:effectRef>
+          <a:fontRef idx="minor">
+            <a:schemeClr val="dk1"/>
+          </a:fontRef>
+        </p:style>
+        <p:txBody>
+          <a:bodyPr lIns="36000" tIns="36000" rIns="36000" bIns="36000" rtlCol="0" anchor="ctr"/>
+          <a:lstStyle/>
+          <a:p>
+            <a:pPr algn="ctr"/>
+            <a:r>
+              <a:rPr kumimoji="1" lang="ja-JP" altLang="en-US" dirty="0" smtClean="0"/>
+              <a:t>ディープ クローン</a:t>
+            </a:r>
+            <a:endParaRPr kumimoji="1" lang="ja-JP" altLang="en-US" dirty="0" smtClean="0"/>
           </a:p>
         </p:txBody>
       </p:sp>
     </p:spTree>
     <p:extLst>
       <p:ext uri="{BB962C8B-B14F-4D97-AF65-F5344CB8AC3E}">
-        <p14:creationId xmlns:p14="http://schemas.microsoft.com/office/powerpoint/2010/main" val="150215283"/>
+        <p14:creationId xmlns:p14="http://schemas.microsoft.com/office/powerpoint/2010/main" val="2733073649"/>
       </p:ext>
     </p:extLst>
   </p:cSld>
   <p:clrMapOvr>
     <a:masterClrMapping/>
   </p:clrMapOvr>
+  <p:timing>
+    <p:tnLst>
+      <p:par>
+        <p:cTn id="1" dur="indefinite" restart="never" nodeType="tmRoot"/>
+      </p:par>
+    </p:tnLst>
+  </p:timing>
 </p:sld>
 </file>
 
@@ -33132,43 +36722,1777 @@
           <a:bodyPr/>
           <a:lstStyle/>
           <a:p>
-            <a:endParaRPr kumimoji="1" lang="ja-JP" altLang="en-US"/>
-          </a:p>
-        </p:txBody>
-      </p:sp>
-      <p:sp>
-        <p:nvSpPr>
-          <p:cNvPr id="3" name="コンテンツ プレースホルダー 2"/>
-          <p:cNvSpPr>
-            <a:spLocks noGrp="1"/>
-          </p:cNvSpPr>
-          <p:nvPr>
-            <p:ph idx="1"/>
-          </p:nvPr>
-        </p:nvSpPr>
-        <p:spPr/>
-        <p:txBody>
-          <a:bodyPr/>
+            <a:r>
+              <a:rPr kumimoji="1" lang="ja-JP" altLang="en-US" dirty="0" smtClean="0"/>
+              <a:t>生成物</a:t>
+            </a:r>
+            <a:r>
+              <a:rPr kumimoji="1" lang="en-US" altLang="ja-JP" dirty="0" smtClean="0"/>
+              <a:t>:</a:t>
+            </a:r>
+            <a:r>
+              <a:rPr kumimoji="1" lang="ja-JP" altLang="en-US" dirty="0" smtClean="0"/>
+              <a:t> </a:t>
+            </a:r>
+            <a:r>
+              <a:rPr kumimoji="1" lang="en-US" altLang="ja-JP" dirty="0" smtClean="0"/>
+              <a:t>JSON</a:t>
+            </a:r>
+            <a:r>
+              <a:rPr kumimoji="1" lang="ja-JP" altLang="en-US" dirty="0" smtClean="0"/>
+              <a:t>化・</a:t>
+            </a:r>
+            <a:r>
+              <a:rPr kumimoji="1" lang="en-US" altLang="ja-JP" dirty="0" smtClean="0"/>
+              <a:t>JSON</a:t>
+            </a:r>
+            <a:r>
+              <a:rPr kumimoji="1" lang="ja-JP" altLang="en-US" dirty="0" smtClean="0"/>
+              <a:t> </a:t>
+            </a:r>
+            <a:r>
+              <a:rPr kumimoji="1" lang="en-US" altLang="ja-JP" dirty="0" smtClean="0"/>
+              <a:t>parse</a:t>
+            </a:r>
+            <a:endParaRPr kumimoji="1" lang="ja-JP" altLang="en-US" dirty="0"/>
+          </a:p>
+        </p:txBody>
+      </p:sp>
+      <p:sp>
+        <p:nvSpPr>
+          <p:cNvPr id="4" name="テキスト ボックス 3"/>
+          <p:cNvSpPr txBox="1"/>
+          <p:nvPr/>
+        </p:nvSpPr>
+        <p:spPr>
+          <a:xfrm>
+            <a:off x="838200" y="1825625"/>
+            <a:ext cx="4432624" cy="3970318"/>
+          </a:xfrm>
+          <a:prstGeom prst="rect">
+            <a:avLst/>
+          </a:prstGeom>
+        </p:spPr>
+        <p:style>
+          <a:lnRef idx="2">
+            <a:schemeClr val="accent5"/>
+          </a:lnRef>
+          <a:fillRef idx="1">
+            <a:schemeClr val="lt1"/>
+          </a:fillRef>
+          <a:effectRef idx="0">
+            <a:schemeClr val="accent5"/>
+          </a:effectRef>
+          <a:fontRef idx="minor">
+            <a:schemeClr val="dk1"/>
+          </a:fontRef>
+        </p:style>
+        <p:txBody>
+          <a:bodyPr wrap="none" rtlCol="0">
+            <a:spAutoFit/>
+          </a:bodyPr>
           <a:lstStyle/>
           <a:p>
             <a:r>
-              <a:rPr kumimoji="1" lang="ja-JP" altLang="en-US" dirty="0" smtClean="0"/>
-              <a:t>モック</a:t>
-            </a:r>
-            <a:endParaRPr kumimoji="1" lang="ja-JP" altLang="en-US" dirty="0"/>
+              <a:rPr lang="en-US" altLang="ja-JP" sz="1200" dirty="0">
+                <a:solidFill>
+                  <a:srgbClr val="0000FF"/>
+                </a:solidFill>
+                <a:highlight>
+                  <a:srgbClr val="FFFFFF"/>
+                </a:highlight>
+                <a:latin typeface="Consolas" panose="020B0609020204030204" pitchFamily="49" charset="0"/>
+              </a:rPr>
+              <a:t>partial</a:t>
+            </a:r>
+            <a:r>
+              <a:rPr lang="en-US" altLang="ja-JP" sz="1200" dirty="0">
+                <a:solidFill>
+                  <a:srgbClr val="000000"/>
+                </a:solidFill>
+                <a:highlight>
+                  <a:srgbClr val="FFFFFF"/>
+                </a:highlight>
+                <a:latin typeface="Consolas" panose="020B0609020204030204" pitchFamily="49" charset="0"/>
+              </a:rPr>
+              <a:t> </a:t>
+            </a:r>
+            <a:r>
+              <a:rPr lang="en-US" altLang="ja-JP" sz="1200" dirty="0">
+                <a:solidFill>
+                  <a:srgbClr val="0000FF"/>
+                </a:solidFill>
+                <a:highlight>
+                  <a:srgbClr val="FFFFFF"/>
+                </a:highlight>
+                <a:latin typeface="Consolas" panose="020B0609020204030204" pitchFamily="49" charset="0"/>
+              </a:rPr>
+              <a:t>class</a:t>
+            </a:r>
+            <a:r>
+              <a:rPr lang="en-US" altLang="ja-JP" sz="1200" dirty="0">
+                <a:solidFill>
+                  <a:srgbClr val="000000"/>
+                </a:solidFill>
+                <a:highlight>
+                  <a:srgbClr val="FFFFFF"/>
+                </a:highlight>
+                <a:latin typeface="Consolas" panose="020B0609020204030204" pitchFamily="49" charset="0"/>
+              </a:rPr>
+              <a:t> </a:t>
+            </a:r>
+            <a:r>
+              <a:rPr lang="en-US" altLang="ja-JP" sz="1200" dirty="0" err="1">
+                <a:solidFill>
+                  <a:srgbClr val="2B91AF"/>
+                </a:solidFill>
+                <a:highlight>
+                  <a:srgbClr val="FFFFFF"/>
+                </a:highlight>
+                <a:latin typeface="Consolas" panose="020B0609020204030204" pitchFamily="49" charset="0"/>
+              </a:rPr>
+              <a:t>Serializer</a:t>
+            </a:r>
+            <a:endParaRPr lang="en-US" altLang="ja-JP" sz="1200" dirty="0">
+              <a:solidFill>
+                <a:srgbClr val="000000"/>
+              </a:solidFill>
+              <a:highlight>
+                <a:srgbClr val="FFFFFF"/>
+              </a:highlight>
+              <a:latin typeface="Consolas" panose="020B0609020204030204" pitchFamily="49" charset="0"/>
+            </a:endParaRPr>
+          </a:p>
+          <a:p>
+            <a:r>
+              <a:rPr lang="en-US" altLang="ja-JP" sz="1200" dirty="0">
+                <a:solidFill>
+                  <a:srgbClr val="000000"/>
+                </a:solidFill>
+                <a:highlight>
+                  <a:srgbClr val="FFFFFF"/>
+                </a:highlight>
+                <a:latin typeface="Consolas" panose="020B0609020204030204" pitchFamily="49" charset="0"/>
+              </a:rPr>
+              <a:t>{</a:t>
+            </a:r>
+          </a:p>
+          <a:p>
+            <a:r>
+              <a:rPr lang="ja-JP" altLang="en-US" sz="1200" dirty="0" smtClean="0">
+                <a:solidFill>
+                  <a:srgbClr val="0000FF"/>
+                </a:solidFill>
+                <a:highlight>
+                  <a:srgbClr val="FFFFFF"/>
+                </a:highlight>
+                <a:latin typeface="Consolas" panose="020B0609020204030204" pitchFamily="49" charset="0"/>
+              </a:rPr>
+              <a:t>    </a:t>
+            </a:r>
+            <a:r>
+              <a:rPr lang="en-US" altLang="ja-JP" sz="1200" dirty="0" smtClean="0">
+                <a:solidFill>
+                  <a:srgbClr val="0000FF"/>
+                </a:solidFill>
+                <a:highlight>
+                  <a:srgbClr val="FFFFFF"/>
+                </a:highlight>
+                <a:latin typeface="Consolas" panose="020B0609020204030204" pitchFamily="49" charset="0"/>
+              </a:rPr>
+              <a:t>private</a:t>
+            </a:r>
+            <a:r>
+              <a:rPr lang="en-US" altLang="ja-JP" sz="1200" dirty="0" smtClean="0">
+                <a:solidFill>
+                  <a:srgbClr val="000000"/>
+                </a:solidFill>
+                <a:highlight>
+                  <a:srgbClr val="FFFFFF"/>
+                </a:highlight>
+                <a:latin typeface="Consolas" panose="020B0609020204030204" pitchFamily="49" charset="0"/>
+              </a:rPr>
+              <a:t> </a:t>
+            </a:r>
+            <a:r>
+              <a:rPr lang="en-US" altLang="ja-JP" sz="1200" dirty="0">
+                <a:solidFill>
+                  <a:srgbClr val="0000FF"/>
+                </a:solidFill>
+                <a:highlight>
+                  <a:srgbClr val="FFFFFF"/>
+                </a:highlight>
+                <a:latin typeface="Consolas" panose="020B0609020204030204" pitchFamily="49" charset="0"/>
+              </a:rPr>
+              <a:t>string</a:t>
+            </a:r>
+            <a:r>
+              <a:rPr lang="en-US" altLang="ja-JP" sz="1200" dirty="0">
+                <a:solidFill>
+                  <a:srgbClr val="000000"/>
+                </a:solidFill>
+                <a:highlight>
+                  <a:srgbClr val="FFFFFF"/>
+                </a:highlight>
+                <a:latin typeface="Consolas" panose="020B0609020204030204" pitchFamily="49" charset="0"/>
+              </a:rPr>
+              <a:t> Key(</a:t>
+            </a:r>
+            <a:r>
+              <a:rPr lang="en-US" altLang="ja-JP" sz="1200" dirty="0" err="1">
+                <a:solidFill>
+                  <a:srgbClr val="0000FF"/>
+                </a:solidFill>
+                <a:highlight>
+                  <a:srgbClr val="FFFFFF"/>
+                </a:highlight>
+                <a:latin typeface="Consolas" panose="020B0609020204030204" pitchFamily="49" charset="0"/>
+              </a:rPr>
+              <a:t>int</a:t>
+            </a:r>
+            <a:r>
+              <a:rPr lang="en-US" altLang="ja-JP" sz="1200" dirty="0">
+                <a:solidFill>
+                  <a:srgbClr val="000000"/>
+                </a:solidFill>
+                <a:highlight>
+                  <a:srgbClr val="FFFFFF"/>
+                </a:highlight>
+                <a:latin typeface="Consolas" panose="020B0609020204030204" pitchFamily="49" charset="0"/>
+              </a:rPr>
+              <a:t> index, </a:t>
+            </a:r>
+            <a:r>
+              <a:rPr lang="en-US" altLang="ja-JP" sz="1200" dirty="0">
+                <a:solidFill>
+                  <a:srgbClr val="2B91AF"/>
+                </a:solidFill>
+                <a:highlight>
+                  <a:srgbClr val="FFFFFF"/>
+                </a:highlight>
+                <a:latin typeface="Consolas" panose="020B0609020204030204" pitchFamily="49" charset="0"/>
+              </a:rPr>
+              <a:t>Equipment</a:t>
+            </a:r>
+            <a:r>
+              <a:rPr lang="en-US" altLang="ja-JP" sz="1200" dirty="0" smtClean="0">
+                <a:solidFill>
+                  <a:srgbClr val="000000"/>
+                </a:solidFill>
+                <a:highlight>
+                  <a:srgbClr val="FFFFFF"/>
+                </a:highlight>
+                <a:latin typeface="Consolas" panose="020B0609020204030204" pitchFamily="49" charset="0"/>
+              </a:rPr>
+              <a:t> </a:t>
+            </a:r>
+            <a:r>
+              <a:rPr lang="en-US" altLang="ja-JP" sz="1200" dirty="0">
+                <a:solidFill>
+                  <a:srgbClr val="000000"/>
+                </a:solidFill>
+                <a:highlight>
+                  <a:srgbClr val="FFFFFF"/>
+                </a:highlight>
+                <a:latin typeface="Consolas" panose="020B0609020204030204" pitchFamily="49" charset="0"/>
+              </a:rPr>
+              <a:t>_)</a:t>
+            </a:r>
+          </a:p>
+          <a:p>
+            <a:r>
+              <a:rPr lang="ja-JP" altLang="en-US" sz="1200" dirty="0">
+                <a:solidFill>
+                  <a:srgbClr val="000000"/>
+                </a:solidFill>
+                <a:highlight>
+                  <a:srgbClr val="FFFFFF"/>
+                </a:highlight>
+                <a:latin typeface="Consolas" panose="020B0609020204030204" pitchFamily="49" charset="0"/>
+              </a:rPr>
+              <a:t>    </a:t>
+            </a:r>
+            <a:r>
+              <a:rPr lang="en-US" altLang="ja-JP" sz="1200" dirty="0">
+                <a:solidFill>
+                  <a:srgbClr val="000000"/>
+                </a:solidFill>
+                <a:highlight>
+                  <a:srgbClr val="FFFFFF"/>
+                </a:highlight>
+                <a:latin typeface="Consolas" panose="020B0609020204030204" pitchFamily="49" charset="0"/>
+              </a:rPr>
+              <a:t>{</a:t>
+            </a:r>
+          </a:p>
+          <a:p>
+            <a:r>
+              <a:rPr lang="en-US" altLang="ja-JP" sz="1200" dirty="0">
+                <a:solidFill>
+                  <a:srgbClr val="000000"/>
+                </a:solidFill>
+                <a:highlight>
+                  <a:srgbClr val="FFFFFF"/>
+                </a:highlight>
+                <a:latin typeface="Consolas" panose="020B0609020204030204" pitchFamily="49" charset="0"/>
+              </a:rPr>
+              <a:t>        </a:t>
+            </a:r>
+            <a:r>
+              <a:rPr lang="en-US" altLang="ja-JP" sz="1200" dirty="0">
+                <a:solidFill>
+                  <a:srgbClr val="0000FF"/>
+                </a:solidFill>
+                <a:highlight>
+                  <a:srgbClr val="FFFFFF"/>
+                </a:highlight>
+                <a:latin typeface="Consolas" panose="020B0609020204030204" pitchFamily="49" charset="0"/>
+              </a:rPr>
+              <a:t>switch</a:t>
+            </a:r>
+            <a:r>
+              <a:rPr lang="en-US" altLang="ja-JP" sz="1200" dirty="0">
+                <a:solidFill>
+                  <a:srgbClr val="000000"/>
+                </a:solidFill>
+                <a:highlight>
+                  <a:srgbClr val="FFFFFF"/>
+                </a:highlight>
+                <a:latin typeface="Consolas" panose="020B0609020204030204" pitchFamily="49" charset="0"/>
+              </a:rPr>
+              <a:t> (index)</a:t>
+            </a:r>
+          </a:p>
+          <a:p>
+            <a:r>
+              <a:rPr lang="ja-JP" altLang="en-US" sz="1200" dirty="0">
+                <a:solidFill>
+                  <a:srgbClr val="000000"/>
+                </a:solidFill>
+                <a:highlight>
+                  <a:srgbClr val="FFFFFF"/>
+                </a:highlight>
+                <a:latin typeface="Consolas" panose="020B0609020204030204" pitchFamily="49" charset="0"/>
+              </a:rPr>
+              <a:t>        </a:t>
+            </a:r>
+            <a:r>
+              <a:rPr lang="en-US" altLang="ja-JP" sz="1200" dirty="0">
+                <a:solidFill>
+                  <a:srgbClr val="000000"/>
+                </a:solidFill>
+                <a:highlight>
+                  <a:srgbClr val="FFFFFF"/>
+                </a:highlight>
+                <a:latin typeface="Consolas" panose="020B0609020204030204" pitchFamily="49" charset="0"/>
+              </a:rPr>
+              <a:t>{</a:t>
+            </a:r>
+          </a:p>
+          <a:p>
+            <a:r>
+              <a:rPr lang="en-US" altLang="ja-JP" sz="1200" dirty="0">
+                <a:solidFill>
+                  <a:srgbClr val="000000"/>
+                </a:solidFill>
+                <a:highlight>
+                  <a:srgbClr val="FFFFFF"/>
+                </a:highlight>
+                <a:latin typeface="Consolas" panose="020B0609020204030204" pitchFamily="49" charset="0"/>
+              </a:rPr>
+              <a:t>            </a:t>
+            </a:r>
+            <a:r>
+              <a:rPr lang="en-US" altLang="ja-JP" sz="1200" dirty="0">
+                <a:solidFill>
+                  <a:srgbClr val="0000FF"/>
+                </a:solidFill>
+                <a:highlight>
+                  <a:srgbClr val="FFFFFF"/>
+                </a:highlight>
+                <a:latin typeface="Consolas" panose="020B0609020204030204" pitchFamily="49" charset="0"/>
+              </a:rPr>
+              <a:t>case</a:t>
+            </a:r>
+            <a:r>
+              <a:rPr lang="en-US" altLang="ja-JP" sz="1200" dirty="0">
+                <a:solidFill>
+                  <a:srgbClr val="000000"/>
+                </a:solidFill>
+                <a:highlight>
+                  <a:srgbClr val="FFFFFF"/>
+                </a:highlight>
+                <a:latin typeface="Consolas" panose="020B0609020204030204" pitchFamily="49" charset="0"/>
+              </a:rPr>
+              <a:t> 0: { </a:t>
+            </a:r>
+            <a:r>
+              <a:rPr lang="en-US" altLang="ja-JP" sz="1200" dirty="0">
+                <a:solidFill>
+                  <a:srgbClr val="0000FF"/>
+                </a:solidFill>
+                <a:highlight>
+                  <a:srgbClr val="FFFFFF"/>
+                </a:highlight>
+                <a:latin typeface="Consolas" panose="020B0609020204030204" pitchFamily="49" charset="0"/>
+              </a:rPr>
+              <a:t>return</a:t>
+            </a:r>
+            <a:r>
+              <a:rPr lang="en-US" altLang="ja-JP" sz="1200" dirty="0">
+                <a:solidFill>
+                  <a:srgbClr val="000000"/>
+                </a:solidFill>
+                <a:highlight>
+                  <a:srgbClr val="FFFFFF"/>
+                </a:highlight>
+                <a:latin typeface="Consolas" panose="020B0609020204030204" pitchFamily="49" charset="0"/>
+              </a:rPr>
+              <a:t> </a:t>
+            </a:r>
+            <a:r>
+              <a:rPr lang="en-US" altLang="ja-JP" sz="1200" dirty="0">
+                <a:solidFill>
+                  <a:srgbClr val="A31515"/>
+                </a:solidFill>
+                <a:highlight>
+                  <a:srgbClr val="FFFFFF"/>
+                </a:highlight>
+                <a:latin typeface="Consolas" panose="020B0609020204030204" pitchFamily="49" charset="0"/>
+              </a:rPr>
+              <a:t>"id"</a:t>
+            </a:r>
+            <a:r>
+              <a:rPr lang="en-US" altLang="ja-JP" sz="1200" dirty="0">
+                <a:solidFill>
+                  <a:srgbClr val="000000"/>
+                </a:solidFill>
+                <a:highlight>
+                  <a:srgbClr val="FFFFFF"/>
+                </a:highlight>
+                <a:latin typeface="Consolas" panose="020B0609020204030204" pitchFamily="49" charset="0"/>
+              </a:rPr>
+              <a:t>; </a:t>
+            </a:r>
+            <a:r>
+              <a:rPr lang="en-US" altLang="ja-JP" sz="1200" dirty="0" smtClean="0">
+                <a:solidFill>
+                  <a:srgbClr val="000000"/>
+                </a:solidFill>
+                <a:highlight>
+                  <a:srgbClr val="FFFFFF"/>
+                </a:highlight>
+                <a:latin typeface="Consolas" panose="020B0609020204030204" pitchFamily="49" charset="0"/>
+              </a:rPr>
+              <a:t>}</a:t>
+            </a:r>
+          </a:p>
+          <a:p>
+            <a:r>
+              <a:rPr lang="en-US" altLang="ja-JP" sz="1200" dirty="0" smtClean="0">
+                <a:solidFill>
+                  <a:srgbClr val="000000"/>
+                </a:solidFill>
+                <a:highlight>
+                  <a:srgbClr val="FFFFFF"/>
+                </a:highlight>
+                <a:latin typeface="Consolas" panose="020B0609020204030204" pitchFamily="49" charset="0"/>
+              </a:rPr>
+              <a:t>…</a:t>
+            </a:r>
+          </a:p>
+          <a:p>
+            <a:r>
+              <a:rPr lang="en-US" altLang="ja-JP" sz="1200" dirty="0" smtClean="0">
+                <a:solidFill>
+                  <a:srgbClr val="000000"/>
+                </a:solidFill>
+                <a:highlight>
+                  <a:srgbClr val="FFFFFF"/>
+                </a:highlight>
+                <a:latin typeface="Consolas" panose="020B0609020204030204" pitchFamily="49" charset="0"/>
+              </a:rPr>
+              <a:t>            </a:t>
+            </a:r>
+            <a:r>
+              <a:rPr lang="en-US" altLang="ja-JP" sz="1200" dirty="0" smtClean="0">
+                <a:solidFill>
+                  <a:srgbClr val="0000FF"/>
+                </a:solidFill>
+                <a:highlight>
+                  <a:srgbClr val="FFFFFF"/>
+                </a:highlight>
+                <a:latin typeface="Consolas" panose="020B0609020204030204" pitchFamily="49" charset="0"/>
+              </a:rPr>
+              <a:t>default</a:t>
+            </a:r>
+            <a:r>
+              <a:rPr lang="en-US" altLang="ja-JP" sz="1200" dirty="0" smtClean="0">
+                <a:solidFill>
+                  <a:srgbClr val="000000"/>
+                </a:solidFill>
+                <a:highlight>
+                  <a:srgbClr val="FFFFFF"/>
+                </a:highlight>
+                <a:latin typeface="Consolas" panose="020B0609020204030204" pitchFamily="49" charset="0"/>
+              </a:rPr>
+              <a:t>: </a:t>
+            </a:r>
+            <a:r>
+              <a:rPr lang="en-US" altLang="ja-JP" sz="1200" dirty="0" smtClean="0">
+                <a:solidFill>
+                  <a:srgbClr val="0000FF"/>
+                </a:solidFill>
+                <a:highlight>
+                  <a:srgbClr val="FFFFFF"/>
+                </a:highlight>
+                <a:latin typeface="Consolas" panose="020B0609020204030204" pitchFamily="49" charset="0"/>
+              </a:rPr>
+              <a:t>return</a:t>
+            </a:r>
+            <a:r>
+              <a:rPr lang="en-US" altLang="ja-JP" sz="1200" dirty="0" smtClean="0">
+                <a:solidFill>
+                  <a:srgbClr val="000000"/>
+                </a:solidFill>
+                <a:highlight>
+                  <a:srgbClr val="FFFFFF"/>
+                </a:highlight>
+                <a:latin typeface="Consolas" panose="020B0609020204030204" pitchFamily="49" charset="0"/>
+              </a:rPr>
+              <a:t> </a:t>
+            </a:r>
+            <a:r>
+              <a:rPr lang="en-US" altLang="ja-JP" sz="1200" dirty="0" smtClean="0">
+                <a:solidFill>
+                  <a:srgbClr val="0000FF"/>
+                </a:solidFill>
+                <a:highlight>
+                  <a:srgbClr val="FFFFFF"/>
+                </a:highlight>
+                <a:latin typeface="Consolas" panose="020B0609020204030204" pitchFamily="49" charset="0"/>
+              </a:rPr>
+              <a:t>null</a:t>
+            </a:r>
+            <a:r>
+              <a:rPr lang="en-US" altLang="ja-JP" sz="1200" dirty="0" smtClean="0">
+                <a:solidFill>
+                  <a:srgbClr val="000000"/>
+                </a:solidFill>
+                <a:highlight>
+                  <a:srgbClr val="FFFFFF"/>
+                </a:highlight>
+                <a:latin typeface="Consolas" panose="020B0609020204030204" pitchFamily="49" charset="0"/>
+              </a:rPr>
+              <a:t>;</a:t>
+            </a:r>
+          </a:p>
+          <a:p>
+            <a:r>
+              <a:rPr lang="ja-JP" altLang="en-US" sz="1200" dirty="0" smtClean="0">
+                <a:solidFill>
+                  <a:srgbClr val="000000"/>
+                </a:solidFill>
+                <a:highlight>
+                  <a:srgbClr val="FFFFFF"/>
+                </a:highlight>
+                <a:latin typeface="Consolas" panose="020B0609020204030204" pitchFamily="49" charset="0"/>
+              </a:rPr>
+              <a:t>        </a:t>
+            </a:r>
+            <a:r>
+              <a:rPr lang="en-US" altLang="ja-JP" sz="1200" dirty="0" smtClean="0">
+                <a:solidFill>
+                  <a:srgbClr val="000000"/>
+                </a:solidFill>
+                <a:highlight>
+                  <a:srgbClr val="FFFFFF"/>
+                </a:highlight>
+                <a:latin typeface="Consolas" panose="020B0609020204030204" pitchFamily="49" charset="0"/>
+              </a:rPr>
+              <a:t>}</a:t>
+            </a:r>
+          </a:p>
+          <a:p>
+            <a:r>
+              <a:rPr lang="ja-JP" altLang="en-US" sz="1200" dirty="0" smtClean="0">
+                <a:solidFill>
+                  <a:srgbClr val="000000"/>
+                </a:solidFill>
+                <a:highlight>
+                  <a:srgbClr val="FFFFFF"/>
+                </a:highlight>
+                <a:latin typeface="Consolas" panose="020B0609020204030204" pitchFamily="49" charset="0"/>
+              </a:rPr>
+              <a:t>    </a:t>
+            </a:r>
+            <a:r>
+              <a:rPr lang="en-US" altLang="ja-JP" sz="1200" dirty="0">
+                <a:solidFill>
+                  <a:srgbClr val="000000"/>
+                </a:solidFill>
+                <a:highlight>
+                  <a:srgbClr val="FFFFFF"/>
+                </a:highlight>
+                <a:latin typeface="Consolas" panose="020B0609020204030204" pitchFamily="49" charset="0"/>
+              </a:rPr>
+              <a:t>}</a:t>
+            </a:r>
+          </a:p>
+          <a:p>
+            <a:endParaRPr lang="ja-JP" altLang="en-US" sz="1200" dirty="0">
+              <a:solidFill>
+                <a:srgbClr val="000000"/>
+              </a:solidFill>
+              <a:highlight>
+                <a:srgbClr val="FFFFFF"/>
+              </a:highlight>
+              <a:latin typeface="Consolas" panose="020B0609020204030204" pitchFamily="49" charset="0"/>
+            </a:endParaRPr>
+          </a:p>
+          <a:p>
+            <a:r>
+              <a:rPr lang="en-US" altLang="ja-JP" sz="1200" dirty="0">
+                <a:solidFill>
+                  <a:srgbClr val="000000"/>
+                </a:solidFill>
+                <a:highlight>
+                  <a:srgbClr val="FFFFFF"/>
+                </a:highlight>
+                <a:latin typeface="Consolas" panose="020B0609020204030204" pitchFamily="49" charset="0"/>
+              </a:rPr>
+              <a:t>    </a:t>
+            </a:r>
+            <a:r>
+              <a:rPr lang="en-US" altLang="ja-JP" sz="1200" dirty="0">
+                <a:solidFill>
+                  <a:srgbClr val="0000FF"/>
+                </a:solidFill>
+                <a:highlight>
+                  <a:srgbClr val="FFFFFF"/>
+                </a:highlight>
+                <a:latin typeface="Consolas" panose="020B0609020204030204" pitchFamily="49" charset="0"/>
+              </a:rPr>
+              <a:t>private</a:t>
+            </a:r>
+            <a:r>
+              <a:rPr lang="en-US" altLang="ja-JP" sz="1200" dirty="0">
+                <a:solidFill>
+                  <a:srgbClr val="000000"/>
+                </a:solidFill>
+                <a:highlight>
+                  <a:srgbClr val="FFFFFF"/>
+                </a:highlight>
+                <a:latin typeface="Consolas" panose="020B0609020204030204" pitchFamily="49" charset="0"/>
+              </a:rPr>
+              <a:t> </a:t>
+            </a:r>
+            <a:r>
+              <a:rPr lang="en-US" altLang="ja-JP" sz="1200" dirty="0">
+                <a:solidFill>
+                  <a:srgbClr val="0000FF"/>
+                </a:solidFill>
+                <a:highlight>
+                  <a:srgbClr val="FFFFFF"/>
+                </a:highlight>
+                <a:latin typeface="Consolas" panose="020B0609020204030204" pitchFamily="49" charset="0"/>
+              </a:rPr>
+              <a:t>void</a:t>
+            </a:r>
+            <a:r>
+              <a:rPr lang="en-US" altLang="ja-JP" sz="1200" dirty="0">
+                <a:solidFill>
+                  <a:srgbClr val="000000"/>
+                </a:solidFill>
+                <a:highlight>
+                  <a:srgbClr val="FFFFFF"/>
+                </a:highlight>
+                <a:latin typeface="Consolas" panose="020B0609020204030204" pitchFamily="49" charset="0"/>
+              </a:rPr>
+              <a:t> Serialize(</a:t>
+            </a:r>
+            <a:r>
+              <a:rPr lang="en-US" altLang="ja-JP" sz="1200" dirty="0" err="1">
+                <a:solidFill>
+                  <a:srgbClr val="0000FF"/>
+                </a:solidFill>
+                <a:highlight>
+                  <a:srgbClr val="FFFFFF"/>
+                </a:highlight>
+                <a:latin typeface="Consolas" panose="020B0609020204030204" pitchFamily="49" charset="0"/>
+              </a:rPr>
+              <a:t>int</a:t>
+            </a:r>
+            <a:r>
+              <a:rPr lang="en-US" altLang="ja-JP" sz="1200" dirty="0">
+                <a:solidFill>
+                  <a:srgbClr val="000000"/>
+                </a:solidFill>
+                <a:highlight>
+                  <a:srgbClr val="FFFFFF"/>
+                </a:highlight>
+                <a:latin typeface="Consolas" panose="020B0609020204030204" pitchFamily="49" charset="0"/>
+              </a:rPr>
+              <a:t> index, </a:t>
+            </a:r>
+            <a:r>
+              <a:rPr lang="en-US" altLang="ja-JP" sz="1200" dirty="0">
+                <a:solidFill>
+                  <a:srgbClr val="2B91AF"/>
+                </a:solidFill>
+                <a:highlight>
+                  <a:srgbClr val="FFFFFF"/>
+                </a:highlight>
+                <a:latin typeface="Consolas" panose="020B0609020204030204" pitchFamily="49" charset="0"/>
+              </a:rPr>
+              <a:t>Equipment</a:t>
+            </a:r>
+            <a:r>
+              <a:rPr lang="en-US" altLang="ja-JP" sz="1200" dirty="0" smtClean="0">
+                <a:solidFill>
+                  <a:srgbClr val="000000"/>
+                </a:solidFill>
+                <a:highlight>
+                  <a:srgbClr val="FFFFFF"/>
+                </a:highlight>
+                <a:latin typeface="Consolas" panose="020B0609020204030204" pitchFamily="49" charset="0"/>
+              </a:rPr>
+              <a:t> </a:t>
+            </a:r>
+            <a:r>
+              <a:rPr lang="en-US" altLang="ja-JP" sz="1200" dirty="0">
+                <a:solidFill>
+                  <a:srgbClr val="000000"/>
+                </a:solidFill>
+                <a:highlight>
+                  <a:srgbClr val="FFFFFF"/>
+                </a:highlight>
+                <a:latin typeface="Consolas" panose="020B0609020204030204" pitchFamily="49" charset="0"/>
+              </a:rPr>
+              <a:t>x)</a:t>
+            </a:r>
+          </a:p>
+          <a:p>
+            <a:r>
+              <a:rPr lang="ja-JP" altLang="en-US" sz="1200" dirty="0">
+                <a:solidFill>
+                  <a:srgbClr val="000000"/>
+                </a:solidFill>
+                <a:highlight>
+                  <a:srgbClr val="FFFFFF"/>
+                </a:highlight>
+                <a:latin typeface="Consolas" panose="020B0609020204030204" pitchFamily="49" charset="0"/>
+              </a:rPr>
+              <a:t>    </a:t>
+            </a:r>
+            <a:r>
+              <a:rPr lang="en-US" altLang="ja-JP" sz="1200" dirty="0">
+                <a:solidFill>
+                  <a:srgbClr val="000000"/>
+                </a:solidFill>
+                <a:highlight>
+                  <a:srgbClr val="FFFFFF"/>
+                </a:highlight>
+                <a:latin typeface="Consolas" panose="020B0609020204030204" pitchFamily="49" charset="0"/>
+              </a:rPr>
+              <a:t>{</a:t>
+            </a:r>
+          </a:p>
+          <a:p>
+            <a:r>
+              <a:rPr lang="en-US" altLang="ja-JP" sz="1200" dirty="0">
+                <a:solidFill>
+                  <a:srgbClr val="000000"/>
+                </a:solidFill>
+                <a:highlight>
+                  <a:srgbClr val="FFFFFF"/>
+                </a:highlight>
+                <a:latin typeface="Consolas" panose="020B0609020204030204" pitchFamily="49" charset="0"/>
+              </a:rPr>
+              <a:t>        </a:t>
+            </a:r>
+            <a:r>
+              <a:rPr lang="en-US" altLang="ja-JP" sz="1200" dirty="0">
+                <a:solidFill>
+                  <a:srgbClr val="0000FF"/>
+                </a:solidFill>
+                <a:highlight>
+                  <a:srgbClr val="FFFFFF"/>
+                </a:highlight>
+                <a:latin typeface="Consolas" panose="020B0609020204030204" pitchFamily="49" charset="0"/>
+              </a:rPr>
+              <a:t>switch</a:t>
+            </a:r>
+            <a:r>
+              <a:rPr lang="en-US" altLang="ja-JP" sz="1200" dirty="0">
+                <a:solidFill>
+                  <a:srgbClr val="000000"/>
+                </a:solidFill>
+                <a:highlight>
+                  <a:srgbClr val="FFFFFF"/>
+                </a:highlight>
+                <a:latin typeface="Consolas" panose="020B0609020204030204" pitchFamily="49" charset="0"/>
+              </a:rPr>
+              <a:t> (index)</a:t>
+            </a:r>
+          </a:p>
+          <a:p>
+            <a:r>
+              <a:rPr lang="ja-JP" altLang="en-US" sz="1200" dirty="0">
+                <a:solidFill>
+                  <a:srgbClr val="000000"/>
+                </a:solidFill>
+                <a:highlight>
+                  <a:srgbClr val="FFFFFF"/>
+                </a:highlight>
+                <a:latin typeface="Consolas" panose="020B0609020204030204" pitchFamily="49" charset="0"/>
+              </a:rPr>
+              <a:t>        </a:t>
+            </a:r>
+            <a:r>
+              <a:rPr lang="en-US" altLang="ja-JP" sz="1200" dirty="0">
+                <a:solidFill>
+                  <a:srgbClr val="000000"/>
+                </a:solidFill>
+                <a:highlight>
+                  <a:srgbClr val="FFFFFF"/>
+                </a:highlight>
+                <a:latin typeface="Consolas" panose="020B0609020204030204" pitchFamily="49" charset="0"/>
+              </a:rPr>
+              <a:t>{</a:t>
+            </a:r>
+          </a:p>
+          <a:p>
+            <a:r>
+              <a:rPr lang="en-US" altLang="ja-JP" sz="1200" dirty="0">
+                <a:solidFill>
+                  <a:srgbClr val="000000"/>
+                </a:solidFill>
+                <a:highlight>
+                  <a:srgbClr val="FFFFFF"/>
+                </a:highlight>
+                <a:latin typeface="Consolas" panose="020B0609020204030204" pitchFamily="49" charset="0"/>
+              </a:rPr>
+              <a:t>            </a:t>
+            </a:r>
+            <a:r>
+              <a:rPr lang="en-US" altLang="ja-JP" sz="1200" dirty="0">
+                <a:solidFill>
+                  <a:srgbClr val="0000FF"/>
+                </a:solidFill>
+                <a:highlight>
+                  <a:srgbClr val="FFFFFF"/>
+                </a:highlight>
+                <a:latin typeface="Consolas" panose="020B0609020204030204" pitchFamily="49" charset="0"/>
+              </a:rPr>
+              <a:t>case</a:t>
+            </a:r>
+            <a:r>
+              <a:rPr lang="en-US" altLang="ja-JP" sz="1200" dirty="0">
+                <a:solidFill>
+                  <a:srgbClr val="000000"/>
+                </a:solidFill>
+                <a:highlight>
+                  <a:srgbClr val="FFFFFF"/>
+                </a:highlight>
+                <a:latin typeface="Consolas" panose="020B0609020204030204" pitchFamily="49" charset="0"/>
+              </a:rPr>
+              <a:t> 0: { Serialize(</a:t>
+            </a:r>
+            <a:r>
+              <a:rPr lang="en-US" altLang="ja-JP" sz="1200" dirty="0" err="1">
+                <a:solidFill>
+                  <a:srgbClr val="000000"/>
+                </a:solidFill>
+                <a:highlight>
+                  <a:srgbClr val="FFFFFF"/>
+                </a:highlight>
+                <a:latin typeface="Consolas" panose="020B0609020204030204" pitchFamily="49" charset="0"/>
+              </a:rPr>
+              <a:t>x.Id</a:t>
+            </a:r>
+            <a:r>
+              <a:rPr lang="en-US" altLang="ja-JP" sz="1200" dirty="0">
+                <a:solidFill>
+                  <a:srgbClr val="000000"/>
+                </a:solidFill>
+                <a:highlight>
+                  <a:srgbClr val="FFFFFF"/>
+                </a:highlight>
+                <a:latin typeface="Consolas" panose="020B0609020204030204" pitchFamily="49" charset="0"/>
+              </a:rPr>
+              <a:t>); </a:t>
+            </a:r>
+            <a:r>
+              <a:rPr lang="en-US" altLang="ja-JP" sz="1200" dirty="0">
+                <a:solidFill>
+                  <a:srgbClr val="0000FF"/>
+                </a:solidFill>
+                <a:highlight>
+                  <a:srgbClr val="FFFFFF"/>
+                </a:highlight>
+                <a:latin typeface="Consolas" panose="020B0609020204030204" pitchFamily="49" charset="0"/>
+              </a:rPr>
+              <a:t>break</a:t>
+            </a:r>
+            <a:r>
+              <a:rPr lang="en-US" altLang="ja-JP" sz="1200" dirty="0">
+                <a:solidFill>
+                  <a:srgbClr val="000000"/>
+                </a:solidFill>
+                <a:highlight>
+                  <a:srgbClr val="FFFFFF"/>
+                </a:highlight>
+                <a:latin typeface="Consolas" panose="020B0609020204030204" pitchFamily="49" charset="0"/>
+              </a:rPr>
+              <a:t>; }</a:t>
+            </a:r>
+          </a:p>
+          <a:p>
+            <a:r>
+              <a:rPr lang="en-US" altLang="ja-JP" sz="1200" dirty="0">
+                <a:solidFill>
+                  <a:srgbClr val="000000"/>
+                </a:solidFill>
+                <a:highlight>
+                  <a:srgbClr val="FFFFFF"/>
+                </a:highlight>
+                <a:latin typeface="Consolas" panose="020B0609020204030204" pitchFamily="49" charset="0"/>
+              </a:rPr>
+              <a:t>…</a:t>
+            </a:r>
+          </a:p>
+          <a:p>
+            <a:r>
+              <a:rPr lang="ja-JP" altLang="en-US" sz="1200" dirty="0" smtClean="0">
+                <a:solidFill>
+                  <a:srgbClr val="000000"/>
+                </a:solidFill>
+                <a:highlight>
+                  <a:srgbClr val="FFFFFF"/>
+                </a:highlight>
+                <a:latin typeface="Consolas" panose="020B0609020204030204" pitchFamily="49" charset="0"/>
+              </a:rPr>
+              <a:t>        </a:t>
+            </a:r>
+            <a:r>
+              <a:rPr lang="en-US" altLang="ja-JP" sz="1200" dirty="0">
+                <a:solidFill>
+                  <a:srgbClr val="000000"/>
+                </a:solidFill>
+                <a:highlight>
+                  <a:srgbClr val="FFFFFF"/>
+                </a:highlight>
+                <a:latin typeface="Consolas" panose="020B0609020204030204" pitchFamily="49" charset="0"/>
+              </a:rPr>
+              <a:t>}</a:t>
+            </a:r>
+          </a:p>
+          <a:p>
+            <a:r>
+              <a:rPr lang="ja-JP" altLang="en-US" sz="1200" dirty="0">
+                <a:solidFill>
+                  <a:srgbClr val="000000"/>
+                </a:solidFill>
+                <a:highlight>
+                  <a:srgbClr val="FFFFFF"/>
+                </a:highlight>
+                <a:latin typeface="Consolas" panose="020B0609020204030204" pitchFamily="49" charset="0"/>
+              </a:rPr>
+              <a:t>    </a:t>
+            </a:r>
+            <a:r>
+              <a:rPr lang="en-US" altLang="ja-JP" sz="1200" dirty="0" smtClean="0">
+                <a:solidFill>
+                  <a:srgbClr val="000000"/>
+                </a:solidFill>
+                <a:highlight>
+                  <a:srgbClr val="FFFFFF"/>
+                </a:highlight>
+                <a:latin typeface="Consolas" panose="020B0609020204030204" pitchFamily="49" charset="0"/>
+              </a:rPr>
+              <a:t>}</a:t>
+            </a:r>
+          </a:p>
+          <a:p>
+            <a:r>
+              <a:rPr lang="en-US" altLang="ja-JP" sz="1200" dirty="0" smtClean="0">
+                <a:solidFill>
+                  <a:srgbClr val="000000"/>
+                </a:solidFill>
+                <a:highlight>
+                  <a:srgbClr val="FFFFFF"/>
+                </a:highlight>
+                <a:latin typeface="Consolas" panose="020B0609020204030204" pitchFamily="49" charset="0"/>
+              </a:rPr>
+              <a:t>…</a:t>
+            </a:r>
+            <a:endParaRPr lang="en-US" altLang="ja-JP" sz="1200" dirty="0">
+              <a:solidFill>
+                <a:srgbClr val="000000"/>
+              </a:solidFill>
+              <a:highlight>
+                <a:srgbClr val="FFFFFF"/>
+              </a:highlight>
+              <a:latin typeface="Consolas" panose="020B0609020204030204" pitchFamily="49" charset="0"/>
+            </a:endParaRPr>
+          </a:p>
+        </p:txBody>
+      </p:sp>
+      <p:sp>
+        <p:nvSpPr>
+          <p:cNvPr id="5" name="テキスト ボックス 4"/>
+          <p:cNvSpPr txBox="1"/>
+          <p:nvPr/>
+        </p:nvSpPr>
+        <p:spPr>
+          <a:xfrm>
+            <a:off x="5476870" y="1825625"/>
+            <a:ext cx="5876930" cy="2492990"/>
+          </a:xfrm>
+          <a:prstGeom prst="rect">
+            <a:avLst/>
+          </a:prstGeom>
+        </p:spPr>
+        <p:style>
+          <a:lnRef idx="2">
+            <a:schemeClr val="accent5"/>
+          </a:lnRef>
+          <a:fillRef idx="1">
+            <a:schemeClr val="lt1"/>
+          </a:fillRef>
+          <a:effectRef idx="0">
+            <a:schemeClr val="accent5"/>
+          </a:effectRef>
+          <a:fontRef idx="minor">
+            <a:schemeClr val="dk1"/>
+          </a:fontRef>
+        </p:style>
+        <p:txBody>
+          <a:bodyPr wrap="none" rtlCol="0">
+            <a:spAutoFit/>
+          </a:bodyPr>
+          <a:lstStyle/>
+          <a:p>
+            <a:r>
+              <a:rPr lang="en-US" altLang="ja-JP" sz="1200" dirty="0">
+                <a:solidFill>
+                  <a:srgbClr val="0000FF"/>
+                </a:solidFill>
+                <a:highlight>
+                  <a:srgbClr val="FFFFFF"/>
+                </a:highlight>
+                <a:latin typeface="Consolas" panose="020B0609020204030204" pitchFamily="49" charset="0"/>
+              </a:rPr>
+              <a:t>partial</a:t>
+            </a:r>
+            <a:r>
+              <a:rPr lang="en-US" altLang="ja-JP" sz="1200" dirty="0">
+                <a:solidFill>
+                  <a:srgbClr val="000000"/>
+                </a:solidFill>
+                <a:highlight>
+                  <a:srgbClr val="FFFFFF"/>
+                </a:highlight>
+                <a:latin typeface="Consolas" panose="020B0609020204030204" pitchFamily="49" charset="0"/>
+              </a:rPr>
+              <a:t> </a:t>
+            </a:r>
+            <a:r>
+              <a:rPr lang="en-US" altLang="ja-JP" sz="1200" dirty="0">
+                <a:solidFill>
+                  <a:srgbClr val="0000FF"/>
+                </a:solidFill>
+                <a:highlight>
+                  <a:srgbClr val="FFFFFF"/>
+                </a:highlight>
+                <a:latin typeface="Consolas" panose="020B0609020204030204" pitchFamily="49" charset="0"/>
+              </a:rPr>
+              <a:t>class</a:t>
+            </a:r>
+            <a:r>
+              <a:rPr lang="en-US" altLang="ja-JP" sz="1200" dirty="0">
+                <a:solidFill>
+                  <a:srgbClr val="000000"/>
+                </a:solidFill>
+                <a:highlight>
+                  <a:srgbClr val="FFFFFF"/>
+                </a:highlight>
+                <a:latin typeface="Consolas" panose="020B0609020204030204" pitchFamily="49" charset="0"/>
+              </a:rPr>
+              <a:t> </a:t>
+            </a:r>
+            <a:r>
+              <a:rPr lang="en-US" altLang="ja-JP" sz="1200" dirty="0" err="1">
+                <a:solidFill>
+                  <a:srgbClr val="2B91AF"/>
+                </a:solidFill>
+                <a:highlight>
+                  <a:srgbClr val="FFFFFF"/>
+                </a:highlight>
+                <a:latin typeface="Consolas" panose="020B0609020204030204" pitchFamily="49" charset="0"/>
+              </a:rPr>
+              <a:t>Deserializer</a:t>
+            </a:r>
+            <a:endParaRPr lang="en-US" altLang="ja-JP" sz="1200" dirty="0">
+              <a:solidFill>
+                <a:srgbClr val="000000"/>
+              </a:solidFill>
+              <a:highlight>
+                <a:srgbClr val="FFFFFF"/>
+              </a:highlight>
+              <a:latin typeface="Consolas" panose="020B0609020204030204" pitchFamily="49" charset="0"/>
+            </a:endParaRPr>
+          </a:p>
+          <a:p>
+            <a:r>
+              <a:rPr lang="en-US" altLang="ja-JP" sz="1200" dirty="0">
+                <a:solidFill>
+                  <a:srgbClr val="000000"/>
+                </a:solidFill>
+                <a:highlight>
+                  <a:srgbClr val="FFFFFF"/>
+                </a:highlight>
+                <a:latin typeface="Consolas" panose="020B0609020204030204" pitchFamily="49" charset="0"/>
+              </a:rPr>
+              <a:t>{</a:t>
+            </a:r>
+          </a:p>
+          <a:p>
+            <a:r>
+              <a:rPr lang="en-US" altLang="ja-JP" sz="1200" dirty="0">
+                <a:solidFill>
+                  <a:srgbClr val="000000"/>
+                </a:solidFill>
+                <a:highlight>
+                  <a:srgbClr val="FFFFFF"/>
+                </a:highlight>
+                <a:latin typeface="Consolas" panose="020B0609020204030204" pitchFamily="49" charset="0"/>
+              </a:rPr>
+              <a:t>    </a:t>
+            </a:r>
+            <a:r>
+              <a:rPr lang="en-US" altLang="ja-JP" sz="1200" dirty="0">
+                <a:solidFill>
+                  <a:srgbClr val="0000FF"/>
+                </a:solidFill>
+                <a:highlight>
+                  <a:srgbClr val="FFFFFF"/>
+                </a:highlight>
+                <a:latin typeface="Consolas" panose="020B0609020204030204" pitchFamily="49" charset="0"/>
+              </a:rPr>
+              <a:t>private</a:t>
+            </a:r>
+            <a:r>
+              <a:rPr lang="en-US" altLang="ja-JP" sz="1200" dirty="0">
+                <a:solidFill>
+                  <a:srgbClr val="000000"/>
+                </a:solidFill>
+                <a:highlight>
+                  <a:srgbClr val="FFFFFF"/>
+                </a:highlight>
+                <a:latin typeface="Consolas" panose="020B0609020204030204" pitchFamily="49" charset="0"/>
+              </a:rPr>
+              <a:t> </a:t>
+            </a:r>
+            <a:r>
+              <a:rPr lang="en-US" altLang="ja-JP" sz="1200" dirty="0">
+                <a:solidFill>
+                  <a:srgbClr val="2B91AF"/>
+                </a:solidFill>
+                <a:highlight>
+                  <a:srgbClr val="FFFFFF"/>
+                </a:highlight>
+                <a:latin typeface="Consolas" panose="020B0609020204030204" pitchFamily="49" charset="0"/>
+              </a:rPr>
+              <a:t>Equipment</a:t>
+            </a:r>
+            <a:r>
+              <a:rPr lang="en-US" altLang="ja-JP" sz="1200" dirty="0" smtClean="0">
+                <a:solidFill>
+                  <a:srgbClr val="000000"/>
+                </a:solidFill>
+                <a:highlight>
+                  <a:srgbClr val="FFFFFF"/>
+                </a:highlight>
+                <a:latin typeface="Consolas" panose="020B0609020204030204" pitchFamily="49" charset="0"/>
+              </a:rPr>
+              <a:t> </a:t>
+            </a:r>
+            <a:r>
+              <a:rPr lang="en-US" altLang="ja-JP" sz="1200" dirty="0" err="1">
+                <a:solidFill>
+                  <a:srgbClr val="000000"/>
+                </a:solidFill>
+                <a:highlight>
+                  <a:srgbClr val="FFFFFF"/>
+                </a:highlight>
+                <a:latin typeface="Consolas" panose="020B0609020204030204" pitchFamily="49" charset="0"/>
+              </a:rPr>
+              <a:t>Deserialize</a:t>
+            </a:r>
+            <a:r>
+              <a:rPr lang="en-US" altLang="ja-JP" sz="1200" dirty="0">
+                <a:solidFill>
+                  <a:srgbClr val="000000"/>
+                </a:solidFill>
+                <a:highlight>
+                  <a:srgbClr val="FFFFFF"/>
+                </a:highlight>
+                <a:latin typeface="Consolas" panose="020B0609020204030204" pitchFamily="49" charset="0"/>
+              </a:rPr>
+              <a:t>(</a:t>
+            </a:r>
+            <a:r>
+              <a:rPr lang="en-US" altLang="ja-JP" sz="1200" dirty="0">
+                <a:solidFill>
+                  <a:srgbClr val="0000FF"/>
+                </a:solidFill>
+                <a:highlight>
+                  <a:srgbClr val="FFFFFF"/>
+                </a:highlight>
+                <a:latin typeface="Consolas" panose="020B0609020204030204" pitchFamily="49" charset="0"/>
+              </a:rPr>
+              <a:t>string</a:t>
+            </a:r>
+            <a:r>
+              <a:rPr lang="en-US" altLang="ja-JP" sz="1200" dirty="0">
+                <a:solidFill>
+                  <a:srgbClr val="000000"/>
+                </a:solidFill>
+                <a:highlight>
+                  <a:srgbClr val="FFFFFF"/>
+                </a:highlight>
+                <a:latin typeface="Consolas" panose="020B0609020204030204" pitchFamily="49" charset="0"/>
+              </a:rPr>
+              <a:t> key, </a:t>
+            </a:r>
+            <a:r>
+              <a:rPr lang="en-US" altLang="ja-JP" sz="1200" dirty="0">
+                <a:solidFill>
+                  <a:srgbClr val="2B91AF"/>
+                </a:solidFill>
+                <a:highlight>
+                  <a:srgbClr val="FFFFFF"/>
+                </a:highlight>
+                <a:latin typeface="Consolas" panose="020B0609020204030204" pitchFamily="49" charset="0"/>
+              </a:rPr>
+              <a:t>Equipment</a:t>
+            </a:r>
+            <a:r>
+              <a:rPr lang="en-US" altLang="ja-JP" sz="1200" dirty="0" smtClean="0">
+                <a:solidFill>
+                  <a:srgbClr val="000000"/>
+                </a:solidFill>
+                <a:highlight>
+                  <a:srgbClr val="FFFFFF"/>
+                </a:highlight>
+                <a:latin typeface="Consolas" panose="020B0609020204030204" pitchFamily="49" charset="0"/>
+              </a:rPr>
+              <a:t> </a:t>
+            </a:r>
+            <a:r>
+              <a:rPr lang="en-US" altLang="ja-JP" sz="1200" dirty="0">
+                <a:solidFill>
+                  <a:srgbClr val="000000"/>
+                </a:solidFill>
+                <a:highlight>
+                  <a:srgbClr val="FFFFFF"/>
+                </a:highlight>
+                <a:latin typeface="Consolas" panose="020B0609020204030204" pitchFamily="49" charset="0"/>
+              </a:rPr>
+              <a:t>x)</a:t>
+            </a:r>
+          </a:p>
+          <a:p>
+            <a:r>
+              <a:rPr lang="ja-JP" altLang="en-US" sz="1200" dirty="0">
+                <a:solidFill>
+                  <a:srgbClr val="000000"/>
+                </a:solidFill>
+                <a:highlight>
+                  <a:srgbClr val="FFFFFF"/>
+                </a:highlight>
+                <a:latin typeface="Consolas" panose="020B0609020204030204" pitchFamily="49" charset="0"/>
+              </a:rPr>
+              <a:t>    </a:t>
+            </a:r>
+            <a:r>
+              <a:rPr lang="en-US" altLang="ja-JP" sz="1200" dirty="0">
+                <a:solidFill>
+                  <a:srgbClr val="000000"/>
+                </a:solidFill>
+                <a:highlight>
+                  <a:srgbClr val="FFFFFF"/>
+                </a:highlight>
+                <a:latin typeface="Consolas" panose="020B0609020204030204" pitchFamily="49" charset="0"/>
+              </a:rPr>
+              <a:t>{</a:t>
+            </a:r>
+          </a:p>
+          <a:p>
+            <a:r>
+              <a:rPr lang="en-US" altLang="ja-JP" sz="1200" dirty="0">
+                <a:solidFill>
+                  <a:srgbClr val="000000"/>
+                </a:solidFill>
+                <a:highlight>
+                  <a:srgbClr val="FFFFFF"/>
+                </a:highlight>
+                <a:latin typeface="Consolas" panose="020B0609020204030204" pitchFamily="49" charset="0"/>
+              </a:rPr>
+              <a:t>        x = x ?? </a:t>
+            </a:r>
+            <a:r>
+              <a:rPr lang="en-US" altLang="ja-JP" sz="1200" dirty="0">
+                <a:solidFill>
+                  <a:srgbClr val="0000FF"/>
+                </a:solidFill>
+                <a:highlight>
+                  <a:srgbClr val="FFFFFF"/>
+                </a:highlight>
+                <a:latin typeface="Consolas" panose="020B0609020204030204" pitchFamily="49" charset="0"/>
+              </a:rPr>
+              <a:t>new</a:t>
+            </a:r>
+            <a:r>
+              <a:rPr lang="en-US" altLang="ja-JP" sz="1200" dirty="0">
+                <a:solidFill>
+                  <a:srgbClr val="000000"/>
+                </a:solidFill>
+                <a:highlight>
+                  <a:srgbClr val="FFFFFF"/>
+                </a:highlight>
+                <a:latin typeface="Consolas" panose="020B0609020204030204" pitchFamily="49" charset="0"/>
+              </a:rPr>
+              <a:t> </a:t>
+            </a:r>
+            <a:r>
+              <a:rPr lang="en-US" altLang="ja-JP" sz="1200" dirty="0">
+                <a:solidFill>
+                  <a:srgbClr val="2B91AF"/>
+                </a:solidFill>
+                <a:highlight>
+                  <a:srgbClr val="FFFFFF"/>
+                </a:highlight>
+                <a:latin typeface="Consolas" panose="020B0609020204030204" pitchFamily="49" charset="0"/>
+              </a:rPr>
+              <a:t>Equipment</a:t>
+            </a:r>
+            <a:r>
+              <a:rPr lang="en-US" altLang="ja-JP" sz="1200" dirty="0" smtClean="0">
+                <a:solidFill>
+                  <a:srgbClr val="000000"/>
+                </a:solidFill>
+                <a:highlight>
+                  <a:srgbClr val="FFFFFF"/>
+                </a:highlight>
+                <a:latin typeface="Consolas" panose="020B0609020204030204" pitchFamily="49" charset="0"/>
+              </a:rPr>
+              <a:t>();</a:t>
+            </a:r>
+            <a:endParaRPr lang="en-US" altLang="ja-JP" sz="1200" dirty="0">
+              <a:solidFill>
+                <a:srgbClr val="000000"/>
+              </a:solidFill>
+              <a:highlight>
+                <a:srgbClr val="FFFFFF"/>
+              </a:highlight>
+              <a:latin typeface="Consolas" panose="020B0609020204030204" pitchFamily="49" charset="0"/>
+            </a:endParaRPr>
+          </a:p>
+          <a:p>
+            <a:r>
+              <a:rPr lang="en-US" altLang="ja-JP" sz="1200" dirty="0">
+                <a:solidFill>
+                  <a:srgbClr val="000000"/>
+                </a:solidFill>
+                <a:highlight>
+                  <a:srgbClr val="FFFFFF"/>
+                </a:highlight>
+                <a:latin typeface="Consolas" panose="020B0609020204030204" pitchFamily="49" charset="0"/>
+              </a:rPr>
+              <a:t>        </a:t>
+            </a:r>
+            <a:r>
+              <a:rPr lang="en-US" altLang="ja-JP" sz="1200" dirty="0">
+                <a:solidFill>
+                  <a:srgbClr val="0000FF"/>
+                </a:solidFill>
+                <a:highlight>
+                  <a:srgbClr val="FFFFFF"/>
+                </a:highlight>
+                <a:latin typeface="Consolas" panose="020B0609020204030204" pitchFamily="49" charset="0"/>
+              </a:rPr>
+              <a:t>switch</a:t>
+            </a:r>
+            <a:r>
+              <a:rPr lang="en-US" altLang="ja-JP" sz="1200" dirty="0">
+                <a:solidFill>
+                  <a:srgbClr val="000000"/>
+                </a:solidFill>
+                <a:highlight>
+                  <a:srgbClr val="FFFFFF"/>
+                </a:highlight>
+                <a:latin typeface="Consolas" panose="020B0609020204030204" pitchFamily="49" charset="0"/>
+              </a:rPr>
+              <a:t> (key)</a:t>
+            </a:r>
+          </a:p>
+          <a:p>
+            <a:r>
+              <a:rPr lang="ja-JP" altLang="en-US" sz="1200" dirty="0">
+                <a:solidFill>
+                  <a:srgbClr val="000000"/>
+                </a:solidFill>
+                <a:highlight>
+                  <a:srgbClr val="FFFFFF"/>
+                </a:highlight>
+                <a:latin typeface="Consolas" panose="020B0609020204030204" pitchFamily="49" charset="0"/>
+              </a:rPr>
+              <a:t>        </a:t>
+            </a:r>
+            <a:r>
+              <a:rPr lang="en-US" altLang="ja-JP" sz="1200" dirty="0">
+                <a:solidFill>
+                  <a:srgbClr val="000000"/>
+                </a:solidFill>
+                <a:highlight>
+                  <a:srgbClr val="FFFFFF"/>
+                </a:highlight>
+                <a:latin typeface="Consolas" panose="020B0609020204030204" pitchFamily="49" charset="0"/>
+              </a:rPr>
+              <a:t>{</a:t>
+            </a:r>
+          </a:p>
+          <a:p>
+            <a:r>
+              <a:rPr lang="en-US" altLang="ja-JP" sz="1200" dirty="0">
+                <a:solidFill>
+                  <a:srgbClr val="000000"/>
+                </a:solidFill>
+                <a:highlight>
+                  <a:srgbClr val="FFFFFF"/>
+                </a:highlight>
+                <a:latin typeface="Consolas" panose="020B0609020204030204" pitchFamily="49" charset="0"/>
+              </a:rPr>
+              <a:t>            </a:t>
+            </a:r>
+            <a:r>
+              <a:rPr lang="en-US" altLang="ja-JP" sz="1200" dirty="0">
+                <a:solidFill>
+                  <a:srgbClr val="0000FF"/>
+                </a:solidFill>
+                <a:highlight>
+                  <a:srgbClr val="FFFFFF"/>
+                </a:highlight>
+                <a:latin typeface="Consolas" panose="020B0609020204030204" pitchFamily="49" charset="0"/>
+              </a:rPr>
+              <a:t>case</a:t>
+            </a:r>
+            <a:r>
+              <a:rPr lang="en-US" altLang="ja-JP" sz="1200" dirty="0">
+                <a:solidFill>
+                  <a:srgbClr val="000000"/>
+                </a:solidFill>
+                <a:highlight>
+                  <a:srgbClr val="FFFFFF"/>
+                </a:highlight>
+                <a:latin typeface="Consolas" panose="020B0609020204030204" pitchFamily="49" charset="0"/>
+              </a:rPr>
+              <a:t> </a:t>
+            </a:r>
+            <a:r>
+              <a:rPr lang="en-US" altLang="ja-JP" sz="1200" dirty="0">
+                <a:solidFill>
+                  <a:srgbClr val="A31515"/>
+                </a:solidFill>
+                <a:highlight>
+                  <a:srgbClr val="FFFFFF"/>
+                </a:highlight>
+                <a:latin typeface="Consolas" panose="020B0609020204030204" pitchFamily="49" charset="0"/>
+              </a:rPr>
+              <a:t>"id"</a:t>
+            </a:r>
+            <a:r>
+              <a:rPr lang="en-US" altLang="ja-JP" sz="1200" dirty="0">
+                <a:solidFill>
+                  <a:srgbClr val="000000"/>
+                </a:solidFill>
+                <a:highlight>
+                  <a:srgbClr val="FFFFFF"/>
+                </a:highlight>
+                <a:latin typeface="Consolas" panose="020B0609020204030204" pitchFamily="49" charset="0"/>
+              </a:rPr>
+              <a:t>: { </a:t>
+            </a:r>
+            <a:r>
+              <a:rPr lang="en-US" altLang="ja-JP" sz="1200" dirty="0" err="1">
+                <a:solidFill>
+                  <a:srgbClr val="000000"/>
+                </a:solidFill>
+                <a:highlight>
+                  <a:srgbClr val="FFFFFF"/>
+                </a:highlight>
+                <a:latin typeface="Consolas" panose="020B0609020204030204" pitchFamily="49" charset="0"/>
+              </a:rPr>
+              <a:t>x.Id</a:t>
+            </a:r>
+            <a:r>
+              <a:rPr lang="en-US" altLang="ja-JP" sz="1200" dirty="0">
+                <a:solidFill>
+                  <a:srgbClr val="000000"/>
+                </a:solidFill>
+                <a:highlight>
+                  <a:srgbClr val="FFFFFF"/>
+                </a:highlight>
+                <a:latin typeface="Consolas" panose="020B0609020204030204" pitchFamily="49" charset="0"/>
+              </a:rPr>
+              <a:t> = </a:t>
+            </a:r>
+            <a:r>
+              <a:rPr lang="en-US" altLang="ja-JP" sz="1200" dirty="0" err="1">
+                <a:solidFill>
+                  <a:srgbClr val="000000"/>
+                </a:solidFill>
+                <a:highlight>
+                  <a:srgbClr val="FFFFFF"/>
+                </a:highlight>
+                <a:latin typeface="Consolas" panose="020B0609020204030204" pitchFamily="49" charset="0"/>
+              </a:rPr>
+              <a:t>Deserialize</a:t>
+            </a:r>
+            <a:r>
+              <a:rPr lang="en-US" altLang="ja-JP" sz="1200" dirty="0">
+                <a:solidFill>
+                  <a:srgbClr val="000000"/>
+                </a:solidFill>
+                <a:highlight>
+                  <a:srgbClr val="FFFFFF"/>
+                </a:highlight>
+                <a:latin typeface="Consolas" panose="020B0609020204030204" pitchFamily="49" charset="0"/>
+              </a:rPr>
+              <a:t>(</a:t>
+            </a:r>
+            <a:r>
+              <a:rPr lang="en-US" altLang="ja-JP" sz="1200" dirty="0">
+                <a:solidFill>
+                  <a:srgbClr val="0000FF"/>
+                </a:solidFill>
+                <a:highlight>
+                  <a:srgbClr val="FFFFFF"/>
+                </a:highlight>
+                <a:latin typeface="Consolas" panose="020B0609020204030204" pitchFamily="49" charset="0"/>
+              </a:rPr>
+              <a:t>default</a:t>
+            </a:r>
+            <a:r>
+              <a:rPr lang="en-US" altLang="ja-JP" sz="1200" dirty="0">
+                <a:solidFill>
+                  <a:srgbClr val="000000"/>
+                </a:solidFill>
+                <a:highlight>
+                  <a:srgbClr val="FFFFFF"/>
+                </a:highlight>
+                <a:latin typeface="Consolas" panose="020B0609020204030204" pitchFamily="49" charset="0"/>
+              </a:rPr>
+              <a:t>(</a:t>
+            </a:r>
+            <a:r>
+              <a:rPr lang="en-US" altLang="ja-JP" sz="1200" dirty="0" err="1">
+                <a:solidFill>
+                  <a:srgbClr val="0000FF"/>
+                </a:solidFill>
+                <a:highlight>
+                  <a:srgbClr val="FFFFFF"/>
+                </a:highlight>
+                <a:latin typeface="Consolas" panose="020B0609020204030204" pitchFamily="49" charset="0"/>
+              </a:rPr>
+              <a:t>int</a:t>
+            </a:r>
+            <a:r>
+              <a:rPr lang="en-US" altLang="ja-JP" sz="1200" dirty="0">
+                <a:solidFill>
+                  <a:srgbClr val="000000"/>
+                </a:solidFill>
+                <a:highlight>
+                  <a:srgbClr val="FFFFFF"/>
+                </a:highlight>
+                <a:latin typeface="Consolas" panose="020B0609020204030204" pitchFamily="49" charset="0"/>
+              </a:rPr>
+              <a:t>)); </a:t>
+            </a:r>
+            <a:r>
+              <a:rPr lang="en-US" altLang="ja-JP" sz="1200" dirty="0">
+                <a:solidFill>
+                  <a:srgbClr val="0000FF"/>
+                </a:solidFill>
+                <a:highlight>
+                  <a:srgbClr val="FFFFFF"/>
+                </a:highlight>
+                <a:latin typeface="Consolas" panose="020B0609020204030204" pitchFamily="49" charset="0"/>
+              </a:rPr>
+              <a:t>break</a:t>
+            </a:r>
+            <a:r>
+              <a:rPr lang="en-US" altLang="ja-JP" sz="1200" dirty="0">
+                <a:solidFill>
+                  <a:srgbClr val="000000"/>
+                </a:solidFill>
+                <a:highlight>
+                  <a:srgbClr val="FFFFFF"/>
+                </a:highlight>
+                <a:latin typeface="Consolas" panose="020B0609020204030204" pitchFamily="49" charset="0"/>
+              </a:rPr>
+              <a:t>; }</a:t>
+            </a:r>
+          </a:p>
+          <a:p>
+            <a:r>
+              <a:rPr lang="en-US" altLang="ja-JP" sz="1200" dirty="0">
+                <a:solidFill>
+                  <a:srgbClr val="000000"/>
+                </a:solidFill>
+                <a:highlight>
+                  <a:srgbClr val="FFFFFF"/>
+                </a:highlight>
+                <a:latin typeface="Consolas" panose="020B0609020204030204" pitchFamily="49" charset="0"/>
+              </a:rPr>
+              <a:t>…</a:t>
+            </a:r>
+          </a:p>
+          <a:p>
+            <a:r>
+              <a:rPr lang="ja-JP" altLang="en-US" sz="1200" dirty="0" smtClean="0">
+                <a:solidFill>
+                  <a:srgbClr val="000000"/>
+                </a:solidFill>
+                <a:highlight>
+                  <a:srgbClr val="FFFFFF"/>
+                </a:highlight>
+                <a:latin typeface="Consolas" panose="020B0609020204030204" pitchFamily="49" charset="0"/>
+              </a:rPr>
+              <a:t>        </a:t>
+            </a:r>
+            <a:r>
+              <a:rPr lang="en-US" altLang="ja-JP" sz="1200" dirty="0">
+                <a:solidFill>
+                  <a:srgbClr val="000000"/>
+                </a:solidFill>
+                <a:highlight>
+                  <a:srgbClr val="FFFFFF"/>
+                </a:highlight>
+                <a:latin typeface="Consolas" panose="020B0609020204030204" pitchFamily="49" charset="0"/>
+              </a:rPr>
+              <a:t>}</a:t>
+            </a:r>
+          </a:p>
+          <a:p>
+            <a:r>
+              <a:rPr lang="en-US" altLang="ja-JP" sz="1200" dirty="0">
+                <a:solidFill>
+                  <a:srgbClr val="000000"/>
+                </a:solidFill>
+                <a:highlight>
+                  <a:srgbClr val="FFFFFF"/>
+                </a:highlight>
+                <a:latin typeface="Consolas" panose="020B0609020204030204" pitchFamily="49" charset="0"/>
+              </a:rPr>
+              <a:t>        </a:t>
+            </a:r>
+            <a:r>
+              <a:rPr lang="en-US" altLang="ja-JP" sz="1200" dirty="0">
+                <a:solidFill>
+                  <a:srgbClr val="0000FF"/>
+                </a:solidFill>
+                <a:highlight>
+                  <a:srgbClr val="FFFFFF"/>
+                </a:highlight>
+                <a:latin typeface="Consolas" panose="020B0609020204030204" pitchFamily="49" charset="0"/>
+              </a:rPr>
+              <a:t>return</a:t>
+            </a:r>
+            <a:r>
+              <a:rPr lang="en-US" altLang="ja-JP" sz="1200" dirty="0">
+                <a:solidFill>
+                  <a:srgbClr val="000000"/>
+                </a:solidFill>
+                <a:highlight>
+                  <a:srgbClr val="FFFFFF"/>
+                </a:highlight>
+                <a:latin typeface="Consolas" panose="020B0609020204030204" pitchFamily="49" charset="0"/>
+              </a:rPr>
+              <a:t> x;</a:t>
+            </a:r>
+          </a:p>
+          <a:p>
+            <a:r>
+              <a:rPr lang="ja-JP" altLang="en-US" sz="1200" dirty="0">
+                <a:solidFill>
+                  <a:srgbClr val="000000"/>
+                </a:solidFill>
+                <a:highlight>
+                  <a:srgbClr val="FFFFFF"/>
+                </a:highlight>
+                <a:latin typeface="Consolas" panose="020B0609020204030204" pitchFamily="49" charset="0"/>
+              </a:rPr>
+              <a:t>    </a:t>
+            </a:r>
+            <a:r>
+              <a:rPr lang="en-US" altLang="ja-JP" sz="1200" dirty="0" smtClean="0">
+                <a:solidFill>
+                  <a:srgbClr val="000000"/>
+                </a:solidFill>
+                <a:highlight>
+                  <a:srgbClr val="FFFFFF"/>
+                </a:highlight>
+                <a:latin typeface="Consolas" panose="020B0609020204030204" pitchFamily="49" charset="0"/>
+              </a:rPr>
+              <a:t>}</a:t>
+            </a:r>
+          </a:p>
+          <a:p>
+            <a:r>
+              <a:rPr lang="en-US" altLang="ja-JP" sz="1200" dirty="0" smtClean="0">
+                <a:solidFill>
+                  <a:srgbClr val="000000"/>
+                </a:solidFill>
+                <a:highlight>
+                  <a:srgbClr val="FFFFFF"/>
+                </a:highlight>
+                <a:latin typeface="Consolas" panose="020B0609020204030204" pitchFamily="49" charset="0"/>
+              </a:rPr>
+              <a:t>…</a:t>
+            </a:r>
+            <a:endParaRPr lang="en-US" altLang="ja-JP" sz="1200" dirty="0">
+              <a:solidFill>
+                <a:srgbClr val="000000"/>
+              </a:solidFill>
+              <a:highlight>
+                <a:srgbClr val="FFFFFF"/>
+              </a:highlight>
+              <a:latin typeface="Consolas" panose="020B0609020204030204" pitchFamily="49" charset="0"/>
+            </a:endParaRPr>
           </a:p>
         </p:txBody>
       </p:sp>
     </p:spTree>
     <p:extLst>
       <p:ext uri="{BB962C8B-B14F-4D97-AF65-F5344CB8AC3E}">
-        <p14:creationId xmlns:p14="http://schemas.microsoft.com/office/powerpoint/2010/main" val="1599613034"/>
+        <p14:creationId xmlns:p14="http://schemas.microsoft.com/office/powerpoint/2010/main" val="2928566750"/>
       </p:ext>
     </p:extLst>
   </p:cSld>
   <p:clrMapOvr>
     <a:masterClrMapping/>
   </p:clrMapOvr>
+  <p:timing>
+    <p:tnLst>
+      <p:par>
+        <p:cTn id="1" dur="indefinite" restart="never" nodeType="tmRoot"/>
+      </p:par>
+    </p:tnLst>
+  </p:timing>
 </p:sld>
 </file>
 
@@ -33225,7 +38549,53 @@
           <a:p>
             <a:r>
               <a:rPr kumimoji="1" lang="ja-JP" altLang="en-US" dirty="0" smtClean="0"/>
-              <a:t>双方向通信</a:t>
+              <a:t>クライアントとサーバーで言語が違う</a:t>
+            </a:r>
+            <a:endParaRPr kumimoji="1" lang="en-US" altLang="ja-JP" dirty="0" smtClean="0"/>
+          </a:p>
+          <a:p>
+            <a:pPr lvl="1"/>
+            <a:r>
+              <a:rPr lang="ja-JP" altLang="en-US" dirty="0"/>
+              <a:t>サーバ</a:t>
+            </a:r>
+            <a:r>
+              <a:rPr lang="ja-JP" altLang="en-US" dirty="0" smtClean="0"/>
+              <a:t>ー、外注なのでこちらでのコントロールできない</a:t>
+            </a:r>
+            <a:endParaRPr lang="en-US" altLang="ja-JP" dirty="0" smtClean="0"/>
+          </a:p>
+          <a:p>
+            <a:pPr lvl="1"/>
+            <a:r>
+              <a:rPr kumimoji="1" lang="en-US" altLang="ja-JP" dirty="0" smtClean="0"/>
+              <a:t>PHP</a:t>
+            </a:r>
+          </a:p>
+          <a:p>
+            <a:r>
+              <a:rPr lang="ja-JP" altLang="en-US" dirty="0" smtClean="0"/>
+              <a:t>共通規約</a:t>
+            </a:r>
+            <a:r>
+              <a:rPr lang="ja-JP" altLang="en-US" dirty="0"/>
+              <a:t>的</a:t>
+            </a:r>
+            <a:r>
+              <a:rPr lang="ja-JP" altLang="en-US" dirty="0" smtClean="0"/>
+              <a:t>なものが必要</a:t>
+            </a:r>
+            <a:endParaRPr lang="en-US" altLang="ja-JP" dirty="0" smtClean="0"/>
+          </a:p>
+          <a:p>
+            <a:pPr lvl="1"/>
+            <a:r>
+              <a:rPr lang="en-US" altLang="ja-JP" dirty="0" smtClean="0"/>
+              <a:t>PHP</a:t>
+            </a:r>
+            <a:r>
+              <a:rPr lang="ja-JP" altLang="en-US" dirty="0" smtClean="0"/>
+              <a:t>向けのコード生成も</a:t>
             </a:r>
             <a:endParaRPr kumimoji="1" lang="ja-JP" altLang="en-US" dirty="0"/>
           </a:p>
@@ -33234,13 +38604,20 @@
     </p:spTree>
     <p:extLst>
       <p:ext uri="{BB962C8B-B14F-4D97-AF65-F5344CB8AC3E}">
-        <p14:creationId xmlns:p14="http://schemas.microsoft.com/office/powerpoint/2010/main" val="1628204823"/>
+        <p14:creationId xmlns:p14="http://schemas.microsoft.com/office/powerpoint/2010/main" val="4111072024"/>
       </p:ext>
     </p:extLst>
   </p:cSld>
   <p:clrMapOvr>
     <a:masterClrMapping/>
   </p:clrMapOvr>
+  <p:timing>
+    <p:tnLst>
+      <p:par>
+        <p:cTn id="1" dur="indefinite" restart="never" nodeType="tmRoot"/>
+      </p:par>
+    </p:tnLst>
+  </p:timing>
 </p:sld>
 </file>
 
@@ -33411,59 +38788,71 @@
           <a:p>
             <a:r>
               <a:rPr kumimoji="1" lang="ja-JP" altLang="en-US" dirty="0" smtClean="0"/>
-              <a:t>処理のフック</a:t>
+              <a:t>シリアライズ コード</a:t>
             </a:r>
             <a:endParaRPr kumimoji="1" lang="en-US" altLang="ja-JP" dirty="0" smtClean="0"/>
           </a:p>
           <a:p>
             <a:pPr lvl="1"/>
             <a:r>
+              <a:rPr lang="en-US" altLang="ja-JP" dirty="0" smtClean="0"/>
+              <a:t>JSON</a:t>
+            </a:r>
+            <a:r>
               <a:rPr lang="ja-JP" altLang="en-US" dirty="0" smtClean="0"/>
-              <a:t>サーバーから来たデータに対して、必ず渡しておきたい</a:t>
-            </a:r>
+              <a:t>化、全部コード生成でやってる</a:t>
+            </a:r>
+            <a:endParaRPr lang="en-US" altLang="ja-JP" dirty="0" smtClean="0"/>
+          </a:p>
+          <a:p>
+            <a:pPr lvl="1"/>
             <a:r>
               <a:rPr lang="en-US" altLang="ja-JP" dirty="0" smtClean="0"/>
-              <a:t>(</a:t>
+              <a:t>iOS</a:t>
             </a:r>
             <a:r>
               <a:rPr lang="ja-JP" altLang="en-US" dirty="0" smtClean="0"/>
-              <a:t>子から孫への伝搬もさせたい</a:t>
-            </a:r>
-            <a:r>
-              <a:rPr lang="en-US" altLang="ja-JP" dirty="0" smtClean="0"/>
-              <a:t>)</a:t>
-            </a:r>
-            <a:r>
-              <a:rPr lang="ja-JP" altLang="en-US" dirty="0" smtClean="0"/>
-              <a:t>データがある</a:t>
+              <a:t>で動く</a:t>
             </a:r>
             <a:endParaRPr lang="en-US" altLang="ja-JP" dirty="0" smtClean="0"/>
           </a:p>
           <a:p>
-            <a:pPr lvl="2"/>
+            <a:pPr lvl="1"/>
+            <a:r>
+              <a:rPr kumimoji="1" lang="en-US" altLang="ja-JP" dirty="0" err="1" smtClean="0"/>
+              <a:t>MiniJSON</a:t>
+            </a:r>
             <a:r>
               <a:rPr kumimoji="1" lang="ja-JP" altLang="en-US" dirty="0" smtClean="0"/>
-              <a:t>マスター データ</a:t>
-            </a:r>
-            <a:endParaRPr kumimoji="1" lang="en-US" altLang="ja-JP" dirty="0" smtClean="0"/>
-          </a:p>
-          <a:p>
-            <a:pPr lvl="2"/>
-            <a:r>
-              <a:rPr lang="ja-JP" altLang="en-US" dirty="0" smtClean="0"/>
-              <a:t>インベントリ データ</a:t>
-            </a:r>
-            <a:endParaRPr lang="en-US" altLang="ja-JP" dirty="0" smtClean="0"/>
-          </a:p>
-          <a:p>
-            <a:pPr lvl="1"/>
+              <a:t>みたいに</a:t>
+            </a:r>
             <a:r>
               <a:rPr kumimoji="1" lang="en-US" altLang="ja-JP" dirty="0" smtClean="0"/>
-              <a:t>Key</a:t>
+              <a:t>Dictionary</a:t>
             </a:r>
             <a:r>
               <a:rPr kumimoji="1" lang="ja-JP" altLang="en-US" dirty="0" smtClean="0"/>
-              <a:t>属性を設定しておいて、コード生成で</a:t>
+              <a:t>でやる必要ない、</a:t>
+            </a:r>
+            <a:r>
+              <a:rPr kumimoji="1" lang="en-US" altLang="ja-JP" dirty="0" smtClean="0"/>
+              <a:t>static,</a:t>
+            </a:r>
+            <a:r>
+              <a:rPr kumimoji="1" lang="ja-JP" altLang="en-US" dirty="0" smtClean="0"/>
+              <a:t> </a:t>
+            </a:r>
+            <a:r>
+              <a:rPr kumimoji="1" lang="en-US" altLang="ja-JP" dirty="0" smtClean="0"/>
+              <a:t>strongly</a:t>
+            </a:r>
+            <a:r>
+              <a:rPr kumimoji="1" lang="ja-JP" altLang="en-US" dirty="0" smtClean="0"/>
+              <a:t> </a:t>
+            </a:r>
+            <a:r>
+              <a:rPr kumimoji="1" lang="en-US" altLang="ja-JP" dirty="0" smtClean="0"/>
+              <a:t>typed</a:t>
             </a:r>
             <a:endParaRPr kumimoji="1" lang="ja-JP" altLang="en-US" dirty="0"/>
           </a:p>
@@ -33472,13 +38861,20 @@
     </p:spTree>
     <p:extLst>
       <p:ext uri="{BB962C8B-B14F-4D97-AF65-F5344CB8AC3E}">
-        <p14:creationId xmlns:p14="http://schemas.microsoft.com/office/powerpoint/2010/main" val="2339166191"/>
+        <p14:creationId xmlns:p14="http://schemas.microsoft.com/office/powerpoint/2010/main" val="1651816561"/>
       </p:ext>
     </p:extLst>
   </p:cSld>
   <p:clrMapOvr>
     <a:masterClrMapping/>
   </p:clrMapOvr>
+  <p:timing>
+    <p:tnLst>
+      <p:par>
+        <p:cTn id="1" dur="indefinite" restart="never" nodeType="tmRoot"/>
+      </p:par>
+    </p:tnLst>
+  </p:timing>
 </p:sld>
 </file>
 
@@ -33535,61 +38931,135 @@
           <a:p>
             <a:r>
               <a:rPr kumimoji="1" lang="ja-JP" altLang="en-US" dirty="0" smtClean="0"/>
-              <a:t>インベントリ</a:t>
+              <a:t>通信コード</a:t>
             </a:r>
             <a:endParaRPr kumimoji="1" lang="en-US" altLang="ja-JP" dirty="0" smtClean="0"/>
           </a:p>
           <a:p>
-            <a:endParaRPr lang="en-US" altLang="ja-JP" dirty="0"/>
-          </a:p>
-          <a:p>
+            <a:pPr lvl="1"/>
+            <a:r>
+              <a:rPr lang="en-US" altLang="ja-JP" dirty="0" smtClean="0"/>
+              <a:t>Task&lt;</a:t>
+            </a:r>
+            <a:r>
+              <a:rPr lang="en-US" altLang="ja-JP" dirty="0" err="1" smtClean="0"/>
+              <a:t>int</a:t>
+            </a:r>
+            <a:r>
+              <a:rPr lang="en-US" altLang="ja-JP" dirty="0" smtClean="0"/>
+              <a:t>&gt; </a:t>
+            </a:r>
+            <a:r>
+              <a:rPr lang="en-US" altLang="ja-JP" dirty="0" err="1" smtClean="0"/>
+              <a:t>MethodAsync</a:t>
+            </a:r>
+            <a:r>
+              <a:rPr lang="en-US" altLang="ja-JP" dirty="0" smtClean="0"/>
+              <a:t>(</a:t>
+            </a:r>
+            <a:r>
+              <a:rPr lang="en-US" altLang="ja-JP" dirty="0" err="1" smtClean="0"/>
+              <a:t>int</a:t>
+            </a:r>
+            <a:r>
+              <a:rPr lang="en-US" altLang="ja-JP" dirty="0" smtClean="0"/>
+              <a:t> x1, string, x2)</a:t>
+            </a:r>
             <a:r>
               <a:rPr lang="ja-JP" altLang="en-US" dirty="0" smtClean="0"/>
-              <a:t>正となるデータはサーバー上にある</a:t>
-            </a:r>
-            <a:endParaRPr lang="en-US" altLang="ja-JP" dirty="0" smtClean="0"/>
+              <a:t>みたいなのから</a:t>
+            </a:r>
+            <a:r>
+              <a:rPr lang="en-US" altLang="ja-JP" dirty="0" smtClean="0"/>
+              <a:t/>
+            </a:r>
+            <a:br>
+              <a:rPr lang="en-US" altLang="ja-JP" dirty="0" smtClean="0"/>
+            </a:br>
+            <a:r>
+              <a:rPr lang="en-US" altLang="ja-JP" dirty="0" smtClean="0">
+                <a:hlinkClick r:id="rId2"/>
+              </a:rPr>
+              <a:t>http://server/Method</a:t>
+            </a:r>
+            <a:r>
+              <a:rPr lang="en-US" altLang="ja-JP" dirty="0" smtClean="0"/>
+              <a:t> </a:t>
+            </a:r>
+            <a:r>
+              <a:rPr lang="ja-JP" altLang="en-US" dirty="0" err="1" smtClean="0"/>
+              <a:t>への</a:t>
+            </a:r>
+            <a:r>
+              <a:rPr lang="ja-JP" altLang="en-US" dirty="0" smtClean="0"/>
+              <a:t>、</a:t>
+            </a:r>
+            <a:r>
+              <a:rPr lang="en-US" altLang="ja-JP" dirty="0" smtClean="0"/>
+              <a:t>{ “x1”: …, “x2”: “…” } </a:t>
+            </a:r>
+            <a:r>
+              <a:rPr lang="ja-JP" altLang="en-US" dirty="0" smtClean="0"/>
+              <a:t>の</a:t>
+            </a:r>
+            <a:r>
+              <a:rPr lang="en-US" altLang="ja-JP" dirty="0" smtClean="0"/>
+              <a:t>POST</a:t>
+            </a:r>
           </a:p>
           <a:p>
             <a:pPr lvl="1"/>
             <a:r>
+              <a:rPr kumimoji="1" lang="en-US" altLang="ja-JP" dirty="0" err="1" smtClean="0"/>
+              <a:t>MethodRequest</a:t>
+            </a:r>
+            <a:r>
+              <a:rPr kumimoji="1" lang="en-US" altLang="ja-JP" dirty="0" smtClean="0"/>
+              <a:t> { </a:t>
+            </a:r>
+            <a:r>
+              <a:rPr kumimoji="1" lang="en-US" altLang="ja-JP" dirty="0" err="1" smtClean="0"/>
+              <a:t>int</a:t>
+            </a:r>
+            <a:r>
+              <a:rPr kumimoji="1" lang="en-US" altLang="ja-JP" dirty="0" smtClean="0"/>
+              <a:t> X1; string X2 }</a:t>
+            </a:r>
+            <a:r>
               <a:rPr kumimoji="1" lang="ja-JP" altLang="en-US" dirty="0" smtClean="0"/>
-              <a:t>クライアントはサーバーと同期とってるだけ</a:t>
-            </a:r>
-            <a:endParaRPr kumimoji="1" lang="en-US" altLang="ja-JP" dirty="0" smtClean="0"/>
-          </a:p>
-          <a:p>
-            <a:pPr lvl="1"/>
+              <a:t> と </a:t>
+            </a:r>
+            <a:r>
+              <a:rPr kumimoji="1" lang="en-US" altLang="ja-JP" dirty="0" err="1" smtClean="0"/>
+              <a:t>MethodResponse</a:t>
+            </a:r>
+            <a:r>
+              <a:rPr kumimoji="1" lang="en-US" altLang="ja-JP" dirty="0" smtClean="0"/>
+              <a:t> { </a:t>
+            </a:r>
+            <a:r>
+              <a:rPr kumimoji="1" lang="en-US" altLang="ja-JP" dirty="0" err="1" smtClean="0"/>
+              <a:t>int</a:t>
+            </a:r>
+            <a:r>
+              <a:rPr kumimoji="1" lang="en-US" altLang="ja-JP" dirty="0" smtClean="0"/>
+              <a:t> Result; } </a:t>
+            </a:r>
+            <a:r>
+              <a:rPr kumimoji="1" lang="ja-JP" altLang="en-US" dirty="0" smtClean="0"/>
+              <a:t>みたいな型も生成</a:t>
+            </a:r>
+            <a:r>
+              <a:rPr lang="en-US" altLang="ja-JP" dirty="0" smtClean="0"/>
+              <a:t>(</a:t>
+            </a:r>
             <a:r>
               <a:rPr lang="ja-JP" altLang="en-US" dirty="0" smtClean="0"/>
-              <a:t>とはいえ、即応性を考えて、クライアントでもある程度処理をしてる</a:t>
-            </a:r>
-            <a:endParaRPr lang="en-US" altLang="ja-JP" dirty="0" smtClean="0"/>
-          </a:p>
-          <a:p>
-            <a:pPr lvl="2"/>
-            <a:r>
-              <a:rPr kumimoji="1" lang="en-US" altLang="ja-JP" dirty="0" smtClean="0"/>
-              <a:t>Channel</a:t>
-            </a:r>
-            <a:r>
-              <a:rPr kumimoji="1" lang="ja-JP" altLang="en-US" dirty="0" smtClean="0"/>
-              <a:t>を使うやつだと、サーバーとクライアントで</a:t>
-            </a:r>
-            <a:r>
-              <a:rPr kumimoji="1" lang="ja-JP" altLang="en-US" dirty="0" err="1" smtClean="0"/>
-              <a:t>待っ</a:t>
-            </a:r>
-            <a:r>
-              <a:rPr kumimoji="1" lang="ja-JP" altLang="en-US" dirty="0" smtClean="0"/>
-              <a:t>たく同じ処理してる</a:t>
-            </a:r>
-            <a:endParaRPr kumimoji="1" lang="en-US" altLang="ja-JP" dirty="0" smtClean="0"/>
-          </a:p>
-          <a:p>
-            <a:pPr lvl="2"/>
-            <a:r>
-              <a:rPr lang="ja-JP" altLang="en-US" dirty="0" smtClean="0"/>
-              <a:t>「ジョブが終わってるはずの時間」はクライアントで計算して、その時間になったら同期とか</a:t>
+              <a:t>モック都合でこれが作りやすかった</a:t>
+            </a:r>
+            <a:r>
+              <a:rPr lang="en-US" altLang="ja-JP" dirty="0" smtClean="0"/>
+              <a:t>)</a:t>
             </a:r>
             <a:endParaRPr kumimoji="1" lang="ja-JP" altLang="en-US" dirty="0"/>
           </a:p>
@@ -33598,13 +39068,20 @@
     </p:spTree>
     <p:extLst>
       <p:ext uri="{BB962C8B-B14F-4D97-AF65-F5344CB8AC3E}">
-        <p14:creationId xmlns:p14="http://schemas.microsoft.com/office/powerpoint/2010/main" val="2246530146"/>
+        <p14:creationId xmlns:p14="http://schemas.microsoft.com/office/powerpoint/2010/main" val="150215283"/>
       </p:ext>
     </p:extLst>
   </p:cSld>
   <p:clrMapOvr>
     <a:masterClrMapping/>
   </p:clrMapOvr>
+  <p:timing>
+    <p:tnLst>
+      <p:par>
+        <p:cTn id="1" dur="indefinite" restart="never" nodeType="tmRoot"/>
+      </p:par>
+    </p:tnLst>
+  </p:timing>
 </p:sld>
 </file>
 
@@ -33661,74 +39138,7 @@
           <a:p>
             <a:r>
               <a:rPr kumimoji="1" lang="ja-JP" altLang="en-US" dirty="0" smtClean="0"/>
-              <a:t>ページに入ったタイミングで、そのページ中で使うデータ全部もらうとかいうゲームもあるけど、かなり重たい</a:t>
-            </a:r>
-            <a:endParaRPr kumimoji="1" lang="en-US" altLang="ja-JP" dirty="0" smtClean="0"/>
-          </a:p>
-          <a:p>
-            <a:pPr lvl="1"/>
-            <a:r>
-              <a:rPr lang="ja-JP" altLang="en-US" dirty="0"/>
-              <a:t>大半</a:t>
-            </a:r>
-            <a:r>
-              <a:rPr lang="ja-JP" altLang="en-US" dirty="0" smtClean="0"/>
-              <a:t>のデータは変化しない、差分は小さい</a:t>
-            </a:r>
-            <a:endParaRPr lang="en-US" altLang="ja-JP" dirty="0" smtClean="0"/>
-          </a:p>
-          <a:p>
-            <a:pPr lvl="1"/>
-            <a:r>
-              <a:rPr kumimoji="1" lang="ja-JP" altLang="en-US" dirty="0" smtClean="0"/>
-              <a:t>差分更新がほしい</a:t>
-            </a:r>
-            <a:endParaRPr kumimoji="1" lang="en-US" altLang="ja-JP" dirty="0" smtClean="0"/>
-          </a:p>
-          <a:p>
-            <a:r>
-              <a:rPr lang="ja-JP" altLang="en-US" dirty="0" smtClean="0"/>
-              <a:t>経緯</a:t>
-            </a:r>
-            <a:endParaRPr lang="en-US" altLang="ja-JP" dirty="0" smtClean="0"/>
-          </a:p>
-          <a:p>
-            <a:pPr lvl="1"/>
-            <a:r>
-              <a:rPr kumimoji="1" lang="ja-JP" altLang="en-US" dirty="0" smtClean="0"/>
-              <a:t>昔、要るデータだけ取ってたら更新が保守しきれなくて心折れる</a:t>
-            </a:r>
-            <a:endParaRPr kumimoji="1" lang="en-US" altLang="ja-JP" dirty="0" smtClean="0"/>
-          </a:p>
-          <a:p>
-            <a:pPr lvl="1"/>
-            <a:r>
-              <a:rPr lang="ja-JP" altLang="en-US" dirty="0" smtClean="0"/>
-              <a:t>全同期やり始める</a:t>
-            </a:r>
-            <a:endParaRPr lang="en-US" altLang="ja-JP" dirty="0" smtClean="0"/>
-          </a:p>
-          <a:p>
-            <a:pPr lvl="1"/>
-            <a:r>
-              <a:rPr kumimoji="1" lang="ja-JP" altLang="en-US" dirty="0" smtClean="0"/>
-              <a:t>重たすぎてサーバー側に怒られる</a:t>
-            </a:r>
-            <a:endParaRPr kumimoji="1" lang="en-US" altLang="ja-JP" dirty="0" smtClean="0"/>
-          </a:p>
-          <a:p>
-            <a:pPr lvl="1"/>
-            <a:r>
-              <a:rPr lang="ja-JP" altLang="en-US" dirty="0" smtClean="0"/>
-              <a:t>差分</a:t>
-            </a:r>
-            <a:r>
-              <a:rPr lang="ja-JP" altLang="en-US" dirty="0"/>
-              <a:t>更新</a:t>
-            </a:r>
-            <a:r>
-              <a:rPr lang="ja-JP" altLang="en-US" dirty="0" smtClean="0"/>
-              <a:t>をフレームワーク化、コード生成（今ここ）</a:t>
+              <a:t>モック</a:t>
             </a:r>
             <a:endParaRPr kumimoji="1" lang="ja-JP" altLang="en-US" dirty="0"/>
           </a:p>
@@ -33737,13 +39147,20 @@
     </p:spTree>
     <p:extLst>
       <p:ext uri="{BB962C8B-B14F-4D97-AF65-F5344CB8AC3E}">
-        <p14:creationId xmlns:p14="http://schemas.microsoft.com/office/powerpoint/2010/main" val="1137455177"/>
+        <p14:creationId xmlns:p14="http://schemas.microsoft.com/office/powerpoint/2010/main" val="1599613034"/>
       </p:ext>
     </p:extLst>
   </p:cSld>
   <p:clrMapOvr>
     <a:masterClrMapping/>
   </p:clrMapOvr>
+  <p:timing>
+    <p:tnLst>
+      <p:par>
+        <p:cTn id="1" dur="indefinite" restart="never" nodeType="tmRoot"/>
+      </p:par>
+    </p:tnLst>
+  </p:timing>
 </p:sld>
 </file>
 
@@ -33799,59 +39216,8 @@
           <a:lstStyle/>
           <a:p>
             <a:r>
-              <a:rPr kumimoji="1" lang="en-US" altLang="ja-JP" dirty="0" err="1" smtClean="0"/>
-              <a:t>SyncResult</a:t>
-            </a:r>
-            <a:r>
-              <a:rPr kumimoji="1" lang="en-US" altLang="ja-JP" dirty="0" smtClean="0"/>
-              <a:t>, </a:t>
-            </a:r>
-            <a:r>
-              <a:rPr kumimoji="1" lang="en-US" altLang="ja-JP" dirty="0" err="1" smtClean="0"/>
-              <a:t>SyncDifference</a:t>
-            </a:r>
-            <a:r>
-              <a:rPr kumimoji="1" lang="en-US" altLang="ja-JP" dirty="0" smtClean="0"/>
-              <a:t>,</a:t>
-            </a:r>
-            <a:r>
               <a:rPr kumimoji="1" lang="ja-JP" altLang="en-US" dirty="0" smtClean="0"/>
-              <a:t> </a:t>
-            </a:r>
-            <a:r>
-              <a:rPr kumimoji="1" lang="en-US" altLang="ja-JP" dirty="0" err="1" smtClean="0"/>
-              <a:t>SyncRepository</a:t>
-            </a:r>
-            <a:endParaRPr kumimoji="1" lang="en-US" altLang="ja-JP" dirty="0" smtClean="0"/>
-          </a:p>
-          <a:p>
-            <a:r>
-              <a:rPr lang="ja-JP" altLang="en-US" dirty="0" smtClean="0"/>
-              <a:t>インターフェイス</a:t>
-            </a:r>
-            <a:r>
-              <a:rPr lang="ja-JP" altLang="en-US" dirty="0"/>
-              <a:t>実装</a:t>
-            </a:r>
-            <a:r>
-              <a:rPr lang="ja-JP" altLang="en-US" dirty="0" smtClean="0"/>
-              <a:t>があったらリポジトリを更新する</a:t>
-            </a:r>
-            <a:endParaRPr lang="en-US" altLang="ja-JP" dirty="0" smtClean="0"/>
-          </a:p>
-          <a:p>
-            <a:pPr lvl="1"/>
-            <a:r>
-              <a:rPr kumimoji="1" lang="ja-JP" altLang="en-US" dirty="0" smtClean="0"/>
-              <a:t>通信</a:t>
-            </a:r>
-            <a:r>
-              <a:rPr kumimoji="1" lang="en-US" altLang="ja-JP" dirty="0" smtClean="0"/>
-              <a:t>API</a:t>
-            </a:r>
-            <a:r>
-              <a:rPr kumimoji="1" lang="ja-JP" altLang="en-US" dirty="0" smtClean="0"/>
-              <a:t>をコード生成で作ってるんだから、そのコード生成の仕組みに載せれば、もれなく更新できる</a:t>
+              <a:t>双方向通信</a:t>
             </a:r>
             <a:endParaRPr kumimoji="1" lang="ja-JP" altLang="en-US" dirty="0"/>
           </a:p>
@@ -33860,13 +39226,20 @@
     </p:spTree>
     <p:extLst>
       <p:ext uri="{BB962C8B-B14F-4D97-AF65-F5344CB8AC3E}">
-        <p14:creationId xmlns:p14="http://schemas.microsoft.com/office/powerpoint/2010/main" val="223083663"/>
+        <p14:creationId xmlns:p14="http://schemas.microsoft.com/office/powerpoint/2010/main" val="1628204823"/>
       </p:ext>
     </p:extLst>
   </p:cSld>
   <p:clrMapOvr>
     <a:masterClrMapping/>
   </p:clrMapOvr>
+  <p:timing>
+    <p:tnLst>
+      <p:par>
+        <p:cTn id="1" dur="indefinite" restart="never" nodeType="tmRoot"/>
+      </p:par>
+    </p:tnLst>
+  </p:timing>
 </p:sld>
 </file>
 
@@ -33923,7 +39296,7 @@
           <a:p>
             <a:r>
               <a:rPr kumimoji="1" lang="ja-JP" altLang="en-US" dirty="0" smtClean="0"/>
-              <a:t>サーバーからは、正規化された状態のデータをもらってる</a:t>
+              <a:t>処理のフック</a:t>
             </a:r>
             <a:endParaRPr kumimoji="1" lang="en-US" altLang="ja-JP" dirty="0" smtClean="0"/>
           </a:p>
@@ -33931,79 +39304,51 @@
             <a:pPr lvl="1"/>
             <a:r>
               <a:rPr lang="ja-JP" altLang="en-US" dirty="0" smtClean="0"/>
-              <a:t>ユニットは装備</a:t>
+              <a:t>サーバーから来たデータに対して、必ず渡しておきたい</a:t>
             </a:r>
             <a:r>
               <a:rPr lang="en-US" altLang="ja-JP" dirty="0" smtClean="0"/>
-              <a:t>ID</a:t>
-            </a:r>
-            <a:r>
-              <a:rPr lang="ja-JP" altLang="en-US" dirty="0" err="1" smtClean="0"/>
-              <a:t>だけ</a:t>
+              <a:t>(</a:t>
             </a:r>
             <a:r>
               <a:rPr lang="ja-JP" altLang="en-US" dirty="0" smtClean="0"/>
-              <a:t>持ってるし、スキル学習</a:t>
+              <a:t>子から孫への伝搬もさせたい</a:t>
             </a:r>
             <a:r>
               <a:rPr lang="en-US" altLang="ja-JP" dirty="0" smtClean="0"/>
-              <a:t>ID</a:t>
+              <a:t>)</a:t>
             </a:r>
             <a:r>
               <a:rPr lang="ja-JP" altLang="en-US" dirty="0" smtClean="0"/>
-              <a:t>とスキル経験値だけ持ってる</a:t>
+              <a:t>データがある</a:t>
             </a:r>
             <a:endParaRPr lang="en-US" altLang="ja-JP" dirty="0" smtClean="0"/>
           </a:p>
           <a:p>
+            <a:pPr lvl="2"/>
+            <a:r>
+              <a:rPr kumimoji="1" lang="ja-JP" altLang="en-US" dirty="0" smtClean="0"/>
+              <a:t>マスター データ</a:t>
+            </a:r>
+            <a:endParaRPr kumimoji="1" lang="en-US" altLang="ja-JP" dirty="0" smtClean="0"/>
+          </a:p>
+          <a:p>
+            <a:pPr lvl="2"/>
+            <a:r>
+              <a:rPr lang="ja-JP" altLang="en-US" dirty="0" smtClean="0"/>
+              <a:t>インベントリ データ</a:t>
+            </a:r>
+            <a:endParaRPr lang="en-US" altLang="ja-JP" dirty="0" smtClean="0"/>
+          </a:p>
+          <a:p>
             <a:pPr lvl="1"/>
-            <a:r>
-              <a:rPr lang="ja-JP" altLang="en-US" dirty="0" smtClean="0"/>
-              <a:t>ユニット一覧、装備一覧、スキル学習マスター テーブルとかがある</a:t>
-            </a:r>
-            <a:endParaRPr lang="en-US" altLang="ja-JP" dirty="0" smtClean="0"/>
-          </a:p>
-          <a:p>
-            <a:pPr lvl="2"/>
-            <a:r>
-              <a:rPr lang="ja-JP" altLang="en-US" dirty="0" smtClean="0"/>
-              <a:t>クライアント上ロジックが結構あるんで、正規化されてないとデータ多重管理で結構死ねる</a:t>
-            </a:r>
-            <a:endParaRPr lang="en-US" altLang="ja-JP" dirty="0" smtClean="0"/>
-          </a:p>
-          <a:p>
-            <a:pPr lvl="2"/>
-            <a:r>
-              <a:rPr lang="ja-JP" altLang="en-US" dirty="0" smtClean="0"/>
-              <a:t>データ</a:t>
-            </a:r>
-            <a:r>
-              <a:rPr lang="ja-JP" altLang="en-US" dirty="0"/>
-              <a:t>量</a:t>
-            </a:r>
-            <a:r>
-              <a:rPr lang="ja-JP" altLang="en-US" dirty="0" smtClean="0"/>
-              <a:t>の</a:t>
-            </a:r>
-            <a:r>
-              <a:rPr lang="ja-JP" altLang="en-US" smtClean="0"/>
-              <a:t>問題もあるし、差分更新との相性も</a:t>
-            </a:r>
-            <a:endParaRPr lang="en-US" altLang="ja-JP" dirty="0" smtClean="0"/>
-          </a:p>
-          <a:p>
-            <a:pPr lvl="1"/>
-            <a:r>
-              <a:rPr kumimoji="1" lang="ja-JP" altLang="en-US" dirty="0" smtClean="0"/>
-              <a:t>その参照関係解決も、</a:t>
-            </a:r>
             <a:r>
               <a:rPr kumimoji="1" lang="en-US" altLang="ja-JP" dirty="0" smtClean="0"/>
               <a:t>Key</a:t>
             </a:r>
             <a:r>
               <a:rPr kumimoji="1" lang="ja-JP" altLang="en-US" dirty="0" smtClean="0"/>
-              <a:t>属性からのコード生成</a:t>
+              <a:t>属性を設定しておいて、コード生成で</a:t>
             </a:r>
             <a:endParaRPr kumimoji="1" lang="ja-JP" altLang="en-US" dirty="0"/>
           </a:p>
@@ -34012,13 +39357,20 @@
     </p:spTree>
     <p:extLst>
       <p:ext uri="{BB962C8B-B14F-4D97-AF65-F5344CB8AC3E}">
-        <p14:creationId xmlns:p14="http://schemas.microsoft.com/office/powerpoint/2010/main" val="1344909001"/>
+        <p14:creationId xmlns:p14="http://schemas.microsoft.com/office/powerpoint/2010/main" val="2339166191"/>
       </p:ext>
     </p:extLst>
   </p:cSld>
   <p:clrMapOvr>
     <a:masterClrMapping/>
   </p:clrMapOvr>
+  <p:timing>
+    <p:tnLst>
+      <p:par>
+        <p:cTn id="1" dur="indefinite" restart="never" nodeType="tmRoot"/>
+      </p:par>
+    </p:tnLst>
+  </p:timing>
 </p:sld>
 </file>
 
@@ -34054,7 +39406,27 @@
           <a:bodyPr/>
           <a:lstStyle/>
           <a:p>
-            <a:endParaRPr kumimoji="1" lang="ja-JP" altLang="en-US"/>
+            <a:r>
+              <a:rPr kumimoji="1" lang="ja-JP" altLang="en-US" dirty="0" smtClean="0"/>
+              <a:t>反省</a:t>
+            </a:r>
+            <a:r>
+              <a:rPr kumimoji="1" lang="en-US" altLang="ja-JP" dirty="0" smtClean="0"/>
+              <a:t>:</a:t>
+            </a:r>
+            <a:r>
+              <a:rPr kumimoji="1" lang="ja-JP" altLang="en-US" dirty="0" smtClean="0"/>
+              <a:t> </a:t>
+            </a:r>
+            <a:r>
+              <a:rPr lang="en-US" altLang="ja-JP" dirty="0" smtClean="0"/>
+              <a:t>.NET</a:t>
+            </a:r>
+            <a:r>
+              <a:rPr lang="ja-JP" altLang="en-US" dirty="0" smtClean="0"/>
+              <a:t>の型システム引きずりすぎた</a:t>
+            </a:r>
+            <a:endParaRPr kumimoji="1" lang="ja-JP" altLang="en-US" dirty="0"/>
           </a:p>
         </p:txBody>
       </p:sp>
@@ -34074,108 +39446,16 @@
           <a:lstStyle/>
           <a:p>
             <a:r>
-              <a:rPr kumimoji="1" lang="ja-JP" altLang="en-US" dirty="0" smtClean="0"/>
-              <a:t>サーバーとの同期でインスタンスが変わる</a:t>
-            </a:r>
-            <a:endParaRPr kumimoji="1" lang="en-US" altLang="ja-JP" dirty="0" smtClean="0"/>
-          </a:p>
-          <a:p>
-            <a:pPr lvl="1"/>
-            <a:r>
               <a:rPr lang="ja-JP" altLang="en-US" dirty="0" smtClean="0"/>
-              <a:t>ページのリロードとかなしで画面を更新したかったら、「この</a:t>
+              <a:t>非</a:t>
             </a:r>
             <a:r>
               <a:rPr lang="en-US" altLang="ja-JP" dirty="0" smtClean="0"/>
-              <a:t>ID</a:t>
+              <a:t>null</a:t>
             </a:r>
             <a:r>
               <a:rPr lang="ja-JP" altLang="en-US" dirty="0" smtClean="0"/>
-              <a:t>のユニットはサーバーによって更新された」みたいな通知が必要</a:t>
-            </a:r>
-            <a:endParaRPr lang="en-US" altLang="ja-JP" dirty="0" smtClean="0"/>
-          </a:p>
-          <a:p>
-            <a:pPr lvl="1"/>
-            <a:r>
-              <a:rPr kumimoji="1" lang="en-US" altLang="ja-JP" dirty="0" smtClean="0"/>
-              <a:t>reactive</a:t>
-            </a:r>
-            <a:endParaRPr lang="en-US" altLang="ja-JP" dirty="0"/>
-          </a:p>
-          <a:p>
-            <a:pPr lvl="1"/>
-            <a:endParaRPr kumimoji="1" lang="en-US" altLang="ja-JP" dirty="0" smtClean="0"/>
-          </a:p>
-          <a:p>
-            <a:pPr lvl="1"/>
-            <a:r>
-              <a:rPr lang="en-US" altLang="ja-JP" dirty="0" smtClean="0"/>
-              <a:t>Inventory</a:t>
-            </a:r>
-            <a:r>
-              <a:rPr lang="ja-JP" altLang="en-US" dirty="0" smtClean="0"/>
-              <a:t>クラス</a:t>
-            </a:r>
-            <a:endParaRPr lang="en-US" altLang="ja-JP" dirty="0" smtClean="0"/>
-          </a:p>
-          <a:p>
-            <a:pPr lvl="2"/>
-            <a:r>
-              <a:rPr kumimoji="1" lang="ja-JP" altLang="en-US" dirty="0" smtClean="0"/>
-              <a:t>現在値が取れる</a:t>
-            </a:r>
-            <a:endParaRPr kumimoji="1" lang="en-US" altLang="ja-JP" dirty="0" smtClean="0"/>
-          </a:p>
-          <a:p>
-            <a:pPr lvl="2"/>
-            <a:r>
-              <a:rPr lang="ja-JP" altLang="en-US" dirty="0" smtClean="0"/>
-              <a:t>更新通知</a:t>
-            </a:r>
-            <a:r>
-              <a:rPr lang="ja-JP" altLang="en-US" dirty="0"/>
-              <a:t>イベント</a:t>
-            </a:r>
-            <a:r>
-              <a:rPr lang="ja-JP" altLang="en-US" dirty="0" smtClean="0"/>
-              <a:t>を持ってる</a:t>
-            </a:r>
-            <a:endParaRPr lang="en-US" altLang="ja-JP" dirty="0" smtClean="0"/>
-          </a:p>
-          <a:p>
-            <a:pPr lvl="2"/>
-            <a:r>
-              <a:rPr kumimoji="1" lang="en-US" altLang="ja-JP" dirty="0" err="1" smtClean="0"/>
-              <a:t>IEnumerable</a:t>
-            </a:r>
-            <a:r>
-              <a:rPr lang="ja-JP" altLang="en-US" dirty="0" smtClean="0"/>
-              <a:t>かつ</a:t>
-            </a:r>
-            <a:r>
-              <a:rPr lang="en-US" altLang="ja-JP" dirty="0" err="1" smtClean="0"/>
-              <a:t>IObservable</a:t>
-            </a:r>
-            <a:endParaRPr lang="en-US" altLang="ja-JP" dirty="0" smtClean="0"/>
-          </a:p>
-          <a:p>
-            <a:pPr lvl="3"/>
-            <a:r>
-              <a:rPr kumimoji="1" lang="en-US" altLang="ja-JP" dirty="0" smtClean="0"/>
-              <a:t>Where,</a:t>
-            </a:r>
-            <a:r>
-              <a:rPr kumimoji="1" lang="ja-JP" altLang="en-US" dirty="0"/>
-              <a:t> </a:t>
-            </a:r>
-            <a:r>
-              <a:rPr kumimoji="1" lang="en-US" altLang="ja-JP" dirty="0" smtClean="0"/>
-              <a:t>Select</a:t>
-            </a:r>
-            <a:r>
-              <a:rPr kumimoji="1" lang="ja-JP" altLang="en-US" dirty="0" smtClean="0"/>
-              <a:t> 可能</a:t>
+              <a:t>参照型</a:t>
             </a:r>
             <a:endParaRPr kumimoji="1" lang="ja-JP" altLang="en-US" dirty="0"/>
           </a:p>
@@ -34184,13 +39464,20 @@
     </p:spTree>
     <p:extLst>
       <p:ext uri="{BB962C8B-B14F-4D97-AF65-F5344CB8AC3E}">
-        <p14:creationId xmlns:p14="http://schemas.microsoft.com/office/powerpoint/2010/main" val="1617238274"/>
+        <p14:creationId xmlns:p14="http://schemas.microsoft.com/office/powerpoint/2010/main" val="299523081"/>
       </p:ext>
     </p:extLst>
   </p:cSld>
   <p:clrMapOvr>
     <a:masterClrMapping/>
   </p:clrMapOvr>
+  <p:timing>
+    <p:tnLst>
+      <p:par>
+        <p:cTn id="1" dur="indefinite" restart="never" nodeType="tmRoot"/>
+      </p:par>
+    </p:tnLst>
+  </p:timing>
 </p:sld>
 </file>
 
@@ -34226,7 +39513,19 @@
           <a:bodyPr/>
           <a:lstStyle/>
           <a:p>
-            <a:endParaRPr kumimoji="1" lang="ja-JP" altLang="en-US"/>
+            <a:r>
+              <a:rPr kumimoji="1" lang="ja-JP" altLang="en-US" dirty="0" smtClean="0"/>
+              <a:t>反省</a:t>
+            </a:r>
+            <a:r>
+              <a:rPr kumimoji="1" lang="en-US" altLang="ja-JP" dirty="0" smtClean="0"/>
+              <a:t>:</a:t>
+            </a:r>
+            <a:r>
+              <a:rPr kumimoji="1" lang="ja-JP" altLang="en-US" dirty="0" smtClean="0"/>
+              <a:t> 高機能化しすぎた</a:t>
+            </a:r>
+            <a:endParaRPr kumimoji="1" lang="ja-JP" altLang="en-US" dirty="0"/>
           </a:p>
         </p:txBody>
       </p:sp>
@@ -34246,151 +39545,63 @@
           <a:lstStyle/>
           <a:p>
             <a:r>
-              <a:rPr kumimoji="1" lang="en-US" altLang="ja-JP" dirty="0" err="1" smtClean="0"/>
-              <a:t>IObservable</a:t>
-            </a:r>
-            <a:r>
               <a:rPr kumimoji="1" lang="ja-JP" altLang="en-US" dirty="0" smtClean="0"/>
-              <a:t>使ってないのよね</a:t>
+              <a:t>黒魔術</a:t>
+            </a:r>
+            <a:r>
+              <a:rPr lang="ja-JP" altLang="en-US" dirty="0" smtClean="0"/>
+              <a:t>度合いが半端ない</a:t>
+            </a:r>
+            <a:endParaRPr lang="en-US" altLang="ja-JP" dirty="0" smtClean="0"/>
+          </a:p>
+          <a:p>
+            <a:r>
+              <a:rPr kumimoji="1" lang="ja-JP" altLang="en-US" dirty="0" smtClean="0"/>
+              <a:t>結構ぎりぎりのバランスで成り立ってて</a:t>
             </a:r>
             <a:endParaRPr kumimoji="1" lang="en-US" altLang="ja-JP" dirty="0" smtClean="0"/>
           </a:p>
           <a:p>
             <a:pPr lvl="1"/>
             <a:r>
-              <a:rPr lang="en-US" altLang="ja-JP" dirty="0" err="1" smtClean="0"/>
-              <a:t>IEvent</a:t>
-            </a:r>
-            <a:r>
-              <a:rPr lang="en-US" altLang="ja-JP" dirty="0" smtClean="0"/>
-              <a:t>&lt;T&gt;</a:t>
-            </a:r>
-            <a:r>
               <a:rPr lang="ja-JP" altLang="en-US" dirty="0" smtClean="0"/>
-              <a:t> ≒ </a:t>
-            </a:r>
-            <a:r>
-              <a:rPr lang="en-US" altLang="ja-JP" dirty="0" err="1" smtClean="0"/>
-              <a:t>IObservable</a:t>
-            </a:r>
-            <a:r>
-              <a:rPr lang="en-US" altLang="ja-JP" dirty="0" smtClean="0"/>
-              <a:t>&lt;</a:t>
-            </a:r>
-            <a:r>
-              <a:rPr lang="en-US" altLang="ja-JP" dirty="0" err="1" smtClean="0"/>
-              <a:t>EventPettern</a:t>
-            </a:r>
-            <a:r>
-              <a:rPr lang="en-US" altLang="ja-JP" dirty="0" smtClean="0"/>
-              <a:t>&lt;T&gt;&gt;</a:t>
-            </a:r>
-          </a:p>
-          <a:p>
-            <a:pPr lvl="2"/>
-            <a:r>
-              <a:rPr kumimoji="1" lang="en-US" altLang="ja-JP" dirty="0" smtClean="0"/>
-              <a:t>Unity</a:t>
-            </a:r>
+              <a:t>修正</a:t>
+            </a:r>
+            <a:r>
+              <a:rPr lang="ja-JP" altLang="en-US" dirty="0" err="1"/>
+              <a:t>入</a:t>
+            </a:r>
+            <a:r>
+              <a:rPr lang="ja-JP" altLang="en-US" dirty="0" err="1" smtClean="0"/>
+              <a:t>れるの</a:t>
+            </a:r>
+            <a:r>
+              <a:rPr lang="ja-JP" altLang="en-US" dirty="0" smtClean="0"/>
+              <a:t>そこそこ</a:t>
+            </a:r>
+            <a:r>
+              <a:rPr lang="ja-JP" altLang="en-US" dirty="0"/>
+              <a:t>大変</a:t>
+            </a:r>
+            <a:r>
+              <a:rPr lang="ja-JP" altLang="en-US" dirty="0" smtClean="0"/>
+              <a:t>に</a:t>
+            </a:r>
+            <a:endParaRPr lang="en-US" altLang="ja-JP" dirty="0" smtClean="0"/>
+          </a:p>
+          <a:p>
+            <a:pPr lvl="1"/>
             <a:r>
               <a:rPr kumimoji="1" lang="ja-JP" altLang="en-US" dirty="0" smtClean="0"/>
-              <a:t>がシングル スレッド動作なので、同時実行制御だけさぼってる</a:t>
-            </a:r>
-            <a:endParaRPr kumimoji="1" lang="en-US" altLang="ja-JP" dirty="0" smtClean="0"/>
-          </a:p>
-          <a:p>
-            <a:pPr lvl="1"/>
-            <a:r>
-              <a:rPr lang="en-US" altLang="ja-JP" dirty="0" smtClean="0"/>
-              <a:t>sender</a:t>
-            </a:r>
-            <a:r>
-              <a:rPr lang="ja-JP" altLang="en-US" dirty="0" smtClean="0"/>
-              <a:t> → でも結局、</a:t>
-            </a:r>
-            <a:r>
-              <a:rPr lang="en-US" altLang="ja-JP" dirty="0" smtClean="0"/>
-              <a:t>sender</a:t>
-            </a:r>
-            <a:r>
-              <a:rPr lang="ja-JP" altLang="en-US" dirty="0" smtClean="0"/>
-              <a:t>使ってない。</a:t>
-            </a:r>
-            <a:r>
-              <a:rPr lang="en-US" altLang="ja-JP" dirty="0" smtClean="0"/>
-              <a:t>IO</a:t>
-            </a:r>
-            <a:r>
-              <a:rPr lang="ja-JP" altLang="en-US" dirty="0" err="1" smtClean="0"/>
-              <a:t>で</a:t>
-            </a:r>
-            <a:r>
-              <a:rPr lang="ja-JP" altLang="en-US" dirty="0" smtClean="0"/>
-              <a:t>よかった</a:t>
-            </a:r>
-            <a:endParaRPr lang="en-US" altLang="ja-JP" dirty="0" smtClean="0"/>
-          </a:p>
-          <a:p>
-            <a:pPr lvl="1"/>
-            <a:r>
-              <a:rPr kumimoji="1" lang="en-US" altLang="ja-JP" dirty="0" smtClean="0"/>
-              <a:t>Rx</a:t>
+              <a:t>ドキュメント整備できてないので</a:t>
+            </a:r>
+            <a:r>
+              <a:rPr kumimoji="1" lang="ja-JP" altLang="en-US" dirty="0"/>
+              <a:t>公開</a:t>
             </a:r>
             <a:r>
               <a:rPr kumimoji="1" lang="ja-JP" altLang="en-US" dirty="0" smtClean="0"/>
-              <a:t>に移行しようか悩み中</a:t>
-            </a:r>
-            <a:endParaRPr kumimoji="1" lang="en-US" altLang="ja-JP" dirty="0" smtClean="0"/>
-          </a:p>
-          <a:p>
-            <a:pPr lvl="1"/>
-            <a:r>
-              <a:rPr lang="en-US" altLang="ja-JP" dirty="0" err="1" smtClean="0"/>
-              <a:t>IEvent</a:t>
-            </a:r>
-            <a:r>
-              <a:rPr lang="ja-JP" altLang="en-US" dirty="0" smtClean="0"/>
-              <a:t>に対して、</a:t>
-            </a:r>
-            <a:r>
-              <a:rPr lang="en-US" altLang="ja-JP" dirty="0" smtClean="0"/>
-              <a:t>Rx</a:t>
-            </a:r>
-            <a:r>
-              <a:rPr lang="ja-JP" altLang="en-US" dirty="0" smtClean="0"/>
-              <a:t>と同じような、</a:t>
-            </a:r>
-            <a:r>
-              <a:rPr lang="en-US" altLang="ja-JP" dirty="0" smtClean="0"/>
-              <a:t>Subject,</a:t>
-            </a:r>
-            <a:r>
-              <a:rPr lang="ja-JP" altLang="en-US" dirty="0" smtClean="0"/>
-              <a:t> </a:t>
-            </a:r>
-            <a:r>
-              <a:rPr lang="en-US" altLang="ja-JP" dirty="0" smtClean="0"/>
-              <a:t>Where,</a:t>
-            </a:r>
-            <a:r>
-              <a:rPr lang="ja-JP" altLang="en-US" dirty="0" smtClean="0"/>
-              <a:t> </a:t>
-            </a:r>
-            <a:r>
-              <a:rPr lang="en-US" altLang="ja-JP" dirty="0" smtClean="0"/>
-              <a:t>Select,</a:t>
-            </a:r>
-            <a:r>
-              <a:rPr lang="ja-JP" altLang="en-US" dirty="0" smtClean="0"/>
-              <a:t> </a:t>
-            </a:r>
-            <a:r>
-              <a:rPr lang="en-US" altLang="ja-JP" dirty="0" smtClean="0"/>
-              <a:t>Subscribe</a:t>
-            </a:r>
-            <a:r>
-              <a:rPr lang="ja-JP" altLang="en-US" dirty="0" smtClean="0"/>
-              <a:t>実装してる</a:t>
+              <a:t>してもきっと他人に使えない</a:t>
             </a:r>
             <a:endParaRPr kumimoji="1" lang="ja-JP" altLang="en-US" dirty="0"/>
           </a:p>
@@ -34399,13 +39610,20 @@
     </p:spTree>
     <p:extLst>
       <p:ext uri="{BB962C8B-B14F-4D97-AF65-F5344CB8AC3E}">
-        <p14:creationId xmlns:p14="http://schemas.microsoft.com/office/powerpoint/2010/main" val="1221440194"/>
+        <p14:creationId xmlns:p14="http://schemas.microsoft.com/office/powerpoint/2010/main" val="2733350051"/>
       </p:ext>
     </p:extLst>
   </p:cSld>
   <p:clrMapOvr>
     <a:masterClrMapping/>
   </p:clrMapOvr>
+  <p:timing>
+    <p:tnLst>
+      <p:par>
+        <p:cTn id="1" dur="indefinite" restart="never" nodeType="tmRoot"/>
+      </p:par>
+    </p:tnLst>
+  </p:timing>
 </p:sld>
 </file>
 
@@ -34462,94 +39680,61 @@
           <a:p>
             <a:r>
               <a:rPr kumimoji="1" lang="ja-JP" altLang="en-US" dirty="0" smtClean="0"/>
-              <a:t>当初説明した通り、作ってるゲームの性質的には</a:t>
-            </a:r>
+              <a:t>インベントリ</a:t>
+            </a:r>
+            <a:endParaRPr kumimoji="1" lang="en-US" altLang="ja-JP" dirty="0" smtClean="0"/>
+          </a:p>
+          <a:p>
+            <a:endParaRPr lang="en-US" altLang="ja-JP" dirty="0"/>
+          </a:p>
+          <a:p>
+            <a:r>
+              <a:rPr lang="ja-JP" altLang="en-US" dirty="0" smtClean="0"/>
+              <a:t>正となるデータはサーバー上にある</a:t>
+            </a:r>
+            <a:endParaRPr lang="en-US" altLang="ja-JP" dirty="0" smtClean="0"/>
+          </a:p>
+          <a:p>
+            <a:pPr lvl="1"/>
+            <a:r>
+              <a:rPr kumimoji="1" lang="ja-JP" altLang="en-US" dirty="0" smtClean="0"/>
+              <a:t>クライアントはサーバーと同期とってるだけ</a:t>
+            </a:r>
+            <a:endParaRPr kumimoji="1" lang="en-US" altLang="ja-JP" dirty="0" smtClean="0"/>
+          </a:p>
+          <a:p>
+            <a:pPr lvl="1"/>
+            <a:r>
+              <a:rPr lang="ja-JP" altLang="en-US" dirty="0" smtClean="0"/>
+              <a:t>とはいえ、即応性を考えて、クライアントでもある程度処理をしてる</a:t>
+            </a:r>
+            <a:endParaRPr lang="en-US" altLang="ja-JP" dirty="0" smtClean="0"/>
+          </a:p>
+          <a:p>
+            <a:pPr lvl="2"/>
             <a:r>
               <a:rPr kumimoji="1" lang="en-US" altLang="ja-JP" dirty="0" smtClean="0"/>
-              <a:t>UI</a:t>
+              <a:t>Channel</a:t>
             </a:r>
             <a:r>
               <a:rPr kumimoji="1" lang="ja-JP" altLang="en-US" dirty="0" smtClean="0"/>
-              <a:t>フレームワーク中心になるんだけど</a:t>
+              <a:t>を使うやつだと、サーバーとクライアントで</a:t>
+            </a:r>
+            <a:r>
+              <a:rPr kumimoji="1" lang="ja-JP" altLang="en-US" dirty="0" err="1" smtClean="0"/>
+              <a:t>待っ</a:t>
+            </a:r>
+            <a:r>
+              <a:rPr kumimoji="1" lang="ja-JP" altLang="en-US" dirty="0" smtClean="0"/>
+              <a:t>たく同じ処理してる</a:t>
             </a:r>
             <a:endParaRPr kumimoji="1" lang="en-US" altLang="ja-JP" dirty="0" smtClean="0"/>
           </a:p>
           <a:p>
-            <a:pPr lvl="1"/>
-            <a:r>
-              <a:rPr kumimoji="1" lang="en-US" altLang="ja-JP" dirty="0" smtClean="0"/>
-              <a:t>3D</a:t>
-            </a:r>
-            <a:r>
-              <a:rPr kumimoji="1" lang="ja-JP" altLang="en-US" dirty="0" smtClean="0"/>
-              <a:t>とか物理エンジンとか</a:t>
-            </a:r>
-            <a:r>
-              <a:rPr kumimoji="1" lang="en-US" altLang="ja-JP" dirty="0" smtClean="0"/>
-              <a:t>object</a:t>
-            </a:r>
-            <a:r>
-              <a:rPr kumimoji="1" lang="ja-JP" altLang="en-US" dirty="0" smtClean="0"/>
-              <a:t> </a:t>
-            </a:r>
-            <a:r>
-              <a:rPr kumimoji="1" lang="en-US" altLang="ja-JP" dirty="0" smtClean="0"/>
-              <a:t>navigation</a:t>
-            </a:r>
-            <a:r>
-              <a:rPr kumimoji="1" lang="ja-JP" altLang="en-US" dirty="0" smtClean="0"/>
-              <a:t>とか要らない</a:t>
-            </a:r>
-            <a:endParaRPr kumimoji="1" lang="en-US" altLang="ja-JP" dirty="0" smtClean="0"/>
-          </a:p>
-          <a:p>
-            <a:pPr lvl="1"/>
+            <a:pPr lvl="2"/>
             <a:r>
               <a:rPr lang="ja-JP" altLang="en-US" dirty="0" smtClean="0"/>
-              <a:t>むしろ、</a:t>
-            </a:r>
-            <a:r>
-              <a:rPr lang="en-US" altLang="ja-JP" dirty="0" smtClean="0"/>
-              <a:t>XAML</a:t>
-            </a:r>
-            <a:r>
-              <a:rPr lang="ja-JP" altLang="en-US" dirty="0" smtClean="0"/>
-              <a:t>的機能がほしい</a:t>
-            </a:r>
-            <a:endParaRPr lang="en-US" altLang="ja-JP" dirty="0" smtClean="0"/>
-          </a:p>
-          <a:p>
-            <a:pPr lvl="2"/>
-            <a:r>
-              <a:rPr lang="en-US" altLang="ja-JP" dirty="0"/>
-              <a:t>Data Binding</a:t>
-            </a:r>
-          </a:p>
-          <a:p>
-            <a:pPr lvl="2"/>
-            <a:r>
-              <a:rPr lang="en-US" altLang="ja-JP" dirty="0" err="1" smtClean="0"/>
-              <a:t>ConentControl</a:t>
-            </a:r>
-            <a:r>
-              <a:rPr lang="en-US" altLang="ja-JP" dirty="0" smtClean="0"/>
-              <a:t>, </a:t>
-            </a:r>
-            <a:r>
-              <a:rPr lang="en-US" altLang="ja-JP" dirty="0" err="1" smtClean="0"/>
-              <a:t>ItemsControl</a:t>
-            </a:r>
-            <a:endParaRPr lang="en-US" altLang="ja-JP" dirty="0" smtClean="0"/>
-          </a:p>
-          <a:p>
-            <a:pPr lvl="2"/>
-            <a:r>
-              <a:rPr kumimoji="1" lang="en-US" altLang="ja-JP" dirty="0" smtClean="0"/>
-              <a:t>UI</a:t>
-            </a:r>
-            <a:r>
-              <a:rPr kumimoji="1" lang="ja-JP" altLang="en-US" dirty="0" smtClean="0"/>
-              <a:t>仮想化</a:t>
+              <a:t>「ジョブが終わってるはずの時間」はクライアントで計算して、その時間になったら同期とか</a:t>
             </a:r>
             <a:endParaRPr kumimoji="1" lang="ja-JP" altLang="en-US" dirty="0"/>
           </a:p>
@@ -34558,13 +39743,20 @@
     </p:spTree>
     <p:extLst>
       <p:ext uri="{BB962C8B-B14F-4D97-AF65-F5344CB8AC3E}">
-        <p14:creationId xmlns:p14="http://schemas.microsoft.com/office/powerpoint/2010/main" val="1404024061"/>
+        <p14:creationId xmlns:p14="http://schemas.microsoft.com/office/powerpoint/2010/main" val="2246530146"/>
       </p:ext>
     </p:extLst>
   </p:cSld>
   <p:clrMapOvr>
     <a:masterClrMapping/>
   </p:clrMapOvr>
+  <p:timing>
+    <p:tnLst>
+      <p:par>
+        <p:cTn id="1" dur="indefinite" restart="never" nodeType="tmRoot"/>
+      </p:par>
+    </p:tnLst>
+  </p:timing>
 </p:sld>
 </file>
 
@@ -34621,15 +39813,19 @@
           <a:p>
             <a:r>
               <a:rPr kumimoji="1" lang="ja-JP" altLang="en-US" dirty="0" smtClean="0"/>
-              <a:t>ぶっちゃけていうと、</a:t>
-            </a:r>
-            <a:r>
-              <a:rPr lang="en-US" altLang="ja-JP" dirty="0" smtClean="0"/>
-              <a:t>Silverlight</a:t>
+              <a:t>ページに入ったタイミングで、そのページ中で使うデータ全部もらうとかいうゲームもあるけど、かなり重たい</a:t>
+            </a:r>
+            <a:endParaRPr kumimoji="1" lang="en-US" altLang="ja-JP" dirty="0" smtClean="0"/>
+          </a:p>
+          <a:p>
+            <a:pPr lvl="1"/>
+            <a:r>
+              <a:rPr lang="ja-JP" altLang="en-US" dirty="0"/>
+              <a:t>大半</a:t>
             </a:r>
             <a:r>
               <a:rPr lang="ja-JP" altLang="en-US" dirty="0" smtClean="0"/>
-              <a:t>がほしい</a:t>
+              <a:t>のデータは変化しない、差分は小さい</a:t>
             </a:r>
             <a:endParaRPr lang="en-US" altLang="ja-JP" dirty="0" smtClean="0"/>
           </a:p>
@@ -34637,94 +39833,54 @@
             <a:pPr lvl="1"/>
             <a:r>
               <a:rPr kumimoji="1" lang="ja-JP" altLang="en-US" dirty="0" smtClean="0"/>
-              <a:t>「ゲームだからゲーム フレームワーク」と思うんじゃなくて</a:t>
+              <a:t>差分更新がほしい</a:t>
             </a:r>
             <a:endParaRPr kumimoji="1" lang="en-US" altLang="ja-JP" dirty="0" smtClean="0"/>
           </a:p>
           <a:p>
+            <a:r>
+              <a:rPr lang="ja-JP" altLang="en-US" dirty="0" smtClean="0"/>
+              <a:t>経緯</a:t>
+            </a:r>
+            <a:endParaRPr lang="en-US" altLang="ja-JP" dirty="0" smtClean="0"/>
+          </a:p>
+          <a:p>
             <a:pPr lvl="1"/>
             <a:r>
-              <a:rPr lang="en-US" altLang="ja-JP" dirty="0" smtClean="0"/>
-              <a:t>UI</a:t>
-            </a:r>
+              <a:rPr kumimoji="1" lang="ja-JP" altLang="en-US" dirty="0" smtClean="0"/>
+              <a:t>昔、要るデータだけ取ってたら更新が保守しきれなくて心折れる</a:t>
+            </a:r>
+            <a:endParaRPr kumimoji="1" lang="en-US" altLang="ja-JP" dirty="0" smtClean="0"/>
+          </a:p>
+          <a:p>
+            <a:pPr lvl="1"/>
             <a:r>
               <a:rPr lang="ja-JP" altLang="en-US" dirty="0" smtClean="0"/>
-              <a:t>が得意なのは一般</a:t>
-            </a:r>
-            <a:r>
-              <a:rPr lang="en-US" altLang="ja-JP" dirty="0" smtClean="0"/>
-              <a:t>OS</a:t>
-            </a:r>
-            <a:r>
-              <a:rPr lang="ja-JP" altLang="en-US" dirty="0" err="1" smtClean="0"/>
-              <a:t>。</a:t>
+              <a:t>全同期やり始める</a:t>
+            </a:r>
+            <a:endParaRPr lang="en-US" altLang="ja-JP" dirty="0" smtClean="0"/>
+          </a:p>
+          <a:p>
+            <a:pPr lvl="1"/>
+            <a:r>
+              <a:rPr kumimoji="1" lang="ja-JP" altLang="en-US" dirty="0" smtClean="0"/>
+              <a:t>重たすぎてサーバー側に怒られる</a:t>
+            </a:r>
+            <a:endParaRPr kumimoji="1" lang="en-US" altLang="ja-JP" dirty="0" smtClean="0"/>
+          </a:p>
+          <a:p>
+            <a:pPr lvl="1"/>
+            <a:r>
+              <a:rPr lang="ja-JP" altLang="en-US" dirty="0" smtClean="0"/>
+              <a:t>差分</a:t>
             </a:r>
             <a:r>
               <a:rPr lang="ja-JP" altLang="en-US" dirty="0"/>
-              <a:t>突き詰</a:t>
+              <a:t>更新</a:t>
             </a:r>
             <a:r>
               <a:rPr lang="ja-JP" altLang="en-US" dirty="0" smtClean="0"/>
-              <a:t>めるとだいたいその</a:t>
-            </a:r>
-            <a:r>
-              <a:rPr lang="en-US" altLang="ja-JP" dirty="0" smtClean="0"/>
-              <a:t>UI</a:t>
-            </a:r>
-            <a:r>
-              <a:rPr lang="ja-JP" altLang="en-US" dirty="0" smtClean="0"/>
-              <a:t>フレームワークがやってることほしくなる</a:t>
-            </a:r>
-            <a:endParaRPr lang="en-US" altLang="ja-JP" dirty="0" smtClean="0"/>
-          </a:p>
-          <a:p>
-            <a:pPr lvl="1"/>
-            <a:r>
-              <a:rPr kumimoji="1" lang="en-US" altLang="ja-JP" dirty="0" smtClean="0"/>
-              <a:t>Win8</a:t>
-            </a:r>
-            <a:r>
-              <a:rPr kumimoji="1" lang="ja-JP" altLang="en-US" dirty="0" smtClean="0"/>
-              <a:t>アプリなんかだと、</a:t>
-            </a:r>
-            <a:r>
-              <a:rPr kumimoji="1" lang="en-US" altLang="ja-JP" dirty="0" smtClean="0"/>
-              <a:t>XAML</a:t>
-            </a:r>
-            <a:r>
-              <a:rPr lang="ja-JP" altLang="en-US" dirty="0"/>
-              <a:t> </a:t>
-            </a:r>
-            <a:r>
-              <a:rPr lang="en-US" altLang="ja-JP" dirty="0" smtClean="0"/>
-              <a:t>UI</a:t>
-            </a:r>
-            <a:r>
-              <a:rPr lang="ja-JP" altLang="en-US" dirty="0" smtClean="0"/>
-              <a:t>の上に</a:t>
-            </a:r>
-            <a:r>
-              <a:rPr lang="en-US" altLang="ja-JP" dirty="0" smtClean="0"/>
-              <a:t>Direct</a:t>
-            </a:r>
-            <a:r>
-              <a:rPr lang="ja-JP" altLang="en-US" dirty="0" smtClean="0"/>
-              <a:t> </a:t>
-            </a:r>
-            <a:r>
-              <a:rPr lang="en-US" altLang="ja-JP" dirty="0" smtClean="0"/>
-              <a:t>X</a:t>
-            </a:r>
-            <a:r>
-              <a:rPr lang="ja-JP" altLang="en-US" dirty="0" smtClean="0"/>
-              <a:t>サーフェス重ねるとかやれる</a:t>
-            </a:r>
-            <a:endParaRPr kumimoji="1" lang="en-US" altLang="ja-JP" dirty="0"/>
-          </a:p>
-          <a:p>
-            <a:r>
-              <a:rPr lang="ja-JP" altLang="en-US" dirty="0" smtClean="0"/>
-              <a:t>マップ表示とかだけかなぁ、ゲーム的な描画最適化頑張らないといけないの</a:t>
+              <a:t>をフレームワーク化、コード生成（今ここ）</a:t>
             </a:r>
             <a:endParaRPr kumimoji="1" lang="ja-JP" altLang="en-US" dirty="0"/>
           </a:p>
@@ -34733,13 +39889,20 @@
     </p:spTree>
     <p:extLst>
       <p:ext uri="{BB962C8B-B14F-4D97-AF65-F5344CB8AC3E}">
-        <p14:creationId xmlns:p14="http://schemas.microsoft.com/office/powerpoint/2010/main" val="4199267743"/>
+        <p14:creationId xmlns:p14="http://schemas.microsoft.com/office/powerpoint/2010/main" val="1137455177"/>
       </p:ext>
     </p:extLst>
   </p:cSld>
   <p:clrMapOvr>
     <a:masterClrMapping/>
   </p:clrMapOvr>
+  <p:timing>
+    <p:tnLst>
+      <p:par>
+        <p:cTn id="1" dur="indefinite" restart="never" nodeType="tmRoot"/>
+      </p:par>
+    </p:tnLst>
+  </p:timing>
 </p:sld>
 </file>
 
@@ -34795,99 +39958,59 @@
           <a:lstStyle/>
           <a:p>
             <a:r>
+              <a:rPr kumimoji="1" lang="en-US" altLang="ja-JP" dirty="0" err="1" smtClean="0"/>
+              <a:t>SyncResult</a:t>
+            </a:r>
+            <a:r>
               <a:rPr kumimoji="1" lang="en-US" altLang="ja-JP" dirty="0" smtClean="0"/>
-              <a:t>UI</a:t>
+              <a:t>, </a:t>
+            </a:r>
+            <a:r>
+              <a:rPr kumimoji="1" lang="en-US" altLang="ja-JP" dirty="0" err="1" smtClean="0"/>
+              <a:t>SyncDifference</a:t>
+            </a:r>
+            <a:r>
+              <a:rPr kumimoji="1" lang="en-US" altLang="ja-JP" dirty="0" smtClean="0"/>
+              <a:t>,</a:t>
             </a:r>
             <a:r>
               <a:rPr kumimoji="1" lang="ja-JP" altLang="en-US" dirty="0" smtClean="0"/>
-              <a:t>系は、「どこにどのデータを出したい」「データが更新されたらそこだけ更新掛けたい」が基本</a:t>
+              <a:t> </a:t>
+            </a:r>
+            <a:r>
+              <a:rPr kumimoji="1" lang="en-US" altLang="ja-JP" dirty="0" err="1" smtClean="0"/>
+              <a:t>SyncRepository</a:t>
             </a:r>
             <a:endParaRPr kumimoji="1" lang="en-US" altLang="ja-JP" dirty="0" smtClean="0"/>
           </a:p>
           <a:p>
+            <a:r>
+              <a:rPr lang="ja-JP" altLang="en-US" dirty="0" smtClean="0"/>
+              <a:t>インターフェイス</a:t>
+            </a:r>
+            <a:r>
+              <a:rPr lang="ja-JP" altLang="en-US" dirty="0"/>
+              <a:t>実装</a:t>
+            </a:r>
+            <a:r>
+              <a:rPr lang="ja-JP" altLang="en-US" dirty="0" smtClean="0"/>
+              <a:t>があったらリポジトリを更新する</a:t>
+            </a:r>
+            <a:endParaRPr lang="en-US" altLang="ja-JP" dirty="0" smtClean="0"/>
+          </a:p>
+          <a:p>
             <a:pPr lvl="1"/>
             <a:r>
-              <a:rPr lang="ja-JP" altLang="en-US" dirty="0" smtClean="0"/>
-              <a:t>クライアント系の</a:t>
-            </a:r>
-            <a:r>
-              <a:rPr lang="en-US" altLang="ja-JP" dirty="0" smtClean="0"/>
-              <a:t>MVC</a:t>
-            </a:r>
-            <a:r>
-              <a:rPr lang="ja-JP" altLang="en-US" dirty="0" smtClean="0"/>
-              <a:t>フレームワークはたいていそういう発想</a:t>
-            </a:r>
-            <a:endParaRPr lang="en-US" altLang="ja-JP" dirty="0" smtClean="0"/>
-          </a:p>
-          <a:p>
-            <a:pPr lvl="1"/>
-            <a:r>
               <a:rPr kumimoji="1" lang="ja-JP" altLang="en-US" dirty="0" smtClean="0"/>
-              <a:t>いわゆるオブザーバー パターンを、プロパティに対して適用</a:t>
-            </a:r>
-            <a:endParaRPr kumimoji="1" lang="en-US" altLang="ja-JP" dirty="0" smtClean="0"/>
-          </a:p>
-          <a:p>
-            <a:pPr lvl="1"/>
+              <a:t>通信</a:t>
+            </a:r>
             <a:r>
               <a:rPr kumimoji="1" lang="en-US" altLang="ja-JP" dirty="0" smtClean="0"/>
-              <a:t>C#</a:t>
+              <a:t>API</a:t>
             </a:r>
             <a:r>
               <a:rPr kumimoji="1" lang="ja-JP" altLang="en-US" dirty="0" smtClean="0"/>
-              <a:t>では </a:t>
-            </a:r>
-            <a:r>
-              <a:rPr kumimoji="1" lang="en-US" altLang="ja-JP" dirty="0" err="1" smtClean="0"/>
-              <a:t>INotifyPropertyChanged</a:t>
-            </a:r>
-            <a:r>
-              <a:rPr kumimoji="1" lang="en-US" altLang="ja-JP" dirty="0" smtClean="0"/>
-              <a:t> </a:t>
-            </a:r>
-            <a:r>
-              <a:rPr kumimoji="1" lang="ja-JP" altLang="en-US" dirty="0" smtClean="0"/>
-              <a:t>使う習慣がある</a:t>
-            </a:r>
-            <a:endParaRPr kumimoji="1" lang="en-US" altLang="ja-JP" dirty="0" smtClean="0"/>
-          </a:p>
-          <a:p>
-            <a:r>
-              <a:rPr lang="ja-JP" altLang="en-US" dirty="0" smtClean="0"/>
-              <a:t>このパターン守れないと</a:t>
-            </a:r>
-            <a:endParaRPr lang="en-US" altLang="ja-JP" dirty="0" smtClean="0"/>
-          </a:p>
-          <a:p>
-            <a:pPr lvl="1"/>
-            <a:r>
-              <a:rPr kumimoji="1" lang="ja-JP" altLang="en-US" dirty="0" smtClean="0"/>
-              <a:t>だいたいスパゲッティ化</a:t>
-            </a:r>
-            <a:endParaRPr kumimoji="1" lang="en-US" altLang="ja-JP" dirty="0" smtClean="0"/>
-          </a:p>
-          <a:p>
-            <a:pPr lvl="1"/>
-            <a:r>
-              <a:rPr lang="en-US" altLang="ja-JP" dirty="0"/>
-              <a:t>1</a:t>
-            </a:r>
-            <a:r>
-              <a:rPr lang="ja-JP" altLang="en-US" dirty="0"/>
-              <a:t>か</a:t>
-            </a:r>
-            <a:r>
-              <a:rPr lang="ja-JP" altLang="en-US" dirty="0" smtClean="0"/>
-              <a:t>所</a:t>
-            </a:r>
-            <a:r>
-              <a:rPr lang="ja-JP" altLang="en-US" dirty="0"/>
-              <a:t>更新</a:t>
-            </a:r>
-            <a:r>
-              <a:rPr lang="ja-JP" altLang="en-US" dirty="0" smtClean="0"/>
-              <a:t>でいいはずがページ全体更新とかになりがち。重たい</a:t>
+              <a:t>をコード生成で作ってるんだから、そのコード生成の仕組みに載せれば、もれなく更新できる</a:t>
             </a:r>
             <a:endParaRPr kumimoji="1" lang="ja-JP" altLang="en-US" dirty="0"/>
           </a:p>
@@ -34896,13 +40019,20 @@
     </p:spTree>
     <p:extLst>
       <p:ext uri="{BB962C8B-B14F-4D97-AF65-F5344CB8AC3E}">
-        <p14:creationId xmlns:p14="http://schemas.microsoft.com/office/powerpoint/2010/main" val="2484350710"/>
+        <p14:creationId xmlns:p14="http://schemas.microsoft.com/office/powerpoint/2010/main" val="223083663"/>
       </p:ext>
     </p:extLst>
   </p:cSld>
   <p:clrMapOvr>
     <a:masterClrMapping/>
   </p:clrMapOvr>
+  <p:timing>
+    <p:tnLst>
+      <p:par>
+        <p:cTn id="1" dur="indefinite" restart="never" nodeType="tmRoot"/>
+      </p:par>
+    </p:tnLst>
+  </p:timing>
 </p:sld>
 </file>
 
@@ -35076,19 +40206,71 @@
           <a:p>
             <a:r>
               <a:rPr kumimoji="1" lang="ja-JP" altLang="en-US" dirty="0" smtClean="0"/>
-              <a:t>ビューと、ビューに表示したいデータの分離</a:t>
+              <a:t>サーバーからは、正規化された状態のデータをもらってる</a:t>
             </a:r>
             <a:endParaRPr kumimoji="1" lang="en-US" altLang="ja-JP" dirty="0" smtClean="0"/>
           </a:p>
           <a:p>
             <a:pPr lvl="1"/>
             <a:r>
+              <a:rPr lang="ja-JP" altLang="en-US" dirty="0" smtClean="0"/>
+              <a:t>ユニットは装備</a:t>
+            </a:r>
+            <a:r>
+              <a:rPr lang="en-US" altLang="ja-JP" dirty="0" smtClean="0"/>
+              <a:t>ID</a:t>
+            </a:r>
+            <a:r>
+              <a:rPr lang="ja-JP" altLang="en-US" dirty="0" err="1" smtClean="0"/>
+              <a:t>だけ</a:t>
+            </a:r>
+            <a:r>
+              <a:rPr lang="ja-JP" altLang="en-US" dirty="0" smtClean="0"/>
+              <a:t>持ってるし、スキル学習</a:t>
+            </a:r>
+            <a:r>
+              <a:rPr lang="en-US" altLang="ja-JP" dirty="0" smtClean="0"/>
+              <a:t>ID</a:t>
+            </a:r>
+            <a:r>
+              <a:rPr lang="ja-JP" altLang="en-US" dirty="0" smtClean="0"/>
+              <a:t>とスキル経験値だけ持ってる</a:t>
+            </a:r>
+            <a:endParaRPr lang="en-US" altLang="ja-JP" dirty="0" smtClean="0"/>
+          </a:p>
+          <a:p>
+            <a:pPr lvl="1"/>
+            <a:r>
+              <a:rPr lang="ja-JP" altLang="en-US" dirty="0" smtClean="0"/>
+              <a:t>ユニット一覧、装備一覧、スキル学習マスター テーブルとかがある</a:t>
+            </a:r>
+            <a:endParaRPr lang="en-US" altLang="ja-JP" dirty="0" smtClean="0"/>
+          </a:p>
+          <a:p>
+            <a:pPr lvl="2"/>
+            <a:r>
+              <a:rPr lang="ja-JP" altLang="en-US" dirty="0" smtClean="0"/>
+              <a:t>クライアント上ロジックが結構あるんで、正規化されてないとデータ多重管理で結構死ねる</a:t>
+            </a:r>
+            <a:endParaRPr lang="en-US" altLang="ja-JP" dirty="0" smtClean="0"/>
+          </a:p>
+          <a:p>
+            <a:pPr lvl="2"/>
+            <a:r>
+              <a:rPr lang="ja-JP" altLang="en-US" dirty="0" smtClean="0"/>
+              <a:t>データ</a:t>
+            </a:r>
+            <a:r>
               <a:rPr lang="ja-JP" altLang="en-US" dirty="0"/>
-              <a:t>ナビゲーション</a:t>
+              <a:t>量</a:t>
             </a:r>
             <a:r>
               <a:rPr lang="ja-JP" altLang="en-US" dirty="0" smtClean="0"/>
-              <a:t>での「戻る」での復元</a:t>
+              <a:t>の</a:t>
+            </a:r>
+            <a:r>
+              <a:rPr lang="ja-JP" altLang="en-US" smtClean="0"/>
+              <a:t>問題もあるし、差分更新との相性も</a:t>
             </a:r>
             <a:endParaRPr lang="en-US" altLang="ja-JP" dirty="0" smtClean="0"/>
           </a:p>
@@ -35096,54 +40278,15 @@
             <a:pPr lvl="1"/>
             <a:r>
               <a:rPr kumimoji="1" lang="ja-JP" altLang="en-US" dirty="0" smtClean="0"/>
-              <a:t>後述する仮想化</a:t>
-            </a:r>
-            <a:endParaRPr kumimoji="1" lang="en-US" altLang="ja-JP" dirty="0" smtClean="0"/>
-          </a:p>
-          <a:p>
-            <a:r>
-              <a:rPr lang="ja-JP" altLang="en-US" dirty="0" smtClean="0"/>
-              <a:t>データ バインディング</a:t>
-            </a:r>
-            <a:endParaRPr lang="en-US" altLang="ja-JP" dirty="0" smtClean="0"/>
-          </a:p>
-          <a:p>
-            <a:pPr lvl="1"/>
-            <a:r>
-              <a:rPr lang="en-US" altLang="ja-JP" dirty="0" smtClean="0"/>
-              <a:t>Silverlight</a:t>
-            </a:r>
-            <a:r>
-              <a:rPr lang="ja-JP" altLang="en-US" dirty="0" smtClean="0"/>
-              <a:t>とかではリフレクションだらけなんだけど</a:t>
-            </a:r>
-            <a:endParaRPr lang="en-US" altLang="ja-JP" dirty="0" smtClean="0"/>
-          </a:p>
-          <a:p>
-            <a:pPr lvl="1"/>
+              <a:t>その参照関係解決も、</a:t>
+            </a:r>
             <a:r>
               <a:rPr kumimoji="1" lang="en-US" altLang="ja-JP" dirty="0" smtClean="0"/>
-              <a:t>iOS</a:t>
+              <a:t>Key</a:t>
             </a:r>
             <a:r>
               <a:rPr kumimoji="1" lang="ja-JP" altLang="en-US" dirty="0" smtClean="0"/>
-              <a:t>向けに、コード生成</a:t>
-            </a:r>
-            <a:r>
-              <a:rPr kumimoji="1" lang="en-US" altLang="ja-JP" dirty="0" smtClean="0"/>
-              <a:t>(Unity</a:t>
-            </a:r>
-            <a:r>
-              <a:rPr kumimoji="1" lang="ja-JP" altLang="en-US" dirty="0" smtClean="0"/>
-              <a:t>エディター拡張</a:t>
-            </a:r>
-            <a:r>
-              <a:rPr kumimoji="1" lang="en-US" altLang="ja-JP" dirty="0" smtClean="0"/>
-              <a:t>)</a:t>
-            </a:r>
-            <a:r>
-              <a:rPr kumimoji="1" lang="ja-JP" altLang="en-US" dirty="0" smtClean="0"/>
-              <a:t>でやってる</a:t>
+              <a:t>属性からのコード生成</a:t>
             </a:r>
             <a:endParaRPr kumimoji="1" lang="ja-JP" altLang="en-US" dirty="0"/>
           </a:p>
@@ -35152,13 +40295,20 @@
     </p:spTree>
     <p:extLst>
       <p:ext uri="{BB962C8B-B14F-4D97-AF65-F5344CB8AC3E}">
-        <p14:creationId xmlns:p14="http://schemas.microsoft.com/office/powerpoint/2010/main" val="3771722338"/>
+        <p14:creationId xmlns:p14="http://schemas.microsoft.com/office/powerpoint/2010/main" val="1344909001"/>
       </p:ext>
     </p:extLst>
   </p:cSld>
   <p:clrMapOvr>
     <a:masterClrMapping/>
   </p:clrMapOvr>
+  <p:timing>
+    <p:tnLst>
+      <p:par>
+        <p:cTn id="1" dur="indefinite" restart="never" nodeType="tmRoot"/>
+      </p:par>
+    </p:tnLst>
+  </p:timing>
 </p:sld>
 </file>
 
@@ -35214,91 +40364,108 @@
           <a:lstStyle/>
           <a:p>
             <a:r>
+              <a:rPr kumimoji="1" lang="ja-JP" altLang="en-US" dirty="0" smtClean="0"/>
+              <a:t>サーバーとの同期でインスタンスが変わる</a:t>
+            </a:r>
+            <a:endParaRPr kumimoji="1" lang="en-US" altLang="ja-JP" dirty="0" smtClean="0"/>
+          </a:p>
+          <a:p>
+            <a:pPr lvl="1"/>
+            <a:r>
+              <a:rPr lang="ja-JP" altLang="en-US" dirty="0" smtClean="0"/>
+              <a:t>ページのリロードとかなしで画面を更新したかったら、「この</a:t>
+            </a:r>
+            <a:r>
+              <a:rPr lang="en-US" altLang="ja-JP" dirty="0" smtClean="0"/>
+              <a:t>ID</a:t>
+            </a:r>
+            <a:r>
+              <a:rPr lang="ja-JP" altLang="en-US" dirty="0" smtClean="0"/>
+              <a:t>のユニットはサーバーによって更新された」みたいな通知が必要</a:t>
+            </a:r>
+            <a:endParaRPr lang="en-US" altLang="ja-JP" dirty="0" smtClean="0"/>
+          </a:p>
+          <a:p>
+            <a:pPr lvl="1"/>
+            <a:r>
+              <a:rPr kumimoji="1" lang="en-US" altLang="ja-JP" dirty="0" smtClean="0"/>
+              <a:t>reactive</a:t>
+            </a:r>
+            <a:endParaRPr lang="en-US" altLang="ja-JP" dirty="0"/>
+          </a:p>
+          <a:p>
+            <a:pPr lvl="1"/>
+            <a:endParaRPr kumimoji="1" lang="en-US" altLang="ja-JP" dirty="0" smtClean="0"/>
+          </a:p>
+          <a:p>
+            <a:pPr lvl="1"/>
+            <a:r>
+              <a:rPr lang="en-US" altLang="ja-JP" dirty="0" smtClean="0"/>
+              <a:t>Inventory</a:t>
+            </a:r>
+            <a:r>
+              <a:rPr lang="ja-JP" altLang="en-US" dirty="0" smtClean="0"/>
+              <a:t>クラス</a:t>
+            </a:r>
+            <a:endParaRPr lang="en-US" altLang="ja-JP" dirty="0" smtClean="0"/>
+          </a:p>
+          <a:p>
+            <a:pPr lvl="2"/>
+            <a:r>
+              <a:rPr kumimoji="1" lang="ja-JP" altLang="en-US" dirty="0" smtClean="0"/>
+              <a:t>現在値が取れる</a:t>
+            </a:r>
+            <a:endParaRPr kumimoji="1" lang="en-US" altLang="ja-JP" dirty="0" smtClean="0"/>
+          </a:p>
+          <a:p>
+            <a:pPr lvl="2"/>
+            <a:r>
+              <a:rPr lang="ja-JP" altLang="en-US" dirty="0" smtClean="0"/>
+              <a:t>更新通知</a:t>
+            </a:r>
+            <a:r>
+              <a:rPr lang="ja-JP" altLang="en-US" dirty="0"/>
+              <a:t>イベント</a:t>
+            </a:r>
+            <a:r>
+              <a:rPr lang="ja-JP" altLang="en-US" dirty="0" smtClean="0"/>
+              <a:t>を持ってる</a:t>
+            </a:r>
+            <a:endParaRPr lang="en-US" altLang="ja-JP" dirty="0" smtClean="0"/>
+          </a:p>
+          <a:p>
+            <a:pPr lvl="2"/>
+            <a:r>
               <a:rPr kumimoji="1" lang="en-US" altLang="ja-JP" dirty="0" err="1" smtClean="0"/>
-              <a:t>ContentControl</a:t>
-            </a:r>
+              <a:t>IEnumerable</a:t>
+            </a:r>
+            <a:r>
+              <a:rPr lang="ja-JP" altLang="en-US" dirty="0" smtClean="0"/>
+              <a:t>かつ</a:t>
+            </a:r>
+            <a:r>
+              <a:rPr lang="en-US" altLang="ja-JP" dirty="0" err="1" smtClean="0"/>
+              <a:t>IObservable</a:t>
+            </a:r>
+            <a:endParaRPr lang="en-US" altLang="ja-JP" dirty="0" smtClean="0"/>
+          </a:p>
+          <a:p>
+            <a:pPr lvl="3"/>
             <a:r>
               <a:rPr kumimoji="1" lang="en-US" altLang="ja-JP" dirty="0" smtClean="0"/>
-              <a:t>,</a:t>
+              <a:t>Where,</a:t>
+            </a:r>
+            <a:r>
+              <a:rPr kumimoji="1" lang="ja-JP" altLang="en-US" dirty="0"/>
+              <a:t> </a:t>
+            </a:r>
+            <a:r>
+              <a:rPr kumimoji="1" lang="en-US" altLang="ja-JP" dirty="0" smtClean="0"/>
+              <a:t>Select</a:t>
             </a:r>
             <a:r>
               <a:rPr kumimoji="1" lang="ja-JP" altLang="en-US" dirty="0" smtClean="0"/>
-              <a:t> </a:t>
-            </a:r>
-            <a:r>
-              <a:rPr kumimoji="1" lang="en-US" altLang="ja-JP" dirty="0" err="1" smtClean="0"/>
-              <a:t>ItemsControl</a:t>
-            </a:r>
-            <a:endParaRPr kumimoji="1" lang="en-US" altLang="ja-JP" dirty="0" smtClean="0"/>
-          </a:p>
-          <a:p>
-            <a:r>
-              <a:rPr lang="ja-JP" altLang="en-US" dirty="0" smtClean="0"/>
-              <a:t>たいていの</a:t>
-            </a:r>
-            <a:r>
-              <a:rPr lang="en-US" altLang="ja-JP" dirty="0" smtClean="0"/>
-              <a:t>UI</a:t>
-            </a:r>
-            <a:r>
-              <a:rPr lang="ja-JP" altLang="en-US" dirty="0" smtClean="0"/>
-              <a:t>は、</a:t>
-            </a:r>
-            <a:endParaRPr lang="en-US" altLang="ja-JP" dirty="0" smtClean="0"/>
-          </a:p>
-          <a:p>
-            <a:pPr lvl="1"/>
-            <a:r>
-              <a:rPr kumimoji="1" lang="ja-JP" altLang="en-US" dirty="0" smtClean="0"/>
-              <a:t>「このデータ型に対して、このプレハブを作りたい」みたいな要件ばっかり</a:t>
-            </a:r>
-            <a:endParaRPr kumimoji="1" lang="en-US" altLang="ja-JP" dirty="0" smtClean="0"/>
-          </a:p>
-          <a:p>
-            <a:pPr lvl="1"/>
-            <a:r>
-              <a:rPr lang="en-US" altLang="ja-JP" dirty="0" smtClean="0"/>
-              <a:t>Unity</a:t>
-            </a:r>
-            <a:r>
-              <a:rPr lang="ja-JP" altLang="en-US" dirty="0" smtClean="0"/>
-              <a:t>インスペクターでプレハブを刺しとく</a:t>
-            </a:r>
-            <a:endParaRPr lang="en-US" altLang="ja-JP" dirty="0" smtClean="0"/>
-          </a:p>
-          <a:p>
-            <a:pPr lvl="1"/>
-            <a:r>
-              <a:rPr kumimoji="1" lang="en-US" altLang="ja-JP" dirty="0" smtClean="0"/>
-              <a:t>1</a:t>
-            </a:r>
-            <a:r>
-              <a:rPr kumimoji="1" lang="ja-JP" altLang="en-US" dirty="0" smtClean="0"/>
-              <a:t>要素</a:t>
-            </a:r>
-            <a:r>
-              <a:rPr kumimoji="1" lang="ja-JP" altLang="en-US" dirty="0"/>
-              <a:t>版</a:t>
-            </a:r>
-            <a:r>
-              <a:rPr kumimoji="1" lang="ja-JP" altLang="en-US" dirty="0" smtClean="0"/>
-              <a:t>が</a:t>
-            </a:r>
-            <a:r>
-              <a:rPr kumimoji="1" lang="en-US" altLang="ja-JP" dirty="0" smtClean="0"/>
-              <a:t>Content</a:t>
-            </a:r>
-            <a:r>
-              <a:rPr kumimoji="1" lang="ja-JP" altLang="en-US" dirty="0" err="1" smtClean="0"/>
-              <a:t>、</a:t>
-            </a:r>
-            <a:r>
-              <a:rPr kumimoji="1" lang="ja-JP" altLang="en-US" dirty="0" smtClean="0"/>
-              <a:t>リスト版が</a:t>
-            </a:r>
-            <a:r>
-              <a:rPr kumimoji="1" lang="en-US" altLang="ja-JP" dirty="0" smtClean="0"/>
-              <a:t>Items</a:t>
+              <a:t> 可能</a:t>
             </a:r>
             <a:endParaRPr kumimoji="1" lang="ja-JP" altLang="en-US" dirty="0"/>
           </a:p>
@@ -35307,13 +40474,20 @@
     </p:spTree>
     <p:extLst>
       <p:ext uri="{BB962C8B-B14F-4D97-AF65-F5344CB8AC3E}">
-        <p14:creationId xmlns:p14="http://schemas.microsoft.com/office/powerpoint/2010/main" val="16942979"/>
+        <p14:creationId xmlns:p14="http://schemas.microsoft.com/office/powerpoint/2010/main" val="1617238274"/>
       </p:ext>
     </p:extLst>
   </p:cSld>
   <p:clrMapOvr>
     <a:masterClrMapping/>
   </p:clrMapOvr>
+  <p:timing>
+    <p:tnLst>
+      <p:par>
+        <p:cTn id="1" dur="indefinite" restart="never" nodeType="tmRoot"/>
+      </p:par>
+    </p:tnLst>
+  </p:timing>
 </p:sld>
 </file>
 
@@ -35369,78 +40543,151 @@
           <a:lstStyle/>
           <a:p>
             <a:r>
+              <a:rPr kumimoji="1" lang="en-US" altLang="ja-JP" dirty="0" err="1" smtClean="0"/>
+              <a:t>IObservable</a:t>
+            </a:r>
+            <a:r>
               <a:rPr kumimoji="1" lang="ja-JP" altLang="en-US" dirty="0" smtClean="0"/>
-              <a:t>仮想化</a:t>
+              <a:t>使ってないのよね</a:t>
             </a:r>
             <a:endParaRPr kumimoji="1" lang="en-US" altLang="ja-JP" dirty="0" smtClean="0"/>
           </a:p>
           <a:p>
             <a:pPr lvl="1"/>
             <a:r>
+              <a:rPr lang="en-US" altLang="ja-JP" dirty="0" err="1" smtClean="0"/>
+              <a:t>IEvent</a:t>
+            </a:r>
+            <a:r>
+              <a:rPr lang="en-US" altLang="ja-JP" dirty="0" smtClean="0"/>
+              <a:t>&lt;T&gt;</a:t>
+            </a:r>
+            <a:r>
               <a:rPr lang="ja-JP" altLang="en-US" dirty="0" smtClean="0"/>
-              <a:t>リストのうちの、画面に見えてる範囲だけ、プレハブを</a:t>
+              <a:t> ≒ </a:t>
+            </a:r>
+            <a:r>
+              <a:rPr lang="en-US" altLang="ja-JP" dirty="0" err="1" smtClean="0"/>
+              <a:t>IObservable</a:t>
             </a:r>
             <a:r>
               <a:rPr lang="en-US" altLang="ja-JP" dirty="0" smtClean="0"/>
-              <a:t>Instantiate</a:t>
-            </a:r>
+              <a:t>&lt;</a:t>
+            </a:r>
+            <a:r>
+              <a:rPr lang="en-US" altLang="ja-JP" dirty="0" err="1" smtClean="0"/>
+              <a:t>EventPettern</a:t>
+            </a:r>
+            <a:r>
+              <a:rPr lang="en-US" altLang="ja-JP" dirty="0" smtClean="0"/>
+              <a:t>&lt;T&gt;&gt;</a:t>
+            </a:r>
+          </a:p>
+          <a:p>
+            <a:pPr lvl="2"/>
+            <a:r>
+              <a:rPr kumimoji="1" lang="en-US" altLang="ja-JP" dirty="0" smtClean="0"/>
+              <a:t>Unity</a:t>
+            </a:r>
+            <a:r>
+              <a:rPr kumimoji="1" lang="ja-JP" altLang="en-US" dirty="0" smtClean="0"/>
+              <a:t>がシングル スレッド動作なので、同時実行制御だけさぼってる</a:t>
+            </a:r>
+            <a:endParaRPr kumimoji="1" lang="en-US" altLang="ja-JP" dirty="0" smtClean="0"/>
           </a:p>
           <a:p>
             <a:pPr lvl="1"/>
             <a:r>
-              <a:rPr kumimoji="1" lang="ja-JP" altLang="en-US" dirty="0"/>
-              <a:t>残</a:t>
+              <a:rPr lang="en-US" altLang="ja-JP" dirty="0" smtClean="0"/>
+              <a:t>sender</a:t>
+            </a:r>
+            <a:r>
+              <a:rPr lang="ja-JP" altLang="en-US" dirty="0" smtClean="0"/>
+              <a:t> → でも結局、</a:t>
+            </a:r>
+            <a:r>
+              <a:rPr lang="en-US" altLang="ja-JP" dirty="0" smtClean="0"/>
+              <a:t>sender</a:t>
+            </a:r>
+            <a:r>
+              <a:rPr lang="ja-JP" altLang="en-US" dirty="0" smtClean="0"/>
+              <a:t>使ってない。</a:t>
+            </a:r>
+            <a:r>
+              <a:rPr lang="en-US" altLang="ja-JP" dirty="0" smtClean="0"/>
+              <a:t>IO</a:t>
+            </a:r>
+            <a:r>
+              <a:rPr lang="ja-JP" altLang="en-US" dirty="0" err="1" smtClean="0"/>
+              <a:t>で</a:t>
+            </a:r>
+            <a:r>
+              <a:rPr lang="ja-JP" altLang="en-US" dirty="0" smtClean="0"/>
+              <a:t>よかった</a:t>
+            </a:r>
+            <a:endParaRPr lang="en-US" altLang="ja-JP" dirty="0" smtClean="0"/>
+          </a:p>
+          <a:p>
+            <a:pPr lvl="1"/>
+            <a:r>
+              <a:rPr kumimoji="1" lang="en-US" altLang="ja-JP" dirty="0" smtClean="0"/>
+              <a:t>Rx</a:t>
             </a:r>
             <a:r>
               <a:rPr kumimoji="1" lang="ja-JP" altLang="en-US" dirty="0" smtClean="0"/>
-              <a:t>りは作らない、隠れたら消す</a:t>
+              <a:t>に移行しようか悩み中</a:t>
             </a:r>
             <a:endParaRPr kumimoji="1" lang="en-US" altLang="ja-JP" dirty="0" smtClean="0"/>
           </a:p>
           <a:p>
             <a:pPr lvl="1"/>
             <a:r>
+              <a:rPr lang="en-US" altLang="ja-JP" dirty="0" err="1" smtClean="0"/>
+              <a:t>IEvent</a:t>
+            </a:r>
+            <a:r>
               <a:rPr lang="ja-JP" altLang="en-US" dirty="0" smtClean="0"/>
-              <a:t>データ分離してないとできない。ビューにデータ持ってても消える・上書きされる</a:t>
-            </a:r>
-            <a:endParaRPr lang="en-US" altLang="ja-JP" dirty="0" smtClean="0"/>
-          </a:p>
-          <a:p>
-            <a:r>
-              <a:rPr kumimoji="1" lang="ja-JP" altLang="en-US" dirty="0" smtClean="0"/>
-              <a:t>これやらないと</a:t>
-            </a:r>
-            <a:endParaRPr kumimoji="1" lang="en-US" altLang="ja-JP" dirty="0" smtClean="0"/>
-          </a:p>
-          <a:p>
-            <a:pPr lvl="1"/>
+              <a:t>に対して、</a:t>
+            </a:r>
+            <a:r>
+              <a:rPr lang="en-US" altLang="ja-JP" dirty="0" smtClean="0"/>
+              <a:t>Rx</a:t>
+            </a:r>
             <a:r>
               <a:rPr lang="ja-JP" altLang="en-US" dirty="0" smtClean="0"/>
-              <a:t>「アイテムは</a:t>
+              <a:t>と同じような、</a:t>
             </a:r>
             <a:r>
               <a:rPr lang="en-US" altLang="ja-JP" dirty="0" smtClean="0"/>
-              <a:t>100</a:t>
+              <a:t>Subject,</a:t>
             </a:r>
             <a:r>
               <a:rPr lang="ja-JP" altLang="en-US" dirty="0" smtClean="0"/>
-              <a:t>個までしか持てません。でないと一覧画面に入るのに</a:t>
+              <a:t> </a:t>
             </a:r>
             <a:r>
               <a:rPr lang="en-US" altLang="ja-JP" dirty="0" smtClean="0"/>
-              <a:t>2</a:t>
+              <a:t>Where,</a:t>
             </a:r>
             <a:r>
               <a:rPr lang="ja-JP" altLang="en-US" dirty="0" smtClean="0"/>
-              <a:t>秒かかるし、スクロールが重たすぎてプレイに支障出ます」みたいなゲームになる</a:t>
-            </a:r>
-            <a:endParaRPr lang="en-US" altLang="ja-JP" dirty="0" smtClean="0"/>
-          </a:p>
-          <a:p>
-            <a:pPr lvl="1"/>
-            <a:r>
-              <a:rPr kumimoji="1" lang="ja-JP" altLang="en-US" dirty="0" smtClean="0"/>
-              <a:t>実際、表示都合で個数制限かかってるゲーム結構ある</a:t>
+              <a:t> </a:t>
+            </a:r>
+            <a:r>
+              <a:rPr lang="en-US" altLang="ja-JP" dirty="0" smtClean="0"/>
+              <a:t>Select,</a:t>
+            </a:r>
+            <a:r>
+              <a:rPr lang="ja-JP" altLang="en-US" dirty="0" smtClean="0"/>
+              <a:t> </a:t>
+            </a:r>
+            <a:r>
+              <a:rPr lang="en-US" altLang="ja-JP" dirty="0" smtClean="0"/>
+              <a:t>Subscribe</a:t>
+            </a:r>
+            <a:r>
+              <a:rPr lang="ja-JP" altLang="en-US" dirty="0" smtClean="0"/>
+              <a:t>実装してる</a:t>
             </a:r>
             <a:endParaRPr kumimoji="1" lang="ja-JP" altLang="en-US" dirty="0"/>
           </a:p>
@@ -35449,13 +40696,20 @@
     </p:spTree>
     <p:extLst>
       <p:ext uri="{BB962C8B-B14F-4D97-AF65-F5344CB8AC3E}">
-        <p14:creationId xmlns:p14="http://schemas.microsoft.com/office/powerpoint/2010/main" val="3187862995"/>
+        <p14:creationId xmlns:p14="http://schemas.microsoft.com/office/powerpoint/2010/main" val="1221440194"/>
       </p:ext>
     </p:extLst>
   </p:cSld>
   <p:clrMapOvr>
     <a:masterClrMapping/>
   </p:clrMapOvr>
+  <p:timing>
+    <p:tnLst>
+      <p:par>
+        <p:cTn id="1" dur="indefinite" restart="never" nodeType="tmRoot"/>
+      </p:par>
+    </p:tnLst>
+  </p:timing>
 </p:sld>
 </file>
 
@@ -35491,6 +40745,946 @@
           <a:bodyPr/>
           <a:lstStyle/>
           <a:p>
+            <a:endParaRPr kumimoji="1" lang="ja-JP" altLang="en-US"/>
+          </a:p>
+        </p:txBody>
+      </p:sp>
+      <p:sp>
+        <p:nvSpPr>
+          <p:cNvPr id="3" name="コンテンツ プレースホルダー 2"/>
+          <p:cNvSpPr>
+            <a:spLocks noGrp="1"/>
+          </p:cNvSpPr>
+          <p:nvPr>
+            <p:ph idx="1"/>
+          </p:nvPr>
+        </p:nvSpPr>
+        <p:spPr/>
+        <p:txBody>
+          <a:bodyPr/>
+          <a:lstStyle/>
+          <a:p>
+            <a:r>
+              <a:rPr kumimoji="1" lang="ja-JP" altLang="en-US" dirty="0" smtClean="0"/>
+              <a:t>当初説明した通り、作ってるゲームの性質的には</a:t>
+            </a:r>
+            <a:r>
+              <a:rPr kumimoji="1" lang="en-US" altLang="ja-JP" dirty="0" smtClean="0"/>
+              <a:t>UI</a:t>
+            </a:r>
+            <a:r>
+              <a:rPr kumimoji="1" lang="ja-JP" altLang="en-US" dirty="0" smtClean="0"/>
+              <a:t>フレームワーク中心になるんだけど</a:t>
+            </a:r>
+            <a:endParaRPr kumimoji="1" lang="en-US" altLang="ja-JP" dirty="0" smtClean="0"/>
+          </a:p>
+          <a:p>
+            <a:pPr lvl="1"/>
+            <a:r>
+              <a:rPr kumimoji="1" lang="en-US" altLang="ja-JP" dirty="0" smtClean="0"/>
+              <a:t>3D</a:t>
+            </a:r>
+            <a:r>
+              <a:rPr kumimoji="1" lang="ja-JP" altLang="en-US" dirty="0" smtClean="0"/>
+              <a:t>とか物理エンジンとか</a:t>
+            </a:r>
+            <a:r>
+              <a:rPr kumimoji="1" lang="en-US" altLang="ja-JP" dirty="0" smtClean="0"/>
+              <a:t>object</a:t>
+            </a:r>
+            <a:r>
+              <a:rPr kumimoji="1" lang="ja-JP" altLang="en-US" dirty="0" smtClean="0"/>
+              <a:t> </a:t>
+            </a:r>
+            <a:r>
+              <a:rPr kumimoji="1" lang="en-US" altLang="ja-JP" dirty="0" smtClean="0"/>
+              <a:t>navigation</a:t>
+            </a:r>
+            <a:r>
+              <a:rPr kumimoji="1" lang="ja-JP" altLang="en-US" dirty="0" smtClean="0"/>
+              <a:t>とか要らない</a:t>
+            </a:r>
+            <a:endParaRPr kumimoji="1" lang="en-US" altLang="ja-JP" dirty="0" smtClean="0"/>
+          </a:p>
+          <a:p>
+            <a:pPr lvl="1"/>
+            <a:r>
+              <a:rPr lang="ja-JP" altLang="en-US" dirty="0" smtClean="0"/>
+              <a:t>むしろ、</a:t>
+            </a:r>
+            <a:r>
+              <a:rPr lang="en-US" altLang="ja-JP" dirty="0" smtClean="0"/>
+              <a:t>XAML</a:t>
+            </a:r>
+            <a:r>
+              <a:rPr lang="ja-JP" altLang="en-US" dirty="0" smtClean="0"/>
+              <a:t>的機能がほしい</a:t>
+            </a:r>
+            <a:endParaRPr lang="en-US" altLang="ja-JP" dirty="0" smtClean="0"/>
+          </a:p>
+          <a:p>
+            <a:pPr lvl="2"/>
+            <a:r>
+              <a:rPr lang="en-US" altLang="ja-JP" dirty="0"/>
+              <a:t>Data Binding</a:t>
+            </a:r>
+          </a:p>
+          <a:p>
+            <a:pPr lvl="2"/>
+            <a:r>
+              <a:rPr lang="en-US" altLang="ja-JP" dirty="0" err="1" smtClean="0"/>
+              <a:t>ConentControl</a:t>
+            </a:r>
+            <a:r>
+              <a:rPr lang="en-US" altLang="ja-JP" dirty="0" smtClean="0"/>
+              <a:t>, </a:t>
+            </a:r>
+            <a:r>
+              <a:rPr lang="en-US" altLang="ja-JP" dirty="0" err="1" smtClean="0"/>
+              <a:t>ItemsControl</a:t>
+            </a:r>
+            <a:endParaRPr lang="en-US" altLang="ja-JP" dirty="0" smtClean="0"/>
+          </a:p>
+          <a:p>
+            <a:pPr lvl="2"/>
+            <a:r>
+              <a:rPr kumimoji="1" lang="en-US" altLang="ja-JP" dirty="0" smtClean="0"/>
+              <a:t>UI</a:t>
+            </a:r>
+            <a:r>
+              <a:rPr kumimoji="1" lang="ja-JP" altLang="en-US" dirty="0" smtClean="0"/>
+              <a:t>仮想化</a:t>
+            </a:r>
+            <a:endParaRPr kumimoji="1" lang="ja-JP" altLang="en-US" dirty="0"/>
+          </a:p>
+        </p:txBody>
+      </p:sp>
+    </p:spTree>
+    <p:extLst>
+      <p:ext uri="{BB962C8B-B14F-4D97-AF65-F5344CB8AC3E}">
+        <p14:creationId xmlns:p14="http://schemas.microsoft.com/office/powerpoint/2010/main" val="1404024061"/>
+      </p:ext>
+    </p:extLst>
+  </p:cSld>
+  <p:clrMapOvr>
+    <a:masterClrMapping/>
+  </p:clrMapOvr>
+  <p:timing>
+    <p:tnLst>
+      <p:par>
+        <p:cTn id="1" dur="indefinite" restart="never" nodeType="tmRoot"/>
+      </p:par>
+    </p:tnLst>
+  </p:timing>
+</p:sld>
+</file>
+
+<file path=ppt/slides/slide64.xml><?xml version="1.0" encoding="utf-8"?>
+<p:sld xmlns:a="http://schemas.openxmlformats.org/drawingml/2006/main" xmlns:r="http://schemas.openxmlformats.org/officeDocument/2006/relationships" xmlns:p="http://schemas.openxmlformats.org/presentationml/2006/main">
+  <p:cSld>
+    <p:spTree>
+      <p:nvGrpSpPr>
+        <p:cNvPr id="1" name=""/>
+        <p:cNvGrpSpPr/>
+        <p:nvPr/>
+      </p:nvGrpSpPr>
+      <p:grpSpPr>
+        <a:xfrm>
+          <a:off x="0" y="0"/>
+          <a:ext cx="0" cy="0"/>
+          <a:chOff x="0" y="0"/>
+          <a:chExt cx="0" cy="0"/>
+        </a:xfrm>
+      </p:grpSpPr>
+      <p:sp>
+        <p:nvSpPr>
+          <p:cNvPr id="2" name="タイトル 1"/>
+          <p:cNvSpPr>
+            <a:spLocks noGrp="1"/>
+          </p:cNvSpPr>
+          <p:nvPr>
+            <p:ph type="title"/>
+          </p:nvPr>
+        </p:nvSpPr>
+        <p:spPr/>
+        <p:txBody>
+          <a:bodyPr/>
+          <a:lstStyle/>
+          <a:p>
+            <a:endParaRPr kumimoji="1" lang="ja-JP" altLang="en-US"/>
+          </a:p>
+        </p:txBody>
+      </p:sp>
+      <p:sp>
+        <p:nvSpPr>
+          <p:cNvPr id="3" name="コンテンツ プレースホルダー 2"/>
+          <p:cNvSpPr>
+            <a:spLocks noGrp="1"/>
+          </p:cNvSpPr>
+          <p:nvPr>
+            <p:ph idx="1"/>
+          </p:nvPr>
+        </p:nvSpPr>
+        <p:spPr/>
+        <p:txBody>
+          <a:bodyPr/>
+          <a:lstStyle/>
+          <a:p>
+            <a:r>
+              <a:rPr kumimoji="1" lang="ja-JP" altLang="en-US" dirty="0" smtClean="0"/>
+              <a:t>ぶっちゃけていうと、</a:t>
+            </a:r>
+            <a:r>
+              <a:rPr lang="en-US" altLang="ja-JP" dirty="0" smtClean="0"/>
+              <a:t>Silverlight</a:t>
+            </a:r>
+            <a:r>
+              <a:rPr lang="ja-JP" altLang="en-US" dirty="0" smtClean="0"/>
+              <a:t>がほしい</a:t>
+            </a:r>
+            <a:endParaRPr lang="en-US" altLang="ja-JP" dirty="0" smtClean="0"/>
+          </a:p>
+          <a:p>
+            <a:pPr lvl="1"/>
+            <a:r>
+              <a:rPr kumimoji="1" lang="ja-JP" altLang="en-US" dirty="0" smtClean="0"/>
+              <a:t>「ゲームだからゲーム フレームワーク」と思うんじゃなくて</a:t>
+            </a:r>
+            <a:endParaRPr kumimoji="1" lang="en-US" altLang="ja-JP" dirty="0" smtClean="0"/>
+          </a:p>
+          <a:p>
+            <a:pPr lvl="1"/>
+            <a:r>
+              <a:rPr lang="en-US" altLang="ja-JP" dirty="0" smtClean="0"/>
+              <a:t>UI</a:t>
+            </a:r>
+            <a:r>
+              <a:rPr lang="ja-JP" altLang="en-US" dirty="0" smtClean="0"/>
+              <a:t>が得意なのは一般</a:t>
+            </a:r>
+            <a:r>
+              <a:rPr lang="en-US" altLang="ja-JP" dirty="0" smtClean="0"/>
+              <a:t>OS</a:t>
+            </a:r>
+            <a:r>
+              <a:rPr lang="ja-JP" altLang="en-US" dirty="0" err="1" smtClean="0"/>
+              <a:t>。</a:t>
+            </a:r>
+            <a:r>
+              <a:rPr lang="ja-JP" altLang="en-US" dirty="0"/>
+              <a:t>突き詰</a:t>
+            </a:r>
+            <a:r>
+              <a:rPr lang="ja-JP" altLang="en-US" dirty="0" smtClean="0"/>
+              <a:t>めるとだいたいその</a:t>
+            </a:r>
+            <a:r>
+              <a:rPr lang="en-US" altLang="ja-JP" dirty="0" smtClean="0"/>
+              <a:t>UI</a:t>
+            </a:r>
+            <a:r>
+              <a:rPr lang="ja-JP" altLang="en-US" dirty="0" smtClean="0"/>
+              <a:t>フレームワークがやってることほしくなる</a:t>
+            </a:r>
+            <a:endParaRPr lang="en-US" altLang="ja-JP" dirty="0" smtClean="0"/>
+          </a:p>
+          <a:p>
+            <a:pPr lvl="1"/>
+            <a:r>
+              <a:rPr kumimoji="1" lang="en-US" altLang="ja-JP" dirty="0" smtClean="0"/>
+              <a:t>Win8</a:t>
+            </a:r>
+            <a:r>
+              <a:rPr kumimoji="1" lang="ja-JP" altLang="en-US" dirty="0" smtClean="0"/>
+              <a:t>アプリなんかだと、</a:t>
+            </a:r>
+            <a:r>
+              <a:rPr kumimoji="1" lang="en-US" altLang="ja-JP" dirty="0" smtClean="0"/>
+              <a:t>XAML</a:t>
+            </a:r>
+            <a:r>
+              <a:rPr lang="ja-JP" altLang="en-US" dirty="0"/>
+              <a:t> </a:t>
+            </a:r>
+            <a:r>
+              <a:rPr lang="en-US" altLang="ja-JP" dirty="0" smtClean="0"/>
+              <a:t>UI</a:t>
+            </a:r>
+            <a:r>
+              <a:rPr lang="ja-JP" altLang="en-US" dirty="0" smtClean="0"/>
+              <a:t>の上に</a:t>
+            </a:r>
+            <a:r>
+              <a:rPr lang="en-US" altLang="ja-JP" dirty="0" smtClean="0"/>
+              <a:t>Direct</a:t>
+            </a:r>
+            <a:r>
+              <a:rPr lang="ja-JP" altLang="en-US" dirty="0" smtClean="0"/>
+              <a:t> </a:t>
+            </a:r>
+            <a:r>
+              <a:rPr lang="en-US" altLang="ja-JP" dirty="0" smtClean="0"/>
+              <a:t>X</a:t>
+            </a:r>
+            <a:r>
+              <a:rPr lang="ja-JP" altLang="en-US" dirty="0" smtClean="0"/>
+              <a:t>サーフェス重ねるとかやれる</a:t>
+            </a:r>
+            <a:endParaRPr kumimoji="1" lang="en-US" altLang="ja-JP" dirty="0"/>
+          </a:p>
+          <a:p>
+            <a:r>
+              <a:rPr lang="ja-JP" altLang="en-US" dirty="0" smtClean="0"/>
+              <a:t>マップ表示とかだけかなぁ、ゲーム的な描画最適化頑張らないといけないの</a:t>
+            </a:r>
+            <a:endParaRPr kumimoji="1" lang="ja-JP" altLang="en-US" dirty="0"/>
+          </a:p>
+        </p:txBody>
+      </p:sp>
+    </p:spTree>
+    <p:extLst>
+      <p:ext uri="{BB962C8B-B14F-4D97-AF65-F5344CB8AC3E}">
+        <p14:creationId xmlns:p14="http://schemas.microsoft.com/office/powerpoint/2010/main" val="4199267743"/>
+      </p:ext>
+    </p:extLst>
+  </p:cSld>
+  <p:clrMapOvr>
+    <a:masterClrMapping/>
+  </p:clrMapOvr>
+</p:sld>
+</file>
+
+<file path=ppt/slides/slide65.xml><?xml version="1.0" encoding="utf-8"?>
+<p:sld xmlns:a="http://schemas.openxmlformats.org/drawingml/2006/main" xmlns:r="http://schemas.openxmlformats.org/officeDocument/2006/relationships" xmlns:p="http://schemas.openxmlformats.org/presentationml/2006/main">
+  <p:cSld>
+    <p:spTree>
+      <p:nvGrpSpPr>
+        <p:cNvPr id="1" name=""/>
+        <p:cNvGrpSpPr/>
+        <p:nvPr/>
+      </p:nvGrpSpPr>
+      <p:grpSpPr>
+        <a:xfrm>
+          <a:off x="0" y="0"/>
+          <a:ext cx="0" cy="0"/>
+          <a:chOff x="0" y="0"/>
+          <a:chExt cx="0" cy="0"/>
+        </a:xfrm>
+      </p:grpSpPr>
+      <p:sp>
+        <p:nvSpPr>
+          <p:cNvPr id="2" name="タイトル 1"/>
+          <p:cNvSpPr>
+            <a:spLocks noGrp="1"/>
+          </p:cNvSpPr>
+          <p:nvPr>
+            <p:ph type="title"/>
+          </p:nvPr>
+        </p:nvSpPr>
+        <p:spPr/>
+        <p:txBody>
+          <a:bodyPr/>
+          <a:lstStyle/>
+          <a:p>
+            <a:endParaRPr kumimoji="1" lang="ja-JP" altLang="en-US"/>
+          </a:p>
+        </p:txBody>
+      </p:sp>
+      <p:sp>
+        <p:nvSpPr>
+          <p:cNvPr id="3" name="コンテンツ プレースホルダー 2"/>
+          <p:cNvSpPr>
+            <a:spLocks noGrp="1"/>
+          </p:cNvSpPr>
+          <p:nvPr>
+            <p:ph idx="1"/>
+          </p:nvPr>
+        </p:nvSpPr>
+        <p:spPr/>
+        <p:txBody>
+          <a:bodyPr/>
+          <a:lstStyle/>
+          <a:p>
+            <a:r>
+              <a:rPr kumimoji="1" lang="en-US" altLang="ja-JP" dirty="0" smtClean="0"/>
+              <a:t>UI</a:t>
+            </a:r>
+            <a:r>
+              <a:rPr kumimoji="1" lang="ja-JP" altLang="en-US" dirty="0" smtClean="0"/>
+              <a:t>系は、「どこにどのデータを出したい」「データが更新されたらそこだけ更新掛けたい」が基本</a:t>
+            </a:r>
+            <a:endParaRPr kumimoji="1" lang="en-US" altLang="ja-JP" dirty="0" smtClean="0"/>
+          </a:p>
+          <a:p>
+            <a:pPr lvl="1"/>
+            <a:r>
+              <a:rPr lang="ja-JP" altLang="en-US" dirty="0" smtClean="0"/>
+              <a:t>クライアント系の</a:t>
+            </a:r>
+            <a:r>
+              <a:rPr lang="en-US" altLang="ja-JP" dirty="0" smtClean="0"/>
+              <a:t>MVC</a:t>
+            </a:r>
+            <a:r>
+              <a:rPr lang="ja-JP" altLang="en-US" dirty="0" smtClean="0"/>
+              <a:t>フレームワークはたいていそういう発想</a:t>
+            </a:r>
+            <a:endParaRPr lang="en-US" altLang="ja-JP" dirty="0" smtClean="0"/>
+          </a:p>
+          <a:p>
+            <a:pPr lvl="1"/>
+            <a:r>
+              <a:rPr kumimoji="1" lang="ja-JP" altLang="en-US" dirty="0" smtClean="0"/>
+              <a:t>いわゆるオブザーバー パターンを、プロパティに対して適用</a:t>
+            </a:r>
+            <a:endParaRPr kumimoji="1" lang="en-US" altLang="ja-JP" dirty="0" smtClean="0"/>
+          </a:p>
+          <a:p>
+            <a:pPr lvl="1"/>
+            <a:r>
+              <a:rPr kumimoji="1" lang="en-US" altLang="ja-JP" dirty="0" smtClean="0"/>
+              <a:t>C#</a:t>
+            </a:r>
+            <a:r>
+              <a:rPr kumimoji="1" lang="ja-JP" altLang="en-US" dirty="0" smtClean="0"/>
+              <a:t>では </a:t>
+            </a:r>
+            <a:r>
+              <a:rPr kumimoji="1" lang="en-US" altLang="ja-JP" dirty="0" err="1" smtClean="0"/>
+              <a:t>INotifyPropertyChanged</a:t>
+            </a:r>
+            <a:r>
+              <a:rPr kumimoji="1" lang="en-US" altLang="ja-JP" dirty="0" smtClean="0"/>
+              <a:t> </a:t>
+            </a:r>
+            <a:r>
+              <a:rPr kumimoji="1" lang="ja-JP" altLang="en-US" dirty="0" smtClean="0"/>
+              <a:t>使う習慣がある</a:t>
+            </a:r>
+            <a:endParaRPr kumimoji="1" lang="en-US" altLang="ja-JP" dirty="0" smtClean="0"/>
+          </a:p>
+          <a:p>
+            <a:r>
+              <a:rPr lang="ja-JP" altLang="en-US" dirty="0" smtClean="0"/>
+              <a:t>このパターン守れないと</a:t>
+            </a:r>
+            <a:endParaRPr lang="en-US" altLang="ja-JP" dirty="0" smtClean="0"/>
+          </a:p>
+          <a:p>
+            <a:pPr lvl="1"/>
+            <a:r>
+              <a:rPr kumimoji="1" lang="ja-JP" altLang="en-US" dirty="0" smtClean="0"/>
+              <a:t>だいたいスパゲッティ化</a:t>
+            </a:r>
+            <a:endParaRPr kumimoji="1" lang="en-US" altLang="ja-JP" dirty="0" smtClean="0"/>
+          </a:p>
+          <a:p>
+            <a:pPr lvl="1"/>
+            <a:r>
+              <a:rPr lang="en-US" altLang="ja-JP" dirty="0"/>
+              <a:t>1</a:t>
+            </a:r>
+            <a:r>
+              <a:rPr lang="ja-JP" altLang="en-US" dirty="0"/>
+              <a:t>か</a:t>
+            </a:r>
+            <a:r>
+              <a:rPr lang="ja-JP" altLang="en-US" dirty="0" smtClean="0"/>
+              <a:t>所</a:t>
+            </a:r>
+            <a:r>
+              <a:rPr lang="ja-JP" altLang="en-US" dirty="0"/>
+              <a:t>更新</a:t>
+            </a:r>
+            <a:r>
+              <a:rPr lang="ja-JP" altLang="en-US" dirty="0" smtClean="0"/>
+              <a:t>でいいはずがページ全体更新とかになりがち。重たい</a:t>
+            </a:r>
+            <a:endParaRPr kumimoji="1" lang="ja-JP" altLang="en-US" dirty="0"/>
+          </a:p>
+        </p:txBody>
+      </p:sp>
+    </p:spTree>
+    <p:extLst>
+      <p:ext uri="{BB962C8B-B14F-4D97-AF65-F5344CB8AC3E}">
+        <p14:creationId xmlns:p14="http://schemas.microsoft.com/office/powerpoint/2010/main" val="2484350710"/>
+      </p:ext>
+    </p:extLst>
+  </p:cSld>
+  <p:clrMapOvr>
+    <a:masterClrMapping/>
+  </p:clrMapOvr>
+</p:sld>
+</file>
+
+<file path=ppt/slides/slide66.xml><?xml version="1.0" encoding="utf-8"?>
+<p:sld xmlns:a="http://schemas.openxmlformats.org/drawingml/2006/main" xmlns:r="http://schemas.openxmlformats.org/officeDocument/2006/relationships" xmlns:p="http://schemas.openxmlformats.org/presentationml/2006/main">
+  <p:cSld>
+    <p:spTree>
+      <p:nvGrpSpPr>
+        <p:cNvPr id="1" name=""/>
+        <p:cNvGrpSpPr/>
+        <p:nvPr/>
+      </p:nvGrpSpPr>
+      <p:grpSpPr>
+        <a:xfrm>
+          <a:off x="0" y="0"/>
+          <a:ext cx="0" cy="0"/>
+          <a:chOff x="0" y="0"/>
+          <a:chExt cx="0" cy="0"/>
+        </a:xfrm>
+      </p:grpSpPr>
+      <p:sp>
+        <p:nvSpPr>
+          <p:cNvPr id="2" name="タイトル 1"/>
+          <p:cNvSpPr>
+            <a:spLocks noGrp="1"/>
+          </p:cNvSpPr>
+          <p:nvPr>
+            <p:ph type="title"/>
+          </p:nvPr>
+        </p:nvSpPr>
+        <p:spPr/>
+        <p:txBody>
+          <a:bodyPr/>
+          <a:lstStyle/>
+          <a:p>
+            <a:endParaRPr kumimoji="1" lang="ja-JP" altLang="en-US"/>
+          </a:p>
+        </p:txBody>
+      </p:sp>
+      <p:sp>
+        <p:nvSpPr>
+          <p:cNvPr id="3" name="コンテンツ プレースホルダー 2"/>
+          <p:cNvSpPr>
+            <a:spLocks noGrp="1"/>
+          </p:cNvSpPr>
+          <p:nvPr>
+            <p:ph idx="1"/>
+          </p:nvPr>
+        </p:nvSpPr>
+        <p:spPr/>
+        <p:txBody>
+          <a:bodyPr/>
+          <a:lstStyle/>
+          <a:p>
+            <a:r>
+              <a:rPr kumimoji="1" lang="ja-JP" altLang="en-US" dirty="0" smtClean="0"/>
+              <a:t>ビューと、ビューに表示したいデータの分離</a:t>
+            </a:r>
+            <a:endParaRPr kumimoji="1" lang="en-US" altLang="ja-JP" dirty="0" smtClean="0"/>
+          </a:p>
+          <a:p>
+            <a:pPr lvl="1"/>
+            <a:r>
+              <a:rPr lang="ja-JP" altLang="en-US" dirty="0"/>
+              <a:t>ナビゲーション</a:t>
+            </a:r>
+            <a:r>
+              <a:rPr lang="ja-JP" altLang="en-US" dirty="0" smtClean="0"/>
+              <a:t>での「戻る」での復元</a:t>
+            </a:r>
+            <a:endParaRPr lang="en-US" altLang="ja-JP" dirty="0" smtClean="0"/>
+          </a:p>
+          <a:p>
+            <a:pPr lvl="1"/>
+            <a:r>
+              <a:rPr kumimoji="1" lang="ja-JP" altLang="en-US" dirty="0" smtClean="0"/>
+              <a:t>後述する仮想化</a:t>
+            </a:r>
+            <a:endParaRPr kumimoji="1" lang="en-US" altLang="ja-JP" dirty="0" smtClean="0"/>
+          </a:p>
+          <a:p>
+            <a:r>
+              <a:rPr lang="ja-JP" altLang="en-US" dirty="0" smtClean="0"/>
+              <a:t>データ バインディング</a:t>
+            </a:r>
+            <a:endParaRPr lang="en-US" altLang="ja-JP" dirty="0" smtClean="0"/>
+          </a:p>
+          <a:p>
+            <a:pPr lvl="1"/>
+            <a:r>
+              <a:rPr lang="en-US" altLang="ja-JP" dirty="0" smtClean="0"/>
+              <a:t>Silverlight</a:t>
+            </a:r>
+            <a:r>
+              <a:rPr lang="ja-JP" altLang="en-US" dirty="0" smtClean="0"/>
+              <a:t>とかではリフレクションだらけなんだけど</a:t>
+            </a:r>
+            <a:endParaRPr lang="en-US" altLang="ja-JP" dirty="0" smtClean="0"/>
+          </a:p>
+          <a:p>
+            <a:pPr lvl="1"/>
+            <a:r>
+              <a:rPr kumimoji="1" lang="en-US" altLang="ja-JP" dirty="0" smtClean="0"/>
+              <a:t>iOS</a:t>
+            </a:r>
+            <a:r>
+              <a:rPr kumimoji="1" lang="ja-JP" altLang="en-US" dirty="0" smtClean="0"/>
+              <a:t>向けに、コード生成</a:t>
+            </a:r>
+            <a:r>
+              <a:rPr kumimoji="1" lang="en-US" altLang="ja-JP" dirty="0" smtClean="0"/>
+              <a:t>(Unity</a:t>
+            </a:r>
+            <a:r>
+              <a:rPr kumimoji="1" lang="ja-JP" altLang="en-US" dirty="0" smtClean="0"/>
+              <a:t>エディター拡張</a:t>
+            </a:r>
+            <a:r>
+              <a:rPr kumimoji="1" lang="en-US" altLang="ja-JP" dirty="0" smtClean="0"/>
+              <a:t>)</a:t>
+            </a:r>
+            <a:r>
+              <a:rPr kumimoji="1" lang="ja-JP" altLang="en-US" dirty="0" smtClean="0"/>
+              <a:t>でやってる</a:t>
+            </a:r>
+            <a:endParaRPr kumimoji="1" lang="ja-JP" altLang="en-US" dirty="0"/>
+          </a:p>
+        </p:txBody>
+      </p:sp>
+    </p:spTree>
+    <p:extLst>
+      <p:ext uri="{BB962C8B-B14F-4D97-AF65-F5344CB8AC3E}">
+        <p14:creationId xmlns:p14="http://schemas.microsoft.com/office/powerpoint/2010/main" val="3771722338"/>
+      </p:ext>
+    </p:extLst>
+  </p:cSld>
+  <p:clrMapOvr>
+    <a:masterClrMapping/>
+  </p:clrMapOvr>
+</p:sld>
+</file>
+
+<file path=ppt/slides/slide67.xml><?xml version="1.0" encoding="utf-8"?>
+<p:sld xmlns:a="http://schemas.openxmlformats.org/drawingml/2006/main" xmlns:r="http://schemas.openxmlformats.org/officeDocument/2006/relationships" xmlns:p="http://schemas.openxmlformats.org/presentationml/2006/main">
+  <p:cSld>
+    <p:spTree>
+      <p:nvGrpSpPr>
+        <p:cNvPr id="1" name=""/>
+        <p:cNvGrpSpPr/>
+        <p:nvPr/>
+      </p:nvGrpSpPr>
+      <p:grpSpPr>
+        <a:xfrm>
+          <a:off x="0" y="0"/>
+          <a:ext cx="0" cy="0"/>
+          <a:chOff x="0" y="0"/>
+          <a:chExt cx="0" cy="0"/>
+        </a:xfrm>
+      </p:grpSpPr>
+      <p:sp>
+        <p:nvSpPr>
+          <p:cNvPr id="2" name="タイトル 1"/>
+          <p:cNvSpPr>
+            <a:spLocks noGrp="1"/>
+          </p:cNvSpPr>
+          <p:nvPr>
+            <p:ph type="title"/>
+          </p:nvPr>
+        </p:nvSpPr>
+        <p:spPr/>
+        <p:txBody>
+          <a:bodyPr/>
+          <a:lstStyle/>
+          <a:p>
+            <a:endParaRPr kumimoji="1" lang="ja-JP" altLang="en-US"/>
+          </a:p>
+        </p:txBody>
+      </p:sp>
+      <p:sp>
+        <p:nvSpPr>
+          <p:cNvPr id="3" name="コンテンツ プレースホルダー 2"/>
+          <p:cNvSpPr>
+            <a:spLocks noGrp="1"/>
+          </p:cNvSpPr>
+          <p:nvPr>
+            <p:ph idx="1"/>
+          </p:nvPr>
+        </p:nvSpPr>
+        <p:spPr/>
+        <p:txBody>
+          <a:bodyPr/>
+          <a:lstStyle/>
+          <a:p>
+            <a:r>
+              <a:rPr kumimoji="1" lang="en-US" altLang="ja-JP" dirty="0" err="1" smtClean="0"/>
+              <a:t>ContentControl</a:t>
+            </a:r>
+            <a:r>
+              <a:rPr kumimoji="1" lang="en-US" altLang="ja-JP" dirty="0" smtClean="0"/>
+              <a:t>,</a:t>
+            </a:r>
+            <a:r>
+              <a:rPr kumimoji="1" lang="ja-JP" altLang="en-US" dirty="0" smtClean="0"/>
+              <a:t> </a:t>
+            </a:r>
+            <a:r>
+              <a:rPr kumimoji="1" lang="en-US" altLang="ja-JP" dirty="0" err="1" smtClean="0"/>
+              <a:t>ItemsControl</a:t>
+            </a:r>
+            <a:endParaRPr kumimoji="1" lang="en-US" altLang="ja-JP" dirty="0" smtClean="0"/>
+          </a:p>
+          <a:p>
+            <a:r>
+              <a:rPr lang="ja-JP" altLang="en-US" dirty="0" smtClean="0"/>
+              <a:t>たいていの</a:t>
+            </a:r>
+            <a:r>
+              <a:rPr lang="en-US" altLang="ja-JP" dirty="0" smtClean="0"/>
+              <a:t>UI</a:t>
+            </a:r>
+            <a:r>
+              <a:rPr lang="ja-JP" altLang="en-US" dirty="0" smtClean="0"/>
+              <a:t>は、</a:t>
+            </a:r>
+            <a:endParaRPr lang="en-US" altLang="ja-JP" dirty="0" smtClean="0"/>
+          </a:p>
+          <a:p>
+            <a:pPr lvl="1"/>
+            <a:r>
+              <a:rPr kumimoji="1" lang="ja-JP" altLang="en-US" dirty="0" smtClean="0"/>
+              <a:t>「このデータ型に対して、このプレハブを作りたい」みたいな要件ばっかり</a:t>
+            </a:r>
+            <a:endParaRPr kumimoji="1" lang="en-US" altLang="ja-JP" dirty="0" smtClean="0"/>
+          </a:p>
+          <a:p>
+            <a:pPr lvl="1"/>
+            <a:r>
+              <a:rPr lang="en-US" altLang="ja-JP" dirty="0" smtClean="0"/>
+              <a:t>Unity</a:t>
+            </a:r>
+            <a:r>
+              <a:rPr lang="ja-JP" altLang="en-US" dirty="0" smtClean="0"/>
+              <a:t>インスペクターでプレハブを刺しとく</a:t>
+            </a:r>
+            <a:endParaRPr lang="en-US" altLang="ja-JP" dirty="0" smtClean="0"/>
+          </a:p>
+          <a:p>
+            <a:pPr lvl="1"/>
+            <a:r>
+              <a:rPr kumimoji="1" lang="en-US" altLang="ja-JP" dirty="0" smtClean="0"/>
+              <a:t>1</a:t>
+            </a:r>
+            <a:r>
+              <a:rPr kumimoji="1" lang="ja-JP" altLang="en-US" dirty="0" smtClean="0"/>
+              <a:t>要素</a:t>
+            </a:r>
+            <a:r>
+              <a:rPr kumimoji="1" lang="ja-JP" altLang="en-US" dirty="0"/>
+              <a:t>版</a:t>
+            </a:r>
+            <a:r>
+              <a:rPr kumimoji="1" lang="ja-JP" altLang="en-US" dirty="0" smtClean="0"/>
+              <a:t>が</a:t>
+            </a:r>
+            <a:r>
+              <a:rPr kumimoji="1" lang="en-US" altLang="ja-JP" dirty="0" smtClean="0"/>
+              <a:t>Content</a:t>
+            </a:r>
+            <a:r>
+              <a:rPr kumimoji="1" lang="ja-JP" altLang="en-US" dirty="0" err="1" smtClean="0"/>
+              <a:t>、</a:t>
+            </a:r>
+            <a:r>
+              <a:rPr kumimoji="1" lang="ja-JP" altLang="en-US" dirty="0" smtClean="0"/>
+              <a:t>リスト版が</a:t>
+            </a:r>
+            <a:r>
+              <a:rPr kumimoji="1" lang="en-US" altLang="ja-JP" dirty="0" smtClean="0"/>
+              <a:t>Items</a:t>
+            </a:r>
+            <a:endParaRPr kumimoji="1" lang="ja-JP" altLang="en-US" dirty="0"/>
+          </a:p>
+        </p:txBody>
+      </p:sp>
+    </p:spTree>
+    <p:extLst>
+      <p:ext uri="{BB962C8B-B14F-4D97-AF65-F5344CB8AC3E}">
+        <p14:creationId xmlns:p14="http://schemas.microsoft.com/office/powerpoint/2010/main" val="16942979"/>
+      </p:ext>
+    </p:extLst>
+  </p:cSld>
+  <p:clrMapOvr>
+    <a:masterClrMapping/>
+  </p:clrMapOvr>
+</p:sld>
+</file>
+
+<file path=ppt/slides/slide68.xml><?xml version="1.0" encoding="utf-8"?>
+<p:sld xmlns:a="http://schemas.openxmlformats.org/drawingml/2006/main" xmlns:r="http://schemas.openxmlformats.org/officeDocument/2006/relationships" xmlns:p="http://schemas.openxmlformats.org/presentationml/2006/main">
+  <p:cSld>
+    <p:spTree>
+      <p:nvGrpSpPr>
+        <p:cNvPr id="1" name=""/>
+        <p:cNvGrpSpPr/>
+        <p:nvPr/>
+      </p:nvGrpSpPr>
+      <p:grpSpPr>
+        <a:xfrm>
+          <a:off x="0" y="0"/>
+          <a:ext cx="0" cy="0"/>
+          <a:chOff x="0" y="0"/>
+          <a:chExt cx="0" cy="0"/>
+        </a:xfrm>
+      </p:grpSpPr>
+      <p:sp>
+        <p:nvSpPr>
+          <p:cNvPr id="2" name="タイトル 1"/>
+          <p:cNvSpPr>
+            <a:spLocks noGrp="1"/>
+          </p:cNvSpPr>
+          <p:nvPr>
+            <p:ph type="title"/>
+          </p:nvPr>
+        </p:nvSpPr>
+        <p:spPr/>
+        <p:txBody>
+          <a:bodyPr/>
+          <a:lstStyle/>
+          <a:p>
+            <a:endParaRPr kumimoji="1" lang="ja-JP" altLang="en-US"/>
+          </a:p>
+        </p:txBody>
+      </p:sp>
+      <p:sp>
+        <p:nvSpPr>
+          <p:cNvPr id="3" name="コンテンツ プレースホルダー 2"/>
+          <p:cNvSpPr>
+            <a:spLocks noGrp="1"/>
+          </p:cNvSpPr>
+          <p:nvPr>
+            <p:ph idx="1"/>
+          </p:nvPr>
+        </p:nvSpPr>
+        <p:spPr/>
+        <p:txBody>
+          <a:bodyPr/>
+          <a:lstStyle/>
+          <a:p>
+            <a:r>
+              <a:rPr kumimoji="1" lang="ja-JP" altLang="en-US" dirty="0" smtClean="0"/>
+              <a:t>仮想化</a:t>
+            </a:r>
+            <a:endParaRPr kumimoji="1" lang="en-US" altLang="ja-JP" dirty="0" smtClean="0"/>
+          </a:p>
+          <a:p>
+            <a:pPr lvl="1"/>
+            <a:r>
+              <a:rPr lang="ja-JP" altLang="en-US" dirty="0" smtClean="0"/>
+              <a:t>リストのうちの、画面に見えてる範囲だけ、プレハブを</a:t>
+            </a:r>
+            <a:r>
+              <a:rPr lang="en-US" altLang="ja-JP" dirty="0" smtClean="0"/>
+              <a:t>Instantiate</a:t>
+            </a:r>
+          </a:p>
+          <a:p>
+            <a:pPr lvl="1"/>
+            <a:r>
+              <a:rPr kumimoji="1" lang="ja-JP" altLang="en-US" dirty="0"/>
+              <a:t>残</a:t>
+            </a:r>
+            <a:r>
+              <a:rPr kumimoji="1" lang="ja-JP" altLang="en-US" dirty="0" smtClean="0"/>
+              <a:t>りは作らない、隠れたら消す</a:t>
+            </a:r>
+            <a:endParaRPr kumimoji="1" lang="en-US" altLang="ja-JP" dirty="0" smtClean="0"/>
+          </a:p>
+          <a:p>
+            <a:pPr lvl="1"/>
+            <a:r>
+              <a:rPr lang="ja-JP" altLang="en-US" dirty="0" smtClean="0"/>
+              <a:t>データ分離してないとできない。ビューにデータ持ってても消える・上書きされる</a:t>
+            </a:r>
+            <a:endParaRPr lang="en-US" altLang="ja-JP" dirty="0" smtClean="0"/>
+          </a:p>
+          <a:p>
+            <a:r>
+              <a:rPr kumimoji="1" lang="ja-JP" altLang="en-US" dirty="0" smtClean="0"/>
+              <a:t>これやらないと</a:t>
+            </a:r>
+            <a:endParaRPr kumimoji="1" lang="en-US" altLang="ja-JP" dirty="0" smtClean="0"/>
+          </a:p>
+          <a:p>
+            <a:pPr lvl="1"/>
+            <a:r>
+              <a:rPr lang="ja-JP" altLang="en-US" dirty="0" smtClean="0"/>
+              <a:t>「アイテムは</a:t>
+            </a:r>
+            <a:r>
+              <a:rPr lang="en-US" altLang="ja-JP" dirty="0" smtClean="0"/>
+              <a:t>100</a:t>
+            </a:r>
+            <a:r>
+              <a:rPr lang="ja-JP" altLang="en-US" dirty="0" smtClean="0"/>
+              <a:t>個までしか持てません。でないと一覧画面に入るのに</a:t>
+            </a:r>
+            <a:r>
+              <a:rPr lang="en-US" altLang="ja-JP" dirty="0" smtClean="0"/>
+              <a:t>2</a:t>
+            </a:r>
+            <a:r>
+              <a:rPr lang="ja-JP" altLang="en-US" dirty="0" smtClean="0"/>
+              <a:t>秒かかるし、スクロールが重たすぎてプレイに支障出ます」みたいなゲームになる</a:t>
+            </a:r>
+            <a:endParaRPr lang="en-US" altLang="ja-JP" dirty="0" smtClean="0"/>
+          </a:p>
+          <a:p>
+            <a:pPr lvl="1"/>
+            <a:r>
+              <a:rPr kumimoji="1" lang="ja-JP" altLang="en-US" dirty="0" smtClean="0"/>
+              <a:t>実際、表示都合で個数制限かかってるゲーム結構ある</a:t>
+            </a:r>
+            <a:endParaRPr kumimoji="1" lang="ja-JP" altLang="en-US" dirty="0"/>
+          </a:p>
+        </p:txBody>
+      </p:sp>
+    </p:spTree>
+    <p:extLst>
+      <p:ext uri="{BB962C8B-B14F-4D97-AF65-F5344CB8AC3E}">
+        <p14:creationId xmlns:p14="http://schemas.microsoft.com/office/powerpoint/2010/main" val="3187862995"/>
+      </p:ext>
+    </p:extLst>
+  </p:cSld>
+  <p:clrMapOvr>
+    <a:masterClrMapping/>
+  </p:clrMapOvr>
+</p:sld>
+</file>
+
+<file path=ppt/slides/slide69.xml><?xml version="1.0" encoding="utf-8"?>
+<p:sld xmlns:a="http://schemas.openxmlformats.org/drawingml/2006/main" xmlns:r="http://schemas.openxmlformats.org/officeDocument/2006/relationships" xmlns:p="http://schemas.openxmlformats.org/presentationml/2006/main">
+  <p:cSld>
+    <p:spTree>
+      <p:nvGrpSpPr>
+        <p:cNvPr id="1" name=""/>
+        <p:cNvGrpSpPr/>
+        <p:nvPr/>
+      </p:nvGrpSpPr>
+      <p:grpSpPr>
+        <a:xfrm>
+          <a:off x="0" y="0"/>
+          <a:ext cx="0" cy="0"/>
+          <a:chOff x="0" y="0"/>
+          <a:chExt cx="0" cy="0"/>
+        </a:xfrm>
+      </p:grpSpPr>
+      <p:sp>
+        <p:nvSpPr>
+          <p:cNvPr id="2" name="タイトル 1"/>
+          <p:cNvSpPr>
+            <a:spLocks noGrp="1"/>
+          </p:cNvSpPr>
+          <p:nvPr>
+            <p:ph type="title"/>
+          </p:nvPr>
+        </p:nvSpPr>
+        <p:spPr/>
+        <p:txBody>
+          <a:bodyPr/>
+          <a:lstStyle/>
+          <a:p>
             <a:r>
               <a:rPr kumimoji="1" lang="ja-JP" altLang="en-US" dirty="0" smtClean="0"/>
               <a:t>その他、全体的な反省点</a:t>
@@ -35571,10 +41765,93 @@
   <p:clrMapOvr>
     <a:masterClrMapping/>
   </p:clrMapOvr>
+  <p:timing>
+    <p:tnLst>
+      <p:par>
+        <p:cTn id="1" dur="indefinite" restart="never" nodeType="tmRoot"/>
+      </p:par>
+    </p:tnLst>
+  </p:timing>
 </p:sld>
 </file>
 
-<file path=ppt/slides/slide64.xml><?xml version="1.0" encoding="utf-8"?>
+<file path=ppt/slides/slide7.xml><?xml version="1.0" encoding="utf-8"?>
+<p:sld xmlns:a="http://schemas.openxmlformats.org/drawingml/2006/main" xmlns:r="http://schemas.openxmlformats.org/officeDocument/2006/relationships" xmlns:p="http://schemas.openxmlformats.org/presentationml/2006/main">
+  <p:cSld>
+    <p:spTree>
+      <p:nvGrpSpPr>
+        <p:cNvPr id="1" name=""/>
+        <p:cNvGrpSpPr/>
+        <p:nvPr/>
+      </p:nvGrpSpPr>
+      <p:grpSpPr>
+        <a:xfrm>
+          <a:off x="0" y="0"/>
+          <a:ext cx="0" cy="0"/>
+          <a:chOff x="0" y="0"/>
+          <a:chExt cx="0" cy="0"/>
+        </a:xfrm>
+      </p:grpSpPr>
+      <p:sp>
+        <p:nvSpPr>
+          <p:cNvPr id="2" name="タイトル 1"/>
+          <p:cNvSpPr>
+            <a:spLocks noGrp="1"/>
+          </p:cNvSpPr>
+          <p:nvPr>
+            <p:ph type="title"/>
+          </p:nvPr>
+        </p:nvSpPr>
+        <p:spPr/>
+        <p:txBody>
+          <a:bodyPr/>
+          <a:lstStyle/>
+          <a:p>
+            <a:r>
+              <a:rPr kumimoji="1" lang="ja-JP" altLang="en-US" dirty="0" smtClean="0"/>
+              <a:t>こんな要件がありました</a:t>
+            </a:r>
+            <a:endParaRPr kumimoji="1" lang="ja-JP" altLang="en-US" dirty="0"/>
+          </a:p>
+        </p:txBody>
+      </p:sp>
+      <p:sp>
+        <p:nvSpPr>
+          <p:cNvPr id="3" name="コンテンツ プレースホルダー 2"/>
+          <p:cNvSpPr>
+            <a:spLocks noGrp="1"/>
+          </p:cNvSpPr>
+          <p:nvPr>
+            <p:ph idx="1"/>
+          </p:nvPr>
+        </p:nvSpPr>
+        <p:spPr/>
+        <p:txBody>
+          <a:bodyPr/>
+          <a:lstStyle/>
+          <a:p>
+            <a:r>
+              <a:rPr kumimoji="1" lang="ja-JP" altLang="en-US" dirty="0" smtClean="0"/>
+              <a:t>一覧書く</a:t>
+            </a:r>
+            <a:endParaRPr kumimoji="1" lang="ja-JP" altLang="en-US" dirty="0"/>
+          </a:p>
+        </p:txBody>
+      </p:sp>
+    </p:spTree>
+    <p:extLst>
+      <p:ext uri="{BB962C8B-B14F-4D97-AF65-F5344CB8AC3E}">
+        <p14:creationId xmlns:p14="http://schemas.microsoft.com/office/powerpoint/2010/main" val="2305520882"/>
+      </p:ext>
+    </p:extLst>
+  </p:cSld>
+  <p:clrMapOvr>
+    <a:masterClrMapping/>
+  </p:clrMapOvr>
+</p:sld>
+</file>
+
+<file path=ppt/slides/slide70.xml><?xml version="1.0" encoding="utf-8"?>
 <p:sld xmlns:a="http://schemas.openxmlformats.org/drawingml/2006/main" xmlns:r="http://schemas.openxmlformats.org/officeDocument/2006/relationships" xmlns:p="http://schemas.openxmlformats.org/presentationml/2006/main">
   <p:cSld>
     <p:spTree>
@@ -35663,10 +41940,17 @@
   <p:clrMapOvr>
     <a:masterClrMapping/>
   </p:clrMapOvr>
+  <p:timing>
+    <p:tnLst>
+      <p:par>
+        <p:cTn id="1" dur="indefinite" restart="never" nodeType="tmRoot"/>
+      </p:par>
+    </p:tnLst>
+  </p:timing>
 </p:sld>
 </file>
 
-<file path=ppt/slides/slide65.xml><?xml version="1.0" encoding="utf-8"?>
+<file path=ppt/slides/slide71.xml><?xml version="1.0" encoding="utf-8"?>
 <p:sld xmlns:a="http://schemas.openxmlformats.org/drawingml/2006/main" xmlns:r="http://schemas.openxmlformats.org/officeDocument/2006/relationships" xmlns:p="http://schemas.openxmlformats.org/presentationml/2006/main">
   <p:cSld>
     <p:spTree>
@@ -35762,82 +42046,13 @@
   <p:clrMapOvr>
     <a:masterClrMapping/>
   </p:clrMapOvr>
-</p:sld>
-</file>
-
-<file path=ppt/slides/slide7.xml><?xml version="1.0" encoding="utf-8"?>
-<p:sld xmlns:a="http://schemas.openxmlformats.org/drawingml/2006/main" xmlns:r="http://schemas.openxmlformats.org/officeDocument/2006/relationships" xmlns:p="http://schemas.openxmlformats.org/presentationml/2006/main">
-  <p:cSld>
-    <p:spTree>
-      <p:nvGrpSpPr>
-        <p:cNvPr id="1" name=""/>
-        <p:cNvGrpSpPr/>
-        <p:nvPr/>
-      </p:nvGrpSpPr>
-      <p:grpSpPr>
-        <a:xfrm>
-          <a:off x="0" y="0"/>
-          <a:ext cx="0" cy="0"/>
-          <a:chOff x="0" y="0"/>
-          <a:chExt cx="0" cy="0"/>
-        </a:xfrm>
-      </p:grpSpPr>
-      <p:sp>
-        <p:nvSpPr>
-          <p:cNvPr id="2" name="タイトル 1"/>
-          <p:cNvSpPr>
-            <a:spLocks noGrp="1"/>
-          </p:cNvSpPr>
-          <p:nvPr>
-            <p:ph type="title"/>
-          </p:nvPr>
-        </p:nvSpPr>
-        <p:spPr/>
-        <p:txBody>
-          <a:bodyPr/>
-          <a:lstStyle/>
-          <a:p>
-            <a:r>
-              <a:rPr kumimoji="1" lang="ja-JP" altLang="en-US" dirty="0" smtClean="0"/>
-              <a:t>こんな要件がありました</a:t>
-            </a:r>
-            <a:endParaRPr kumimoji="1" lang="ja-JP" altLang="en-US" dirty="0"/>
-          </a:p>
-        </p:txBody>
-      </p:sp>
-      <p:sp>
-        <p:nvSpPr>
-          <p:cNvPr id="3" name="コンテンツ プレースホルダー 2"/>
-          <p:cNvSpPr>
-            <a:spLocks noGrp="1"/>
-          </p:cNvSpPr>
-          <p:nvPr>
-            <p:ph idx="1"/>
-          </p:nvPr>
-        </p:nvSpPr>
-        <p:spPr/>
-        <p:txBody>
-          <a:bodyPr/>
-          <a:lstStyle/>
-          <a:p>
-            <a:r>
-              <a:rPr kumimoji="1" lang="ja-JP" altLang="en-US" dirty="0" smtClean="0"/>
-              <a:t>一覧書く</a:t>
-            </a:r>
-            <a:endParaRPr kumimoji="1" lang="ja-JP" altLang="en-US" dirty="0"/>
-          </a:p>
-        </p:txBody>
-      </p:sp>
-    </p:spTree>
-    <p:extLst>
-      <p:ext uri="{BB962C8B-B14F-4D97-AF65-F5344CB8AC3E}">
-        <p14:creationId xmlns:p14="http://schemas.microsoft.com/office/powerpoint/2010/main" val="2305520882"/>
-      </p:ext>
-    </p:extLst>
-  </p:cSld>
-  <p:clrMapOvr>
-    <a:masterClrMapping/>
-  </p:clrMapOvr>
+  <p:timing>
+    <p:tnLst>
+      <p:par>
+        <p:cTn id="1" dur="indefinite" restart="never" nodeType="tmRoot"/>
+      </p:par>
+    </p:tnLst>
+  </p:timing>
 </p:sld>
 </file>
 

--- a/doc/自社フレームワーク.pptx
+++ b/doc/自社フレームワーク.pptx
@@ -5,7 +5,7 @@
     <p:sldMasterId id="2147483648" r:id="rId1"/>
   </p:sldMasterIdLst>
   <p:notesMasterIdLst>
-    <p:notesMasterId r:id="rId71"/>
+    <p:notesMasterId r:id="rId76"/>
   </p:notesMasterIdLst>
   <p:sldIdLst>
     <p:sldId id="256" r:id="rId2"/>
@@ -62,21 +62,26 @@
     <p:sldId id="285" r:id="rId53"/>
     <p:sldId id="332" r:id="rId54"/>
     <p:sldId id="331" r:id="rId55"/>
-    <p:sldId id="283" r:id="rId56"/>
-    <p:sldId id="291" r:id="rId57"/>
-    <p:sldId id="292" r:id="rId58"/>
-    <p:sldId id="293" r:id="rId59"/>
-    <p:sldId id="294" r:id="rId60"/>
-    <p:sldId id="295" r:id="rId61"/>
-    <p:sldId id="284" r:id="rId62"/>
-    <p:sldId id="297" r:id="rId63"/>
-    <p:sldId id="298" r:id="rId64"/>
-    <p:sldId id="299" r:id="rId65"/>
-    <p:sldId id="300" r:id="rId66"/>
-    <p:sldId id="301" r:id="rId67"/>
-    <p:sldId id="260" r:id="rId68"/>
-    <p:sldId id="265" r:id="rId69"/>
-    <p:sldId id="304" r:id="rId70"/>
+    <p:sldId id="339" r:id="rId56"/>
+    <p:sldId id="340" r:id="rId57"/>
+    <p:sldId id="341" r:id="rId58"/>
+    <p:sldId id="342" r:id="rId59"/>
+    <p:sldId id="343" r:id="rId60"/>
+    <p:sldId id="344" r:id="rId61"/>
+    <p:sldId id="345" r:id="rId62"/>
+    <p:sldId id="346" r:id="rId63"/>
+    <p:sldId id="347" r:id="rId64"/>
+    <p:sldId id="295" r:id="rId65"/>
+    <p:sldId id="348" r:id="rId66"/>
+    <p:sldId id="284" r:id="rId67"/>
+    <p:sldId id="297" r:id="rId68"/>
+    <p:sldId id="298" r:id="rId69"/>
+    <p:sldId id="299" r:id="rId70"/>
+    <p:sldId id="300" r:id="rId71"/>
+    <p:sldId id="301" r:id="rId72"/>
+    <p:sldId id="260" r:id="rId73"/>
+    <p:sldId id="265" r:id="rId74"/>
+    <p:sldId id="304" r:id="rId75"/>
   </p:sldIdLst>
   <p:sldSz cx="12192000" cy="6858000"/>
   <p:notesSz cx="6858000" cy="9144000"/>
@@ -262,16 +267,21 @@
         </p14:section>
         <p14:section name="インベントリ" id="{0764821B-A855-431C-AF31-2648B4B41D65}">
           <p14:sldIdLst>
-            <p14:sldId id="283"/>
-            <p14:sldId id="291"/>
-            <p14:sldId id="292"/>
-            <p14:sldId id="293"/>
-            <p14:sldId id="294"/>
+            <p14:sldId id="339"/>
+            <p14:sldId id="340"/>
+            <p14:sldId id="341"/>
+            <p14:sldId id="342"/>
+            <p14:sldId id="343"/>
+            <p14:sldId id="344"/>
+            <p14:sldId id="345"/>
+            <p14:sldId id="346"/>
+            <p14:sldId id="347"/>
             <p14:sldId id="295"/>
           </p14:sldIdLst>
         </p14:section>
         <p14:section name="UIフレームワーク" id="{458096D8-D060-44A3-8768-37F4411CA4ED}">
           <p14:sldIdLst>
+            <p14:sldId id="348"/>
             <p14:sldId id="284"/>
             <p14:sldId id="297"/>
             <p14:sldId id="298"/>
@@ -1365,6 +1375,133 @@
     <p:extLst>
       <p:ext uri="{BB962C8B-B14F-4D97-AF65-F5344CB8AC3E}">
         <p14:creationId xmlns:p14="http://schemas.microsoft.com/office/powerpoint/2010/main" val="1794155251"/>
+      </p:ext>
+    </p:extLst>
+  </p:cSld>
+  <p:clrMapOvr>
+    <a:masterClrMapping/>
+  </p:clrMapOvr>
+</p:notes>
+</file>
+
+<file path=ppt/notesSlides/notesSlide7.xml><?xml version="1.0" encoding="utf-8"?>
+<p:notes xmlns:a="http://schemas.openxmlformats.org/drawingml/2006/main" xmlns:r="http://schemas.openxmlformats.org/officeDocument/2006/relationships" xmlns:p="http://schemas.openxmlformats.org/presentationml/2006/main">
+  <p:cSld>
+    <p:spTree>
+      <p:nvGrpSpPr>
+        <p:cNvPr id="1" name=""/>
+        <p:cNvGrpSpPr/>
+        <p:nvPr/>
+      </p:nvGrpSpPr>
+      <p:grpSpPr>
+        <a:xfrm>
+          <a:off x="0" y="0"/>
+          <a:ext cx="0" cy="0"/>
+          <a:chOff x="0" y="0"/>
+          <a:chExt cx="0" cy="0"/>
+        </a:xfrm>
+      </p:grpSpPr>
+      <p:sp>
+        <p:nvSpPr>
+          <p:cNvPr id="2" name="スライド イメージ プレースホルダー 1"/>
+          <p:cNvSpPr>
+            <a:spLocks noGrp="1" noRot="1" noChangeAspect="1"/>
+          </p:cNvSpPr>
+          <p:nvPr>
+            <p:ph type="sldImg"/>
+          </p:nvPr>
+        </p:nvSpPr>
+        <p:spPr/>
+      </p:sp>
+      <p:sp>
+        <p:nvSpPr>
+          <p:cNvPr id="3" name="ノート プレースホルダー 2"/>
+          <p:cNvSpPr>
+            <a:spLocks noGrp="1"/>
+          </p:cNvSpPr>
+          <p:nvPr>
+            <p:ph type="body" idx="1"/>
+          </p:nvPr>
+        </p:nvSpPr>
+        <p:spPr/>
+        <p:txBody>
+          <a:bodyPr/>
+          <a:lstStyle/>
+          <a:p>
+            <a:r>
+              <a:rPr kumimoji="1" lang="ja-JP" altLang="en-US" dirty="0" smtClean="0"/>
+              <a:t>インベントリは紆余曲折あった</a:t>
+            </a:r>
+            <a:endParaRPr kumimoji="1" lang="en-US" altLang="ja-JP" dirty="0" smtClean="0"/>
+          </a:p>
+          <a:p>
+            <a:r>
+              <a:rPr kumimoji="1" lang="ja-JP" altLang="en-US" dirty="0" smtClean="0"/>
+              <a:t>・ 昔、要るデータだけ取ってたら更新が保守しきれなくて心折れる</a:t>
+            </a:r>
+          </a:p>
+          <a:p>
+            <a:r>
+              <a:rPr kumimoji="1" lang="ja-JP" altLang="en-US" dirty="0" smtClean="0"/>
+              <a:t>・</a:t>
+            </a:r>
+            <a:r>
+              <a:rPr kumimoji="1" lang="ja-JP" altLang="en-US" dirty="0" smtClean="0"/>
+              <a:t>全同期やり始める</a:t>
+            </a:r>
+          </a:p>
+          <a:p>
+            <a:r>
+              <a:rPr kumimoji="1" lang="ja-JP" altLang="en-US" dirty="0" smtClean="0"/>
+              <a:t>・</a:t>
+            </a:r>
+            <a:r>
+              <a:rPr kumimoji="1" lang="ja-JP" altLang="en-US" dirty="0" smtClean="0"/>
+              <a:t>重たすぎてサーバー側に怒られる</a:t>
+            </a:r>
+          </a:p>
+          <a:p>
+            <a:r>
+              <a:rPr kumimoji="1" lang="ja-JP" altLang="en-US" dirty="0" smtClean="0"/>
+              <a:t>・</a:t>
+            </a:r>
+            <a:r>
+              <a:rPr kumimoji="1" lang="ja-JP" altLang="en-US" dirty="0" smtClean="0"/>
+              <a:t>差分更新をフレームワーク化、コード生成（今ここ）</a:t>
+            </a:r>
+          </a:p>
+          <a:p>
+            <a:endParaRPr kumimoji="1" lang="ja-JP" altLang="en-US" dirty="0"/>
+          </a:p>
+        </p:txBody>
+      </p:sp>
+      <p:sp>
+        <p:nvSpPr>
+          <p:cNvPr id="4" name="スライド番号プレースホルダー 3"/>
+          <p:cNvSpPr>
+            <a:spLocks noGrp="1"/>
+          </p:cNvSpPr>
+          <p:nvPr>
+            <p:ph type="sldNum" sz="quarter" idx="10"/>
+          </p:nvPr>
+        </p:nvSpPr>
+        <p:spPr/>
+        <p:txBody>
+          <a:bodyPr/>
+          <a:lstStyle/>
+          <a:p>
+            <a:fld id="{D619E36E-B179-4345-A4D2-BA687ACFFD68}" type="slidenum">
+              <a:rPr kumimoji="1" lang="ja-JP" altLang="en-US" smtClean="0"/>
+              <a:t>58</a:t>
+            </a:fld>
+            <a:endParaRPr kumimoji="1" lang="ja-JP" altLang="en-US"/>
+          </a:p>
+        </p:txBody>
+      </p:sp>
+    </p:spTree>
+    <p:extLst>
+      <p:ext uri="{BB962C8B-B14F-4D97-AF65-F5344CB8AC3E}">
+        <p14:creationId xmlns:p14="http://schemas.microsoft.com/office/powerpoint/2010/main" val="553689265"/>
       </p:ext>
     </p:extLst>
   </p:cSld>
@@ -41516,12 +41653,16 @@
           </a:p>
           <a:p>
             <a:r>
-              <a:rPr lang="ja-JP" altLang="en-US" dirty="0"/>
-              <a:t>インベントリ、</a:t>
-            </a:r>
-            <a:r>
               <a:rPr lang="ja-JP" altLang="en-US" dirty="0" smtClean="0"/>
-              <a:t>マスター</a:t>
+              <a:t>インベントリ</a:t>
+            </a:r>
+            <a:r>
+              <a:rPr lang="en-US" altLang="ja-JP" dirty="0" smtClean="0"/>
+              <a:t>/</a:t>
+            </a:r>
+            <a:r>
+              <a:rPr lang="ja-JP" altLang="en-US" dirty="0" smtClean="0"/>
+              <a:t>マスター リポジトリ</a:t>
             </a:r>
             <a:endParaRPr lang="en-US" altLang="ja-JP" dirty="0" smtClean="0"/>
           </a:p>
@@ -43292,7 +43433,7 @@
       </p:grpSpPr>
       <p:sp>
         <p:nvSpPr>
-          <p:cNvPr id="2" name="タイトル 1"/>
+          <p:cNvPr id="4" name="タイトル 3"/>
           <p:cNvSpPr>
             <a:spLocks noGrp="1"/>
           </p:cNvSpPr>
@@ -43305,18 +43446,22 @@
           <a:bodyPr/>
           <a:lstStyle/>
           <a:p>
-            <a:endParaRPr kumimoji="1" lang="ja-JP" altLang="en-US"/>
+            <a:r>
+              <a:rPr lang="ja-JP" altLang="en-US" dirty="0"/>
+              <a:t>リポジトリ</a:t>
+            </a:r>
+            <a:endParaRPr kumimoji="1" lang="ja-JP" altLang="en-US" dirty="0"/>
           </a:p>
         </p:txBody>
       </p:sp>
       <p:sp>
         <p:nvSpPr>
-          <p:cNvPr id="3" name="コンテンツ プレースホルダー 2"/>
+          <p:cNvPr id="5" name="テキスト プレースホルダー 4"/>
           <p:cNvSpPr>
             <a:spLocks noGrp="1"/>
           </p:cNvSpPr>
           <p:nvPr>
-            <p:ph idx="1"/>
+            <p:ph type="body" idx="1"/>
           </p:nvPr>
         </p:nvSpPr>
         <p:spPr/>
@@ -43325,62 +43470,30 @@
           <a:lstStyle/>
           <a:p>
             <a:r>
+              <a:rPr kumimoji="1" lang="en-US" altLang="ja-JP" dirty="0" smtClean="0"/>
+              <a:t>Inventories/</a:t>
+            </a:r>
+            <a:r>
+              <a:rPr kumimoji="1" lang="en-US" altLang="ja-JP" dirty="0" err="1" smtClean="0"/>
+              <a:t>MasterRepository</a:t>
+            </a:r>
+            <a:endParaRPr kumimoji="1" lang="en-US" altLang="ja-JP" dirty="0" smtClean="0"/>
+          </a:p>
+          <a:p>
+            <a:r>
+              <a:rPr lang="ja-JP" altLang="en-US" dirty="0"/>
+              <a:t>サーバ</a:t>
+            </a:r>
+            <a:r>
+              <a:rPr lang="ja-JP" altLang="en-US" dirty="0" smtClean="0"/>
+              <a:t>ーとのデータ同期、差分更新</a:t>
+            </a:r>
+            <a:endParaRPr lang="en-US" altLang="ja-JP" dirty="0" smtClean="0"/>
+          </a:p>
+          <a:p>
+            <a:r>
               <a:rPr kumimoji="1" lang="ja-JP" altLang="en-US" dirty="0" smtClean="0"/>
-              <a:t>インベントリ</a:t>
-            </a:r>
-            <a:endParaRPr kumimoji="1" lang="en-US" altLang="ja-JP" dirty="0" smtClean="0"/>
-          </a:p>
-          <a:p>
-            <a:endParaRPr lang="en-US" altLang="ja-JP" dirty="0"/>
-          </a:p>
-          <a:p>
-            <a:r>
-              <a:rPr lang="ja-JP" altLang="en-US" dirty="0" smtClean="0"/>
-              <a:t>正となるデータはサーバー上にある</a:t>
-            </a:r>
-            <a:endParaRPr lang="en-US" altLang="ja-JP" dirty="0" smtClean="0"/>
-          </a:p>
-          <a:p>
-            <a:pPr lvl="1"/>
-            <a:r>
-              <a:rPr kumimoji="1" lang="ja-JP" altLang="en-US" dirty="0" smtClean="0"/>
-              <a:t>クライアントはサーバーと同期とってるだけ</a:t>
-            </a:r>
-            <a:endParaRPr kumimoji="1" lang="en-US" altLang="ja-JP" dirty="0" smtClean="0"/>
-          </a:p>
-          <a:p>
-            <a:pPr lvl="1"/>
-            <a:r>
-              <a:rPr lang="ja-JP" altLang="en-US" dirty="0" smtClean="0"/>
-              <a:t>とはいえ、即応性を考えて、クライアントでもある程度処理をしてる</a:t>
-            </a:r>
-            <a:endParaRPr lang="en-US" altLang="ja-JP" dirty="0" smtClean="0"/>
-          </a:p>
-          <a:p>
-            <a:pPr lvl="2"/>
-            <a:r>
-              <a:rPr kumimoji="1" lang="en-US" altLang="ja-JP" dirty="0" smtClean="0"/>
-              <a:t>Channel</a:t>
-            </a:r>
-            <a:r>
-              <a:rPr kumimoji="1" lang="ja-JP" altLang="en-US" dirty="0" smtClean="0"/>
-              <a:t>を使うやつだと、サーバーとクライアントで</a:t>
-            </a:r>
-            <a:r>
-              <a:rPr kumimoji="1" lang="ja-JP" altLang="en-US" dirty="0" err="1" smtClean="0"/>
-              <a:t>待っ</a:t>
-            </a:r>
-            <a:r>
-              <a:rPr kumimoji="1" lang="ja-JP" altLang="en-US" dirty="0" smtClean="0"/>
-              <a:t>たく同じ処理してる</a:t>
-            </a:r>
-            <a:endParaRPr kumimoji="1" lang="en-US" altLang="ja-JP" dirty="0" smtClean="0"/>
-          </a:p>
-          <a:p>
-            <a:pPr lvl="2"/>
-            <a:r>
-              <a:rPr lang="ja-JP" altLang="en-US" dirty="0" smtClean="0"/>
-              <a:t>「ジョブが終わってるはずの時間」はクライアントで計算して、その時間になったら同期とか</a:t>
+              <a:t>ローカル ストレージにデータをキャッシュ</a:t>
             </a:r>
             <a:endParaRPr kumimoji="1" lang="ja-JP" altLang="en-US" dirty="0"/>
           </a:p>
@@ -43389,20 +43502,13 @@
     </p:spTree>
     <p:extLst>
       <p:ext uri="{BB962C8B-B14F-4D97-AF65-F5344CB8AC3E}">
-        <p14:creationId xmlns:p14="http://schemas.microsoft.com/office/powerpoint/2010/main" val="2246530146"/>
+        <p14:creationId xmlns:p14="http://schemas.microsoft.com/office/powerpoint/2010/main" val="4135246198"/>
       </p:ext>
     </p:extLst>
   </p:cSld>
   <p:clrMapOvr>
     <a:masterClrMapping/>
   </p:clrMapOvr>
-  <p:timing>
-    <p:tnLst>
-      <p:par>
-        <p:cTn id="1" dur="indefinite" restart="never" nodeType="tmRoot"/>
-      </p:par>
-    </p:tnLst>
-  </p:timing>
 </p:sld>
 </file>
 
@@ -43425,7 +43531,7 @@
       </p:grpSpPr>
       <p:sp>
         <p:nvSpPr>
-          <p:cNvPr id="2" name="タイトル 1"/>
+          <p:cNvPr id="4" name="タイトル 3"/>
           <p:cNvSpPr>
             <a:spLocks noGrp="1"/>
           </p:cNvSpPr>
@@ -43438,13 +43544,17 @@
           <a:bodyPr/>
           <a:lstStyle/>
           <a:p>
-            <a:endParaRPr kumimoji="1" lang="ja-JP" altLang="en-US"/>
+            <a:r>
+              <a:rPr kumimoji="1" lang="ja-JP" altLang="en-US" dirty="0" smtClean="0"/>
+              <a:t>データは全部サーバー上にある</a:t>
+            </a:r>
+            <a:endParaRPr kumimoji="1" lang="ja-JP" altLang="en-US" dirty="0"/>
           </a:p>
         </p:txBody>
       </p:sp>
       <p:sp>
         <p:nvSpPr>
-          <p:cNvPr id="3" name="コンテンツ プレースホルダー 2"/>
+          <p:cNvPr id="5" name="コンテンツ プレースホルダー 4"/>
           <p:cNvSpPr>
             <a:spLocks noGrp="1"/>
           </p:cNvSpPr>
@@ -43459,83 +43569,955 @@
           <a:p>
             <a:r>
               <a:rPr kumimoji="1" lang="ja-JP" altLang="en-US" dirty="0" smtClean="0"/>
-              <a:t>ページに入ったタイミングで、そのページ中で使うデータ全部もらうとかいうゲームもあるけど、かなり重たい</a:t>
+              <a:t>必要な分だけ通信でもらってる</a:t>
             </a:r>
             <a:endParaRPr kumimoji="1" lang="en-US" altLang="ja-JP" dirty="0" smtClean="0"/>
           </a:p>
           <a:p>
             <a:pPr lvl="1"/>
             <a:r>
-              <a:rPr lang="ja-JP" altLang="en-US" dirty="0"/>
-              <a:t>大半</a:t>
-            </a:r>
+              <a:rPr kumimoji="1" lang="ja-JP" altLang="en-US" dirty="0" smtClean="0"/>
+              <a:t>クライアント上でも正規化した状態で管理</a:t>
+            </a:r>
+            <a:endParaRPr kumimoji="1" lang="en-US" altLang="ja-JP" dirty="0" smtClean="0"/>
+          </a:p>
+          <a:p>
+            <a:pPr lvl="2"/>
+            <a:endParaRPr lang="en-US" altLang="ja-JP" dirty="0"/>
+          </a:p>
+          <a:p>
+            <a:pPr lvl="2"/>
+            <a:endParaRPr kumimoji="1" lang="en-US" altLang="ja-JP" dirty="0" smtClean="0"/>
+          </a:p>
+          <a:p>
+            <a:pPr lvl="2"/>
+            <a:endParaRPr lang="en-US" altLang="ja-JP" dirty="0"/>
+          </a:p>
+          <a:p>
+            <a:pPr lvl="2"/>
+            <a:endParaRPr kumimoji="1" lang="en-US" altLang="ja-JP" dirty="0" smtClean="0"/>
+          </a:p>
+          <a:p>
+            <a:pPr lvl="1"/>
             <a:r>
               <a:rPr lang="ja-JP" altLang="en-US" dirty="0" smtClean="0"/>
-              <a:t>のデータは変化しない、差分は小さい</a:t>
-            </a:r>
-            <a:endParaRPr lang="en-US" altLang="ja-JP" dirty="0" smtClean="0"/>
-          </a:p>
-          <a:p>
-            <a:pPr lvl="1"/>
-            <a:r>
-              <a:rPr kumimoji="1" lang="ja-JP" altLang="en-US" dirty="0" smtClean="0"/>
-              <a:t>差分更新がほしい</a:t>
-            </a:r>
-            <a:endParaRPr kumimoji="1" lang="en-US" altLang="ja-JP" dirty="0" smtClean="0"/>
-          </a:p>
-          <a:p>
+              <a:t>差分更新</a:t>
+            </a:r>
+            <a:endParaRPr kumimoji="1" lang="ja-JP" altLang="en-US" dirty="0"/>
+          </a:p>
+        </p:txBody>
+      </p:sp>
+      <p:sp>
+        <p:nvSpPr>
+          <p:cNvPr id="6" name="正方形/長方形 5"/>
+          <p:cNvSpPr/>
+          <p:nvPr/>
+        </p:nvSpPr>
+        <p:spPr>
+          <a:xfrm>
+            <a:off x="1726251" y="2751746"/>
+            <a:ext cx="1664110" cy="1153906"/>
+          </a:xfrm>
+          <a:prstGeom prst="rect">
+            <a:avLst/>
+          </a:prstGeom>
+          <a:ln>
+            <a:solidFill>
+              <a:schemeClr val="accent5"/>
+            </a:solidFill>
+          </a:ln>
+        </p:spPr>
+        <p:style>
+          <a:lnRef idx="2">
+            <a:schemeClr val="accent3"/>
+          </a:lnRef>
+          <a:fillRef idx="1">
+            <a:schemeClr val="lt1"/>
+          </a:fillRef>
+          <a:effectRef idx="0">
+            <a:schemeClr val="accent3"/>
+          </a:effectRef>
+          <a:fontRef idx="minor">
+            <a:schemeClr val="dk1"/>
+          </a:fontRef>
+        </p:style>
+        <p:txBody>
+          <a:bodyPr lIns="36000" tIns="36000" rIns="36000" bIns="36000" rtlCol="0" anchor="t" anchorCtr="0"/>
+          <a:lstStyle/>
+          <a:p>
+            <a:pPr algn="ctr"/>
+            <a:r>
+              <a:rPr kumimoji="1" lang="en-US" altLang="ja-JP" dirty="0" smtClean="0"/>
+              <a:t>Unit</a:t>
+            </a:r>
+          </a:p>
+          <a:p>
+            <a:pPr algn="ctr"/>
+            <a:endParaRPr kumimoji="1" lang="ja-JP" altLang="en-US" dirty="0" smtClean="0"/>
+          </a:p>
+        </p:txBody>
+      </p:sp>
+      <p:cxnSp>
+        <p:nvCxnSpPr>
+          <p:cNvPr id="10" name="直線コネクタ 9"/>
+          <p:cNvCxnSpPr/>
+          <p:nvPr/>
+        </p:nvCxnSpPr>
+        <p:spPr>
+          <a:xfrm>
+            <a:off x="1726251" y="3059394"/>
+            <a:ext cx="1664110" cy="0"/>
+          </a:xfrm>
+          <a:prstGeom prst="line">
+            <a:avLst/>
+          </a:prstGeom>
+          <a:ln>
+            <a:solidFill>
+              <a:schemeClr val="accent5"/>
+            </a:solidFill>
+          </a:ln>
+        </p:spPr>
+        <p:style>
+          <a:lnRef idx="1">
+            <a:schemeClr val="accent1"/>
+          </a:lnRef>
+          <a:fillRef idx="0">
+            <a:schemeClr val="accent1"/>
+          </a:fillRef>
+          <a:effectRef idx="0">
+            <a:schemeClr val="accent1"/>
+          </a:effectRef>
+          <a:fontRef idx="minor">
+            <a:schemeClr val="tx1"/>
+          </a:fontRef>
+        </p:style>
+      </p:cxnSp>
+      <p:sp>
+        <p:nvSpPr>
+          <p:cNvPr id="11" name="テキスト ボックス 10"/>
+          <p:cNvSpPr txBox="1"/>
+          <p:nvPr/>
+        </p:nvSpPr>
+        <p:spPr>
+          <a:xfrm>
+            <a:off x="1726251" y="3074655"/>
+            <a:ext cx="1664110" cy="830997"/>
+          </a:xfrm>
+          <a:prstGeom prst="rect">
+            <a:avLst/>
+          </a:prstGeom>
+          <a:noFill/>
+        </p:spPr>
+        <p:txBody>
+          <a:bodyPr wrap="none" rtlCol="0">
+            <a:spAutoFit/>
+          </a:bodyPr>
+          <a:lstStyle/>
+          <a:p>
+            <a:r>
+              <a:rPr lang="en-US" altLang="ja-JP" sz="1600" dirty="0" smtClean="0"/>
+              <a:t>Id: 1</a:t>
+            </a:r>
+          </a:p>
+          <a:p>
+            <a:r>
+              <a:rPr lang="en-US" altLang="ja-JP" sz="1600" dirty="0" err="1" smtClean="0"/>
+              <a:t>MasterId</a:t>
+            </a:r>
+            <a:r>
+              <a:rPr lang="en-US" altLang="ja-JP" sz="1600" dirty="0" smtClean="0"/>
+              <a:t>: 1</a:t>
+            </a:r>
+          </a:p>
+          <a:p>
+            <a:r>
+              <a:rPr kumimoji="1" lang="en-US" altLang="ja-JP" sz="1600" dirty="0" err="1" smtClean="0"/>
+              <a:t>EquipmentId</a:t>
+            </a:r>
+            <a:r>
+              <a:rPr kumimoji="1" lang="en-US" altLang="ja-JP" sz="1600" dirty="0" smtClean="0"/>
+              <a:t>: 120</a:t>
+            </a:r>
+            <a:endParaRPr kumimoji="1" lang="ja-JP" altLang="en-US" sz="1600" dirty="0"/>
+          </a:p>
+        </p:txBody>
+      </p:sp>
+      <p:grpSp>
+        <p:nvGrpSpPr>
+          <p:cNvPr id="22" name="グループ化 21"/>
+          <p:cNvGrpSpPr/>
+          <p:nvPr/>
+        </p:nvGrpSpPr>
+        <p:grpSpPr>
+          <a:xfrm>
+            <a:off x="3904311" y="2751746"/>
+            <a:ext cx="2345514" cy="1153906"/>
+            <a:chOff x="3970762" y="2555193"/>
+            <a:chExt cx="1664110" cy="1153906"/>
+          </a:xfrm>
+        </p:grpSpPr>
+        <p:sp>
+          <p:nvSpPr>
+            <p:cNvPr id="14" name="正方形/長方形 13"/>
+            <p:cNvSpPr/>
+            <p:nvPr/>
+          </p:nvSpPr>
+          <p:spPr>
+            <a:xfrm>
+              <a:off x="3970762" y="2555193"/>
+              <a:ext cx="1664110" cy="1153906"/>
+            </a:xfrm>
+            <a:prstGeom prst="rect">
+              <a:avLst/>
+            </a:prstGeom>
+            <a:ln>
+              <a:solidFill>
+                <a:schemeClr val="accent5"/>
+              </a:solidFill>
+            </a:ln>
+          </p:spPr>
+          <p:style>
+            <a:lnRef idx="2">
+              <a:schemeClr val="accent3"/>
+            </a:lnRef>
+            <a:fillRef idx="1">
+              <a:schemeClr val="lt1"/>
+            </a:fillRef>
+            <a:effectRef idx="0">
+              <a:schemeClr val="accent3"/>
+            </a:effectRef>
+            <a:fontRef idx="minor">
+              <a:schemeClr val="dk1"/>
+            </a:fontRef>
+          </p:style>
+          <p:txBody>
+            <a:bodyPr lIns="36000" tIns="36000" rIns="36000" bIns="36000" rtlCol="0" anchor="t" anchorCtr="0"/>
+            <a:lstStyle/>
+            <a:p>
+              <a:pPr algn="ctr"/>
+              <a:r>
+                <a:rPr kumimoji="1" lang="en-US" altLang="ja-JP" dirty="0" smtClean="0"/>
+                <a:t>Equipment</a:t>
+              </a:r>
+            </a:p>
+            <a:p>
+              <a:pPr algn="ctr"/>
+              <a:endParaRPr kumimoji="1" lang="ja-JP" altLang="en-US" dirty="0" smtClean="0"/>
+            </a:p>
+          </p:txBody>
+        </p:sp>
+        <p:cxnSp>
+          <p:nvCxnSpPr>
+            <p:cNvPr id="15" name="直線コネクタ 14"/>
+            <p:cNvCxnSpPr/>
+            <p:nvPr/>
+          </p:nvCxnSpPr>
+          <p:spPr>
+            <a:xfrm>
+              <a:off x="3970762" y="2862841"/>
+              <a:ext cx="1664110" cy="0"/>
+            </a:xfrm>
+            <a:prstGeom prst="line">
+              <a:avLst/>
+            </a:prstGeom>
+            <a:ln>
+              <a:solidFill>
+                <a:schemeClr val="accent5"/>
+              </a:solidFill>
+            </a:ln>
+          </p:spPr>
+          <p:style>
+            <a:lnRef idx="1">
+              <a:schemeClr val="accent1"/>
+            </a:lnRef>
+            <a:fillRef idx="0">
+              <a:schemeClr val="accent1"/>
+            </a:fillRef>
+            <a:effectRef idx="0">
+              <a:schemeClr val="accent1"/>
+            </a:effectRef>
+            <a:fontRef idx="minor">
+              <a:schemeClr val="tx1"/>
+            </a:fontRef>
+          </p:style>
+        </p:cxnSp>
+      </p:grpSp>
+      <p:sp>
+        <p:nvSpPr>
+          <p:cNvPr id="16" name="テキスト ボックス 15"/>
+          <p:cNvSpPr txBox="1"/>
+          <p:nvPr/>
+        </p:nvSpPr>
+        <p:spPr>
+          <a:xfrm>
+            <a:off x="3904311" y="3074655"/>
+            <a:ext cx="2345514" cy="830997"/>
+          </a:xfrm>
+          <a:prstGeom prst="rect">
+            <a:avLst/>
+          </a:prstGeom>
+          <a:noFill/>
+        </p:spPr>
+        <p:txBody>
+          <a:bodyPr wrap="none" rtlCol="0">
+            <a:spAutoFit/>
+          </a:bodyPr>
+          <a:lstStyle/>
+          <a:p>
+            <a:r>
+              <a:rPr lang="en-US" altLang="ja-JP" sz="1600" dirty="0" smtClean="0"/>
+              <a:t>Id: 120</a:t>
+            </a:r>
+          </a:p>
+          <a:p>
+            <a:r>
+              <a:rPr lang="en-US" altLang="ja-JP" sz="1600" dirty="0" err="1" smtClean="0"/>
+              <a:t>MasterId</a:t>
+            </a:r>
+            <a:r>
+              <a:rPr lang="en-US" altLang="ja-JP" sz="1600" dirty="0" smtClean="0"/>
+              <a:t>: 39</a:t>
+            </a:r>
+          </a:p>
+          <a:p>
+            <a:r>
+              <a:rPr kumimoji="1" lang="en-US" altLang="ja-JP" sz="1600" dirty="0" err="1" smtClean="0"/>
+              <a:t>EnhancerIds</a:t>
+            </a:r>
+            <a:r>
+              <a:rPr kumimoji="1" lang="en-US" altLang="ja-JP" sz="1600" dirty="0" smtClean="0"/>
+              <a:t>: [ 11, 15, 21 ]</a:t>
+            </a:r>
+            <a:endParaRPr kumimoji="1" lang="ja-JP" altLang="en-US" sz="1600" dirty="0"/>
+          </a:p>
+        </p:txBody>
+      </p:sp>
+      <p:grpSp>
+        <p:nvGrpSpPr>
+          <p:cNvPr id="26" name="グループ化 25"/>
+          <p:cNvGrpSpPr/>
+          <p:nvPr/>
+        </p:nvGrpSpPr>
+        <p:grpSpPr>
+          <a:xfrm>
+            <a:off x="6762702" y="2751746"/>
+            <a:ext cx="1244571" cy="1153906"/>
+            <a:chOff x="7050502" y="2555193"/>
+            <a:chExt cx="1664110" cy="1153906"/>
+          </a:xfrm>
+        </p:grpSpPr>
+        <p:sp>
+          <p:nvSpPr>
+            <p:cNvPr id="23" name="正方形/長方形 22"/>
+            <p:cNvSpPr/>
+            <p:nvPr/>
+          </p:nvSpPr>
+          <p:spPr>
+            <a:xfrm>
+              <a:off x="7050502" y="2555193"/>
+              <a:ext cx="1664110" cy="1153906"/>
+            </a:xfrm>
+            <a:prstGeom prst="rect">
+              <a:avLst/>
+            </a:prstGeom>
+            <a:ln>
+              <a:solidFill>
+                <a:schemeClr val="accent5"/>
+              </a:solidFill>
+            </a:ln>
+          </p:spPr>
+          <p:style>
+            <a:lnRef idx="2">
+              <a:schemeClr val="accent3"/>
+            </a:lnRef>
+            <a:fillRef idx="1">
+              <a:schemeClr val="lt1"/>
+            </a:fillRef>
+            <a:effectRef idx="0">
+              <a:schemeClr val="accent3"/>
+            </a:effectRef>
+            <a:fontRef idx="minor">
+              <a:schemeClr val="dk1"/>
+            </a:fontRef>
+          </p:style>
+          <p:txBody>
+            <a:bodyPr lIns="36000" tIns="36000" rIns="36000" bIns="36000" rtlCol="0" anchor="t" anchorCtr="0"/>
+            <a:lstStyle/>
+            <a:p>
+              <a:pPr algn="ctr"/>
+              <a:r>
+                <a:rPr kumimoji="1" lang="en-US" altLang="ja-JP" dirty="0" smtClean="0"/>
+                <a:t>Enhancer</a:t>
+              </a:r>
+            </a:p>
+            <a:p>
+              <a:pPr algn="ctr"/>
+              <a:endParaRPr kumimoji="1" lang="ja-JP" altLang="en-US" dirty="0" smtClean="0"/>
+            </a:p>
+          </p:txBody>
+        </p:sp>
+        <p:cxnSp>
+          <p:nvCxnSpPr>
+            <p:cNvPr id="24" name="直線コネクタ 23"/>
+            <p:cNvCxnSpPr/>
+            <p:nvPr/>
+          </p:nvCxnSpPr>
+          <p:spPr>
+            <a:xfrm>
+              <a:off x="7050502" y="2862841"/>
+              <a:ext cx="1664110" cy="0"/>
+            </a:xfrm>
+            <a:prstGeom prst="line">
+              <a:avLst/>
+            </a:prstGeom>
+            <a:ln>
+              <a:solidFill>
+                <a:schemeClr val="accent5"/>
+              </a:solidFill>
+            </a:ln>
+          </p:spPr>
+          <p:style>
+            <a:lnRef idx="1">
+              <a:schemeClr val="accent1"/>
+            </a:lnRef>
+            <a:fillRef idx="0">
+              <a:schemeClr val="accent1"/>
+            </a:fillRef>
+            <a:effectRef idx="0">
+              <a:schemeClr val="accent1"/>
+            </a:effectRef>
+            <a:fontRef idx="minor">
+              <a:schemeClr val="tx1"/>
+            </a:fontRef>
+          </p:style>
+        </p:cxnSp>
+      </p:grpSp>
+      <p:sp>
+        <p:nvSpPr>
+          <p:cNvPr id="25" name="テキスト ボックス 24"/>
+          <p:cNvSpPr txBox="1"/>
+          <p:nvPr/>
+        </p:nvSpPr>
+        <p:spPr>
+          <a:xfrm>
+            <a:off x="6762702" y="3074655"/>
+            <a:ext cx="1244571" cy="830997"/>
+          </a:xfrm>
+          <a:prstGeom prst="rect">
+            <a:avLst/>
+          </a:prstGeom>
+          <a:noFill/>
+        </p:spPr>
+        <p:txBody>
+          <a:bodyPr wrap="none" rtlCol="0">
+            <a:spAutoFit/>
+          </a:bodyPr>
+          <a:lstStyle/>
+          <a:p>
+            <a:r>
+              <a:rPr lang="en-US" altLang="ja-JP" sz="1600" dirty="0" smtClean="0"/>
+              <a:t>Id: 11</a:t>
+            </a:r>
+          </a:p>
+          <a:p>
+            <a:r>
+              <a:rPr lang="en-US" altLang="ja-JP" sz="1600" dirty="0" err="1" smtClean="0"/>
+              <a:t>MasterId</a:t>
+            </a:r>
+            <a:r>
+              <a:rPr lang="en-US" altLang="ja-JP" sz="1600" dirty="0" smtClean="0"/>
+              <a:t>: 93</a:t>
+            </a:r>
+          </a:p>
+          <a:p>
+            <a:r>
+              <a:rPr kumimoji="1" lang="en-US" altLang="ja-JP" sz="1600" dirty="0" smtClean="0"/>
+              <a:t>Grade: 4</a:t>
+            </a:r>
+            <a:endParaRPr kumimoji="1" lang="ja-JP" altLang="en-US" sz="1600" dirty="0"/>
+          </a:p>
+        </p:txBody>
+      </p:sp>
+      <p:sp>
+        <p:nvSpPr>
+          <p:cNvPr id="27" name="円/楕円 26"/>
+          <p:cNvSpPr/>
+          <p:nvPr/>
+        </p:nvSpPr>
+        <p:spPr>
+          <a:xfrm>
+            <a:off x="2888479" y="3598003"/>
+            <a:ext cx="484790" cy="273465"/>
+          </a:xfrm>
+          <a:prstGeom prst="ellipse">
+            <a:avLst/>
+          </a:prstGeom>
+          <a:noFill/>
+          <a:ln w="19050">
+            <a:solidFill>
+              <a:schemeClr val="accent2"/>
+            </a:solidFill>
+          </a:ln>
+        </p:spPr>
+        <p:style>
+          <a:lnRef idx="2">
+            <a:schemeClr val="accent3"/>
+          </a:lnRef>
+          <a:fillRef idx="1">
+            <a:schemeClr val="lt1"/>
+          </a:fillRef>
+          <a:effectRef idx="0">
+            <a:schemeClr val="accent3"/>
+          </a:effectRef>
+          <a:fontRef idx="minor">
+            <a:schemeClr val="dk1"/>
+          </a:fontRef>
+        </p:style>
+        <p:txBody>
+          <a:bodyPr lIns="36000" tIns="36000" rIns="36000" bIns="36000" rtlCol="0" anchor="ctr"/>
+          <a:lstStyle/>
+          <a:p>
+            <a:pPr algn="ctr"/>
+            <a:endParaRPr kumimoji="1" lang="ja-JP" altLang="en-US" dirty="0" smtClean="0"/>
+          </a:p>
+        </p:txBody>
+      </p:sp>
+      <p:sp>
+        <p:nvSpPr>
+          <p:cNvPr id="28" name="正方形/長方形 27"/>
+          <p:cNvSpPr/>
+          <p:nvPr/>
+        </p:nvSpPr>
+        <p:spPr>
+          <a:xfrm>
+            <a:off x="3925324" y="3074655"/>
+            <a:ext cx="289668" cy="292388"/>
+          </a:xfrm>
+          <a:prstGeom prst="rect">
+            <a:avLst/>
+          </a:prstGeom>
+          <a:noFill/>
+          <a:ln>
+            <a:noFill/>
+          </a:ln>
+        </p:spPr>
+        <p:style>
+          <a:lnRef idx="2">
+            <a:schemeClr val="accent3"/>
+          </a:lnRef>
+          <a:fillRef idx="1">
+            <a:schemeClr val="lt1"/>
+          </a:fillRef>
+          <a:effectRef idx="0">
+            <a:schemeClr val="accent3"/>
+          </a:effectRef>
+          <a:fontRef idx="minor">
+            <a:schemeClr val="dk1"/>
+          </a:fontRef>
+        </p:style>
+        <p:txBody>
+          <a:bodyPr lIns="36000" tIns="36000" rIns="36000" bIns="36000" rtlCol="0" anchor="ctr"/>
+          <a:lstStyle/>
+          <a:p>
+            <a:pPr algn="ctr"/>
+            <a:endParaRPr kumimoji="1" lang="ja-JP" altLang="en-US" dirty="0" smtClean="0"/>
+          </a:p>
+        </p:txBody>
+      </p:sp>
+      <p:cxnSp>
+        <p:nvCxnSpPr>
+          <p:cNvPr id="30" name="曲線コネクタ 29"/>
+          <p:cNvCxnSpPr>
+            <a:stCxn id="27" idx="6"/>
+            <a:endCxn id="28" idx="1"/>
+          </p:cNvCxnSpPr>
+          <p:nvPr/>
+        </p:nvCxnSpPr>
+        <p:spPr>
+          <a:xfrm flipV="1">
+            <a:off x="3373269" y="3220849"/>
+            <a:ext cx="552055" cy="513887"/>
+          </a:xfrm>
+          <a:prstGeom prst="curvedConnector3">
+            <a:avLst/>
+          </a:prstGeom>
+          <a:ln>
+            <a:tailEnd type="triangle"/>
+          </a:ln>
+        </p:spPr>
+        <p:style>
+          <a:lnRef idx="1">
+            <a:schemeClr val="accent1"/>
+          </a:lnRef>
+          <a:fillRef idx="0">
+            <a:schemeClr val="accent1"/>
+          </a:fillRef>
+          <a:effectRef idx="0">
+            <a:schemeClr val="accent1"/>
+          </a:effectRef>
+          <a:fontRef idx="minor">
+            <a:schemeClr val="tx1"/>
+          </a:fontRef>
+        </p:style>
+      </p:cxnSp>
+      <p:sp>
+        <p:nvSpPr>
+          <p:cNvPr id="31" name="円/楕円 30"/>
+          <p:cNvSpPr/>
+          <p:nvPr/>
+        </p:nvSpPr>
+        <p:spPr>
+          <a:xfrm>
+            <a:off x="5066539" y="3598003"/>
+            <a:ext cx="484790" cy="273465"/>
+          </a:xfrm>
+          <a:prstGeom prst="ellipse">
+            <a:avLst/>
+          </a:prstGeom>
+          <a:noFill/>
+          <a:ln w="19050">
+            <a:solidFill>
+              <a:schemeClr val="accent2"/>
+            </a:solidFill>
+          </a:ln>
+        </p:spPr>
+        <p:style>
+          <a:lnRef idx="2">
+            <a:schemeClr val="accent3"/>
+          </a:lnRef>
+          <a:fillRef idx="1">
+            <a:schemeClr val="lt1"/>
+          </a:fillRef>
+          <a:effectRef idx="0">
+            <a:schemeClr val="accent3"/>
+          </a:effectRef>
+          <a:fontRef idx="minor">
+            <a:schemeClr val="dk1"/>
+          </a:fontRef>
+        </p:style>
+        <p:txBody>
+          <a:bodyPr lIns="36000" tIns="36000" rIns="36000" bIns="36000" rtlCol="0" anchor="ctr"/>
+          <a:lstStyle/>
+          <a:p>
+            <a:pPr algn="ctr"/>
+            <a:endParaRPr kumimoji="1" lang="ja-JP" altLang="en-US" dirty="0" smtClean="0"/>
+          </a:p>
+        </p:txBody>
+      </p:sp>
+      <p:sp>
+        <p:nvSpPr>
+          <p:cNvPr id="32" name="正方形/長方形 31"/>
+          <p:cNvSpPr/>
+          <p:nvPr/>
+        </p:nvSpPr>
+        <p:spPr>
+          <a:xfrm>
+            <a:off x="6762702" y="3074655"/>
+            <a:ext cx="289668" cy="292388"/>
+          </a:xfrm>
+          <a:prstGeom prst="rect">
+            <a:avLst/>
+          </a:prstGeom>
+          <a:noFill/>
+          <a:ln>
+            <a:noFill/>
+          </a:ln>
+        </p:spPr>
+        <p:style>
+          <a:lnRef idx="2">
+            <a:schemeClr val="accent3"/>
+          </a:lnRef>
+          <a:fillRef idx="1">
+            <a:schemeClr val="lt1"/>
+          </a:fillRef>
+          <a:effectRef idx="0">
+            <a:schemeClr val="accent3"/>
+          </a:effectRef>
+          <a:fontRef idx="minor">
+            <a:schemeClr val="dk1"/>
+          </a:fontRef>
+        </p:style>
+        <p:txBody>
+          <a:bodyPr lIns="36000" tIns="36000" rIns="36000" bIns="36000" rtlCol="0" anchor="ctr"/>
+          <a:lstStyle/>
+          <a:p>
+            <a:pPr algn="ctr"/>
+            <a:endParaRPr kumimoji="1" lang="ja-JP" altLang="en-US" dirty="0" smtClean="0"/>
+          </a:p>
+        </p:txBody>
+      </p:sp>
+      <p:cxnSp>
+        <p:nvCxnSpPr>
+          <p:cNvPr id="33" name="曲線コネクタ 32"/>
+          <p:cNvCxnSpPr>
+            <a:stCxn id="31" idx="6"/>
+            <a:endCxn id="32" idx="1"/>
+          </p:cNvCxnSpPr>
+          <p:nvPr/>
+        </p:nvCxnSpPr>
+        <p:spPr>
+          <a:xfrm flipV="1">
+            <a:off x="5551329" y="3220849"/>
+            <a:ext cx="1211373" cy="513887"/>
+          </a:xfrm>
+          <a:prstGeom prst="curvedConnector3">
+            <a:avLst/>
+          </a:prstGeom>
+          <a:ln>
+            <a:tailEnd type="triangle"/>
+          </a:ln>
+        </p:spPr>
+        <p:style>
+          <a:lnRef idx="1">
+            <a:schemeClr val="accent1"/>
+          </a:lnRef>
+          <a:fillRef idx="0">
+            <a:schemeClr val="accent1"/>
+          </a:fillRef>
+          <a:effectRef idx="0">
+            <a:schemeClr val="accent1"/>
+          </a:effectRef>
+          <a:fontRef idx="minor">
+            <a:schemeClr val="tx1"/>
+          </a:fontRef>
+        </p:style>
+      </p:cxnSp>
+      <p:sp>
+        <p:nvSpPr>
+          <p:cNvPr id="41" name="テキスト ボックス 40"/>
+          <p:cNvSpPr txBox="1"/>
+          <p:nvPr/>
+        </p:nvSpPr>
+        <p:spPr>
+          <a:xfrm>
+            <a:off x="1418601" y="4463963"/>
+            <a:ext cx="10948831" cy="1200329"/>
+          </a:xfrm>
+          <a:prstGeom prst="rect">
+            <a:avLst/>
+          </a:prstGeom>
+        </p:spPr>
+        <p:style>
+          <a:lnRef idx="2">
+            <a:schemeClr val="accent2"/>
+          </a:lnRef>
+          <a:fillRef idx="1">
+            <a:schemeClr val="lt1"/>
+          </a:fillRef>
+          <a:effectRef idx="0">
+            <a:schemeClr val="accent2"/>
+          </a:effectRef>
+          <a:fontRef idx="minor">
+            <a:schemeClr val="dk1"/>
+          </a:fontRef>
+        </p:style>
+        <p:txBody>
+          <a:bodyPr wrap="none" rtlCol="0">
+            <a:spAutoFit/>
+          </a:bodyPr>
+          <a:lstStyle/>
+          <a:p>
+            <a:r>
+              <a:rPr kumimoji="1" lang="en-US" altLang="ja-JP" dirty="0" smtClean="0">
+                <a:latin typeface="Consolas" panose="020B0609020204030204" pitchFamily="49" charset="0"/>
+                <a:cs typeface="Consolas" panose="020B0609020204030204" pitchFamily="49" charset="0"/>
+              </a:rPr>
+              <a:t>{</a:t>
+            </a:r>
+          </a:p>
+          <a:p>
+            <a:r>
+              <a:rPr lang="en-US" altLang="ja-JP" dirty="0">
+                <a:latin typeface="Consolas" panose="020B0609020204030204" pitchFamily="49" charset="0"/>
+                <a:cs typeface="Consolas" panose="020B0609020204030204" pitchFamily="49" charset="0"/>
+              </a:rPr>
+              <a:t> </a:t>
+            </a:r>
+            <a:r>
+              <a:rPr lang="en-US" altLang="ja-JP" dirty="0" smtClean="0">
+                <a:latin typeface="Consolas" panose="020B0609020204030204" pitchFamily="49" charset="0"/>
+                <a:cs typeface="Consolas" panose="020B0609020204030204" pitchFamily="49" charset="0"/>
+              </a:rPr>
+              <a:t> { "action": "update", "item": { "id": 1, "</a:t>
+            </a:r>
+            <a:r>
+              <a:rPr lang="en-US" altLang="ja-JP" dirty="0" err="1" smtClean="0">
+                <a:latin typeface="Consolas" panose="020B0609020204030204" pitchFamily="49" charset="0"/>
+                <a:cs typeface="Consolas" panose="020B0609020204030204" pitchFamily="49" charset="0"/>
+              </a:rPr>
+              <a:t>master_id</a:t>
+            </a:r>
+            <a:r>
+              <a:rPr lang="en-US" altLang="ja-JP" dirty="0" smtClean="0">
+                <a:latin typeface="Consolas" panose="020B0609020204030204" pitchFamily="49" charset="0"/>
+                <a:cs typeface="Consolas" panose="020B0609020204030204" pitchFamily="49" charset="0"/>
+              </a:rPr>
+              <a:t>": 1, "</a:t>
+            </a:r>
+            <a:r>
+              <a:rPr lang="en-US" altLang="ja-JP" dirty="0" err="1" smtClean="0">
+                <a:latin typeface="Consolas" panose="020B0609020204030204" pitchFamily="49" charset="0"/>
+                <a:cs typeface="Consolas" panose="020B0609020204030204" pitchFamily="49" charset="0"/>
+              </a:rPr>
+              <a:t>equipment_id</a:t>
+            </a:r>
+            <a:r>
+              <a:rPr lang="en-US" altLang="ja-JP" dirty="0" smtClean="0">
+                <a:latin typeface="Consolas" panose="020B0609020204030204" pitchFamily="49" charset="0"/>
+                <a:cs typeface="Consolas" panose="020B0609020204030204" pitchFamily="49" charset="0"/>
+              </a:rPr>
+              <a:t>": 82 } },</a:t>
+            </a:r>
+            <a:endParaRPr kumimoji="1" lang="en-US" altLang="ja-JP" dirty="0" smtClean="0">
+              <a:latin typeface="Consolas" panose="020B0609020204030204" pitchFamily="49" charset="0"/>
+              <a:cs typeface="Consolas" panose="020B0609020204030204" pitchFamily="49" charset="0"/>
+            </a:endParaRPr>
+          </a:p>
+          <a:p>
+            <a:r>
+              <a:rPr lang="en-US" altLang="ja-JP" dirty="0" smtClean="0">
+                <a:latin typeface="Consolas" panose="020B0609020204030204" pitchFamily="49" charset="0"/>
+                <a:cs typeface="Consolas" panose="020B0609020204030204" pitchFamily="49" charset="0"/>
+              </a:rPr>
+              <a:t>  { </a:t>
+            </a:r>
+            <a:r>
+              <a:rPr lang="en-US" altLang="ja-JP" dirty="0">
+                <a:latin typeface="Consolas" panose="020B0609020204030204" pitchFamily="49" charset="0"/>
+                <a:cs typeface="Consolas" panose="020B0609020204030204" pitchFamily="49" charset="0"/>
+              </a:rPr>
+              <a:t>"action": </a:t>
+            </a:r>
+            <a:r>
+              <a:rPr lang="en-US" altLang="ja-JP" dirty="0" smtClean="0">
+                <a:latin typeface="Consolas" panose="020B0609020204030204" pitchFamily="49" charset="0"/>
+                <a:cs typeface="Consolas" panose="020B0609020204030204" pitchFamily="49" charset="0"/>
+              </a:rPr>
+              <a:t>"remove", </a:t>
+            </a:r>
+            <a:r>
+              <a:rPr lang="en-US" altLang="ja-JP" dirty="0">
+                <a:latin typeface="Consolas" panose="020B0609020204030204" pitchFamily="49" charset="0"/>
+                <a:cs typeface="Consolas" panose="020B0609020204030204" pitchFamily="49" charset="0"/>
+              </a:rPr>
+              <a:t>"</a:t>
+            </a:r>
+            <a:r>
+              <a:rPr lang="en-US" altLang="ja-JP" dirty="0" smtClean="0">
+                <a:latin typeface="Consolas" panose="020B0609020204030204" pitchFamily="49" charset="0"/>
+                <a:cs typeface="Consolas" panose="020B0609020204030204" pitchFamily="49" charset="0"/>
+              </a:rPr>
+              <a:t>id": 2 }</a:t>
+            </a:r>
+          </a:p>
+          <a:p>
+            <a:r>
+              <a:rPr lang="en-US" altLang="ja-JP" dirty="0" smtClean="0">
+                <a:latin typeface="Consolas" panose="020B0609020204030204" pitchFamily="49" charset="0"/>
+                <a:cs typeface="Consolas" panose="020B0609020204030204" pitchFamily="49" charset="0"/>
+              </a:rPr>
+              <a:t>}</a:t>
+            </a:r>
+            <a:endParaRPr kumimoji="1" lang="ja-JP" altLang="en-US" dirty="0">
+              <a:latin typeface="Consolas" panose="020B0609020204030204" pitchFamily="49" charset="0"/>
+              <a:cs typeface="Consolas" panose="020B0609020204030204" pitchFamily="49" charset="0"/>
+            </a:endParaRPr>
+          </a:p>
+        </p:txBody>
+      </p:sp>
+      <p:sp>
+        <p:nvSpPr>
+          <p:cNvPr id="43" name="円/楕円 42"/>
+          <p:cNvSpPr/>
+          <p:nvPr/>
+        </p:nvSpPr>
+        <p:spPr>
+          <a:xfrm>
+            <a:off x="1956986" y="4634879"/>
+            <a:ext cx="2375731" cy="834429"/>
+          </a:xfrm>
+          <a:prstGeom prst="ellipse">
+            <a:avLst/>
+          </a:prstGeom>
+          <a:noFill/>
+          <a:ln w="19050">
+            <a:solidFill>
+              <a:schemeClr val="accent2"/>
+            </a:solidFill>
+          </a:ln>
+        </p:spPr>
+        <p:style>
+          <a:lnRef idx="2">
+            <a:schemeClr val="accent3"/>
+          </a:lnRef>
+          <a:fillRef idx="1">
+            <a:schemeClr val="lt1"/>
+          </a:fillRef>
+          <a:effectRef idx="0">
+            <a:schemeClr val="accent3"/>
+          </a:effectRef>
+          <a:fontRef idx="minor">
+            <a:schemeClr val="dk1"/>
+          </a:fontRef>
+        </p:style>
+        <p:txBody>
+          <a:bodyPr lIns="36000" tIns="36000" rIns="36000" bIns="36000" rtlCol="0" anchor="ctr"/>
+          <a:lstStyle/>
+          <a:p>
+            <a:pPr algn="ctr"/>
+            <a:endParaRPr kumimoji="1" lang="ja-JP" altLang="en-US" dirty="0" smtClean="0"/>
+          </a:p>
+        </p:txBody>
+      </p:sp>
+      <p:sp>
+        <p:nvSpPr>
+          <p:cNvPr id="44" name="四角形吹き出し 43"/>
+          <p:cNvSpPr/>
+          <p:nvPr/>
+        </p:nvSpPr>
+        <p:spPr>
+          <a:xfrm>
+            <a:off x="3247403" y="5589638"/>
+            <a:ext cx="2589376" cy="344293"/>
+          </a:xfrm>
+          <a:prstGeom prst="wedgeRectCallout">
+            <a:avLst>
+              <a:gd name="adj1" fmla="val -32384"/>
+              <a:gd name="adj2" fmla="val -126142"/>
+            </a:avLst>
+          </a:prstGeom>
+        </p:spPr>
+        <p:style>
+          <a:lnRef idx="2">
+            <a:schemeClr val="accent3"/>
+          </a:lnRef>
+          <a:fillRef idx="1">
+            <a:schemeClr val="lt1"/>
+          </a:fillRef>
+          <a:effectRef idx="0">
+            <a:schemeClr val="accent3"/>
+          </a:effectRef>
+          <a:fontRef idx="minor">
+            <a:schemeClr val="dk1"/>
+          </a:fontRef>
+        </p:style>
+        <p:txBody>
+          <a:bodyPr lIns="36000" tIns="36000" rIns="36000" bIns="36000" rtlCol="0" anchor="ctr"/>
+          <a:lstStyle/>
+          <a:p>
+            <a:pPr algn="ctr"/>
             <a:r>
               <a:rPr lang="ja-JP" altLang="en-US" dirty="0" smtClean="0"/>
-              <a:t>経緯</a:t>
-            </a:r>
-            <a:endParaRPr lang="en-US" altLang="ja-JP" dirty="0" smtClean="0"/>
-          </a:p>
-          <a:p>
-            <a:pPr lvl="1"/>
-            <a:r>
-              <a:rPr kumimoji="1" lang="ja-JP" altLang="en-US" dirty="0" smtClean="0"/>
-              <a:t>昔、要るデータだけ取ってたら更新が保守しきれなくて心折れる</a:t>
-            </a:r>
-            <a:endParaRPr kumimoji="1" lang="en-US" altLang="ja-JP" dirty="0" smtClean="0"/>
-          </a:p>
-          <a:p>
-            <a:pPr lvl="1"/>
-            <a:r>
-              <a:rPr lang="ja-JP" altLang="en-US" dirty="0" smtClean="0"/>
-              <a:t>全同期やり始める</a:t>
-            </a:r>
-            <a:endParaRPr lang="en-US" altLang="ja-JP" dirty="0" smtClean="0"/>
-          </a:p>
-          <a:p>
-            <a:pPr lvl="1"/>
-            <a:r>
-              <a:rPr kumimoji="1" lang="ja-JP" altLang="en-US" dirty="0" smtClean="0"/>
-              <a:t>重たすぎてサーバー側に怒られる</a:t>
-            </a:r>
-            <a:endParaRPr kumimoji="1" lang="en-US" altLang="ja-JP" dirty="0" smtClean="0"/>
-          </a:p>
-          <a:p>
-            <a:pPr lvl="1"/>
-            <a:r>
-              <a:rPr lang="ja-JP" altLang="en-US" dirty="0" smtClean="0"/>
-              <a:t>差分</a:t>
-            </a:r>
-            <a:r>
-              <a:rPr lang="ja-JP" altLang="en-US" dirty="0"/>
-              <a:t>更新</a:t>
-            </a:r>
-            <a:r>
-              <a:rPr lang="ja-JP" altLang="en-US" dirty="0" smtClean="0"/>
-              <a:t>をフレームワーク化、コード生成（今ここ）</a:t>
-            </a:r>
-            <a:endParaRPr kumimoji="1" lang="ja-JP" altLang="en-US" dirty="0"/>
+              <a:t>変化したところだけもらう</a:t>
+            </a:r>
+            <a:endParaRPr kumimoji="1" lang="ja-JP" altLang="en-US" dirty="0" smtClean="0"/>
           </a:p>
         </p:txBody>
       </p:sp>
     </p:spTree>
     <p:extLst>
       <p:ext uri="{BB962C8B-B14F-4D97-AF65-F5344CB8AC3E}">
-        <p14:creationId xmlns:p14="http://schemas.microsoft.com/office/powerpoint/2010/main" val="1137455177"/>
+        <p14:creationId xmlns:p14="http://schemas.microsoft.com/office/powerpoint/2010/main" val="1055460503"/>
       </p:ext>
     </p:extLst>
   </p:cSld>
@@ -43545,9 +44527,366 @@
   <p:timing>
     <p:tnLst>
       <p:par>
-        <p:cTn id="1" dur="indefinite" restart="never" nodeType="tmRoot"/>
+        <p:cTn id="1" dur="indefinite" restart="never" nodeType="tmRoot">
+          <p:childTnLst>
+            <p:seq concurrent="1" nextAc="seek">
+              <p:cTn id="2" dur="indefinite" nodeType="mainSeq">
+                <p:childTnLst>
+                  <p:par>
+                    <p:cTn id="3" fill="hold">
+                      <p:stCondLst>
+                        <p:cond delay="indefinite"/>
+                      </p:stCondLst>
+                      <p:childTnLst>
+                        <p:par>
+                          <p:cTn id="4" fill="hold">
+                            <p:stCondLst>
+                              <p:cond delay="0"/>
+                            </p:stCondLst>
+                            <p:childTnLst>
+                              <p:par>
+                                <p:cTn id="5" presetID="14" presetClass="entr" presetSubtype="10" fill="hold" grpId="0" nodeType="clickEffect">
+                                  <p:stCondLst>
+                                    <p:cond delay="0"/>
+                                  </p:stCondLst>
+                                  <p:childTnLst>
+                                    <p:set>
+                                      <p:cBhvr>
+                                        <p:cTn id="6" dur="1" fill="hold">
+                                          <p:stCondLst>
+                                            <p:cond delay="0"/>
+                                          </p:stCondLst>
+                                        </p:cTn>
+                                        <p:tgtEl>
+                                          <p:spTgt spid="27"/>
+                                        </p:tgtEl>
+                                        <p:attrNameLst>
+                                          <p:attrName>style.visibility</p:attrName>
+                                        </p:attrNameLst>
+                                      </p:cBhvr>
+                                      <p:to>
+                                        <p:strVal val="visible"/>
+                                      </p:to>
+                                    </p:set>
+                                    <p:animEffect transition="in" filter="randombar(horizontal)">
+                                      <p:cBhvr>
+                                        <p:cTn id="7" dur="500"/>
+                                        <p:tgtEl>
+                                          <p:spTgt spid="27"/>
+                                        </p:tgtEl>
+                                      </p:cBhvr>
+                                    </p:animEffect>
+                                  </p:childTnLst>
+                                </p:cTn>
+                              </p:par>
+                              <p:par>
+                                <p:cTn id="8" presetID="14" presetClass="entr" presetSubtype="10" fill="hold" grpId="0" nodeType="withEffect" nodePh="1">
+                                  <p:stCondLst>
+                                    <p:cond delay="0"/>
+                                  </p:stCondLst>
+                                  <p:endCondLst>
+                                    <p:cond evt="begin" delay="0">
+                                      <p:tn val="8"/>
+                                    </p:cond>
+                                  </p:endCondLst>
+                                  <p:childTnLst>
+                                    <p:set>
+                                      <p:cBhvr>
+                                        <p:cTn id="9" dur="1" fill="hold">
+                                          <p:stCondLst>
+                                            <p:cond delay="0"/>
+                                          </p:stCondLst>
+                                        </p:cTn>
+                                        <p:tgtEl>
+                                          <p:spTgt spid="28"/>
+                                        </p:tgtEl>
+                                        <p:attrNameLst>
+                                          <p:attrName>style.visibility</p:attrName>
+                                        </p:attrNameLst>
+                                      </p:cBhvr>
+                                      <p:to>
+                                        <p:strVal val="visible"/>
+                                      </p:to>
+                                    </p:set>
+                                    <p:animEffect transition="in" filter="randombar(horizontal)">
+                                      <p:cBhvr>
+                                        <p:cTn id="10" dur="500"/>
+                                        <p:tgtEl>
+                                          <p:spTgt spid="28"/>
+                                        </p:tgtEl>
+                                      </p:cBhvr>
+                                    </p:animEffect>
+                                  </p:childTnLst>
+                                </p:cTn>
+                              </p:par>
+                              <p:par>
+                                <p:cTn id="11" presetID="14" presetClass="entr" presetSubtype="10" fill="hold" nodeType="withEffect">
+                                  <p:stCondLst>
+                                    <p:cond delay="0"/>
+                                  </p:stCondLst>
+                                  <p:childTnLst>
+                                    <p:set>
+                                      <p:cBhvr>
+                                        <p:cTn id="12" dur="1" fill="hold">
+                                          <p:stCondLst>
+                                            <p:cond delay="0"/>
+                                          </p:stCondLst>
+                                        </p:cTn>
+                                        <p:tgtEl>
+                                          <p:spTgt spid="30"/>
+                                        </p:tgtEl>
+                                        <p:attrNameLst>
+                                          <p:attrName>style.visibility</p:attrName>
+                                        </p:attrNameLst>
+                                      </p:cBhvr>
+                                      <p:to>
+                                        <p:strVal val="visible"/>
+                                      </p:to>
+                                    </p:set>
+                                    <p:animEffect transition="in" filter="randombar(horizontal)">
+                                      <p:cBhvr>
+                                        <p:cTn id="13" dur="500"/>
+                                        <p:tgtEl>
+                                          <p:spTgt spid="30"/>
+                                        </p:tgtEl>
+                                      </p:cBhvr>
+                                    </p:animEffect>
+                                  </p:childTnLst>
+                                </p:cTn>
+                              </p:par>
+                              <p:par>
+                                <p:cTn id="14" presetID="14" presetClass="entr" presetSubtype="10" fill="hold" grpId="0" nodeType="withEffect">
+                                  <p:stCondLst>
+                                    <p:cond delay="0"/>
+                                  </p:stCondLst>
+                                  <p:childTnLst>
+                                    <p:set>
+                                      <p:cBhvr>
+                                        <p:cTn id="15" dur="1" fill="hold">
+                                          <p:stCondLst>
+                                            <p:cond delay="0"/>
+                                          </p:stCondLst>
+                                        </p:cTn>
+                                        <p:tgtEl>
+                                          <p:spTgt spid="31"/>
+                                        </p:tgtEl>
+                                        <p:attrNameLst>
+                                          <p:attrName>style.visibility</p:attrName>
+                                        </p:attrNameLst>
+                                      </p:cBhvr>
+                                      <p:to>
+                                        <p:strVal val="visible"/>
+                                      </p:to>
+                                    </p:set>
+                                    <p:animEffect transition="in" filter="randombar(horizontal)">
+                                      <p:cBhvr>
+                                        <p:cTn id="16" dur="500"/>
+                                        <p:tgtEl>
+                                          <p:spTgt spid="31"/>
+                                        </p:tgtEl>
+                                      </p:cBhvr>
+                                    </p:animEffect>
+                                  </p:childTnLst>
+                                </p:cTn>
+                              </p:par>
+                              <p:par>
+                                <p:cTn id="17" presetID="14" presetClass="entr" presetSubtype="10" fill="hold" grpId="0" nodeType="withEffect" nodePh="1">
+                                  <p:stCondLst>
+                                    <p:cond delay="0"/>
+                                  </p:stCondLst>
+                                  <p:endCondLst>
+                                    <p:cond evt="begin" delay="0">
+                                      <p:tn val="17"/>
+                                    </p:cond>
+                                  </p:endCondLst>
+                                  <p:childTnLst>
+                                    <p:set>
+                                      <p:cBhvr>
+                                        <p:cTn id="18" dur="1" fill="hold">
+                                          <p:stCondLst>
+                                            <p:cond delay="0"/>
+                                          </p:stCondLst>
+                                        </p:cTn>
+                                        <p:tgtEl>
+                                          <p:spTgt spid="32"/>
+                                        </p:tgtEl>
+                                        <p:attrNameLst>
+                                          <p:attrName>style.visibility</p:attrName>
+                                        </p:attrNameLst>
+                                      </p:cBhvr>
+                                      <p:to>
+                                        <p:strVal val="visible"/>
+                                      </p:to>
+                                    </p:set>
+                                    <p:animEffect transition="in" filter="randombar(horizontal)">
+                                      <p:cBhvr>
+                                        <p:cTn id="19" dur="500"/>
+                                        <p:tgtEl>
+                                          <p:spTgt spid="32"/>
+                                        </p:tgtEl>
+                                      </p:cBhvr>
+                                    </p:animEffect>
+                                  </p:childTnLst>
+                                </p:cTn>
+                              </p:par>
+                              <p:par>
+                                <p:cTn id="20" presetID="14" presetClass="entr" presetSubtype="10" fill="hold" nodeType="withEffect">
+                                  <p:stCondLst>
+                                    <p:cond delay="0"/>
+                                  </p:stCondLst>
+                                  <p:childTnLst>
+                                    <p:set>
+                                      <p:cBhvr>
+                                        <p:cTn id="21" dur="1" fill="hold">
+                                          <p:stCondLst>
+                                            <p:cond delay="0"/>
+                                          </p:stCondLst>
+                                        </p:cTn>
+                                        <p:tgtEl>
+                                          <p:spTgt spid="33"/>
+                                        </p:tgtEl>
+                                        <p:attrNameLst>
+                                          <p:attrName>style.visibility</p:attrName>
+                                        </p:attrNameLst>
+                                      </p:cBhvr>
+                                      <p:to>
+                                        <p:strVal val="visible"/>
+                                      </p:to>
+                                    </p:set>
+                                    <p:animEffect transition="in" filter="randombar(horizontal)">
+                                      <p:cBhvr>
+                                        <p:cTn id="22" dur="500"/>
+                                        <p:tgtEl>
+                                          <p:spTgt spid="33"/>
+                                        </p:tgtEl>
+                                      </p:cBhvr>
+                                    </p:animEffect>
+                                  </p:childTnLst>
+                                </p:cTn>
+                              </p:par>
+                            </p:childTnLst>
+                          </p:cTn>
+                        </p:par>
+                      </p:childTnLst>
+                    </p:cTn>
+                  </p:par>
+                  <p:par>
+                    <p:cTn id="23" fill="hold">
+                      <p:stCondLst>
+                        <p:cond delay="indefinite"/>
+                      </p:stCondLst>
+                      <p:childTnLst>
+                        <p:par>
+                          <p:cTn id="24" fill="hold">
+                            <p:stCondLst>
+                              <p:cond delay="0"/>
+                            </p:stCondLst>
+                            <p:childTnLst>
+                              <p:par>
+                                <p:cTn id="25" presetID="14" presetClass="entr" presetSubtype="10" fill="hold" grpId="0" nodeType="clickEffect">
+                                  <p:stCondLst>
+                                    <p:cond delay="0"/>
+                                  </p:stCondLst>
+                                  <p:childTnLst>
+                                    <p:set>
+                                      <p:cBhvr>
+                                        <p:cTn id="26" dur="1" fill="hold">
+                                          <p:stCondLst>
+                                            <p:cond delay="0"/>
+                                          </p:stCondLst>
+                                        </p:cTn>
+                                        <p:tgtEl>
+                                          <p:spTgt spid="43"/>
+                                        </p:tgtEl>
+                                        <p:attrNameLst>
+                                          <p:attrName>style.visibility</p:attrName>
+                                        </p:attrNameLst>
+                                      </p:cBhvr>
+                                      <p:to>
+                                        <p:strVal val="visible"/>
+                                      </p:to>
+                                    </p:set>
+                                    <p:animEffect transition="in" filter="randombar(horizontal)">
+                                      <p:cBhvr>
+                                        <p:cTn id="27" dur="500"/>
+                                        <p:tgtEl>
+                                          <p:spTgt spid="43"/>
+                                        </p:tgtEl>
+                                      </p:cBhvr>
+                                    </p:animEffect>
+                                  </p:childTnLst>
+                                </p:cTn>
+                              </p:par>
+                              <p:par>
+                                <p:cTn id="28" presetID="14" presetClass="entr" presetSubtype="10" fill="hold" grpId="0" nodeType="withEffect">
+                                  <p:stCondLst>
+                                    <p:cond delay="0"/>
+                                  </p:stCondLst>
+                                  <p:childTnLst>
+                                    <p:set>
+                                      <p:cBhvr>
+                                        <p:cTn id="29" dur="1" fill="hold">
+                                          <p:stCondLst>
+                                            <p:cond delay="0"/>
+                                          </p:stCondLst>
+                                        </p:cTn>
+                                        <p:tgtEl>
+                                          <p:spTgt spid="44"/>
+                                        </p:tgtEl>
+                                        <p:attrNameLst>
+                                          <p:attrName>style.visibility</p:attrName>
+                                        </p:attrNameLst>
+                                      </p:cBhvr>
+                                      <p:to>
+                                        <p:strVal val="visible"/>
+                                      </p:to>
+                                    </p:set>
+                                    <p:animEffect transition="in" filter="randombar(horizontal)">
+                                      <p:cBhvr>
+                                        <p:cTn id="30" dur="500"/>
+                                        <p:tgtEl>
+                                          <p:spTgt spid="44"/>
+                                        </p:tgtEl>
+                                      </p:cBhvr>
+                                    </p:animEffect>
+                                  </p:childTnLst>
+                                </p:cTn>
+                              </p:par>
+                            </p:childTnLst>
+                          </p:cTn>
+                        </p:par>
+                      </p:childTnLst>
+                    </p:cTn>
+                  </p:par>
+                </p:childTnLst>
+              </p:cTn>
+              <p:prevCondLst>
+                <p:cond evt="onPrev" delay="0">
+                  <p:tgtEl>
+                    <p:sldTgt/>
+                  </p:tgtEl>
+                </p:cond>
+              </p:prevCondLst>
+              <p:nextCondLst>
+                <p:cond evt="onNext" delay="0">
+                  <p:tgtEl>
+                    <p:sldTgt/>
+                  </p:tgtEl>
+                </p:cond>
+              </p:nextCondLst>
+            </p:seq>
+          </p:childTnLst>
+        </p:cTn>
       </p:par>
     </p:tnLst>
+    <p:bldLst>
+      <p:bldP spid="27" grpId="0" animBg="1"/>
+      <p:bldP spid="28" grpId="0"/>
+      <p:bldP spid="31" grpId="0" animBg="1"/>
+      <p:bldP spid="32" grpId="0"/>
+      <p:bldP spid="43" grpId="0" animBg="1"/>
+      <p:bldP spid="44" grpId="0" animBg="1"/>
+    </p:bldLst>
   </p:timing>
 </p:sld>
 </file>
@@ -43571,6 +44910,47 @@
       </p:grpSpPr>
       <p:sp>
         <p:nvSpPr>
+          <p:cNvPr id="35" name="円/楕円 34"/>
+          <p:cNvSpPr/>
+          <p:nvPr/>
+        </p:nvSpPr>
+        <p:spPr>
+          <a:xfrm>
+            <a:off x="9193221" y="4168150"/>
+            <a:ext cx="294640" cy="294640"/>
+          </a:xfrm>
+          <a:prstGeom prst="ellipse">
+            <a:avLst/>
+          </a:prstGeom>
+          <a:ln>
+            <a:noFill/>
+          </a:ln>
+        </p:spPr>
+        <p:style>
+          <a:lnRef idx="2">
+            <a:schemeClr val="accent3"/>
+          </a:lnRef>
+          <a:fillRef idx="1">
+            <a:schemeClr val="lt1"/>
+          </a:fillRef>
+          <a:effectRef idx="0">
+            <a:schemeClr val="accent3"/>
+          </a:effectRef>
+          <a:fontRef idx="minor">
+            <a:schemeClr val="dk1"/>
+          </a:fontRef>
+        </p:style>
+        <p:txBody>
+          <a:bodyPr lIns="36000" tIns="36000" rIns="36000" bIns="36000" rtlCol="0" anchor="ctr"/>
+          <a:lstStyle/>
+          <a:p>
+            <a:pPr algn="ctr"/>
+            <a:endParaRPr kumimoji="1" lang="ja-JP" altLang="en-US" dirty="0" smtClean="0"/>
+          </a:p>
+        </p:txBody>
+      </p:sp>
+      <p:sp>
+        <p:nvSpPr>
           <p:cNvPr id="2" name="タイトル 1"/>
           <p:cNvSpPr>
             <a:spLocks noGrp="1"/>
@@ -43584,7 +44964,19 @@
           <a:bodyPr/>
           <a:lstStyle/>
           <a:p>
-            <a:endParaRPr kumimoji="1" lang="ja-JP" altLang="en-US"/>
+            <a:r>
+              <a:rPr kumimoji="1" lang="ja-JP" altLang="en-US" dirty="0" smtClean="0"/>
+              <a:t>問題</a:t>
+            </a:r>
+            <a:r>
+              <a:rPr kumimoji="1" lang="en-US" altLang="ja-JP" dirty="0" smtClean="0"/>
+              <a:t>:</a:t>
+            </a:r>
+            <a:r>
+              <a:rPr kumimoji="1" lang="ja-JP" altLang="en-US" dirty="0" smtClean="0"/>
+              <a:t> インスタンスが変わる</a:t>
+            </a:r>
+            <a:endParaRPr kumimoji="1" lang="ja-JP" altLang="en-US" dirty="0"/>
           </a:p>
         </p:txBody>
       </p:sp>
@@ -43600,72 +44992,1275 @@
         </p:nvSpPr>
         <p:spPr/>
         <p:txBody>
-          <a:bodyPr/>
+          <a:bodyPr>
+            <a:normAutofit/>
+          </a:bodyPr>
           <a:lstStyle/>
           <a:p>
             <a:r>
-              <a:rPr kumimoji="1" lang="en-US" altLang="ja-JP" dirty="0" err="1" smtClean="0"/>
-              <a:t>SyncResult</a:t>
-            </a:r>
+              <a:rPr kumimoji="1" lang="ja-JP" altLang="en-US" dirty="0" smtClean="0"/>
+              <a:t>サーバーとの同期でインスタンスが変わる</a:t>
+            </a:r>
+            <a:endParaRPr kumimoji="1" lang="en-US" altLang="ja-JP" dirty="0" smtClean="0"/>
+          </a:p>
+          <a:p>
+            <a:endParaRPr lang="en-US" altLang="ja-JP" dirty="0"/>
+          </a:p>
+          <a:p>
+            <a:endParaRPr kumimoji="1" lang="en-US" altLang="ja-JP" dirty="0" smtClean="0"/>
+          </a:p>
+          <a:p>
+            <a:endParaRPr lang="en-US" altLang="ja-JP" dirty="0"/>
+          </a:p>
+          <a:p>
+            <a:endParaRPr kumimoji="1" lang="en-US" altLang="ja-JP" dirty="0" smtClean="0"/>
+          </a:p>
+          <a:p>
+            <a:endParaRPr lang="en-US" altLang="ja-JP" dirty="0"/>
+          </a:p>
+          <a:p>
+            <a:endParaRPr kumimoji="1" lang="en-US" altLang="ja-JP" dirty="0" smtClean="0"/>
+          </a:p>
+          <a:p>
+            <a:pPr lvl="1"/>
+            <a:endParaRPr lang="en-US" altLang="ja-JP" dirty="0"/>
+          </a:p>
+          <a:p>
+            <a:pPr lvl="1"/>
+            <a:r>
+              <a:rPr lang="ja-JP" altLang="en-US" dirty="0" smtClean="0"/>
+              <a:t>漏れなく追従するの、手動では無理</a:t>
+            </a:r>
+            <a:endParaRPr kumimoji="1" lang="ja-JP" altLang="en-US" dirty="0"/>
+          </a:p>
+        </p:txBody>
+      </p:sp>
+      <p:sp>
+        <p:nvSpPr>
+          <p:cNvPr id="4" name="角丸四角形 3"/>
+          <p:cNvSpPr/>
+          <p:nvPr/>
+        </p:nvSpPr>
+        <p:spPr>
+          <a:xfrm>
+            <a:off x="1120733" y="2839292"/>
+            <a:ext cx="1264778" cy="1632247"/>
+          </a:xfrm>
+          <a:prstGeom prst="roundRect">
+            <a:avLst>
+              <a:gd name="adj" fmla="val 7883"/>
+            </a:avLst>
+          </a:prstGeom>
+        </p:spPr>
+        <p:style>
+          <a:lnRef idx="2">
+            <a:schemeClr val="accent4"/>
+          </a:lnRef>
+          <a:fillRef idx="1">
+            <a:schemeClr val="lt1"/>
+          </a:fillRef>
+          <a:effectRef idx="0">
+            <a:schemeClr val="accent4"/>
+          </a:effectRef>
+          <a:fontRef idx="minor">
+            <a:schemeClr val="dk1"/>
+          </a:fontRef>
+        </p:style>
+        <p:txBody>
+          <a:bodyPr lIns="36000" tIns="36000" rIns="36000" bIns="36000" rtlCol="0" anchor="t" anchorCtr="0"/>
+          <a:lstStyle/>
+          <a:p>
+            <a:pPr algn="ctr"/>
             <a:r>
               <a:rPr kumimoji="1" lang="en-US" altLang="ja-JP" dirty="0" smtClean="0"/>
-              <a:t>, </a:t>
-            </a:r>
-            <a:r>
-              <a:rPr kumimoji="1" lang="en-US" altLang="ja-JP" dirty="0" err="1" smtClean="0"/>
-              <a:t>SyncDifference</a:t>
-            </a:r>
+              <a:t>UI</a:t>
+            </a:r>
+            <a:endParaRPr kumimoji="1" lang="ja-JP" altLang="en-US" dirty="0" smtClean="0"/>
+          </a:p>
+        </p:txBody>
+      </p:sp>
+      <p:sp>
+        <p:nvSpPr>
+          <p:cNvPr id="5" name="角丸四角形 4"/>
+          <p:cNvSpPr/>
+          <p:nvPr/>
+        </p:nvSpPr>
+        <p:spPr>
+          <a:xfrm>
+            <a:off x="3097818" y="2839292"/>
+            <a:ext cx="1927267" cy="1763188"/>
+          </a:xfrm>
+          <a:prstGeom prst="roundRect">
+            <a:avLst>
+              <a:gd name="adj" fmla="val 7883"/>
+            </a:avLst>
+          </a:prstGeom>
+        </p:spPr>
+        <p:style>
+          <a:lnRef idx="2">
+            <a:schemeClr val="accent4"/>
+          </a:lnRef>
+          <a:fillRef idx="1">
+            <a:schemeClr val="lt1"/>
+          </a:fillRef>
+          <a:effectRef idx="0">
+            <a:schemeClr val="accent4"/>
+          </a:effectRef>
+          <a:fontRef idx="minor">
+            <a:schemeClr val="dk1"/>
+          </a:fontRef>
+        </p:style>
+        <p:txBody>
+          <a:bodyPr lIns="36000" tIns="36000" rIns="36000" bIns="36000" rtlCol="0" anchor="t" anchorCtr="0"/>
+          <a:lstStyle/>
+          <a:p>
+            <a:pPr algn="ctr"/>
+            <a:r>
+              <a:rPr kumimoji="1" lang="ja-JP" altLang="en-US" dirty="0" smtClean="0"/>
+              <a:t>インベントリ</a:t>
+            </a:r>
+            <a:endParaRPr kumimoji="1" lang="ja-JP" altLang="en-US" dirty="0" smtClean="0"/>
+          </a:p>
+        </p:txBody>
+      </p:sp>
+      <p:sp>
+        <p:nvSpPr>
+          <p:cNvPr id="6" name="正方形/長方形 5"/>
+          <p:cNvSpPr/>
+          <p:nvPr/>
+        </p:nvSpPr>
+        <p:spPr>
+          <a:xfrm>
+            <a:off x="3256297" y="3317633"/>
+            <a:ext cx="1664110" cy="1153906"/>
+          </a:xfrm>
+          <a:prstGeom prst="rect">
+            <a:avLst/>
+          </a:prstGeom>
+          <a:ln>
+            <a:solidFill>
+              <a:schemeClr val="accent5"/>
+            </a:solidFill>
+          </a:ln>
+        </p:spPr>
+        <p:style>
+          <a:lnRef idx="2">
+            <a:schemeClr val="accent3"/>
+          </a:lnRef>
+          <a:fillRef idx="1">
+            <a:schemeClr val="lt1"/>
+          </a:fillRef>
+          <a:effectRef idx="0">
+            <a:schemeClr val="accent3"/>
+          </a:effectRef>
+          <a:fontRef idx="minor">
+            <a:schemeClr val="dk1"/>
+          </a:fontRef>
+        </p:style>
+        <p:txBody>
+          <a:bodyPr lIns="36000" tIns="36000" rIns="36000" bIns="36000" rtlCol="0" anchor="t" anchorCtr="0"/>
+          <a:lstStyle/>
+          <a:p>
+            <a:pPr algn="ctr"/>
             <a:r>
               <a:rPr kumimoji="1" lang="en-US" altLang="ja-JP" dirty="0" smtClean="0"/>
-              <a:t>,</a:t>
-            </a:r>
+              <a:t>Unit</a:t>
+            </a:r>
+          </a:p>
+          <a:p>
+            <a:pPr algn="ctr"/>
+            <a:endParaRPr kumimoji="1" lang="ja-JP" altLang="en-US" dirty="0" smtClean="0"/>
+          </a:p>
+        </p:txBody>
+      </p:sp>
+      <p:cxnSp>
+        <p:nvCxnSpPr>
+          <p:cNvPr id="7" name="直線コネクタ 6"/>
+          <p:cNvCxnSpPr/>
+          <p:nvPr/>
+        </p:nvCxnSpPr>
+        <p:spPr>
+          <a:xfrm>
+            <a:off x="3256297" y="3625281"/>
+            <a:ext cx="1664110" cy="0"/>
+          </a:xfrm>
+          <a:prstGeom prst="line">
+            <a:avLst/>
+          </a:prstGeom>
+          <a:ln>
+            <a:solidFill>
+              <a:schemeClr val="accent5"/>
+            </a:solidFill>
+          </a:ln>
+        </p:spPr>
+        <p:style>
+          <a:lnRef idx="1">
+            <a:schemeClr val="accent1"/>
+          </a:lnRef>
+          <a:fillRef idx="0">
+            <a:schemeClr val="accent1"/>
+          </a:fillRef>
+          <a:effectRef idx="0">
+            <a:schemeClr val="accent1"/>
+          </a:effectRef>
+          <a:fontRef idx="minor">
+            <a:schemeClr val="tx1"/>
+          </a:fontRef>
+        </p:style>
+      </p:cxnSp>
+      <p:sp>
+        <p:nvSpPr>
+          <p:cNvPr id="8" name="テキスト ボックス 7"/>
+          <p:cNvSpPr txBox="1"/>
+          <p:nvPr/>
+        </p:nvSpPr>
+        <p:spPr>
+          <a:xfrm>
+            <a:off x="3256297" y="3640542"/>
+            <a:ext cx="1664110" cy="830997"/>
+          </a:xfrm>
+          <a:prstGeom prst="rect">
+            <a:avLst/>
+          </a:prstGeom>
+          <a:noFill/>
+        </p:spPr>
+        <p:txBody>
+          <a:bodyPr wrap="none" rtlCol="0">
+            <a:spAutoFit/>
+          </a:bodyPr>
+          <a:lstStyle/>
+          <a:p>
+            <a:r>
+              <a:rPr lang="en-US" altLang="ja-JP" sz="1600" dirty="0" smtClean="0"/>
+              <a:t>Id: 1</a:t>
+            </a:r>
+          </a:p>
+          <a:p>
+            <a:r>
+              <a:rPr lang="en-US" altLang="ja-JP" sz="1600" dirty="0" err="1" smtClean="0"/>
+              <a:t>MasterId</a:t>
+            </a:r>
+            <a:r>
+              <a:rPr lang="en-US" altLang="ja-JP" sz="1600" dirty="0" smtClean="0"/>
+              <a:t>: 1</a:t>
+            </a:r>
+          </a:p>
+          <a:p>
+            <a:r>
+              <a:rPr kumimoji="1" lang="en-US" altLang="ja-JP" sz="1600" dirty="0" err="1" smtClean="0"/>
+              <a:t>EquipmentId</a:t>
+            </a:r>
+            <a:r>
+              <a:rPr kumimoji="1" lang="en-US" altLang="ja-JP" sz="1600" dirty="0" smtClean="0"/>
+              <a:t>: 120</a:t>
+            </a:r>
+            <a:endParaRPr kumimoji="1" lang="ja-JP" altLang="en-US" sz="1600" dirty="0"/>
+          </a:p>
+        </p:txBody>
+      </p:sp>
+      <p:cxnSp>
+        <p:nvCxnSpPr>
+          <p:cNvPr id="10" name="曲線コネクタ 9"/>
+          <p:cNvCxnSpPr>
+            <a:stCxn id="13" idx="6"/>
+            <a:endCxn id="8" idx="1"/>
+          </p:cNvCxnSpPr>
+          <p:nvPr/>
+        </p:nvCxnSpPr>
+        <p:spPr>
+          <a:xfrm>
+            <a:off x="1900442" y="3493222"/>
+            <a:ext cx="1355855" cy="562819"/>
+          </a:xfrm>
+          <a:prstGeom prst="curvedConnector3">
+            <a:avLst/>
+          </a:prstGeom>
+          <a:ln>
+            <a:tailEnd type="triangle"/>
+          </a:ln>
+        </p:spPr>
+        <p:style>
+          <a:lnRef idx="1">
+            <a:schemeClr val="accent1"/>
+          </a:lnRef>
+          <a:fillRef idx="0">
+            <a:schemeClr val="accent1"/>
+          </a:fillRef>
+          <a:effectRef idx="0">
+            <a:schemeClr val="accent1"/>
+          </a:effectRef>
+          <a:fontRef idx="minor">
+            <a:schemeClr val="tx1"/>
+          </a:fontRef>
+        </p:style>
+      </p:cxnSp>
+      <p:sp>
+        <p:nvSpPr>
+          <p:cNvPr id="12" name="テキスト ボックス 11"/>
+          <p:cNvSpPr txBox="1"/>
+          <p:nvPr/>
+        </p:nvSpPr>
+        <p:spPr>
+          <a:xfrm>
+            <a:off x="2377733" y="3332765"/>
+            <a:ext cx="543739" cy="307777"/>
+          </a:xfrm>
+          <a:prstGeom prst="rect">
+            <a:avLst/>
+          </a:prstGeom>
+          <a:noFill/>
+        </p:spPr>
+        <p:txBody>
+          <a:bodyPr wrap="none" rtlCol="0">
+            <a:spAutoFit/>
+          </a:bodyPr>
+          <a:lstStyle/>
+          <a:p>
+            <a:r>
+              <a:rPr kumimoji="1" lang="ja-JP" altLang="en-US" sz="1400" dirty="0" smtClean="0"/>
+              <a:t>参照</a:t>
+            </a:r>
+            <a:endParaRPr kumimoji="1" lang="ja-JP" altLang="en-US" sz="1400" dirty="0"/>
+          </a:p>
+        </p:txBody>
+      </p:sp>
+      <p:sp>
+        <p:nvSpPr>
+          <p:cNvPr id="13" name="円/楕円 12"/>
+          <p:cNvSpPr/>
+          <p:nvPr/>
+        </p:nvSpPr>
+        <p:spPr>
+          <a:xfrm>
+            <a:off x="1605802" y="3345902"/>
+            <a:ext cx="294640" cy="294640"/>
+          </a:xfrm>
+          <a:prstGeom prst="ellipse">
+            <a:avLst/>
+          </a:prstGeom>
+          <a:ln>
+            <a:noFill/>
+          </a:ln>
+        </p:spPr>
+        <p:style>
+          <a:lnRef idx="2">
+            <a:schemeClr val="accent3"/>
+          </a:lnRef>
+          <a:fillRef idx="1">
+            <a:schemeClr val="lt1"/>
+          </a:fillRef>
+          <a:effectRef idx="0">
+            <a:schemeClr val="accent3"/>
+          </a:effectRef>
+          <a:fontRef idx="minor">
+            <a:schemeClr val="dk1"/>
+          </a:fontRef>
+        </p:style>
+        <p:txBody>
+          <a:bodyPr lIns="36000" tIns="36000" rIns="36000" bIns="36000" rtlCol="0" anchor="ctr"/>
+          <a:lstStyle/>
+          <a:p>
+            <a:pPr algn="ctr"/>
+            <a:endParaRPr kumimoji="1" lang="ja-JP" altLang="en-US" dirty="0" smtClean="0"/>
+          </a:p>
+        </p:txBody>
+      </p:sp>
+      <p:sp>
+        <p:nvSpPr>
+          <p:cNvPr id="17" name="テキスト ボックス 16"/>
+          <p:cNvSpPr txBox="1"/>
+          <p:nvPr/>
+        </p:nvSpPr>
+        <p:spPr>
+          <a:xfrm>
+            <a:off x="1120733" y="2430131"/>
+            <a:ext cx="877163" cy="369332"/>
+          </a:xfrm>
+          <a:prstGeom prst="rect">
+            <a:avLst/>
+          </a:prstGeom>
+          <a:noFill/>
+        </p:spPr>
+        <p:txBody>
+          <a:bodyPr wrap="none" rtlCol="0">
+            <a:spAutoFit/>
+          </a:bodyPr>
+          <a:lstStyle/>
+          <a:p>
             <a:r>
               <a:rPr kumimoji="1" lang="ja-JP" altLang="en-US" dirty="0" smtClean="0"/>
-              <a:t> </a:t>
-            </a:r>
-            <a:r>
-              <a:rPr kumimoji="1" lang="en-US" altLang="ja-JP" dirty="0" err="1" smtClean="0"/>
-              <a:t>SyncRepository</a:t>
+              <a:t>同期前</a:t>
+            </a:r>
+            <a:endParaRPr kumimoji="1" lang="ja-JP" altLang="en-US" dirty="0"/>
+          </a:p>
+        </p:txBody>
+      </p:sp>
+      <p:sp>
+        <p:nvSpPr>
+          <p:cNvPr id="18" name="角丸四角形 17"/>
+          <p:cNvSpPr/>
+          <p:nvPr/>
+        </p:nvSpPr>
+        <p:spPr>
+          <a:xfrm>
+            <a:off x="5853426" y="2839292"/>
+            <a:ext cx="1264778" cy="1632247"/>
+          </a:xfrm>
+          <a:prstGeom prst="roundRect">
+            <a:avLst>
+              <a:gd name="adj" fmla="val 7883"/>
+            </a:avLst>
+          </a:prstGeom>
+        </p:spPr>
+        <p:style>
+          <a:lnRef idx="2">
+            <a:schemeClr val="accent4"/>
+          </a:lnRef>
+          <a:fillRef idx="1">
+            <a:schemeClr val="lt1"/>
+          </a:fillRef>
+          <a:effectRef idx="0">
+            <a:schemeClr val="accent4"/>
+          </a:effectRef>
+          <a:fontRef idx="minor">
+            <a:schemeClr val="dk1"/>
+          </a:fontRef>
+        </p:style>
+        <p:txBody>
+          <a:bodyPr lIns="36000" tIns="36000" rIns="36000" bIns="36000" rtlCol="0" anchor="t" anchorCtr="0"/>
+          <a:lstStyle/>
+          <a:p>
+            <a:pPr algn="ctr"/>
+            <a:r>
+              <a:rPr kumimoji="1" lang="en-US" altLang="ja-JP" dirty="0" smtClean="0"/>
+              <a:t>UI</a:t>
+            </a:r>
+            <a:endParaRPr kumimoji="1" lang="ja-JP" altLang="en-US" dirty="0" smtClean="0"/>
+          </a:p>
+        </p:txBody>
+      </p:sp>
+      <p:sp>
+        <p:nvSpPr>
+          <p:cNvPr id="19" name="角丸四角形 18"/>
+          <p:cNvSpPr/>
+          <p:nvPr/>
+        </p:nvSpPr>
+        <p:spPr>
+          <a:xfrm>
+            <a:off x="7830511" y="2839292"/>
+            <a:ext cx="3227747" cy="1763188"/>
+          </a:xfrm>
+          <a:prstGeom prst="roundRect">
+            <a:avLst>
+              <a:gd name="adj" fmla="val 7883"/>
+            </a:avLst>
+          </a:prstGeom>
+        </p:spPr>
+        <p:style>
+          <a:lnRef idx="2">
+            <a:schemeClr val="accent4"/>
+          </a:lnRef>
+          <a:fillRef idx="1">
+            <a:schemeClr val="lt1"/>
+          </a:fillRef>
+          <a:effectRef idx="0">
+            <a:schemeClr val="accent4"/>
+          </a:effectRef>
+          <a:fontRef idx="minor">
+            <a:schemeClr val="dk1"/>
+          </a:fontRef>
+        </p:style>
+        <p:txBody>
+          <a:bodyPr lIns="36000" tIns="36000" rIns="36000" bIns="36000" rtlCol="0" anchor="t" anchorCtr="0"/>
+          <a:lstStyle/>
+          <a:p>
+            <a:pPr algn="ctr"/>
+            <a:r>
+              <a:rPr kumimoji="1" lang="ja-JP" altLang="en-US" dirty="0" smtClean="0"/>
+              <a:t>インベントリ</a:t>
+            </a:r>
+            <a:endParaRPr kumimoji="1" lang="ja-JP" altLang="en-US" dirty="0" smtClean="0"/>
+          </a:p>
+        </p:txBody>
+      </p:sp>
+      <p:sp>
+        <p:nvSpPr>
+          <p:cNvPr id="20" name="正方形/長方形 19"/>
+          <p:cNvSpPr/>
+          <p:nvPr/>
+        </p:nvSpPr>
+        <p:spPr>
+          <a:xfrm>
+            <a:off x="7988990" y="4812768"/>
+            <a:ext cx="1664110" cy="1153906"/>
+          </a:xfrm>
+          <a:prstGeom prst="rect">
+            <a:avLst/>
+          </a:prstGeom>
+          <a:ln>
+            <a:solidFill>
+              <a:schemeClr val="accent5"/>
+            </a:solidFill>
+          </a:ln>
+        </p:spPr>
+        <p:style>
+          <a:lnRef idx="2">
+            <a:schemeClr val="accent3"/>
+          </a:lnRef>
+          <a:fillRef idx="1">
+            <a:schemeClr val="lt1"/>
+          </a:fillRef>
+          <a:effectRef idx="0">
+            <a:schemeClr val="accent3"/>
+          </a:effectRef>
+          <a:fontRef idx="minor">
+            <a:schemeClr val="dk1"/>
+          </a:fontRef>
+        </p:style>
+        <p:txBody>
+          <a:bodyPr lIns="36000" tIns="36000" rIns="36000" bIns="36000" rtlCol="0" anchor="t" anchorCtr="0"/>
+          <a:lstStyle/>
+          <a:p>
+            <a:pPr algn="ctr"/>
+            <a:r>
+              <a:rPr kumimoji="1" lang="en-US" altLang="ja-JP" dirty="0" smtClean="0"/>
+              <a:t>Unit</a:t>
+            </a:r>
+          </a:p>
+          <a:p>
+            <a:pPr algn="ctr"/>
+            <a:endParaRPr kumimoji="1" lang="ja-JP" altLang="en-US" dirty="0" smtClean="0"/>
+          </a:p>
+        </p:txBody>
+      </p:sp>
+      <p:cxnSp>
+        <p:nvCxnSpPr>
+          <p:cNvPr id="21" name="直線コネクタ 20"/>
+          <p:cNvCxnSpPr/>
+          <p:nvPr/>
+        </p:nvCxnSpPr>
+        <p:spPr>
+          <a:xfrm>
+            <a:off x="7988990" y="5120416"/>
+            <a:ext cx="1664110" cy="0"/>
+          </a:xfrm>
+          <a:prstGeom prst="line">
+            <a:avLst/>
+          </a:prstGeom>
+          <a:ln>
+            <a:solidFill>
+              <a:schemeClr val="accent5"/>
+            </a:solidFill>
+          </a:ln>
+        </p:spPr>
+        <p:style>
+          <a:lnRef idx="1">
+            <a:schemeClr val="accent1"/>
+          </a:lnRef>
+          <a:fillRef idx="0">
+            <a:schemeClr val="accent1"/>
+          </a:fillRef>
+          <a:effectRef idx="0">
+            <a:schemeClr val="accent1"/>
+          </a:effectRef>
+          <a:fontRef idx="minor">
+            <a:schemeClr val="tx1"/>
+          </a:fontRef>
+        </p:style>
+      </p:cxnSp>
+      <p:sp>
+        <p:nvSpPr>
+          <p:cNvPr id="22" name="テキスト ボックス 21"/>
+          <p:cNvSpPr txBox="1"/>
+          <p:nvPr/>
+        </p:nvSpPr>
+        <p:spPr>
+          <a:xfrm>
+            <a:off x="7988990" y="5135677"/>
+            <a:ext cx="1664110" cy="830997"/>
+          </a:xfrm>
+          <a:prstGeom prst="rect">
+            <a:avLst/>
+          </a:prstGeom>
+          <a:noFill/>
+        </p:spPr>
+        <p:txBody>
+          <a:bodyPr wrap="none" rtlCol="0">
+            <a:spAutoFit/>
+          </a:bodyPr>
+          <a:lstStyle/>
+          <a:p>
+            <a:r>
+              <a:rPr lang="en-US" altLang="ja-JP" sz="1600" dirty="0" smtClean="0"/>
+              <a:t>Id: 1</a:t>
+            </a:r>
+          </a:p>
+          <a:p>
+            <a:r>
+              <a:rPr lang="en-US" altLang="ja-JP" sz="1600" dirty="0" err="1" smtClean="0"/>
+              <a:t>MasterId</a:t>
+            </a:r>
+            <a:r>
+              <a:rPr lang="en-US" altLang="ja-JP" sz="1600" dirty="0" smtClean="0"/>
+              <a:t>: 1</a:t>
+            </a:r>
+          </a:p>
+          <a:p>
+            <a:r>
+              <a:rPr kumimoji="1" lang="en-US" altLang="ja-JP" sz="1600" dirty="0" err="1" smtClean="0"/>
+              <a:t>EquipmentId</a:t>
+            </a:r>
+            <a:r>
+              <a:rPr kumimoji="1" lang="en-US" altLang="ja-JP" sz="1600" dirty="0" smtClean="0"/>
+              <a:t>: 120</a:t>
+            </a:r>
+            <a:endParaRPr kumimoji="1" lang="ja-JP" altLang="en-US" sz="1600" dirty="0"/>
+          </a:p>
+        </p:txBody>
+      </p:sp>
+      <p:sp>
+        <p:nvSpPr>
+          <p:cNvPr id="24" name="テキスト ボックス 23"/>
+          <p:cNvSpPr txBox="1"/>
+          <p:nvPr/>
+        </p:nvSpPr>
+        <p:spPr>
+          <a:xfrm>
+            <a:off x="7110426" y="3332765"/>
+            <a:ext cx="543739" cy="307777"/>
+          </a:xfrm>
+          <a:prstGeom prst="rect">
+            <a:avLst/>
+          </a:prstGeom>
+          <a:noFill/>
+        </p:spPr>
+        <p:txBody>
+          <a:bodyPr wrap="none" rtlCol="0">
+            <a:spAutoFit/>
+          </a:bodyPr>
+          <a:lstStyle/>
+          <a:p>
+            <a:r>
+              <a:rPr kumimoji="1" lang="ja-JP" altLang="en-US" sz="1400" dirty="0" smtClean="0"/>
+              <a:t>参照</a:t>
+            </a:r>
+            <a:endParaRPr kumimoji="1" lang="ja-JP" altLang="en-US" sz="1400" dirty="0"/>
+          </a:p>
+        </p:txBody>
+      </p:sp>
+      <p:sp>
+        <p:nvSpPr>
+          <p:cNvPr id="25" name="円/楕円 24"/>
+          <p:cNvSpPr/>
+          <p:nvPr/>
+        </p:nvSpPr>
+        <p:spPr>
+          <a:xfrm>
+            <a:off x="6338495" y="3345902"/>
+            <a:ext cx="294640" cy="294640"/>
+          </a:xfrm>
+          <a:prstGeom prst="ellipse">
+            <a:avLst/>
+          </a:prstGeom>
+          <a:ln>
+            <a:noFill/>
+          </a:ln>
+        </p:spPr>
+        <p:style>
+          <a:lnRef idx="2">
+            <a:schemeClr val="accent3"/>
+          </a:lnRef>
+          <a:fillRef idx="1">
+            <a:schemeClr val="lt1"/>
+          </a:fillRef>
+          <a:effectRef idx="0">
+            <a:schemeClr val="accent3"/>
+          </a:effectRef>
+          <a:fontRef idx="minor">
+            <a:schemeClr val="dk1"/>
+          </a:fontRef>
+        </p:style>
+        <p:txBody>
+          <a:bodyPr lIns="36000" tIns="36000" rIns="36000" bIns="36000" rtlCol="0" anchor="ctr"/>
+          <a:lstStyle/>
+          <a:p>
+            <a:pPr algn="ctr"/>
+            <a:endParaRPr kumimoji="1" lang="ja-JP" altLang="en-US" dirty="0" smtClean="0"/>
+          </a:p>
+        </p:txBody>
+      </p:sp>
+      <p:sp>
+        <p:nvSpPr>
+          <p:cNvPr id="26" name="テキスト ボックス 25"/>
+          <p:cNvSpPr txBox="1"/>
+          <p:nvPr/>
+        </p:nvSpPr>
+        <p:spPr>
+          <a:xfrm>
+            <a:off x="5853426" y="2430131"/>
+            <a:ext cx="877163" cy="369332"/>
+          </a:xfrm>
+          <a:prstGeom prst="rect">
+            <a:avLst/>
+          </a:prstGeom>
+          <a:noFill/>
+        </p:spPr>
+        <p:txBody>
+          <a:bodyPr wrap="none" rtlCol="0">
+            <a:spAutoFit/>
+          </a:bodyPr>
+          <a:lstStyle/>
+          <a:p>
+            <a:r>
+              <a:rPr kumimoji="1" lang="ja-JP" altLang="en-US" dirty="0" smtClean="0"/>
+              <a:t>同期後</a:t>
+            </a:r>
+            <a:endParaRPr kumimoji="1" lang="ja-JP" altLang="en-US" dirty="0"/>
+          </a:p>
+        </p:txBody>
+      </p:sp>
+      <p:sp>
+        <p:nvSpPr>
+          <p:cNvPr id="29" name="正方形/長方形 28"/>
+          <p:cNvSpPr/>
+          <p:nvPr/>
+        </p:nvSpPr>
+        <p:spPr>
+          <a:xfrm>
+            <a:off x="7988990" y="3331158"/>
+            <a:ext cx="1664110" cy="1153906"/>
+          </a:xfrm>
+          <a:prstGeom prst="rect">
+            <a:avLst/>
+          </a:prstGeom>
+          <a:ln>
+            <a:solidFill>
+              <a:schemeClr val="accent5"/>
+            </a:solidFill>
+          </a:ln>
+        </p:spPr>
+        <p:style>
+          <a:lnRef idx="2">
+            <a:schemeClr val="accent3"/>
+          </a:lnRef>
+          <a:fillRef idx="1">
+            <a:schemeClr val="lt1"/>
+          </a:fillRef>
+          <a:effectRef idx="0">
+            <a:schemeClr val="accent3"/>
+          </a:effectRef>
+          <a:fontRef idx="minor">
+            <a:schemeClr val="dk1"/>
+          </a:fontRef>
+        </p:style>
+        <p:txBody>
+          <a:bodyPr lIns="36000" tIns="36000" rIns="36000" bIns="36000" rtlCol="0" anchor="t" anchorCtr="0"/>
+          <a:lstStyle/>
+          <a:p>
+            <a:pPr algn="ctr"/>
+            <a:r>
+              <a:rPr kumimoji="1" lang="en-US" altLang="ja-JP" dirty="0" smtClean="0"/>
+              <a:t>Unit</a:t>
+            </a:r>
+          </a:p>
+          <a:p>
+            <a:pPr algn="ctr"/>
+            <a:endParaRPr kumimoji="1" lang="ja-JP" altLang="en-US" dirty="0" smtClean="0"/>
+          </a:p>
+        </p:txBody>
+      </p:sp>
+      <p:cxnSp>
+        <p:nvCxnSpPr>
+          <p:cNvPr id="30" name="直線コネクタ 29"/>
+          <p:cNvCxnSpPr/>
+          <p:nvPr/>
+        </p:nvCxnSpPr>
+        <p:spPr>
+          <a:xfrm>
+            <a:off x="7988990" y="3638806"/>
+            <a:ext cx="1664110" cy="0"/>
+          </a:xfrm>
+          <a:prstGeom prst="line">
+            <a:avLst/>
+          </a:prstGeom>
+          <a:ln>
+            <a:solidFill>
+              <a:schemeClr val="accent5"/>
+            </a:solidFill>
+          </a:ln>
+        </p:spPr>
+        <p:style>
+          <a:lnRef idx="1">
+            <a:schemeClr val="accent1"/>
+          </a:lnRef>
+          <a:fillRef idx="0">
+            <a:schemeClr val="accent1"/>
+          </a:fillRef>
+          <a:effectRef idx="0">
+            <a:schemeClr val="accent1"/>
+          </a:effectRef>
+          <a:fontRef idx="minor">
+            <a:schemeClr val="tx1"/>
+          </a:fontRef>
+        </p:style>
+      </p:cxnSp>
+      <p:sp>
+        <p:nvSpPr>
+          <p:cNvPr id="31" name="テキスト ボックス 30"/>
+          <p:cNvSpPr txBox="1"/>
+          <p:nvPr/>
+        </p:nvSpPr>
+        <p:spPr>
+          <a:xfrm>
+            <a:off x="7988990" y="3654067"/>
+            <a:ext cx="1559914" cy="830997"/>
+          </a:xfrm>
+          <a:prstGeom prst="rect">
+            <a:avLst/>
+          </a:prstGeom>
+          <a:noFill/>
+        </p:spPr>
+        <p:txBody>
+          <a:bodyPr wrap="none" rtlCol="0">
+            <a:spAutoFit/>
+          </a:bodyPr>
+          <a:lstStyle/>
+          <a:p>
+            <a:r>
+              <a:rPr lang="en-US" altLang="ja-JP" sz="1600" dirty="0" smtClean="0"/>
+              <a:t>Id: 1</a:t>
+            </a:r>
+          </a:p>
+          <a:p>
+            <a:r>
+              <a:rPr lang="en-US" altLang="ja-JP" sz="1600" dirty="0" err="1" smtClean="0"/>
+              <a:t>MasterId</a:t>
+            </a:r>
+            <a:r>
+              <a:rPr lang="en-US" altLang="ja-JP" sz="1600" dirty="0" smtClean="0"/>
+              <a:t>: 1</a:t>
+            </a:r>
+          </a:p>
+          <a:p>
+            <a:r>
+              <a:rPr kumimoji="1" lang="en-US" altLang="ja-JP" sz="1600" dirty="0" err="1" smtClean="0"/>
+              <a:t>EquipmentId</a:t>
+            </a:r>
+            <a:r>
+              <a:rPr kumimoji="1" lang="en-US" altLang="ja-JP" sz="1600" dirty="0" smtClean="0"/>
+              <a:t>: </a:t>
+            </a:r>
+            <a:r>
+              <a:rPr kumimoji="1" lang="en-US" altLang="ja-JP" sz="1600" b="1" dirty="0" smtClean="0">
+                <a:solidFill>
+                  <a:srgbClr val="C00000"/>
+                </a:solidFill>
+              </a:rPr>
+              <a:t>82</a:t>
+            </a:r>
+            <a:endParaRPr kumimoji="1" lang="ja-JP" altLang="en-US" sz="1600" b="1" dirty="0">
+              <a:solidFill>
+                <a:srgbClr val="C00000"/>
+              </a:solidFill>
+            </a:endParaRPr>
+          </a:p>
+        </p:txBody>
+      </p:sp>
+      <p:sp>
+        <p:nvSpPr>
+          <p:cNvPr id="32" name="右矢印 31"/>
+          <p:cNvSpPr/>
+          <p:nvPr/>
+        </p:nvSpPr>
+        <p:spPr>
+          <a:xfrm>
+            <a:off x="5285772" y="3567480"/>
+            <a:ext cx="355600" cy="347258"/>
+          </a:xfrm>
+          <a:prstGeom prst="rightArrow">
+            <a:avLst/>
+          </a:prstGeom>
+        </p:spPr>
+        <p:style>
+          <a:lnRef idx="1">
+            <a:schemeClr val="accent4"/>
+          </a:lnRef>
+          <a:fillRef idx="2">
+            <a:schemeClr val="accent4"/>
+          </a:fillRef>
+          <a:effectRef idx="1">
+            <a:schemeClr val="accent4"/>
+          </a:effectRef>
+          <a:fontRef idx="minor">
+            <a:schemeClr val="dk1"/>
+          </a:fontRef>
+        </p:style>
+        <p:txBody>
+          <a:bodyPr lIns="36000" tIns="36000" rIns="36000" bIns="36000" rtlCol="0" anchor="ctr"/>
+          <a:lstStyle/>
+          <a:p>
+            <a:pPr algn="ctr"/>
+            <a:endParaRPr kumimoji="1" lang="ja-JP" altLang="en-US" dirty="0" smtClean="0"/>
+          </a:p>
+        </p:txBody>
+      </p:sp>
+      <p:sp>
+        <p:nvSpPr>
+          <p:cNvPr id="33" name="四角形吹き出し 32"/>
+          <p:cNvSpPr/>
+          <p:nvPr/>
+        </p:nvSpPr>
+        <p:spPr>
+          <a:xfrm>
+            <a:off x="7988990" y="1768748"/>
+            <a:ext cx="2997743" cy="860255"/>
+          </a:xfrm>
+          <a:prstGeom prst="wedgeRectCallout">
+            <a:avLst>
+              <a:gd name="adj1" fmla="val 3568"/>
+              <a:gd name="adj2" fmla="val 138069"/>
+            </a:avLst>
+          </a:prstGeom>
+        </p:spPr>
+        <p:style>
+          <a:lnRef idx="2">
+            <a:schemeClr val="accent3"/>
+          </a:lnRef>
+          <a:fillRef idx="1">
+            <a:schemeClr val="lt1"/>
+          </a:fillRef>
+          <a:effectRef idx="0">
+            <a:schemeClr val="accent3"/>
+          </a:effectRef>
+          <a:fontRef idx="minor">
+            <a:schemeClr val="dk1"/>
+          </a:fontRef>
+        </p:style>
+        <p:txBody>
+          <a:bodyPr lIns="36000" tIns="36000" rIns="36000" bIns="36000" rtlCol="0" anchor="ctr"/>
+          <a:lstStyle/>
+          <a:p>
+            <a:pPr algn="ctr"/>
+            <a:r>
+              <a:rPr lang="ja-JP" altLang="en-US" dirty="0" smtClean="0"/>
+              <a:t>差分</a:t>
+            </a:r>
+            <a:r>
+              <a:rPr lang="ja-JP" altLang="en-US" dirty="0"/>
+              <a:t>更新</a:t>
+            </a:r>
+            <a:r>
+              <a:rPr lang="ja-JP" altLang="en-US" dirty="0" smtClean="0"/>
+              <a:t>の粒度</a:t>
+            </a:r>
+            <a:r>
+              <a:rPr lang="ja-JP" altLang="en-US" dirty="0"/>
+              <a:t>的</a:t>
+            </a:r>
+            <a:r>
+              <a:rPr lang="ja-JP" altLang="en-US" dirty="0" smtClean="0"/>
+              <a:t>に</a:t>
+            </a:r>
+            <a:endParaRPr lang="en-US" altLang="ja-JP" dirty="0" smtClean="0"/>
+          </a:p>
+          <a:p>
+            <a:pPr algn="ctr"/>
+            <a:r>
+              <a:rPr lang="ja-JP" altLang="en-US" dirty="0" smtClean="0"/>
+              <a:t>プロパティ</a:t>
+            </a:r>
+            <a:r>
+              <a:rPr lang="en-US" altLang="ja-JP" dirty="0" smtClean="0"/>
+              <a:t>1</a:t>
+            </a:r>
+            <a:r>
+              <a:rPr lang="ja-JP" altLang="en-US" dirty="0" err="1" smtClean="0"/>
+              <a:t>つだけの</a:t>
+            </a:r>
+            <a:r>
+              <a:rPr lang="ja-JP" altLang="en-US" dirty="0" smtClean="0"/>
+              <a:t>更新でも</a:t>
+            </a:r>
+            <a:endParaRPr lang="en-US" altLang="ja-JP" dirty="0" smtClean="0"/>
+          </a:p>
+          <a:p>
+            <a:pPr algn="ctr"/>
+            <a:r>
+              <a:rPr lang="ja-JP" altLang="en-US" dirty="0" smtClean="0"/>
+              <a:t>インスタンス丸ごと新しくなる</a:t>
+            </a:r>
+            <a:endParaRPr kumimoji="1" lang="ja-JP" altLang="en-US" dirty="0" smtClean="0"/>
+          </a:p>
+        </p:txBody>
+      </p:sp>
+      <p:cxnSp>
+        <p:nvCxnSpPr>
+          <p:cNvPr id="23" name="曲線コネクタ 22"/>
+          <p:cNvCxnSpPr>
+            <a:stCxn id="25" idx="6"/>
+            <a:endCxn id="22" idx="1"/>
+          </p:cNvCxnSpPr>
+          <p:nvPr/>
+        </p:nvCxnSpPr>
+        <p:spPr>
+          <a:xfrm>
+            <a:off x="6633135" y="3493222"/>
+            <a:ext cx="1355855" cy="2057954"/>
+          </a:xfrm>
+          <a:prstGeom prst="curvedConnector3">
+            <a:avLst/>
+          </a:prstGeom>
+          <a:ln>
+            <a:tailEnd type="triangle"/>
+          </a:ln>
+        </p:spPr>
+        <p:style>
+          <a:lnRef idx="1">
+            <a:schemeClr val="accent1"/>
+          </a:lnRef>
+          <a:fillRef idx="0">
+            <a:schemeClr val="accent1"/>
+          </a:fillRef>
+          <a:effectRef idx="0">
+            <a:schemeClr val="accent1"/>
+          </a:effectRef>
+          <a:fontRef idx="minor">
+            <a:schemeClr val="tx1"/>
+          </a:fontRef>
+        </p:style>
+      </p:cxnSp>
+      <p:sp>
+        <p:nvSpPr>
+          <p:cNvPr id="34" name="四角形吹き出し 33"/>
+          <p:cNvSpPr/>
+          <p:nvPr/>
+        </p:nvSpPr>
+        <p:spPr>
+          <a:xfrm>
+            <a:off x="4512179" y="4932711"/>
+            <a:ext cx="2394421" cy="635604"/>
+          </a:xfrm>
+          <a:prstGeom prst="wedgeRectCallout">
+            <a:avLst>
+              <a:gd name="adj1" fmla="val 66740"/>
+              <a:gd name="adj2" fmla="val -42096"/>
+            </a:avLst>
+          </a:prstGeom>
+        </p:spPr>
+        <p:style>
+          <a:lnRef idx="2">
+            <a:schemeClr val="accent3"/>
+          </a:lnRef>
+          <a:fillRef idx="1">
+            <a:schemeClr val="lt1"/>
+          </a:fillRef>
+          <a:effectRef idx="0">
+            <a:schemeClr val="accent3"/>
+          </a:effectRef>
+          <a:fontRef idx="minor">
+            <a:schemeClr val="dk1"/>
+          </a:fontRef>
+        </p:style>
+        <p:txBody>
+          <a:bodyPr lIns="36000" tIns="36000" rIns="36000" bIns="36000" rtlCol="0" anchor="ctr"/>
+          <a:lstStyle/>
+          <a:p>
+            <a:pPr algn="ctr"/>
+            <a:r>
+              <a:rPr lang="ja-JP" altLang="en-US" dirty="0" smtClean="0"/>
+              <a:t>古い方参照しっぱなし</a:t>
+            </a:r>
+            <a:endParaRPr lang="en-US" altLang="ja-JP" dirty="0" smtClean="0"/>
+          </a:p>
+          <a:p>
+            <a:pPr algn="ctr"/>
+            <a:r>
+              <a:rPr lang="en-US" altLang="ja-JP" dirty="0" smtClean="0"/>
+              <a:t>UI</a:t>
+            </a:r>
+            <a:r>
+              <a:rPr lang="ja-JP" altLang="en-US" dirty="0" smtClean="0"/>
+              <a:t>側が更新されない</a:t>
+            </a:r>
+            <a:endParaRPr kumimoji="1" lang="ja-JP" altLang="en-US" dirty="0" smtClean="0"/>
+          </a:p>
+        </p:txBody>
+      </p:sp>
+      <p:cxnSp>
+        <p:nvCxnSpPr>
+          <p:cNvPr id="36" name="曲線コネクタ 35"/>
+          <p:cNvCxnSpPr>
+            <a:stCxn id="35" idx="6"/>
+            <a:endCxn id="37" idx="2"/>
+          </p:cNvCxnSpPr>
+          <p:nvPr/>
+        </p:nvCxnSpPr>
+        <p:spPr>
+          <a:xfrm flipV="1">
+            <a:off x="9487861" y="3625281"/>
+            <a:ext cx="932841" cy="690189"/>
+          </a:xfrm>
+          <a:prstGeom prst="curvedConnector3">
+            <a:avLst/>
+          </a:prstGeom>
+          <a:ln>
+            <a:tailEnd type="triangle"/>
+          </a:ln>
+        </p:spPr>
+        <p:style>
+          <a:lnRef idx="1">
+            <a:schemeClr val="accent1"/>
+          </a:lnRef>
+          <a:fillRef idx="0">
+            <a:schemeClr val="accent1"/>
+          </a:fillRef>
+          <a:effectRef idx="0">
+            <a:schemeClr val="accent1"/>
+          </a:effectRef>
+          <a:fontRef idx="minor">
+            <a:schemeClr val="tx1"/>
+          </a:fontRef>
+        </p:style>
+      </p:cxnSp>
+      <p:sp>
+        <p:nvSpPr>
+          <p:cNvPr id="37" name="円/楕円 36"/>
+          <p:cNvSpPr/>
+          <p:nvPr/>
+        </p:nvSpPr>
+        <p:spPr>
+          <a:xfrm>
+            <a:off x="10420702" y="3477961"/>
+            <a:ext cx="294640" cy="294640"/>
+          </a:xfrm>
+          <a:prstGeom prst="ellipse">
+            <a:avLst/>
+          </a:prstGeom>
+          <a:ln>
+            <a:noFill/>
+          </a:ln>
+        </p:spPr>
+        <p:style>
+          <a:lnRef idx="2">
+            <a:schemeClr val="accent3"/>
+          </a:lnRef>
+          <a:fillRef idx="1">
+            <a:schemeClr val="lt1"/>
+          </a:fillRef>
+          <a:effectRef idx="0">
+            <a:schemeClr val="accent3"/>
+          </a:effectRef>
+          <a:fontRef idx="minor">
+            <a:schemeClr val="dk1"/>
+          </a:fontRef>
+        </p:style>
+        <p:txBody>
+          <a:bodyPr lIns="36000" tIns="36000" rIns="36000" bIns="36000" rtlCol="0" anchor="ctr"/>
+          <a:lstStyle/>
+          <a:p>
+            <a:pPr algn="ctr"/>
+            <a:r>
+              <a:rPr kumimoji="1" lang="en-US" altLang="ja-JP" dirty="0" smtClean="0"/>
+              <a:t>...</a:t>
+            </a:r>
+            <a:endParaRPr kumimoji="1" lang="ja-JP" altLang="en-US" dirty="0" smtClean="0"/>
+          </a:p>
+        </p:txBody>
+      </p:sp>
+      <p:sp>
+        <p:nvSpPr>
+          <p:cNvPr id="43" name="四角形吹き出し 42"/>
+          <p:cNvSpPr/>
+          <p:nvPr/>
+        </p:nvSpPr>
+        <p:spPr>
+          <a:xfrm>
+            <a:off x="9223491" y="4737417"/>
+            <a:ext cx="2394421" cy="635604"/>
+          </a:xfrm>
+          <a:prstGeom prst="wedgeRectCallout">
+            <a:avLst>
+              <a:gd name="adj1" fmla="val 5709"/>
+              <a:gd name="adj2" fmla="val -192682"/>
+            </a:avLst>
+          </a:prstGeom>
+        </p:spPr>
+        <p:style>
+          <a:lnRef idx="2">
+            <a:schemeClr val="accent3"/>
+          </a:lnRef>
+          <a:fillRef idx="1">
+            <a:schemeClr val="lt1"/>
+          </a:fillRef>
+          <a:effectRef idx="0">
+            <a:schemeClr val="accent3"/>
+          </a:effectRef>
+          <a:fontRef idx="minor">
+            <a:schemeClr val="dk1"/>
+          </a:fontRef>
+        </p:style>
+        <p:txBody>
+          <a:bodyPr lIns="36000" tIns="36000" rIns="36000" bIns="36000" rtlCol="0" anchor="ctr"/>
+          <a:lstStyle/>
+          <a:p>
+            <a:pPr algn="ctr"/>
+            <a:r>
+              <a:rPr kumimoji="1" lang="ja-JP" altLang="en-US" dirty="0" smtClean="0"/>
+              <a:t>インベントリ内でも同様</a:t>
             </a:r>
             <a:endParaRPr kumimoji="1" lang="en-US" altLang="ja-JP" dirty="0" smtClean="0"/>
           </a:p>
           <a:p>
+            <a:pPr algn="ctr"/>
             <a:r>
               <a:rPr lang="ja-JP" altLang="en-US" dirty="0" smtClean="0"/>
-              <a:t>インターフェイス</a:t>
-            </a:r>
-            <a:r>
-              <a:rPr lang="ja-JP" altLang="en-US" dirty="0"/>
-              <a:t>実装</a:t>
-            </a:r>
-            <a:r>
-              <a:rPr lang="ja-JP" altLang="en-US" dirty="0" smtClean="0"/>
-              <a:t>があったらリポジトリを更新する</a:t>
-            </a:r>
-            <a:endParaRPr lang="en-US" altLang="ja-JP" dirty="0" smtClean="0"/>
-          </a:p>
-          <a:p>
-            <a:pPr lvl="1"/>
-            <a:r>
-              <a:rPr kumimoji="1" lang="ja-JP" altLang="en-US" dirty="0" smtClean="0"/>
-              <a:t>通信</a:t>
-            </a:r>
-            <a:r>
-              <a:rPr kumimoji="1" lang="en-US" altLang="ja-JP" dirty="0" smtClean="0"/>
-              <a:t>API</a:t>
-            </a:r>
-            <a:r>
-              <a:rPr kumimoji="1" lang="ja-JP" altLang="en-US" dirty="0" smtClean="0"/>
-              <a:t>をコード生成で作ってるんだから、そのコード生成の仕組みに載せれば、もれなく更新できる</a:t>
-            </a:r>
-            <a:endParaRPr kumimoji="1" lang="ja-JP" altLang="en-US" dirty="0"/>
+              <a:t>参照先が変わる</a:t>
+            </a:r>
+            <a:endParaRPr kumimoji="1" lang="ja-JP" altLang="en-US" dirty="0" smtClean="0"/>
+          </a:p>
+        </p:txBody>
+      </p:sp>
+      <p:sp>
+        <p:nvSpPr>
+          <p:cNvPr id="44" name="テキスト ボックス 43"/>
+          <p:cNvSpPr txBox="1"/>
+          <p:nvPr/>
+        </p:nvSpPr>
+        <p:spPr>
+          <a:xfrm>
+            <a:off x="5169340" y="3102061"/>
+            <a:ext cx="543739" cy="523220"/>
+          </a:xfrm>
+          <a:prstGeom prst="rect">
+            <a:avLst/>
+          </a:prstGeom>
+          <a:noFill/>
+        </p:spPr>
+        <p:txBody>
+          <a:bodyPr wrap="none" rtlCol="0">
+            <a:spAutoFit/>
+          </a:bodyPr>
+          <a:lstStyle/>
+          <a:p>
+            <a:r>
+              <a:rPr kumimoji="1" lang="ja-JP" altLang="en-US" sz="1400" dirty="0" smtClean="0"/>
+              <a:t>装備</a:t>
+            </a:r>
+            <a:endParaRPr kumimoji="1" lang="en-US" altLang="ja-JP" sz="1400" dirty="0" smtClean="0"/>
+          </a:p>
+          <a:p>
+            <a:r>
+              <a:rPr kumimoji="1" lang="ja-JP" altLang="en-US" sz="1400" dirty="0" smtClean="0"/>
+              <a:t>変更</a:t>
+            </a:r>
+            <a:endParaRPr kumimoji="1" lang="ja-JP" altLang="en-US" sz="1400" dirty="0"/>
           </a:p>
         </p:txBody>
       </p:sp>
     </p:spTree>
     <p:extLst>
       <p:ext uri="{BB962C8B-B14F-4D97-AF65-F5344CB8AC3E}">
-        <p14:creationId xmlns:p14="http://schemas.microsoft.com/office/powerpoint/2010/main" val="223083663"/>
+        <p14:creationId xmlns:p14="http://schemas.microsoft.com/office/powerpoint/2010/main" val="2562797040"/>
       </p:ext>
     </p:extLst>
   </p:cSld>
@@ -43675,9 +46270,822 @@
   <p:timing>
     <p:tnLst>
       <p:par>
-        <p:cTn id="1" dur="indefinite" restart="never" nodeType="tmRoot"/>
+        <p:cTn id="1" dur="indefinite" restart="never" nodeType="tmRoot">
+          <p:childTnLst>
+            <p:seq concurrent="1" nextAc="seek">
+              <p:cTn id="2" dur="indefinite" nodeType="mainSeq">
+                <p:childTnLst>
+                  <p:par>
+                    <p:cTn id="3" fill="hold">
+                      <p:stCondLst>
+                        <p:cond delay="indefinite"/>
+                      </p:stCondLst>
+                      <p:childTnLst>
+                        <p:par>
+                          <p:cTn id="4" fill="hold">
+                            <p:stCondLst>
+                              <p:cond delay="0"/>
+                            </p:stCondLst>
+                            <p:childTnLst>
+                              <p:par>
+                                <p:cTn id="5" presetID="14" presetClass="entr" presetSubtype="10" fill="hold" grpId="0" nodeType="clickEffect">
+                                  <p:stCondLst>
+                                    <p:cond delay="0"/>
+                                  </p:stCondLst>
+                                  <p:childTnLst>
+                                    <p:set>
+                                      <p:cBhvr>
+                                        <p:cTn id="6" dur="1" fill="hold">
+                                          <p:stCondLst>
+                                            <p:cond delay="0"/>
+                                          </p:stCondLst>
+                                        </p:cTn>
+                                        <p:tgtEl>
+                                          <p:spTgt spid="18"/>
+                                        </p:tgtEl>
+                                        <p:attrNameLst>
+                                          <p:attrName>style.visibility</p:attrName>
+                                        </p:attrNameLst>
+                                      </p:cBhvr>
+                                      <p:to>
+                                        <p:strVal val="visible"/>
+                                      </p:to>
+                                    </p:set>
+                                    <p:animEffect transition="in" filter="randombar(horizontal)">
+                                      <p:cBhvr>
+                                        <p:cTn id="7" dur="500"/>
+                                        <p:tgtEl>
+                                          <p:spTgt spid="18"/>
+                                        </p:tgtEl>
+                                      </p:cBhvr>
+                                    </p:animEffect>
+                                  </p:childTnLst>
+                                </p:cTn>
+                              </p:par>
+                              <p:par>
+                                <p:cTn id="8" presetID="14" presetClass="entr" presetSubtype="10" fill="hold" grpId="0" nodeType="withEffect">
+                                  <p:stCondLst>
+                                    <p:cond delay="0"/>
+                                  </p:stCondLst>
+                                  <p:childTnLst>
+                                    <p:set>
+                                      <p:cBhvr>
+                                        <p:cTn id="9" dur="1" fill="hold">
+                                          <p:stCondLst>
+                                            <p:cond delay="0"/>
+                                          </p:stCondLst>
+                                        </p:cTn>
+                                        <p:tgtEl>
+                                          <p:spTgt spid="19"/>
+                                        </p:tgtEl>
+                                        <p:attrNameLst>
+                                          <p:attrName>style.visibility</p:attrName>
+                                        </p:attrNameLst>
+                                      </p:cBhvr>
+                                      <p:to>
+                                        <p:strVal val="visible"/>
+                                      </p:to>
+                                    </p:set>
+                                    <p:animEffect transition="in" filter="randombar(horizontal)">
+                                      <p:cBhvr>
+                                        <p:cTn id="10" dur="500"/>
+                                        <p:tgtEl>
+                                          <p:spTgt spid="19"/>
+                                        </p:tgtEl>
+                                      </p:cBhvr>
+                                    </p:animEffect>
+                                  </p:childTnLst>
+                                </p:cTn>
+                              </p:par>
+                              <p:par>
+                                <p:cTn id="11" presetID="14" presetClass="entr" presetSubtype="10" fill="hold" grpId="0" nodeType="withEffect">
+                                  <p:stCondLst>
+                                    <p:cond delay="0"/>
+                                  </p:stCondLst>
+                                  <p:childTnLst>
+                                    <p:set>
+                                      <p:cBhvr>
+                                        <p:cTn id="12" dur="1" fill="hold">
+                                          <p:stCondLst>
+                                            <p:cond delay="0"/>
+                                          </p:stCondLst>
+                                        </p:cTn>
+                                        <p:tgtEl>
+                                          <p:spTgt spid="20"/>
+                                        </p:tgtEl>
+                                        <p:attrNameLst>
+                                          <p:attrName>style.visibility</p:attrName>
+                                        </p:attrNameLst>
+                                      </p:cBhvr>
+                                      <p:to>
+                                        <p:strVal val="visible"/>
+                                      </p:to>
+                                    </p:set>
+                                    <p:animEffect transition="in" filter="randombar(horizontal)">
+                                      <p:cBhvr>
+                                        <p:cTn id="13" dur="500"/>
+                                        <p:tgtEl>
+                                          <p:spTgt spid="20"/>
+                                        </p:tgtEl>
+                                      </p:cBhvr>
+                                    </p:animEffect>
+                                  </p:childTnLst>
+                                </p:cTn>
+                              </p:par>
+                              <p:par>
+                                <p:cTn id="14" presetID="14" presetClass="entr" presetSubtype="10" fill="hold" nodeType="withEffect">
+                                  <p:stCondLst>
+                                    <p:cond delay="0"/>
+                                  </p:stCondLst>
+                                  <p:childTnLst>
+                                    <p:set>
+                                      <p:cBhvr>
+                                        <p:cTn id="15" dur="1" fill="hold">
+                                          <p:stCondLst>
+                                            <p:cond delay="0"/>
+                                          </p:stCondLst>
+                                        </p:cTn>
+                                        <p:tgtEl>
+                                          <p:spTgt spid="21"/>
+                                        </p:tgtEl>
+                                        <p:attrNameLst>
+                                          <p:attrName>style.visibility</p:attrName>
+                                        </p:attrNameLst>
+                                      </p:cBhvr>
+                                      <p:to>
+                                        <p:strVal val="visible"/>
+                                      </p:to>
+                                    </p:set>
+                                    <p:animEffect transition="in" filter="randombar(horizontal)">
+                                      <p:cBhvr>
+                                        <p:cTn id="16" dur="500"/>
+                                        <p:tgtEl>
+                                          <p:spTgt spid="21"/>
+                                        </p:tgtEl>
+                                      </p:cBhvr>
+                                    </p:animEffect>
+                                  </p:childTnLst>
+                                </p:cTn>
+                              </p:par>
+                              <p:par>
+                                <p:cTn id="17" presetID="14" presetClass="entr" presetSubtype="10" fill="hold" grpId="0" nodeType="withEffect">
+                                  <p:stCondLst>
+                                    <p:cond delay="0"/>
+                                  </p:stCondLst>
+                                  <p:childTnLst>
+                                    <p:set>
+                                      <p:cBhvr>
+                                        <p:cTn id="18" dur="1" fill="hold">
+                                          <p:stCondLst>
+                                            <p:cond delay="0"/>
+                                          </p:stCondLst>
+                                        </p:cTn>
+                                        <p:tgtEl>
+                                          <p:spTgt spid="22"/>
+                                        </p:tgtEl>
+                                        <p:attrNameLst>
+                                          <p:attrName>style.visibility</p:attrName>
+                                        </p:attrNameLst>
+                                      </p:cBhvr>
+                                      <p:to>
+                                        <p:strVal val="visible"/>
+                                      </p:to>
+                                    </p:set>
+                                    <p:animEffect transition="in" filter="randombar(horizontal)">
+                                      <p:cBhvr>
+                                        <p:cTn id="19" dur="500"/>
+                                        <p:tgtEl>
+                                          <p:spTgt spid="22"/>
+                                        </p:tgtEl>
+                                      </p:cBhvr>
+                                    </p:animEffect>
+                                  </p:childTnLst>
+                                </p:cTn>
+                              </p:par>
+                              <p:par>
+                                <p:cTn id="20" presetID="14" presetClass="entr" presetSubtype="10" fill="hold" grpId="0" nodeType="withEffect">
+                                  <p:stCondLst>
+                                    <p:cond delay="0"/>
+                                  </p:stCondLst>
+                                  <p:childTnLst>
+                                    <p:set>
+                                      <p:cBhvr>
+                                        <p:cTn id="21" dur="1" fill="hold">
+                                          <p:stCondLst>
+                                            <p:cond delay="0"/>
+                                          </p:stCondLst>
+                                        </p:cTn>
+                                        <p:tgtEl>
+                                          <p:spTgt spid="24"/>
+                                        </p:tgtEl>
+                                        <p:attrNameLst>
+                                          <p:attrName>style.visibility</p:attrName>
+                                        </p:attrNameLst>
+                                      </p:cBhvr>
+                                      <p:to>
+                                        <p:strVal val="visible"/>
+                                      </p:to>
+                                    </p:set>
+                                    <p:animEffect transition="in" filter="randombar(horizontal)">
+                                      <p:cBhvr>
+                                        <p:cTn id="22" dur="500"/>
+                                        <p:tgtEl>
+                                          <p:spTgt spid="24"/>
+                                        </p:tgtEl>
+                                      </p:cBhvr>
+                                    </p:animEffect>
+                                  </p:childTnLst>
+                                </p:cTn>
+                              </p:par>
+                              <p:par>
+                                <p:cTn id="23" presetID="14" presetClass="entr" presetSubtype="10" fill="hold" grpId="0" nodeType="withEffect">
+                                  <p:stCondLst>
+                                    <p:cond delay="0"/>
+                                  </p:stCondLst>
+                                  <p:childTnLst>
+                                    <p:set>
+                                      <p:cBhvr>
+                                        <p:cTn id="24" dur="1" fill="hold">
+                                          <p:stCondLst>
+                                            <p:cond delay="0"/>
+                                          </p:stCondLst>
+                                        </p:cTn>
+                                        <p:tgtEl>
+                                          <p:spTgt spid="25"/>
+                                        </p:tgtEl>
+                                        <p:attrNameLst>
+                                          <p:attrName>style.visibility</p:attrName>
+                                        </p:attrNameLst>
+                                      </p:cBhvr>
+                                      <p:to>
+                                        <p:strVal val="visible"/>
+                                      </p:to>
+                                    </p:set>
+                                    <p:animEffect transition="in" filter="randombar(horizontal)">
+                                      <p:cBhvr>
+                                        <p:cTn id="25" dur="500"/>
+                                        <p:tgtEl>
+                                          <p:spTgt spid="25"/>
+                                        </p:tgtEl>
+                                      </p:cBhvr>
+                                    </p:animEffect>
+                                  </p:childTnLst>
+                                </p:cTn>
+                              </p:par>
+                              <p:par>
+                                <p:cTn id="26" presetID="14" presetClass="entr" presetSubtype="10" fill="hold" grpId="0" nodeType="withEffect">
+                                  <p:stCondLst>
+                                    <p:cond delay="0"/>
+                                  </p:stCondLst>
+                                  <p:childTnLst>
+                                    <p:set>
+                                      <p:cBhvr>
+                                        <p:cTn id="27" dur="1" fill="hold">
+                                          <p:stCondLst>
+                                            <p:cond delay="0"/>
+                                          </p:stCondLst>
+                                        </p:cTn>
+                                        <p:tgtEl>
+                                          <p:spTgt spid="26"/>
+                                        </p:tgtEl>
+                                        <p:attrNameLst>
+                                          <p:attrName>style.visibility</p:attrName>
+                                        </p:attrNameLst>
+                                      </p:cBhvr>
+                                      <p:to>
+                                        <p:strVal val="visible"/>
+                                      </p:to>
+                                    </p:set>
+                                    <p:animEffect transition="in" filter="randombar(horizontal)">
+                                      <p:cBhvr>
+                                        <p:cTn id="28" dur="500"/>
+                                        <p:tgtEl>
+                                          <p:spTgt spid="26"/>
+                                        </p:tgtEl>
+                                      </p:cBhvr>
+                                    </p:animEffect>
+                                  </p:childTnLst>
+                                </p:cTn>
+                              </p:par>
+                              <p:par>
+                                <p:cTn id="29" presetID="14" presetClass="entr" presetSubtype="10" fill="hold" grpId="0" nodeType="withEffect">
+                                  <p:stCondLst>
+                                    <p:cond delay="0"/>
+                                  </p:stCondLst>
+                                  <p:childTnLst>
+                                    <p:set>
+                                      <p:cBhvr>
+                                        <p:cTn id="30" dur="1" fill="hold">
+                                          <p:stCondLst>
+                                            <p:cond delay="0"/>
+                                          </p:stCondLst>
+                                        </p:cTn>
+                                        <p:tgtEl>
+                                          <p:spTgt spid="29"/>
+                                        </p:tgtEl>
+                                        <p:attrNameLst>
+                                          <p:attrName>style.visibility</p:attrName>
+                                        </p:attrNameLst>
+                                      </p:cBhvr>
+                                      <p:to>
+                                        <p:strVal val="visible"/>
+                                      </p:to>
+                                    </p:set>
+                                    <p:animEffect transition="in" filter="randombar(horizontal)">
+                                      <p:cBhvr>
+                                        <p:cTn id="31" dur="500"/>
+                                        <p:tgtEl>
+                                          <p:spTgt spid="29"/>
+                                        </p:tgtEl>
+                                      </p:cBhvr>
+                                    </p:animEffect>
+                                  </p:childTnLst>
+                                </p:cTn>
+                              </p:par>
+                              <p:par>
+                                <p:cTn id="32" presetID="14" presetClass="entr" presetSubtype="10" fill="hold" nodeType="withEffect">
+                                  <p:stCondLst>
+                                    <p:cond delay="0"/>
+                                  </p:stCondLst>
+                                  <p:childTnLst>
+                                    <p:set>
+                                      <p:cBhvr>
+                                        <p:cTn id="33" dur="1" fill="hold">
+                                          <p:stCondLst>
+                                            <p:cond delay="0"/>
+                                          </p:stCondLst>
+                                        </p:cTn>
+                                        <p:tgtEl>
+                                          <p:spTgt spid="30"/>
+                                        </p:tgtEl>
+                                        <p:attrNameLst>
+                                          <p:attrName>style.visibility</p:attrName>
+                                        </p:attrNameLst>
+                                      </p:cBhvr>
+                                      <p:to>
+                                        <p:strVal val="visible"/>
+                                      </p:to>
+                                    </p:set>
+                                    <p:animEffect transition="in" filter="randombar(horizontal)">
+                                      <p:cBhvr>
+                                        <p:cTn id="34" dur="500"/>
+                                        <p:tgtEl>
+                                          <p:spTgt spid="30"/>
+                                        </p:tgtEl>
+                                      </p:cBhvr>
+                                    </p:animEffect>
+                                  </p:childTnLst>
+                                </p:cTn>
+                              </p:par>
+                              <p:par>
+                                <p:cTn id="35" presetID="14" presetClass="entr" presetSubtype="10" fill="hold" grpId="0" nodeType="withEffect">
+                                  <p:stCondLst>
+                                    <p:cond delay="0"/>
+                                  </p:stCondLst>
+                                  <p:childTnLst>
+                                    <p:set>
+                                      <p:cBhvr>
+                                        <p:cTn id="36" dur="1" fill="hold">
+                                          <p:stCondLst>
+                                            <p:cond delay="0"/>
+                                          </p:stCondLst>
+                                        </p:cTn>
+                                        <p:tgtEl>
+                                          <p:spTgt spid="31"/>
+                                        </p:tgtEl>
+                                        <p:attrNameLst>
+                                          <p:attrName>style.visibility</p:attrName>
+                                        </p:attrNameLst>
+                                      </p:cBhvr>
+                                      <p:to>
+                                        <p:strVal val="visible"/>
+                                      </p:to>
+                                    </p:set>
+                                    <p:animEffect transition="in" filter="randombar(horizontal)">
+                                      <p:cBhvr>
+                                        <p:cTn id="37" dur="500"/>
+                                        <p:tgtEl>
+                                          <p:spTgt spid="31"/>
+                                        </p:tgtEl>
+                                      </p:cBhvr>
+                                    </p:animEffect>
+                                  </p:childTnLst>
+                                </p:cTn>
+                              </p:par>
+                              <p:par>
+                                <p:cTn id="38" presetID="14" presetClass="entr" presetSubtype="10" fill="hold" grpId="0" nodeType="withEffect">
+                                  <p:stCondLst>
+                                    <p:cond delay="0"/>
+                                  </p:stCondLst>
+                                  <p:childTnLst>
+                                    <p:set>
+                                      <p:cBhvr>
+                                        <p:cTn id="39" dur="1" fill="hold">
+                                          <p:stCondLst>
+                                            <p:cond delay="0"/>
+                                          </p:stCondLst>
+                                        </p:cTn>
+                                        <p:tgtEl>
+                                          <p:spTgt spid="32"/>
+                                        </p:tgtEl>
+                                        <p:attrNameLst>
+                                          <p:attrName>style.visibility</p:attrName>
+                                        </p:attrNameLst>
+                                      </p:cBhvr>
+                                      <p:to>
+                                        <p:strVal val="visible"/>
+                                      </p:to>
+                                    </p:set>
+                                    <p:animEffect transition="in" filter="randombar(horizontal)">
+                                      <p:cBhvr>
+                                        <p:cTn id="40" dur="500"/>
+                                        <p:tgtEl>
+                                          <p:spTgt spid="32"/>
+                                        </p:tgtEl>
+                                      </p:cBhvr>
+                                    </p:animEffect>
+                                  </p:childTnLst>
+                                </p:cTn>
+                              </p:par>
+                              <p:par>
+                                <p:cTn id="41" presetID="14" presetClass="entr" presetSubtype="10" fill="hold" nodeType="withEffect">
+                                  <p:stCondLst>
+                                    <p:cond delay="0"/>
+                                  </p:stCondLst>
+                                  <p:childTnLst>
+                                    <p:set>
+                                      <p:cBhvr>
+                                        <p:cTn id="42" dur="1" fill="hold">
+                                          <p:stCondLst>
+                                            <p:cond delay="0"/>
+                                          </p:stCondLst>
+                                        </p:cTn>
+                                        <p:tgtEl>
+                                          <p:spTgt spid="23"/>
+                                        </p:tgtEl>
+                                        <p:attrNameLst>
+                                          <p:attrName>style.visibility</p:attrName>
+                                        </p:attrNameLst>
+                                      </p:cBhvr>
+                                      <p:to>
+                                        <p:strVal val="visible"/>
+                                      </p:to>
+                                    </p:set>
+                                    <p:animEffect transition="in" filter="randombar(horizontal)">
+                                      <p:cBhvr>
+                                        <p:cTn id="43" dur="500"/>
+                                        <p:tgtEl>
+                                          <p:spTgt spid="23"/>
+                                        </p:tgtEl>
+                                      </p:cBhvr>
+                                    </p:animEffect>
+                                  </p:childTnLst>
+                                </p:cTn>
+                              </p:par>
+                              <p:par>
+                                <p:cTn id="44" presetID="14" presetClass="entr" presetSubtype="10" fill="hold" grpId="0" nodeType="withEffect">
+                                  <p:stCondLst>
+                                    <p:cond delay="0"/>
+                                  </p:stCondLst>
+                                  <p:childTnLst>
+                                    <p:set>
+                                      <p:cBhvr>
+                                        <p:cTn id="45" dur="1" fill="hold">
+                                          <p:stCondLst>
+                                            <p:cond delay="0"/>
+                                          </p:stCondLst>
+                                        </p:cTn>
+                                        <p:tgtEl>
+                                          <p:spTgt spid="44"/>
+                                        </p:tgtEl>
+                                        <p:attrNameLst>
+                                          <p:attrName>style.visibility</p:attrName>
+                                        </p:attrNameLst>
+                                      </p:cBhvr>
+                                      <p:to>
+                                        <p:strVal val="visible"/>
+                                      </p:to>
+                                    </p:set>
+                                    <p:animEffect transition="in" filter="randombar(horizontal)">
+                                      <p:cBhvr>
+                                        <p:cTn id="46" dur="500"/>
+                                        <p:tgtEl>
+                                          <p:spTgt spid="44"/>
+                                        </p:tgtEl>
+                                      </p:cBhvr>
+                                    </p:animEffect>
+                                  </p:childTnLst>
+                                </p:cTn>
+                              </p:par>
+                            </p:childTnLst>
+                          </p:cTn>
+                        </p:par>
+                      </p:childTnLst>
+                    </p:cTn>
+                  </p:par>
+                  <p:par>
+                    <p:cTn id="47" fill="hold">
+                      <p:stCondLst>
+                        <p:cond delay="indefinite"/>
+                      </p:stCondLst>
+                      <p:childTnLst>
+                        <p:par>
+                          <p:cTn id="48" fill="hold">
+                            <p:stCondLst>
+                              <p:cond delay="0"/>
+                            </p:stCondLst>
+                            <p:childTnLst>
+                              <p:par>
+                                <p:cTn id="49" presetID="14" presetClass="entr" presetSubtype="10" fill="hold" grpId="0" nodeType="clickEffect">
+                                  <p:stCondLst>
+                                    <p:cond delay="0"/>
+                                  </p:stCondLst>
+                                  <p:childTnLst>
+                                    <p:set>
+                                      <p:cBhvr>
+                                        <p:cTn id="50" dur="1" fill="hold">
+                                          <p:stCondLst>
+                                            <p:cond delay="0"/>
+                                          </p:stCondLst>
+                                        </p:cTn>
+                                        <p:tgtEl>
+                                          <p:spTgt spid="33"/>
+                                        </p:tgtEl>
+                                        <p:attrNameLst>
+                                          <p:attrName>style.visibility</p:attrName>
+                                        </p:attrNameLst>
+                                      </p:cBhvr>
+                                      <p:to>
+                                        <p:strVal val="visible"/>
+                                      </p:to>
+                                    </p:set>
+                                    <p:animEffect transition="in" filter="randombar(horizontal)">
+                                      <p:cBhvr>
+                                        <p:cTn id="51" dur="500"/>
+                                        <p:tgtEl>
+                                          <p:spTgt spid="33"/>
+                                        </p:tgtEl>
+                                      </p:cBhvr>
+                                    </p:animEffect>
+                                  </p:childTnLst>
+                                </p:cTn>
+                              </p:par>
+                            </p:childTnLst>
+                          </p:cTn>
+                        </p:par>
+                      </p:childTnLst>
+                    </p:cTn>
+                  </p:par>
+                  <p:par>
+                    <p:cTn id="52" fill="hold">
+                      <p:stCondLst>
+                        <p:cond delay="indefinite"/>
+                      </p:stCondLst>
+                      <p:childTnLst>
+                        <p:par>
+                          <p:cTn id="53" fill="hold">
+                            <p:stCondLst>
+                              <p:cond delay="0"/>
+                            </p:stCondLst>
+                            <p:childTnLst>
+                              <p:par>
+                                <p:cTn id="54" presetID="14" presetClass="entr" presetSubtype="10" fill="hold" grpId="0" nodeType="clickEffect">
+                                  <p:stCondLst>
+                                    <p:cond delay="0"/>
+                                  </p:stCondLst>
+                                  <p:childTnLst>
+                                    <p:set>
+                                      <p:cBhvr>
+                                        <p:cTn id="55" dur="1" fill="hold">
+                                          <p:stCondLst>
+                                            <p:cond delay="0"/>
+                                          </p:stCondLst>
+                                        </p:cTn>
+                                        <p:tgtEl>
+                                          <p:spTgt spid="34"/>
+                                        </p:tgtEl>
+                                        <p:attrNameLst>
+                                          <p:attrName>style.visibility</p:attrName>
+                                        </p:attrNameLst>
+                                      </p:cBhvr>
+                                      <p:to>
+                                        <p:strVal val="visible"/>
+                                      </p:to>
+                                    </p:set>
+                                    <p:animEffect transition="in" filter="randombar(horizontal)">
+                                      <p:cBhvr>
+                                        <p:cTn id="56" dur="500"/>
+                                        <p:tgtEl>
+                                          <p:spTgt spid="34"/>
+                                        </p:tgtEl>
+                                      </p:cBhvr>
+                                    </p:animEffect>
+                                  </p:childTnLst>
+                                </p:cTn>
+                              </p:par>
+                            </p:childTnLst>
+                          </p:cTn>
+                        </p:par>
+                      </p:childTnLst>
+                    </p:cTn>
+                  </p:par>
+                  <p:par>
+                    <p:cTn id="57" fill="hold">
+                      <p:stCondLst>
+                        <p:cond delay="indefinite"/>
+                      </p:stCondLst>
+                      <p:childTnLst>
+                        <p:par>
+                          <p:cTn id="58" fill="hold">
+                            <p:stCondLst>
+                              <p:cond delay="0"/>
+                            </p:stCondLst>
+                            <p:childTnLst>
+                              <p:par>
+                                <p:cTn id="59" presetID="14" presetClass="entr" presetSubtype="10" fill="hold" grpId="0" nodeType="clickEffect">
+                                  <p:stCondLst>
+                                    <p:cond delay="0"/>
+                                  </p:stCondLst>
+                                  <p:childTnLst>
+                                    <p:set>
+                                      <p:cBhvr>
+                                        <p:cTn id="60" dur="1" fill="hold">
+                                          <p:stCondLst>
+                                            <p:cond delay="0"/>
+                                          </p:stCondLst>
+                                        </p:cTn>
+                                        <p:tgtEl>
+                                          <p:spTgt spid="35"/>
+                                        </p:tgtEl>
+                                        <p:attrNameLst>
+                                          <p:attrName>style.visibility</p:attrName>
+                                        </p:attrNameLst>
+                                      </p:cBhvr>
+                                      <p:to>
+                                        <p:strVal val="visible"/>
+                                      </p:to>
+                                    </p:set>
+                                    <p:animEffect transition="in" filter="randombar(horizontal)">
+                                      <p:cBhvr>
+                                        <p:cTn id="61" dur="500"/>
+                                        <p:tgtEl>
+                                          <p:spTgt spid="35"/>
+                                        </p:tgtEl>
+                                      </p:cBhvr>
+                                    </p:animEffect>
+                                  </p:childTnLst>
+                                </p:cTn>
+                              </p:par>
+                              <p:par>
+                                <p:cTn id="62" presetID="14" presetClass="entr" presetSubtype="10" fill="hold" nodeType="withEffect">
+                                  <p:stCondLst>
+                                    <p:cond delay="0"/>
+                                  </p:stCondLst>
+                                  <p:childTnLst>
+                                    <p:set>
+                                      <p:cBhvr>
+                                        <p:cTn id="63" dur="1" fill="hold">
+                                          <p:stCondLst>
+                                            <p:cond delay="0"/>
+                                          </p:stCondLst>
+                                        </p:cTn>
+                                        <p:tgtEl>
+                                          <p:spTgt spid="36"/>
+                                        </p:tgtEl>
+                                        <p:attrNameLst>
+                                          <p:attrName>style.visibility</p:attrName>
+                                        </p:attrNameLst>
+                                      </p:cBhvr>
+                                      <p:to>
+                                        <p:strVal val="visible"/>
+                                      </p:to>
+                                    </p:set>
+                                    <p:animEffect transition="in" filter="randombar(horizontal)">
+                                      <p:cBhvr>
+                                        <p:cTn id="64" dur="500"/>
+                                        <p:tgtEl>
+                                          <p:spTgt spid="36"/>
+                                        </p:tgtEl>
+                                      </p:cBhvr>
+                                    </p:animEffect>
+                                  </p:childTnLst>
+                                </p:cTn>
+                              </p:par>
+                              <p:par>
+                                <p:cTn id="65" presetID="14" presetClass="entr" presetSubtype="10" fill="hold" grpId="0" nodeType="withEffect">
+                                  <p:stCondLst>
+                                    <p:cond delay="0"/>
+                                  </p:stCondLst>
+                                  <p:childTnLst>
+                                    <p:set>
+                                      <p:cBhvr>
+                                        <p:cTn id="66" dur="1" fill="hold">
+                                          <p:stCondLst>
+                                            <p:cond delay="0"/>
+                                          </p:stCondLst>
+                                        </p:cTn>
+                                        <p:tgtEl>
+                                          <p:spTgt spid="37"/>
+                                        </p:tgtEl>
+                                        <p:attrNameLst>
+                                          <p:attrName>style.visibility</p:attrName>
+                                        </p:attrNameLst>
+                                      </p:cBhvr>
+                                      <p:to>
+                                        <p:strVal val="visible"/>
+                                      </p:to>
+                                    </p:set>
+                                    <p:animEffect transition="in" filter="randombar(horizontal)">
+                                      <p:cBhvr>
+                                        <p:cTn id="67" dur="500"/>
+                                        <p:tgtEl>
+                                          <p:spTgt spid="37"/>
+                                        </p:tgtEl>
+                                      </p:cBhvr>
+                                    </p:animEffect>
+                                  </p:childTnLst>
+                                </p:cTn>
+                              </p:par>
+                              <p:par>
+                                <p:cTn id="68" presetID="14" presetClass="entr" presetSubtype="10" fill="hold" grpId="0" nodeType="withEffect">
+                                  <p:stCondLst>
+                                    <p:cond delay="0"/>
+                                  </p:stCondLst>
+                                  <p:childTnLst>
+                                    <p:set>
+                                      <p:cBhvr>
+                                        <p:cTn id="69" dur="1" fill="hold">
+                                          <p:stCondLst>
+                                            <p:cond delay="0"/>
+                                          </p:stCondLst>
+                                        </p:cTn>
+                                        <p:tgtEl>
+                                          <p:spTgt spid="43"/>
+                                        </p:tgtEl>
+                                        <p:attrNameLst>
+                                          <p:attrName>style.visibility</p:attrName>
+                                        </p:attrNameLst>
+                                      </p:cBhvr>
+                                      <p:to>
+                                        <p:strVal val="visible"/>
+                                      </p:to>
+                                    </p:set>
+                                    <p:animEffect transition="in" filter="randombar(horizontal)">
+                                      <p:cBhvr>
+                                        <p:cTn id="70" dur="500"/>
+                                        <p:tgtEl>
+                                          <p:spTgt spid="43"/>
+                                        </p:tgtEl>
+                                      </p:cBhvr>
+                                    </p:animEffect>
+                                  </p:childTnLst>
+                                </p:cTn>
+                              </p:par>
+                            </p:childTnLst>
+                          </p:cTn>
+                        </p:par>
+                      </p:childTnLst>
+                    </p:cTn>
+                  </p:par>
+                </p:childTnLst>
+              </p:cTn>
+              <p:prevCondLst>
+                <p:cond evt="onPrev" delay="0">
+                  <p:tgtEl>
+                    <p:sldTgt/>
+                  </p:tgtEl>
+                </p:cond>
+              </p:prevCondLst>
+              <p:nextCondLst>
+                <p:cond evt="onNext" delay="0">
+                  <p:tgtEl>
+                    <p:sldTgt/>
+                  </p:tgtEl>
+                </p:cond>
+              </p:nextCondLst>
+            </p:seq>
+          </p:childTnLst>
+        </p:cTn>
       </p:par>
     </p:tnLst>
+    <p:bldLst>
+      <p:bldP spid="35" grpId="0" animBg="1"/>
+      <p:bldP spid="18" grpId="0" animBg="1"/>
+      <p:bldP spid="19" grpId="0" animBg="1"/>
+      <p:bldP spid="20" grpId="0" animBg="1"/>
+      <p:bldP spid="22" grpId="0"/>
+      <p:bldP spid="24" grpId="0"/>
+      <p:bldP spid="25" grpId="0" animBg="1"/>
+      <p:bldP spid="26" grpId="0"/>
+      <p:bldP spid="29" grpId="0" animBg="1"/>
+      <p:bldP spid="31" grpId="0"/>
+      <p:bldP spid="32" grpId="0" animBg="1"/>
+      <p:bldP spid="33" grpId="0" animBg="1"/>
+      <p:bldP spid="34" grpId="0" animBg="1"/>
+      <p:bldP spid="37" grpId="0" animBg="1"/>
+      <p:bldP spid="43" grpId="0" animBg="1"/>
+      <p:bldP spid="44" grpId="0"/>
+    </p:bldLst>
   </p:timing>
 </p:sld>
 </file>
@@ -43714,7 +47122,15 @@
           <a:bodyPr/>
           <a:lstStyle/>
           <a:p>
-            <a:endParaRPr kumimoji="1" lang="ja-JP" altLang="en-US"/>
+            <a:r>
+              <a:rPr kumimoji="1" lang="en-US" altLang="ja-JP" dirty="0" smtClean="0"/>
+              <a:t>2</a:t>
+            </a:r>
+            <a:r>
+              <a:rPr kumimoji="1" lang="ja-JP" altLang="en-US" dirty="0" smtClean="0"/>
+              <a:t>系統のデータ</a:t>
+            </a:r>
+            <a:endParaRPr kumimoji="1" lang="ja-JP" altLang="en-US" dirty="0"/>
           </a:p>
         </p:txBody>
       </p:sp>
@@ -43735,96 +47151,194 @@
           <a:p>
             <a:r>
               <a:rPr kumimoji="1" lang="ja-JP" altLang="en-US" dirty="0" smtClean="0"/>
-              <a:t>サーバーからは、正規化された状態のデータをもらってる</a:t>
+              <a:t>マスター</a:t>
             </a:r>
             <a:endParaRPr kumimoji="1" lang="en-US" altLang="ja-JP" dirty="0" smtClean="0"/>
           </a:p>
           <a:p>
             <a:pPr lvl="1"/>
             <a:r>
+              <a:rPr kumimoji="1" lang="ja-JP" altLang="en-US" dirty="0" smtClean="0"/>
+              <a:t>ユニットや装備の名前、パラメーターなど、ユーザーによらないデータ</a:t>
+            </a:r>
+            <a:endParaRPr kumimoji="1" lang="en-US" altLang="ja-JP" dirty="0" smtClean="0"/>
+          </a:p>
+          <a:p>
+            <a:pPr lvl="1"/>
+            <a:r>
+              <a:rPr kumimoji="1" lang="ja-JP" altLang="en-US" dirty="0" smtClean="0"/>
+              <a:t>ほとんど更新されない</a:t>
+            </a:r>
+            <a:endParaRPr kumimoji="1" lang="en-US" altLang="ja-JP" dirty="0" smtClean="0"/>
+          </a:p>
+          <a:p>
+            <a:pPr lvl="1"/>
+            <a:r>
               <a:rPr lang="ja-JP" altLang="en-US" dirty="0" smtClean="0"/>
-              <a:t>ユニットは装備</a:t>
-            </a:r>
-            <a:r>
-              <a:rPr lang="en-US" altLang="ja-JP" dirty="0" smtClean="0"/>
-              <a:t>ID</a:t>
-            </a:r>
-            <a:r>
-              <a:rPr lang="ja-JP" altLang="en-US" dirty="0" err="1" smtClean="0"/>
-              <a:t>だけ</a:t>
-            </a:r>
+              <a:t>かなりデータ量が多い</a:t>
+            </a:r>
+            <a:endParaRPr kumimoji="1" lang="en-US" altLang="ja-JP" dirty="0" smtClean="0"/>
+          </a:p>
+          <a:p>
             <a:r>
               <a:rPr lang="ja-JP" altLang="en-US" dirty="0" smtClean="0"/>
-              <a:t>持ってるし、スキル学習</a:t>
-            </a:r>
-            <a:r>
-              <a:rPr lang="en-US" altLang="ja-JP" dirty="0" smtClean="0"/>
-              <a:t>ID</a:t>
-            </a:r>
+              <a:t>インベントリ</a:t>
+            </a:r>
+            <a:endParaRPr lang="en-US" altLang="ja-JP" dirty="0" smtClean="0"/>
+          </a:p>
+          <a:p>
+            <a:pPr lvl="1"/>
+            <a:r>
+              <a:rPr kumimoji="1" lang="ja-JP" altLang="en-US" dirty="0" smtClean="0"/>
+              <a:t>ユーザーの手持ちの品</a:t>
+            </a:r>
+            <a:endParaRPr kumimoji="1" lang="en-US" altLang="ja-JP" dirty="0" smtClean="0"/>
+          </a:p>
+          <a:p>
+            <a:pPr lvl="1"/>
             <a:r>
               <a:rPr lang="ja-JP" altLang="en-US" dirty="0" smtClean="0"/>
-              <a:t>とスキル経験値だけ持ってる</a:t>
-            </a:r>
-            <a:endParaRPr lang="en-US" altLang="ja-JP" dirty="0" smtClean="0"/>
-          </a:p>
-          <a:p>
-            <a:pPr lvl="1"/>
+              <a:t>ことあるごとに</a:t>
+            </a:r>
+            <a:r>
+              <a:rPr lang="ja-JP" altLang="en-US" dirty="0"/>
+              <a:t>更新</a:t>
+            </a:r>
             <a:r>
               <a:rPr lang="ja-JP" altLang="en-US" dirty="0" smtClean="0"/>
-              <a:t>ユニット一覧、装備一覧、スキル学習マスター テーブルとかがある</a:t>
-            </a:r>
-            <a:endParaRPr lang="en-US" altLang="ja-JP" dirty="0" smtClean="0"/>
-          </a:p>
-          <a:p>
-            <a:pPr lvl="2"/>
-            <a:r>
-              <a:rPr lang="ja-JP" altLang="en-US" dirty="0" smtClean="0"/>
-              <a:t>クライアント上ロジックが結構あるんで、正規化されてないとデータ多重管理で結構死ねる</a:t>
-            </a:r>
-            <a:endParaRPr lang="en-US" altLang="ja-JP" dirty="0" smtClean="0"/>
-          </a:p>
-          <a:p>
-            <a:pPr lvl="2"/>
-            <a:r>
-              <a:rPr lang="ja-JP" altLang="en-US" dirty="0" smtClean="0"/>
-              <a:t>データ</a:t>
+              <a:t>がかか</a:t>
             </a:r>
             <a:r>
               <a:rPr lang="ja-JP" altLang="en-US" dirty="0"/>
-              <a:t>量</a:t>
-            </a:r>
-            <a:r>
-              <a:rPr lang="ja-JP" altLang="en-US" dirty="0" smtClean="0"/>
-              <a:t>の</a:t>
-            </a:r>
-            <a:r>
-              <a:rPr lang="ja-JP" altLang="en-US" smtClean="0"/>
-              <a:t>問題もあるし、差分更新との相性も</a:t>
-            </a:r>
-            <a:endParaRPr lang="en-US" altLang="ja-JP" dirty="0" smtClean="0"/>
-          </a:p>
-          <a:p>
-            <a:pPr lvl="1"/>
-            <a:r>
-              <a:rPr kumimoji="1" lang="ja-JP" altLang="en-US" dirty="0" smtClean="0"/>
-              <a:t>その参照関係解決も、</a:t>
-            </a:r>
-            <a:r>
-              <a:rPr kumimoji="1" lang="en-US" altLang="ja-JP" dirty="0" smtClean="0"/>
-              <a:t>Key</a:t>
-            </a:r>
-            <a:r>
-              <a:rPr kumimoji="1" lang="ja-JP" altLang="en-US" dirty="0" smtClean="0"/>
-              <a:t>属性からのコード生成</a:t>
+              <a:t>る</a:t>
             </a:r>
             <a:endParaRPr kumimoji="1" lang="ja-JP" altLang="en-US" dirty="0"/>
+          </a:p>
+        </p:txBody>
+      </p:sp>
+      <p:sp>
+        <p:nvSpPr>
+          <p:cNvPr id="4" name="正方形/長方形 3"/>
+          <p:cNvSpPr/>
+          <p:nvPr/>
+        </p:nvSpPr>
+        <p:spPr>
+          <a:xfrm>
+            <a:off x="5058315" y="2748678"/>
+            <a:ext cx="4482317" cy="830997"/>
+          </a:xfrm>
+          <a:prstGeom prst="rect">
+            <a:avLst/>
+          </a:prstGeom>
+        </p:spPr>
+        <p:txBody>
+          <a:bodyPr wrap="none">
+            <a:spAutoFit/>
+          </a:bodyPr>
+          <a:lstStyle/>
+          <a:p>
+            <a:r>
+              <a:rPr lang="ja-JP" altLang="en-US" sz="2400" dirty="0"/>
+              <a:t>デバイスの</a:t>
+            </a:r>
+            <a:r>
+              <a:rPr lang="ja-JP" altLang="en-US" sz="2400" dirty="0" smtClean="0"/>
+              <a:t>ローカル ストレージに</a:t>
+            </a:r>
+            <a:endParaRPr lang="en-US" altLang="ja-JP" sz="2400" dirty="0" smtClean="0"/>
+          </a:p>
+          <a:p>
+            <a:r>
+              <a:rPr lang="ja-JP" altLang="en-US" sz="2400" dirty="0" smtClean="0"/>
+              <a:t>キャッシュ</a:t>
+            </a:r>
+            <a:r>
+              <a:rPr lang="ja-JP" altLang="en-US" sz="2400" dirty="0"/>
+              <a:t>を保存しておきたい</a:t>
+            </a:r>
+          </a:p>
+        </p:txBody>
+      </p:sp>
+      <p:sp>
+        <p:nvSpPr>
+          <p:cNvPr id="5" name="右中かっこ 4"/>
+          <p:cNvSpPr/>
+          <p:nvPr/>
+        </p:nvSpPr>
+        <p:spPr>
+          <a:xfrm>
+            <a:off x="4554908" y="2717563"/>
+            <a:ext cx="136733" cy="743484"/>
+          </a:xfrm>
+          <a:prstGeom prst="rightBrace">
+            <a:avLst/>
+          </a:prstGeom>
+        </p:spPr>
+        <p:style>
+          <a:lnRef idx="1">
+            <a:schemeClr val="accent4"/>
+          </a:lnRef>
+          <a:fillRef idx="0">
+            <a:schemeClr val="accent4"/>
+          </a:fillRef>
+          <a:effectRef idx="0">
+            <a:schemeClr val="accent4"/>
+          </a:effectRef>
+          <a:fontRef idx="minor">
+            <a:schemeClr val="tx1"/>
+          </a:fontRef>
+        </p:style>
+        <p:txBody>
+          <a:bodyPr rtlCol="0" anchor="ctr"/>
+          <a:lstStyle/>
+          <a:p>
+            <a:pPr algn="ctr"/>
+            <a:endParaRPr kumimoji="1" lang="ja-JP" altLang="en-US"/>
+          </a:p>
+        </p:txBody>
+      </p:sp>
+      <p:sp>
+        <p:nvSpPr>
+          <p:cNvPr id="6" name="右矢印 5"/>
+          <p:cNvSpPr/>
+          <p:nvPr/>
+        </p:nvSpPr>
+        <p:spPr>
+          <a:xfrm>
+            <a:off x="4788725" y="2952572"/>
+            <a:ext cx="256373" cy="273465"/>
+          </a:xfrm>
+          <a:prstGeom prst="rightArrow">
+            <a:avLst/>
+          </a:prstGeom>
+        </p:spPr>
+        <p:style>
+          <a:lnRef idx="1">
+            <a:schemeClr val="accent4"/>
+          </a:lnRef>
+          <a:fillRef idx="2">
+            <a:schemeClr val="accent4"/>
+          </a:fillRef>
+          <a:effectRef idx="1">
+            <a:schemeClr val="accent4"/>
+          </a:effectRef>
+          <a:fontRef idx="minor">
+            <a:schemeClr val="dk1"/>
+          </a:fontRef>
+        </p:style>
+        <p:txBody>
+          <a:bodyPr lIns="36000" tIns="36000" rIns="36000" bIns="36000" rtlCol="0" anchor="ctr"/>
+          <a:lstStyle/>
+          <a:p>
+            <a:pPr algn="ctr"/>
+            <a:endParaRPr kumimoji="1" lang="ja-JP" altLang="en-US" dirty="0" smtClean="0"/>
           </a:p>
         </p:txBody>
       </p:sp>
     </p:spTree>
     <p:extLst>
       <p:ext uri="{BB962C8B-B14F-4D97-AF65-F5344CB8AC3E}">
-        <p14:creationId xmlns:p14="http://schemas.microsoft.com/office/powerpoint/2010/main" val="1344909001"/>
+        <p14:creationId xmlns:p14="http://schemas.microsoft.com/office/powerpoint/2010/main" val="2448417397"/>
       </p:ext>
     </p:extLst>
   </p:cSld>
@@ -43873,7 +47387,11 @@
           <a:bodyPr/>
           <a:lstStyle/>
           <a:p>
-            <a:endParaRPr kumimoji="1" lang="ja-JP" altLang="en-US"/>
+            <a:r>
+              <a:rPr kumimoji="1" lang="ja-JP" altLang="en-US" dirty="0" smtClean="0"/>
+              <a:t>マスター リポジトリ</a:t>
+            </a:r>
+            <a:endParaRPr kumimoji="1" lang="ja-JP" altLang="en-US" dirty="0"/>
           </a:p>
         </p:txBody>
       </p:sp>
@@ -43894,107 +47412,102 @@
           <a:p>
             <a:r>
               <a:rPr kumimoji="1" lang="ja-JP" altLang="en-US" dirty="0" smtClean="0"/>
-              <a:t>サーバーとの同期でインスタンスが変わる</a:t>
+              <a:t>ライブラリを整備</a:t>
             </a:r>
             <a:endParaRPr kumimoji="1" lang="en-US" altLang="ja-JP" dirty="0" smtClean="0"/>
           </a:p>
           <a:p>
             <a:pPr lvl="1"/>
             <a:r>
+              <a:rPr kumimoji="1" lang="ja-JP" altLang="en-US" dirty="0" smtClean="0"/>
+              <a:t>バージョンとデータをローカルに保存</a:t>
+            </a:r>
+            <a:endParaRPr kumimoji="1" lang="en-US" altLang="ja-JP" dirty="0" smtClean="0"/>
+          </a:p>
+          <a:p>
+            <a:pPr lvl="1"/>
+            <a:r>
+              <a:rPr lang="ja-JP" altLang="en-US" dirty="0"/>
+              <a:t>バージョン</a:t>
+            </a:r>
+            <a:r>
               <a:rPr lang="ja-JP" altLang="en-US" dirty="0" smtClean="0"/>
-              <a:t>ページのリロードとかなしで画面を更新したかったら、「この</a:t>
-            </a:r>
+              <a:t>が</a:t>
+            </a:r>
+            <a:r>
+              <a:rPr lang="ja-JP" altLang="en-US" dirty="0"/>
+              <a:t>一致</a:t>
+            </a:r>
+            <a:r>
+              <a:rPr lang="ja-JP" altLang="en-US" dirty="0" smtClean="0"/>
+              <a:t>していたらローカルから読む</a:t>
+            </a:r>
+            <a:endParaRPr lang="en-US" altLang="ja-JP" dirty="0" smtClean="0"/>
+          </a:p>
+          <a:p>
+            <a:pPr lvl="1"/>
+            <a:r>
+              <a:rPr kumimoji="1" lang="ja-JP" altLang="en-US" dirty="0" smtClean="0"/>
+              <a:t>不一致ならサーバーから取り直す</a:t>
+            </a:r>
+            <a:endParaRPr kumimoji="1" lang="en-US" altLang="ja-JP" dirty="0" smtClean="0"/>
+          </a:p>
+          <a:p>
+            <a:pPr lvl="1"/>
             <a:r>
               <a:rPr lang="en-US" altLang="ja-JP" dirty="0" smtClean="0"/>
               <a:t>ID</a:t>
             </a:r>
             <a:r>
               <a:rPr lang="ja-JP" altLang="en-US" dirty="0" smtClean="0"/>
-              <a:t>のユニットはサーバーによって更新された」みたいな通知が必要</a:t>
+              <a:t> をキーにした </a:t>
+            </a:r>
+            <a:r>
+              <a:rPr lang="en-US" altLang="ja-JP" dirty="0" smtClean="0"/>
+              <a:t>Dictionary</a:t>
+            </a:r>
+            <a:r>
+              <a:rPr lang="ja-JP" altLang="en-US" dirty="0" smtClean="0"/>
+              <a:t> 化</a:t>
+            </a:r>
+            <a:endParaRPr kumimoji="1" lang="en-US" altLang="ja-JP" dirty="0" smtClean="0"/>
+          </a:p>
+          <a:p>
+            <a:r>
+              <a:rPr lang="ja-JP" altLang="en-US" dirty="0" smtClean="0"/>
+              <a:t>コード生成を整備</a:t>
             </a:r>
             <a:endParaRPr lang="en-US" altLang="ja-JP" dirty="0" smtClean="0"/>
           </a:p>
           <a:p>
             <a:pPr lvl="1"/>
             <a:r>
-              <a:rPr kumimoji="1" lang="en-US" altLang="ja-JP" dirty="0" smtClean="0"/>
-              <a:t>reactive</a:t>
-            </a:r>
-            <a:endParaRPr lang="en-US" altLang="ja-JP" dirty="0"/>
+              <a:rPr lang="en-US" altLang="ja-JP" dirty="0" smtClean="0"/>
+              <a:t>[Master]</a:t>
+            </a:r>
+            <a:r>
+              <a:rPr lang="ja-JP" altLang="en-US" dirty="0" smtClean="0"/>
+              <a:t>属性がついている型を束ねて </a:t>
+            </a:r>
+            <a:r>
+              <a:rPr lang="en-US" altLang="ja-JP" dirty="0" err="1" smtClean="0"/>
+              <a:t>MasterRepository</a:t>
+            </a:r>
+            <a:r>
+              <a:rPr lang="ja-JP" altLang="en-US" dirty="0" smtClean="0"/>
+              <a:t> 型を生成</a:t>
+            </a:r>
+            <a:endParaRPr lang="en-US" altLang="ja-JP" dirty="0" smtClean="0"/>
           </a:p>
           <a:p>
             <a:pPr lvl="1"/>
-            <a:endParaRPr kumimoji="1" lang="en-US" altLang="ja-JP" dirty="0" smtClean="0"/>
-          </a:p>
-          <a:p>
-            <a:pPr lvl="1"/>
-            <a:r>
-              <a:rPr lang="en-US" altLang="ja-JP" dirty="0" smtClean="0"/>
-              <a:t>Inventory</a:t>
-            </a:r>
-            <a:r>
-              <a:rPr lang="ja-JP" altLang="en-US" dirty="0" smtClean="0"/>
-              <a:t>クラス</a:t>
-            </a:r>
-            <a:endParaRPr lang="en-US" altLang="ja-JP" dirty="0" smtClean="0"/>
-          </a:p>
-          <a:p>
-            <a:pPr lvl="2"/>
+            <a:r>
+              <a:rPr kumimoji="1" lang="en-US" altLang="ja-JP" dirty="0" err="1" smtClean="0"/>
+              <a:t>LoadAsync</a:t>
+            </a:r>
             <a:r>
               <a:rPr kumimoji="1" lang="ja-JP" altLang="en-US" dirty="0" smtClean="0"/>
-              <a:t>現在値が取れる</a:t>
-            </a:r>
-            <a:endParaRPr kumimoji="1" lang="en-US" altLang="ja-JP" dirty="0" smtClean="0"/>
-          </a:p>
-          <a:p>
-            <a:pPr lvl="2"/>
-            <a:r>
-              <a:rPr lang="ja-JP" altLang="en-US" dirty="0" smtClean="0"/>
-              <a:t>更新通知</a:t>
-            </a:r>
-            <a:r>
-              <a:rPr lang="ja-JP" altLang="en-US" dirty="0"/>
-              <a:t>イベント</a:t>
-            </a:r>
-            <a:r>
-              <a:rPr lang="ja-JP" altLang="en-US" dirty="0" smtClean="0"/>
-              <a:t>を持ってる</a:t>
-            </a:r>
-            <a:endParaRPr lang="en-US" altLang="ja-JP" dirty="0" smtClean="0"/>
-          </a:p>
-          <a:p>
-            <a:pPr lvl="2"/>
-            <a:r>
-              <a:rPr kumimoji="1" lang="en-US" altLang="ja-JP" dirty="0" err="1" smtClean="0"/>
-              <a:t>IEnumerable</a:t>
-            </a:r>
-            <a:r>
-              <a:rPr lang="ja-JP" altLang="en-US" dirty="0" smtClean="0"/>
-              <a:t>かつ</a:t>
-            </a:r>
-            <a:r>
-              <a:rPr lang="en-US" altLang="ja-JP" dirty="0" err="1" smtClean="0"/>
-              <a:t>IObservable</a:t>
-            </a:r>
-            <a:endParaRPr lang="en-US" altLang="ja-JP" dirty="0" smtClean="0"/>
-          </a:p>
-          <a:p>
-            <a:pPr lvl="3"/>
-            <a:r>
-              <a:rPr kumimoji="1" lang="en-US" altLang="ja-JP" dirty="0" smtClean="0"/>
-              <a:t>Where,</a:t>
-            </a:r>
-            <a:r>
-              <a:rPr kumimoji="1" lang="ja-JP" altLang="en-US" dirty="0"/>
-              <a:t> </a:t>
-            </a:r>
-            <a:r>
-              <a:rPr kumimoji="1" lang="en-US" altLang="ja-JP" dirty="0" smtClean="0"/>
-              <a:t>Select</a:t>
-            </a:r>
-            <a:r>
-              <a:rPr kumimoji="1" lang="ja-JP" altLang="en-US" dirty="0" smtClean="0"/>
-              <a:t> 可能</a:t>
+              <a:t>メソッドで、上記ライブラリを呼ぶ</a:t>
             </a:r>
             <a:endParaRPr kumimoji="1" lang="ja-JP" altLang="en-US" dirty="0"/>
           </a:p>
@@ -44003,7 +47516,7 @@
     </p:spTree>
     <p:extLst>
       <p:ext uri="{BB962C8B-B14F-4D97-AF65-F5344CB8AC3E}">
-        <p14:creationId xmlns:p14="http://schemas.microsoft.com/office/powerpoint/2010/main" val="1617238274"/>
+        <p14:creationId xmlns:p14="http://schemas.microsoft.com/office/powerpoint/2010/main" val="811970460"/>
       </p:ext>
     </p:extLst>
   </p:cSld>
@@ -44169,7 +47682,11 @@
           <a:bodyPr/>
           <a:lstStyle/>
           <a:p>
-            <a:endParaRPr kumimoji="1" lang="ja-JP" altLang="en-US"/>
+            <a:r>
+              <a:rPr kumimoji="1" lang="ja-JP" altLang="en-US" dirty="0" smtClean="0"/>
+              <a:t>インベントリ リポジトリ</a:t>
+            </a:r>
+            <a:endParaRPr kumimoji="1" lang="ja-JP" altLang="en-US" dirty="0"/>
           </a:p>
         </p:txBody>
       </p:sp>
@@ -44189,151 +47706,114 @@
           <a:lstStyle/>
           <a:p>
             <a:r>
-              <a:rPr kumimoji="1" lang="en-US" altLang="ja-JP" dirty="0" err="1" smtClean="0"/>
-              <a:t>IObservable</a:t>
-            </a:r>
-            <a:r>
               <a:rPr kumimoji="1" lang="ja-JP" altLang="en-US" dirty="0" smtClean="0"/>
-              <a:t>使ってないのよね</a:t>
+              <a:t>ライブラリを整備</a:t>
             </a:r>
             <a:endParaRPr kumimoji="1" lang="en-US" altLang="ja-JP" dirty="0" smtClean="0"/>
           </a:p>
           <a:p>
             <a:pPr lvl="1"/>
             <a:r>
-              <a:rPr lang="en-US" altLang="ja-JP" dirty="0" err="1" smtClean="0"/>
-              <a:t>IEvent</a:t>
-            </a:r>
-            <a:r>
               <a:rPr lang="en-US" altLang="ja-JP" dirty="0" smtClean="0"/>
-              <a:t>&lt;T&gt;</a:t>
+              <a:t>Inventory</a:t>
             </a:r>
             <a:r>
               <a:rPr lang="ja-JP" altLang="en-US" dirty="0" smtClean="0"/>
-              <a:t> ≒ </a:t>
-            </a:r>
-            <a:r>
-              <a:rPr lang="en-US" altLang="ja-JP" dirty="0" err="1" smtClean="0"/>
-              <a:t>IObservable</a:t>
+              <a:t>系クラス</a:t>
+            </a:r>
+            <a:endParaRPr lang="en-US" altLang="ja-JP" dirty="0" smtClean="0"/>
+          </a:p>
+          <a:p>
+            <a:pPr lvl="2"/>
+            <a:r>
+              <a:rPr lang="ja-JP" altLang="en-US" dirty="0" smtClean="0"/>
+              <a:t>現在のインスタンスを</a:t>
             </a:r>
             <a:r>
               <a:rPr lang="en-US" altLang="ja-JP" dirty="0" smtClean="0"/>
-              <a:t>&lt;</a:t>
-            </a:r>
-            <a:r>
-              <a:rPr lang="en-US" altLang="ja-JP" dirty="0" err="1" smtClean="0"/>
-              <a:t>EventPettern</a:t>
+              <a:t>ID</a:t>
+            </a:r>
+            <a:r>
+              <a:rPr lang="ja-JP" altLang="en-US" dirty="0" smtClean="0"/>
+              <a:t>検索できる</a:t>
+            </a:r>
+            <a:endParaRPr lang="en-US" altLang="ja-JP" dirty="0" smtClean="0"/>
+          </a:p>
+          <a:p>
+            <a:pPr lvl="2"/>
+            <a:r>
+              <a:rPr kumimoji="1" lang="ja-JP" altLang="en-US" dirty="0" smtClean="0"/>
+              <a:t>インスタンスの更新イベントを公開</a:t>
+            </a:r>
+            <a:endParaRPr kumimoji="1" lang="en-US" altLang="ja-JP" dirty="0" smtClean="0"/>
+          </a:p>
+          <a:p>
+            <a:r>
+              <a:rPr lang="ja-JP" altLang="en-US" dirty="0" smtClean="0"/>
+              <a:t>コード</a:t>
+            </a:r>
+            <a:r>
+              <a:rPr lang="ja-JP" altLang="en-US" dirty="0"/>
+              <a:t>生成</a:t>
+            </a:r>
+            <a:r>
+              <a:rPr lang="ja-JP" altLang="en-US" dirty="0" smtClean="0"/>
+              <a:t>を整備</a:t>
+            </a:r>
+            <a:endParaRPr lang="en-US" altLang="ja-JP" dirty="0" smtClean="0"/>
+          </a:p>
+          <a:p>
+            <a:pPr lvl="1"/>
+            <a:r>
+              <a:rPr kumimoji="1" lang="ja-JP" altLang="en-US" dirty="0" smtClean="0"/>
+              <a:t>通信</a:t>
+            </a:r>
+            <a:r>
+              <a:rPr kumimoji="1" lang="en-US" altLang="ja-JP" dirty="0" smtClean="0"/>
+              <a:t>API</a:t>
+            </a:r>
+            <a:r>
+              <a:rPr kumimoji="1" lang="ja-JP" altLang="en-US" dirty="0" smtClean="0"/>
+              <a:t>をフックして、リポジトリを自動更新</a:t>
+            </a:r>
+            <a:endParaRPr kumimoji="1" lang="en-US" altLang="ja-JP" dirty="0" smtClean="0"/>
+          </a:p>
+          <a:p>
+            <a:pPr lvl="1"/>
+            <a:r>
+              <a:rPr lang="ja-JP" altLang="en-US" dirty="0"/>
+              <a:t>他</a:t>
+            </a:r>
+            <a:r>
+              <a:rPr lang="ja-JP" altLang="en-US" dirty="0" smtClean="0"/>
+              <a:t>のインベントリ、マスターが必要なクラスに</a:t>
             </a:r>
             <a:r>
               <a:rPr lang="en-US" altLang="ja-JP" dirty="0" smtClean="0"/>
-              <a:t>&lt;T&gt;&gt;</a:t>
-            </a:r>
-          </a:p>
-          <a:p>
-            <a:pPr lvl="2"/>
-            <a:r>
-              <a:rPr kumimoji="1" lang="en-US" altLang="ja-JP" dirty="0" smtClean="0"/>
-              <a:t>Unity</a:t>
-            </a:r>
-            <a:r>
-              <a:rPr kumimoji="1" lang="ja-JP" altLang="en-US" dirty="0" smtClean="0"/>
-              <a:t>がシングル スレッド動作なので、同時実行制御だけさぼってる</a:t>
+              <a:t/>
+            </a:r>
+            <a:br>
+              <a:rPr lang="en-US" altLang="ja-JP" dirty="0" smtClean="0"/>
+            </a:br>
+            <a:r>
+              <a:rPr lang="ja-JP" altLang="en-US" dirty="0" smtClean="0"/>
+              <a:t>それぞれのリポジトリを渡す</a:t>
             </a:r>
             <a:endParaRPr kumimoji="1" lang="en-US" altLang="ja-JP" dirty="0" smtClean="0"/>
           </a:p>
           <a:p>
             <a:pPr lvl="1"/>
             <a:r>
+              <a:rPr lang="ja-JP" altLang="en-US" dirty="0" smtClean="0"/>
+              <a:t>ユニット→装備 とかの</a:t>
+            </a:r>
+            <a:r>
               <a:rPr lang="en-US" altLang="ja-JP" dirty="0" smtClean="0"/>
-              <a:t>sender</a:t>
+              <a:t>ID</a:t>
             </a:r>
             <a:r>
               <a:rPr lang="ja-JP" altLang="en-US" dirty="0" smtClean="0"/>
-              <a:t> → でも結局、</a:t>
-            </a:r>
-            <a:r>
-              <a:rPr lang="en-US" altLang="ja-JP" dirty="0" smtClean="0"/>
-              <a:t>sender</a:t>
-            </a:r>
-            <a:r>
-              <a:rPr lang="ja-JP" altLang="en-US" dirty="0" smtClean="0"/>
-              <a:t>使ってない。</a:t>
-            </a:r>
-            <a:r>
-              <a:rPr lang="en-US" altLang="ja-JP" dirty="0" smtClean="0"/>
-              <a:t>IO</a:t>
-            </a:r>
-            <a:r>
-              <a:rPr lang="ja-JP" altLang="en-US" dirty="0" err="1" smtClean="0"/>
-              <a:t>で</a:t>
-            </a:r>
-            <a:r>
-              <a:rPr lang="ja-JP" altLang="en-US" dirty="0" smtClean="0"/>
-              <a:t>よかった</a:t>
-            </a:r>
-            <a:endParaRPr lang="en-US" altLang="ja-JP" dirty="0" smtClean="0"/>
-          </a:p>
-          <a:p>
-            <a:pPr lvl="1"/>
-            <a:r>
-              <a:rPr kumimoji="1" lang="en-US" altLang="ja-JP" dirty="0" smtClean="0"/>
-              <a:t>Rx</a:t>
-            </a:r>
-            <a:r>
-              <a:rPr kumimoji="1" lang="ja-JP" altLang="en-US" dirty="0" smtClean="0"/>
-              <a:t>に移行しようか悩み中</a:t>
-            </a:r>
-            <a:endParaRPr kumimoji="1" lang="en-US" altLang="ja-JP" dirty="0" smtClean="0"/>
-          </a:p>
-          <a:p>
-            <a:pPr lvl="1"/>
-            <a:r>
-              <a:rPr lang="en-US" altLang="ja-JP" dirty="0" err="1" smtClean="0"/>
-              <a:t>IEvent</a:t>
-            </a:r>
-            <a:r>
-              <a:rPr lang="ja-JP" altLang="en-US" dirty="0" smtClean="0"/>
-              <a:t>に対して、</a:t>
-            </a:r>
-            <a:r>
-              <a:rPr lang="en-US" altLang="ja-JP" dirty="0" smtClean="0"/>
-              <a:t>Rx</a:t>
-            </a:r>
-            <a:r>
-              <a:rPr lang="ja-JP" altLang="en-US" dirty="0" smtClean="0"/>
-              <a:t>と同じような、</a:t>
-            </a:r>
-            <a:r>
-              <a:rPr lang="en-US" altLang="ja-JP" dirty="0" smtClean="0"/>
-              <a:t>Subject,</a:t>
-            </a:r>
-            <a:r>
-              <a:rPr lang="ja-JP" altLang="en-US" dirty="0" smtClean="0"/>
-              <a:t> </a:t>
-            </a:r>
-            <a:r>
-              <a:rPr lang="en-US" altLang="ja-JP" dirty="0" smtClean="0"/>
-              <a:t>Where,</a:t>
-            </a:r>
-            <a:r>
-              <a:rPr lang="ja-JP" altLang="en-US" dirty="0" smtClean="0"/>
-              <a:t> </a:t>
-            </a:r>
-            <a:r>
-              <a:rPr lang="en-US" altLang="ja-JP" dirty="0" smtClean="0"/>
-              <a:t>Select,</a:t>
-            </a:r>
-            <a:r>
-              <a:rPr lang="ja-JP" altLang="en-US" dirty="0" smtClean="0"/>
-              <a:t> </a:t>
-            </a:r>
-            <a:r>
-              <a:rPr lang="en-US" altLang="ja-JP" dirty="0" smtClean="0"/>
-              <a:t>Subscribe</a:t>
-            </a:r>
-            <a:r>
-              <a:rPr lang="ja-JP" altLang="en-US" dirty="0" smtClean="0"/>
-              <a:t>実装してる</a:t>
+              <a:t>検索プロパティを生成</a:t>
             </a:r>
             <a:endParaRPr kumimoji="1" lang="ja-JP" altLang="en-US" dirty="0"/>
           </a:p>
@@ -44342,7 +47822,7 @@
     </p:spTree>
     <p:extLst>
       <p:ext uri="{BB962C8B-B14F-4D97-AF65-F5344CB8AC3E}">
-        <p14:creationId xmlns:p14="http://schemas.microsoft.com/office/powerpoint/2010/main" val="1221440194"/>
+        <p14:creationId xmlns:p14="http://schemas.microsoft.com/office/powerpoint/2010/main" val="3296642738"/>
       </p:ext>
     </p:extLst>
   </p:cSld>
@@ -44391,7 +47871,11 @@
           <a:bodyPr/>
           <a:lstStyle/>
           <a:p>
-            <a:endParaRPr kumimoji="1" lang="ja-JP" altLang="en-US"/>
+            <a:r>
+              <a:rPr kumimoji="1" lang="ja-JP" altLang="en-US" dirty="0" smtClean="0"/>
+              <a:t>インベントリ リポジトリ</a:t>
+            </a:r>
+            <a:endParaRPr kumimoji="1" lang="ja-JP" altLang="en-US" dirty="0"/>
           </a:p>
         </p:txBody>
       </p:sp>
@@ -44412,103 +47896,676 @@
           <a:p>
             <a:r>
               <a:rPr kumimoji="1" lang="ja-JP" altLang="en-US" dirty="0" smtClean="0"/>
-              <a:t>当初説明した通り、作ってるゲームの性質的には</a:t>
+              <a:t>ライブラリを整備</a:t>
+            </a:r>
+            <a:endParaRPr kumimoji="1" lang="en-US" altLang="ja-JP" dirty="0" smtClean="0"/>
+          </a:p>
+          <a:p>
+            <a:pPr lvl="1"/>
+            <a:r>
+              <a:rPr lang="en-US" altLang="ja-JP" dirty="0" smtClean="0">
+                <a:solidFill>
+                  <a:schemeClr val="accent2"/>
+                </a:solidFill>
+              </a:rPr>
+              <a:t>Inventory</a:t>
+            </a:r>
+            <a:r>
+              <a:rPr lang="ja-JP" altLang="en-US" dirty="0" smtClean="0">
+                <a:solidFill>
+                  <a:schemeClr val="accent2"/>
+                </a:solidFill>
+              </a:rPr>
+              <a:t>系クラス</a:t>
+            </a:r>
+            <a:endParaRPr lang="en-US" altLang="ja-JP" dirty="0" smtClean="0">
+              <a:solidFill>
+                <a:schemeClr val="accent2"/>
+              </a:solidFill>
+            </a:endParaRPr>
+          </a:p>
+          <a:p>
+            <a:pPr lvl="2"/>
+            <a:r>
+              <a:rPr lang="ja-JP" altLang="en-US" dirty="0" smtClean="0"/>
+              <a:t>現在のインスタンスを</a:t>
+            </a:r>
+            <a:r>
+              <a:rPr lang="en-US" altLang="ja-JP" dirty="0" smtClean="0"/>
+              <a:t>ID</a:t>
+            </a:r>
+            <a:r>
+              <a:rPr lang="ja-JP" altLang="en-US" dirty="0" smtClean="0"/>
+              <a:t>検索できる</a:t>
+            </a:r>
+            <a:endParaRPr lang="en-US" altLang="ja-JP" dirty="0" smtClean="0"/>
+          </a:p>
+          <a:p>
+            <a:pPr lvl="2"/>
+            <a:r>
+              <a:rPr kumimoji="1" lang="ja-JP" altLang="en-US" dirty="0" smtClean="0"/>
+              <a:t>インスタンスの更新イベントを公開</a:t>
+            </a:r>
+            <a:endParaRPr kumimoji="1" lang="en-US" altLang="ja-JP" dirty="0" smtClean="0"/>
+          </a:p>
+          <a:p>
+            <a:r>
+              <a:rPr lang="ja-JP" altLang="en-US" dirty="0" smtClean="0"/>
+              <a:t>コード</a:t>
+            </a:r>
+            <a:r>
+              <a:rPr lang="ja-JP" altLang="en-US" dirty="0"/>
+              <a:t>生成</a:t>
+            </a:r>
+            <a:r>
+              <a:rPr lang="ja-JP" altLang="en-US" dirty="0" smtClean="0"/>
+              <a:t>を整備</a:t>
+            </a:r>
+            <a:endParaRPr lang="en-US" altLang="ja-JP" dirty="0" smtClean="0"/>
+          </a:p>
+          <a:p>
+            <a:pPr lvl="1"/>
+            <a:r>
+              <a:rPr kumimoji="1" lang="ja-JP" altLang="en-US" dirty="0" smtClean="0"/>
+              <a:t>通信</a:t>
             </a:r>
             <a:r>
               <a:rPr kumimoji="1" lang="en-US" altLang="ja-JP" dirty="0" smtClean="0"/>
-              <a:t>UI</a:t>
+              <a:t>API</a:t>
             </a:r>
             <a:r>
               <a:rPr kumimoji="1" lang="ja-JP" altLang="en-US" dirty="0" smtClean="0"/>
-              <a:t>フレームワーク中心になるんだけど</a:t>
+              <a:t>をフックして、リポジトリを自動更新</a:t>
             </a:r>
             <a:endParaRPr kumimoji="1" lang="en-US" altLang="ja-JP" dirty="0" smtClean="0"/>
           </a:p>
           <a:p>
             <a:pPr lvl="1"/>
             <a:r>
+              <a:rPr lang="ja-JP" altLang="en-US" dirty="0"/>
+              <a:t>他</a:t>
+            </a:r>
+            <a:r>
+              <a:rPr lang="ja-JP" altLang="en-US" dirty="0" smtClean="0"/>
+              <a:t>のインベントリ、マスターが必要なクラスに</a:t>
+            </a:r>
+            <a:r>
+              <a:rPr lang="en-US" altLang="ja-JP" dirty="0" smtClean="0"/>
+              <a:t/>
+            </a:r>
+            <a:br>
+              <a:rPr lang="en-US" altLang="ja-JP" dirty="0" smtClean="0"/>
+            </a:br>
+            <a:r>
+              <a:rPr lang="ja-JP" altLang="en-US" dirty="0" smtClean="0"/>
+              <a:t>それぞれのリポジトリを渡す</a:t>
+            </a:r>
+            <a:endParaRPr kumimoji="1" lang="en-US" altLang="ja-JP" dirty="0" smtClean="0"/>
+          </a:p>
+          <a:p>
+            <a:pPr lvl="1"/>
+            <a:r>
+              <a:rPr lang="ja-JP" altLang="en-US" dirty="0" smtClean="0"/>
+              <a:t>ユニット→装備 とかの</a:t>
+            </a:r>
+            <a:r>
+              <a:rPr lang="en-US" altLang="ja-JP" dirty="0" smtClean="0"/>
+              <a:t>ID</a:t>
+            </a:r>
+            <a:r>
+              <a:rPr lang="ja-JP" altLang="en-US" dirty="0" smtClean="0"/>
+              <a:t>検索プロパティを生成</a:t>
+            </a:r>
+            <a:endParaRPr kumimoji="1" lang="ja-JP" altLang="en-US" dirty="0"/>
+          </a:p>
+        </p:txBody>
+      </p:sp>
+      <p:sp>
+        <p:nvSpPr>
+          <p:cNvPr id="4" name="テキスト ボックス 3"/>
+          <p:cNvSpPr txBox="1"/>
+          <p:nvPr/>
+        </p:nvSpPr>
+        <p:spPr>
+          <a:xfrm>
+            <a:off x="4821710" y="2086276"/>
+            <a:ext cx="4897495" cy="1354217"/>
+          </a:xfrm>
+          <a:prstGeom prst="rect">
+            <a:avLst/>
+          </a:prstGeom>
+        </p:spPr>
+        <p:style>
+          <a:lnRef idx="2">
+            <a:schemeClr val="accent5"/>
+          </a:lnRef>
+          <a:fillRef idx="1">
+            <a:schemeClr val="lt1"/>
+          </a:fillRef>
+          <a:effectRef idx="0">
+            <a:schemeClr val="accent5"/>
+          </a:effectRef>
+          <a:fontRef idx="minor">
+            <a:schemeClr val="dk1"/>
+          </a:fontRef>
+        </p:style>
+        <p:txBody>
+          <a:bodyPr wrap="none" rtlCol="0">
+            <a:spAutoFit/>
+          </a:bodyPr>
+          <a:lstStyle/>
+          <a:p>
+            <a:r>
+              <a:rPr lang="en-US" altLang="ja-JP" sz="1600" dirty="0" smtClean="0">
+                <a:solidFill>
+                  <a:srgbClr val="0000FF"/>
+                </a:solidFill>
+                <a:highlight>
+                  <a:srgbClr val="FFFFFF"/>
+                </a:highlight>
+                <a:latin typeface="Consolas" panose="020B0609020204030204" pitchFamily="49" charset="0"/>
+              </a:rPr>
+              <a:t>class</a:t>
+            </a:r>
+            <a:r>
+              <a:rPr lang="en-US" altLang="ja-JP" sz="1600" dirty="0" smtClean="0">
+                <a:solidFill>
+                  <a:srgbClr val="000000"/>
+                </a:solidFill>
+                <a:highlight>
+                  <a:srgbClr val="FFFFFF"/>
+                </a:highlight>
+                <a:latin typeface="Consolas" panose="020B0609020204030204" pitchFamily="49" charset="0"/>
+              </a:rPr>
+              <a:t> </a:t>
+            </a:r>
+            <a:r>
+              <a:rPr lang="en-US" altLang="ja-JP" sz="1600" dirty="0" err="1">
+                <a:solidFill>
+                  <a:srgbClr val="2B91AF"/>
+                </a:solidFill>
+                <a:highlight>
+                  <a:srgbClr val="FFFFFF"/>
+                </a:highlight>
+                <a:latin typeface="Consolas" panose="020B0609020204030204" pitchFamily="49" charset="0"/>
+              </a:rPr>
+              <a:t>DictionaryInventory</a:t>
+            </a:r>
+            <a:r>
+              <a:rPr lang="en-US" altLang="ja-JP" sz="1600" dirty="0">
+                <a:solidFill>
+                  <a:srgbClr val="000000"/>
+                </a:solidFill>
+                <a:highlight>
+                  <a:srgbClr val="FFFFFF"/>
+                </a:highlight>
+                <a:latin typeface="Consolas" panose="020B0609020204030204" pitchFamily="49" charset="0"/>
+              </a:rPr>
+              <a:t>&lt;</a:t>
+            </a:r>
+            <a:r>
+              <a:rPr lang="en-US" altLang="ja-JP" sz="1600" dirty="0">
+                <a:solidFill>
+                  <a:srgbClr val="2B91AF"/>
+                </a:solidFill>
+                <a:highlight>
+                  <a:srgbClr val="FFFFFF"/>
+                </a:highlight>
+                <a:latin typeface="Consolas" panose="020B0609020204030204" pitchFamily="49" charset="0"/>
+              </a:rPr>
+              <a:t>T</a:t>
+            </a:r>
+            <a:r>
+              <a:rPr lang="en-US" altLang="ja-JP" sz="1600" dirty="0" smtClean="0">
+                <a:solidFill>
+                  <a:srgbClr val="000000"/>
+                </a:solidFill>
+                <a:highlight>
+                  <a:srgbClr val="FFFFFF"/>
+                </a:highlight>
+                <a:latin typeface="Consolas" panose="020B0609020204030204" pitchFamily="49" charset="0"/>
+              </a:rPr>
+              <a:t>&gt;</a:t>
+            </a:r>
+          </a:p>
+          <a:p>
+            <a:r>
+              <a:rPr kumimoji="1" lang="en-US" altLang="ja-JP" sz="1600" dirty="0" smtClean="0">
+                <a:solidFill>
+                  <a:srgbClr val="000000"/>
+                </a:solidFill>
+                <a:highlight>
+                  <a:srgbClr val="FFFFFF"/>
+                </a:highlight>
+                <a:latin typeface="Consolas" panose="020B0609020204030204" pitchFamily="49" charset="0"/>
+              </a:rPr>
+              <a:t>{</a:t>
+            </a:r>
+          </a:p>
+          <a:p>
+            <a:r>
+              <a:rPr lang="en-US" altLang="ja-JP" sz="1600" dirty="0" smtClean="0">
+                <a:solidFill>
+                  <a:srgbClr val="000000"/>
+                </a:solidFill>
+                <a:highlight>
+                  <a:srgbClr val="FFFFFF"/>
+                </a:highlight>
+                <a:latin typeface="Consolas" panose="020B0609020204030204" pitchFamily="49" charset="0"/>
+              </a:rPr>
+              <a:t>    </a:t>
+            </a:r>
+            <a:r>
+              <a:rPr lang="en-US" altLang="ja-JP" sz="1600" dirty="0" err="1">
+                <a:solidFill>
+                  <a:srgbClr val="2B91AF"/>
+                </a:solidFill>
+                <a:highlight>
+                  <a:srgbClr val="FFFFFF"/>
+                </a:highlight>
+                <a:latin typeface="Consolas" panose="020B0609020204030204" pitchFamily="49" charset="0"/>
+              </a:rPr>
+              <a:t>IEnumerable</a:t>
+            </a:r>
+            <a:r>
+              <a:rPr lang="en-US" altLang="ja-JP" sz="1600" dirty="0">
+                <a:solidFill>
+                  <a:srgbClr val="000000"/>
+                </a:solidFill>
+                <a:highlight>
+                  <a:srgbClr val="FFFFFF"/>
+                </a:highlight>
+                <a:latin typeface="Consolas" panose="020B0609020204030204" pitchFamily="49" charset="0"/>
+              </a:rPr>
+              <a:t>&lt;</a:t>
+            </a:r>
+            <a:r>
+              <a:rPr lang="en-US" altLang="ja-JP" sz="1600" dirty="0">
+                <a:solidFill>
+                  <a:srgbClr val="2B91AF"/>
+                </a:solidFill>
+                <a:highlight>
+                  <a:srgbClr val="FFFFFF"/>
+                </a:highlight>
+                <a:latin typeface="Consolas" panose="020B0609020204030204" pitchFamily="49" charset="0"/>
+              </a:rPr>
+              <a:t>T</a:t>
+            </a:r>
+            <a:r>
+              <a:rPr lang="en-US" altLang="ja-JP" sz="1600" dirty="0">
+                <a:solidFill>
+                  <a:srgbClr val="000000"/>
+                </a:solidFill>
+                <a:highlight>
+                  <a:srgbClr val="FFFFFF"/>
+                </a:highlight>
+                <a:latin typeface="Consolas" panose="020B0609020204030204" pitchFamily="49" charset="0"/>
+              </a:rPr>
+              <a:t>&gt; Items { </a:t>
+            </a:r>
+            <a:r>
+              <a:rPr lang="en-US" altLang="ja-JP" sz="1600" dirty="0">
+                <a:solidFill>
+                  <a:srgbClr val="0000FF"/>
+                </a:solidFill>
+                <a:highlight>
+                  <a:srgbClr val="FFFFFF"/>
+                </a:highlight>
+                <a:latin typeface="Consolas" panose="020B0609020204030204" pitchFamily="49" charset="0"/>
+              </a:rPr>
+              <a:t>get</a:t>
+            </a:r>
+            <a:r>
+              <a:rPr lang="en-US" altLang="ja-JP" sz="1600" dirty="0">
+                <a:solidFill>
+                  <a:srgbClr val="000000"/>
+                </a:solidFill>
+                <a:highlight>
+                  <a:srgbClr val="FFFFFF"/>
+                </a:highlight>
+                <a:latin typeface="Consolas" panose="020B0609020204030204" pitchFamily="49" charset="0"/>
+              </a:rPr>
+              <a:t>; }</a:t>
+            </a:r>
+            <a:endParaRPr kumimoji="1" lang="en-US" altLang="ja-JP" sz="1600" dirty="0" smtClean="0">
+              <a:solidFill>
+                <a:srgbClr val="000000"/>
+              </a:solidFill>
+              <a:highlight>
+                <a:srgbClr val="FFFFFF"/>
+              </a:highlight>
+              <a:latin typeface="Consolas" panose="020B0609020204030204" pitchFamily="49" charset="0"/>
+            </a:endParaRPr>
+          </a:p>
+          <a:p>
+            <a:r>
+              <a:rPr lang="en-US" altLang="ja-JP" sz="1600" dirty="0" smtClean="0">
+                <a:solidFill>
+                  <a:srgbClr val="000000"/>
+                </a:solidFill>
+                <a:highlight>
+                  <a:srgbClr val="FFFFFF"/>
+                </a:highlight>
+                <a:latin typeface="Consolas" panose="020B0609020204030204" pitchFamily="49" charset="0"/>
+              </a:rPr>
+              <a:t>    </a:t>
+            </a:r>
+            <a:r>
+              <a:rPr lang="en-US" altLang="ja-JP" sz="1600" dirty="0" err="1" smtClean="0">
+                <a:solidFill>
+                  <a:srgbClr val="2B91AF"/>
+                </a:solidFill>
+                <a:highlight>
+                  <a:srgbClr val="FFFFFF"/>
+                </a:highlight>
+                <a:latin typeface="Consolas" panose="020B0609020204030204" pitchFamily="49" charset="0"/>
+              </a:rPr>
+              <a:t>IEvent</a:t>
+            </a:r>
+            <a:r>
+              <a:rPr lang="en-US" altLang="ja-JP" sz="1600" dirty="0" smtClean="0">
+                <a:solidFill>
+                  <a:srgbClr val="000000"/>
+                </a:solidFill>
+                <a:highlight>
+                  <a:srgbClr val="FFFFFF"/>
+                </a:highlight>
+                <a:latin typeface="Consolas" panose="020B0609020204030204" pitchFamily="49" charset="0"/>
+              </a:rPr>
+              <a:t>&lt;</a:t>
+            </a:r>
+            <a:r>
+              <a:rPr lang="en-US" altLang="ja-JP" sz="1600" dirty="0" err="1" smtClean="0">
+                <a:solidFill>
+                  <a:srgbClr val="2B91AF"/>
+                </a:solidFill>
+                <a:highlight>
+                  <a:srgbClr val="FFFFFF"/>
+                </a:highlight>
+                <a:latin typeface="Consolas" panose="020B0609020204030204" pitchFamily="49" charset="0"/>
+              </a:rPr>
+              <a:t>ChangedArg</a:t>
+            </a:r>
+            <a:r>
+              <a:rPr lang="en-US" altLang="ja-JP" sz="1600" dirty="0" smtClean="0">
+                <a:solidFill>
+                  <a:srgbClr val="000000"/>
+                </a:solidFill>
+                <a:highlight>
+                  <a:srgbClr val="FFFFFF"/>
+                </a:highlight>
+                <a:latin typeface="Consolas" panose="020B0609020204030204" pitchFamily="49" charset="0"/>
+              </a:rPr>
+              <a:t>&lt;</a:t>
+            </a:r>
+            <a:r>
+              <a:rPr lang="en-US" altLang="ja-JP" sz="1600" dirty="0" smtClean="0">
+                <a:solidFill>
+                  <a:srgbClr val="2B91AF"/>
+                </a:solidFill>
+                <a:highlight>
+                  <a:srgbClr val="FFFFFF"/>
+                </a:highlight>
+                <a:latin typeface="Consolas" panose="020B0609020204030204" pitchFamily="49" charset="0"/>
+              </a:rPr>
+              <a:t>T</a:t>
+            </a:r>
+            <a:r>
+              <a:rPr lang="en-US" altLang="ja-JP" sz="1600" dirty="0">
+                <a:solidFill>
+                  <a:srgbClr val="000000"/>
+                </a:solidFill>
+                <a:highlight>
+                  <a:srgbClr val="FFFFFF"/>
+                </a:highlight>
+                <a:latin typeface="Consolas" panose="020B0609020204030204" pitchFamily="49" charset="0"/>
+              </a:rPr>
+              <a:t>&gt;&gt; Changed { </a:t>
+            </a:r>
+            <a:r>
+              <a:rPr lang="en-US" altLang="ja-JP" sz="1600" dirty="0">
+                <a:solidFill>
+                  <a:srgbClr val="0000FF"/>
+                </a:solidFill>
+                <a:highlight>
+                  <a:srgbClr val="FFFFFF"/>
+                </a:highlight>
+                <a:latin typeface="Consolas" panose="020B0609020204030204" pitchFamily="49" charset="0"/>
+              </a:rPr>
+              <a:t>get</a:t>
+            </a:r>
+            <a:r>
+              <a:rPr lang="en-US" altLang="ja-JP" sz="1600" dirty="0">
+                <a:solidFill>
+                  <a:srgbClr val="000000"/>
+                </a:solidFill>
+                <a:highlight>
+                  <a:srgbClr val="FFFFFF"/>
+                </a:highlight>
+                <a:latin typeface="Consolas" panose="020B0609020204030204" pitchFamily="49" charset="0"/>
+              </a:rPr>
+              <a:t>; }</a:t>
+            </a:r>
+            <a:endParaRPr kumimoji="1" lang="en-US" altLang="ja-JP" sz="1600" dirty="0" smtClean="0">
+              <a:solidFill>
+                <a:srgbClr val="000000"/>
+              </a:solidFill>
+              <a:highlight>
+                <a:srgbClr val="FFFFFF"/>
+              </a:highlight>
+              <a:latin typeface="Consolas" panose="020B0609020204030204" pitchFamily="49" charset="0"/>
+            </a:endParaRPr>
+          </a:p>
+          <a:p>
+            <a:r>
+              <a:rPr lang="en-US" altLang="ja-JP" sz="1600" dirty="0">
+                <a:solidFill>
+                  <a:srgbClr val="000000"/>
+                </a:solidFill>
+                <a:highlight>
+                  <a:srgbClr val="FFFFFF"/>
+                </a:highlight>
+                <a:latin typeface="Consolas" panose="020B0609020204030204" pitchFamily="49" charset="0"/>
+              </a:rPr>
+              <a:t>}</a:t>
+            </a:r>
+            <a:endParaRPr kumimoji="1" lang="ja-JP" altLang="en-US" sz="1600" dirty="0"/>
+          </a:p>
+        </p:txBody>
+      </p:sp>
+      <p:sp>
+        <p:nvSpPr>
+          <p:cNvPr id="5" name="四角形吹き出し 4"/>
+          <p:cNvSpPr/>
+          <p:nvPr/>
+        </p:nvSpPr>
+        <p:spPr>
+          <a:xfrm>
+            <a:off x="4821710" y="3701143"/>
+            <a:ext cx="5253781" cy="1563066"/>
+          </a:xfrm>
+          <a:prstGeom prst="wedgeRectCallout">
+            <a:avLst>
+              <a:gd name="adj1" fmla="val -27990"/>
+              <a:gd name="adj2" fmla="val -80403"/>
+            </a:avLst>
+          </a:prstGeom>
+        </p:spPr>
+        <p:style>
+          <a:lnRef idx="2">
+            <a:schemeClr val="accent3"/>
+          </a:lnRef>
+          <a:fillRef idx="1">
+            <a:schemeClr val="lt1"/>
+          </a:fillRef>
+          <a:effectRef idx="0">
+            <a:schemeClr val="accent3"/>
+          </a:effectRef>
+          <a:fontRef idx="minor">
+            <a:schemeClr val="dk1"/>
+          </a:fontRef>
+        </p:style>
+        <p:txBody>
+          <a:bodyPr lIns="36000" tIns="36000" rIns="36000" bIns="36000" rtlCol="0" anchor="ctr"/>
+          <a:lstStyle/>
+          <a:p>
+            <a:pPr marL="285750" indent="-200025">
+              <a:buFont typeface="Arial" panose="020B0604020202020204" pitchFamily="34" charset="0"/>
+              <a:buChar char="•"/>
+            </a:pPr>
+            <a:r>
+              <a:rPr kumimoji="1" lang="en-US" altLang="ja-JP" dirty="0" err="1" smtClean="0"/>
+              <a:t>IEvent</a:t>
+            </a:r>
+            <a:r>
+              <a:rPr kumimoji="1" lang="ja-JP" altLang="en-US" dirty="0" smtClean="0"/>
+              <a:t>は</a:t>
+            </a:r>
+            <a:r>
+              <a:rPr kumimoji="1" lang="en-US" altLang="ja-JP" dirty="0" err="1" smtClean="0"/>
+              <a:t>IObservable</a:t>
+            </a:r>
+            <a:r>
+              <a:rPr kumimoji="1" lang="ja-JP" altLang="en-US" dirty="0" smtClean="0"/>
+              <a:t>と似たような機能</a:t>
+            </a:r>
+            <a:endParaRPr kumimoji="1" lang="en-US" altLang="ja-JP" dirty="0" smtClean="0"/>
+          </a:p>
+          <a:p>
+            <a:pPr marL="285750" indent="-200025">
+              <a:buFont typeface="Arial" panose="020B0604020202020204" pitchFamily="34" charset="0"/>
+              <a:buChar char="•"/>
+            </a:pPr>
+            <a:r>
+              <a:rPr lang="ja-JP" altLang="en-US" dirty="0" smtClean="0"/>
+              <a:t>つまり、</a:t>
+            </a:r>
+            <a:r>
+              <a:rPr lang="en-US" altLang="ja-JP" dirty="0" err="1" smtClean="0"/>
+              <a:t>IEnumerable</a:t>
+            </a:r>
+            <a:r>
+              <a:rPr lang="ja-JP" altLang="en-US" dirty="0" smtClean="0"/>
+              <a:t>かつ</a:t>
+            </a:r>
+            <a:r>
+              <a:rPr lang="en-US" altLang="ja-JP" dirty="0" err="1" smtClean="0"/>
+              <a:t>IObservable</a:t>
+            </a:r>
+            <a:r>
+              <a:rPr lang="ja-JP" altLang="en-US" dirty="0" smtClean="0"/>
+              <a:t>な型</a:t>
+            </a:r>
+            <a:endParaRPr lang="en-US" altLang="ja-JP" dirty="0" smtClean="0"/>
+          </a:p>
+          <a:p>
+            <a:pPr marL="742950" lvl="1" indent="-200025">
+              <a:buFont typeface="Arial" panose="020B0604020202020204" pitchFamily="34" charset="0"/>
+              <a:buChar char="•"/>
+              <a:tabLst>
+                <a:tab pos="2417763" algn="l"/>
+              </a:tabLst>
+            </a:pPr>
+            <a:r>
+              <a:rPr kumimoji="1" lang="ja-JP" altLang="en-US" dirty="0" smtClean="0"/>
+              <a:t>現在の値を取る</a:t>
+            </a:r>
+            <a:r>
               <a:rPr kumimoji="1" lang="en-US" altLang="ja-JP" dirty="0" smtClean="0"/>
-              <a:t>3D</a:t>
+              <a:t>	</a:t>
             </a:r>
             <a:r>
               <a:rPr kumimoji="1" lang="ja-JP" altLang="en-US" dirty="0" smtClean="0"/>
-              <a:t>とか物理エンジンとか</a:t>
+              <a:t>→ </a:t>
+            </a:r>
+            <a:r>
+              <a:rPr kumimoji="1" lang="en-US" altLang="ja-JP" dirty="0" err="1" smtClean="0"/>
+              <a:t>IEnumerable</a:t>
+            </a:r>
+            <a:endParaRPr kumimoji="1" lang="en-US" altLang="ja-JP" dirty="0" smtClean="0"/>
+          </a:p>
+          <a:p>
+            <a:pPr marL="742950" lvl="1" indent="-200025">
+              <a:buFont typeface="Arial" panose="020B0604020202020204" pitchFamily="34" charset="0"/>
+              <a:buChar char="•"/>
+              <a:tabLst>
+                <a:tab pos="2417763" algn="l"/>
+              </a:tabLst>
+            </a:pPr>
+            <a:r>
+              <a:rPr lang="ja-JP" altLang="en-US" dirty="0"/>
+              <a:t>値</a:t>
+            </a:r>
+            <a:r>
+              <a:rPr lang="ja-JP" altLang="en-US" dirty="0" smtClean="0"/>
+              <a:t>の</a:t>
+            </a:r>
+            <a:r>
+              <a:rPr lang="ja-JP" altLang="en-US" dirty="0"/>
+              <a:t>変化</a:t>
+            </a:r>
+            <a:r>
+              <a:rPr lang="ja-JP" altLang="en-US" dirty="0" smtClean="0"/>
+              <a:t>をもらう</a:t>
+            </a:r>
+            <a:r>
+              <a:rPr lang="en-US" altLang="ja-JP" dirty="0"/>
+              <a:t>	</a:t>
+            </a:r>
+            <a:r>
+              <a:rPr lang="ja-JP" altLang="en-US" dirty="0" smtClean="0"/>
+              <a:t>→ </a:t>
+            </a:r>
+            <a:r>
+              <a:rPr lang="en-US" altLang="ja-JP" dirty="0" err="1" smtClean="0"/>
+              <a:t>IObservable</a:t>
+            </a:r>
+            <a:endParaRPr lang="en-US" altLang="ja-JP" dirty="0" smtClean="0"/>
+          </a:p>
+          <a:p>
+            <a:pPr marL="742950" lvl="1" indent="-200025">
+              <a:buFont typeface="Arial" panose="020B0604020202020204" pitchFamily="34" charset="0"/>
+              <a:buChar char="•"/>
+              <a:tabLst>
+                <a:tab pos="2417763" algn="l"/>
+              </a:tabLst>
+            </a:pPr>
+            <a:r>
+              <a:rPr kumimoji="1" lang="en-US" altLang="ja-JP" dirty="0" err="1" smtClean="0"/>
+              <a:t>LINQ+Rx</a:t>
             </a:r>
             <a:r>
               <a:rPr kumimoji="1" lang="en-US" altLang="ja-JP" dirty="0" smtClean="0"/>
-              <a:t>object</a:t>
+              <a:t> </a:t>
             </a:r>
             <a:r>
               <a:rPr kumimoji="1" lang="ja-JP" altLang="en-US" dirty="0" smtClean="0"/>
-              <a:t> </a:t>
+              <a:t>で、</a:t>
             </a:r>
             <a:r>
               <a:rPr kumimoji="1" lang="en-US" altLang="ja-JP" dirty="0" smtClean="0"/>
-              <a:t>navigation</a:t>
+              <a:t>Where </a:t>
             </a:r>
             <a:r>
               <a:rPr kumimoji="1" lang="ja-JP" altLang="en-US" dirty="0" smtClean="0"/>
-              <a:t>とか要らない</a:t>
-            </a:r>
-            <a:endParaRPr kumimoji="1" lang="en-US" altLang="ja-JP" dirty="0" smtClean="0"/>
-          </a:p>
-          <a:p>
-            <a:pPr lvl="1"/>
-            <a:r>
-              <a:rPr lang="ja-JP" altLang="en-US" dirty="0" smtClean="0"/>
-              <a:t>むしろ、</a:t>
-            </a:r>
-            <a:r>
-              <a:rPr lang="en-US" altLang="ja-JP" dirty="0" smtClean="0"/>
-              <a:t>XAML</a:t>
-            </a:r>
-            <a:r>
-              <a:rPr lang="ja-JP" altLang="en-US" dirty="0" smtClean="0"/>
-              <a:t>的機能がほしい</a:t>
-            </a:r>
-            <a:endParaRPr lang="en-US" altLang="ja-JP" dirty="0" smtClean="0"/>
-          </a:p>
-          <a:p>
-            <a:pPr lvl="2"/>
-            <a:r>
-              <a:rPr lang="en-US" altLang="ja-JP" dirty="0"/>
-              <a:t>Data Binding</a:t>
-            </a:r>
-          </a:p>
-          <a:p>
-            <a:pPr lvl="2"/>
-            <a:r>
-              <a:rPr lang="en-US" altLang="ja-JP" dirty="0" err="1" smtClean="0"/>
-              <a:t>ConentControl</a:t>
-            </a:r>
-            <a:r>
-              <a:rPr lang="en-US" altLang="ja-JP" dirty="0" smtClean="0"/>
-              <a:t>, </a:t>
-            </a:r>
-            <a:r>
-              <a:rPr lang="en-US" altLang="ja-JP" dirty="0" err="1" smtClean="0"/>
-              <a:t>ItemsControl</a:t>
-            </a:r>
-            <a:endParaRPr lang="en-US" altLang="ja-JP" dirty="0" smtClean="0"/>
-          </a:p>
-          <a:p>
-            <a:pPr lvl="2"/>
+              <a:t>とか </a:t>
+            </a:r>
             <a:r>
               <a:rPr kumimoji="1" lang="en-US" altLang="ja-JP" dirty="0" smtClean="0"/>
-              <a:t>UI</a:t>
+              <a:t>Select</a:t>
             </a:r>
             <a:r>
               <a:rPr kumimoji="1" lang="ja-JP" altLang="en-US" dirty="0" smtClean="0"/>
-              <a:t>仮想化</a:t>
-            </a:r>
-            <a:endParaRPr kumimoji="1" lang="ja-JP" altLang="en-US" dirty="0"/>
+              <a:t> を定義可能</a:t>
+            </a:r>
+            <a:endParaRPr kumimoji="1" lang="ja-JP" altLang="en-US" dirty="0" smtClean="0"/>
           </a:p>
         </p:txBody>
       </p:sp>
     </p:spTree>
     <p:extLst>
       <p:ext uri="{BB962C8B-B14F-4D97-AF65-F5344CB8AC3E}">
-        <p14:creationId xmlns:p14="http://schemas.microsoft.com/office/powerpoint/2010/main" val="1404024061"/>
+        <p14:creationId xmlns:p14="http://schemas.microsoft.com/office/powerpoint/2010/main" val="2753458939"/>
       </p:ext>
     </p:extLst>
   </p:cSld>
@@ -44518,9 +48575,127 @@
   <p:timing>
     <p:tnLst>
       <p:par>
-        <p:cTn id="1" dur="indefinite" restart="never" nodeType="tmRoot"/>
+        <p:cTn id="1" dur="indefinite" restart="never" nodeType="tmRoot">
+          <p:childTnLst>
+            <p:seq concurrent="1" nextAc="seek">
+              <p:cTn id="2" dur="indefinite" nodeType="mainSeq">
+                <p:childTnLst>
+                  <p:par>
+                    <p:cTn id="3" fill="hold">
+                      <p:stCondLst>
+                        <p:cond delay="indefinite"/>
+                        <p:cond evt="onBegin" delay="0">
+                          <p:tn val="2"/>
+                        </p:cond>
+                      </p:stCondLst>
+                      <p:childTnLst>
+                        <p:par>
+                          <p:cTn id="4" fill="hold">
+                            <p:stCondLst>
+                              <p:cond delay="0"/>
+                            </p:stCondLst>
+                            <p:childTnLst>
+                              <p:par>
+                                <p:cTn id="5" presetID="14" presetClass="entr" presetSubtype="10" fill="hold" grpId="0" nodeType="withEffect">
+                                  <p:stCondLst>
+                                    <p:cond delay="0"/>
+                                  </p:stCondLst>
+                                  <p:childTnLst>
+                                    <p:set>
+                                      <p:cBhvr>
+                                        <p:cTn id="6" dur="1" fill="hold">
+                                          <p:stCondLst>
+                                            <p:cond delay="0"/>
+                                          </p:stCondLst>
+                                        </p:cTn>
+                                        <p:tgtEl>
+                                          <p:spTgt spid="4"/>
+                                        </p:tgtEl>
+                                        <p:attrNameLst>
+                                          <p:attrName>style.visibility</p:attrName>
+                                        </p:attrNameLst>
+                                      </p:cBhvr>
+                                      <p:to>
+                                        <p:strVal val="visible"/>
+                                      </p:to>
+                                    </p:set>
+                                    <p:animEffect transition="in" filter="randombar(horizontal)">
+                                      <p:cBhvr>
+                                        <p:cTn id="7" dur="500"/>
+                                        <p:tgtEl>
+                                          <p:spTgt spid="4"/>
+                                        </p:tgtEl>
+                                      </p:cBhvr>
+                                    </p:animEffect>
+                                  </p:childTnLst>
+                                </p:cTn>
+                              </p:par>
+                              <p:par>
+                                <p:cTn id="8" presetID="14" presetClass="entr" presetSubtype="10" fill="hold" grpId="0" nodeType="withEffect">
+                                  <p:stCondLst>
+                                    <p:cond delay="0"/>
+                                  </p:stCondLst>
+                                  <p:childTnLst>
+                                    <p:set>
+                                      <p:cBhvr>
+                                        <p:cTn id="9" dur="1" fill="hold">
+                                          <p:stCondLst>
+                                            <p:cond delay="0"/>
+                                          </p:stCondLst>
+                                        </p:cTn>
+                                        <p:tgtEl>
+                                          <p:spTgt spid="5"/>
+                                        </p:tgtEl>
+                                        <p:attrNameLst>
+                                          <p:attrName>style.visibility</p:attrName>
+                                        </p:attrNameLst>
+                                      </p:cBhvr>
+                                      <p:to>
+                                        <p:strVal val="visible"/>
+                                      </p:to>
+                                    </p:set>
+                                    <p:animEffect transition="in" filter="randombar(horizontal)">
+                                      <p:cBhvr>
+                                        <p:cTn id="10" dur="500"/>
+                                        <p:tgtEl>
+                                          <p:spTgt spid="5"/>
+                                        </p:tgtEl>
+                                      </p:cBhvr>
+                                    </p:animEffect>
+                                  </p:childTnLst>
+                                </p:cTn>
+                              </p:par>
+                            </p:childTnLst>
+                          </p:cTn>
+                        </p:par>
+                      </p:childTnLst>
+                    </p:cTn>
+                  </p:par>
+                </p:childTnLst>
+              </p:cTn>
+              <p:prevCondLst>
+                <p:cond evt="onPrev" delay="0">
+                  <p:tgtEl>
+                    <p:sldTgt/>
+                  </p:tgtEl>
+                </p:cond>
+              </p:prevCondLst>
+              <p:nextCondLst>
+                <p:cond evt="onNext" delay="0">
+                  <p:tgtEl>
+                    <p:sldTgt/>
+                  </p:tgtEl>
+                </p:cond>
+              </p:nextCondLst>
+            </p:seq>
+          </p:childTnLst>
+        </p:cTn>
       </p:par>
     </p:tnLst>
+    <p:bldLst>
+      <p:bldP spid="4" grpId="0" animBg="1"/>
+      <p:bldP spid="5" grpId="0" animBg="1"/>
+    </p:bldLst>
   </p:timing>
 </p:sld>
 </file>
@@ -44557,7 +48732,11 @@
           <a:bodyPr/>
           <a:lstStyle/>
           <a:p>
-            <a:endParaRPr kumimoji="1" lang="ja-JP" altLang="en-US"/>
+            <a:r>
+              <a:rPr kumimoji="1" lang="ja-JP" altLang="en-US" dirty="0" smtClean="0"/>
+              <a:t>インベントリ リポジトリ</a:t>
+            </a:r>
+            <a:endParaRPr kumimoji="1" lang="ja-JP" altLang="en-US" dirty="0"/>
           </a:p>
         </p:txBody>
       </p:sp>
@@ -44578,125 +48757,902 @@
           <a:p>
             <a:r>
               <a:rPr kumimoji="1" lang="ja-JP" altLang="en-US" dirty="0" smtClean="0"/>
-              <a:t>ぶっちゃけていうと、</a:t>
-            </a:r>
+              <a:t>ライブラリを整備</a:t>
+            </a:r>
+            <a:endParaRPr kumimoji="1" lang="en-US" altLang="ja-JP" dirty="0" smtClean="0"/>
+          </a:p>
+          <a:p>
+            <a:pPr lvl="1"/>
             <a:r>
               <a:rPr lang="en-US" altLang="ja-JP" dirty="0" smtClean="0"/>
-              <a:t>Silverlight</a:t>
+              <a:t>Inventory</a:t>
             </a:r>
             <a:r>
               <a:rPr lang="ja-JP" altLang="en-US" dirty="0" smtClean="0"/>
-              <a:t>がほしい</a:t>
+              <a:t>系クラス</a:t>
             </a:r>
             <a:endParaRPr lang="en-US" altLang="ja-JP" dirty="0" smtClean="0"/>
           </a:p>
           <a:p>
+            <a:pPr lvl="2"/>
+            <a:r>
+              <a:rPr lang="ja-JP" altLang="en-US" dirty="0" smtClean="0"/>
+              <a:t>現在のインスタンスを</a:t>
+            </a:r>
+            <a:r>
+              <a:rPr lang="en-US" altLang="ja-JP" dirty="0" smtClean="0"/>
+              <a:t>ID</a:t>
+            </a:r>
+            <a:r>
+              <a:rPr lang="ja-JP" altLang="en-US" dirty="0" smtClean="0"/>
+              <a:t>検索できる</a:t>
+            </a:r>
+            <a:endParaRPr lang="en-US" altLang="ja-JP" dirty="0" smtClean="0"/>
+          </a:p>
+          <a:p>
+            <a:pPr lvl="2"/>
+            <a:r>
+              <a:rPr kumimoji="1" lang="ja-JP" altLang="en-US" dirty="0" smtClean="0"/>
+              <a:t>インスタンスの更新イベントを公開</a:t>
+            </a:r>
+            <a:endParaRPr kumimoji="1" lang="en-US" altLang="ja-JP" dirty="0" smtClean="0"/>
+          </a:p>
+          <a:p>
+            <a:r>
+              <a:rPr lang="ja-JP" altLang="en-US" dirty="0" smtClean="0"/>
+              <a:t>コード</a:t>
+            </a:r>
+            <a:r>
+              <a:rPr lang="ja-JP" altLang="en-US" dirty="0"/>
+              <a:t>生成</a:t>
+            </a:r>
+            <a:r>
+              <a:rPr lang="ja-JP" altLang="en-US" dirty="0" smtClean="0"/>
+              <a:t>を整備</a:t>
+            </a:r>
+            <a:endParaRPr lang="en-US" altLang="ja-JP" dirty="0" smtClean="0"/>
+          </a:p>
+          <a:p>
             <a:pPr lvl="1"/>
             <a:r>
-              <a:rPr kumimoji="1" lang="ja-JP" altLang="en-US" dirty="0" smtClean="0"/>
-              <a:t>「ゲームだからゲーム フレームワーク」と思うんじゃなくて</a:t>
+              <a:rPr kumimoji="1" lang="ja-JP" altLang="en-US" dirty="0" smtClean="0">
+                <a:solidFill>
+                  <a:schemeClr val="accent2"/>
+                </a:solidFill>
+              </a:rPr>
+              <a:t>通信</a:t>
+            </a:r>
+            <a:r>
+              <a:rPr kumimoji="1" lang="en-US" altLang="ja-JP" dirty="0" smtClean="0">
+                <a:solidFill>
+                  <a:schemeClr val="accent2"/>
+                </a:solidFill>
+              </a:rPr>
+              <a:t>API</a:t>
+            </a:r>
+            <a:r>
+              <a:rPr kumimoji="1" lang="ja-JP" altLang="en-US" dirty="0" smtClean="0">
+                <a:solidFill>
+                  <a:schemeClr val="accent2"/>
+                </a:solidFill>
+              </a:rPr>
+              <a:t>をフックして、リポジトリを自動更新</a:t>
+            </a:r>
+            <a:endParaRPr kumimoji="1" lang="en-US" altLang="ja-JP" dirty="0" smtClean="0">
+              <a:solidFill>
+                <a:schemeClr val="accent2"/>
+              </a:solidFill>
+            </a:endParaRPr>
+          </a:p>
+          <a:p>
+            <a:pPr lvl="1"/>
+            <a:r>
+              <a:rPr lang="ja-JP" altLang="en-US" dirty="0"/>
+              <a:t>他</a:t>
+            </a:r>
+            <a:r>
+              <a:rPr lang="ja-JP" altLang="en-US" dirty="0" smtClean="0"/>
+              <a:t>のインベントリ、マスターが必要なクラスに</a:t>
+            </a:r>
+            <a:r>
+              <a:rPr lang="en-US" altLang="ja-JP" dirty="0" smtClean="0"/>
+              <a:t/>
+            </a:r>
+            <a:br>
+              <a:rPr lang="en-US" altLang="ja-JP" dirty="0" smtClean="0"/>
+            </a:br>
+            <a:r>
+              <a:rPr lang="ja-JP" altLang="en-US" dirty="0" smtClean="0"/>
+              <a:t>それぞれのリポジトリを渡す</a:t>
             </a:r>
             <a:endParaRPr kumimoji="1" lang="en-US" altLang="ja-JP" dirty="0" smtClean="0"/>
           </a:p>
           <a:p>
             <a:pPr lvl="1"/>
             <a:r>
+              <a:rPr lang="ja-JP" altLang="en-US" dirty="0" smtClean="0"/>
+              <a:t>ユニット→装備 とかの</a:t>
+            </a:r>
+            <a:r>
               <a:rPr lang="en-US" altLang="ja-JP" dirty="0" smtClean="0"/>
-              <a:t>UI</a:t>
+              <a:t>ID</a:t>
             </a:r>
             <a:r>
               <a:rPr lang="ja-JP" altLang="en-US" dirty="0" smtClean="0"/>
-              <a:t>が得意なのは一般</a:t>
-            </a:r>
-            <a:r>
-              <a:rPr lang="en-US" altLang="ja-JP" dirty="0" smtClean="0"/>
-              <a:t>OS</a:t>
-            </a:r>
-            <a:r>
-              <a:rPr lang="ja-JP" altLang="en-US" dirty="0" err="1" smtClean="0"/>
-              <a:t>。</a:t>
-            </a:r>
-            <a:r>
-              <a:rPr lang="ja-JP" altLang="en-US" dirty="0"/>
-              <a:t>突き詰</a:t>
-            </a:r>
-            <a:r>
-              <a:rPr lang="ja-JP" altLang="en-US" dirty="0" smtClean="0"/>
-              <a:t>めるとだいたいその</a:t>
-            </a:r>
-            <a:r>
-              <a:rPr lang="en-US" altLang="ja-JP" dirty="0" smtClean="0"/>
-              <a:t>UI</a:t>
-            </a:r>
-            <a:r>
-              <a:rPr lang="ja-JP" altLang="en-US" dirty="0" smtClean="0"/>
-              <a:t>フレームワークがやってることほしくなる</a:t>
-            </a:r>
-            <a:endParaRPr lang="en-US" altLang="ja-JP" dirty="0" smtClean="0"/>
-          </a:p>
-          <a:p>
-            <a:pPr lvl="1"/>
-            <a:r>
-              <a:rPr kumimoji="1" lang="en-US" altLang="ja-JP" dirty="0" smtClean="0"/>
-              <a:t>Win8</a:t>
-            </a:r>
-            <a:r>
-              <a:rPr kumimoji="1" lang="ja-JP" altLang="en-US" dirty="0" smtClean="0"/>
-              <a:t>アプリなんかだと、</a:t>
-            </a:r>
-            <a:r>
-              <a:rPr kumimoji="1" lang="en-US" altLang="ja-JP" dirty="0" smtClean="0"/>
-              <a:t>XAML</a:t>
-            </a:r>
-            <a:r>
-              <a:rPr lang="ja-JP" altLang="en-US" dirty="0"/>
+              <a:t>検索プロパティを生成</a:t>
+            </a:r>
+            <a:endParaRPr kumimoji="1" lang="ja-JP" altLang="en-US" dirty="0"/>
+          </a:p>
+        </p:txBody>
+      </p:sp>
+      <p:sp>
+        <p:nvSpPr>
+          <p:cNvPr id="4" name="テキスト ボックス 3"/>
+          <p:cNvSpPr txBox="1"/>
+          <p:nvPr/>
+        </p:nvSpPr>
+        <p:spPr>
+          <a:xfrm>
+            <a:off x="2589375" y="4255806"/>
+            <a:ext cx="7927170" cy="2092881"/>
+          </a:xfrm>
+          <a:prstGeom prst="rect">
+            <a:avLst/>
+          </a:prstGeom>
+        </p:spPr>
+        <p:style>
+          <a:lnRef idx="2">
+            <a:schemeClr val="accent5"/>
+          </a:lnRef>
+          <a:fillRef idx="1">
+            <a:schemeClr val="lt1"/>
+          </a:fillRef>
+          <a:effectRef idx="0">
+            <a:schemeClr val="accent5"/>
+          </a:effectRef>
+          <a:fontRef idx="minor">
+            <a:schemeClr val="dk1"/>
+          </a:fontRef>
+        </p:style>
+        <p:txBody>
+          <a:bodyPr wrap="none" rtlCol="0">
+            <a:spAutoFit/>
+          </a:bodyPr>
+          <a:lstStyle/>
+          <a:p>
+            <a:r>
+              <a:rPr lang="en-US" altLang="ja-JP" sz="1600" dirty="0">
+                <a:solidFill>
+                  <a:srgbClr val="0000FF"/>
+                </a:solidFill>
+                <a:highlight>
+                  <a:srgbClr val="FFFFFF"/>
+                </a:highlight>
+                <a:latin typeface="Consolas" panose="020B0609020204030204" pitchFamily="49" charset="0"/>
+              </a:rPr>
+              <a:t>internal</a:t>
+            </a:r>
+            <a:r>
+              <a:rPr lang="en-US" altLang="ja-JP" sz="1600" dirty="0">
+                <a:solidFill>
+                  <a:srgbClr val="000000"/>
+                </a:solidFill>
+                <a:highlight>
+                  <a:srgbClr val="FFFFFF"/>
+                </a:highlight>
+                <a:latin typeface="Consolas" panose="020B0609020204030204" pitchFamily="49" charset="0"/>
+              </a:rPr>
               <a:t> </a:t>
             </a:r>
             <a:r>
-              <a:rPr lang="en-US" altLang="ja-JP" dirty="0" smtClean="0"/>
-              <a:t>UI</a:t>
-            </a:r>
-            <a:r>
-              <a:rPr lang="ja-JP" altLang="en-US" dirty="0" smtClean="0"/>
-              <a:t>の上に</a:t>
-            </a:r>
-            <a:r>
-              <a:rPr lang="en-US" altLang="ja-JP" dirty="0" smtClean="0"/>
-              <a:t>Direct</a:t>
-            </a:r>
-            <a:r>
-              <a:rPr lang="ja-JP" altLang="en-US" dirty="0" smtClean="0"/>
+              <a:rPr lang="en-US" altLang="ja-JP" sz="1600" dirty="0" err="1">
+                <a:solidFill>
+                  <a:srgbClr val="2B91AF"/>
+                </a:solidFill>
+                <a:highlight>
+                  <a:srgbClr val="FFFFFF"/>
+                </a:highlight>
+                <a:latin typeface="Consolas" panose="020B0609020204030204" pitchFamily="49" charset="0"/>
+              </a:rPr>
+              <a:t>IEnumerable</a:t>
+            </a:r>
+            <a:r>
+              <a:rPr lang="en-US" altLang="ja-JP" sz="1600" dirty="0">
+                <a:solidFill>
+                  <a:srgbClr val="000000"/>
+                </a:solidFill>
+                <a:highlight>
+                  <a:srgbClr val="FFFFFF"/>
+                </a:highlight>
+                <a:latin typeface="Consolas" panose="020B0609020204030204" pitchFamily="49" charset="0"/>
+              </a:rPr>
+              <a:t>&lt;</a:t>
+            </a:r>
+            <a:r>
+              <a:rPr lang="en-US" altLang="ja-JP" sz="1600" dirty="0" err="1">
+                <a:solidFill>
+                  <a:srgbClr val="2B91AF"/>
+                </a:solidFill>
+                <a:highlight>
+                  <a:srgbClr val="FFFFFF"/>
+                </a:highlight>
+                <a:latin typeface="Consolas" panose="020B0609020204030204" pitchFamily="49" charset="0"/>
+              </a:rPr>
+              <a:t>IDisposable</a:t>
+            </a:r>
+            <a:r>
+              <a:rPr lang="en-US" altLang="ja-JP" sz="1600" dirty="0">
+                <a:solidFill>
+                  <a:srgbClr val="000000"/>
+                </a:solidFill>
+                <a:highlight>
+                  <a:srgbClr val="FFFFFF"/>
+                </a:highlight>
+                <a:latin typeface="Consolas" panose="020B0609020204030204" pitchFamily="49" charset="0"/>
+              </a:rPr>
+              <a:t>&gt; Change(</a:t>
+            </a:r>
+            <a:r>
+              <a:rPr lang="en-US" altLang="ja-JP" sz="1600" dirty="0" err="1">
+                <a:solidFill>
+                  <a:srgbClr val="2B91AF"/>
+                </a:solidFill>
+                <a:highlight>
+                  <a:srgbClr val="FFFFFF"/>
+                </a:highlight>
+                <a:latin typeface="Consolas" panose="020B0609020204030204" pitchFamily="49" charset="0"/>
+              </a:rPr>
+              <a:t>SyncDifferenceItem</a:t>
+            </a:r>
+            <a:r>
+              <a:rPr lang="en-US" altLang="ja-JP" sz="1600" dirty="0">
+                <a:solidFill>
+                  <a:srgbClr val="000000"/>
+                </a:solidFill>
+                <a:highlight>
+                  <a:srgbClr val="FFFFFF"/>
+                </a:highlight>
+                <a:latin typeface="Consolas" panose="020B0609020204030204" pitchFamily="49" charset="0"/>
+              </a:rPr>
+              <a:t> diff)</a:t>
+            </a:r>
+          </a:p>
+          <a:p>
+            <a:r>
+              <a:rPr lang="en-US" altLang="ja-JP" sz="1600" dirty="0">
+                <a:solidFill>
+                  <a:srgbClr val="000000"/>
+                </a:solidFill>
+                <a:highlight>
+                  <a:srgbClr val="FFFFFF"/>
+                </a:highlight>
+                <a:latin typeface="Consolas" panose="020B0609020204030204" pitchFamily="49" charset="0"/>
+              </a:rPr>
+              <a:t>{</a:t>
+            </a:r>
+          </a:p>
+          <a:p>
+            <a:r>
+              <a:rPr lang="en-US" altLang="ja-JP" sz="1600" dirty="0">
+                <a:solidFill>
+                  <a:srgbClr val="000000"/>
+                </a:solidFill>
+                <a:highlight>
+                  <a:srgbClr val="FFFFFF"/>
+                </a:highlight>
+                <a:latin typeface="Consolas" panose="020B0609020204030204" pitchFamily="49" charset="0"/>
+              </a:rPr>
+              <a:t>    </a:t>
+            </a:r>
+            <a:r>
+              <a:rPr lang="en-US" altLang="ja-JP" sz="1600" dirty="0">
+                <a:solidFill>
+                  <a:srgbClr val="0000FF"/>
+                </a:solidFill>
+                <a:highlight>
+                  <a:srgbClr val="FFFFFF"/>
+                </a:highlight>
+                <a:latin typeface="Consolas" panose="020B0609020204030204" pitchFamily="49" charset="0"/>
+              </a:rPr>
+              <a:t>switch</a:t>
+            </a:r>
+            <a:r>
+              <a:rPr lang="en-US" altLang="ja-JP" sz="1600" dirty="0">
+                <a:solidFill>
+                  <a:srgbClr val="000000"/>
+                </a:solidFill>
+                <a:highlight>
+                  <a:srgbClr val="FFFFFF"/>
+                </a:highlight>
+                <a:latin typeface="Consolas" panose="020B0609020204030204" pitchFamily="49" charset="0"/>
+              </a:rPr>
+              <a:t>(</a:t>
+            </a:r>
+            <a:r>
+              <a:rPr lang="en-US" altLang="ja-JP" sz="1600" dirty="0" err="1">
+                <a:solidFill>
+                  <a:srgbClr val="000000"/>
+                </a:solidFill>
+                <a:highlight>
+                  <a:srgbClr val="FFFFFF"/>
+                </a:highlight>
+                <a:latin typeface="Consolas" panose="020B0609020204030204" pitchFamily="49" charset="0"/>
+              </a:rPr>
+              <a:t>diff.PropertyName</a:t>
+            </a:r>
+            <a:r>
+              <a:rPr lang="en-US" altLang="ja-JP" sz="1600" dirty="0">
+                <a:solidFill>
+                  <a:srgbClr val="000000"/>
+                </a:solidFill>
+                <a:highlight>
+                  <a:srgbClr val="FFFFFF"/>
+                </a:highlight>
+                <a:latin typeface="Consolas" panose="020B0609020204030204" pitchFamily="49" charset="0"/>
+              </a:rPr>
+              <a:t>)</a:t>
+            </a:r>
+          </a:p>
+          <a:p>
+            <a:r>
+              <a:rPr lang="ja-JP" altLang="en-US" sz="1600" dirty="0">
+                <a:solidFill>
+                  <a:srgbClr val="000000"/>
+                </a:solidFill>
+                <a:highlight>
+                  <a:srgbClr val="FFFFFF"/>
+                </a:highlight>
+                <a:latin typeface="Consolas" panose="020B0609020204030204" pitchFamily="49" charset="0"/>
+              </a:rPr>
+              <a:t>    </a:t>
+            </a:r>
+            <a:r>
+              <a:rPr lang="en-US" altLang="ja-JP" sz="1600" dirty="0">
+                <a:solidFill>
+                  <a:srgbClr val="000000"/>
+                </a:solidFill>
+                <a:highlight>
+                  <a:srgbClr val="FFFFFF"/>
+                </a:highlight>
+                <a:latin typeface="Consolas" panose="020B0609020204030204" pitchFamily="49" charset="0"/>
+              </a:rPr>
+              <a:t>{</a:t>
+            </a:r>
+          </a:p>
+          <a:p>
+            <a:r>
+              <a:rPr lang="en-US" altLang="ja-JP" sz="1600" dirty="0">
+                <a:solidFill>
+                  <a:srgbClr val="000000"/>
+                </a:solidFill>
+                <a:highlight>
+                  <a:srgbClr val="FFFFFF"/>
+                </a:highlight>
+                <a:latin typeface="Consolas" panose="020B0609020204030204" pitchFamily="49" charset="0"/>
+              </a:rPr>
+              <a:t>        </a:t>
+            </a:r>
+            <a:r>
+              <a:rPr lang="en-US" altLang="ja-JP" sz="1600" dirty="0">
+                <a:solidFill>
+                  <a:srgbClr val="0000FF"/>
+                </a:solidFill>
+                <a:highlight>
+                  <a:srgbClr val="FFFFFF"/>
+                </a:highlight>
+                <a:latin typeface="Consolas" panose="020B0609020204030204" pitchFamily="49" charset="0"/>
+              </a:rPr>
+              <a:t>case</a:t>
+            </a:r>
+            <a:r>
+              <a:rPr lang="en-US" altLang="ja-JP" sz="1600" dirty="0">
+                <a:solidFill>
+                  <a:srgbClr val="000000"/>
+                </a:solidFill>
+                <a:highlight>
+                  <a:srgbClr val="FFFFFF"/>
+                </a:highlight>
+                <a:latin typeface="Consolas" panose="020B0609020204030204" pitchFamily="49" charset="0"/>
+              </a:rPr>
               <a:t> </a:t>
             </a:r>
             <a:r>
-              <a:rPr lang="en-US" altLang="ja-JP" dirty="0" smtClean="0"/>
-              <a:t>X</a:t>
-            </a:r>
-            <a:r>
-              <a:rPr lang="ja-JP" altLang="en-US" dirty="0" smtClean="0"/>
-              <a:t>サーフェス重ねるとかやれる</a:t>
-            </a:r>
-            <a:endParaRPr kumimoji="1" lang="en-US" altLang="ja-JP" dirty="0"/>
-          </a:p>
-          <a:p>
-            <a:r>
-              <a:rPr lang="ja-JP" altLang="en-US" dirty="0" smtClean="0"/>
-              <a:t>マップ表示とかだけかなぁ、ゲーム的な描画最適化頑張らないといけないの</a:t>
-            </a:r>
-            <a:endParaRPr kumimoji="1" lang="ja-JP" altLang="en-US" dirty="0"/>
+              <a:rPr lang="en-US" altLang="ja-JP" sz="1600" dirty="0">
+                <a:solidFill>
+                  <a:srgbClr val="A31515"/>
+                </a:solidFill>
+                <a:highlight>
+                  <a:srgbClr val="FFFFFF"/>
+                </a:highlight>
+                <a:latin typeface="Consolas" panose="020B0609020204030204" pitchFamily="49" charset="0"/>
+              </a:rPr>
+              <a:t>"</a:t>
+            </a:r>
+            <a:r>
+              <a:rPr lang="en-US" altLang="ja-JP" sz="1600" dirty="0" smtClean="0">
+                <a:solidFill>
+                  <a:srgbClr val="A31515"/>
+                </a:solidFill>
+                <a:highlight>
+                  <a:srgbClr val="FFFFFF"/>
+                </a:highlight>
+                <a:latin typeface="Consolas" panose="020B0609020204030204" pitchFamily="49" charset="0"/>
+              </a:rPr>
+              <a:t>Unit"</a:t>
+            </a:r>
+            <a:r>
+              <a:rPr lang="en-US" altLang="ja-JP" sz="1600" dirty="0" smtClean="0">
+                <a:solidFill>
+                  <a:srgbClr val="000000"/>
+                </a:solidFill>
+                <a:highlight>
+                  <a:srgbClr val="FFFFFF"/>
+                </a:highlight>
+                <a:latin typeface="Consolas" panose="020B0609020204030204" pitchFamily="49" charset="0"/>
+              </a:rPr>
+              <a:t>: </a:t>
+            </a:r>
+            <a:r>
+              <a:rPr lang="en-US" altLang="ja-JP" sz="1600" dirty="0">
+                <a:solidFill>
+                  <a:srgbClr val="0000FF"/>
+                </a:solidFill>
+                <a:highlight>
+                  <a:srgbClr val="FFFFFF"/>
+                </a:highlight>
+                <a:latin typeface="Consolas" panose="020B0609020204030204" pitchFamily="49" charset="0"/>
+              </a:rPr>
+              <a:t>return</a:t>
+            </a:r>
+            <a:r>
+              <a:rPr lang="en-US" altLang="ja-JP" sz="1600" dirty="0">
+                <a:solidFill>
+                  <a:srgbClr val="000000"/>
+                </a:solidFill>
+                <a:highlight>
+                  <a:srgbClr val="FFFFFF"/>
+                </a:highlight>
+                <a:latin typeface="Consolas" panose="020B0609020204030204" pitchFamily="49" charset="0"/>
+              </a:rPr>
+              <a:t> </a:t>
+            </a:r>
+            <a:r>
+              <a:rPr lang="en-US" altLang="ja-JP" sz="1600" dirty="0" err="1" smtClean="0">
+                <a:solidFill>
+                  <a:srgbClr val="000000"/>
+                </a:solidFill>
+                <a:highlight>
+                  <a:srgbClr val="FFFFFF"/>
+                </a:highlight>
+                <a:latin typeface="Consolas" panose="020B0609020204030204" pitchFamily="49" charset="0"/>
+              </a:rPr>
+              <a:t>Units.Change</a:t>
+            </a:r>
+            <a:r>
+              <a:rPr lang="en-US" altLang="ja-JP" sz="1600" dirty="0" smtClean="0">
+                <a:solidFill>
+                  <a:srgbClr val="000000"/>
+                </a:solidFill>
+                <a:highlight>
+                  <a:srgbClr val="FFFFFF"/>
+                </a:highlight>
+                <a:latin typeface="Consolas" panose="020B0609020204030204" pitchFamily="49" charset="0"/>
+              </a:rPr>
+              <a:t>(</a:t>
+            </a:r>
+            <a:r>
+              <a:rPr lang="en-US" altLang="ja-JP" sz="1600" dirty="0" err="1" smtClean="0">
+                <a:solidFill>
+                  <a:srgbClr val="000000"/>
+                </a:solidFill>
+                <a:highlight>
+                  <a:srgbClr val="FFFFFF"/>
+                </a:highlight>
+                <a:latin typeface="Consolas" panose="020B0609020204030204" pitchFamily="49" charset="0"/>
+              </a:rPr>
+              <a:t>diff.Difference</a:t>
+            </a:r>
+            <a:r>
+              <a:rPr lang="en-US" altLang="ja-JP" sz="1600" dirty="0">
+                <a:solidFill>
+                  <a:srgbClr val="000000"/>
+                </a:solidFill>
+                <a:highlight>
+                  <a:srgbClr val="FFFFFF"/>
+                </a:highlight>
+                <a:latin typeface="Consolas" panose="020B0609020204030204" pitchFamily="49" charset="0"/>
+              </a:rPr>
+              <a:t>);</a:t>
+            </a:r>
+          </a:p>
+          <a:p>
+            <a:r>
+              <a:rPr lang="en-US" altLang="ja-JP" sz="1600" dirty="0" smtClean="0">
+                <a:solidFill>
+                  <a:srgbClr val="0000FF"/>
+                </a:solidFill>
+                <a:highlight>
+                  <a:srgbClr val="FFFFFF"/>
+                </a:highlight>
+                <a:latin typeface="Consolas" panose="020B0609020204030204" pitchFamily="49" charset="0"/>
+              </a:rPr>
+              <a:t>        case</a:t>
+            </a:r>
+            <a:r>
+              <a:rPr lang="en-US" altLang="ja-JP" sz="1600" dirty="0" smtClean="0">
+                <a:solidFill>
+                  <a:srgbClr val="000000"/>
+                </a:solidFill>
+                <a:highlight>
+                  <a:srgbClr val="FFFFFF"/>
+                </a:highlight>
+                <a:latin typeface="Consolas" panose="020B0609020204030204" pitchFamily="49" charset="0"/>
+              </a:rPr>
+              <a:t> </a:t>
+            </a:r>
+            <a:r>
+              <a:rPr lang="en-US" altLang="ja-JP" sz="1600" dirty="0">
+                <a:solidFill>
+                  <a:srgbClr val="A31515"/>
+                </a:solidFill>
+                <a:highlight>
+                  <a:srgbClr val="FFFFFF"/>
+                </a:highlight>
+                <a:latin typeface="Consolas" panose="020B0609020204030204" pitchFamily="49" charset="0"/>
+              </a:rPr>
+              <a:t>"</a:t>
+            </a:r>
+            <a:r>
+              <a:rPr lang="en-US" altLang="ja-JP" sz="1600" dirty="0" err="1">
+                <a:solidFill>
+                  <a:srgbClr val="A31515"/>
+                </a:solidFill>
+                <a:highlight>
+                  <a:srgbClr val="FFFFFF"/>
+                </a:highlight>
+                <a:latin typeface="Consolas" panose="020B0609020204030204" pitchFamily="49" charset="0"/>
+              </a:rPr>
+              <a:t>Equipments</a:t>
+            </a:r>
+            <a:r>
+              <a:rPr lang="en-US" altLang="ja-JP" sz="1600" dirty="0">
+                <a:solidFill>
+                  <a:srgbClr val="A31515"/>
+                </a:solidFill>
+                <a:highlight>
+                  <a:srgbClr val="FFFFFF"/>
+                </a:highlight>
+                <a:latin typeface="Consolas" panose="020B0609020204030204" pitchFamily="49" charset="0"/>
+              </a:rPr>
+              <a:t>"</a:t>
+            </a:r>
+            <a:r>
+              <a:rPr lang="en-US" altLang="ja-JP" sz="1600" dirty="0">
+                <a:solidFill>
+                  <a:srgbClr val="000000"/>
+                </a:solidFill>
+                <a:highlight>
+                  <a:srgbClr val="FFFFFF"/>
+                </a:highlight>
+                <a:latin typeface="Consolas" panose="020B0609020204030204" pitchFamily="49" charset="0"/>
+              </a:rPr>
+              <a:t>: </a:t>
+            </a:r>
+            <a:r>
+              <a:rPr lang="en-US" altLang="ja-JP" sz="1600" dirty="0">
+                <a:solidFill>
+                  <a:srgbClr val="0000FF"/>
+                </a:solidFill>
+                <a:highlight>
+                  <a:srgbClr val="FFFFFF"/>
+                </a:highlight>
+                <a:latin typeface="Consolas" panose="020B0609020204030204" pitchFamily="49" charset="0"/>
+              </a:rPr>
+              <a:t>return</a:t>
+            </a:r>
+            <a:r>
+              <a:rPr lang="en-US" altLang="ja-JP" sz="1600" dirty="0">
+                <a:solidFill>
+                  <a:srgbClr val="000000"/>
+                </a:solidFill>
+                <a:highlight>
+                  <a:srgbClr val="FFFFFF"/>
+                </a:highlight>
+                <a:latin typeface="Consolas" panose="020B0609020204030204" pitchFamily="49" charset="0"/>
+              </a:rPr>
+              <a:t> </a:t>
+            </a:r>
+            <a:r>
+              <a:rPr lang="en-US" altLang="ja-JP" sz="1600" dirty="0" err="1" smtClean="0">
+                <a:solidFill>
+                  <a:srgbClr val="000000"/>
+                </a:solidFill>
+                <a:highlight>
+                  <a:srgbClr val="FFFFFF"/>
+                </a:highlight>
+                <a:latin typeface="Consolas" panose="020B0609020204030204" pitchFamily="49" charset="0"/>
+              </a:rPr>
+              <a:t>Equipments.Change</a:t>
+            </a:r>
+            <a:r>
+              <a:rPr lang="en-US" altLang="ja-JP" sz="1600" dirty="0" smtClean="0">
+                <a:solidFill>
+                  <a:srgbClr val="000000"/>
+                </a:solidFill>
+                <a:highlight>
+                  <a:srgbClr val="FFFFFF"/>
+                </a:highlight>
+                <a:latin typeface="Consolas" panose="020B0609020204030204" pitchFamily="49" charset="0"/>
+              </a:rPr>
+              <a:t>(</a:t>
+            </a:r>
+            <a:r>
+              <a:rPr lang="en-US" altLang="ja-JP" sz="1600" dirty="0" err="1" smtClean="0">
+                <a:solidFill>
+                  <a:srgbClr val="000000"/>
+                </a:solidFill>
+                <a:highlight>
+                  <a:srgbClr val="FFFFFF"/>
+                </a:highlight>
+                <a:latin typeface="Consolas" panose="020B0609020204030204" pitchFamily="49" charset="0"/>
+              </a:rPr>
+              <a:t>diff.Difference</a:t>
+            </a:r>
+            <a:r>
+              <a:rPr lang="en-US" altLang="ja-JP" sz="1600" dirty="0">
+                <a:solidFill>
+                  <a:srgbClr val="000000"/>
+                </a:solidFill>
+                <a:highlight>
+                  <a:srgbClr val="FFFFFF"/>
+                </a:highlight>
+                <a:latin typeface="Consolas" panose="020B0609020204030204" pitchFamily="49" charset="0"/>
+              </a:rPr>
+              <a:t>);</a:t>
+            </a:r>
+          </a:p>
+          <a:p>
+            <a:r>
+              <a:rPr lang="en-US" altLang="ja-JP" sz="1600" dirty="0">
+                <a:solidFill>
+                  <a:srgbClr val="000000"/>
+                </a:solidFill>
+                <a:highlight>
+                  <a:srgbClr val="FFFFFF"/>
+                </a:highlight>
+                <a:latin typeface="Consolas" panose="020B0609020204030204" pitchFamily="49" charset="0"/>
+              </a:rPr>
+              <a:t>        </a:t>
+            </a:r>
+            <a:r>
+              <a:rPr lang="en-US" altLang="ja-JP" sz="1600" dirty="0">
+                <a:solidFill>
+                  <a:srgbClr val="0000FF"/>
+                </a:solidFill>
+                <a:highlight>
+                  <a:srgbClr val="FFFFFF"/>
+                </a:highlight>
+                <a:latin typeface="Consolas" panose="020B0609020204030204" pitchFamily="49" charset="0"/>
+              </a:rPr>
+              <a:t>case</a:t>
+            </a:r>
+            <a:r>
+              <a:rPr lang="en-US" altLang="ja-JP" sz="1600" dirty="0">
+                <a:solidFill>
+                  <a:srgbClr val="000000"/>
+                </a:solidFill>
+                <a:highlight>
+                  <a:srgbClr val="FFFFFF"/>
+                </a:highlight>
+                <a:latin typeface="Consolas" panose="020B0609020204030204" pitchFamily="49" charset="0"/>
+              </a:rPr>
+              <a:t> </a:t>
+            </a:r>
+            <a:r>
+              <a:rPr lang="en-US" altLang="ja-JP" sz="1600" dirty="0">
+                <a:solidFill>
+                  <a:srgbClr val="A31515"/>
+                </a:solidFill>
+                <a:highlight>
+                  <a:srgbClr val="FFFFFF"/>
+                </a:highlight>
+                <a:latin typeface="Consolas" panose="020B0609020204030204" pitchFamily="49" charset="0"/>
+              </a:rPr>
+              <a:t>"Enhancers"</a:t>
+            </a:r>
+            <a:r>
+              <a:rPr lang="en-US" altLang="ja-JP" sz="1600" dirty="0">
+                <a:solidFill>
+                  <a:srgbClr val="000000"/>
+                </a:solidFill>
+                <a:highlight>
+                  <a:srgbClr val="FFFFFF"/>
+                </a:highlight>
+                <a:latin typeface="Consolas" panose="020B0609020204030204" pitchFamily="49" charset="0"/>
+              </a:rPr>
+              <a:t>: </a:t>
+            </a:r>
+            <a:r>
+              <a:rPr lang="en-US" altLang="ja-JP" sz="1600" dirty="0">
+                <a:solidFill>
+                  <a:srgbClr val="0000FF"/>
+                </a:solidFill>
+                <a:highlight>
+                  <a:srgbClr val="FFFFFF"/>
+                </a:highlight>
+                <a:latin typeface="Consolas" panose="020B0609020204030204" pitchFamily="49" charset="0"/>
+              </a:rPr>
+              <a:t>return</a:t>
+            </a:r>
+            <a:r>
+              <a:rPr lang="en-US" altLang="ja-JP" sz="1600" dirty="0">
+                <a:solidFill>
+                  <a:srgbClr val="000000"/>
+                </a:solidFill>
+                <a:highlight>
+                  <a:srgbClr val="FFFFFF"/>
+                </a:highlight>
+                <a:latin typeface="Consolas" panose="020B0609020204030204" pitchFamily="49" charset="0"/>
+              </a:rPr>
+              <a:t> </a:t>
+            </a:r>
+            <a:r>
+              <a:rPr lang="en-US" altLang="ja-JP" sz="1600" dirty="0" err="1" smtClean="0">
+                <a:solidFill>
+                  <a:srgbClr val="000000"/>
+                </a:solidFill>
+                <a:highlight>
+                  <a:srgbClr val="FFFFFF"/>
+                </a:highlight>
+                <a:latin typeface="Consolas" panose="020B0609020204030204" pitchFamily="49" charset="0"/>
+              </a:rPr>
+              <a:t>Enhancers.Change</a:t>
+            </a:r>
+            <a:r>
+              <a:rPr lang="en-US" altLang="ja-JP" sz="1600" dirty="0" smtClean="0">
+                <a:solidFill>
+                  <a:srgbClr val="000000"/>
+                </a:solidFill>
+                <a:highlight>
+                  <a:srgbClr val="FFFFFF"/>
+                </a:highlight>
+                <a:latin typeface="Consolas" panose="020B0609020204030204" pitchFamily="49" charset="0"/>
+              </a:rPr>
+              <a:t>(</a:t>
+            </a:r>
+            <a:r>
+              <a:rPr lang="en-US" altLang="ja-JP" sz="1600" dirty="0" err="1" smtClean="0">
+                <a:solidFill>
+                  <a:srgbClr val="000000"/>
+                </a:solidFill>
+                <a:highlight>
+                  <a:srgbClr val="FFFFFF"/>
+                </a:highlight>
+                <a:latin typeface="Consolas" panose="020B0609020204030204" pitchFamily="49" charset="0"/>
+              </a:rPr>
+              <a:t>diff.Difference</a:t>
+            </a:r>
+            <a:r>
+              <a:rPr lang="en-US" altLang="ja-JP" sz="1600" dirty="0">
+                <a:solidFill>
+                  <a:srgbClr val="000000"/>
+                </a:solidFill>
+                <a:highlight>
+                  <a:srgbClr val="FFFFFF"/>
+                </a:highlight>
+                <a:latin typeface="Consolas" panose="020B0609020204030204" pitchFamily="49" charset="0"/>
+              </a:rPr>
+              <a:t>);</a:t>
+            </a:r>
+          </a:p>
+          <a:p>
+            <a:r>
+              <a:rPr kumimoji="1" lang="en-US" altLang="ja-JP" sz="1600" dirty="0" smtClean="0"/>
+              <a:t>...</a:t>
+            </a:r>
+            <a:endParaRPr kumimoji="1" lang="ja-JP" altLang="en-US" sz="1600" dirty="0"/>
           </a:p>
         </p:txBody>
       </p:sp>
     </p:spTree>
     <p:extLst>
       <p:ext uri="{BB962C8B-B14F-4D97-AF65-F5344CB8AC3E}">
-        <p14:creationId xmlns:p14="http://schemas.microsoft.com/office/powerpoint/2010/main" val="4199267743"/>
+        <p14:creationId xmlns:p14="http://schemas.microsoft.com/office/powerpoint/2010/main" val="2726669980"/>
       </p:ext>
     </p:extLst>
   </p:cSld>
   <p:clrMapOvr>
     <a:masterClrMapping/>
   </p:clrMapOvr>
+  <p:timing>
+    <p:tnLst>
+      <p:par>
+        <p:cTn id="1" dur="indefinite" restart="never" nodeType="tmRoot">
+          <p:childTnLst>
+            <p:seq concurrent="1" nextAc="seek">
+              <p:cTn id="2" dur="indefinite" nodeType="mainSeq">
+                <p:childTnLst>
+                  <p:par>
+                    <p:cTn id="3" fill="hold">
+                      <p:stCondLst>
+                        <p:cond delay="indefinite"/>
+                        <p:cond evt="onBegin" delay="0">
+                          <p:tn val="2"/>
+                        </p:cond>
+                      </p:stCondLst>
+                      <p:childTnLst>
+                        <p:par>
+                          <p:cTn id="4" fill="hold">
+                            <p:stCondLst>
+                              <p:cond delay="0"/>
+                            </p:stCondLst>
+                            <p:childTnLst>
+                              <p:par>
+                                <p:cTn id="5" presetID="14" presetClass="entr" presetSubtype="10" fill="hold" grpId="0" nodeType="withEffect">
+                                  <p:stCondLst>
+                                    <p:cond delay="0"/>
+                                  </p:stCondLst>
+                                  <p:childTnLst>
+                                    <p:set>
+                                      <p:cBhvr>
+                                        <p:cTn id="6" dur="1" fill="hold">
+                                          <p:stCondLst>
+                                            <p:cond delay="0"/>
+                                          </p:stCondLst>
+                                        </p:cTn>
+                                        <p:tgtEl>
+                                          <p:spTgt spid="4"/>
+                                        </p:tgtEl>
+                                        <p:attrNameLst>
+                                          <p:attrName>style.visibility</p:attrName>
+                                        </p:attrNameLst>
+                                      </p:cBhvr>
+                                      <p:to>
+                                        <p:strVal val="visible"/>
+                                      </p:to>
+                                    </p:set>
+                                    <p:animEffect transition="in" filter="randombar(horizontal)">
+                                      <p:cBhvr>
+                                        <p:cTn id="7" dur="500"/>
+                                        <p:tgtEl>
+                                          <p:spTgt spid="4"/>
+                                        </p:tgtEl>
+                                      </p:cBhvr>
+                                    </p:animEffect>
+                                  </p:childTnLst>
+                                </p:cTn>
+                              </p:par>
+                            </p:childTnLst>
+                          </p:cTn>
+                        </p:par>
+                      </p:childTnLst>
+                    </p:cTn>
+                  </p:par>
+                </p:childTnLst>
+              </p:cTn>
+              <p:prevCondLst>
+                <p:cond evt="onPrev" delay="0">
+                  <p:tgtEl>
+                    <p:sldTgt/>
+                  </p:tgtEl>
+                </p:cond>
+              </p:prevCondLst>
+              <p:nextCondLst>
+                <p:cond evt="onNext" delay="0">
+                  <p:tgtEl>
+                    <p:sldTgt/>
+                  </p:tgtEl>
+                </p:cond>
+              </p:nextCondLst>
+            </p:seq>
+          </p:childTnLst>
+        </p:cTn>
+      </p:par>
+    </p:tnLst>
+    <p:bldLst>
+      <p:bldP spid="4" grpId="0" animBg="1"/>
+    </p:bldLst>
+  </p:timing>
 </p:sld>
 </file>
 
@@ -44732,7 +49688,11 @@
           <a:bodyPr/>
           <a:lstStyle/>
           <a:p>
-            <a:endParaRPr kumimoji="1" lang="ja-JP" altLang="en-US"/>
+            <a:r>
+              <a:rPr kumimoji="1" lang="ja-JP" altLang="en-US" dirty="0" smtClean="0"/>
+              <a:t>インベントリ リポジトリ</a:t>
+            </a:r>
+            <a:endParaRPr kumimoji="1" lang="ja-JP" altLang="en-US" dirty="0"/>
           </a:p>
         </p:txBody>
       </p:sp>
@@ -44752,114 +49712,1191 @@
           <a:lstStyle/>
           <a:p>
             <a:r>
+              <a:rPr kumimoji="1" lang="ja-JP" altLang="en-US" dirty="0" smtClean="0"/>
+              <a:t>ライブラリを整備</a:t>
+            </a:r>
+            <a:endParaRPr kumimoji="1" lang="en-US" altLang="ja-JP" dirty="0" smtClean="0"/>
+          </a:p>
+          <a:p>
+            <a:pPr lvl="1"/>
+            <a:r>
+              <a:rPr lang="en-US" altLang="ja-JP" dirty="0" smtClean="0"/>
+              <a:t>Inventory</a:t>
+            </a:r>
+            <a:r>
+              <a:rPr lang="ja-JP" altLang="en-US" dirty="0" smtClean="0"/>
+              <a:t>系クラス</a:t>
+            </a:r>
+            <a:endParaRPr lang="en-US" altLang="ja-JP" dirty="0" smtClean="0"/>
+          </a:p>
+          <a:p>
+            <a:pPr lvl="2"/>
+            <a:r>
+              <a:rPr lang="ja-JP" altLang="en-US" dirty="0" smtClean="0"/>
+              <a:t>現在のインスタンスを</a:t>
+            </a:r>
+            <a:r>
+              <a:rPr lang="en-US" altLang="ja-JP" dirty="0" smtClean="0"/>
+              <a:t>ID</a:t>
+            </a:r>
+            <a:r>
+              <a:rPr lang="ja-JP" altLang="en-US" dirty="0" smtClean="0"/>
+              <a:t>検索できる</a:t>
+            </a:r>
+            <a:endParaRPr lang="en-US" altLang="ja-JP" dirty="0" smtClean="0"/>
+          </a:p>
+          <a:p>
+            <a:pPr lvl="2"/>
+            <a:r>
+              <a:rPr kumimoji="1" lang="ja-JP" altLang="en-US" dirty="0" smtClean="0"/>
+              <a:t>インスタンスの更新イベントを公開</a:t>
+            </a:r>
+            <a:endParaRPr kumimoji="1" lang="en-US" altLang="ja-JP" dirty="0" smtClean="0"/>
+          </a:p>
+          <a:p>
+            <a:r>
+              <a:rPr lang="ja-JP" altLang="en-US" dirty="0" smtClean="0"/>
+              <a:t>コード</a:t>
+            </a:r>
+            <a:r>
+              <a:rPr lang="ja-JP" altLang="en-US" dirty="0"/>
+              <a:t>生成</a:t>
+            </a:r>
+            <a:r>
+              <a:rPr lang="ja-JP" altLang="en-US" dirty="0" smtClean="0"/>
+              <a:t>を整備</a:t>
+            </a:r>
+            <a:endParaRPr lang="en-US" altLang="ja-JP" dirty="0" smtClean="0"/>
+          </a:p>
+          <a:p>
+            <a:pPr lvl="1"/>
+            <a:r>
+              <a:rPr kumimoji="1" lang="ja-JP" altLang="en-US" dirty="0" smtClean="0"/>
+              <a:t>通信</a:t>
+            </a:r>
+            <a:r>
               <a:rPr kumimoji="1" lang="en-US" altLang="ja-JP" dirty="0" smtClean="0"/>
-              <a:t>UI</a:t>
+              <a:t>API</a:t>
             </a:r>
             <a:r>
               <a:rPr kumimoji="1" lang="ja-JP" altLang="en-US" dirty="0" smtClean="0"/>
-              <a:t>系は、「どこにどのデータを出したい」「データが更新されたらそこだけ更新掛けたい」が基本</a:t>
+              <a:t>をフックして、リポジトリを自動更新</a:t>
             </a:r>
             <a:endParaRPr kumimoji="1" lang="en-US" altLang="ja-JP" dirty="0" smtClean="0"/>
           </a:p>
           <a:p>
             <a:pPr lvl="1"/>
             <a:r>
+              <a:rPr lang="ja-JP" altLang="en-US" dirty="0">
+                <a:solidFill>
+                  <a:schemeClr val="accent2"/>
+                </a:solidFill>
+              </a:rPr>
+              <a:t>他</a:t>
+            </a:r>
+            <a:r>
+              <a:rPr lang="ja-JP" altLang="en-US" dirty="0" smtClean="0">
+                <a:solidFill>
+                  <a:schemeClr val="accent2"/>
+                </a:solidFill>
+              </a:rPr>
+              <a:t>のインベントリ、マスターが必要なクラスに</a:t>
+            </a:r>
+            <a:r>
+              <a:rPr lang="en-US" altLang="ja-JP" dirty="0" smtClean="0">
+                <a:solidFill>
+                  <a:schemeClr val="accent2"/>
+                </a:solidFill>
+              </a:rPr>
+              <a:t/>
+            </a:r>
+            <a:br>
+              <a:rPr lang="en-US" altLang="ja-JP" dirty="0" smtClean="0">
+                <a:solidFill>
+                  <a:schemeClr val="accent2"/>
+                </a:solidFill>
+              </a:rPr>
+            </a:br>
+            <a:r>
+              <a:rPr lang="ja-JP" altLang="en-US" dirty="0" smtClean="0">
+                <a:solidFill>
+                  <a:schemeClr val="accent2"/>
+                </a:solidFill>
+              </a:rPr>
+              <a:t>それぞれのリポジトリを渡す</a:t>
+            </a:r>
+            <a:endParaRPr kumimoji="1" lang="en-US" altLang="ja-JP" dirty="0" smtClean="0">
+              <a:solidFill>
+                <a:schemeClr val="accent2"/>
+              </a:solidFill>
+            </a:endParaRPr>
+          </a:p>
+          <a:p>
+            <a:pPr lvl="1"/>
+            <a:r>
+              <a:rPr lang="ja-JP" altLang="en-US" dirty="0" smtClean="0">
+                <a:solidFill>
+                  <a:schemeClr val="accent2"/>
+                </a:solidFill>
+              </a:rPr>
+              <a:t>ユニット→装備 とかの</a:t>
+            </a:r>
+            <a:r>
+              <a:rPr lang="en-US" altLang="ja-JP" dirty="0" smtClean="0">
+                <a:solidFill>
+                  <a:schemeClr val="accent2"/>
+                </a:solidFill>
+              </a:rPr>
+              <a:t>ID</a:t>
+            </a:r>
+            <a:r>
+              <a:rPr lang="ja-JP" altLang="en-US" dirty="0" smtClean="0">
+                <a:solidFill>
+                  <a:schemeClr val="accent2"/>
+                </a:solidFill>
+              </a:rPr>
+              <a:t>検索プロパティを生成</a:t>
+            </a:r>
+            <a:endParaRPr kumimoji="1" lang="ja-JP" altLang="en-US" dirty="0">
+              <a:solidFill>
+                <a:schemeClr val="accent2"/>
+              </a:solidFill>
+            </a:endParaRPr>
+          </a:p>
+        </p:txBody>
+      </p:sp>
+      <p:sp>
+        <p:nvSpPr>
+          <p:cNvPr id="4" name="テキスト ボックス 3"/>
+          <p:cNvSpPr txBox="1"/>
+          <p:nvPr/>
+        </p:nvSpPr>
+        <p:spPr>
+          <a:xfrm>
+            <a:off x="3306082" y="2413337"/>
+            <a:ext cx="10732425" cy="3077766"/>
+          </a:xfrm>
+          <a:prstGeom prst="rect">
+            <a:avLst/>
+          </a:prstGeom>
+        </p:spPr>
+        <p:style>
+          <a:lnRef idx="2">
+            <a:schemeClr val="accent5"/>
+          </a:lnRef>
+          <a:fillRef idx="1">
+            <a:schemeClr val="lt1"/>
+          </a:fillRef>
+          <a:effectRef idx="0">
+            <a:schemeClr val="accent5"/>
+          </a:effectRef>
+          <a:fontRef idx="minor">
+            <a:schemeClr val="dk1"/>
+          </a:fontRef>
+        </p:style>
+        <p:txBody>
+          <a:bodyPr wrap="none" rtlCol="0">
+            <a:spAutoFit/>
+          </a:bodyPr>
+          <a:lstStyle/>
+          <a:p>
+            <a:r>
+              <a:rPr lang="en-US" altLang="ja-JP" sz="1600" dirty="0">
+                <a:solidFill>
+                  <a:srgbClr val="0000FF"/>
+                </a:solidFill>
+                <a:highlight>
+                  <a:srgbClr val="FFFFFF"/>
+                </a:highlight>
+                <a:latin typeface="Consolas" panose="020B0609020204030204" pitchFamily="49" charset="0"/>
+              </a:rPr>
+              <a:t>public</a:t>
+            </a:r>
+            <a:r>
+              <a:rPr lang="en-US" altLang="ja-JP" sz="1600" dirty="0">
+                <a:solidFill>
+                  <a:srgbClr val="000000"/>
+                </a:solidFill>
+                <a:highlight>
+                  <a:srgbClr val="FFFFFF"/>
+                </a:highlight>
+                <a:latin typeface="Consolas" panose="020B0609020204030204" pitchFamily="49" charset="0"/>
+              </a:rPr>
+              <a:t> </a:t>
+            </a:r>
+            <a:r>
+              <a:rPr lang="en-US" altLang="ja-JP" sz="1600" dirty="0">
+                <a:solidFill>
+                  <a:srgbClr val="0000FF"/>
+                </a:solidFill>
+                <a:highlight>
+                  <a:srgbClr val="FFFFFF"/>
+                </a:highlight>
+                <a:latin typeface="Consolas" panose="020B0609020204030204" pitchFamily="49" charset="0"/>
+              </a:rPr>
+              <a:t>partial</a:t>
+            </a:r>
+            <a:r>
+              <a:rPr lang="en-US" altLang="ja-JP" sz="1600" dirty="0">
+                <a:solidFill>
+                  <a:srgbClr val="000000"/>
+                </a:solidFill>
+                <a:highlight>
+                  <a:srgbClr val="FFFFFF"/>
+                </a:highlight>
+                <a:latin typeface="Consolas" panose="020B0609020204030204" pitchFamily="49" charset="0"/>
+              </a:rPr>
+              <a:t> </a:t>
+            </a:r>
+            <a:r>
+              <a:rPr lang="en-US" altLang="ja-JP" sz="1600" dirty="0">
+                <a:solidFill>
+                  <a:srgbClr val="0000FF"/>
+                </a:solidFill>
+                <a:highlight>
+                  <a:srgbClr val="FFFFFF"/>
+                </a:highlight>
+                <a:latin typeface="Consolas" panose="020B0609020204030204" pitchFamily="49" charset="0"/>
+              </a:rPr>
+              <a:t>class</a:t>
+            </a:r>
+            <a:r>
+              <a:rPr lang="en-US" altLang="ja-JP" sz="1600" dirty="0">
+                <a:solidFill>
+                  <a:srgbClr val="000000"/>
+                </a:solidFill>
+                <a:highlight>
+                  <a:srgbClr val="FFFFFF"/>
+                </a:highlight>
+                <a:latin typeface="Consolas" panose="020B0609020204030204" pitchFamily="49" charset="0"/>
+              </a:rPr>
+              <a:t> </a:t>
+            </a:r>
+            <a:r>
+              <a:rPr lang="en-US" altLang="ja-JP" sz="1600" dirty="0">
+                <a:solidFill>
+                  <a:srgbClr val="2B91AF"/>
+                </a:solidFill>
+                <a:highlight>
+                  <a:srgbClr val="FFFFFF"/>
+                </a:highlight>
+                <a:latin typeface="Consolas" panose="020B0609020204030204" pitchFamily="49" charset="0"/>
+              </a:rPr>
+              <a:t>Equipment</a:t>
+            </a:r>
+            <a:r>
+              <a:rPr lang="en-US" altLang="ja-JP" sz="1600" dirty="0">
+                <a:solidFill>
+                  <a:srgbClr val="000000"/>
+                </a:solidFill>
+                <a:highlight>
+                  <a:srgbClr val="FFFFFF"/>
+                </a:highlight>
+                <a:latin typeface="Consolas" panose="020B0609020204030204" pitchFamily="49" charset="0"/>
+              </a:rPr>
+              <a:t> : </a:t>
+            </a:r>
+            <a:r>
+              <a:rPr lang="en-US" altLang="ja-JP" sz="1600" dirty="0" err="1">
+                <a:solidFill>
+                  <a:srgbClr val="2B91AF"/>
+                </a:solidFill>
+                <a:highlight>
+                  <a:srgbClr val="FFFFFF"/>
+                </a:highlight>
+                <a:latin typeface="Consolas" panose="020B0609020204030204" pitchFamily="49" charset="0"/>
+              </a:rPr>
+              <a:t>IDependent</a:t>
+            </a:r>
+            <a:r>
+              <a:rPr lang="en-US" altLang="ja-JP" sz="1600" dirty="0">
+                <a:solidFill>
+                  <a:srgbClr val="000000"/>
+                </a:solidFill>
+                <a:highlight>
+                  <a:srgbClr val="FFFFFF"/>
+                </a:highlight>
+                <a:latin typeface="Consolas" panose="020B0609020204030204" pitchFamily="49" charset="0"/>
+              </a:rPr>
+              <a:t>&lt;</a:t>
+            </a:r>
+            <a:r>
+              <a:rPr lang="en-US" altLang="ja-JP" sz="1600" dirty="0" err="1">
+                <a:solidFill>
+                  <a:srgbClr val="2B91AF"/>
+                </a:solidFill>
+                <a:highlight>
+                  <a:srgbClr val="FFFFFF"/>
+                </a:highlight>
+                <a:latin typeface="Consolas" panose="020B0609020204030204" pitchFamily="49" charset="0"/>
+              </a:rPr>
+              <a:t>MasterRepository</a:t>
+            </a:r>
+            <a:r>
+              <a:rPr lang="en-US" altLang="ja-JP" sz="1600" dirty="0">
+                <a:solidFill>
+                  <a:srgbClr val="000000"/>
+                </a:solidFill>
+                <a:highlight>
+                  <a:srgbClr val="FFFFFF"/>
+                </a:highlight>
+                <a:latin typeface="Consolas" panose="020B0609020204030204" pitchFamily="49" charset="0"/>
+              </a:rPr>
+              <a:t>&gt;</a:t>
+            </a:r>
+          </a:p>
+          <a:p>
+            <a:r>
+              <a:rPr lang="en-US" altLang="ja-JP" sz="1600" dirty="0">
+                <a:solidFill>
+                  <a:srgbClr val="000000"/>
+                </a:solidFill>
+                <a:highlight>
+                  <a:srgbClr val="FFFFFF"/>
+                </a:highlight>
+                <a:latin typeface="Consolas" panose="020B0609020204030204" pitchFamily="49" charset="0"/>
+              </a:rPr>
+              <a:t>{</a:t>
+            </a:r>
+          </a:p>
+          <a:p>
+            <a:r>
+              <a:rPr lang="en-US" altLang="ja-JP" sz="1600" dirty="0">
+                <a:solidFill>
+                  <a:srgbClr val="000000"/>
+                </a:solidFill>
+                <a:highlight>
+                  <a:srgbClr val="FFFFFF"/>
+                </a:highlight>
+                <a:latin typeface="Consolas" panose="020B0609020204030204" pitchFamily="49" charset="0"/>
+              </a:rPr>
+              <a:t>    </a:t>
+            </a:r>
+            <a:r>
+              <a:rPr lang="en-US" altLang="ja-JP" sz="1600" dirty="0">
+                <a:solidFill>
+                  <a:srgbClr val="0000FF"/>
+                </a:solidFill>
+                <a:highlight>
+                  <a:srgbClr val="FFFFFF"/>
+                </a:highlight>
+                <a:latin typeface="Consolas" panose="020B0609020204030204" pitchFamily="49" charset="0"/>
+              </a:rPr>
+              <a:t>protected</a:t>
+            </a:r>
+            <a:r>
+              <a:rPr lang="en-US" altLang="ja-JP" sz="1600" dirty="0">
+                <a:solidFill>
+                  <a:srgbClr val="000000"/>
+                </a:solidFill>
+                <a:highlight>
+                  <a:srgbClr val="FFFFFF"/>
+                </a:highlight>
+                <a:latin typeface="Consolas" panose="020B0609020204030204" pitchFamily="49" charset="0"/>
+              </a:rPr>
+              <a:t> </a:t>
+            </a:r>
+            <a:r>
+              <a:rPr lang="en-US" altLang="ja-JP" sz="1600" dirty="0" err="1">
+                <a:solidFill>
+                  <a:srgbClr val="2B91AF"/>
+                </a:solidFill>
+                <a:highlight>
+                  <a:srgbClr val="FFFFFF"/>
+                </a:highlight>
+                <a:latin typeface="Consolas" panose="020B0609020204030204" pitchFamily="49" charset="0"/>
+              </a:rPr>
+              <a:t>MasterRepository</a:t>
+            </a:r>
+            <a:r>
+              <a:rPr lang="en-US" altLang="ja-JP" sz="1600" dirty="0">
+                <a:solidFill>
+                  <a:srgbClr val="000000"/>
+                </a:solidFill>
+                <a:highlight>
+                  <a:srgbClr val="FFFFFF"/>
+                </a:highlight>
+                <a:latin typeface="Consolas" panose="020B0609020204030204" pitchFamily="49" charset="0"/>
+              </a:rPr>
+              <a:t> _masters;</a:t>
+            </a:r>
+          </a:p>
+          <a:p>
+            <a:endParaRPr lang="ja-JP" altLang="en-US" sz="1600" dirty="0">
+              <a:solidFill>
+                <a:srgbClr val="000000"/>
+              </a:solidFill>
+              <a:highlight>
+                <a:srgbClr val="FFFFFF"/>
+              </a:highlight>
+              <a:latin typeface="Consolas" panose="020B0609020204030204" pitchFamily="49" charset="0"/>
+            </a:endParaRPr>
+          </a:p>
+          <a:p>
+            <a:r>
+              <a:rPr lang="en-US" altLang="ja-JP" sz="1600" dirty="0">
+                <a:solidFill>
+                  <a:srgbClr val="000000"/>
+                </a:solidFill>
+                <a:highlight>
+                  <a:srgbClr val="FFFFFF"/>
+                </a:highlight>
+                <a:latin typeface="Consolas" panose="020B0609020204030204" pitchFamily="49" charset="0"/>
+              </a:rPr>
+              <a:t>    </a:t>
+            </a:r>
+            <a:r>
+              <a:rPr lang="en-US" altLang="ja-JP" sz="1600" dirty="0" smtClean="0">
+                <a:solidFill>
+                  <a:srgbClr val="0000FF"/>
+                </a:solidFill>
+                <a:highlight>
+                  <a:srgbClr val="FFFFFF"/>
+                </a:highlight>
+                <a:latin typeface="Consolas" panose="020B0609020204030204" pitchFamily="49" charset="0"/>
+              </a:rPr>
+              <a:t>void</a:t>
+            </a:r>
+            <a:r>
+              <a:rPr lang="en-US" altLang="ja-JP" sz="1600" dirty="0" smtClean="0">
+                <a:solidFill>
+                  <a:srgbClr val="000000"/>
+                </a:solidFill>
+                <a:highlight>
+                  <a:srgbClr val="FFFFFF"/>
+                </a:highlight>
+                <a:latin typeface="Consolas" panose="020B0609020204030204" pitchFamily="49" charset="0"/>
+              </a:rPr>
+              <a:t> </a:t>
+            </a:r>
+            <a:r>
+              <a:rPr lang="en-US" altLang="ja-JP" sz="1600" dirty="0" err="1" smtClean="0">
+                <a:solidFill>
+                  <a:srgbClr val="000000"/>
+                </a:solidFill>
+                <a:highlight>
+                  <a:srgbClr val="FFFFFF"/>
+                </a:highlight>
+                <a:latin typeface="Consolas" panose="020B0609020204030204" pitchFamily="49" charset="0"/>
+              </a:rPr>
+              <a:t>SetRepository</a:t>
+            </a:r>
+            <a:r>
+              <a:rPr lang="en-US" altLang="ja-JP" sz="1600" dirty="0" smtClean="0">
+                <a:solidFill>
+                  <a:srgbClr val="000000"/>
+                </a:solidFill>
+                <a:highlight>
+                  <a:srgbClr val="FFFFFF"/>
+                </a:highlight>
+                <a:latin typeface="Consolas" panose="020B0609020204030204" pitchFamily="49" charset="0"/>
+              </a:rPr>
+              <a:t>(</a:t>
+            </a:r>
+            <a:r>
+              <a:rPr lang="en-US" altLang="ja-JP" sz="1600" dirty="0" err="1" smtClean="0">
+                <a:solidFill>
+                  <a:srgbClr val="2B91AF"/>
+                </a:solidFill>
+                <a:highlight>
+                  <a:srgbClr val="FFFFFF"/>
+                </a:highlight>
+                <a:latin typeface="Consolas" panose="020B0609020204030204" pitchFamily="49" charset="0"/>
+              </a:rPr>
+              <a:t>MasterRepository</a:t>
+            </a:r>
+            <a:r>
+              <a:rPr lang="en-US" altLang="ja-JP" sz="1600" dirty="0" smtClean="0">
+                <a:solidFill>
+                  <a:srgbClr val="000000"/>
+                </a:solidFill>
+                <a:highlight>
+                  <a:srgbClr val="FFFFFF"/>
+                </a:highlight>
+                <a:latin typeface="Consolas" panose="020B0609020204030204" pitchFamily="49" charset="0"/>
+              </a:rPr>
+              <a:t> </a:t>
+            </a:r>
+            <a:r>
+              <a:rPr lang="en-US" altLang="ja-JP" sz="1600" dirty="0">
+                <a:solidFill>
+                  <a:srgbClr val="000000"/>
+                </a:solidFill>
+                <a:highlight>
+                  <a:srgbClr val="FFFFFF"/>
+                </a:highlight>
+                <a:latin typeface="Consolas" panose="020B0609020204030204" pitchFamily="49" charset="0"/>
+              </a:rPr>
+              <a:t>repository)</a:t>
+            </a:r>
+          </a:p>
+          <a:p>
+            <a:r>
+              <a:rPr lang="ja-JP" altLang="en-US" sz="1600" dirty="0">
+                <a:solidFill>
+                  <a:srgbClr val="000000"/>
+                </a:solidFill>
+                <a:highlight>
+                  <a:srgbClr val="FFFFFF"/>
+                </a:highlight>
+                <a:latin typeface="Consolas" panose="020B0609020204030204" pitchFamily="49" charset="0"/>
+              </a:rPr>
+              <a:t>    </a:t>
+            </a:r>
+            <a:r>
+              <a:rPr lang="en-US" altLang="ja-JP" sz="1600" dirty="0">
+                <a:solidFill>
+                  <a:srgbClr val="000000"/>
+                </a:solidFill>
+                <a:highlight>
+                  <a:srgbClr val="FFFFFF"/>
+                </a:highlight>
+                <a:latin typeface="Consolas" panose="020B0609020204030204" pitchFamily="49" charset="0"/>
+              </a:rPr>
+              <a:t>{</a:t>
+            </a:r>
+          </a:p>
+          <a:p>
+            <a:r>
+              <a:rPr lang="en-US" altLang="ja-JP" sz="1600" dirty="0">
+                <a:solidFill>
+                  <a:srgbClr val="000000"/>
+                </a:solidFill>
+                <a:highlight>
+                  <a:srgbClr val="FFFFFF"/>
+                </a:highlight>
+                <a:latin typeface="Consolas" panose="020B0609020204030204" pitchFamily="49" charset="0"/>
+              </a:rPr>
+              <a:t>        _masters = repository;</a:t>
+            </a:r>
+          </a:p>
+          <a:p>
+            <a:r>
+              <a:rPr lang="en-US" altLang="ja-JP" sz="1600" dirty="0">
+                <a:solidFill>
+                  <a:srgbClr val="000000"/>
+                </a:solidFill>
+                <a:highlight>
+                  <a:srgbClr val="FFFFFF"/>
+                </a:highlight>
+                <a:latin typeface="Consolas" panose="020B0609020204030204" pitchFamily="49" charset="0"/>
+              </a:rPr>
+              <a:t>        </a:t>
+            </a:r>
+            <a:r>
+              <a:rPr lang="en-US" altLang="ja-JP" sz="1600" dirty="0">
+                <a:solidFill>
+                  <a:srgbClr val="0000FF"/>
+                </a:solidFill>
+                <a:highlight>
+                  <a:srgbClr val="FFFFFF"/>
+                </a:highlight>
+                <a:latin typeface="Consolas" panose="020B0609020204030204" pitchFamily="49" charset="0"/>
+              </a:rPr>
+              <a:t>if</a:t>
+            </a:r>
+            <a:r>
+              <a:rPr lang="en-US" altLang="ja-JP" sz="1600" dirty="0">
+                <a:solidFill>
+                  <a:srgbClr val="000000"/>
+                </a:solidFill>
+                <a:highlight>
+                  <a:srgbClr val="FFFFFF"/>
+                </a:highlight>
+                <a:latin typeface="Consolas" panose="020B0609020204030204" pitchFamily="49" charset="0"/>
+              </a:rPr>
+              <a:t> (</a:t>
+            </a:r>
+            <a:r>
+              <a:rPr lang="en-US" altLang="ja-JP" sz="1600" dirty="0" err="1">
+                <a:solidFill>
+                  <a:srgbClr val="000000"/>
+                </a:solidFill>
+                <a:highlight>
+                  <a:srgbClr val="FFFFFF"/>
+                </a:highlight>
+                <a:latin typeface="Consolas" panose="020B0609020204030204" pitchFamily="49" charset="0"/>
+              </a:rPr>
+              <a:t>InstanceAbilities</a:t>
+            </a:r>
+            <a:r>
+              <a:rPr lang="en-US" altLang="ja-JP" sz="1600" dirty="0">
+                <a:solidFill>
+                  <a:srgbClr val="000000"/>
+                </a:solidFill>
+                <a:highlight>
+                  <a:srgbClr val="FFFFFF"/>
+                </a:highlight>
+                <a:latin typeface="Consolas" panose="020B0609020204030204" pitchFamily="49" charset="0"/>
+              </a:rPr>
+              <a:t>  != </a:t>
+            </a:r>
+            <a:r>
+              <a:rPr lang="en-US" altLang="ja-JP" sz="1600" dirty="0">
+                <a:solidFill>
+                  <a:srgbClr val="0000FF"/>
+                </a:solidFill>
+                <a:highlight>
+                  <a:srgbClr val="FFFFFF"/>
+                </a:highlight>
+                <a:latin typeface="Consolas" panose="020B0609020204030204" pitchFamily="49" charset="0"/>
+              </a:rPr>
+              <a:t>null</a:t>
+            </a:r>
+            <a:r>
+              <a:rPr lang="en-US" altLang="ja-JP" sz="1600" dirty="0">
+                <a:solidFill>
+                  <a:srgbClr val="000000"/>
+                </a:solidFill>
+                <a:highlight>
+                  <a:srgbClr val="FFFFFF"/>
+                </a:highlight>
+                <a:latin typeface="Consolas" panose="020B0609020204030204" pitchFamily="49" charset="0"/>
+              </a:rPr>
+              <a:t>) </a:t>
+            </a:r>
+            <a:r>
+              <a:rPr lang="en-US" altLang="ja-JP" sz="1600" dirty="0" err="1">
+                <a:solidFill>
+                  <a:srgbClr val="000000"/>
+                </a:solidFill>
+                <a:highlight>
+                  <a:srgbClr val="FFFFFF"/>
+                </a:highlight>
+                <a:latin typeface="Consolas" panose="020B0609020204030204" pitchFamily="49" charset="0"/>
+              </a:rPr>
+              <a:t>InstanceAbilities.SetRepository</a:t>
+            </a:r>
+            <a:r>
+              <a:rPr lang="en-US" altLang="ja-JP" sz="1600" dirty="0">
+                <a:solidFill>
+                  <a:srgbClr val="000000"/>
+                </a:solidFill>
+                <a:highlight>
+                  <a:srgbClr val="FFFFFF"/>
+                </a:highlight>
+                <a:latin typeface="Consolas" panose="020B0609020204030204" pitchFamily="49" charset="0"/>
+              </a:rPr>
+              <a:t>(repository);</a:t>
+            </a:r>
+          </a:p>
+          <a:p>
+            <a:r>
+              <a:rPr lang="ja-JP" altLang="en-US" sz="1600" dirty="0">
+                <a:solidFill>
+                  <a:srgbClr val="000000"/>
+                </a:solidFill>
+                <a:highlight>
+                  <a:srgbClr val="FFFFFF"/>
+                </a:highlight>
+                <a:latin typeface="Consolas" panose="020B0609020204030204" pitchFamily="49" charset="0"/>
+              </a:rPr>
+              <a:t>    </a:t>
+            </a:r>
+            <a:r>
+              <a:rPr lang="en-US" altLang="ja-JP" sz="1600" dirty="0">
+                <a:solidFill>
+                  <a:srgbClr val="000000"/>
+                </a:solidFill>
+                <a:highlight>
+                  <a:srgbClr val="FFFFFF"/>
+                </a:highlight>
+                <a:latin typeface="Consolas" panose="020B0609020204030204" pitchFamily="49" charset="0"/>
+              </a:rPr>
+              <a:t>}</a:t>
+            </a:r>
+          </a:p>
+          <a:p>
+            <a:endParaRPr lang="ja-JP" altLang="en-US" sz="1600" dirty="0">
+              <a:solidFill>
+                <a:srgbClr val="000000"/>
+              </a:solidFill>
+              <a:highlight>
+                <a:srgbClr val="FFFFFF"/>
+              </a:highlight>
+              <a:latin typeface="Consolas" panose="020B0609020204030204" pitchFamily="49" charset="0"/>
+            </a:endParaRPr>
+          </a:p>
+          <a:p>
+            <a:r>
+              <a:rPr lang="en-US" altLang="ja-JP" sz="1600" dirty="0">
+                <a:solidFill>
+                  <a:srgbClr val="000000"/>
+                </a:solidFill>
+                <a:highlight>
+                  <a:srgbClr val="FFFFFF"/>
+                </a:highlight>
+                <a:latin typeface="Consolas" panose="020B0609020204030204" pitchFamily="49" charset="0"/>
+              </a:rPr>
+              <a:t>    </a:t>
+            </a:r>
+            <a:r>
+              <a:rPr lang="en-US" altLang="ja-JP" sz="1600" dirty="0">
+                <a:solidFill>
+                  <a:srgbClr val="0000FF"/>
+                </a:solidFill>
+                <a:highlight>
+                  <a:srgbClr val="FFFFFF"/>
+                </a:highlight>
+                <a:latin typeface="Consolas" panose="020B0609020204030204" pitchFamily="49" charset="0"/>
+              </a:rPr>
+              <a:t>public</a:t>
+            </a:r>
+            <a:r>
+              <a:rPr lang="en-US" altLang="ja-JP" sz="1600" dirty="0">
+                <a:solidFill>
+                  <a:srgbClr val="000000"/>
+                </a:solidFill>
+                <a:highlight>
+                  <a:srgbClr val="FFFFFF"/>
+                </a:highlight>
+                <a:latin typeface="Consolas" panose="020B0609020204030204" pitchFamily="49" charset="0"/>
+              </a:rPr>
+              <a:t> </a:t>
+            </a:r>
+            <a:r>
+              <a:rPr lang="en-US" altLang="ja-JP" sz="1600" dirty="0" err="1">
+                <a:solidFill>
+                  <a:srgbClr val="2B91AF"/>
+                </a:solidFill>
+                <a:highlight>
+                  <a:srgbClr val="FFFFFF"/>
+                </a:highlight>
+                <a:latin typeface="Consolas" panose="020B0609020204030204" pitchFamily="49" charset="0"/>
+              </a:rPr>
+              <a:t>EquipmentMaster</a:t>
+            </a:r>
+            <a:r>
+              <a:rPr lang="en-US" altLang="ja-JP" sz="1600" dirty="0">
+                <a:solidFill>
+                  <a:srgbClr val="000000"/>
+                </a:solidFill>
+                <a:highlight>
+                  <a:srgbClr val="FFFFFF"/>
+                </a:highlight>
+                <a:latin typeface="Consolas" panose="020B0609020204030204" pitchFamily="49" charset="0"/>
+              </a:rPr>
+              <a:t> </a:t>
+            </a:r>
+            <a:r>
+              <a:rPr lang="en-US" altLang="ja-JP" sz="1600" dirty="0" err="1">
+                <a:solidFill>
+                  <a:srgbClr val="000000"/>
+                </a:solidFill>
+                <a:highlight>
+                  <a:srgbClr val="FFFFFF"/>
+                </a:highlight>
+                <a:latin typeface="Consolas" panose="020B0609020204030204" pitchFamily="49" charset="0"/>
+              </a:rPr>
+              <a:t>EquipmentMaster</a:t>
+            </a:r>
+            <a:r>
+              <a:rPr lang="en-US" altLang="ja-JP" sz="1600" dirty="0">
+                <a:solidFill>
+                  <a:srgbClr val="000000"/>
+                </a:solidFill>
+                <a:highlight>
+                  <a:srgbClr val="FFFFFF"/>
+                </a:highlight>
+                <a:latin typeface="Consolas" panose="020B0609020204030204" pitchFamily="49" charset="0"/>
+              </a:rPr>
+              <a:t> { </a:t>
+            </a:r>
+            <a:r>
+              <a:rPr lang="en-US" altLang="ja-JP" sz="1600" dirty="0">
+                <a:solidFill>
+                  <a:srgbClr val="0000FF"/>
+                </a:solidFill>
+                <a:highlight>
+                  <a:srgbClr val="FFFFFF"/>
+                </a:highlight>
+                <a:latin typeface="Consolas" panose="020B0609020204030204" pitchFamily="49" charset="0"/>
+              </a:rPr>
+              <a:t>get</a:t>
+            </a:r>
+            <a:r>
+              <a:rPr lang="en-US" altLang="ja-JP" sz="1600" dirty="0">
+                <a:solidFill>
+                  <a:srgbClr val="000000"/>
+                </a:solidFill>
+                <a:highlight>
+                  <a:srgbClr val="FFFFFF"/>
+                </a:highlight>
+                <a:latin typeface="Consolas" panose="020B0609020204030204" pitchFamily="49" charset="0"/>
+              </a:rPr>
+              <a:t> { </a:t>
+            </a:r>
+            <a:r>
+              <a:rPr lang="en-US" altLang="ja-JP" sz="1600" dirty="0">
+                <a:solidFill>
+                  <a:srgbClr val="0000FF"/>
+                </a:solidFill>
+                <a:highlight>
+                  <a:srgbClr val="FFFFFF"/>
+                </a:highlight>
+                <a:latin typeface="Consolas" panose="020B0609020204030204" pitchFamily="49" charset="0"/>
+              </a:rPr>
+              <a:t>return</a:t>
+            </a:r>
+            <a:r>
+              <a:rPr lang="en-US" altLang="ja-JP" sz="1600" dirty="0">
+                <a:solidFill>
+                  <a:srgbClr val="000000"/>
+                </a:solidFill>
+                <a:highlight>
+                  <a:srgbClr val="FFFFFF"/>
+                </a:highlight>
+                <a:latin typeface="Consolas" panose="020B0609020204030204" pitchFamily="49" charset="0"/>
+              </a:rPr>
+              <a:t> _</a:t>
+            </a:r>
+            <a:r>
+              <a:rPr lang="en-US" altLang="ja-JP" sz="1600" dirty="0" err="1">
+                <a:solidFill>
+                  <a:srgbClr val="000000"/>
+                </a:solidFill>
+                <a:highlight>
+                  <a:srgbClr val="FFFFFF"/>
+                </a:highlight>
+                <a:latin typeface="Consolas" panose="020B0609020204030204" pitchFamily="49" charset="0"/>
+              </a:rPr>
+              <a:t>masters.GetEquipment</a:t>
+            </a:r>
+            <a:r>
+              <a:rPr lang="en-US" altLang="ja-JP" sz="1600" dirty="0">
+                <a:solidFill>
+                  <a:srgbClr val="000000"/>
+                </a:solidFill>
+                <a:highlight>
+                  <a:srgbClr val="FFFFFF"/>
+                </a:highlight>
+                <a:latin typeface="Consolas" panose="020B0609020204030204" pitchFamily="49" charset="0"/>
+              </a:rPr>
+              <a:t>(</a:t>
+            </a:r>
+            <a:r>
+              <a:rPr lang="en-US" altLang="ja-JP" sz="1600" dirty="0" err="1">
+                <a:solidFill>
+                  <a:srgbClr val="000000"/>
+                </a:solidFill>
+                <a:highlight>
+                  <a:srgbClr val="FFFFFF"/>
+                </a:highlight>
+                <a:latin typeface="Consolas" panose="020B0609020204030204" pitchFamily="49" charset="0"/>
+              </a:rPr>
+              <a:t>MasterId</a:t>
+            </a:r>
+            <a:r>
+              <a:rPr lang="en-US" altLang="ja-JP" sz="1600" dirty="0">
+                <a:solidFill>
+                  <a:srgbClr val="000000"/>
+                </a:solidFill>
+                <a:highlight>
+                  <a:srgbClr val="FFFFFF"/>
+                </a:highlight>
+                <a:latin typeface="Consolas" panose="020B0609020204030204" pitchFamily="49" charset="0"/>
+              </a:rPr>
+              <a:t>); } }</a:t>
+            </a:r>
+          </a:p>
+          <a:p>
+            <a:r>
+              <a:rPr lang="en-US" altLang="ja-JP" sz="1600" dirty="0" smtClean="0">
+                <a:solidFill>
+                  <a:srgbClr val="000000"/>
+                </a:solidFill>
+                <a:highlight>
+                  <a:srgbClr val="FFFFFF"/>
+                </a:highlight>
+                <a:latin typeface="Consolas" panose="020B0609020204030204" pitchFamily="49" charset="0"/>
+              </a:rPr>
+              <a:t>}</a:t>
+            </a:r>
+            <a:endParaRPr lang="en-US" altLang="ja-JP" sz="1600" dirty="0">
+              <a:solidFill>
+                <a:srgbClr val="000000"/>
+              </a:solidFill>
+              <a:highlight>
+                <a:srgbClr val="FFFFFF"/>
+              </a:highlight>
+              <a:latin typeface="Consolas" panose="020B0609020204030204" pitchFamily="49" charset="0"/>
+            </a:endParaRPr>
+          </a:p>
+        </p:txBody>
+      </p:sp>
+      <p:sp>
+        <p:nvSpPr>
+          <p:cNvPr id="5" name="四角形吹き出し 4"/>
+          <p:cNvSpPr/>
+          <p:nvPr/>
+        </p:nvSpPr>
+        <p:spPr>
+          <a:xfrm>
+            <a:off x="6392091" y="1624236"/>
+            <a:ext cx="4049486" cy="566057"/>
+          </a:xfrm>
+          <a:prstGeom prst="wedgeRectCallout">
+            <a:avLst>
+              <a:gd name="adj1" fmla="val -27285"/>
+              <a:gd name="adj2" fmla="val 104038"/>
+            </a:avLst>
+          </a:prstGeom>
+        </p:spPr>
+        <p:style>
+          <a:lnRef idx="2">
+            <a:schemeClr val="accent3"/>
+          </a:lnRef>
+          <a:fillRef idx="1">
+            <a:schemeClr val="lt1"/>
+          </a:fillRef>
+          <a:effectRef idx="0">
+            <a:schemeClr val="accent3"/>
+          </a:effectRef>
+          <a:fontRef idx="minor">
+            <a:schemeClr val="dk1"/>
+          </a:fontRef>
+        </p:style>
+        <p:txBody>
+          <a:bodyPr lIns="36000" tIns="36000" rIns="36000" bIns="36000" rtlCol="0" anchor="ctr"/>
+          <a:lstStyle/>
+          <a:p>
+            <a:pPr algn="ctr"/>
+            <a:r>
               <a:rPr lang="ja-JP" altLang="en-US" dirty="0" smtClean="0"/>
-              <a:t>クライアント系の</a:t>
+              <a:t>通信</a:t>
             </a:r>
             <a:r>
               <a:rPr lang="en-US" altLang="ja-JP" dirty="0" smtClean="0"/>
-              <a:t>MVC</a:t>
+              <a:t>API</a:t>
             </a:r>
             <a:r>
               <a:rPr lang="ja-JP" altLang="en-US" dirty="0" smtClean="0"/>
-              <a:t>フレームワークはたいていそういう発想</a:t>
-            </a:r>
-            <a:endParaRPr lang="en-US" altLang="ja-JP" dirty="0" smtClean="0"/>
-          </a:p>
-          <a:p>
-            <a:pPr lvl="1"/>
-            <a:r>
-              <a:rPr kumimoji="1" lang="ja-JP" altLang="en-US" dirty="0" smtClean="0"/>
-              <a:t>いわゆるオブザーバー パターンを、プロパティに対して適用</a:t>
-            </a:r>
-            <a:endParaRPr kumimoji="1" lang="en-US" altLang="ja-JP" dirty="0" smtClean="0"/>
-          </a:p>
-          <a:p>
-            <a:pPr lvl="1"/>
-            <a:r>
-              <a:rPr kumimoji="1" lang="en-US" altLang="ja-JP" dirty="0" smtClean="0"/>
-              <a:t>C#</a:t>
-            </a:r>
-            <a:r>
-              <a:rPr kumimoji="1" lang="ja-JP" altLang="en-US" dirty="0" smtClean="0"/>
-              <a:t>では </a:t>
-            </a:r>
-            <a:r>
-              <a:rPr kumimoji="1" lang="en-US" altLang="ja-JP" dirty="0" err="1" smtClean="0"/>
-              <a:t>INotifyPropertyChanged</a:t>
-            </a:r>
-            <a:r>
-              <a:rPr kumimoji="1" lang="en-US" altLang="ja-JP" dirty="0" smtClean="0"/>
-              <a:t> </a:t>
-            </a:r>
-            <a:r>
-              <a:rPr kumimoji="1" lang="ja-JP" altLang="en-US" dirty="0" smtClean="0"/>
-              <a:t>使う習慣がある</a:t>
-            </a:r>
-            <a:endParaRPr kumimoji="1" lang="en-US" altLang="ja-JP" dirty="0" smtClean="0"/>
-          </a:p>
-          <a:p>
+              <a:t>をフックして、このインターフェイスを持ったクラスにリポジトリを渡す</a:t>
+            </a:r>
+            <a:endParaRPr kumimoji="1" lang="ja-JP" altLang="en-US" dirty="0" smtClean="0"/>
+          </a:p>
+        </p:txBody>
+      </p:sp>
+      <p:sp>
+        <p:nvSpPr>
+          <p:cNvPr id="6" name="四角形吹き出し 5"/>
+          <p:cNvSpPr/>
+          <p:nvPr/>
+        </p:nvSpPr>
+        <p:spPr>
+          <a:xfrm>
+            <a:off x="4615542" y="5370461"/>
+            <a:ext cx="3683725" cy="371136"/>
+          </a:xfrm>
+          <a:prstGeom prst="wedgeRectCallout">
+            <a:avLst>
+              <a:gd name="adj1" fmla="val 12194"/>
+              <a:gd name="adj2" fmla="val -100104"/>
+            </a:avLst>
+          </a:prstGeom>
+        </p:spPr>
+        <p:style>
+          <a:lnRef idx="2">
+            <a:schemeClr val="accent3"/>
+          </a:lnRef>
+          <a:fillRef idx="1">
+            <a:schemeClr val="lt1"/>
+          </a:fillRef>
+          <a:effectRef idx="0">
+            <a:schemeClr val="accent3"/>
+          </a:effectRef>
+          <a:fontRef idx="minor">
+            <a:schemeClr val="dk1"/>
+          </a:fontRef>
+        </p:style>
+        <p:txBody>
+          <a:bodyPr lIns="36000" tIns="36000" rIns="36000" bIns="36000" rtlCol="0" anchor="ctr"/>
+          <a:lstStyle/>
+          <a:p>
+            <a:pPr algn="ctr"/>
+            <a:r>
+              <a:rPr lang="en-US" altLang="ja-JP" dirty="0" smtClean="0"/>
+              <a:t>ID</a:t>
+            </a:r>
             <a:r>
               <a:rPr lang="ja-JP" altLang="en-US" dirty="0" smtClean="0"/>
-              <a:t>このパターン守れないと</a:t>
-            </a:r>
-            <a:endParaRPr lang="en-US" altLang="ja-JP" dirty="0" smtClean="0"/>
-          </a:p>
-          <a:p>
-            <a:pPr lvl="1"/>
-            <a:r>
-              <a:rPr kumimoji="1" lang="ja-JP" altLang="en-US" dirty="0" smtClean="0"/>
-              <a:t>だいたいスパゲッティ化</a:t>
-            </a:r>
-            <a:endParaRPr kumimoji="1" lang="en-US" altLang="ja-JP" dirty="0" smtClean="0"/>
-          </a:p>
-          <a:p>
-            <a:pPr lvl="1"/>
-            <a:r>
-              <a:rPr lang="en-US" altLang="ja-JP" dirty="0"/>
-              <a:t>1</a:t>
-            </a:r>
-            <a:r>
-              <a:rPr lang="ja-JP" altLang="en-US" dirty="0"/>
-              <a:t>か</a:t>
-            </a:r>
-            <a:r>
-              <a:rPr lang="ja-JP" altLang="en-US" dirty="0" smtClean="0"/>
-              <a:t>所</a:t>
-            </a:r>
-            <a:r>
-              <a:rPr lang="ja-JP" altLang="en-US" dirty="0"/>
-              <a:t>更新</a:t>
-            </a:r>
-            <a:r>
-              <a:rPr lang="ja-JP" altLang="en-US" dirty="0" smtClean="0"/>
-              <a:t>でいいはずがページ全体更新とかになりがち。重たい</a:t>
-            </a:r>
-            <a:endParaRPr kumimoji="1" lang="ja-JP" altLang="en-US" dirty="0"/>
+              <a:t>検索して所望のインスタンスを得る</a:t>
+            </a:r>
+            <a:endParaRPr kumimoji="1" lang="ja-JP" altLang="en-US" dirty="0" smtClean="0"/>
           </a:p>
         </p:txBody>
       </p:sp>
     </p:spTree>
     <p:extLst>
       <p:ext uri="{BB962C8B-B14F-4D97-AF65-F5344CB8AC3E}">
-        <p14:creationId xmlns:p14="http://schemas.microsoft.com/office/powerpoint/2010/main" val="2484350710"/>
+        <p14:creationId xmlns:p14="http://schemas.microsoft.com/office/powerpoint/2010/main" val="28170263"/>
       </p:ext>
     </p:extLst>
   </p:cSld>
   <p:clrMapOvr>
     <a:masterClrMapping/>
   </p:clrMapOvr>
+  <p:timing>
+    <p:tnLst>
+      <p:par>
+        <p:cTn id="1" dur="indefinite" restart="never" nodeType="tmRoot">
+          <p:childTnLst>
+            <p:seq concurrent="1" nextAc="seek">
+              <p:cTn id="2" dur="indefinite" nodeType="mainSeq">
+                <p:childTnLst>
+                  <p:par>
+                    <p:cTn id="3" fill="hold">
+                      <p:stCondLst>
+                        <p:cond delay="indefinite"/>
+                        <p:cond evt="onBegin" delay="0">
+                          <p:tn val="2"/>
+                        </p:cond>
+                      </p:stCondLst>
+                      <p:childTnLst>
+                        <p:par>
+                          <p:cTn id="4" fill="hold">
+                            <p:stCondLst>
+                              <p:cond delay="0"/>
+                            </p:stCondLst>
+                            <p:childTnLst>
+                              <p:par>
+                                <p:cTn id="5" presetID="14" presetClass="entr" presetSubtype="10" fill="hold" grpId="0" nodeType="withEffect">
+                                  <p:stCondLst>
+                                    <p:cond delay="0"/>
+                                  </p:stCondLst>
+                                  <p:childTnLst>
+                                    <p:set>
+                                      <p:cBhvr>
+                                        <p:cTn id="6" dur="1" fill="hold">
+                                          <p:stCondLst>
+                                            <p:cond delay="0"/>
+                                          </p:stCondLst>
+                                        </p:cTn>
+                                        <p:tgtEl>
+                                          <p:spTgt spid="6"/>
+                                        </p:tgtEl>
+                                        <p:attrNameLst>
+                                          <p:attrName>style.visibility</p:attrName>
+                                        </p:attrNameLst>
+                                      </p:cBhvr>
+                                      <p:to>
+                                        <p:strVal val="visible"/>
+                                      </p:to>
+                                    </p:set>
+                                    <p:animEffect transition="in" filter="randombar(horizontal)">
+                                      <p:cBhvr>
+                                        <p:cTn id="7" dur="500"/>
+                                        <p:tgtEl>
+                                          <p:spTgt spid="6"/>
+                                        </p:tgtEl>
+                                      </p:cBhvr>
+                                    </p:animEffect>
+                                  </p:childTnLst>
+                                </p:cTn>
+                              </p:par>
+                              <p:par>
+                                <p:cTn id="8" presetID="14" presetClass="entr" presetSubtype="10" fill="hold" grpId="0" nodeType="withEffect">
+                                  <p:stCondLst>
+                                    <p:cond delay="0"/>
+                                  </p:stCondLst>
+                                  <p:childTnLst>
+                                    <p:set>
+                                      <p:cBhvr>
+                                        <p:cTn id="9" dur="1" fill="hold">
+                                          <p:stCondLst>
+                                            <p:cond delay="0"/>
+                                          </p:stCondLst>
+                                        </p:cTn>
+                                        <p:tgtEl>
+                                          <p:spTgt spid="4"/>
+                                        </p:tgtEl>
+                                        <p:attrNameLst>
+                                          <p:attrName>style.visibility</p:attrName>
+                                        </p:attrNameLst>
+                                      </p:cBhvr>
+                                      <p:to>
+                                        <p:strVal val="visible"/>
+                                      </p:to>
+                                    </p:set>
+                                    <p:animEffect transition="in" filter="randombar(horizontal)">
+                                      <p:cBhvr>
+                                        <p:cTn id="10" dur="500"/>
+                                        <p:tgtEl>
+                                          <p:spTgt spid="4"/>
+                                        </p:tgtEl>
+                                      </p:cBhvr>
+                                    </p:animEffect>
+                                  </p:childTnLst>
+                                </p:cTn>
+                              </p:par>
+                              <p:par>
+                                <p:cTn id="11" presetID="14" presetClass="entr" presetSubtype="10" fill="hold" grpId="0" nodeType="withEffect">
+                                  <p:stCondLst>
+                                    <p:cond delay="0"/>
+                                  </p:stCondLst>
+                                  <p:childTnLst>
+                                    <p:set>
+                                      <p:cBhvr>
+                                        <p:cTn id="12" dur="1" fill="hold">
+                                          <p:stCondLst>
+                                            <p:cond delay="0"/>
+                                          </p:stCondLst>
+                                        </p:cTn>
+                                        <p:tgtEl>
+                                          <p:spTgt spid="5"/>
+                                        </p:tgtEl>
+                                        <p:attrNameLst>
+                                          <p:attrName>style.visibility</p:attrName>
+                                        </p:attrNameLst>
+                                      </p:cBhvr>
+                                      <p:to>
+                                        <p:strVal val="visible"/>
+                                      </p:to>
+                                    </p:set>
+                                    <p:animEffect transition="in" filter="randombar(horizontal)">
+                                      <p:cBhvr>
+                                        <p:cTn id="13" dur="500"/>
+                                        <p:tgtEl>
+                                          <p:spTgt spid="5"/>
+                                        </p:tgtEl>
+                                      </p:cBhvr>
+                                    </p:animEffect>
+                                  </p:childTnLst>
+                                </p:cTn>
+                              </p:par>
+                            </p:childTnLst>
+                          </p:cTn>
+                        </p:par>
+                      </p:childTnLst>
+                    </p:cTn>
+                  </p:par>
+                </p:childTnLst>
+              </p:cTn>
+              <p:prevCondLst>
+                <p:cond evt="onPrev" delay="0">
+                  <p:tgtEl>
+                    <p:sldTgt/>
+                  </p:tgtEl>
+                </p:cond>
+              </p:prevCondLst>
+              <p:nextCondLst>
+                <p:cond evt="onNext" delay="0">
+                  <p:tgtEl>
+                    <p:sldTgt/>
+                  </p:tgtEl>
+                </p:cond>
+              </p:nextCondLst>
+            </p:seq>
+          </p:childTnLst>
+        </p:cTn>
+      </p:par>
+    </p:tnLst>
+    <p:bldLst>
+      <p:bldP spid="4" grpId="0" animBg="1"/>
+      <p:bldP spid="5" grpId="0" animBg="1"/>
+      <p:bldP spid="6" grpId="0" animBg="1"/>
+    </p:bldLst>
+  </p:timing>
 </p:sld>
 </file>
 
@@ -44895,7 +50932,23 @@
           <a:bodyPr/>
           <a:lstStyle/>
           <a:p>
-            <a:endParaRPr kumimoji="1" lang="ja-JP" altLang="en-US"/>
+            <a:r>
+              <a:rPr kumimoji="1" lang="ja-JP" altLang="en-US" dirty="0" smtClean="0"/>
+              <a:t>反省</a:t>
+            </a:r>
+            <a:r>
+              <a:rPr kumimoji="1" lang="en-US" altLang="ja-JP" dirty="0" smtClean="0"/>
+              <a:t>:</a:t>
+            </a:r>
+            <a:r>
+              <a:rPr kumimoji="1" lang="ja-JP" altLang="en-US" dirty="0" smtClean="0"/>
+              <a:t> </a:t>
+            </a:r>
+            <a:r>
+              <a:rPr kumimoji="1" lang="en-US" altLang="ja-JP" dirty="0" err="1" smtClean="0"/>
+              <a:t>IObservable</a:t>
+            </a:r>
+            <a:endParaRPr kumimoji="1" lang="ja-JP" altLang="en-US" dirty="0"/>
           </a:p>
         </p:txBody>
       </p:sp>
@@ -44915,90 +50968,247 @@
           <a:lstStyle/>
           <a:p>
             <a:r>
+              <a:rPr kumimoji="1" lang="en-US" altLang="ja-JP" dirty="0" err="1" smtClean="0"/>
+              <a:t>IObservable</a:t>
+            </a:r>
+            <a:r>
               <a:rPr kumimoji="1" lang="ja-JP" altLang="en-US" dirty="0" smtClean="0"/>
-              <a:t>ビューと、ビューに表示したいデータの分離</a:t>
+              <a:t>とほぼ同機能な型を作ってしまっている</a:t>
             </a:r>
             <a:endParaRPr kumimoji="1" lang="en-US" altLang="ja-JP" dirty="0" smtClean="0"/>
           </a:p>
           <a:p>
             <a:pPr lvl="1"/>
             <a:r>
-              <a:rPr lang="ja-JP" altLang="en-US" dirty="0"/>
-              <a:t>ナビゲーション</a:t>
+              <a:rPr lang="en-US" altLang="ja-JP" dirty="0" err="1" smtClean="0"/>
+              <a:t>IEvent</a:t>
+            </a:r>
+            <a:r>
+              <a:rPr lang="en-US" altLang="ja-JP" dirty="0" smtClean="0"/>
+              <a:t>&lt;T&gt;</a:t>
             </a:r>
             <a:r>
               <a:rPr lang="ja-JP" altLang="en-US" dirty="0" smtClean="0"/>
-              <a:t>での「戻る」での復元</a:t>
+              <a:t> ≒ </a:t>
+            </a:r>
+            <a:r>
+              <a:rPr lang="en-US" altLang="ja-JP" dirty="0" err="1" smtClean="0"/>
+              <a:t>IObservable</a:t>
+            </a:r>
+            <a:r>
+              <a:rPr lang="en-US" altLang="ja-JP" dirty="0" smtClean="0"/>
+              <a:t>&lt;</a:t>
+            </a:r>
+            <a:r>
+              <a:rPr lang="en-US" altLang="ja-JP" dirty="0" err="1" smtClean="0"/>
+              <a:t>EventPettern</a:t>
+            </a:r>
+            <a:r>
+              <a:rPr lang="en-US" altLang="ja-JP" dirty="0" smtClean="0"/>
+              <a:t>&lt;T&gt;&gt;</a:t>
+            </a:r>
+          </a:p>
+          <a:p>
+            <a:pPr lvl="2"/>
+            <a:r>
+              <a:rPr kumimoji="1" lang="en-US" altLang="ja-JP" dirty="0" smtClean="0"/>
+              <a:t>Unity</a:t>
+            </a:r>
+            <a:r>
+              <a:rPr kumimoji="1" lang="ja-JP" altLang="en-US" dirty="0" smtClean="0"/>
+              <a:t>がシングル スレッド動作なので、同時実行制御だけ</a:t>
+            </a:r>
+            <a:r>
+              <a:rPr kumimoji="1" lang="ja-JP" altLang="en-US" dirty="0" smtClean="0"/>
+              <a:t>さぼってる</a:t>
+            </a:r>
+            <a:endParaRPr kumimoji="1" lang="en-US" altLang="ja-JP" dirty="0" smtClean="0"/>
+          </a:p>
+          <a:p>
+            <a:pPr lvl="2"/>
+            <a:r>
+              <a:rPr lang="en-US" altLang="ja-JP" dirty="0" err="1" smtClean="0"/>
+              <a:t>IObservable</a:t>
+            </a:r>
+            <a:r>
+              <a:rPr lang="en-US" altLang="ja-JP" dirty="0" smtClean="0"/>
+              <a:t>&lt;T&gt;</a:t>
+            </a:r>
+            <a:r>
+              <a:rPr lang="ja-JP" altLang="en-US" dirty="0" smtClean="0"/>
+              <a:t>との差は、</a:t>
+            </a:r>
+            <a:r>
+              <a:rPr lang="en-US" altLang="ja-JP" dirty="0" smtClean="0"/>
+              <a:t>sender</a:t>
+            </a:r>
+            <a:r>
+              <a:rPr lang="ja-JP" altLang="en-US" dirty="0" smtClean="0"/>
+              <a:t>を取れるかどうかだけ</a:t>
+            </a:r>
+            <a:endParaRPr kumimoji="1" lang="en-US" altLang="ja-JP" dirty="0" smtClean="0"/>
+          </a:p>
+          <a:p>
+            <a:pPr lvl="1"/>
+            <a:r>
+              <a:rPr lang="ja-JP" altLang="en-US" dirty="0" smtClean="0"/>
+              <a:t>でも</a:t>
+            </a:r>
+            <a:r>
+              <a:rPr lang="ja-JP" altLang="en-US" dirty="0" smtClean="0"/>
+              <a:t>結局、</a:t>
+            </a:r>
+            <a:r>
+              <a:rPr lang="en-US" altLang="ja-JP" dirty="0" smtClean="0"/>
+              <a:t>sender</a:t>
+            </a:r>
+            <a:r>
+              <a:rPr lang="ja-JP" altLang="en-US" dirty="0" smtClean="0"/>
+              <a:t>はほとんど使ってない</a:t>
             </a:r>
             <a:endParaRPr lang="en-US" altLang="ja-JP" dirty="0" smtClean="0"/>
           </a:p>
           <a:p>
+            <a:pPr lvl="2"/>
+            <a:r>
+              <a:rPr lang="en-US" altLang="ja-JP" dirty="0" err="1" smtClean="0"/>
+              <a:t>IObservable</a:t>
+            </a:r>
+            <a:r>
+              <a:rPr lang="ja-JP" altLang="en-US" dirty="0" err="1" smtClean="0"/>
+              <a:t>で</a:t>
+            </a:r>
+            <a:r>
+              <a:rPr lang="ja-JP" altLang="en-US" dirty="0" smtClean="0"/>
+              <a:t>よかった</a:t>
+            </a:r>
+            <a:endParaRPr lang="en-US" altLang="ja-JP" dirty="0" smtClean="0"/>
+          </a:p>
+          <a:p>
             <a:pPr lvl="1"/>
+            <a:endParaRPr kumimoji="1" lang="en-US" altLang="ja-JP" dirty="0" smtClean="0"/>
+          </a:p>
+          <a:p>
+            <a:pPr lvl="1"/>
+            <a:r>
+              <a:rPr kumimoji="1" lang="en-US" altLang="ja-JP" dirty="0" smtClean="0"/>
+              <a:t>Rx</a:t>
+            </a:r>
             <a:r>
               <a:rPr kumimoji="1" lang="ja-JP" altLang="en-US" dirty="0" smtClean="0"/>
-              <a:t>後述する仮想化</a:t>
+              <a:t>に移行しようか悩み中</a:t>
             </a:r>
             <a:endParaRPr kumimoji="1" lang="en-US" altLang="ja-JP" dirty="0" smtClean="0"/>
           </a:p>
           <a:p>
+            <a:pPr lvl="2"/>
+            <a:r>
+              <a:rPr lang="en-US" altLang="ja-JP" dirty="0" err="1" smtClean="0"/>
+              <a:t>IEvent</a:t>
+            </a:r>
             <a:r>
               <a:rPr lang="ja-JP" altLang="en-US" dirty="0" smtClean="0"/>
-              <a:t>データ バインディング</a:t>
-            </a:r>
-            <a:endParaRPr lang="en-US" altLang="ja-JP" dirty="0" smtClean="0"/>
-          </a:p>
-          <a:p>
-            <a:pPr lvl="1"/>
+              <a:t>に対して、</a:t>
+            </a:r>
             <a:r>
               <a:rPr lang="en-US" altLang="ja-JP" dirty="0" smtClean="0"/>
-              <a:t>Silverlight</a:t>
+              <a:t>Rx</a:t>
             </a:r>
             <a:r>
               <a:rPr lang="ja-JP" altLang="en-US" dirty="0" smtClean="0"/>
-              <a:t>とかではリフレクションだらけなんだけど</a:t>
-            </a:r>
-            <a:endParaRPr lang="en-US" altLang="ja-JP" dirty="0" smtClean="0"/>
-          </a:p>
-          <a:p>
-            <a:pPr lvl="1"/>
-            <a:r>
-              <a:rPr kumimoji="1" lang="en-US" altLang="ja-JP" dirty="0" smtClean="0"/>
-              <a:t>iOS</a:t>
-            </a:r>
-            <a:r>
-              <a:rPr kumimoji="1" lang="ja-JP" altLang="en-US" dirty="0" smtClean="0"/>
-              <a:t>向けに、コード生成</a:t>
-            </a:r>
-            <a:r>
-              <a:rPr kumimoji="1" lang="en-US" altLang="ja-JP" dirty="0" smtClean="0"/>
-              <a:t>(Unity</a:t>
-            </a:r>
-            <a:r>
-              <a:rPr kumimoji="1" lang="ja-JP" altLang="en-US" dirty="0" smtClean="0"/>
-              <a:t>エディター拡張</a:t>
-            </a:r>
-            <a:r>
-              <a:rPr kumimoji="1" lang="en-US" altLang="ja-JP" dirty="0" smtClean="0"/>
-              <a:t>)</a:t>
-            </a:r>
-            <a:r>
-              <a:rPr kumimoji="1" lang="ja-JP" altLang="en-US" dirty="0" smtClean="0"/>
-              <a:t>でやってる</a:t>
+              <a:t>と同じような、</a:t>
+            </a:r>
+            <a:r>
+              <a:rPr lang="en-US" altLang="ja-JP" dirty="0" smtClean="0"/>
+              <a:t>Subject,</a:t>
+            </a:r>
+            <a:r>
+              <a:rPr lang="ja-JP" altLang="en-US" dirty="0" smtClean="0"/>
+              <a:t> </a:t>
+            </a:r>
+            <a:r>
+              <a:rPr lang="en-US" altLang="ja-JP" dirty="0" smtClean="0"/>
+              <a:t>Where,</a:t>
+            </a:r>
+            <a:r>
+              <a:rPr lang="ja-JP" altLang="en-US" dirty="0" smtClean="0"/>
+              <a:t> </a:t>
+            </a:r>
+            <a:r>
+              <a:rPr lang="en-US" altLang="ja-JP" dirty="0" smtClean="0"/>
+              <a:t>Select,</a:t>
+            </a:r>
+            <a:r>
+              <a:rPr lang="ja-JP" altLang="en-US" dirty="0" smtClean="0"/>
+              <a:t> </a:t>
+            </a:r>
+            <a:r>
+              <a:rPr lang="en-US" altLang="ja-JP" dirty="0" smtClean="0"/>
+              <a:t>Subscribe</a:t>
+            </a:r>
+            <a:r>
+              <a:rPr lang="ja-JP" altLang="en-US" dirty="0" smtClean="0"/>
+              <a:t>実装してる</a:t>
             </a:r>
             <a:endParaRPr kumimoji="1" lang="ja-JP" altLang="en-US" dirty="0"/>
+          </a:p>
+        </p:txBody>
+      </p:sp>
+      <p:sp>
+        <p:nvSpPr>
+          <p:cNvPr id="4" name="下矢印 3"/>
+          <p:cNvSpPr/>
+          <p:nvPr/>
+        </p:nvSpPr>
+        <p:spPr>
+          <a:xfrm>
+            <a:off x="1862983" y="4119073"/>
+            <a:ext cx="350378" cy="316194"/>
+          </a:xfrm>
+          <a:prstGeom prst="downArrow">
+            <a:avLst/>
+          </a:prstGeom>
+        </p:spPr>
+        <p:style>
+          <a:lnRef idx="1">
+            <a:schemeClr val="accent4"/>
+          </a:lnRef>
+          <a:fillRef idx="2">
+            <a:schemeClr val="accent4"/>
+          </a:fillRef>
+          <a:effectRef idx="1">
+            <a:schemeClr val="accent4"/>
+          </a:effectRef>
+          <a:fontRef idx="minor">
+            <a:schemeClr val="dk1"/>
+          </a:fontRef>
+        </p:style>
+        <p:txBody>
+          <a:bodyPr lIns="36000" tIns="36000" rIns="36000" bIns="36000" rtlCol="0" anchor="ctr"/>
+          <a:lstStyle/>
+          <a:p>
+            <a:pPr algn="ctr"/>
+            <a:endParaRPr kumimoji="1" lang="ja-JP" altLang="en-US" dirty="0" smtClean="0"/>
           </a:p>
         </p:txBody>
       </p:sp>
     </p:spTree>
     <p:extLst>
       <p:ext uri="{BB962C8B-B14F-4D97-AF65-F5344CB8AC3E}">
-        <p14:creationId xmlns:p14="http://schemas.microsoft.com/office/powerpoint/2010/main" val="3771722338"/>
+        <p14:creationId xmlns:p14="http://schemas.microsoft.com/office/powerpoint/2010/main" val="1221440194"/>
       </p:ext>
     </p:extLst>
   </p:cSld>
   <p:clrMapOvr>
     <a:masterClrMapping/>
   </p:clrMapOvr>
+  <p:timing>
+    <p:tnLst>
+      <p:par>
+        <p:cTn id="1" dur="indefinite" restart="never" nodeType="tmRoot"/>
+      </p:par>
+    </p:tnLst>
+  </p:timing>
 </p:sld>
 </file>
 
@@ -45021,7 +51231,7 @@
       </p:grpSpPr>
       <p:sp>
         <p:nvSpPr>
-          <p:cNvPr id="2" name="タイトル 1"/>
+          <p:cNvPr id="4" name="タイトル 3"/>
           <p:cNvSpPr>
             <a:spLocks noGrp="1"/>
           </p:cNvSpPr>
@@ -45034,18 +51244,22 @@
           <a:bodyPr/>
           <a:lstStyle/>
           <a:p>
+            <a:r>
+              <a:rPr lang="ja-JP" altLang="en-US" smtClean="0"/>
+              <a:t>データ バインディング</a:t>
+            </a:r>
             <a:endParaRPr kumimoji="1" lang="ja-JP" altLang="en-US"/>
           </a:p>
         </p:txBody>
       </p:sp>
       <p:sp>
         <p:nvSpPr>
-          <p:cNvPr id="3" name="コンテンツ プレースホルダー 2"/>
+          <p:cNvPr id="5" name="テキスト プレースホルダー 4"/>
           <p:cNvSpPr>
             <a:spLocks noGrp="1"/>
           </p:cNvSpPr>
           <p:nvPr>
-            <p:ph idx="1"/>
+            <p:ph type="body" idx="1"/>
           </p:nvPr>
         </p:nvSpPr>
         <p:spPr/>
@@ -45053,107 +51267,27 @@
           <a:bodyPr/>
           <a:lstStyle/>
           <a:p>
-            <a:r>
-              <a:rPr kumimoji="1" lang="en-US" altLang="ja-JP" dirty="0" err="1" smtClean="0"/>
-              <a:t>ContentControl</a:t>
-            </a:r>
-            <a:r>
-              <a:rPr kumimoji="1" lang="en-US" altLang="ja-JP" dirty="0" smtClean="0"/>
-              <a:t>,</a:t>
-            </a:r>
-            <a:r>
-              <a:rPr kumimoji="1" lang="ja-JP" altLang="en-US" dirty="0" smtClean="0"/>
-              <a:t> </a:t>
-            </a:r>
-            <a:r>
-              <a:rPr kumimoji="1" lang="en-US" altLang="ja-JP" dirty="0" err="1" smtClean="0"/>
-              <a:t>ItemsControl</a:t>
-            </a:r>
-            <a:endParaRPr kumimoji="1" lang="en-US" altLang="ja-JP" dirty="0" smtClean="0"/>
-          </a:p>
-          <a:p>
-            <a:r>
-              <a:rPr lang="ja-JP" altLang="en-US" dirty="0" smtClean="0"/>
-              <a:t>たいていの</a:t>
-            </a:r>
-            <a:r>
-              <a:rPr lang="en-US" altLang="ja-JP" dirty="0" smtClean="0"/>
-              <a:t>UI</a:t>
-            </a:r>
-            <a:r>
-              <a:rPr lang="ja-JP" altLang="en-US" dirty="0" smtClean="0"/>
-              <a:t>は、</a:t>
-            </a:r>
-            <a:endParaRPr lang="en-US" altLang="ja-JP" dirty="0" smtClean="0"/>
-          </a:p>
-          <a:p>
-            <a:pPr lvl="1"/>
-            <a:r>
-              <a:rPr kumimoji="1" lang="ja-JP" altLang="en-US" dirty="0" smtClean="0"/>
-              <a:t>「このデータ型に対して、このプレハブを作りたい」みたいな要件ばっかり</a:t>
-            </a:r>
-            <a:endParaRPr kumimoji="1" lang="en-US" altLang="ja-JP" dirty="0" smtClean="0"/>
-          </a:p>
-          <a:p>
-            <a:pPr lvl="1"/>
-            <a:r>
-              <a:rPr lang="en-US" altLang="ja-JP" dirty="0" smtClean="0"/>
-              <a:t>Unity</a:t>
-            </a:r>
-            <a:r>
-              <a:rPr lang="ja-JP" altLang="en-US" dirty="0" smtClean="0"/>
-              <a:t>インスペクターでプレハブを刺しとく</a:t>
-            </a:r>
-            <a:endParaRPr lang="en-US" altLang="ja-JP" dirty="0" smtClean="0"/>
-          </a:p>
-          <a:p>
-            <a:pPr lvl="1"/>
-            <a:r>
-              <a:rPr kumimoji="1" lang="en-US" altLang="ja-JP" dirty="0" smtClean="0"/>
-              <a:t>1</a:t>
-            </a:r>
-            <a:r>
-              <a:rPr kumimoji="1" lang="ja-JP" altLang="en-US" dirty="0" smtClean="0"/>
-              <a:t>要素</a:t>
-            </a:r>
-            <a:r>
-              <a:rPr kumimoji="1" lang="ja-JP" altLang="en-US" dirty="0"/>
-              <a:t>版</a:t>
-            </a:r>
-            <a:r>
-              <a:rPr kumimoji="1" lang="ja-JP" altLang="en-US" dirty="0" smtClean="0"/>
-              <a:t>が</a:t>
-            </a:r>
-            <a:r>
-              <a:rPr kumimoji="1" lang="en-US" altLang="ja-JP" dirty="0" smtClean="0"/>
-              <a:t>Content</a:t>
-            </a:r>
-            <a:r>
-              <a:rPr kumimoji="1" lang="ja-JP" altLang="en-US" dirty="0" err="1" smtClean="0"/>
-              <a:t>、</a:t>
-            </a:r>
-            <a:r>
-              <a:rPr kumimoji="1" lang="ja-JP" altLang="en-US" dirty="0" smtClean="0"/>
-              <a:t>リスト版が</a:t>
-            </a:r>
-            <a:r>
-              <a:rPr kumimoji="1" lang="en-US" altLang="ja-JP" dirty="0" smtClean="0"/>
-              <a:t>Items</a:t>
-            </a:r>
-            <a:endParaRPr kumimoji="1" lang="ja-JP" altLang="en-US" dirty="0"/>
+            <a:endParaRPr kumimoji="1" lang="ja-JP" altLang="en-US"/>
           </a:p>
         </p:txBody>
       </p:sp>
     </p:spTree>
     <p:extLst>
       <p:ext uri="{BB962C8B-B14F-4D97-AF65-F5344CB8AC3E}">
-        <p14:creationId xmlns:p14="http://schemas.microsoft.com/office/powerpoint/2010/main" val="16942979"/>
+        <p14:creationId xmlns:p14="http://schemas.microsoft.com/office/powerpoint/2010/main" val="3735385007"/>
       </p:ext>
     </p:extLst>
   </p:cSld>
   <p:clrMapOvr>
     <a:masterClrMapping/>
   </p:clrMapOvr>
+  <p:timing>
+    <p:tnLst>
+      <p:par>
+        <p:cTn id="1" dur="indefinite" restart="never" nodeType="tmRoot"/>
+      </p:par>
+    </p:tnLst>
+  </p:timing>
 </p:sld>
 </file>
 
@@ -45210,77 +51344,94 @@
           <a:p>
             <a:r>
               <a:rPr kumimoji="1" lang="ja-JP" altLang="en-US" dirty="0" smtClean="0"/>
+              <a:t>当初説明した通り、作ってるゲームの性質的には</a:t>
+            </a:r>
+            <a:r>
+              <a:rPr kumimoji="1" lang="en-US" altLang="ja-JP" dirty="0" smtClean="0"/>
+              <a:t>UI</a:t>
+            </a:r>
+            <a:r>
+              <a:rPr kumimoji="1" lang="ja-JP" altLang="en-US" dirty="0" smtClean="0"/>
+              <a:t>フレームワーク中心になるんだけど</a:t>
+            </a:r>
+            <a:endParaRPr kumimoji="1" lang="en-US" altLang="ja-JP" dirty="0" smtClean="0"/>
+          </a:p>
+          <a:p>
+            <a:pPr lvl="1"/>
+            <a:r>
+              <a:rPr kumimoji="1" lang="en-US" altLang="ja-JP" dirty="0" smtClean="0"/>
+              <a:t>3D</a:t>
+            </a:r>
+            <a:r>
+              <a:rPr kumimoji="1" lang="ja-JP" altLang="en-US" dirty="0" smtClean="0"/>
+              <a:t>とか物理エンジンとか</a:t>
+            </a:r>
+            <a:r>
+              <a:rPr kumimoji="1" lang="en-US" altLang="ja-JP" dirty="0" smtClean="0"/>
+              <a:t>object</a:t>
+            </a:r>
+            <a:r>
+              <a:rPr kumimoji="1" lang="ja-JP" altLang="en-US" dirty="0" smtClean="0"/>
+              <a:t> </a:t>
+            </a:r>
+            <a:r>
+              <a:rPr kumimoji="1" lang="en-US" altLang="ja-JP" dirty="0" smtClean="0"/>
+              <a:t>navigation</a:t>
+            </a:r>
+            <a:r>
+              <a:rPr kumimoji="1" lang="ja-JP" altLang="en-US" dirty="0" smtClean="0"/>
+              <a:t>とか要らない</a:t>
+            </a:r>
+            <a:endParaRPr kumimoji="1" lang="en-US" altLang="ja-JP" dirty="0" smtClean="0"/>
+          </a:p>
+          <a:p>
+            <a:pPr lvl="1"/>
+            <a:r>
+              <a:rPr lang="ja-JP" altLang="en-US" dirty="0" smtClean="0"/>
+              <a:t>むしろ、</a:t>
+            </a:r>
+            <a:r>
+              <a:rPr lang="en-US" altLang="ja-JP" dirty="0" smtClean="0"/>
+              <a:t>XAML</a:t>
+            </a:r>
+            <a:r>
+              <a:rPr lang="ja-JP" altLang="en-US" dirty="0" smtClean="0"/>
+              <a:t>的機能がほしい</a:t>
+            </a:r>
+            <a:endParaRPr lang="en-US" altLang="ja-JP" dirty="0" smtClean="0"/>
+          </a:p>
+          <a:p>
+            <a:pPr lvl="2"/>
+            <a:r>
+              <a:rPr lang="en-US" altLang="ja-JP" dirty="0"/>
+              <a:t>Data Binding</a:t>
+            </a:r>
+          </a:p>
+          <a:p>
+            <a:pPr lvl="2"/>
+            <a:r>
+              <a:rPr lang="en-US" altLang="ja-JP" dirty="0" err="1" smtClean="0"/>
+              <a:t>ConentControl</a:t>
+            </a:r>
+            <a:r>
+              <a:rPr lang="en-US" altLang="ja-JP" dirty="0" smtClean="0"/>
+              <a:t>, </a:t>
+            </a:r>
+            <a:r>
+              <a:rPr lang="en-US" altLang="ja-JP" dirty="0" err="1" smtClean="0"/>
+              <a:t>ItemsControl</a:t>
+            </a:r>
+            <a:endParaRPr lang="en-US" altLang="ja-JP" dirty="0" smtClean="0"/>
+          </a:p>
+          <a:p>
+            <a:pPr lvl="2"/>
+            <a:r>
+              <a:rPr kumimoji="1" lang="en-US" altLang="ja-JP" dirty="0" smtClean="0"/>
+              <a:t>UI</a:t>
+            </a:r>
+            <a:r>
+              <a:rPr kumimoji="1" lang="ja-JP" altLang="en-US" dirty="0" smtClean="0"/>
               <a:t>仮想化</a:t>
-            </a:r>
-            <a:endParaRPr kumimoji="1" lang="en-US" altLang="ja-JP" dirty="0" smtClean="0"/>
-          </a:p>
-          <a:p>
-            <a:pPr lvl="1"/>
-            <a:r>
-              <a:rPr lang="ja-JP" altLang="en-US" dirty="0" smtClean="0"/>
-              <a:t>リストのうちの、画面に見えてる範囲だけ、プレハブを</a:t>
-            </a:r>
-            <a:r>
-              <a:rPr lang="en-US" altLang="ja-JP" dirty="0" smtClean="0"/>
-              <a:t>Instantiate</a:t>
-            </a:r>
-          </a:p>
-          <a:p>
-            <a:pPr lvl="1"/>
-            <a:r>
-              <a:rPr kumimoji="1" lang="ja-JP" altLang="en-US" dirty="0"/>
-              <a:t>残</a:t>
-            </a:r>
-            <a:r>
-              <a:rPr kumimoji="1" lang="ja-JP" altLang="en-US" dirty="0" smtClean="0"/>
-              <a:t>りは作らない、隠れたら消す</a:t>
-            </a:r>
-            <a:endParaRPr kumimoji="1" lang="en-US" altLang="ja-JP" dirty="0" smtClean="0"/>
-          </a:p>
-          <a:p>
-            <a:pPr lvl="1"/>
-            <a:r>
-              <a:rPr lang="ja-JP" altLang="en-US" dirty="0" smtClean="0"/>
-              <a:t>データ分離してないとできない。ビューにデータ持ってても消える・上書きされる</a:t>
-            </a:r>
-            <a:endParaRPr lang="en-US" altLang="ja-JP" dirty="0" smtClean="0"/>
-          </a:p>
-          <a:p>
-            <a:r>
-              <a:rPr kumimoji="1" lang="ja-JP" altLang="en-US" dirty="0" smtClean="0"/>
-              <a:t>これやらないと</a:t>
-            </a:r>
-            <a:endParaRPr kumimoji="1" lang="en-US" altLang="ja-JP" dirty="0" smtClean="0"/>
-          </a:p>
-          <a:p>
-            <a:pPr lvl="1"/>
-            <a:r>
-              <a:rPr lang="ja-JP" altLang="en-US" dirty="0" smtClean="0"/>
-              <a:t>「アイテムは</a:t>
-            </a:r>
-            <a:r>
-              <a:rPr lang="en-US" altLang="ja-JP" dirty="0" smtClean="0"/>
-              <a:t>100</a:t>
-            </a:r>
-            <a:r>
-              <a:rPr lang="ja-JP" altLang="en-US" dirty="0" smtClean="0"/>
-              <a:t>個までしか持てません。でないと一覧画面に入るのに</a:t>
-            </a:r>
-            <a:r>
-              <a:rPr lang="en-US" altLang="ja-JP" dirty="0" smtClean="0"/>
-              <a:t>2</a:t>
-            </a:r>
-            <a:r>
-              <a:rPr lang="ja-JP" altLang="en-US" dirty="0" smtClean="0"/>
-              <a:t>秒かかるし、スクロールが重たすぎてプレイに支障出ます」みたいなゲームになる</a:t>
-            </a:r>
-            <a:endParaRPr lang="en-US" altLang="ja-JP" dirty="0" smtClean="0"/>
-          </a:p>
-          <a:p>
-            <a:pPr lvl="1"/>
-            <a:r>
-              <a:rPr kumimoji="1" lang="ja-JP" altLang="en-US" dirty="0" smtClean="0"/>
-              <a:t>実際、表示都合で個数制限かかってるゲーム結構ある</a:t>
             </a:r>
             <a:endParaRPr kumimoji="1" lang="ja-JP" altLang="en-US" dirty="0"/>
           </a:p>
@@ -45289,13 +51440,20 @@
     </p:spTree>
     <p:extLst>
       <p:ext uri="{BB962C8B-B14F-4D97-AF65-F5344CB8AC3E}">
-        <p14:creationId xmlns:p14="http://schemas.microsoft.com/office/powerpoint/2010/main" val="3187862995"/>
+        <p14:creationId xmlns:p14="http://schemas.microsoft.com/office/powerpoint/2010/main" val="1404024061"/>
       </p:ext>
     </p:extLst>
   </p:cSld>
   <p:clrMapOvr>
     <a:masterClrMapping/>
   </p:clrMapOvr>
+  <p:timing>
+    <p:tnLst>
+      <p:par>
+        <p:cTn id="1" dur="indefinite" restart="never" nodeType="tmRoot"/>
+      </p:par>
+    </p:tnLst>
+  </p:timing>
 </p:sld>
 </file>
 
@@ -45331,6 +51489,856 @@
           <a:bodyPr/>
           <a:lstStyle/>
           <a:p>
+            <a:endParaRPr kumimoji="1" lang="ja-JP" altLang="en-US"/>
+          </a:p>
+        </p:txBody>
+      </p:sp>
+      <p:sp>
+        <p:nvSpPr>
+          <p:cNvPr id="3" name="コンテンツ プレースホルダー 2"/>
+          <p:cNvSpPr>
+            <a:spLocks noGrp="1"/>
+          </p:cNvSpPr>
+          <p:nvPr>
+            <p:ph idx="1"/>
+          </p:nvPr>
+        </p:nvSpPr>
+        <p:spPr/>
+        <p:txBody>
+          <a:bodyPr/>
+          <a:lstStyle/>
+          <a:p>
+            <a:r>
+              <a:rPr kumimoji="1" lang="ja-JP" altLang="en-US" dirty="0" smtClean="0"/>
+              <a:t>ぶっちゃけていうと、</a:t>
+            </a:r>
+            <a:r>
+              <a:rPr lang="en-US" altLang="ja-JP" dirty="0" smtClean="0"/>
+              <a:t>Silverlight</a:t>
+            </a:r>
+            <a:r>
+              <a:rPr lang="ja-JP" altLang="en-US" dirty="0" smtClean="0"/>
+              <a:t>がほしい</a:t>
+            </a:r>
+            <a:endParaRPr lang="en-US" altLang="ja-JP" dirty="0" smtClean="0"/>
+          </a:p>
+          <a:p>
+            <a:pPr lvl="1"/>
+            <a:r>
+              <a:rPr kumimoji="1" lang="ja-JP" altLang="en-US" dirty="0" smtClean="0"/>
+              <a:t>「ゲームだからゲーム フレームワーク」と思うんじゃなくて</a:t>
+            </a:r>
+            <a:endParaRPr kumimoji="1" lang="en-US" altLang="ja-JP" dirty="0" smtClean="0"/>
+          </a:p>
+          <a:p>
+            <a:pPr lvl="1"/>
+            <a:r>
+              <a:rPr lang="en-US" altLang="ja-JP" dirty="0" smtClean="0"/>
+              <a:t>UI</a:t>
+            </a:r>
+            <a:r>
+              <a:rPr lang="ja-JP" altLang="en-US" dirty="0" smtClean="0"/>
+              <a:t>が得意なのは一般</a:t>
+            </a:r>
+            <a:r>
+              <a:rPr lang="en-US" altLang="ja-JP" dirty="0" smtClean="0"/>
+              <a:t>OS</a:t>
+            </a:r>
+            <a:r>
+              <a:rPr lang="ja-JP" altLang="en-US" dirty="0" err="1" smtClean="0"/>
+              <a:t>。</a:t>
+            </a:r>
+            <a:r>
+              <a:rPr lang="ja-JP" altLang="en-US" dirty="0"/>
+              <a:t>突き詰</a:t>
+            </a:r>
+            <a:r>
+              <a:rPr lang="ja-JP" altLang="en-US" dirty="0" smtClean="0"/>
+              <a:t>めるとだいたいその</a:t>
+            </a:r>
+            <a:r>
+              <a:rPr lang="en-US" altLang="ja-JP" dirty="0" smtClean="0"/>
+              <a:t>UI</a:t>
+            </a:r>
+            <a:r>
+              <a:rPr lang="ja-JP" altLang="en-US" dirty="0" smtClean="0"/>
+              <a:t>フレームワークがやってることほしくなる</a:t>
+            </a:r>
+            <a:endParaRPr lang="en-US" altLang="ja-JP" dirty="0" smtClean="0"/>
+          </a:p>
+          <a:p>
+            <a:pPr lvl="1"/>
+            <a:r>
+              <a:rPr kumimoji="1" lang="en-US" altLang="ja-JP" dirty="0" smtClean="0"/>
+              <a:t>Win8</a:t>
+            </a:r>
+            <a:r>
+              <a:rPr kumimoji="1" lang="ja-JP" altLang="en-US" dirty="0" smtClean="0"/>
+              <a:t>アプリなんかだと、</a:t>
+            </a:r>
+            <a:r>
+              <a:rPr kumimoji="1" lang="en-US" altLang="ja-JP" dirty="0" smtClean="0"/>
+              <a:t>XAML</a:t>
+            </a:r>
+            <a:r>
+              <a:rPr lang="ja-JP" altLang="en-US" dirty="0"/>
+              <a:t> </a:t>
+            </a:r>
+            <a:r>
+              <a:rPr lang="en-US" altLang="ja-JP" dirty="0" smtClean="0"/>
+              <a:t>UI</a:t>
+            </a:r>
+            <a:r>
+              <a:rPr lang="ja-JP" altLang="en-US" dirty="0" smtClean="0"/>
+              <a:t>の上に</a:t>
+            </a:r>
+            <a:r>
+              <a:rPr lang="en-US" altLang="ja-JP" dirty="0" smtClean="0"/>
+              <a:t>Direct</a:t>
+            </a:r>
+            <a:r>
+              <a:rPr lang="ja-JP" altLang="en-US" dirty="0" smtClean="0"/>
+              <a:t> </a:t>
+            </a:r>
+            <a:r>
+              <a:rPr lang="en-US" altLang="ja-JP" dirty="0" smtClean="0"/>
+              <a:t>X</a:t>
+            </a:r>
+            <a:r>
+              <a:rPr lang="ja-JP" altLang="en-US" dirty="0" smtClean="0"/>
+              <a:t>サーフェス重ねるとかやれる</a:t>
+            </a:r>
+            <a:endParaRPr kumimoji="1" lang="en-US" altLang="ja-JP" dirty="0"/>
+          </a:p>
+          <a:p>
+            <a:r>
+              <a:rPr lang="ja-JP" altLang="en-US" dirty="0" smtClean="0"/>
+              <a:t>マップ表示とかだけかなぁ、ゲーム的な描画最適化頑張らないといけないの</a:t>
+            </a:r>
+            <a:endParaRPr kumimoji="1" lang="ja-JP" altLang="en-US" dirty="0"/>
+          </a:p>
+        </p:txBody>
+      </p:sp>
+    </p:spTree>
+    <p:extLst>
+      <p:ext uri="{BB962C8B-B14F-4D97-AF65-F5344CB8AC3E}">
+        <p14:creationId xmlns:p14="http://schemas.microsoft.com/office/powerpoint/2010/main" val="4199267743"/>
+      </p:ext>
+    </p:extLst>
+  </p:cSld>
+  <p:clrMapOvr>
+    <a:masterClrMapping/>
+  </p:clrMapOvr>
+</p:sld>
+</file>
+
+<file path=ppt/slides/slide68.xml><?xml version="1.0" encoding="utf-8"?>
+<p:sld xmlns:a="http://schemas.openxmlformats.org/drawingml/2006/main" xmlns:r="http://schemas.openxmlformats.org/officeDocument/2006/relationships" xmlns:p="http://schemas.openxmlformats.org/presentationml/2006/main">
+  <p:cSld>
+    <p:spTree>
+      <p:nvGrpSpPr>
+        <p:cNvPr id="1" name=""/>
+        <p:cNvGrpSpPr/>
+        <p:nvPr/>
+      </p:nvGrpSpPr>
+      <p:grpSpPr>
+        <a:xfrm>
+          <a:off x="0" y="0"/>
+          <a:ext cx="0" cy="0"/>
+          <a:chOff x="0" y="0"/>
+          <a:chExt cx="0" cy="0"/>
+        </a:xfrm>
+      </p:grpSpPr>
+      <p:sp>
+        <p:nvSpPr>
+          <p:cNvPr id="2" name="タイトル 1"/>
+          <p:cNvSpPr>
+            <a:spLocks noGrp="1"/>
+          </p:cNvSpPr>
+          <p:nvPr>
+            <p:ph type="title"/>
+          </p:nvPr>
+        </p:nvSpPr>
+        <p:spPr/>
+        <p:txBody>
+          <a:bodyPr/>
+          <a:lstStyle/>
+          <a:p>
+            <a:endParaRPr kumimoji="1" lang="ja-JP" altLang="en-US"/>
+          </a:p>
+        </p:txBody>
+      </p:sp>
+      <p:sp>
+        <p:nvSpPr>
+          <p:cNvPr id="3" name="コンテンツ プレースホルダー 2"/>
+          <p:cNvSpPr>
+            <a:spLocks noGrp="1"/>
+          </p:cNvSpPr>
+          <p:nvPr>
+            <p:ph idx="1"/>
+          </p:nvPr>
+        </p:nvSpPr>
+        <p:spPr/>
+        <p:txBody>
+          <a:bodyPr/>
+          <a:lstStyle/>
+          <a:p>
+            <a:r>
+              <a:rPr kumimoji="1" lang="en-US" altLang="ja-JP" dirty="0" smtClean="0"/>
+              <a:t>UI</a:t>
+            </a:r>
+            <a:r>
+              <a:rPr kumimoji="1" lang="ja-JP" altLang="en-US" dirty="0" smtClean="0"/>
+              <a:t>系は、「どこにどのデータを出したい」「データが更新されたらそこだけ更新掛けたい」が基本</a:t>
+            </a:r>
+            <a:endParaRPr kumimoji="1" lang="en-US" altLang="ja-JP" dirty="0" smtClean="0"/>
+          </a:p>
+          <a:p>
+            <a:pPr lvl="1"/>
+            <a:r>
+              <a:rPr lang="ja-JP" altLang="en-US" dirty="0" smtClean="0"/>
+              <a:t>クライアント系の</a:t>
+            </a:r>
+            <a:r>
+              <a:rPr lang="en-US" altLang="ja-JP" dirty="0" smtClean="0"/>
+              <a:t>MVC</a:t>
+            </a:r>
+            <a:r>
+              <a:rPr lang="ja-JP" altLang="en-US" dirty="0" smtClean="0"/>
+              <a:t>フレームワークはたいていそういう発想</a:t>
+            </a:r>
+            <a:endParaRPr lang="en-US" altLang="ja-JP" dirty="0" smtClean="0"/>
+          </a:p>
+          <a:p>
+            <a:pPr lvl="1"/>
+            <a:r>
+              <a:rPr kumimoji="1" lang="ja-JP" altLang="en-US" dirty="0" smtClean="0"/>
+              <a:t>いわゆるオブザーバー パターンを、プロパティに対して適用</a:t>
+            </a:r>
+            <a:endParaRPr kumimoji="1" lang="en-US" altLang="ja-JP" dirty="0" smtClean="0"/>
+          </a:p>
+          <a:p>
+            <a:pPr lvl="1"/>
+            <a:r>
+              <a:rPr kumimoji="1" lang="en-US" altLang="ja-JP" dirty="0" smtClean="0"/>
+              <a:t>C#</a:t>
+            </a:r>
+            <a:r>
+              <a:rPr kumimoji="1" lang="ja-JP" altLang="en-US" dirty="0" smtClean="0"/>
+              <a:t>では </a:t>
+            </a:r>
+            <a:r>
+              <a:rPr kumimoji="1" lang="en-US" altLang="ja-JP" dirty="0" err="1" smtClean="0"/>
+              <a:t>INotifyPropertyChanged</a:t>
+            </a:r>
+            <a:r>
+              <a:rPr kumimoji="1" lang="en-US" altLang="ja-JP" dirty="0" smtClean="0"/>
+              <a:t> </a:t>
+            </a:r>
+            <a:r>
+              <a:rPr kumimoji="1" lang="ja-JP" altLang="en-US" dirty="0" smtClean="0"/>
+              <a:t>使う習慣がある</a:t>
+            </a:r>
+            <a:endParaRPr kumimoji="1" lang="en-US" altLang="ja-JP" dirty="0" smtClean="0"/>
+          </a:p>
+          <a:p>
+            <a:r>
+              <a:rPr lang="ja-JP" altLang="en-US" dirty="0" smtClean="0"/>
+              <a:t>このパターン守れないと</a:t>
+            </a:r>
+            <a:endParaRPr lang="en-US" altLang="ja-JP" dirty="0" smtClean="0"/>
+          </a:p>
+          <a:p>
+            <a:pPr lvl="1"/>
+            <a:r>
+              <a:rPr kumimoji="1" lang="ja-JP" altLang="en-US" dirty="0" smtClean="0"/>
+              <a:t>だいたいスパゲッティ化</a:t>
+            </a:r>
+            <a:endParaRPr kumimoji="1" lang="en-US" altLang="ja-JP" dirty="0" smtClean="0"/>
+          </a:p>
+          <a:p>
+            <a:pPr lvl="1"/>
+            <a:r>
+              <a:rPr lang="en-US" altLang="ja-JP" dirty="0"/>
+              <a:t>1</a:t>
+            </a:r>
+            <a:r>
+              <a:rPr lang="ja-JP" altLang="en-US" dirty="0"/>
+              <a:t>か</a:t>
+            </a:r>
+            <a:r>
+              <a:rPr lang="ja-JP" altLang="en-US" dirty="0" smtClean="0"/>
+              <a:t>所</a:t>
+            </a:r>
+            <a:r>
+              <a:rPr lang="ja-JP" altLang="en-US" dirty="0"/>
+              <a:t>更新</a:t>
+            </a:r>
+            <a:r>
+              <a:rPr lang="ja-JP" altLang="en-US" dirty="0" smtClean="0"/>
+              <a:t>でいいはずがページ全体更新とかになりがち。重たい</a:t>
+            </a:r>
+            <a:endParaRPr kumimoji="1" lang="ja-JP" altLang="en-US" dirty="0"/>
+          </a:p>
+        </p:txBody>
+      </p:sp>
+    </p:spTree>
+    <p:extLst>
+      <p:ext uri="{BB962C8B-B14F-4D97-AF65-F5344CB8AC3E}">
+        <p14:creationId xmlns:p14="http://schemas.microsoft.com/office/powerpoint/2010/main" val="2484350710"/>
+      </p:ext>
+    </p:extLst>
+  </p:cSld>
+  <p:clrMapOvr>
+    <a:masterClrMapping/>
+  </p:clrMapOvr>
+</p:sld>
+</file>
+
+<file path=ppt/slides/slide69.xml><?xml version="1.0" encoding="utf-8"?>
+<p:sld xmlns:a="http://schemas.openxmlformats.org/drawingml/2006/main" xmlns:r="http://schemas.openxmlformats.org/officeDocument/2006/relationships" xmlns:p="http://schemas.openxmlformats.org/presentationml/2006/main">
+  <p:cSld>
+    <p:spTree>
+      <p:nvGrpSpPr>
+        <p:cNvPr id="1" name=""/>
+        <p:cNvGrpSpPr/>
+        <p:nvPr/>
+      </p:nvGrpSpPr>
+      <p:grpSpPr>
+        <a:xfrm>
+          <a:off x="0" y="0"/>
+          <a:ext cx="0" cy="0"/>
+          <a:chOff x="0" y="0"/>
+          <a:chExt cx="0" cy="0"/>
+        </a:xfrm>
+      </p:grpSpPr>
+      <p:sp>
+        <p:nvSpPr>
+          <p:cNvPr id="2" name="タイトル 1"/>
+          <p:cNvSpPr>
+            <a:spLocks noGrp="1"/>
+          </p:cNvSpPr>
+          <p:nvPr>
+            <p:ph type="title"/>
+          </p:nvPr>
+        </p:nvSpPr>
+        <p:spPr/>
+        <p:txBody>
+          <a:bodyPr/>
+          <a:lstStyle/>
+          <a:p>
+            <a:endParaRPr kumimoji="1" lang="ja-JP" altLang="en-US"/>
+          </a:p>
+        </p:txBody>
+      </p:sp>
+      <p:sp>
+        <p:nvSpPr>
+          <p:cNvPr id="3" name="コンテンツ プレースホルダー 2"/>
+          <p:cNvSpPr>
+            <a:spLocks noGrp="1"/>
+          </p:cNvSpPr>
+          <p:nvPr>
+            <p:ph idx="1"/>
+          </p:nvPr>
+        </p:nvSpPr>
+        <p:spPr/>
+        <p:txBody>
+          <a:bodyPr/>
+          <a:lstStyle/>
+          <a:p>
+            <a:r>
+              <a:rPr kumimoji="1" lang="ja-JP" altLang="en-US" dirty="0" smtClean="0"/>
+              <a:t>ビューと、ビューに表示したいデータの分離</a:t>
+            </a:r>
+            <a:endParaRPr kumimoji="1" lang="en-US" altLang="ja-JP" dirty="0" smtClean="0"/>
+          </a:p>
+          <a:p>
+            <a:pPr lvl="1"/>
+            <a:r>
+              <a:rPr lang="ja-JP" altLang="en-US" dirty="0"/>
+              <a:t>ナビゲーション</a:t>
+            </a:r>
+            <a:r>
+              <a:rPr lang="ja-JP" altLang="en-US" dirty="0" smtClean="0"/>
+              <a:t>での「戻る」での復元</a:t>
+            </a:r>
+            <a:endParaRPr lang="en-US" altLang="ja-JP" dirty="0" smtClean="0"/>
+          </a:p>
+          <a:p>
+            <a:pPr lvl="1"/>
+            <a:r>
+              <a:rPr kumimoji="1" lang="ja-JP" altLang="en-US" dirty="0" smtClean="0"/>
+              <a:t>後述する仮想化</a:t>
+            </a:r>
+            <a:endParaRPr kumimoji="1" lang="en-US" altLang="ja-JP" dirty="0" smtClean="0"/>
+          </a:p>
+          <a:p>
+            <a:r>
+              <a:rPr lang="ja-JP" altLang="en-US" dirty="0" smtClean="0"/>
+              <a:t>データ バインディング</a:t>
+            </a:r>
+            <a:endParaRPr lang="en-US" altLang="ja-JP" dirty="0" smtClean="0"/>
+          </a:p>
+          <a:p>
+            <a:pPr lvl="1"/>
+            <a:r>
+              <a:rPr lang="en-US" altLang="ja-JP" dirty="0" smtClean="0"/>
+              <a:t>Silverlight</a:t>
+            </a:r>
+            <a:r>
+              <a:rPr lang="ja-JP" altLang="en-US" dirty="0" smtClean="0"/>
+              <a:t>とかではリフレクションだらけなんだけど</a:t>
+            </a:r>
+            <a:endParaRPr lang="en-US" altLang="ja-JP" dirty="0" smtClean="0"/>
+          </a:p>
+          <a:p>
+            <a:pPr lvl="1"/>
+            <a:r>
+              <a:rPr kumimoji="1" lang="en-US" altLang="ja-JP" dirty="0" smtClean="0"/>
+              <a:t>iOS</a:t>
+            </a:r>
+            <a:r>
+              <a:rPr kumimoji="1" lang="ja-JP" altLang="en-US" dirty="0" smtClean="0"/>
+              <a:t>向けに、コード生成</a:t>
+            </a:r>
+            <a:r>
+              <a:rPr kumimoji="1" lang="en-US" altLang="ja-JP" dirty="0" smtClean="0"/>
+              <a:t>(Unity</a:t>
+            </a:r>
+            <a:r>
+              <a:rPr kumimoji="1" lang="ja-JP" altLang="en-US" dirty="0" smtClean="0"/>
+              <a:t>エディター拡張</a:t>
+            </a:r>
+            <a:r>
+              <a:rPr kumimoji="1" lang="en-US" altLang="ja-JP" dirty="0" smtClean="0"/>
+              <a:t>)</a:t>
+            </a:r>
+            <a:r>
+              <a:rPr kumimoji="1" lang="ja-JP" altLang="en-US" dirty="0" smtClean="0"/>
+              <a:t>でやってる</a:t>
+            </a:r>
+            <a:endParaRPr kumimoji="1" lang="ja-JP" altLang="en-US" dirty="0"/>
+          </a:p>
+        </p:txBody>
+      </p:sp>
+    </p:spTree>
+    <p:extLst>
+      <p:ext uri="{BB962C8B-B14F-4D97-AF65-F5344CB8AC3E}">
+        <p14:creationId xmlns:p14="http://schemas.microsoft.com/office/powerpoint/2010/main" val="3771722338"/>
+      </p:ext>
+    </p:extLst>
+  </p:cSld>
+  <p:clrMapOvr>
+    <a:masterClrMapping/>
+  </p:clrMapOvr>
+</p:sld>
+</file>
+
+<file path=ppt/slides/slide7.xml><?xml version="1.0" encoding="utf-8"?>
+<p:sld xmlns:a="http://schemas.openxmlformats.org/drawingml/2006/main" xmlns:r="http://schemas.openxmlformats.org/officeDocument/2006/relationships" xmlns:p="http://schemas.openxmlformats.org/presentationml/2006/main">
+  <p:cSld>
+    <p:spTree>
+      <p:nvGrpSpPr>
+        <p:cNvPr id="1" name=""/>
+        <p:cNvGrpSpPr/>
+        <p:nvPr/>
+      </p:nvGrpSpPr>
+      <p:grpSpPr>
+        <a:xfrm>
+          <a:off x="0" y="0"/>
+          <a:ext cx="0" cy="0"/>
+          <a:chOff x="0" y="0"/>
+          <a:chExt cx="0" cy="0"/>
+        </a:xfrm>
+      </p:grpSpPr>
+      <p:sp>
+        <p:nvSpPr>
+          <p:cNvPr id="2" name="タイトル 1"/>
+          <p:cNvSpPr>
+            <a:spLocks noGrp="1"/>
+          </p:cNvSpPr>
+          <p:nvPr>
+            <p:ph type="title"/>
+          </p:nvPr>
+        </p:nvSpPr>
+        <p:spPr/>
+        <p:txBody>
+          <a:bodyPr/>
+          <a:lstStyle/>
+          <a:p>
+            <a:r>
+              <a:rPr kumimoji="1" lang="ja-JP" altLang="en-US" dirty="0" smtClean="0"/>
+              <a:t>こんな要件がありました</a:t>
+            </a:r>
+            <a:endParaRPr kumimoji="1" lang="ja-JP" altLang="en-US" dirty="0"/>
+          </a:p>
+        </p:txBody>
+      </p:sp>
+      <p:sp>
+        <p:nvSpPr>
+          <p:cNvPr id="3" name="コンテンツ プレースホルダー 2"/>
+          <p:cNvSpPr>
+            <a:spLocks noGrp="1"/>
+          </p:cNvSpPr>
+          <p:nvPr>
+            <p:ph idx="1"/>
+          </p:nvPr>
+        </p:nvSpPr>
+        <p:spPr/>
+        <p:txBody>
+          <a:bodyPr/>
+          <a:lstStyle/>
+          <a:p>
+            <a:r>
+              <a:rPr kumimoji="1" lang="ja-JP" altLang="en-US" dirty="0" smtClean="0"/>
+              <a:t>一覧書く</a:t>
+            </a:r>
+            <a:endParaRPr kumimoji="1" lang="ja-JP" altLang="en-US" dirty="0"/>
+          </a:p>
+        </p:txBody>
+      </p:sp>
+    </p:spTree>
+    <p:extLst>
+      <p:ext uri="{BB962C8B-B14F-4D97-AF65-F5344CB8AC3E}">
+        <p14:creationId xmlns:p14="http://schemas.microsoft.com/office/powerpoint/2010/main" val="2305520882"/>
+      </p:ext>
+    </p:extLst>
+  </p:cSld>
+  <p:clrMapOvr>
+    <a:masterClrMapping/>
+  </p:clrMapOvr>
+</p:sld>
+</file>
+
+<file path=ppt/slides/slide70.xml><?xml version="1.0" encoding="utf-8"?>
+<p:sld xmlns:a="http://schemas.openxmlformats.org/drawingml/2006/main" xmlns:r="http://schemas.openxmlformats.org/officeDocument/2006/relationships" xmlns:p="http://schemas.openxmlformats.org/presentationml/2006/main">
+  <p:cSld>
+    <p:spTree>
+      <p:nvGrpSpPr>
+        <p:cNvPr id="1" name=""/>
+        <p:cNvGrpSpPr/>
+        <p:nvPr/>
+      </p:nvGrpSpPr>
+      <p:grpSpPr>
+        <a:xfrm>
+          <a:off x="0" y="0"/>
+          <a:ext cx="0" cy="0"/>
+          <a:chOff x="0" y="0"/>
+          <a:chExt cx="0" cy="0"/>
+        </a:xfrm>
+      </p:grpSpPr>
+      <p:sp>
+        <p:nvSpPr>
+          <p:cNvPr id="2" name="タイトル 1"/>
+          <p:cNvSpPr>
+            <a:spLocks noGrp="1"/>
+          </p:cNvSpPr>
+          <p:nvPr>
+            <p:ph type="title"/>
+          </p:nvPr>
+        </p:nvSpPr>
+        <p:spPr/>
+        <p:txBody>
+          <a:bodyPr/>
+          <a:lstStyle/>
+          <a:p>
+            <a:endParaRPr kumimoji="1" lang="ja-JP" altLang="en-US"/>
+          </a:p>
+        </p:txBody>
+      </p:sp>
+      <p:sp>
+        <p:nvSpPr>
+          <p:cNvPr id="3" name="コンテンツ プレースホルダー 2"/>
+          <p:cNvSpPr>
+            <a:spLocks noGrp="1"/>
+          </p:cNvSpPr>
+          <p:nvPr>
+            <p:ph idx="1"/>
+          </p:nvPr>
+        </p:nvSpPr>
+        <p:spPr/>
+        <p:txBody>
+          <a:bodyPr/>
+          <a:lstStyle/>
+          <a:p>
+            <a:r>
+              <a:rPr kumimoji="1" lang="en-US" altLang="ja-JP" dirty="0" err="1" smtClean="0"/>
+              <a:t>ContentControl</a:t>
+            </a:r>
+            <a:r>
+              <a:rPr kumimoji="1" lang="en-US" altLang="ja-JP" dirty="0" smtClean="0"/>
+              <a:t>,</a:t>
+            </a:r>
+            <a:r>
+              <a:rPr kumimoji="1" lang="ja-JP" altLang="en-US" dirty="0" smtClean="0"/>
+              <a:t> </a:t>
+            </a:r>
+            <a:r>
+              <a:rPr kumimoji="1" lang="en-US" altLang="ja-JP" dirty="0" err="1" smtClean="0"/>
+              <a:t>ItemsControl</a:t>
+            </a:r>
+            <a:endParaRPr kumimoji="1" lang="en-US" altLang="ja-JP" dirty="0" smtClean="0"/>
+          </a:p>
+          <a:p>
+            <a:r>
+              <a:rPr lang="ja-JP" altLang="en-US" dirty="0" smtClean="0"/>
+              <a:t>たいていの</a:t>
+            </a:r>
+            <a:r>
+              <a:rPr lang="en-US" altLang="ja-JP" dirty="0" smtClean="0"/>
+              <a:t>UI</a:t>
+            </a:r>
+            <a:r>
+              <a:rPr lang="ja-JP" altLang="en-US" dirty="0" smtClean="0"/>
+              <a:t>は、</a:t>
+            </a:r>
+            <a:endParaRPr lang="en-US" altLang="ja-JP" dirty="0" smtClean="0"/>
+          </a:p>
+          <a:p>
+            <a:pPr lvl="1"/>
+            <a:r>
+              <a:rPr kumimoji="1" lang="ja-JP" altLang="en-US" dirty="0" smtClean="0"/>
+              <a:t>「このデータ型に対して、このプレハブを作りたい」みたいな要件ばっかり</a:t>
+            </a:r>
+            <a:endParaRPr kumimoji="1" lang="en-US" altLang="ja-JP" dirty="0" smtClean="0"/>
+          </a:p>
+          <a:p>
+            <a:pPr lvl="1"/>
+            <a:r>
+              <a:rPr lang="en-US" altLang="ja-JP" dirty="0" smtClean="0"/>
+              <a:t>Unity</a:t>
+            </a:r>
+            <a:r>
+              <a:rPr lang="ja-JP" altLang="en-US" dirty="0" smtClean="0"/>
+              <a:t>インスペクターでプレハブを刺しとく</a:t>
+            </a:r>
+            <a:endParaRPr lang="en-US" altLang="ja-JP" dirty="0" smtClean="0"/>
+          </a:p>
+          <a:p>
+            <a:pPr lvl="1"/>
+            <a:r>
+              <a:rPr kumimoji="1" lang="en-US" altLang="ja-JP" dirty="0" smtClean="0"/>
+              <a:t>1</a:t>
+            </a:r>
+            <a:r>
+              <a:rPr kumimoji="1" lang="ja-JP" altLang="en-US" dirty="0" smtClean="0"/>
+              <a:t>要素</a:t>
+            </a:r>
+            <a:r>
+              <a:rPr kumimoji="1" lang="ja-JP" altLang="en-US" dirty="0"/>
+              <a:t>版</a:t>
+            </a:r>
+            <a:r>
+              <a:rPr kumimoji="1" lang="ja-JP" altLang="en-US" dirty="0" smtClean="0"/>
+              <a:t>が</a:t>
+            </a:r>
+            <a:r>
+              <a:rPr kumimoji="1" lang="en-US" altLang="ja-JP" dirty="0" smtClean="0"/>
+              <a:t>Content</a:t>
+            </a:r>
+            <a:r>
+              <a:rPr kumimoji="1" lang="ja-JP" altLang="en-US" dirty="0" err="1" smtClean="0"/>
+              <a:t>、</a:t>
+            </a:r>
+            <a:r>
+              <a:rPr kumimoji="1" lang="ja-JP" altLang="en-US" dirty="0" smtClean="0"/>
+              <a:t>リスト版が</a:t>
+            </a:r>
+            <a:r>
+              <a:rPr kumimoji="1" lang="en-US" altLang="ja-JP" dirty="0" smtClean="0"/>
+              <a:t>Items</a:t>
+            </a:r>
+            <a:endParaRPr kumimoji="1" lang="ja-JP" altLang="en-US" dirty="0"/>
+          </a:p>
+        </p:txBody>
+      </p:sp>
+    </p:spTree>
+    <p:extLst>
+      <p:ext uri="{BB962C8B-B14F-4D97-AF65-F5344CB8AC3E}">
+        <p14:creationId xmlns:p14="http://schemas.microsoft.com/office/powerpoint/2010/main" val="16942979"/>
+      </p:ext>
+    </p:extLst>
+  </p:cSld>
+  <p:clrMapOvr>
+    <a:masterClrMapping/>
+  </p:clrMapOvr>
+</p:sld>
+</file>
+
+<file path=ppt/slides/slide71.xml><?xml version="1.0" encoding="utf-8"?>
+<p:sld xmlns:a="http://schemas.openxmlformats.org/drawingml/2006/main" xmlns:r="http://schemas.openxmlformats.org/officeDocument/2006/relationships" xmlns:p="http://schemas.openxmlformats.org/presentationml/2006/main">
+  <p:cSld>
+    <p:spTree>
+      <p:nvGrpSpPr>
+        <p:cNvPr id="1" name=""/>
+        <p:cNvGrpSpPr/>
+        <p:nvPr/>
+      </p:nvGrpSpPr>
+      <p:grpSpPr>
+        <a:xfrm>
+          <a:off x="0" y="0"/>
+          <a:ext cx="0" cy="0"/>
+          <a:chOff x="0" y="0"/>
+          <a:chExt cx="0" cy="0"/>
+        </a:xfrm>
+      </p:grpSpPr>
+      <p:sp>
+        <p:nvSpPr>
+          <p:cNvPr id="2" name="タイトル 1"/>
+          <p:cNvSpPr>
+            <a:spLocks noGrp="1"/>
+          </p:cNvSpPr>
+          <p:nvPr>
+            <p:ph type="title"/>
+          </p:nvPr>
+        </p:nvSpPr>
+        <p:spPr/>
+        <p:txBody>
+          <a:bodyPr/>
+          <a:lstStyle/>
+          <a:p>
+            <a:endParaRPr kumimoji="1" lang="ja-JP" altLang="en-US"/>
+          </a:p>
+        </p:txBody>
+      </p:sp>
+      <p:sp>
+        <p:nvSpPr>
+          <p:cNvPr id="3" name="コンテンツ プレースホルダー 2"/>
+          <p:cNvSpPr>
+            <a:spLocks noGrp="1"/>
+          </p:cNvSpPr>
+          <p:nvPr>
+            <p:ph idx="1"/>
+          </p:nvPr>
+        </p:nvSpPr>
+        <p:spPr/>
+        <p:txBody>
+          <a:bodyPr/>
+          <a:lstStyle/>
+          <a:p>
+            <a:r>
+              <a:rPr kumimoji="1" lang="ja-JP" altLang="en-US" dirty="0" smtClean="0"/>
+              <a:t>仮想化</a:t>
+            </a:r>
+            <a:endParaRPr kumimoji="1" lang="en-US" altLang="ja-JP" dirty="0" smtClean="0"/>
+          </a:p>
+          <a:p>
+            <a:pPr lvl="1"/>
+            <a:r>
+              <a:rPr lang="ja-JP" altLang="en-US" dirty="0" smtClean="0"/>
+              <a:t>リストのうちの、画面に見えてる範囲だけ、プレハブを</a:t>
+            </a:r>
+            <a:r>
+              <a:rPr lang="en-US" altLang="ja-JP" dirty="0" smtClean="0"/>
+              <a:t>Instantiate</a:t>
+            </a:r>
+          </a:p>
+          <a:p>
+            <a:pPr lvl="1"/>
+            <a:r>
+              <a:rPr kumimoji="1" lang="ja-JP" altLang="en-US" dirty="0"/>
+              <a:t>残</a:t>
+            </a:r>
+            <a:r>
+              <a:rPr kumimoji="1" lang="ja-JP" altLang="en-US" dirty="0" smtClean="0"/>
+              <a:t>りは作らない、隠れたら消す</a:t>
+            </a:r>
+            <a:endParaRPr kumimoji="1" lang="en-US" altLang="ja-JP" dirty="0" smtClean="0"/>
+          </a:p>
+          <a:p>
+            <a:pPr lvl="1"/>
+            <a:r>
+              <a:rPr lang="ja-JP" altLang="en-US" dirty="0" smtClean="0"/>
+              <a:t>データ分離してないとできない。ビューにデータ持ってても消える・上書きされる</a:t>
+            </a:r>
+            <a:endParaRPr lang="en-US" altLang="ja-JP" dirty="0" smtClean="0"/>
+          </a:p>
+          <a:p>
+            <a:r>
+              <a:rPr kumimoji="1" lang="ja-JP" altLang="en-US" dirty="0" smtClean="0"/>
+              <a:t>これやらないと</a:t>
+            </a:r>
+            <a:endParaRPr kumimoji="1" lang="en-US" altLang="ja-JP" dirty="0" smtClean="0"/>
+          </a:p>
+          <a:p>
+            <a:pPr lvl="1"/>
+            <a:r>
+              <a:rPr lang="ja-JP" altLang="en-US" dirty="0" smtClean="0"/>
+              <a:t>「アイテムは</a:t>
+            </a:r>
+            <a:r>
+              <a:rPr lang="en-US" altLang="ja-JP" dirty="0" smtClean="0"/>
+              <a:t>100</a:t>
+            </a:r>
+            <a:r>
+              <a:rPr lang="ja-JP" altLang="en-US" dirty="0" smtClean="0"/>
+              <a:t>個までしか持てません。でないと一覧画面に入るのに</a:t>
+            </a:r>
+            <a:r>
+              <a:rPr lang="en-US" altLang="ja-JP" dirty="0" smtClean="0"/>
+              <a:t>2</a:t>
+            </a:r>
+            <a:r>
+              <a:rPr lang="ja-JP" altLang="en-US" dirty="0" smtClean="0"/>
+              <a:t>秒かかるし、スクロールが重たすぎてプレイに支障出ます」みたいなゲームになる</a:t>
+            </a:r>
+            <a:endParaRPr lang="en-US" altLang="ja-JP" dirty="0" smtClean="0"/>
+          </a:p>
+          <a:p>
+            <a:pPr lvl="1"/>
+            <a:r>
+              <a:rPr kumimoji="1" lang="ja-JP" altLang="en-US" dirty="0" smtClean="0"/>
+              <a:t>実際、表示都合で個数制限かかってるゲーム結構ある</a:t>
+            </a:r>
+            <a:endParaRPr kumimoji="1" lang="ja-JP" altLang="en-US" dirty="0"/>
+          </a:p>
+        </p:txBody>
+      </p:sp>
+    </p:spTree>
+    <p:extLst>
+      <p:ext uri="{BB962C8B-B14F-4D97-AF65-F5344CB8AC3E}">
+        <p14:creationId xmlns:p14="http://schemas.microsoft.com/office/powerpoint/2010/main" val="3187862995"/>
+      </p:ext>
+    </p:extLst>
+  </p:cSld>
+  <p:clrMapOvr>
+    <a:masterClrMapping/>
+  </p:clrMapOvr>
+</p:sld>
+</file>
+
+<file path=ppt/slides/slide72.xml><?xml version="1.0" encoding="utf-8"?>
+<p:sld xmlns:a="http://schemas.openxmlformats.org/drawingml/2006/main" xmlns:r="http://schemas.openxmlformats.org/officeDocument/2006/relationships" xmlns:p="http://schemas.openxmlformats.org/presentationml/2006/main">
+  <p:cSld>
+    <p:spTree>
+      <p:nvGrpSpPr>
+        <p:cNvPr id="1" name=""/>
+        <p:cNvGrpSpPr/>
+        <p:nvPr/>
+      </p:nvGrpSpPr>
+      <p:grpSpPr>
+        <a:xfrm>
+          <a:off x="0" y="0"/>
+          <a:ext cx="0" cy="0"/>
+          <a:chOff x="0" y="0"/>
+          <a:chExt cx="0" cy="0"/>
+        </a:xfrm>
+      </p:grpSpPr>
+      <p:sp>
+        <p:nvSpPr>
+          <p:cNvPr id="2" name="タイトル 1"/>
+          <p:cNvSpPr>
+            <a:spLocks noGrp="1"/>
+          </p:cNvSpPr>
+          <p:nvPr>
+            <p:ph type="title"/>
+          </p:nvPr>
+        </p:nvSpPr>
+        <p:spPr/>
+        <p:txBody>
+          <a:bodyPr/>
+          <a:lstStyle/>
+          <a:p>
             <a:r>
               <a:rPr kumimoji="1" lang="ja-JP" altLang="en-US" dirty="0" smtClean="0"/>
               <a:t>その他、全体的な反省点</a:t>
@@ -45421,7 +52429,7 @@
 </p:sld>
 </file>
 
-<file path=ppt/slides/slide68.xml><?xml version="1.0" encoding="utf-8"?>
+<file path=ppt/slides/slide73.xml><?xml version="1.0" encoding="utf-8"?>
 <p:sld xmlns:a="http://schemas.openxmlformats.org/drawingml/2006/main" xmlns:r="http://schemas.openxmlformats.org/officeDocument/2006/relationships" xmlns:p="http://schemas.openxmlformats.org/presentationml/2006/main">
   <p:cSld>
     <p:spTree>
@@ -45520,7 +52528,7 @@
 </p:sld>
 </file>
 
-<file path=ppt/slides/slide69.xml><?xml version="1.0" encoding="utf-8"?>
+<file path=ppt/slides/slide74.xml><?xml version="1.0" encoding="utf-8"?>
 <p:sld xmlns:a="http://schemas.openxmlformats.org/drawingml/2006/main" xmlns:r="http://schemas.openxmlformats.org/officeDocument/2006/relationships" xmlns:p="http://schemas.openxmlformats.org/presentationml/2006/main">
   <p:cSld>
     <p:spTree>
@@ -45623,82 +52631,6 @@
       </p:par>
     </p:tnLst>
   </p:timing>
-</p:sld>
-</file>
-
-<file path=ppt/slides/slide7.xml><?xml version="1.0" encoding="utf-8"?>
-<p:sld xmlns:a="http://schemas.openxmlformats.org/drawingml/2006/main" xmlns:r="http://schemas.openxmlformats.org/officeDocument/2006/relationships" xmlns:p="http://schemas.openxmlformats.org/presentationml/2006/main">
-  <p:cSld>
-    <p:spTree>
-      <p:nvGrpSpPr>
-        <p:cNvPr id="1" name=""/>
-        <p:cNvGrpSpPr/>
-        <p:nvPr/>
-      </p:nvGrpSpPr>
-      <p:grpSpPr>
-        <a:xfrm>
-          <a:off x="0" y="0"/>
-          <a:ext cx="0" cy="0"/>
-          <a:chOff x="0" y="0"/>
-          <a:chExt cx="0" cy="0"/>
-        </a:xfrm>
-      </p:grpSpPr>
-      <p:sp>
-        <p:nvSpPr>
-          <p:cNvPr id="2" name="タイトル 1"/>
-          <p:cNvSpPr>
-            <a:spLocks noGrp="1"/>
-          </p:cNvSpPr>
-          <p:nvPr>
-            <p:ph type="title"/>
-          </p:nvPr>
-        </p:nvSpPr>
-        <p:spPr/>
-        <p:txBody>
-          <a:bodyPr/>
-          <a:lstStyle/>
-          <a:p>
-            <a:r>
-              <a:rPr kumimoji="1" lang="ja-JP" altLang="en-US" dirty="0" smtClean="0"/>
-              <a:t>こんな要件がありました</a:t>
-            </a:r>
-            <a:endParaRPr kumimoji="1" lang="ja-JP" altLang="en-US" dirty="0"/>
-          </a:p>
-        </p:txBody>
-      </p:sp>
-      <p:sp>
-        <p:nvSpPr>
-          <p:cNvPr id="3" name="コンテンツ プレースホルダー 2"/>
-          <p:cNvSpPr>
-            <a:spLocks noGrp="1"/>
-          </p:cNvSpPr>
-          <p:nvPr>
-            <p:ph idx="1"/>
-          </p:nvPr>
-        </p:nvSpPr>
-        <p:spPr/>
-        <p:txBody>
-          <a:bodyPr/>
-          <a:lstStyle/>
-          <a:p>
-            <a:r>
-              <a:rPr kumimoji="1" lang="ja-JP" altLang="en-US" dirty="0" smtClean="0"/>
-              <a:t>一覧書く</a:t>
-            </a:r>
-            <a:endParaRPr kumimoji="1" lang="ja-JP" altLang="en-US" dirty="0"/>
-          </a:p>
-        </p:txBody>
-      </p:sp>
-    </p:spTree>
-    <p:extLst>
-      <p:ext uri="{BB962C8B-B14F-4D97-AF65-F5344CB8AC3E}">
-        <p14:creationId xmlns:p14="http://schemas.microsoft.com/office/powerpoint/2010/main" val="2305520882"/>
-      </p:ext>
-    </p:extLst>
-  </p:cSld>
-  <p:clrMapOvr>
-    <a:masterClrMapping/>
-  </p:clrMapOvr>
 </p:sld>
 </file>
 

--- a/doc/自社フレームワーク.pptx
+++ b/doc/自社フレームワーク.pptx
@@ -5,7 +5,7 @@
     <p:sldMasterId id="2147483648" r:id="rId1"/>
   </p:sldMasterIdLst>
   <p:notesMasterIdLst>
-    <p:notesMasterId r:id="rId76"/>
+    <p:notesMasterId r:id="rId79"/>
   </p:notesMasterIdLst>
   <p:sldIdLst>
     <p:sldId id="256" r:id="rId2"/>
@@ -74,14 +74,17 @@
     <p:sldId id="295" r:id="rId65"/>
     <p:sldId id="348" r:id="rId66"/>
     <p:sldId id="284" r:id="rId67"/>
-    <p:sldId id="297" r:id="rId68"/>
-    <p:sldId id="298" r:id="rId69"/>
-    <p:sldId id="299" r:id="rId70"/>
-    <p:sldId id="300" r:id="rId71"/>
-    <p:sldId id="301" r:id="rId72"/>
-    <p:sldId id="260" r:id="rId73"/>
-    <p:sldId id="265" r:id="rId74"/>
-    <p:sldId id="304" r:id="rId75"/>
+    <p:sldId id="298" r:id="rId68"/>
+    <p:sldId id="299" r:id="rId69"/>
+    <p:sldId id="300" r:id="rId70"/>
+    <p:sldId id="301" r:id="rId71"/>
+    <p:sldId id="349" r:id="rId72"/>
+    <p:sldId id="350" r:id="rId73"/>
+    <p:sldId id="351" r:id="rId74"/>
+    <p:sldId id="352" r:id="rId75"/>
+    <p:sldId id="260" r:id="rId76"/>
+    <p:sldId id="265" r:id="rId77"/>
+    <p:sldId id="304" r:id="rId78"/>
   </p:sldIdLst>
   <p:sldSz cx="12192000" cy="6858000"/>
   <p:notesSz cx="6858000" cy="9144000"/>
@@ -283,11 +286,18 @@
           <p14:sldIdLst>
             <p14:sldId id="348"/>
             <p14:sldId id="284"/>
-            <p14:sldId id="297"/>
             <p14:sldId id="298"/>
             <p14:sldId id="299"/>
             <p14:sldId id="300"/>
             <p14:sldId id="301"/>
+            <p14:sldId id="349"/>
+          </p14:sldIdLst>
+        </p14:section>
+        <p14:section name="まとめ" id="{893C570C-64EC-427D-B970-77A0DD5DBC6A}">
+          <p14:sldIdLst>
+            <p14:sldId id="350"/>
+            <p14:sldId id="351"/>
+            <p14:sldId id="352"/>
           </p14:sldIdLst>
         </p14:section>
         <p14:section name="全体的に" id="{79FF4CA8-07C1-41BC-8EC8-CCE0D44055B9}">
@@ -1502,6 +1512,283 @@
     <p:extLst>
       <p:ext uri="{BB962C8B-B14F-4D97-AF65-F5344CB8AC3E}">
         <p14:creationId xmlns:p14="http://schemas.microsoft.com/office/powerpoint/2010/main" val="553689265"/>
+      </p:ext>
+    </p:extLst>
+  </p:cSld>
+  <p:clrMapOvr>
+    <a:masterClrMapping/>
+  </p:clrMapOvr>
+</p:notes>
+</file>
+
+<file path=ppt/notesSlides/notesSlide8.xml><?xml version="1.0" encoding="utf-8"?>
+<p:notes xmlns:a="http://schemas.openxmlformats.org/drawingml/2006/main" xmlns:r="http://schemas.openxmlformats.org/officeDocument/2006/relationships" xmlns:p="http://schemas.openxmlformats.org/presentationml/2006/main">
+  <p:cSld>
+    <p:spTree>
+      <p:nvGrpSpPr>
+        <p:cNvPr id="1" name=""/>
+        <p:cNvGrpSpPr/>
+        <p:nvPr/>
+      </p:nvGrpSpPr>
+      <p:grpSpPr>
+        <a:xfrm>
+          <a:off x="0" y="0"/>
+          <a:ext cx="0" cy="0"/>
+          <a:chOff x="0" y="0"/>
+          <a:chExt cx="0" cy="0"/>
+        </a:xfrm>
+      </p:grpSpPr>
+      <p:sp>
+        <p:nvSpPr>
+          <p:cNvPr id="2" name="スライド イメージ プレースホルダー 1"/>
+          <p:cNvSpPr>
+            <a:spLocks noGrp="1" noRot="1" noChangeAspect="1"/>
+          </p:cNvSpPr>
+          <p:nvPr>
+            <p:ph type="sldImg"/>
+          </p:nvPr>
+        </p:nvSpPr>
+        <p:spPr/>
+      </p:sp>
+      <p:sp>
+        <p:nvSpPr>
+          <p:cNvPr id="3" name="ノート プレースホルダー 2"/>
+          <p:cNvSpPr>
+            <a:spLocks noGrp="1"/>
+          </p:cNvSpPr>
+          <p:nvPr>
+            <p:ph type="body" idx="1"/>
+          </p:nvPr>
+        </p:nvSpPr>
+        <p:spPr/>
+        <p:txBody>
+          <a:bodyPr/>
+          <a:lstStyle/>
+          <a:p>
+            <a:pPr marL="0" marR="0" indent="0" algn="l" defTabSz="914400" rtl="0" eaLnBrk="1" fontAlgn="auto" latinLnBrk="0" hangingPunct="1">
+              <a:lnSpc>
+                <a:spcPct val="100000"/>
+              </a:lnSpc>
+              <a:spcBef>
+                <a:spcPts val="0"/>
+              </a:spcBef>
+              <a:spcAft>
+                <a:spcPts val="0"/>
+              </a:spcAft>
+              <a:buClrTx/>
+              <a:buSzTx/>
+              <a:buFontTx/>
+              <a:buNone/>
+              <a:tabLst/>
+              <a:defRPr/>
+            </a:pPr>
+            <a:r>
+              <a:rPr kumimoji="1" lang="ja-JP" altLang="en-US" dirty="0" smtClean="0"/>
+              <a:t>つまるところ、「</a:t>
+            </a:r>
+            <a:r>
+              <a:rPr kumimoji="1" lang="en-US" altLang="ja-JP" dirty="0" smtClean="0"/>
+              <a:t>C#</a:t>
+            </a:r>
+            <a:r>
+              <a:rPr kumimoji="1" lang="ja-JP" altLang="en-US" dirty="0" smtClean="0"/>
+              <a:t>でクロスプラットフォーム」ってこと以外に</a:t>
+            </a:r>
+            <a:r>
+              <a:rPr kumimoji="1" lang="en-US" altLang="ja-JP" dirty="0" smtClean="0"/>
+              <a:t>Unity</a:t>
+            </a:r>
+            <a:r>
+              <a:rPr kumimoji="1" lang="ja-JP" altLang="en-US" dirty="0" smtClean="0"/>
+              <a:t>使ってる利点もない。</a:t>
+            </a:r>
+            <a:endParaRPr kumimoji="1" lang="en-US" altLang="ja-JP" dirty="0" smtClean="0"/>
+          </a:p>
+          <a:p>
+            <a:pPr marL="0" marR="0" indent="0" algn="l" defTabSz="914400" rtl="0" eaLnBrk="1" fontAlgn="auto" latinLnBrk="0" hangingPunct="1">
+              <a:lnSpc>
+                <a:spcPct val="100000"/>
+              </a:lnSpc>
+              <a:spcBef>
+                <a:spcPts val="0"/>
+              </a:spcBef>
+              <a:spcAft>
+                <a:spcPts val="0"/>
+              </a:spcAft>
+              <a:buClrTx/>
+              <a:buSzTx/>
+              <a:buFontTx/>
+              <a:buNone/>
+              <a:tabLst/>
+              <a:defRPr/>
+            </a:pPr>
+            <a:r>
+              <a:rPr lang="ja-JP" altLang="en-US" dirty="0" smtClean="0"/>
+              <a:t>マップ表示だけかなぁ、ゲーム的な描画最適化頑張らないといけないの</a:t>
+            </a:r>
+            <a:endParaRPr kumimoji="1" lang="ja-JP" altLang="en-US" dirty="0" smtClean="0"/>
+          </a:p>
+        </p:txBody>
+      </p:sp>
+      <p:sp>
+        <p:nvSpPr>
+          <p:cNvPr id="4" name="スライド番号プレースホルダー 3"/>
+          <p:cNvSpPr>
+            <a:spLocks noGrp="1"/>
+          </p:cNvSpPr>
+          <p:nvPr>
+            <p:ph type="sldNum" sz="quarter" idx="10"/>
+          </p:nvPr>
+        </p:nvSpPr>
+        <p:spPr/>
+        <p:txBody>
+          <a:bodyPr/>
+          <a:lstStyle/>
+          <a:p>
+            <a:fld id="{D619E36E-B179-4345-A4D2-BA687ACFFD68}" type="slidenum">
+              <a:rPr kumimoji="1" lang="ja-JP" altLang="en-US" smtClean="0"/>
+              <a:t>66</a:t>
+            </a:fld>
+            <a:endParaRPr kumimoji="1" lang="ja-JP" altLang="en-US"/>
+          </a:p>
+        </p:txBody>
+      </p:sp>
+    </p:spTree>
+    <p:extLst>
+      <p:ext uri="{BB962C8B-B14F-4D97-AF65-F5344CB8AC3E}">
+        <p14:creationId xmlns:p14="http://schemas.microsoft.com/office/powerpoint/2010/main" val="2752193121"/>
+      </p:ext>
+    </p:extLst>
+  </p:cSld>
+  <p:clrMapOvr>
+    <a:masterClrMapping/>
+  </p:clrMapOvr>
+</p:notes>
+</file>
+
+<file path=ppt/notesSlides/notesSlide9.xml><?xml version="1.0" encoding="utf-8"?>
+<p:notes xmlns:a="http://schemas.openxmlformats.org/drawingml/2006/main" xmlns:r="http://schemas.openxmlformats.org/officeDocument/2006/relationships" xmlns:p="http://schemas.openxmlformats.org/presentationml/2006/main">
+  <p:cSld>
+    <p:spTree>
+      <p:nvGrpSpPr>
+        <p:cNvPr id="1" name=""/>
+        <p:cNvGrpSpPr/>
+        <p:nvPr/>
+      </p:nvGrpSpPr>
+      <p:grpSpPr>
+        <a:xfrm>
+          <a:off x="0" y="0"/>
+          <a:ext cx="0" cy="0"/>
+          <a:chOff x="0" y="0"/>
+          <a:chExt cx="0" cy="0"/>
+        </a:xfrm>
+      </p:grpSpPr>
+      <p:sp>
+        <p:nvSpPr>
+          <p:cNvPr id="2" name="スライド イメージ プレースホルダー 1"/>
+          <p:cNvSpPr>
+            <a:spLocks noGrp="1" noRot="1" noChangeAspect="1"/>
+          </p:cNvSpPr>
+          <p:nvPr>
+            <p:ph type="sldImg"/>
+          </p:nvPr>
+        </p:nvSpPr>
+        <p:spPr/>
+      </p:sp>
+      <p:sp>
+        <p:nvSpPr>
+          <p:cNvPr id="3" name="ノート プレースホルダー 2"/>
+          <p:cNvSpPr>
+            <a:spLocks noGrp="1"/>
+          </p:cNvSpPr>
+          <p:nvPr>
+            <p:ph type="body" idx="1"/>
+          </p:nvPr>
+        </p:nvSpPr>
+        <p:spPr/>
+        <p:txBody>
+          <a:bodyPr/>
+          <a:lstStyle/>
+          <a:p>
+            <a:pPr marL="0" marR="0" lvl="1" indent="0" algn="l" defTabSz="914400" rtl="0" eaLnBrk="1" fontAlgn="auto" latinLnBrk="0" hangingPunct="1">
+              <a:lnSpc>
+                <a:spcPct val="100000"/>
+              </a:lnSpc>
+              <a:spcBef>
+                <a:spcPts val="0"/>
+              </a:spcBef>
+              <a:spcAft>
+                <a:spcPts val="0"/>
+              </a:spcAft>
+              <a:buClrTx/>
+              <a:buSzTx/>
+              <a:buFontTx/>
+              <a:buNone/>
+              <a:tabLst/>
+              <a:defRPr/>
+            </a:pPr>
+            <a:r>
+              <a:rPr lang="ja-JP" altLang="en-US" dirty="0" smtClean="0"/>
+              <a:t>このパターン守れないと</a:t>
+            </a:r>
+            <a:r>
+              <a:rPr kumimoji="1" lang="ja-JP" altLang="en-US" dirty="0" smtClean="0"/>
+              <a:t>だいたいスパゲッティ コード化して大変</a:t>
+            </a:r>
+            <a:endParaRPr kumimoji="1" lang="en-US" altLang="ja-JP" dirty="0" smtClean="0"/>
+          </a:p>
+          <a:p>
+            <a:pPr marL="0" marR="0" indent="0" algn="l" defTabSz="914400" rtl="0" eaLnBrk="1" fontAlgn="auto" latinLnBrk="0" hangingPunct="1">
+              <a:lnSpc>
+                <a:spcPct val="100000"/>
+              </a:lnSpc>
+              <a:spcBef>
+                <a:spcPts val="0"/>
+              </a:spcBef>
+              <a:spcAft>
+                <a:spcPts val="0"/>
+              </a:spcAft>
+              <a:buClrTx/>
+              <a:buSzTx/>
+              <a:buFontTx/>
+              <a:buNone/>
+              <a:tabLst/>
+              <a:defRPr/>
+            </a:pPr>
+            <a:endParaRPr lang="en-US" altLang="ja-JP" dirty="0" smtClean="0"/>
+          </a:p>
+          <a:p>
+            <a:endParaRPr kumimoji="1" lang="ja-JP" altLang="en-US" dirty="0"/>
+          </a:p>
+        </p:txBody>
+      </p:sp>
+      <p:sp>
+        <p:nvSpPr>
+          <p:cNvPr id="4" name="スライド番号プレースホルダー 3"/>
+          <p:cNvSpPr>
+            <a:spLocks noGrp="1"/>
+          </p:cNvSpPr>
+          <p:nvPr>
+            <p:ph type="sldNum" sz="quarter" idx="10"/>
+          </p:nvPr>
+        </p:nvSpPr>
+        <p:spPr/>
+        <p:txBody>
+          <a:bodyPr/>
+          <a:lstStyle/>
+          <a:p>
+            <a:fld id="{D619E36E-B179-4345-A4D2-BA687ACFFD68}" type="slidenum">
+              <a:rPr kumimoji="1" lang="ja-JP" altLang="en-US" smtClean="0"/>
+              <a:t>67</a:t>
+            </a:fld>
+            <a:endParaRPr kumimoji="1" lang="ja-JP" altLang="en-US"/>
+          </a:p>
+        </p:txBody>
+      </p:sp>
+    </p:spTree>
+    <p:extLst>
+      <p:ext uri="{BB962C8B-B14F-4D97-AF65-F5344CB8AC3E}">
+        <p14:creationId xmlns:p14="http://schemas.microsoft.com/office/powerpoint/2010/main" val="918283181"/>
       </p:ext>
     </p:extLst>
   </p:cSld>
@@ -43509,6 +43796,13 @@
   <p:clrMapOvr>
     <a:masterClrMapping/>
   </p:clrMapOvr>
+  <p:timing>
+    <p:tnLst>
+      <p:par>
+        <p:cTn id="1" dur="indefinite" restart="never" nodeType="tmRoot"/>
+      </p:par>
+    </p:tnLst>
+  </p:timing>
 </p:sld>
 </file>
 
@@ -47715,11 +48009,11 @@
             <a:pPr lvl="1"/>
             <a:r>
               <a:rPr lang="en-US" altLang="ja-JP" dirty="0" smtClean="0"/>
-              <a:t>Inventory</a:t>
+              <a:t>Inventories</a:t>
             </a:r>
             <a:r>
               <a:rPr lang="ja-JP" altLang="en-US" dirty="0" smtClean="0"/>
-              <a:t>系クラス</a:t>
+              <a:t>ライブラリ</a:t>
             </a:r>
             <a:endParaRPr lang="en-US" altLang="ja-JP" dirty="0" smtClean="0"/>
           </a:p>
@@ -47903,22 +48197,22 @@
           <a:p>
             <a:pPr lvl="1"/>
             <a:r>
-              <a:rPr lang="en-US" altLang="ja-JP" dirty="0" smtClean="0">
+              <a:rPr lang="en-US" altLang="ja-JP" dirty="0">
                 <a:solidFill>
                   <a:schemeClr val="accent2"/>
                 </a:solidFill>
               </a:rPr>
-              <a:t>Inventory</a:t>
-            </a:r>
-            <a:r>
-              <a:rPr lang="ja-JP" altLang="en-US" dirty="0" smtClean="0">
+              <a:t>Inventories</a:t>
+            </a:r>
+            <a:r>
+              <a:rPr lang="ja-JP" altLang="en-US" dirty="0">
                 <a:solidFill>
                   <a:schemeClr val="accent2"/>
                 </a:solidFill>
               </a:rPr>
-              <a:t>系クラス</a:t>
-            </a:r>
-            <a:endParaRPr lang="en-US" altLang="ja-JP" dirty="0" smtClean="0">
+              <a:t>ライブラリ</a:t>
+            </a:r>
+            <a:endParaRPr lang="en-US" altLang="ja-JP" dirty="0">
               <a:solidFill>
                 <a:schemeClr val="accent2"/>
               </a:solidFill>
@@ -48764,14 +49058,14 @@
           <a:p>
             <a:pPr lvl="1"/>
             <a:r>
-              <a:rPr lang="en-US" altLang="ja-JP" dirty="0" smtClean="0"/>
-              <a:t>Inventory</a:t>
-            </a:r>
-            <a:r>
-              <a:rPr lang="ja-JP" altLang="en-US" dirty="0" smtClean="0"/>
-              <a:t>系クラス</a:t>
-            </a:r>
-            <a:endParaRPr lang="en-US" altLang="ja-JP" dirty="0" smtClean="0"/>
+              <a:rPr lang="en-US" altLang="ja-JP" dirty="0"/>
+              <a:t>Inventories</a:t>
+            </a:r>
+            <a:r>
+              <a:rPr lang="ja-JP" altLang="en-US" dirty="0"/>
+              <a:t>ライブラリ</a:t>
+            </a:r>
+            <a:endParaRPr lang="en-US" altLang="ja-JP" dirty="0"/>
           </a:p>
           <a:p>
             <a:pPr lvl="2"/>
@@ -49720,14 +50014,14 @@
           <a:p>
             <a:pPr lvl="1"/>
             <a:r>
-              <a:rPr lang="en-US" altLang="ja-JP" dirty="0" smtClean="0"/>
-              <a:t>Inventory</a:t>
-            </a:r>
-            <a:r>
-              <a:rPr lang="ja-JP" altLang="en-US" dirty="0" smtClean="0"/>
-              <a:t>系クラス</a:t>
-            </a:r>
-            <a:endParaRPr lang="en-US" altLang="ja-JP" dirty="0" smtClean="0"/>
+              <a:rPr lang="en-US" altLang="ja-JP" dirty="0"/>
+              <a:t>Inventories</a:t>
+            </a:r>
+            <a:r>
+              <a:rPr lang="ja-JP" altLang="en-US" dirty="0"/>
+              <a:t>ライブラリ</a:t>
+            </a:r>
+            <a:endParaRPr lang="en-US" altLang="ja-JP" dirty="0"/>
           </a:p>
           <a:p>
             <a:pPr lvl="2"/>
@@ -51245,10 +51539,10 @@
           <a:lstStyle/>
           <a:p>
             <a:r>
-              <a:rPr lang="ja-JP" altLang="en-US" smtClean="0"/>
+              <a:rPr lang="ja-JP" altLang="en-US" dirty="0" smtClean="0"/>
               <a:t>データ バインディング</a:t>
             </a:r>
-            <a:endParaRPr kumimoji="1" lang="ja-JP" altLang="en-US"/>
+            <a:endParaRPr kumimoji="1" lang="ja-JP" altLang="en-US" dirty="0"/>
           </a:p>
         </p:txBody>
       </p:sp>
@@ -51267,7 +51561,49 @@
           <a:bodyPr/>
           <a:lstStyle/>
           <a:p>
-            <a:endParaRPr kumimoji="1" lang="ja-JP" altLang="en-US"/>
+            <a:r>
+              <a:rPr lang="en-US" altLang="ja-JP" dirty="0" smtClean="0"/>
+              <a:t>Binding-</a:t>
+            </a:r>
+            <a:r>
+              <a:rPr lang="en-US" altLang="ja-JP" dirty="0" err="1" smtClean="0"/>
+              <a:t>CodeGen</a:t>
+            </a:r>
+            <a:endParaRPr lang="en-US" altLang="ja-JP" dirty="0" smtClean="0"/>
+          </a:p>
+          <a:p>
+            <a:r>
+              <a:rPr lang="ja-JP" altLang="en-US" dirty="0" smtClean="0"/>
+              <a:t>ビューには「</a:t>
+            </a:r>
+            <a:r>
+              <a:rPr lang="en-US" altLang="ja-JP" dirty="0"/>
+              <a:t>UI</a:t>
+            </a:r>
+            <a:r>
+              <a:rPr lang="ja-JP" altLang="en-US" dirty="0"/>
+              <a:t>上のどこにどのデータを</a:t>
+            </a:r>
+            <a:r>
+              <a:rPr lang="ja-JP" altLang="en-US" dirty="0" smtClean="0"/>
+              <a:t>出したい」だけを記述</a:t>
+            </a:r>
+            <a:endParaRPr lang="en-US" altLang="ja-JP" dirty="0" smtClean="0"/>
+          </a:p>
+          <a:p>
+            <a:r>
+              <a:rPr kumimoji="1" lang="ja-JP" altLang="en-US" dirty="0" smtClean="0"/>
+              <a:t>データが更新されたら</a:t>
+            </a:r>
+            <a:r>
+              <a:rPr kumimoji="1" lang="en-US" altLang="ja-JP" dirty="0" smtClean="0"/>
+              <a:t>UI</a:t>
+            </a:r>
+            <a:r>
+              <a:rPr kumimoji="1" lang="ja-JP" altLang="en-US" dirty="0" smtClean="0"/>
+              <a:t>を自動更新</a:t>
+            </a:r>
+            <a:endParaRPr kumimoji="1" lang="ja-JP" altLang="en-US" dirty="0"/>
           </a:p>
         </p:txBody>
       </p:sp>
@@ -51323,7 +51659,15 @@
           <a:bodyPr/>
           <a:lstStyle/>
           <a:p>
-            <a:endParaRPr kumimoji="1" lang="ja-JP" altLang="en-US"/>
+            <a:r>
+              <a:rPr kumimoji="1" lang="en-US" altLang="ja-JP" dirty="0" smtClean="0"/>
+              <a:t>UI</a:t>
+            </a:r>
+            <a:r>
+              <a:rPr kumimoji="1" lang="ja-JP" altLang="en-US" dirty="0" smtClean="0"/>
+              <a:t>が多いゲーム</a:t>
+            </a:r>
+            <a:endParaRPr kumimoji="1" lang="ja-JP" altLang="en-US" dirty="0"/>
           </a:p>
         </p:txBody>
       </p:sp>
@@ -51344,7 +51688,11 @@
           <a:p>
             <a:r>
               <a:rPr kumimoji="1" lang="ja-JP" altLang="en-US" dirty="0" smtClean="0"/>
-              <a:t>当初説明した通り、作ってるゲームの性質的には</a:t>
+              <a:t>作ってる</a:t>
+            </a:r>
+            <a:r>
+              <a:rPr kumimoji="1" lang="ja-JP" altLang="en-US" dirty="0" smtClean="0"/>
+              <a:t>ゲームの性質的には</a:t>
             </a:r>
             <a:r>
               <a:rPr kumimoji="1" lang="en-US" altLang="ja-JP" dirty="0" smtClean="0"/>
@@ -51352,7 +51700,11 @@
             </a:r>
             <a:r>
               <a:rPr kumimoji="1" lang="ja-JP" altLang="en-US" dirty="0" smtClean="0"/>
-              <a:t>フレームワーク中心になるんだけど</a:t>
+              <a:t>フレームワーク</a:t>
+            </a:r>
+            <a:r>
+              <a:rPr kumimoji="1" lang="ja-JP" altLang="en-US" dirty="0" smtClean="0"/>
+              <a:t>中心</a:t>
             </a:r>
             <a:endParaRPr kumimoji="1" lang="en-US" altLang="ja-JP" dirty="0" smtClean="0"/>
           </a:p>
@@ -51364,19 +51716,7 @@
             </a:r>
             <a:r>
               <a:rPr kumimoji="1" lang="ja-JP" altLang="en-US" dirty="0" smtClean="0"/>
-              <a:t>とか物理エンジンとか</a:t>
-            </a:r>
-            <a:r>
-              <a:rPr kumimoji="1" lang="en-US" altLang="ja-JP" dirty="0" smtClean="0"/>
-              <a:t>object</a:t>
-            </a:r>
-            <a:r>
-              <a:rPr kumimoji="1" lang="ja-JP" altLang="en-US" dirty="0" smtClean="0"/>
-              <a:t> </a:t>
-            </a:r>
-            <a:r>
-              <a:rPr kumimoji="1" lang="en-US" altLang="ja-JP" dirty="0" smtClean="0"/>
-              <a:t>navigation</a:t>
+              <a:t>とか物理エンジン</a:t>
             </a:r>
             <a:r>
               <a:rPr kumimoji="1" lang="ja-JP" altLang="en-US" dirty="0" smtClean="0"/>
@@ -51395,8 +51735,16 @@
               <a:t>XAML</a:t>
             </a:r>
             <a:r>
+              <a:rPr lang="en-US" altLang="ja-JP" baseline="30000" dirty="0" smtClean="0"/>
+              <a:t>※</a:t>
+            </a:r>
+            <a:r>
               <a:rPr lang="ja-JP" altLang="en-US" dirty="0" smtClean="0"/>
-              <a:t>的機能がほしい</a:t>
+              <a:t>的</a:t>
+            </a:r>
+            <a:r>
+              <a:rPr lang="ja-JP" altLang="en-US" dirty="0" smtClean="0"/>
+              <a:t>機能がほしい</a:t>
             </a:r>
             <a:endParaRPr lang="en-US" altLang="ja-JP" dirty="0" smtClean="0"/>
           </a:p>
@@ -51434,6 +51782,224 @@
               <a:t>仮想化</a:t>
             </a:r>
             <a:endParaRPr kumimoji="1" lang="ja-JP" altLang="en-US" dirty="0"/>
+          </a:p>
+        </p:txBody>
+      </p:sp>
+      <p:sp>
+        <p:nvSpPr>
+          <p:cNvPr id="4" name="四角形吹き出し 3"/>
+          <p:cNvSpPr/>
+          <p:nvPr/>
+        </p:nvSpPr>
+        <p:spPr>
+          <a:xfrm>
+            <a:off x="4324172" y="3905428"/>
+            <a:ext cx="6204247" cy="1486968"/>
+          </a:xfrm>
+          <a:prstGeom prst="wedgeRectCallout">
+            <a:avLst>
+              <a:gd name="adj1" fmla="val -36122"/>
+              <a:gd name="adj2" fmla="val -70259"/>
+            </a:avLst>
+          </a:prstGeom>
+        </p:spPr>
+        <p:style>
+          <a:lnRef idx="2">
+            <a:schemeClr val="accent3"/>
+          </a:lnRef>
+          <a:fillRef idx="1">
+            <a:schemeClr val="lt1"/>
+          </a:fillRef>
+          <a:effectRef idx="0">
+            <a:schemeClr val="accent3"/>
+          </a:effectRef>
+          <a:fontRef idx="minor">
+            <a:schemeClr val="dk1"/>
+          </a:fontRef>
+        </p:style>
+        <p:txBody>
+          <a:bodyPr lIns="36000" tIns="36000" rIns="36000" bIns="36000" rtlCol="0" anchor="ctr"/>
+          <a:lstStyle/>
+          <a:p>
+            <a:pPr marL="285750" indent="-200025">
+              <a:buFont typeface="Arial" panose="020B0604020202020204" pitchFamily="34" charset="0"/>
+              <a:buChar char="•"/>
+            </a:pPr>
+            <a:r>
+              <a:rPr lang="ja-JP" altLang="en-US" dirty="0" smtClean="0"/>
+              <a:t>ゲームだからって常にゲーム フレームワークが最適じゃない</a:t>
+            </a:r>
+            <a:endParaRPr lang="en-US" altLang="ja-JP" dirty="0" smtClean="0"/>
+          </a:p>
+          <a:p>
+            <a:pPr marL="285750" indent="-200025">
+              <a:buFont typeface="Arial" panose="020B0604020202020204" pitchFamily="34" charset="0"/>
+              <a:buChar char="•"/>
+            </a:pPr>
+            <a:r>
+              <a:rPr lang="en-US" altLang="ja-JP" dirty="0" smtClean="0"/>
+              <a:t>UI</a:t>
+            </a:r>
+            <a:r>
+              <a:rPr lang="ja-JP" altLang="en-US" dirty="0"/>
+              <a:t>が得意なのは一般</a:t>
+            </a:r>
+            <a:r>
+              <a:rPr lang="en-US" altLang="ja-JP" dirty="0" smtClean="0"/>
+              <a:t>OS</a:t>
+            </a:r>
+          </a:p>
+          <a:p>
+            <a:pPr marL="285750" indent="-200025">
+              <a:buFont typeface="Arial" panose="020B0604020202020204" pitchFamily="34" charset="0"/>
+              <a:buChar char="•"/>
+            </a:pPr>
+            <a:r>
+              <a:rPr lang="ja-JP" altLang="en-US" dirty="0" smtClean="0"/>
+              <a:t>一般</a:t>
+            </a:r>
+            <a:r>
+              <a:rPr lang="en-US" altLang="ja-JP" dirty="0" smtClean="0"/>
+              <a:t>OS</a:t>
+            </a:r>
+            <a:r>
+              <a:rPr lang="ja-JP" altLang="en-US" dirty="0" smtClean="0"/>
+              <a:t>の</a:t>
+            </a:r>
+            <a:r>
+              <a:rPr lang="en-US" altLang="ja-JP" dirty="0" smtClean="0"/>
+              <a:t>UI</a:t>
+            </a:r>
+            <a:r>
+              <a:rPr lang="ja-JP" altLang="en-US" dirty="0" smtClean="0"/>
+              <a:t>フレームワークの上にゲーム描写を重ねたい</a:t>
+            </a:r>
+            <a:endParaRPr lang="ja-JP" altLang="en-US" dirty="0"/>
+          </a:p>
+          <a:p>
+            <a:pPr marL="742950" lvl="1" indent="-200025">
+              <a:buFont typeface="Arial" panose="020B0604020202020204" pitchFamily="34" charset="0"/>
+              <a:buChar char="•"/>
+            </a:pPr>
+            <a:r>
+              <a:rPr lang="ja-JP" altLang="en-US" dirty="0" smtClean="0"/>
+              <a:t>実際、</a:t>
+            </a:r>
+            <a:r>
+              <a:rPr lang="en-US" altLang="ja-JP" dirty="0" smtClean="0"/>
+              <a:t>Win8</a:t>
+            </a:r>
+            <a:r>
+              <a:rPr lang="ja-JP" altLang="en-US" dirty="0" smtClean="0"/>
+              <a:t>アプリは</a:t>
+            </a:r>
+            <a:r>
+              <a:rPr lang="en-US" altLang="ja-JP" dirty="0" smtClean="0"/>
+              <a:t>XAML </a:t>
+            </a:r>
+            <a:r>
+              <a:rPr lang="en-US" altLang="ja-JP" dirty="0"/>
+              <a:t>UI</a:t>
+            </a:r>
+            <a:r>
+              <a:rPr lang="ja-JP" altLang="en-US" dirty="0"/>
+              <a:t>の上に</a:t>
+            </a:r>
+            <a:r>
+              <a:rPr lang="en-US" altLang="ja-JP" dirty="0"/>
+              <a:t>Direct X</a:t>
+            </a:r>
+            <a:r>
+              <a:rPr lang="ja-JP" altLang="en-US" dirty="0" smtClean="0"/>
+              <a:t>サーフェスを重ねれる</a:t>
+            </a:r>
+            <a:endParaRPr kumimoji="1" lang="ja-JP" altLang="en-US" dirty="0" smtClean="0"/>
+          </a:p>
+        </p:txBody>
+      </p:sp>
+      <p:sp>
+        <p:nvSpPr>
+          <p:cNvPr id="5" name="テキスト ボックス 4"/>
+          <p:cNvSpPr txBox="1"/>
+          <p:nvPr/>
+        </p:nvSpPr>
+        <p:spPr>
+          <a:xfrm>
+            <a:off x="3063774" y="5838409"/>
+            <a:ext cx="8290026" cy="338554"/>
+          </a:xfrm>
+          <a:prstGeom prst="rect">
+            <a:avLst/>
+          </a:prstGeom>
+          <a:noFill/>
+        </p:spPr>
+        <p:txBody>
+          <a:bodyPr wrap="none" rtlCol="0">
+            <a:spAutoFit/>
+          </a:bodyPr>
+          <a:lstStyle/>
+          <a:p>
+            <a:r>
+              <a:rPr kumimoji="1" lang="en-US" altLang="ja-JP" sz="1600" baseline="30000" dirty="0" smtClean="0"/>
+              <a:t>※</a:t>
+            </a:r>
+            <a:r>
+              <a:rPr kumimoji="1" lang="ja-JP" altLang="en-US" sz="1600" dirty="0" smtClean="0"/>
+              <a:t> </a:t>
+            </a:r>
+            <a:r>
+              <a:rPr kumimoji="1" lang="en-US" altLang="ja-JP" sz="1600" dirty="0" smtClean="0"/>
+              <a:t>WPF(Windows</a:t>
+            </a:r>
+            <a:r>
+              <a:rPr kumimoji="1" lang="ja-JP" altLang="en-US" sz="1600" dirty="0" smtClean="0"/>
+              <a:t>デスクトップ</a:t>
+            </a:r>
+            <a:r>
+              <a:rPr kumimoji="1" lang="en-US" altLang="ja-JP" sz="1600" dirty="0" smtClean="0"/>
+              <a:t>)</a:t>
+            </a:r>
+            <a:r>
+              <a:rPr kumimoji="1" lang="ja-JP" altLang="en-US" sz="1600" dirty="0" err="1" smtClean="0"/>
+              <a:t>、</a:t>
+            </a:r>
+            <a:r>
+              <a:rPr kumimoji="1" lang="en-US" altLang="ja-JP" sz="1600" dirty="0" smtClean="0"/>
+              <a:t>Silverlight(Web</a:t>
+            </a:r>
+            <a:r>
+              <a:rPr kumimoji="1" lang="ja-JP" altLang="en-US" sz="1600" dirty="0" smtClean="0"/>
+              <a:t>プラグイン</a:t>
+            </a:r>
+            <a:r>
+              <a:rPr kumimoji="1" lang="en-US" altLang="ja-JP" sz="1600" dirty="0" smtClean="0"/>
+              <a:t>)</a:t>
+            </a:r>
+            <a:r>
+              <a:rPr kumimoji="1" lang="ja-JP" altLang="en-US" sz="1600" dirty="0" err="1" smtClean="0"/>
+              <a:t>、</a:t>
+            </a:r>
+            <a:r>
+              <a:rPr kumimoji="1" lang="en-US" altLang="ja-JP" sz="1600" dirty="0" err="1" smtClean="0"/>
+              <a:t>WinRT</a:t>
+            </a:r>
+            <a:r>
+              <a:rPr kumimoji="1" lang="en-US" altLang="ja-JP" sz="1600" dirty="0" smtClean="0"/>
+              <a:t>(Windows</a:t>
+            </a:r>
+            <a:r>
+              <a:rPr kumimoji="1" lang="ja-JP" altLang="en-US" sz="1600" dirty="0" smtClean="0"/>
+              <a:t>ストア アプリ</a:t>
+            </a:r>
+            <a:r>
+              <a:rPr kumimoji="1" lang="en-US" altLang="ja-JP" sz="1600" dirty="0" smtClean="0"/>
+              <a:t>)</a:t>
+            </a:r>
+            <a:r>
+              <a:rPr kumimoji="1" lang="ja-JP" altLang="en-US" sz="1600" dirty="0" smtClean="0"/>
+              <a:t>の系譜</a:t>
+            </a:r>
+            <a:endParaRPr kumimoji="1" lang="ja-JP" altLang="en-US" sz="1600" dirty="0"/>
           </a:p>
         </p:txBody>
       </p:sp>
@@ -51489,7 +52055,11 @@
           <a:bodyPr/>
           <a:lstStyle/>
           <a:p>
-            <a:endParaRPr kumimoji="1" lang="ja-JP" altLang="en-US"/>
+            <a:r>
+              <a:rPr kumimoji="1" lang="ja-JP" altLang="en-US" dirty="0" smtClean="0"/>
+              <a:t>データ バインディング</a:t>
+            </a:r>
+            <a:endParaRPr kumimoji="1" lang="ja-JP" altLang="en-US" dirty="0"/>
           </a:p>
         </p:txBody>
       </p:sp>
@@ -51510,125 +52080,783 @@
           <a:p>
             <a:r>
               <a:rPr kumimoji="1" lang="ja-JP" altLang="en-US" dirty="0" smtClean="0"/>
-              <a:t>ぶっちゃけていうと、</a:t>
+              <a:t>データ バインディング</a:t>
+            </a:r>
+            <a:endParaRPr kumimoji="1" lang="en-US" altLang="ja-JP" dirty="0" smtClean="0"/>
+          </a:p>
+          <a:p>
+            <a:pPr lvl="1"/>
+            <a:r>
+              <a:rPr kumimoji="1" lang="en-US" altLang="ja-JP" dirty="0" smtClean="0"/>
+              <a:t>UI</a:t>
+            </a:r>
+            <a:r>
+              <a:rPr kumimoji="1" lang="ja-JP" altLang="en-US" dirty="0" smtClean="0"/>
+              <a:t>系フレームワーク</a:t>
+            </a:r>
+            <a:r>
+              <a:rPr lang="ja-JP" altLang="en-US" dirty="0" smtClean="0"/>
+              <a:t>の要件</a:t>
             </a:r>
             <a:r>
               <a:rPr lang="en-US" altLang="ja-JP" dirty="0" smtClean="0"/>
-              <a:t>Silverlight</a:t>
-            </a:r>
-            <a:r>
-              <a:rPr lang="ja-JP" altLang="en-US" dirty="0" smtClean="0"/>
-              <a:t>がほしい</a:t>
-            </a:r>
-            <a:endParaRPr lang="en-US" altLang="ja-JP" dirty="0" smtClean="0"/>
-          </a:p>
-          <a:p>
-            <a:pPr lvl="1"/>
+              <a:t>:</a:t>
+            </a:r>
+          </a:p>
+          <a:p>
+            <a:pPr lvl="2"/>
+            <a:r>
+              <a:rPr kumimoji="1" lang="en-US" altLang="ja-JP" dirty="0" smtClean="0"/>
+              <a:t>UI</a:t>
+            </a:r>
             <a:r>
               <a:rPr kumimoji="1" lang="ja-JP" altLang="en-US" dirty="0" smtClean="0"/>
-              <a:t>「ゲームだからゲーム フレームワーク」と思うんじゃなくて</a:t>
+              <a:t>上のどこ</a:t>
+            </a:r>
+            <a:r>
+              <a:rPr kumimoji="1" lang="ja-JP" altLang="en-US" dirty="0" smtClean="0"/>
+              <a:t>にどのデータを</a:t>
+            </a:r>
+            <a:r>
+              <a:rPr kumimoji="1" lang="ja-JP" altLang="en-US" dirty="0" smtClean="0"/>
+              <a:t>出したい</a:t>
             </a:r>
             <a:endParaRPr kumimoji="1" lang="en-US" altLang="ja-JP" dirty="0" smtClean="0"/>
           </a:p>
           <a:p>
-            <a:pPr lvl="1"/>
-            <a:r>
-              <a:rPr lang="en-US" altLang="ja-JP" dirty="0" smtClean="0"/>
-              <a:t>UI</a:t>
-            </a:r>
-            <a:r>
-              <a:rPr lang="ja-JP" altLang="en-US" dirty="0" smtClean="0"/>
-              <a:t>が得意なのは一般</a:t>
-            </a:r>
-            <a:r>
-              <a:rPr lang="en-US" altLang="ja-JP" dirty="0" smtClean="0"/>
-              <a:t>OS</a:t>
-            </a:r>
-            <a:r>
-              <a:rPr lang="ja-JP" altLang="en-US" dirty="0" err="1" smtClean="0"/>
-              <a:t>。</a:t>
-            </a:r>
-            <a:r>
-              <a:rPr lang="ja-JP" altLang="en-US" dirty="0"/>
-              <a:t>突き詰</a:t>
-            </a:r>
-            <a:r>
-              <a:rPr lang="ja-JP" altLang="en-US" dirty="0" smtClean="0"/>
-              <a:t>めるとだいたいその</a:t>
-            </a:r>
-            <a:r>
-              <a:rPr lang="en-US" altLang="ja-JP" dirty="0" smtClean="0"/>
-              <a:t>UI</a:t>
-            </a:r>
-            <a:r>
-              <a:rPr lang="ja-JP" altLang="en-US" dirty="0" smtClean="0"/>
-              <a:t>フレームワークがやってることほしくなる</a:t>
-            </a:r>
-            <a:endParaRPr lang="en-US" altLang="ja-JP" dirty="0" smtClean="0"/>
-          </a:p>
-          <a:p>
-            <a:pPr lvl="1"/>
-            <a:r>
-              <a:rPr kumimoji="1" lang="en-US" altLang="ja-JP" dirty="0" smtClean="0"/>
-              <a:t>Win8</a:t>
-            </a:r>
+            <a:pPr lvl="2"/>
             <a:r>
               <a:rPr kumimoji="1" lang="ja-JP" altLang="en-US" dirty="0" smtClean="0"/>
-              <a:t>アプリなんかだと、</a:t>
-            </a:r>
-            <a:r>
-              <a:rPr kumimoji="1" lang="en-US" altLang="ja-JP" dirty="0" smtClean="0"/>
-              <a:t>XAML</a:t>
-            </a:r>
-            <a:r>
-              <a:rPr lang="ja-JP" altLang="en-US" dirty="0"/>
+              <a:t>データ</a:t>
+            </a:r>
+            <a:r>
+              <a:rPr kumimoji="1" lang="ja-JP" altLang="en-US" dirty="0" smtClean="0"/>
+              <a:t>が更新されたらそこだけ</a:t>
+            </a:r>
+            <a:r>
+              <a:rPr kumimoji="1" lang="ja-JP" altLang="en-US" dirty="0" smtClean="0"/>
+              <a:t>更新したい</a:t>
+            </a:r>
+            <a:endParaRPr kumimoji="1" lang="en-US" altLang="ja-JP" dirty="0" smtClean="0"/>
+          </a:p>
+        </p:txBody>
+      </p:sp>
+      <p:pic>
+        <p:nvPicPr>
+          <p:cNvPr id="4" name="図 3"/>
+          <p:cNvPicPr>
+            <a:picLocks noChangeAspect="1"/>
+          </p:cNvPicPr>
+          <p:nvPr/>
+        </p:nvPicPr>
+        <p:blipFill>
+          <a:blip r:embed="rId3"/>
+          <a:stretch>
+            <a:fillRect/>
+          </a:stretch>
+        </p:blipFill>
+        <p:spPr>
+          <a:xfrm>
+            <a:off x="8052980" y="4043416"/>
+            <a:ext cx="947212" cy="664710"/>
+          </a:xfrm>
+          <a:prstGeom prst="rect">
+            <a:avLst/>
+          </a:prstGeom>
+        </p:spPr>
+      </p:pic>
+      <p:sp>
+        <p:nvSpPr>
+          <p:cNvPr id="5" name="テキスト ボックス 4"/>
+          <p:cNvSpPr txBox="1"/>
+          <p:nvPr/>
+        </p:nvSpPr>
+        <p:spPr>
+          <a:xfrm>
+            <a:off x="1626797" y="3787649"/>
+            <a:ext cx="3999813" cy="1107996"/>
+          </a:xfrm>
+          <a:prstGeom prst="rect">
+            <a:avLst/>
+          </a:prstGeom>
+        </p:spPr>
+        <p:style>
+          <a:lnRef idx="2">
+            <a:schemeClr val="accent4"/>
+          </a:lnRef>
+          <a:fillRef idx="1">
+            <a:schemeClr val="lt1"/>
+          </a:fillRef>
+          <a:effectRef idx="0">
+            <a:schemeClr val="accent4"/>
+          </a:effectRef>
+          <a:fontRef idx="minor">
+            <a:schemeClr val="dk1"/>
+          </a:fontRef>
+        </p:style>
+        <p:txBody>
+          <a:bodyPr wrap="none" rtlCol="0">
+            <a:spAutoFit/>
+          </a:bodyPr>
+          <a:lstStyle/>
+          <a:p>
+            <a:r>
+              <a:rPr lang="en-US" altLang="ja-JP" sz="1600" dirty="0">
+                <a:solidFill>
+                  <a:srgbClr val="0000FF"/>
+                </a:solidFill>
+                <a:highlight>
+                  <a:srgbClr val="FFFFFF"/>
+                </a:highlight>
+                <a:latin typeface="Consolas" panose="020B0609020204030204" pitchFamily="49" charset="0"/>
+              </a:rPr>
+              <a:t>&lt;</a:t>
+            </a:r>
+            <a:r>
+              <a:rPr lang="en-US" altLang="ja-JP" sz="1600" dirty="0" err="1" smtClean="0">
+                <a:solidFill>
+                  <a:srgbClr val="A31515"/>
+                </a:solidFill>
+                <a:highlight>
+                  <a:srgbClr val="FFFFFF"/>
+                </a:highlight>
+                <a:latin typeface="Consolas" panose="020B0609020204030204" pitchFamily="49" charset="0"/>
+              </a:rPr>
+              <a:t>StackPanel</a:t>
+            </a:r>
+            <a:endParaRPr lang="en-US" altLang="ja-JP" sz="1600" dirty="0">
+              <a:solidFill>
+                <a:srgbClr val="000000"/>
+              </a:solidFill>
+              <a:highlight>
+                <a:srgbClr val="FFFFFF"/>
+              </a:highlight>
+              <a:latin typeface="Consolas" panose="020B0609020204030204" pitchFamily="49" charset="0"/>
+            </a:endParaRPr>
+          </a:p>
+          <a:p>
+            <a:r>
+              <a:rPr lang="en-US" altLang="ja-JP" sz="1600" dirty="0">
+                <a:solidFill>
+                  <a:srgbClr val="000000"/>
+                </a:solidFill>
+                <a:highlight>
+                  <a:srgbClr val="FFFFFF"/>
+                </a:highlight>
+                <a:latin typeface="Consolas" panose="020B0609020204030204" pitchFamily="49" charset="0"/>
+              </a:rPr>
+              <a:t>    </a:t>
+            </a:r>
+            <a:r>
+              <a:rPr lang="en-US" altLang="ja-JP" sz="1600" dirty="0">
+                <a:solidFill>
+                  <a:srgbClr val="0000FF"/>
+                </a:solidFill>
+                <a:highlight>
+                  <a:srgbClr val="FFFFFF"/>
+                </a:highlight>
+                <a:latin typeface="Consolas" panose="020B0609020204030204" pitchFamily="49" charset="0"/>
+              </a:rPr>
+              <a:t>&lt;</a:t>
+            </a:r>
+            <a:r>
+              <a:rPr lang="en-US" altLang="ja-JP" sz="1600" dirty="0" err="1">
+                <a:solidFill>
+                  <a:srgbClr val="A31515"/>
+                </a:solidFill>
+                <a:highlight>
+                  <a:srgbClr val="FFFFFF"/>
+                </a:highlight>
+                <a:latin typeface="Consolas" panose="020B0609020204030204" pitchFamily="49" charset="0"/>
+              </a:rPr>
+              <a:t>TextBox</a:t>
+            </a:r>
+            <a:r>
+              <a:rPr lang="en-US" altLang="ja-JP" sz="1600" dirty="0">
+                <a:solidFill>
+                  <a:srgbClr val="FF0000"/>
+                </a:solidFill>
+                <a:highlight>
+                  <a:srgbClr val="FFFFFF"/>
+                </a:highlight>
+                <a:latin typeface="Consolas" panose="020B0609020204030204" pitchFamily="49" charset="0"/>
+              </a:rPr>
+              <a:t> Text</a:t>
+            </a:r>
+            <a:r>
+              <a:rPr lang="en-US" altLang="ja-JP" sz="1600" dirty="0">
+                <a:solidFill>
+                  <a:srgbClr val="0000FF"/>
+                </a:solidFill>
+                <a:highlight>
+                  <a:srgbClr val="FFFFFF"/>
+                </a:highlight>
+                <a:latin typeface="Consolas" panose="020B0609020204030204" pitchFamily="49" charset="0"/>
+              </a:rPr>
+              <a:t>="{</a:t>
+            </a:r>
+            <a:r>
+              <a:rPr lang="en-US" altLang="ja-JP" sz="1600" dirty="0">
+                <a:solidFill>
+                  <a:srgbClr val="A31515"/>
+                </a:solidFill>
+                <a:highlight>
+                  <a:srgbClr val="FFFFFF"/>
+                </a:highlight>
+                <a:latin typeface="Consolas" panose="020B0609020204030204" pitchFamily="49" charset="0"/>
+              </a:rPr>
+              <a:t>Binding</a:t>
+            </a:r>
+            <a:r>
+              <a:rPr lang="en-US" altLang="ja-JP" sz="1600" dirty="0">
+                <a:solidFill>
+                  <a:srgbClr val="FF0000"/>
+                </a:solidFill>
+                <a:highlight>
+                  <a:srgbClr val="FFFFFF"/>
+                </a:highlight>
+                <a:latin typeface="Consolas" panose="020B0609020204030204" pitchFamily="49" charset="0"/>
+              </a:rPr>
+              <a:t> X</a:t>
+            </a:r>
+            <a:r>
+              <a:rPr lang="en-US" altLang="ja-JP" sz="1600" dirty="0">
+                <a:solidFill>
+                  <a:srgbClr val="0000FF"/>
+                </a:solidFill>
+                <a:highlight>
+                  <a:srgbClr val="FFFFFF"/>
+                </a:highlight>
+                <a:latin typeface="Consolas" panose="020B0609020204030204" pitchFamily="49" charset="0"/>
+              </a:rPr>
+              <a:t>}" /&gt;</a:t>
+            </a:r>
+            <a:endParaRPr lang="en-US" altLang="ja-JP" sz="1600" dirty="0">
+              <a:solidFill>
+                <a:srgbClr val="000000"/>
+              </a:solidFill>
+              <a:highlight>
+                <a:srgbClr val="FFFFFF"/>
+              </a:highlight>
+              <a:latin typeface="Consolas" panose="020B0609020204030204" pitchFamily="49" charset="0"/>
+            </a:endParaRPr>
+          </a:p>
+          <a:p>
+            <a:r>
+              <a:rPr lang="en-US" altLang="ja-JP" sz="1600" dirty="0">
+                <a:solidFill>
+                  <a:srgbClr val="000000"/>
+                </a:solidFill>
+                <a:highlight>
+                  <a:srgbClr val="FFFFFF"/>
+                </a:highlight>
+                <a:latin typeface="Consolas" panose="020B0609020204030204" pitchFamily="49" charset="0"/>
+              </a:rPr>
+              <a:t>    </a:t>
+            </a:r>
+            <a:r>
+              <a:rPr lang="en-US" altLang="ja-JP" sz="1600" dirty="0">
+                <a:solidFill>
+                  <a:srgbClr val="0000FF"/>
+                </a:solidFill>
+                <a:highlight>
+                  <a:srgbClr val="FFFFFF"/>
+                </a:highlight>
+                <a:latin typeface="Consolas" panose="020B0609020204030204" pitchFamily="49" charset="0"/>
+              </a:rPr>
+              <a:t>&lt;</a:t>
+            </a:r>
+            <a:r>
+              <a:rPr lang="en-US" altLang="ja-JP" sz="1600" dirty="0" err="1">
+                <a:solidFill>
+                  <a:srgbClr val="A31515"/>
+                </a:solidFill>
+                <a:highlight>
+                  <a:srgbClr val="FFFFFF"/>
+                </a:highlight>
+                <a:latin typeface="Consolas" panose="020B0609020204030204" pitchFamily="49" charset="0"/>
+              </a:rPr>
+              <a:t>TextBox</a:t>
+            </a:r>
+            <a:r>
+              <a:rPr lang="en-US" altLang="ja-JP" sz="1600" dirty="0">
+                <a:solidFill>
+                  <a:srgbClr val="FF0000"/>
+                </a:solidFill>
+                <a:highlight>
+                  <a:srgbClr val="FFFFFF"/>
+                </a:highlight>
+                <a:latin typeface="Consolas" panose="020B0609020204030204" pitchFamily="49" charset="0"/>
+              </a:rPr>
+              <a:t> Text</a:t>
+            </a:r>
+            <a:r>
+              <a:rPr lang="en-US" altLang="ja-JP" sz="1600" dirty="0">
+                <a:solidFill>
+                  <a:srgbClr val="0000FF"/>
+                </a:solidFill>
+                <a:highlight>
+                  <a:srgbClr val="FFFFFF"/>
+                </a:highlight>
+                <a:latin typeface="Consolas" panose="020B0609020204030204" pitchFamily="49" charset="0"/>
+              </a:rPr>
+              <a:t>="{</a:t>
+            </a:r>
+            <a:r>
+              <a:rPr lang="en-US" altLang="ja-JP" sz="1600" dirty="0">
+                <a:solidFill>
+                  <a:srgbClr val="A31515"/>
+                </a:solidFill>
+                <a:highlight>
+                  <a:srgbClr val="FFFFFF"/>
+                </a:highlight>
+                <a:latin typeface="Consolas" panose="020B0609020204030204" pitchFamily="49" charset="0"/>
+              </a:rPr>
+              <a:t>Binding</a:t>
+            </a:r>
+            <a:r>
+              <a:rPr lang="en-US" altLang="ja-JP" sz="1600" dirty="0">
+                <a:solidFill>
+                  <a:srgbClr val="FF0000"/>
+                </a:solidFill>
+                <a:highlight>
+                  <a:srgbClr val="FFFFFF"/>
+                </a:highlight>
+                <a:latin typeface="Consolas" panose="020B0609020204030204" pitchFamily="49" charset="0"/>
+              </a:rPr>
+              <a:t> Y</a:t>
+            </a:r>
+            <a:r>
+              <a:rPr lang="en-US" altLang="ja-JP" sz="1600" dirty="0">
+                <a:solidFill>
+                  <a:srgbClr val="0000FF"/>
+                </a:solidFill>
+                <a:highlight>
+                  <a:srgbClr val="FFFFFF"/>
+                </a:highlight>
+                <a:latin typeface="Consolas" panose="020B0609020204030204" pitchFamily="49" charset="0"/>
+              </a:rPr>
+              <a:t>}" /&gt;</a:t>
+            </a:r>
+            <a:endParaRPr lang="en-US" altLang="ja-JP" sz="1600" dirty="0">
+              <a:solidFill>
+                <a:srgbClr val="000000"/>
+              </a:solidFill>
+              <a:highlight>
+                <a:srgbClr val="FFFFFF"/>
+              </a:highlight>
+              <a:latin typeface="Consolas" panose="020B0609020204030204" pitchFamily="49" charset="0"/>
+            </a:endParaRPr>
+          </a:p>
+          <a:p>
+            <a:r>
+              <a:rPr lang="en-US" altLang="ja-JP" sz="1600" dirty="0">
+                <a:solidFill>
+                  <a:srgbClr val="0000FF"/>
+                </a:solidFill>
+                <a:highlight>
+                  <a:srgbClr val="FFFFFF"/>
+                </a:highlight>
+                <a:latin typeface="Consolas" panose="020B0609020204030204" pitchFamily="49" charset="0"/>
+              </a:rPr>
+              <a:t>&lt;/</a:t>
+            </a:r>
+            <a:r>
+              <a:rPr lang="en-US" altLang="ja-JP" sz="1600" dirty="0" err="1">
+                <a:solidFill>
+                  <a:srgbClr val="A31515"/>
+                </a:solidFill>
+                <a:highlight>
+                  <a:srgbClr val="FFFFFF"/>
+                </a:highlight>
+                <a:latin typeface="Consolas" panose="020B0609020204030204" pitchFamily="49" charset="0"/>
+              </a:rPr>
+              <a:t>StackPanel</a:t>
+            </a:r>
+            <a:r>
+              <a:rPr lang="en-US" altLang="ja-JP" sz="1600" dirty="0" smtClean="0">
+                <a:solidFill>
+                  <a:srgbClr val="0000FF"/>
+                </a:solidFill>
+                <a:highlight>
+                  <a:srgbClr val="FFFFFF"/>
+                </a:highlight>
+                <a:latin typeface="Consolas" panose="020B0609020204030204" pitchFamily="49" charset="0"/>
+              </a:rPr>
+              <a:t>&gt;</a:t>
+            </a:r>
+            <a:endParaRPr kumimoji="1" lang="ja-JP" altLang="en-US" sz="1600" dirty="0"/>
+          </a:p>
+        </p:txBody>
+      </p:sp>
+      <p:sp>
+        <p:nvSpPr>
+          <p:cNvPr id="6" name="テキスト ボックス 5"/>
+          <p:cNvSpPr txBox="1"/>
+          <p:nvPr/>
+        </p:nvSpPr>
+        <p:spPr>
+          <a:xfrm>
+            <a:off x="6130306" y="3541428"/>
+            <a:ext cx="1418978" cy="1354217"/>
+          </a:xfrm>
+          <a:prstGeom prst="rect">
+            <a:avLst/>
+          </a:prstGeom>
+        </p:spPr>
+        <p:style>
+          <a:lnRef idx="2">
+            <a:schemeClr val="accent5"/>
+          </a:lnRef>
+          <a:fillRef idx="1">
+            <a:schemeClr val="lt1"/>
+          </a:fillRef>
+          <a:effectRef idx="0">
+            <a:schemeClr val="accent5"/>
+          </a:effectRef>
+          <a:fontRef idx="minor">
+            <a:schemeClr val="dk1"/>
+          </a:fontRef>
+        </p:style>
+        <p:txBody>
+          <a:bodyPr wrap="none" rtlCol="0">
+            <a:spAutoFit/>
+          </a:bodyPr>
+          <a:lstStyle/>
+          <a:p>
+            <a:r>
+              <a:rPr lang="en-US" altLang="ja-JP" sz="1600" dirty="0">
+                <a:solidFill>
+                  <a:srgbClr val="0000FF"/>
+                </a:solidFill>
+                <a:highlight>
+                  <a:srgbClr val="FFFFFF"/>
+                </a:highlight>
+                <a:latin typeface="Consolas" panose="020B0609020204030204" pitchFamily="49" charset="0"/>
+              </a:rPr>
+              <a:t>new</a:t>
+            </a:r>
+            <a:r>
+              <a:rPr lang="en-US" altLang="ja-JP" sz="1600" dirty="0">
+                <a:solidFill>
+                  <a:srgbClr val="000000"/>
+                </a:solidFill>
+                <a:highlight>
+                  <a:srgbClr val="FFFFFF"/>
+                </a:highlight>
+                <a:latin typeface="Consolas" panose="020B0609020204030204" pitchFamily="49" charset="0"/>
+              </a:rPr>
               <a:t> </a:t>
             </a:r>
             <a:r>
-              <a:rPr lang="en-US" altLang="ja-JP" dirty="0" smtClean="0"/>
-              <a:t>UI</a:t>
-            </a:r>
-            <a:r>
-              <a:rPr lang="ja-JP" altLang="en-US" dirty="0" smtClean="0"/>
-              <a:t>の上に</a:t>
-            </a:r>
-            <a:r>
-              <a:rPr lang="en-US" altLang="ja-JP" dirty="0" smtClean="0"/>
-              <a:t>Direct</a:t>
-            </a:r>
-            <a:r>
-              <a:rPr lang="ja-JP" altLang="en-US" dirty="0" smtClean="0"/>
-              <a:t> </a:t>
-            </a:r>
-            <a:r>
-              <a:rPr lang="en-US" altLang="ja-JP" dirty="0" smtClean="0"/>
-              <a:t>X</a:t>
-            </a:r>
-            <a:r>
-              <a:rPr lang="ja-JP" altLang="en-US" dirty="0" smtClean="0"/>
-              <a:t>サーフェス重ねるとかやれる</a:t>
-            </a:r>
-            <a:endParaRPr kumimoji="1" lang="en-US" altLang="ja-JP" dirty="0"/>
-          </a:p>
-          <a:p>
-            <a:r>
-              <a:rPr lang="ja-JP" altLang="en-US" dirty="0" smtClean="0"/>
-              <a:t>マップ表示とかだけかなぁ、ゲーム的な描画最適化頑張らないといけないの</a:t>
-            </a:r>
-            <a:endParaRPr kumimoji="1" lang="ja-JP" altLang="en-US" dirty="0"/>
+              <a:rPr lang="en-US" altLang="ja-JP" sz="1600" dirty="0">
+                <a:solidFill>
+                  <a:srgbClr val="2B91AF"/>
+                </a:solidFill>
+                <a:highlight>
+                  <a:srgbClr val="FFFFFF"/>
+                </a:highlight>
+                <a:latin typeface="Consolas" panose="020B0609020204030204" pitchFamily="49" charset="0"/>
+              </a:rPr>
+              <a:t>Point</a:t>
+            </a:r>
+            <a:endParaRPr lang="en-US" altLang="ja-JP" sz="1600" dirty="0">
+              <a:solidFill>
+                <a:srgbClr val="000000"/>
+              </a:solidFill>
+              <a:highlight>
+                <a:srgbClr val="FFFFFF"/>
+              </a:highlight>
+              <a:latin typeface="Consolas" panose="020B0609020204030204" pitchFamily="49" charset="0"/>
+            </a:endParaRPr>
+          </a:p>
+          <a:p>
+            <a:r>
+              <a:rPr lang="en-US" altLang="ja-JP" sz="1600" dirty="0">
+                <a:solidFill>
+                  <a:srgbClr val="000000"/>
+                </a:solidFill>
+                <a:highlight>
+                  <a:srgbClr val="FFFFFF"/>
+                </a:highlight>
+                <a:latin typeface="Consolas" panose="020B0609020204030204" pitchFamily="49" charset="0"/>
+              </a:rPr>
+              <a:t>{</a:t>
+            </a:r>
+          </a:p>
+          <a:p>
+            <a:r>
+              <a:rPr lang="en-US" altLang="ja-JP" sz="1600" dirty="0">
+                <a:solidFill>
+                  <a:srgbClr val="000000"/>
+                </a:solidFill>
+                <a:highlight>
+                  <a:srgbClr val="FFFFFF"/>
+                </a:highlight>
+                <a:latin typeface="Consolas" panose="020B0609020204030204" pitchFamily="49" charset="0"/>
+              </a:rPr>
+              <a:t>    X = 10,</a:t>
+            </a:r>
+          </a:p>
+          <a:p>
+            <a:r>
+              <a:rPr lang="en-US" altLang="ja-JP" sz="1600" dirty="0">
+                <a:solidFill>
+                  <a:srgbClr val="000000"/>
+                </a:solidFill>
+                <a:highlight>
+                  <a:srgbClr val="FFFFFF"/>
+                </a:highlight>
+                <a:latin typeface="Consolas" panose="020B0609020204030204" pitchFamily="49" charset="0"/>
+              </a:rPr>
+              <a:t>    Y = 20,</a:t>
+            </a:r>
+          </a:p>
+          <a:p>
+            <a:r>
+              <a:rPr lang="en-US" altLang="ja-JP" sz="1600" dirty="0">
+                <a:solidFill>
+                  <a:srgbClr val="000000"/>
+                </a:solidFill>
+                <a:highlight>
+                  <a:srgbClr val="FFFFFF"/>
+                </a:highlight>
+                <a:latin typeface="Consolas" panose="020B0609020204030204" pitchFamily="49" charset="0"/>
+              </a:rPr>
+              <a:t>};</a:t>
+            </a:r>
+          </a:p>
+        </p:txBody>
+      </p:sp>
+      <p:sp>
+        <p:nvSpPr>
+          <p:cNvPr id="7" name="等号 6"/>
+          <p:cNvSpPr/>
+          <p:nvPr/>
+        </p:nvSpPr>
+        <p:spPr>
+          <a:xfrm>
+            <a:off x="7587487" y="4128002"/>
+            <a:ext cx="427290" cy="427290"/>
+          </a:xfrm>
+          <a:prstGeom prst="mathEqual">
+            <a:avLst/>
+          </a:prstGeom>
+        </p:spPr>
+        <p:style>
+          <a:lnRef idx="1">
+            <a:schemeClr val="accent4"/>
+          </a:lnRef>
+          <a:fillRef idx="2">
+            <a:schemeClr val="accent4"/>
+          </a:fillRef>
+          <a:effectRef idx="1">
+            <a:schemeClr val="accent4"/>
+          </a:effectRef>
+          <a:fontRef idx="minor">
+            <a:schemeClr val="dk1"/>
+          </a:fontRef>
+        </p:style>
+        <p:txBody>
+          <a:bodyPr lIns="36000" tIns="36000" rIns="36000" bIns="36000" rtlCol="0" anchor="ctr"/>
+          <a:lstStyle/>
+          <a:p>
+            <a:pPr algn="ctr"/>
+            <a:endParaRPr kumimoji="1" lang="ja-JP" altLang="en-US" dirty="0" smtClean="0">
+              <a:solidFill>
+                <a:schemeClr val="tx1"/>
+              </a:solidFill>
+            </a:endParaRPr>
+          </a:p>
+        </p:txBody>
+      </p:sp>
+      <p:sp>
+        <p:nvSpPr>
+          <p:cNvPr id="8" name="加算記号 7"/>
+          <p:cNvSpPr/>
+          <p:nvPr/>
+        </p:nvSpPr>
+        <p:spPr>
+          <a:xfrm>
+            <a:off x="5664813" y="4162126"/>
+            <a:ext cx="427290" cy="427290"/>
+          </a:xfrm>
+          <a:prstGeom prst="mathPlus">
+            <a:avLst/>
+          </a:prstGeom>
+        </p:spPr>
+        <p:style>
+          <a:lnRef idx="1">
+            <a:schemeClr val="accent4"/>
+          </a:lnRef>
+          <a:fillRef idx="2">
+            <a:schemeClr val="accent4"/>
+          </a:fillRef>
+          <a:effectRef idx="1">
+            <a:schemeClr val="accent4"/>
+          </a:effectRef>
+          <a:fontRef idx="minor">
+            <a:schemeClr val="dk1"/>
+          </a:fontRef>
+        </p:style>
+        <p:txBody>
+          <a:bodyPr lIns="36000" tIns="36000" rIns="36000" bIns="36000" rtlCol="0" anchor="ctr"/>
+          <a:lstStyle/>
+          <a:p>
+            <a:pPr algn="ctr"/>
+            <a:endParaRPr kumimoji="1" lang="ja-JP" altLang="en-US" dirty="0" smtClean="0"/>
+          </a:p>
+        </p:txBody>
+      </p:sp>
+      <p:sp>
+        <p:nvSpPr>
+          <p:cNvPr id="9" name="四角形吹き出し 8"/>
+          <p:cNvSpPr/>
+          <p:nvPr/>
+        </p:nvSpPr>
+        <p:spPr>
+          <a:xfrm>
+            <a:off x="6751177" y="2767878"/>
+            <a:ext cx="3255947" cy="333286"/>
+          </a:xfrm>
+          <a:prstGeom prst="wedgeRectCallout">
+            <a:avLst>
+              <a:gd name="adj1" fmla="val -56529"/>
+              <a:gd name="adj2" fmla="val 54808"/>
+            </a:avLst>
+          </a:prstGeom>
+        </p:spPr>
+        <p:style>
+          <a:lnRef idx="2">
+            <a:schemeClr val="accent3"/>
+          </a:lnRef>
+          <a:fillRef idx="1">
+            <a:schemeClr val="lt1"/>
+          </a:fillRef>
+          <a:effectRef idx="0">
+            <a:schemeClr val="accent3"/>
+          </a:effectRef>
+          <a:fontRef idx="minor">
+            <a:schemeClr val="dk1"/>
+          </a:fontRef>
+        </p:style>
+        <p:txBody>
+          <a:bodyPr lIns="36000" tIns="36000" rIns="36000" bIns="36000" rtlCol="0" anchor="ctr"/>
+          <a:lstStyle/>
+          <a:p>
+            <a:pPr algn="ctr"/>
+            <a:r>
+              <a:rPr kumimoji="1" lang="ja-JP" altLang="en-US" dirty="0" smtClean="0"/>
+              <a:t>オブザーバー パターンで実現</a:t>
+            </a:r>
+            <a:endParaRPr kumimoji="1" lang="ja-JP" altLang="en-US" dirty="0" smtClean="0"/>
+          </a:p>
+        </p:txBody>
+      </p:sp>
+      <p:sp>
+        <p:nvSpPr>
+          <p:cNvPr id="10" name="テキスト ボックス 9"/>
+          <p:cNvSpPr txBox="1"/>
+          <p:nvPr/>
+        </p:nvSpPr>
+        <p:spPr>
+          <a:xfrm>
+            <a:off x="4229221" y="5735096"/>
+            <a:ext cx="7124579" cy="584775"/>
+          </a:xfrm>
+          <a:prstGeom prst="rect">
+            <a:avLst/>
+          </a:prstGeom>
+          <a:noFill/>
+        </p:spPr>
+        <p:txBody>
+          <a:bodyPr wrap="none" rtlCol="0">
+            <a:spAutoFit/>
+          </a:bodyPr>
+          <a:lstStyle/>
+          <a:p>
+            <a:pPr>
+              <a:tabLst>
+                <a:tab pos="179388" algn="l"/>
+              </a:tabLst>
+            </a:pPr>
+            <a:r>
+              <a:rPr kumimoji="1" lang="en-US" altLang="ja-JP" sz="1600" baseline="30000" dirty="0" smtClean="0"/>
+              <a:t>※</a:t>
+            </a:r>
+            <a:r>
+              <a:rPr kumimoji="1" lang="en-US" altLang="ja-JP" sz="1600" dirty="0" smtClean="0"/>
+              <a:t>	</a:t>
+            </a:r>
+            <a:r>
+              <a:rPr kumimoji="1" lang="ja-JP" altLang="en-US" sz="1600" dirty="0" smtClean="0"/>
+              <a:t>この辺りはこれだけで</a:t>
+            </a:r>
+            <a:r>
+              <a:rPr kumimoji="1" lang="en-US" altLang="ja-JP" sz="1600" dirty="0" smtClean="0"/>
+              <a:t>1</a:t>
+            </a:r>
+            <a:r>
+              <a:rPr kumimoji="1" lang="ja-JP" altLang="en-US" sz="1600" dirty="0" smtClean="0"/>
+              <a:t>時間セッション コースになるので今回は割愛</a:t>
+            </a:r>
+            <a:endParaRPr kumimoji="1" lang="en-US" altLang="ja-JP" sz="1600" dirty="0" smtClean="0"/>
+          </a:p>
+          <a:p>
+            <a:pPr>
+              <a:tabLst>
+                <a:tab pos="179388" algn="l"/>
+              </a:tabLst>
+            </a:pPr>
+            <a:r>
+              <a:rPr lang="en-US" altLang="ja-JP" sz="1600" dirty="0"/>
+              <a:t>	</a:t>
+            </a:r>
+            <a:r>
+              <a:rPr lang="ja-JP" altLang="en-US" sz="1600" dirty="0" smtClean="0"/>
+              <a:t>検索すれば</a:t>
+            </a:r>
+            <a:r>
+              <a:rPr lang="en-US" altLang="ja-JP" sz="1600" dirty="0" smtClean="0"/>
+              <a:t>WPF/</a:t>
+            </a:r>
+            <a:r>
+              <a:rPr lang="en-US" altLang="ja-JP" sz="1600" dirty="0" err="1" smtClean="0"/>
+              <a:t>WinRT</a:t>
+            </a:r>
+            <a:r>
+              <a:rPr lang="ja-JP" altLang="en-US" sz="1600" dirty="0" smtClean="0"/>
+              <a:t>とか、</a:t>
+            </a:r>
+            <a:r>
+              <a:rPr lang="en-US" altLang="ja-JP" sz="1600" dirty="0" smtClean="0"/>
+              <a:t>JavaScript</a:t>
+            </a:r>
+            <a:r>
+              <a:rPr lang="ja-JP" altLang="en-US" sz="1600" dirty="0" smtClean="0"/>
+              <a:t>系フレームワークの記事が出てくるはず</a:t>
+            </a:r>
+            <a:endParaRPr kumimoji="1" lang="ja-JP" altLang="en-US" sz="1600" dirty="0"/>
           </a:p>
         </p:txBody>
       </p:sp>
     </p:spTree>
     <p:extLst>
       <p:ext uri="{BB962C8B-B14F-4D97-AF65-F5344CB8AC3E}">
-        <p14:creationId xmlns:p14="http://schemas.microsoft.com/office/powerpoint/2010/main" val="4199267743"/>
+        <p14:creationId xmlns:p14="http://schemas.microsoft.com/office/powerpoint/2010/main" val="2484350710"/>
       </p:ext>
     </p:extLst>
   </p:cSld>
   <p:clrMapOvr>
     <a:masterClrMapping/>
   </p:clrMapOvr>
+  <p:timing>
+    <p:tnLst>
+      <p:par>
+        <p:cTn id="1" dur="indefinite" restart="never" nodeType="tmRoot"/>
+      </p:par>
+    </p:tnLst>
+  </p:timing>
 </p:sld>
 </file>
 
@@ -51664,7 +52892,11 @@
           <a:bodyPr/>
           <a:lstStyle/>
           <a:p>
-            <a:endParaRPr kumimoji="1" lang="ja-JP" altLang="en-US"/>
+            <a:r>
+              <a:rPr kumimoji="1" lang="ja-JP" altLang="en-US" dirty="0" smtClean="0"/>
+              <a:t>データ バインディング コード生成</a:t>
+            </a:r>
+            <a:endParaRPr kumimoji="1" lang="ja-JP" altLang="en-US" dirty="0"/>
           </a:p>
         </p:txBody>
       </p:sp>
@@ -51684,114 +52916,1586 @@
           <a:lstStyle/>
           <a:p>
             <a:r>
-              <a:rPr kumimoji="1" lang="en-US" altLang="ja-JP" dirty="0" smtClean="0"/>
-              <a:t>UI</a:t>
-            </a:r>
-            <a:r>
               <a:rPr kumimoji="1" lang="ja-JP" altLang="en-US" dirty="0" smtClean="0"/>
-              <a:t>系は、「どこにどのデータを出したい」「データが更新されたらそこだけ更新掛けたい」が基本</a:t>
+              <a:t>自社フレームワークでは、コード生成で実現</a:t>
             </a:r>
             <a:endParaRPr kumimoji="1" lang="en-US" altLang="ja-JP" dirty="0" smtClean="0"/>
           </a:p>
           <a:p>
             <a:pPr lvl="1"/>
             <a:r>
+              <a:rPr kumimoji="1" lang="ja-JP" altLang="en-US" dirty="0" smtClean="0"/>
+              <a:t>リフレクションが使えない</a:t>
+            </a:r>
+            <a:r>
               <a:rPr lang="ja-JP" altLang="en-US" dirty="0" smtClean="0"/>
-              <a:t>クライアント系の</a:t>
-            </a:r>
-            <a:r>
-              <a:rPr lang="en-US" altLang="ja-JP" dirty="0" smtClean="0"/>
-              <a:t>MVC</a:t>
-            </a:r>
+              <a:t>ので</a:t>
+            </a:r>
+            <a:endParaRPr lang="en-US" altLang="ja-JP" dirty="0" smtClean="0"/>
+          </a:p>
+          <a:p>
+            <a:pPr lvl="1"/>
+            <a:r>
+              <a:rPr kumimoji="1" lang="ja-JP" altLang="en-US" dirty="0" smtClean="0"/>
+              <a:t>モデルのプロパティと、ビューのプロパティをつなぐだけの簡易なもの</a:t>
+            </a:r>
+            <a:endParaRPr kumimoji="1" lang="ja-JP" altLang="en-US" dirty="0"/>
+          </a:p>
+        </p:txBody>
+      </p:sp>
+      <p:sp>
+        <p:nvSpPr>
+          <p:cNvPr id="4" name="テキスト ボックス 3"/>
+          <p:cNvSpPr txBox="1"/>
+          <p:nvPr/>
+        </p:nvSpPr>
+        <p:spPr>
+          <a:xfrm>
+            <a:off x="838200" y="3469593"/>
+            <a:ext cx="4955203" cy="2462213"/>
+          </a:xfrm>
+          <a:prstGeom prst="rect">
+            <a:avLst/>
+          </a:prstGeom>
+        </p:spPr>
+        <p:style>
+          <a:lnRef idx="2">
+            <a:schemeClr val="accent5"/>
+          </a:lnRef>
+          <a:fillRef idx="1">
+            <a:schemeClr val="lt1"/>
+          </a:fillRef>
+          <a:effectRef idx="0">
+            <a:schemeClr val="accent5"/>
+          </a:effectRef>
+          <a:fontRef idx="minor">
+            <a:schemeClr val="dk1"/>
+          </a:fontRef>
+        </p:style>
+        <p:txBody>
+          <a:bodyPr wrap="none" rtlCol="0">
+            <a:spAutoFit/>
+          </a:bodyPr>
+          <a:lstStyle/>
+          <a:p>
+            <a:r>
+              <a:rPr lang="en-US" altLang="ja-JP" sz="1400" dirty="0">
+                <a:solidFill>
+                  <a:srgbClr val="000000"/>
+                </a:solidFill>
+                <a:highlight>
+                  <a:srgbClr val="FFFFFF"/>
+                </a:highlight>
+                <a:latin typeface="Consolas" panose="020B0609020204030204" pitchFamily="49" charset="0"/>
+              </a:rPr>
+              <a:t>[</a:t>
+            </a:r>
+            <a:r>
+              <a:rPr lang="en-US" altLang="ja-JP" sz="1400" dirty="0" err="1">
+                <a:solidFill>
+                  <a:srgbClr val="2B91AF"/>
+                </a:solidFill>
+                <a:highlight>
+                  <a:srgbClr val="FFFFFF"/>
+                </a:highlight>
+                <a:latin typeface="Consolas" panose="020B0609020204030204" pitchFamily="49" charset="0"/>
+              </a:rPr>
+              <a:t>DataContextType</a:t>
+            </a:r>
+            <a:r>
+              <a:rPr lang="en-US" altLang="ja-JP" sz="1400" dirty="0">
+                <a:solidFill>
+                  <a:srgbClr val="000000"/>
+                </a:solidFill>
+                <a:highlight>
+                  <a:srgbClr val="FFFFFF"/>
+                </a:highlight>
+                <a:latin typeface="Consolas" panose="020B0609020204030204" pitchFamily="49" charset="0"/>
+              </a:rPr>
+              <a:t>(</a:t>
+            </a:r>
+            <a:r>
+              <a:rPr lang="en-US" altLang="ja-JP" sz="1400" dirty="0" err="1">
+                <a:solidFill>
+                  <a:srgbClr val="0000FF"/>
+                </a:solidFill>
+                <a:highlight>
+                  <a:srgbClr val="FFFFFF"/>
+                </a:highlight>
+                <a:latin typeface="Consolas" panose="020B0609020204030204" pitchFamily="49" charset="0"/>
+              </a:rPr>
+              <a:t>typeof</a:t>
+            </a:r>
+            <a:r>
+              <a:rPr lang="en-US" altLang="ja-JP" sz="1400" dirty="0">
+                <a:solidFill>
+                  <a:srgbClr val="000000"/>
+                </a:solidFill>
+                <a:highlight>
+                  <a:srgbClr val="FFFFFF"/>
+                </a:highlight>
+                <a:latin typeface="Consolas" panose="020B0609020204030204" pitchFamily="49" charset="0"/>
+              </a:rPr>
+              <a:t>(</a:t>
+            </a:r>
+            <a:r>
+              <a:rPr lang="en-US" altLang="ja-JP" sz="1400" dirty="0" err="1">
+                <a:solidFill>
+                  <a:srgbClr val="2B91AF"/>
+                </a:solidFill>
+                <a:highlight>
+                  <a:srgbClr val="FFFFFF"/>
+                </a:highlight>
+                <a:latin typeface="Consolas" panose="020B0609020204030204" pitchFamily="49" charset="0"/>
+              </a:rPr>
+              <a:t>EquipmentContentModel</a:t>
+            </a:r>
+            <a:r>
+              <a:rPr lang="en-US" altLang="ja-JP" sz="1400" dirty="0">
+                <a:solidFill>
+                  <a:srgbClr val="000000"/>
+                </a:solidFill>
+                <a:highlight>
+                  <a:srgbClr val="FFFFFF"/>
+                </a:highlight>
+                <a:latin typeface="Consolas" panose="020B0609020204030204" pitchFamily="49" charset="0"/>
+              </a:rPr>
+              <a:t>))]</a:t>
+            </a:r>
+          </a:p>
+          <a:p>
+            <a:r>
+              <a:rPr lang="en-US" altLang="ja-JP" sz="1400" dirty="0" smtClean="0">
+                <a:solidFill>
+                  <a:srgbClr val="0000FF"/>
+                </a:solidFill>
+                <a:highlight>
+                  <a:srgbClr val="FFFFFF"/>
+                </a:highlight>
+                <a:latin typeface="Consolas" panose="020B0609020204030204" pitchFamily="49" charset="0"/>
+              </a:rPr>
+              <a:t>partial</a:t>
+            </a:r>
+            <a:r>
+              <a:rPr lang="en-US" altLang="ja-JP" sz="1400" dirty="0" smtClean="0">
+                <a:solidFill>
+                  <a:srgbClr val="000000"/>
+                </a:solidFill>
+                <a:highlight>
+                  <a:srgbClr val="FFFFFF"/>
+                </a:highlight>
+                <a:latin typeface="Consolas" panose="020B0609020204030204" pitchFamily="49" charset="0"/>
+              </a:rPr>
+              <a:t> </a:t>
+            </a:r>
+            <a:r>
+              <a:rPr lang="en-US" altLang="ja-JP" sz="1400" dirty="0">
+                <a:solidFill>
+                  <a:srgbClr val="0000FF"/>
+                </a:solidFill>
+                <a:highlight>
+                  <a:srgbClr val="FFFFFF"/>
+                </a:highlight>
+                <a:latin typeface="Consolas" panose="020B0609020204030204" pitchFamily="49" charset="0"/>
+              </a:rPr>
+              <a:t>class</a:t>
+            </a:r>
+            <a:r>
+              <a:rPr lang="en-US" altLang="ja-JP" sz="1400" dirty="0">
+                <a:solidFill>
+                  <a:srgbClr val="000000"/>
+                </a:solidFill>
+                <a:highlight>
+                  <a:srgbClr val="FFFFFF"/>
+                </a:highlight>
+                <a:latin typeface="Consolas" panose="020B0609020204030204" pitchFamily="49" charset="0"/>
+              </a:rPr>
+              <a:t> </a:t>
+            </a:r>
+            <a:r>
+              <a:rPr lang="en-US" altLang="ja-JP" sz="1400" dirty="0" err="1">
+                <a:solidFill>
+                  <a:srgbClr val="2B91AF"/>
+                </a:solidFill>
+                <a:highlight>
+                  <a:srgbClr val="FFFFFF"/>
+                </a:highlight>
+                <a:latin typeface="Consolas" panose="020B0609020204030204" pitchFamily="49" charset="0"/>
+              </a:rPr>
+              <a:t>EquipmentContent</a:t>
+            </a:r>
+            <a:r>
+              <a:rPr lang="en-US" altLang="ja-JP" sz="1400" dirty="0">
+                <a:solidFill>
+                  <a:srgbClr val="000000"/>
+                </a:solidFill>
+                <a:highlight>
+                  <a:srgbClr val="FFFFFF"/>
+                </a:highlight>
+                <a:latin typeface="Consolas" panose="020B0609020204030204" pitchFamily="49" charset="0"/>
+              </a:rPr>
+              <a:t> : </a:t>
+            </a:r>
+            <a:r>
+              <a:rPr lang="en-US" altLang="ja-JP" sz="1400" dirty="0" err="1" smtClean="0">
+                <a:solidFill>
+                  <a:srgbClr val="2B91AF"/>
+                </a:solidFill>
+                <a:highlight>
+                  <a:srgbClr val="FFFFFF"/>
+                </a:highlight>
+                <a:latin typeface="Consolas" panose="020B0609020204030204" pitchFamily="49" charset="0"/>
+              </a:rPr>
+              <a:t>MonoBehaviour</a:t>
+            </a:r>
+            <a:endParaRPr lang="en-US" altLang="ja-JP" sz="1400" dirty="0">
+              <a:solidFill>
+                <a:srgbClr val="2B91AF"/>
+              </a:solidFill>
+              <a:highlight>
+                <a:srgbClr val="FFFFFF"/>
+              </a:highlight>
+              <a:latin typeface="Consolas" panose="020B0609020204030204" pitchFamily="49" charset="0"/>
+            </a:endParaRPr>
+          </a:p>
+          <a:p>
+            <a:r>
+              <a:rPr lang="en-US" altLang="ja-JP" sz="1400" dirty="0">
+                <a:solidFill>
+                  <a:srgbClr val="000000"/>
+                </a:solidFill>
+                <a:highlight>
+                  <a:srgbClr val="FFFFFF"/>
+                </a:highlight>
+                <a:latin typeface="Consolas" panose="020B0609020204030204" pitchFamily="49" charset="0"/>
+              </a:rPr>
+              <a:t>{</a:t>
+            </a:r>
+          </a:p>
+          <a:p>
+            <a:r>
+              <a:rPr lang="en-US" altLang="ja-JP" sz="1400" dirty="0" smtClean="0">
+                <a:solidFill>
+                  <a:srgbClr val="000000"/>
+                </a:solidFill>
+                <a:highlight>
+                  <a:srgbClr val="FFFFFF"/>
+                </a:highlight>
+                <a:latin typeface="Consolas" panose="020B0609020204030204" pitchFamily="49" charset="0"/>
+              </a:rPr>
+              <a:t>    [</a:t>
+            </a:r>
+            <a:r>
+              <a:rPr lang="en-US" altLang="ja-JP" sz="1400" dirty="0" err="1" smtClean="0">
+                <a:solidFill>
+                  <a:srgbClr val="2B91AF"/>
+                </a:solidFill>
+                <a:highlight>
+                  <a:srgbClr val="FFFFFF"/>
+                </a:highlight>
+                <a:latin typeface="Consolas" panose="020B0609020204030204" pitchFamily="49" charset="0"/>
+              </a:rPr>
+              <a:t>BindingProperty</a:t>
+            </a:r>
+            <a:r>
+              <a:rPr lang="en-US" altLang="ja-JP" sz="1400" dirty="0" smtClean="0">
+                <a:solidFill>
+                  <a:srgbClr val="000000"/>
+                </a:solidFill>
+                <a:highlight>
+                  <a:srgbClr val="FFFFFF"/>
+                </a:highlight>
+                <a:latin typeface="Consolas" panose="020B0609020204030204" pitchFamily="49" charset="0"/>
+              </a:rPr>
+              <a:t>(</a:t>
+            </a:r>
+            <a:r>
+              <a:rPr lang="en-US" altLang="ja-JP" sz="1400" dirty="0" smtClean="0">
+                <a:solidFill>
+                  <a:srgbClr val="A31515"/>
+                </a:solidFill>
+                <a:highlight>
+                  <a:srgbClr val="FFFFFF"/>
+                </a:highlight>
+                <a:latin typeface="Consolas" panose="020B0609020204030204" pitchFamily="49" charset="0"/>
+              </a:rPr>
+              <a:t>"</a:t>
+            </a:r>
+            <a:r>
+              <a:rPr lang="en-US" altLang="ja-JP" sz="1400" dirty="0">
+                <a:solidFill>
+                  <a:srgbClr val="A31515"/>
+                </a:solidFill>
+                <a:highlight>
+                  <a:srgbClr val="FFFFFF"/>
+                </a:highlight>
+                <a:latin typeface="Consolas" panose="020B0609020204030204" pitchFamily="49" charset="0"/>
+              </a:rPr>
+              <a:t>Equipment"</a:t>
+            </a:r>
+            <a:r>
+              <a:rPr lang="en-US" altLang="ja-JP" sz="1400" dirty="0">
+                <a:solidFill>
+                  <a:srgbClr val="000000"/>
+                </a:solidFill>
+                <a:highlight>
+                  <a:srgbClr val="FFFFFF"/>
+                </a:highlight>
+                <a:latin typeface="Consolas" panose="020B0609020204030204" pitchFamily="49" charset="0"/>
+              </a:rPr>
+              <a:t>)]</a:t>
+            </a:r>
+          </a:p>
+          <a:p>
+            <a:r>
+              <a:rPr lang="en-US" altLang="ja-JP" sz="1400" dirty="0">
+                <a:solidFill>
+                  <a:srgbClr val="000000"/>
+                </a:solidFill>
+                <a:highlight>
+                  <a:srgbClr val="FFFFFF"/>
+                </a:highlight>
+                <a:latin typeface="Consolas" panose="020B0609020204030204" pitchFamily="49" charset="0"/>
+              </a:rPr>
+              <a:t>    </a:t>
+            </a:r>
+            <a:r>
+              <a:rPr lang="en-US" altLang="ja-JP" sz="1400" dirty="0">
+                <a:solidFill>
+                  <a:srgbClr val="0000FF"/>
+                </a:solidFill>
+                <a:highlight>
+                  <a:srgbClr val="FFFFFF"/>
+                </a:highlight>
+                <a:latin typeface="Consolas" panose="020B0609020204030204" pitchFamily="49" charset="0"/>
+              </a:rPr>
+              <a:t>public</a:t>
+            </a:r>
+            <a:r>
+              <a:rPr lang="en-US" altLang="ja-JP" sz="1400" dirty="0">
+                <a:solidFill>
+                  <a:srgbClr val="000000"/>
+                </a:solidFill>
+                <a:highlight>
+                  <a:srgbClr val="FFFFFF"/>
+                </a:highlight>
+                <a:latin typeface="Consolas" panose="020B0609020204030204" pitchFamily="49" charset="0"/>
+              </a:rPr>
+              <a:t> Equipment </a:t>
+            </a:r>
+            <a:r>
+              <a:rPr lang="en-US" altLang="ja-JP" sz="1400" dirty="0" err="1">
+                <a:solidFill>
+                  <a:srgbClr val="000000"/>
+                </a:solidFill>
+                <a:highlight>
+                  <a:srgbClr val="FFFFFF"/>
+                </a:highlight>
+                <a:latin typeface="Consolas" panose="020B0609020204030204" pitchFamily="49" charset="0"/>
+              </a:rPr>
+              <a:t>Equipment</a:t>
+            </a:r>
+            <a:endParaRPr lang="en-US" altLang="ja-JP" sz="1400" dirty="0">
+              <a:solidFill>
+                <a:srgbClr val="000000"/>
+              </a:solidFill>
+              <a:highlight>
+                <a:srgbClr val="FFFFFF"/>
+              </a:highlight>
+              <a:latin typeface="Consolas" panose="020B0609020204030204" pitchFamily="49" charset="0"/>
+            </a:endParaRPr>
+          </a:p>
+          <a:p>
+            <a:r>
+              <a:rPr lang="ja-JP" altLang="en-US" sz="1400" dirty="0">
+                <a:solidFill>
+                  <a:srgbClr val="000000"/>
+                </a:solidFill>
+                <a:highlight>
+                  <a:srgbClr val="FFFFFF"/>
+                </a:highlight>
+                <a:latin typeface="Consolas" panose="020B0609020204030204" pitchFamily="49" charset="0"/>
+              </a:rPr>
+              <a:t>    </a:t>
+            </a:r>
+            <a:r>
+              <a:rPr lang="en-US" altLang="ja-JP" sz="1400" dirty="0">
+                <a:solidFill>
+                  <a:srgbClr val="000000"/>
+                </a:solidFill>
+                <a:highlight>
+                  <a:srgbClr val="FFFFFF"/>
+                </a:highlight>
+                <a:latin typeface="Consolas" panose="020B0609020204030204" pitchFamily="49" charset="0"/>
+              </a:rPr>
+              <a:t>{</a:t>
+            </a:r>
+          </a:p>
+          <a:p>
+            <a:r>
+              <a:rPr lang="en-US" altLang="ja-JP" sz="1400" dirty="0">
+                <a:solidFill>
+                  <a:srgbClr val="000000"/>
+                </a:solidFill>
+                <a:highlight>
+                  <a:srgbClr val="FFFFFF"/>
+                </a:highlight>
+                <a:latin typeface="Consolas" panose="020B0609020204030204" pitchFamily="49" charset="0"/>
+              </a:rPr>
+              <a:t>        </a:t>
+            </a:r>
+            <a:r>
+              <a:rPr lang="en-US" altLang="ja-JP" sz="1400" dirty="0">
+                <a:solidFill>
+                  <a:srgbClr val="0000FF"/>
+                </a:solidFill>
+                <a:highlight>
+                  <a:srgbClr val="FFFFFF"/>
+                </a:highlight>
+                <a:latin typeface="Consolas" panose="020B0609020204030204" pitchFamily="49" charset="0"/>
+              </a:rPr>
+              <a:t>set</a:t>
+            </a:r>
+            <a:endParaRPr lang="en-US" altLang="ja-JP" sz="1400" dirty="0">
+              <a:solidFill>
+                <a:srgbClr val="000000"/>
+              </a:solidFill>
+              <a:highlight>
+                <a:srgbClr val="FFFFFF"/>
+              </a:highlight>
+              <a:latin typeface="Consolas" panose="020B0609020204030204" pitchFamily="49" charset="0"/>
+            </a:endParaRPr>
+          </a:p>
+          <a:p>
+            <a:r>
+              <a:rPr lang="ja-JP" altLang="en-US" sz="1400" dirty="0">
+                <a:solidFill>
+                  <a:srgbClr val="000000"/>
+                </a:solidFill>
+                <a:highlight>
+                  <a:srgbClr val="FFFFFF"/>
+                </a:highlight>
+                <a:latin typeface="Consolas" panose="020B0609020204030204" pitchFamily="49" charset="0"/>
+              </a:rPr>
+              <a:t>        </a:t>
+            </a:r>
+            <a:r>
+              <a:rPr lang="en-US" altLang="ja-JP" sz="1400" dirty="0">
+                <a:solidFill>
+                  <a:srgbClr val="000000"/>
+                </a:solidFill>
+                <a:highlight>
+                  <a:srgbClr val="FFFFFF"/>
+                </a:highlight>
+                <a:latin typeface="Consolas" panose="020B0609020204030204" pitchFamily="49" charset="0"/>
+              </a:rPr>
+              <a:t>{</a:t>
+            </a:r>
+          </a:p>
+          <a:p>
+            <a:r>
+              <a:rPr lang="en-US" altLang="ja-JP" sz="1400" dirty="0">
+                <a:solidFill>
+                  <a:srgbClr val="000000"/>
+                </a:solidFill>
+                <a:highlight>
+                  <a:srgbClr val="FFFFFF"/>
+                </a:highlight>
+                <a:latin typeface="Consolas" panose="020B0609020204030204" pitchFamily="49" charset="0"/>
+              </a:rPr>
+              <a:t>            </a:t>
+            </a:r>
+            <a:r>
+              <a:rPr lang="en-US" altLang="ja-JP" sz="1400" dirty="0" err="1">
+                <a:solidFill>
+                  <a:srgbClr val="000000"/>
+                </a:solidFill>
+                <a:highlight>
+                  <a:srgbClr val="FFFFFF"/>
+                </a:highlight>
+                <a:latin typeface="Consolas" panose="020B0609020204030204" pitchFamily="49" charset="0"/>
+              </a:rPr>
+              <a:t>SetThumbnail</a:t>
+            </a:r>
+            <a:r>
+              <a:rPr lang="en-US" altLang="ja-JP" sz="1400" dirty="0">
+                <a:solidFill>
+                  <a:srgbClr val="000000"/>
+                </a:solidFill>
+                <a:highlight>
+                  <a:srgbClr val="FFFFFF"/>
+                </a:highlight>
+                <a:latin typeface="Consolas" panose="020B0609020204030204" pitchFamily="49" charset="0"/>
+              </a:rPr>
+              <a:t>(</a:t>
+            </a:r>
+            <a:r>
+              <a:rPr lang="en-US" altLang="ja-JP" sz="1400" dirty="0">
+                <a:solidFill>
+                  <a:srgbClr val="0000FF"/>
+                </a:solidFill>
+                <a:highlight>
+                  <a:srgbClr val="FFFFFF"/>
+                </a:highlight>
+                <a:latin typeface="Consolas" panose="020B0609020204030204" pitchFamily="49" charset="0"/>
+              </a:rPr>
+              <a:t>value</a:t>
+            </a:r>
+            <a:r>
+              <a:rPr lang="en-US" altLang="ja-JP" sz="1400" dirty="0">
+                <a:solidFill>
+                  <a:srgbClr val="000000"/>
+                </a:solidFill>
+                <a:highlight>
+                  <a:srgbClr val="FFFFFF"/>
+                </a:highlight>
+                <a:latin typeface="Consolas" panose="020B0609020204030204" pitchFamily="49" charset="0"/>
+              </a:rPr>
+              <a:t>);</a:t>
+            </a:r>
+          </a:p>
+          <a:p>
+            <a:r>
+              <a:rPr lang="ja-JP" altLang="en-US" sz="1400" dirty="0">
+                <a:solidFill>
+                  <a:srgbClr val="000000"/>
+                </a:solidFill>
+                <a:highlight>
+                  <a:srgbClr val="FFFFFF"/>
+                </a:highlight>
+                <a:latin typeface="Consolas" panose="020B0609020204030204" pitchFamily="49" charset="0"/>
+              </a:rPr>
+              <a:t>        </a:t>
+            </a:r>
+            <a:r>
+              <a:rPr lang="en-US" altLang="ja-JP" sz="1400" dirty="0">
+                <a:solidFill>
+                  <a:srgbClr val="000000"/>
+                </a:solidFill>
+                <a:highlight>
+                  <a:srgbClr val="FFFFFF"/>
+                </a:highlight>
+                <a:latin typeface="Consolas" panose="020B0609020204030204" pitchFamily="49" charset="0"/>
+              </a:rPr>
+              <a:t>}</a:t>
+            </a:r>
+          </a:p>
+          <a:p>
+            <a:r>
+              <a:rPr lang="ja-JP" altLang="en-US" sz="1400" dirty="0">
+                <a:solidFill>
+                  <a:srgbClr val="000000"/>
+                </a:solidFill>
+                <a:highlight>
+                  <a:srgbClr val="FFFFFF"/>
+                </a:highlight>
+                <a:latin typeface="Consolas" panose="020B0609020204030204" pitchFamily="49" charset="0"/>
+              </a:rPr>
+              <a:t>    </a:t>
+            </a:r>
+            <a:r>
+              <a:rPr lang="en-US" altLang="ja-JP" sz="1400" dirty="0" smtClean="0">
+                <a:solidFill>
+                  <a:srgbClr val="000000"/>
+                </a:solidFill>
+                <a:highlight>
+                  <a:srgbClr val="FFFFFF"/>
+                </a:highlight>
+                <a:latin typeface="Consolas" panose="020B0609020204030204" pitchFamily="49" charset="0"/>
+              </a:rPr>
+              <a:t>}</a:t>
+            </a:r>
+            <a:endParaRPr kumimoji="1" lang="ja-JP" altLang="en-US" sz="1400" dirty="0"/>
+          </a:p>
+        </p:txBody>
+      </p:sp>
+      <p:sp>
+        <p:nvSpPr>
+          <p:cNvPr id="5" name="テキスト ボックス 4"/>
+          <p:cNvSpPr txBox="1"/>
+          <p:nvPr/>
+        </p:nvSpPr>
+        <p:spPr>
+          <a:xfrm>
+            <a:off x="838200" y="3100261"/>
+            <a:ext cx="1632178" cy="369332"/>
+          </a:xfrm>
+          <a:prstGeom prst="rect">
+            <a:avLst/>
+          </a:prstGeom>
+          <a:noFill/>
+        </p:spPr>
+        <p:txBody>
+          <a:bodyPr wrap="none" rtlCol="0">
+            <a:spAutoFit/>
+          </a:bodyPr>
+          <a:lstStyle/>
+          <a:p>
+            <a:r>
+              <a:rPr kumimoji="1" lang="ja-JP" altLang="en-US" dirty="0" smtClean="0"/>
+              <a:t>ビューのコード</a:t>
+            </a:r>
+            <a:endParaRPr kumimoji="1" lang="ja-JP" altLang="en-US" dirty="0"/>
+          </a:p>
+        </p:txBody>
+      </p:sp>
+      <p:sp>
+        <p:nvSpPr>
+          <p:cNvPr id="6" name="テキスト ボックス 5"/>
+          <p:cNvSpPr txBox="1"/>
+          <p:nvPr/>
+        </p:nvSpPr>
+        <p:spPr>
+          <a:xfrm>
+            <a:off x="6288463" y="3469593"/>
+            <a:ext cx="5750292" cy="2677656"/>
+          </a:xfrm>
+          <a:prstGeom prst="rect">
+            <a:avLst/>
+          </a:prstGeom>
+        </p:spPr>
+        <p:style>
+          <a:lnRef idx="2">
+            <a:schemeClr val="accent5"/>
+          </a:lnRef>
+          <a:fillRef idx="1">
+            <a:schemeClr val="lt1"/>
+          </a:fillRef>
+          <a:effectRef idx="0">
+            <a:schemeClr val="accent5"/>
+          </a:effectRef>
+          <a:fontRef idx="minor">
+            <a:schemeClr val="dk1"/>
+          </a:fontRef>
+        </p:style>
+        <p:txBody>
+          <a:bodyPr wrap="none" rtlCol="0">
+            <a:spAutoFit/>
+          </a:bodyPr>
+          <a:lstStyle/>
+          <a:p>
+            <a:r>
+              <a:rPr lang="en-US" altLang="ja-JP" sz="1400" dirty="0">
+                <a:solidFill>
+                  <a:srgbClr val="0000FF"/>
+                </a:solidFill>
+                <a:highlight>
+                  <a:srgbClr val="FFFFFF"/>
+                </a:highlight>
+                <a:latin typeface="Consolas" panose="020B0609020204030204" pitchFamily="49" charset="0"/>
+              </a:rPr>
+              <a:t>partial</a:t>
+            </a:r>
+            <a:r>
+              <a:rPr lang="en-US" altLang="ja-JP" sz="1400" dirty="0">
+                <a:solidFill>
+                  <a:srgbClr val="000000"/>
+                </a:solidFill>
+                <a:highlight>
+                  <a:srgbClr val="FFFFFF"/>
+                </a:highlight>
+                <a:latin typeface="Consolas" panose="020B0609020204030204" pitchFamily="49" charset="0"/>
+              </a:rPr>
+              <a:t> </a:t>
+            </a:r>
+            <a:r>
+              <a:rPr lang="en-US" altLang="ja-JP" sz="1400" dirty="0">
+                <a:solidFill>
+                  <a:srgbClr val="0000FF"/>
+                </a:solidFill>
+                <a:highlight>
+                  <a:srgbClr val="FFFFFF"/>
+                </a:highlight>
+                <a:latin typeface="Consolas" panose="020B0609020204030204" pitchFamily="49" charset="0"/>
+              </a:rPr>
+              <a:t>class</a:t>
+            </a:r>
+            <a:r>
+              <a:rPr lang="en-US" altLang="ja-JP" sz="1400" dirty="0">
+                <a:solidFill>
+                  <a:srgbClr val="000000"/>
+                </a:solidFill>
+                <a:highlight>
+                  <a:srgbClr val="FFFFFF"/>
+                </a:highlight>
+                <a:latin typeface="Consolas" panose="020B0609020204030204" pitchFamily="49" charset="0"/>
+              </a:rPr>
+              <a:t> </a:t>
+            </a:r>
+            <a:r>
+              <a:rPr lang="en-US" altLang="ja-JP" sz="1400" dirty="0" err="1" smtClean="0">
+                <a:solidFill>
+                  <a:srgbClr val="2B91AF"/>
+                </a:solidFill>
+                <a:highlight>
+                  <a:srgbClr val="FFFFFF"/>
+                </a:highlight>
+                <a:latin typeface="Consolas" panose="020B0609020204030204" pitchFamily="49" charset="0"/>
+              </a:rPr>
+              <a:t>EquipmentContent</a:t>
+            </a:r>
+            <a:endParaRPr lang="en-US" altLang="ja-JP" sz="1400" dirty="0">
+              <a:solidFill>
+                <a:srgbClr val="000000"/>
+              </a:solidFill>
+              <a:highlight>
+                <a:srgbClr val="FFFFFF"/>
+              </a:highlight>
+              <a:latin typeface="Consolas" panose="020B0609020204030204" pitchFamily="49" charset="0"/>
+            </a:endParaRPr>
+          </a:p>
+          <a:p>
+            <a:r>
+              <a:rPr lang="en-US" altLang="ja-JP" sz="1400" dirty="0">
+                <a:solidFill>
+                  <a:srgbClr val="000000"/>
+                </a:solidFill>
+                <a:highlight>
+                  <a:srgbClr val="FFFFFF"/>
+                </a:highlight>
+                <a:latin typeface="Consolas" panose="020B0609020204030204" pitchFamily="49" charset="0"/>
+              </a:rPr>
+              <a:t>{</a:t>
+            </a:r>
+          </a:p>
+          <a:p>
+            <a:r>
+              <a:rPr lang="ja-JP" altLang="en-US" sz="1400" dirty="0" smtClean="0">
+                <a:solidFill>
+                  <a:srgbClr val="0000FF"/>
+                </a:solidFill>
+                <a:highlight>
+                  <a:srgbClr val="FFFFFF"/>
+                </a:highlight>
+                <a:latin typeface="Consolas" panose="020B0609020204030204" pitchFamily="49" charset="0"/>
+              </a:rPr>
+              <a:t>    </a:t>
+            </a:r>
+            <a:r>
+              <a:rPr lang="en-US" altLang="ja-JP" sz="1400" dirty="0" smtClean="0">
+                <a:solidFill>
+                  <a:srgbClr val="0000FF"/>
+                </a:solidFill>
+                <a:highlight>
+                  <a:srgbClr val="FFFFFF"/>
+                </a:highlight>
+                <a:latin typeface="Consolas" panose="020B0609020204030204" pitchFamily="49" charset="0"/>
+              </a:rPr>
+              <a:t>public</a:t>
+            </a:r>
+            <a:r>
+              <a:rPr lang="en-US" altLang="ja-JP" sz="1400" dirty="0" smtClean="0">
+                <a:solidFill>
+                  <a:srgbClr val="000000"/>
+                </a:solidFill>
+                <a:highlight>
+                  <a:srgbClr val="FFFFFF"/>
+                </a:highlight>
+                <a:latin typeface="Consolas" panose="020B0609020204030204" pitchFamily="49" charset="0"/>
+              </a:rPr>
+              <a:t> </a:t>
+            </a:r>
+            <a:r>
+              <a:rPr lang="en-US" altLang="ja-JP" sz="1400" dirty="0" err="1" smtClean="0">
+                <a:solidFill>
+                  <a:srgbClr val="2B91AF"/>
+                </a:solidFill>
+                <a:highlight>
+                  <a:srgbClr val="FFFFFF"/>
+                </a:highlight>
+                <a:latin typeface="Consolas" panose="020B0609020204030204" pitchFamily="49" charset="0"/>
+              </a:rPr>
+              <a:t>EquipmentContentModel</a:t>
+            </a:r>
+            <a:r>
+              <a:rPr lang="en-US" altLang="ja-JP" sz="1400" dirty="0" smtClean="0">
+                <a:solidFill>
+                  <a:srgbClr val="000000"/>
+                </a:solidFill>
+                <a:highlight>
+                  <a:srgbClr val="FFFFFF"/>
+                </a:highlight>
+                <a:latin typeface="Consolas" panose="020B0609020204030204" pitchFamily="49" charset="0"/>
+              </a:rPr>
+              <a:t> </a:t>
+            </a:r>
+            <a:r>
+              <a:rPr lang="en-US" altLang="ja-JP" sz="1400" dirty="0" err="1">
+                <a:solidFill>
+                  <a:srgbClr val="000000"/>
+                </a:solidFill>
+                <a:highlight>
+                  <a:srgbClr val="FFFFFF"/>
+                </a:highlight>
+                <a:latin typeface="Consolas" panose="020B0609020204030204" pitchFamily="49" charset="0"/>
+              </a:rPr>
+              <a:t>ViewModel</a:t>
+            </a:r>
+            <a:r>
+              <a:rPr lang="en-US" altLang="ja-JP" sz="1400" dirty="0">
+                <a:solidFill>
+                  <a:srgbClr val="000000"/>
+                </a:solidFill>
+                <a:highlight>
+                  <a:srgbClr val="FFFFFF"/>
+                </a:highlight>
+                <a:latin typeface="Consolas" panose="020B0609020204030204" pitchFamily="49" charset="0"/>
+              </a:rPr>
+              <a:t> { </a:t>
+            </a:r>
+            <a:r>
+              <a:rPr lang="en-US" altLang="ja-JP" sz="1400" dirty="0">
+                <a:solidFill>
+                  <a:srgbClr val="0000FF"/>
+                </a:solidFill>
+                <a:highlight>
+                  <a:srgbClr val="FFFFFF"/>
+                </a:highlight>
+                <a:latin typeface="Consolas" panose="020B0609020204030204" pitchFamily="49" charset="0"/>
+              </a:rPr>
+              <a:t>get</a:t>
+            </a:r>
+            <a:r>
+              <a:rPr lang="en-US" altLang="ja-JP" sz="1400" dirty="0">
+                <a:solidFill>
+                  <a:srgbClr val="000000"/>
+                </a:solidFill>
+                <a:highlight>
+                  <a:srgbClr val="FFFFFF"/>
+                </a:highlight>
+                <a:latin typeface="Consolas" panose="020B0609020204030204" pitchFamily="49" charset="0"/>
+              </a:rPr>
+              <a:t> </a:t>
+            </a:r>
+            <a:r>
+              <a:rPr lang="en-US" altLang="ja-JP" sz="1400" dirty="0" smtClean="0">
+                <a:solidFill>
+                  <a:srgbClr val="000000"/>
+                </a:solidFill>
+                <a:highlight>
+                  <a:srgbClr val="FFFFFF"/>
+                </a:highlight>
+                <a:latin typeface="Consolas" panose="020B0609020204030204" pitchFamily="49" charset="0"/>
+              </a:rPr>
+              <a:t>…</a:t>
+            </a:r>
+            <a:endParaRPr lang="en-US" altLang="ja-JP" sz="1400" dirty="0">
+              <a:solidFill>
+                <a:srgbClr val="000000"/>
+              </a:solidFill>
+              <a:highlight>
+                <a:srgbClr val="FFFFFF"/>
+              </a:highlight>
+              <a:latin typeface="Consolas" panose="020B0609020204030204" pitchFamily="49" charset="0"/>
+            </a:endParaRPr>
+          </a:p>
+          <a:p>
+            <a:endParaRPr lang="ja-JP" altLang="en-US" sz="1400" dirty="0">
+              <a:solidFill>
+                <a:srgbClr val="000000"/>
+              </a:solidFill>
+              <a:highlight>
+                <a:srgbClr val="FFFFFF"/>
+              </a:highlight>
+              <a:latin typeface="Consolas" panose="020B0609020204030204" pitchFamily="49" charset="0"/>
+            </a:endParaRPr>
+          </a:p>
+          <a:p>
+            <a:r>
+              <a:rPr lang="ja-JP" altLang="en-US" sz="1400" dirty="0" smtClean="0">
+                <a:solidFill>
+                  <a:srgbClr val="0000FF"/>
+                </a:solidFill>
+                <a:highlight>
+                  <a:srgbClr val="FFFFFF"/>
+                </a:highlight>
+                <a:latin typeface="Consolas" panose="020B0609020204030204" pitchFamily="49" charset="0"/>
+              </a:rPr>
+              <a:t>    </a:t>
+            </a:r>
+            <a:r>
+              <a:rPr lang="en-US" altLang="ja-JP" sz="1400" dirty="0" smtClean="0">
+                <a:solidFill>
+                  <a:srgbClr val="0000FF"/>
+                </a:solidFill>
+                <a:highlight>
+                  <a:srgbClr val="FFFFFF"/>
+                </a:highlight>
+                <a:latin typeface="Consolas" panose="020B0609020204030204" pitchFamily="49" charset="0"/>
+              </a:rPr>
+              <a:t>void</a:t>
+            </a:r>
+            <a:r>
+              <a:rPr lang="en-US" altLang="ja-JP" sz="1400" dirty="0" smtClean="0">
+                <a:solidFill>
+                  <a:srgbClr val="000000"/>
+                </a:solidFill>
+                <a:highlight>
+                  <a:srgbClr val="FFFFFF"/>
+                </a:highlight>
+                <a:latin typeface="Consolas" panose="020B0609020204030204" pitchFamily="49" charset="0"/>
+              </a:rPr>
+              <a:t> </a:t>
+            </a:r>
+            <a:r>
+              <a:rPr lang="en-US" altLang="ja-JP" sz="1400" dirty="0" err="1">
+                <a:solidFill>
+                  <a:srgbClr val="000000"/>
+                </a:solidFill>
+                <a:highlight>
+                  <a:srgbClr val="FFFFFF"/>
+                </a:highlight>
+                <a:latin typeface="Consolas" panose="020B0609020204030204" pitchFamily="49" charset="0"/>
+              </a:rPr>
+              <a:t>SourcePropertyChanged</a:t>
+            </a:r>
+            <a:r>
+              <a:rPr lang="en-US" altLang="ja-JP" sz="1400" dirty="0">
+                <a:solidFill>
+                  <a:srgbClr val="000000"/>
+                </a:solidFill>
+                <a:highlight>
+                  <a:srgbClr val="FFFFFF"/>
+                </a:highlight>
+                <a:latin typeface="Consolas" panose="020B0609020204030204" pitchFamily="49" charset="0"/>
+              </a:rPr>
+              <a:t>(</a:t>
+            </a:r>
+            <a:r>
+              <a:rPr lang="en-US" altLang="ja-JP" sz="1400" dirty="0">
+                <a:solidFill>
+                  <a:srgbClr val="0000FF"/>
+                </a:solidFill>
+                <a:highlight>
+                  <a:srgbClr val="FFFFFF"/>
+                </a:highlight>
+                <a:latin typeface="Consolas" panose="020B0609020204030204" pitchFamily="49" charset="0"/>
+              </a:rPr>
+              <a:t>object</a:t>
+            </a:r>
+            <a:r>
+              <a:rPr lang="en-US" altLang="ja-JP" sz="1400" dirty="0">
+                <a:solidFill>
+                  <a:srgbClr val="000000"/>
+                </a:solidFill>
+                <a:highlight>
+                  <a:srgbClr val="FFFFFF"/>
+                </a:highlight>
+                <a:latin typeface="Consolas" panose="020B0609020204030204" pitchFamily="49" charset="0"/>
+              </a:rPr>
+              <a:t> sender, </a:t>
+            </a:r>
+            <a:r>
+              <a:rPr lang="en-US" altLang="ja-JP" sz="1400" dirty="0" smtClean="0">
+                <a:solidFill>
+                  <a:srgbClr val="000000"/>
+                </a:solidFill>
+                <a:highlight>
+                  <a:srgbClr val="FFFFFF"/>
+                </a:highlight>
+                <a:latin typeface="Consolas" panose="020B0609020204030204" pitchFamily="49" charset="0"/>
+              </a:rPr>
+              <a:t>…</a:t>
+            </a:r>
+            <a:endParaRPr lang="en-US" altLang="ja-JP" sz="1400" dirty="0">
+              <a:solidFill>
+                <a:srgbClr val="000000"/>
+              </a:solidFill>
+              <a:highlight>
+                <a:srgbClr val="FFFFFF"/>
+              </a:highlight>
+              <a:latin typeface="Consolas" panose="020B0609020204030204" pitchFamily="49" charset="0"/>
+            </a:endParaRPr>
+          </a:p>
+          <a:p>
+            <a:r>
+              <a:rPr lang="ja-JP" altLang="en-US" sz="1400" dirty="0">
+                <a:solidFill>
+                  <a:srgbClr val="000000"/>
+                </a:solidFill>
+                <a:highlight>
+                  <a:srgbClr val="FFFFFF"/>
+                </a:highlight>
+                <a:latin typeface="Consolas" panose="020B0609020204030204" pitchFamily="49" charset="0"/>
+              </a:rPr>
+              <a:t>    </a:t>
+            </a:r>
+            <a:r>
+              <a:rPr lang="en-US" altLang="ja-JP" sz="1400" dirty="0">
+                <a:solidFill>
+                  <a:srgbClr val="000000"/>
+                </a:solidFill>
+                <a:highlight>
+                  <a:srgbClr val="FFFFFF"/>
+                </a:highlight>
+                <a:latin typeface="Consolas" panose="020B0609020204030204" pitchFamily="49" charset="0"/>
+              </a:rPr>
+              <a:t>{</a:t>
+            </a:r>
+          </a:p>
+          <a:p>
+            <a:r>
+              <a:rPr lang="en-US" altLang="ja-JP" sz="1400" dirty="0">
+                <a:solidFill>
+                  <a:srgbClr val="000000"/>
+                </a:solidFill>
+                <a:highlight>
+                  <a:srgbClr val="FFFFFF"/>
+                </a:highlight>
+                <a:latin typeface="Consolas" panose="020B0609020204030204" pitchFamily="49" charset="0"/>
+              </a:rPr>
+              <a:t>        </a:t>
+            </a:r>
+            <a:r>
+              <a:rPr lang="en-US" altLang="ja-JP" sz="1400" dirty="0" err="1">
+                <a:solidFill>
+                  <a:srgbClr val="0000FF"/>
+                </a:solidFill>
+                <a:highlight>
+                  <a:srgbClr val="FFFFFF"/>
+                </a:highlight>
+                <a:latin typeface="Consolas" panose="020B0609020204030204" pitchFamily="49" charset="0"/>
+              </a:rPr>
+              <a:t>base</a:t>
+            </a:r>
+            <a:r>
+              <a:rPr lang="en-US" altLang="ja-JP" sz="1400" dirty="0" err="1">
+                <a:solidFill>
+                  <a:srgbClr val="000000"/>
+                </a:solidFill>
+                <a:highlight>
+                  <a:srgbClr val="FFFFFF"/>
+                </a:highlight>
+                <a:latin typeface="Consolas" panose="020B0609020204030204" pitchFamily="49" charset="0"/>
+              </a:rPr>
+              <a:t>.SourcePropertyChanged</a:t>
+            </a:r>
+            <a:r>
+              <a:rPr lang="en-US" altLang="ja-JP" sz="1400" dirty="0">
+                <a:solidFill>
+                  <a:srgbClr val="000000"/>
+                </a:solidFill>
+                <a:highlight>
+                  <a:srgbClr val="FFFFFF"/>
+                </a:highlight>
+                <a:latin typeface="Consolas" panose="020B0609020204030204" pitchFamily="49" charset="0"/>
+              </a:rPr>
+              <a:t>(sender, e);</a:t>
+            </a:r>
+          </a:p>
+          <a:p>
+            <a:r>
+              <a:rPr lang="en-US" altLang="ja-JP" sz="1400" dirty="0">
+                <a:solidFill>
+                  <a:srgbClr val="000000"/>
+                </a:solidFill>
+                <a:highlight>
+                  <a:srgbClr val="FFFFFF"/>
+                </a:highlight>
+                <a:latin typeface="Consolas" panose="020B0609020204030204" pitchFamily="49" charset="0"/>
+              </a:rPr>
+              <a:t>        </a:t>
+            </a:r>
+            <a:r>
+              <a:rPr lang="en-US" altLang="ja-JP" sz="1400" dirty="0" err="1">
+                <a:solidFill>
+                  <a:srgbClr val="0000FF"/>
+                </a:solidFill>
+                <a:highlight>
+                  <a:srgbClr val="FFFFFF"/>
+                </a:highlight>
+                <a:latin typeface="Consolas" panose="020B0609020204030204" pitchFamily="49" charset="0"/>
+              </a:rPr>
+              <a:t>var</a:t>
+            </a:r>
+            <a:r>
+              <a:rPr lang="en-US" altLang="ja-JP" sz="1400" dirty="0">
+                <a:solidFill>
+                  <a:srgbClr val="000000"/>
+                </a:solidFill>
+                <a:highlight>
+                  <a:srgbClr val="FFFFFF"/>
+                </a:highlight>
+                <a:latin typeface="Consolas" panose="020B0609020204030204" pitchFamily="49" charset="0"/>
+              </a:rPr>
+              <a:t> data = </a:t>
+            </a:r>
+            <a:r>
+              <a:rPr lang="en-US" altLang="ja-JP" sz="1400" dirty="0" err="1">
+                <a:solidFill>
+                  <a:srgbClr val="000000"/>
+                </a:solidFill>
+                <a:highlight>
+                  <a:srgbClr val="FFFFFF"/>
+                </a:highlight>
+                <a:latin typeface="Consolas" panose="020B0609020204030204" pitchFamily="49" charset="0"/>
+              </a:rPr>
+              <a:t>DataContext</a:t>
+            </a:r>
+            <a:r>
+              <a:rPr lang="en-US" altLang="ja-JP" sz="1400" dirty="0">
+                <a:solidFill>
+                  <a:srgbClr val="000000"/>
+                </a:solidFill>
+                <a:highlight>
+                  <a:srgbClr val="FFFFFF"/>
+                </a:highlight>
+                <a:latin typeface="Consolas" panose="020B0609020204030204" pitchFamily="49" charset="0"/>
+              </a:rPr>
+              <a:t> </a:t>
+            </a:r>
+            <a:r>
+              <a:rPr lang="en-US" altLang="ja-JP" sz="1400" dirty="0">
+                <a:solidFill>
+                  <a:srgbClr val="0000FF"/>
+                </a:solidFill>
+                <a:highlight>
+                  <a:srgbClr val="FFFFFF"/>
+                </a:highlight>
+                <a:latin typeface="Consolas" panose="020B0609020204030204" pitchFamily="49" charset="0"/>
+              </a:rPr>
+              <a:t>as</a:t>
+            </a:r>
+            <a:r>
+              <a:rPr lang="en-US" altLang="ja-JP" sz="1400" dirty="0">
+                <a:solidFill>
+                  <a:srgbClr val="000000"/>
+                </a:solidFill>
+                <a:highlight>
+                  <a:srgbClr val="FFFFFF"/>
+                </a:highlight>
+                <a:latin typeface="Consolas" panose="020B0609020204030204" pitchFamily="49" charset="0"/>
+              </a:rPr>
+              <a:t> </a:t>
+            </a:r>
+            <a:r>
+              <a:rPr lang="en-US" altLang="ja-JP" sz="1400" dirty="0" err="1" smtClean="0">
+                <a:solidFill>
+                  <a:srgbClr val="2B91AF"/>
+                </a:solidFill>
+                <a:highlight>
+                  <a:srgbClr val="FFFFFF"/>
+                </a:highlight>
+                <a:latin typeface="Consolas" panose="020B0609020204030204" pitchFamily="49" charset="0"/>
+              </a:rPr>
+              <a:t>EquipmentContentModel</a:t>
+            </a:r>
+            <a:r>
+              <a:rPr lang="en-US" altLang="ja-JP" sz="1400" dirty="0">
+                <a:solidFill>
+                  <a:srgbClr val="000000"/>
+                </a:solidFill>
+                <a:highlight>
+                  <a:srgbClr val="FFFFFF"/>
+                </a:highlight>
+                <a:latin typeface="Consolas" panose="020B0609020204030204" pitchFamily="49" charset="0"/>
+              </a:rPr>
+              <a:t>;</a:t>
+            </a:r>
+          </a:p>
+          <a:p>
+            <a:r>
+              <a:rPr lang="en-US" altLang="ja-JP" sz="1400" dirty="0">
+                <a:solidFill>
+                  <a:srgbClr val="000000"/>
+                </a:solidFill>
+                <a:highlight>
+                  <a:srgbClr val="FFFFFF"/>
+                </a:highlight>
+                <a:latin typeface="Consolas" panose="020B0609020204030204" pitchFamily="49" charset="0"/>
+              </a:rPr>
+              <a:t>        </a:t>
+            </a:r>
+            <a:r>
+              <a:rPr lang="en-US" altLang="ja-JP" sz="1400" dirty="0">
+                <a:solidFill>
+                  <a:srgbClr val="0000FF"/>
+                </a:solidFill>
+                <a:highlight>
+                  <a:srgbClr val="FFFFFF"/>
+                </a:highlight>
+                <a:latin typeface="Consolas" panose="020B0609020204030204" pitchFamily="49" charset="0"/>
+              </a:rPr>
+              <a:t>if</a:t>
+            </a:r>
+            <a:r>
+              <a:rPr lang="en-US" altLang="ja-JP" sz="1400" dirty="0">
+                <a:solidFill>
+                  <a:srgbClr val="000000"/>
+                </a:solidFill>
+                <a:highlight>
+                  <a:srgbClr val="FFFFFF"/>
+                </a:highlight>
+                <a:latin typeface="Consolas" panose="020B0609020204030204" pitchFamily="49" charset="0"/>
+              </a:rPr>
+              <a:t>(data == </a:t>
+            </a:r>
+            <a:r>
+              <a:rPr lang="en-US" altLang="ja-JP" sz="1400" dirty="0">
+                <a:solidFill>
+                  <a:srgbClr val="0000FF"/>
+                </a:solidFill>
+                <a:highlight>
+                  <a:srgbClr val="FFFFFF"/>
+                </a:highlight>
+                <a:latin typeface="Consolas" panose="020B0609020204030204" pitchFamily="49" charset="0"/>
+              </a:rPr>
+              <a:t>null</a:t>
+            </a:r>
+            <a:r>
+              <a:rPr lang="en-US" altLang="ja-JP" sz="1400" dirty="0">
+                <a:solidFill>
+                  <a:srgbClr val="000000"/>
+                </a:solidFill>
+                <a:highlight>
+                  <a:srgbClr val="FFFFFF"/>
+                </a:highlight>
+                <a:latin typeface="Consolas" panose="020B0609020204030204" pitchFamily="49" charset="0"/>
+              </a:rPr>
+              <a:t>) </a:t>
+            </a:r>
+            <a:r>
+              <a:rPr lang="en-US" altLang="ja-JP" sz="1400" dirty="0">
+                <a:solidFill>
+                  <a:srgbClr val="0000FF"/>
+                </a:solidFill>
+                <a:highlight>
+                  <a:srgbClr val="FFFFFF"/>
+                </a:highlight>
+                <a:latin typeface="Consolas" panose="020B0609020204030204" pitchFamily="49" charset="0"/>
+              </a:rPr>
+              <a:t>return</a:t>
+            </a:r>
+            <a:r>
+              <a:rPr lang="en-US" altLang="ja-JP" sz="1400" dirty="0">
+                <a:solidFill>
+                  <a:srgbClr val="000000"/>
+                </a:solidFill>
+                <a:highlight>
+                  <a:srgbClr val="FFFFFF"/>
+                </a:highlight>
+                <a:latin typeface="Consolas" panose="020B0609020204030204" pitchFamily="49" charset="0"/>
+              </a:rPr>
+              <a:t>;</a:t>
+            </a:r>
+          </a:p>
+          <a:p>
+            <a:r>
+              <a:rPr lang="en-US" altLang="ja-JP" sz="1400" dirty="0">
+                <a:solidFill>
+                  <a:srgbClr val="000000"/>
+                </a:solidFill>
+                <a:highlight>
+                  <a:srgbClr val="FFFFFF"/>
+                </a:highlight>
+                <a:latin typeface="Consolas" panose="020B0609020204030204" pitchFamily="49" charset="0"/>
+              </a:rPr>
+              <a:t>        </a:t>
+            </a:r>
+            <a:r>
+              <a:rPr lang="en-US" altLang="ja-JP" sz="1400" dirty="0">
+                <a:solidFill>
+                  <a:srgbClr val="0000FF"/>
+                </a:solidFill>
+                <a:highlight>
+                  <a:srgbClr val="FFFFFF"/>
+                </a:highlight>
+                <a:latin typeface="Consolas" panose="020B0609020204030204" pitchFamily="49" charset="0"/>
+              </a:rPr>
+              <a:t>if</a:t>
+            </a:r>
+            <a:r>
+              <a:rPr lang="en-US" altLang="ja-JP" sz="1400" dirty="0">
+                <a:solidFill>
+                  <a:srgbClr val="000000"/>
+                </a:solidFill>
+                <a:highlight>
+                  <a:srgbClr val="FFFFFF"/>
+                </a:highlight>
+                <a:latin typeface="Consolas" panose="020B0609020204030204" pitchFamily="49" charset="0"/>
+              </a:rPr>
+              <a:t> (</a:t>
+            </a:r>
+            <a:r>
+              <a:rPr lang="en-US" altLang="ja-JP" sz="1400" dirty="0" err="1">
+                <a:solidFill>
+                  <a:srgbClr val="000000"/>
+                </a:solidFill>
+                <a:highlight>
+                  <a:srgbClr val="FFFFFF"/>
+                </a:highlight>
+                <a:latin typeface="Consolas" panose="020B0609020204030204" pitchFamily="49" charset="0"/>
+              </a:rPr>
+              <a:t>e.PropertyName</a:t>
+            </a:r>
+            <a:r>
+              <a:rPr lang="en-US" altLang="ja-JP" sz="1400" dirty="0">
+                <a:solidFill>
+                  <a:srgbClr val="000000"/>
+                </a:solidFill>
+                <a:highlight>
+                  <a:srgbClr val="FFFFFF"/>
+                </a:highlight>
+                <a:latin typeface="Consolas" panose="020B0609020204030204" pitchFamily="49" charset="0"/>
+              </a:rPr>
+              <a:t> == </a:t>
+            </a:r>
+            <a:r>
+              <a:rPr lang="en-US" altLang="ja-JP" sz="1400" dirty="0">
+                <a:solidFill>
+                  <a:srgbClr val="A31515"/>
+                </a:solidFill>
+                <a:highlight>
+                  <a:srgbClr val="FFFFFF"/>
+                </a:highlight>
+                <a:latin typeface="Consolas" panose="020B0609020204030204" pitchFamily="49" charset="0"/>
+              </a:rPr>
+              <a:t>"Equipment</a:t>
+            </a:r>
+            <a:r>
+              <a:rPr lang="en-US" altLang="ja-JP" sz="1400" dirty="0" smtClean="0">
+                <a:solidFill>
+                  <a:srgbClr val="A31515"/>
+                </a:solidFill>
+                <a:highlight>
+                  <a:srgbClr val="FFFFFF"/>
+                </a:highlight>
+                <a:latin typeface="Consolas" panose="020B0609020204030204" pitchFamily="49" charset="0"/>
+              </a:rPr>
+              <a:t>"</a:t>
+            </a:r>
+            <a:r>
+              <a:rPr lang="en-US" altLang="ja-JP" sz="1400" dirty="0" smtClean="0">
+                <a:solidFill>
+                  <a:srgbClr val="000000"/>
+                </a:solidFill>
+                <a:highlight>
+                  <a:srgbClr val="FFFFFF"/>
+                </a:highlight>
+                <a:latin typeface="Consolas" panose="020B0609020204030204" pitchFamily="49" charset="0"/>
+              </a:rPr>
+              <a:t>)</a:t>
+            </a:r>
+          </a:p>
+          <a:p>
+            <a:r>
+              <a:rPr lang="en-US" altLang="ja-JP" sz="1400" dirty="0">
+                <a:solidFill>
+                  <a:srgbClr val="000000"/>
+                </a:solidFill>
+                <a:highlight>
+                  <a:srgbClr val="FFFFFF"/>
+                </a:highlight>
+                <a:latin typeface="Consolas" panose="020B0609020204030204" pitchFamily="49" charset="0"/>
+              </a:rPr>
+              <a:t> </a:t>
+            </a:r>
+            <a:r>
+              <a:rPr lang="en-US" altLang="ja-JP" sz="1400" dirty="0" smtClean="0">
+                <a:solidFill>
+                  <a:srgbClr val="000000"/>
+                </a:solidFill>
+                <a:highlight>
+                  <a:srgbClr val="FFFFFF"/>
+                </a:highlight>
+                <a:latin typeface="Consolas" panose="020B0609020204030204" pitchFamily="49" charset="0"/>
+              </a:rPr>
+              <a:t>            </a:t>
+            </a:r>
+            <a:r>
+              <a:rPr lang="en-US" altLang="ja-JP" sz="1400" dirty="0">
+                <a:solidFill>
+                  <a:srgbClr val="000000"/>
+                </a:solidFill>
+                <a:highlight>
+                  <a:srgbClr val="FFFFFF"/>
+                </a:highlight>
+                <a:latin typeface="Consolas" panose="020B0609020204030204" pitchFamily="49" charset="0"/>
+              </a:rPr>
+              <a:t>Equipment = </a:t>
+            </a:r>
+            <a:r>
+              <a:rPr lang="en-US" altLang="ja-JP" sz="1400" dirty="0" err="1">
+                <a:solidFill>
+                  <a:srgbClr val="000000"/>
+                </a:solidFill>
+                <a:highlight>
+                  <a:srgbClr val="FFFFFF"/>
+                </a:highlight>
+                <a:latin typeface="Consolas" panose="020B0609020204030204" pitchFamily="49" charset="0"/>
+              </a:rPr>
+              <a:t>data.Equipment</a:t>
+            </a:r>
+            <a:r>
+              <a:rPr lang="en-US" altLang="ja-JP" sz="1400" dirty="0">
+                <a:solidFill>
+                  <a:srgbClr val="000000"/>
+                </a:solidFill>
+                <a:highlight>
+                  <a:srgbClr val="FFFFFF"/>
+                </a:highlight>
+                <a:latin typeface="Consolas" panose="020B0609020204030204" pitchFamily="49" charset="0"/>
+              </a:rPr>
+              <a:t>;</a:t>
+            </a:r>
+          </a:p>
+          <a:p>
+            <a:r>
+              <a:rPr lang="en-US" altLang="ja-JP" sz="1400" dirty="0" smtClean="0">
+                <a:solidFill>
+                  <a:srgbClr val="000000"/>
+                </a:solidFill>
+                <a:highlight>
+                  <a:srgbClr val="FFFFFF"/>
+                </a:highlight>
+                <a:latin typeface="Consolas" panose="020B0609020204030204" pitchFamily="49" charset="0"/>
+              </a:rPr>
+              <a:t>…</a:t>
+            </a:r>
+            <a:endParaRPr lang="en-US" altLang="ja-JP" sz="1400" dirty="0">
+              <a:solidFill>
+                <a:srgbClr val="000000"/>
+              </a:solidFill>
+              <a:highlight>
+                <a:srgbClr val="FFFFFF"/>
+              </a:highlight>
+              <a:latin typeface="Consolas" panose="020B0609020204030204" pitchFamily="49" charset="0"/>
+            </a:endParaRPr>
+          </a:p>
+        </p:txBody>
+      </p:sp>
+      <p:sp>
+        <p:nvSpPr>
+          <p:cNvPr id="7" name="右矢印 6"/>
+          <p:cNvSpPr/>
+          <p:nvPr/>
+        </p:nvSpPr>
+        <p:spPr>
+          <a:xfrm>
+            <a:off x="4583395" y="5100808"/>
+            <a:ext cx="1765103" cy="307648"/>
+          </a:xfrm>
+          <a:prstGeom prst="rightArrow">
+            <a:avLst/>
+          </a:prstGeom>
+        </p:spPr>
+        <p:style>
+          <a:lnRef idx="1">
+            <a:schemeClr val="accent4"/>
+          </a:lnRef>
+          <a:fillRef idx="2">
+            <a:schemeClr val="accent4"/>
+          </a:fillRef>
+          <a:effectRef idx="1">
+            <a:schemeClr val="accent4"/>
+          </a:effectRef>
+          <a:fontRef idx="minor">
+            <a:schemeClr val="dk1"/>
+          </a:fontRef>
+        </p:style>
+        <p:txBody>
+          <a:bodyPr lIns="36000" tIns="36000" rIns="36000" bIns="36000" rtlCol="0" anchor="ctr"/>
+          <a:lstStyle/>
+          <a:p>
+            <a:pPr algn="ctr"/>
+            <a:endParaRPr kumimoji="1" lang="ja-JP" altLang="en-US" dirty="0" smtClean="0"/>
+          </a:p>
+        </p:txBody>
+      </p:sp>
+      <p:sp>
+        <p:nvSpPr>
+          <p:cNvPr id="8" name="テキスト ボックス 7"/>
+          <p:cNvSpPr txBox="1"/>
+          <p:nvPr/>
+        </p:nvSpPr>
+        <p:spPr>
+          <a:xfrm>
+            <a:off x="6288463" y="3100261"/>
+            <a:ext cx="1677062" cy="369332"/>
+          </a:xfrm>
+          <a:prstGeom prst="rect">
+            <a:avLst/>
+          </a:prstGeom>
+          <a:noFill/>
+        </p:spPr>
+        <p:txBody>
+          <a:bodyPr wrap="none" rtlCol="0">
+            <a:spAutoFit/>
+          </a:bodyPr>
+          <a:lstStyle/>
+          <a:p>
+            <a:r>
+              <a:rPr kumimoji="1" lang="ja-JP" altLang="en-US" dirty="0" smtClean="0"/>
+              <a:t>コード生成結果</a:t>
+            </a:r>
+            <a:endParaRPr kumimoji="1" lang="ja-JP" altLang="en-US" dirty="0"/>
+          </a:p>
+        </p:txBody>
+      </p:sp>
+      <p:sp>
+        <p:nvSpPr>
+          <p:cNvPr id="9" name="テキスト ボックス 8"/>
+          <p:cNvSpPr txBox="1"/>
+          <p:nvPr/>
+        </p:nvSpPr>
+        <p:spPr>
+          <a:xfrm>
+            <a:off x="4539991" y="4516033"/>
+            <a:ext cx="1808507" cy="584775"/>
+          </a:xfrm>
+          <a:prstGeom prst="rect">
+            <a:avLst/>
+          </a:prstGeom>
+          <a:noFill/>
+        </p:spPr>
+        <p:txBody>
+          <a:bodyPr wrap="none" rtlCol="0">
+            <a:spAutoFit/>
+          </a:bodyPr>
+          <a:lstStyle/>
+          <a:p>
+            <a:pPr algn="ctr"/>
             <a:r>
               <a:rPr lang="ja-JP" altLang="en-US" dirty="0" smtClean="0"/>
-              <a:t>フレームワークはたいていそういう発想</a:t>
+              <a:t>コード生成</a:t>
             </a:r>
             <a:endParaRPr lang="en-US" altLang="ja-JP" dirty="0" smtClean="0"/>
           </a:p>
           <a:p>
-            <a:pPr lvl="1"/>
-            <a:r>
-              <a:rPr kumimoji="1" lang="ja-JP" altLang="en-US" dirty="0" smtClean="0"/>
-              <a:t>いわゆるオブザーバー パターンを、プロパティに対して適用</a:t>
-            </a:r>
-            <a:endParaRPr kumimoji="1" lang="en-US" altLang="ja-JP" dirty="0" smtClean="0"/>
-          </a:p>
-          <a:p>
-            <a:pPr lvl="1"/>
-            <a:r>
-              <a:rPr kumimoji="1" lang="en-US" altLang="ja-JP" dirty="0" smtClean="0"/>
-              <a:t>C#</a:t>
-            </a:r>
-            <a:r>
-              <a:rPr kumimoji="1" lang="ja-JP" altLang="en-US" dirty="0" smtClean="0"/>
-              <a:t>では </a:t>
-            </a:r>
-            <a:r>
-              <a:rPr kumimoji="1" lang="en-US" altLang="ja-JP" dirty="0" err="1" smtClean="0"/>
-              <a:t>INotifyPropertyChanged</a:t>
-            </a:r>
-            <a:r>
-              <a:rPr kumimoji="1" lang="en-US" altLang="ja-JP" dirty="0" smtClean="0"/>
-              <a:t> </a:t>
-            </a:r>
-            <a:r>
-              <a:rPr kumimoji="1" lang="ja-JP" altLang="en-US" dirty="0" smtClean="0"/>
-              <a:t>使う習慣がある</a:t>
-            </a:r>
-            <a:endParaRPr kumimoji="1" lang="en-US" altLang="ja-JP" dirty="0" smtClean="0"/>
-          </a:p>
-          <a:p>
-            <a:r>
-              <a:rPr lang="ja-JP" altLang="en-US" dirty="0" smtClean="0"/>
-              <a:t>このパターン守れないと</a:t>
-            </a:r>
-            <a:endParaRPr lang="en-US" altLang="ja-JP" dirty="0" smtClean="0"/>
-          </a:p>
-          <a:p>
-            <a:pPr lvl="1"/>
-            <a:r>
-              <a:rPr kumimoji="1" lang="ja-JP" altLang="en-US" dirty="0" smtClean="0"/>
-              <a:t>だいたいスパゲッティ化</a:t>
-            </a:r>
-            <a:endParaRPr kumimoji="1" lang="en-US" altLang="ja-JP" dirty="0" smtClean="0"/>
-          </a:p>
-          <a:p>
-            <a:pPr lvl="1"/>
-            <a:r>
-              <a:rPr lang="en-US" altLang="ja-JP" dirty="0"/>
-              <a:t>1</a:t>
-            </a:r>
-            <a:r>
-              <a:rPr lang="ja-JP" altLang="en-US" dirty="0"/>
-              <a:t>か</a:t>
-            </a:r>
-            <a:r>
-              <a:rPr lang="ja-JP" altLang="en-US" dirty="0" smtClean="0"/>
-              <a:t>所</a:t>
-            </a:r>
-            <a:r>
-              <a:rPr lang="ja-JP" altLang="en-US" dirty="0"/>
-              <a:t>更新</a:t>
-            </a:r>
-            <a:r>
-              <a:rPr lang="ja-JP" altLang="en-US" dirty="0" smtClean="0"/>
-              <a:t>でいいはずがページ全体更新とかになりがち。重たい</a:t>
-            </a:r>
-            <a:endParaRPr kumimoji="1" lang="ja-JP" altLang="en-US" dirty="0"/>
+            <a:pPr algn="ctr"/>
+            <a:r>
+              <a:rPr kumimoji="1" lang="en-US" altLang="ja-JP" sz="1400" dirty="0" smtClean="0"/>
+              <a:t>(Unity</a:t>
+            </a:r>
+            <a:r>
+              <a:rPr kumimoji="1" lang="ja-JP" altLang="en-US" sz="1400" dirty="0" smtClean="0"/>
+              <a:t>エディター拡張</a:t>
+            </a:r>
+            <a:r>
+              <a:rPr kumimoji="1" lang="en-US" altLang="ja-JP" sz="1400" dirty="0" smtClean="0"/>
+              <a:t>)</a:t>
+            </a:r>
+            <a:endParaRPr kumimoji="1" lang="ja-JP" altLang="en-US" sz="1400" dirty="0"/>
           </a:p>
         </p:txBody>
       </p:sp>
     </p:spTree>
     <p:extLst>
       <p:ext uri="{BB962C8B-B14F-4D97-AF65-F5344CB8AC3E}">
-        <p14:creationId xmlns:p14="http://schemas.microsoft.com/office/powerpoint/2010/main" val="2484350710"/>
+        <p14:creationId xmlns:p14="http://schemas.microsoft.com/office/powerpoint/2010/main" val="3771722338"/>
       </p:ext>
     </p:extLst>
   </p:cSld>
   <p:clrMapOvr>
     <a:masterClrMapping/>
   </p:clrMapOvr>
+  <p:timing>
+    <p:tnLst>
+      <p:par>
+        <p:cTn id="1" dur="indefinite" restart="never" nodeType="tmRoot"/>
+      </p:par>
+    </p:tnLst>
+  </p:timing>
 </p:sld>
 </file>
 
@@ -51827,7 +54531,11 @@
           <a:bodyPr/>
           <a:lstStyle/>
           <a:p>
-            <a:endParaRPr kumimoji="1" lang="ja-JP" altLang="en-US"/>
+            <a:r>
+              <a:rPr kumimoji="1" lang="ja-JP" altLang="en-US" dirty="0" smtClean="0"/>
+              <a:t>型に応じたプレハブの選択</a:t>
+            </a:r>
+            <a:endParaRPr kumimoji="1" lang="ja-JP" altLang="en-US" dirty="0"/>
           </a:p>
         </p:txBody>
       </p:sp>
@@ -51847,75 +54555,95 @@
           <a:lstStyle/>
           <a:p>
             <a:r>
+              <a:rPr kumimoji="1" lang="en-US" altLang="ja-JP" dirty="0" err="1" smtClean="0"/>
+              <a:t>ContentControl</a:t>
+            </a:r>
+            <a:r>
+              <a:rPr kumimoji="1" lang="en-US" altLang="ja-JP" dirty="0" smtClean="0"/>
+              <a:t>,</a:t>
+            </a:r>
+            <a:r>
               <a:rPr kumimoji="1" lang="ja-JP" altLang="en-US" dirty="0" smtClean="0"/>
-              <a:t>ビューと、ビューに表示したいデータの分離</a:t>
+              <a:t> </a:t>
+            </a:r>
+            <a:r>
+              <a:rPr kumimoji="1" lang="en-US" altLang="ja-JP" dirty="0" err="1" smtClean="0"/>
+              <a:t>ItemsControl</a:t>
+            </a:r>
+            <a:r>
+              <a:rPr kumimoji="1" lang="ja-JP" altLang="en-US" dirty="0" smtClean="0"/>
+              <a:t>クラス</a:t>
             </a:r>
             <a:endParaRPr kumimoji="1" lang="en-US" altLang="ja-JP" dirty="0" smtClean="0"/>
           </a:p>
           <a:p>
+            <a:r>
+              <a:rPr lang="ja-JP" altLang="en-US" dirty="0" smtClean="0"/>
+              <a:t>たいていの</a:t>
+            </a:r>
+            <a:r>
+              <a:rPr lang="en-US" altLang="ja-JP" dirty="0" smtClean="0"/>
+              <a:t>UI</a:t>
+            </a:r>
+            <a:r>
+              <a:rPr lang="ja-JP" altLang="en-US" dirty="0" smtClean="0"/>
+              <a:t>は、</a:t>
+            </a:r>
+            <a:endParaRPr lang="en-US" altLang="ja-JP" dirty="0" smtClean="0"/>
+          </a:p>
+          <a:p>
             <a:pPr lvl="1"/>
             <a:r>
-              <a:rPr lang="ja-JP" altLang="en-US" dirty="0"/>
-              <a:t>ナビゲーション</a:t>
+              <a:rPr kumimoji="1" lang="ja-JP" altLang="en-US" dirty="0" smtClean="0"/>
+              <a:t>「このデータ型に対して、このプレハブを作りたい」みたいな要件ばっかり</a:t>
+            </a:r>
+            <a:endParaRPr kumimoji="1" lang="en-US" altLang="ja-JP" dirty="0" smtClean="0"/>
+          </a:p>
+          <a:p>
+            <a:pPr lvl="1"/>
+            <a:r>
+              <a:rPr lang="en-US" altLang="ja-JP" dirty="0" smtClean="0"/>
+              <a:t>Unity</a:t>
             </a:r>
             <a:r>
               <a:rPr lang="ja-JP" altLang="en-US" dirty="0" smtClean="0"/>
-              <a:t>での「戻る」での復元</a:t>
+              <a:t>インスペクターでプレハブを刺しとく</a:t>
             </a:r>
             <a:endParaRPr lang="en-US" altLang="ja-JP" dirty="0" smtClean="0"/>
           </a:p>
           <a:p>
             <a:pPr lvl="1"/>
             <a:r>
+              <a:rPr kumimoji="1" lang="en-US" altLang="ja-JP" dirty="0" smtClean="0"/>
+              <a:t>1</a:t>
+            </a:r>
+            <a:r>
               <a:rPr kumimoji="1" lang="ja-JP" altLang="en-US" dirty="0" smtClean="0"/>
-              <a:t>後述する仮想化</a:t>
-            </a:r>
-            <a:endParaRPr kumimoji="1" lang="en-US" altLang="ja-JP" dirty="0" smtClean="0"/>
-          </a:p>
-          <a:p>
-            <a:r>
-              <a:rPr lang="ja-JP" altLang="en-US" dirty="0" smtClean="0"/>
-              <a:t>データ バインディング</a:t>
-            </a:r>
-            <a:endParaRPr lang="en-US" altLang="ja-JP" dirty="0" smtClean="0"/>
-          </a:p>
-          <a:p>
-            <a:pPr lvl="1"/>
-            <a:r>
-              <a:rPr lang="en-US" altLang="ja-JP" dirty="0" smtClean="0"/>
-              <a:t>Silverlight</a:t>
-            </a:r>
-            <a:r>
-              <a:rPr lang="ja-JP" altLang="en-US" dirty="0" smtClean="0"/>
-              <a:t>とかではリフレクションだらけなんだけど</a:t>
-            </a:r>
-            <a:endParaRPr lang="en-US" altLang="ja-JP" dirty="0" smtClean="0"/>
-          </a:p>
-          <a:p>
-            <a:pPr lvl="1"/>
-            <a:r>
-              <a:rPr kumimoji="1" lang="en-US" altLang="ja-JP" dirty="0" smtClean="0"/>
-              <a:t>iOS</a:t>
+              <a:t>要素</a:t>
+            </a:r>
+            <a:r>
+              <a:rPr kumimoji="1" lang="ja-JP" altLang="en-US" dirty="0"/>
+              <a:t>版</a:t>
             </a:r>
             <a:r>
               <a:rPr kumimoji="1" lang="ja-JP" altLang="en-US" dirty="0" smtClean="0"/>
-              <a:t>向けに、コード生成</a:t>
-            </a:r>
-            <a:r>
-              <a:rPr kumimoji="1" lang="en-US" altLang="ja-JP" dirty="0" smtClean="0"/>
-              <a:t>(Unity</a:t>
+              <a:t>が</a:t>
+            </a:r>
+            <a:r>
+              <a:rPr kumimoji="1" lang="en-US" altLang="ja-JP" dirty="0" err="1" smtClean="0"/>
+              <a:t>ContentControl</a:t>
+            </a:r>
+            <a:r>
+              <a:rPr kumimoji="1" lang="ja-JP" altLang="en-US" dirty="0" err="1" smtClean="0"/>
+              <a:t>、</a:t>
             </a:r>
             <a:r>
               <a:rPr kumimoji="1" lang="ja-JP" altLang="en-US" dirty="0" smtClean="0"/>
-              <a:t>エディター拡張</a:t>
-            </a:r>
-            <a:r>
-              <a:rPr kumimoji="1" lang="en-US" altLang="ja-JP" dirty="0" smtClean="0"/>
-              <a:t>)</a:t>
-            </a:r>
-            <a:r>
-              <a:rPr kumimoji="1" lang="ja-JP" altLang="en-US" dirty="0" smtClean="0"/>
-              <a:t>でやってる</a:t>
+              <a:t>リスト版が</a:t>
+            </a:r>
+            <a:r>
+              <a:rPr kumimoji="1" lang="en-US" altLang="ja-JP" dirty="0" err="1" smtClean="0"/>
+              <a:t>ItemsControl</a:t>
             </a:r>
             <a:endParaRPr kumimoji="1" lang="ja-JP" altLang="en-US" dirty="0"/>
           </a:p>
@@ -51924,13 +54652,20 @@
     </p:spTree>
     <p:extLst>
       <p:ext uri="{BB962C8B-B14F-4D97-AF65-F5344CB8AC3E}">
-        <p14:creationId xmlns:p14="http://schemas.microsoft.com/office/powerpoint/2010/main" val="3771722338"/>
+        <p14:creationId xmlns:p14="http://schemas.microsoft.com/office/powerpoint/2010/main" val="16942979"/>
       </p:ext>
     </p:extLst>
   </p:cSld>
   <p:clrMapOvr>
     <a:masterClrMapping/>
   </p:clrMapOvr>
+  <p:timing>
+    <p:tnLst>
+      <p:par>
+        <p:cTn id="1" dur="indefinite" restart="never" nodeType="tmRoot"/>
+      </p:par>
+    </p:tnLst>
+  </p:timing>
 </p:sld>
 </file>
 
@@ -52042,7 +54777,15 @@
           <a:bodyPr/>
           <a:lstStyle/>
           <a:p>
-            <a:endParaRPr kumimoji="1" lang="ja-JP" altLang="en-US"/>
+            <a:r>
+              <a:rPr kumimoji="1" lang="en-US" altLang="ja-JP" dirty="0" smtClean="0"/>
+              <a:t>UI</a:t>
+            </a:r>
+            <a:r>
+              <a:rPr kumimoji="1" lang="ja-JP" altLang="en-US" dirty="0" smtClean="0"/>
+              <a:t>仮想化</a:t>
+            </a:r>
+            <a:endParaRPr kumimoji="1" lang="ja-JP" altLang="en-US" dirty="0"/>
           </a:p>
         </p:txBody>
       </p:sp>
@@ -52058,110 +54801,135 @@
         </p:nvSpPr>
         <p:spPr/>
         <p:txBody>
-          <a:bodyPr/>
+          <a:bodyPr>
+            <a:normAutofit/>
+          </a:bodyPr>
           <a:lstStyle/>
           <a:p>
             <a:r>
               <a:rPr kumimoji="1" lang="en-US" altLang="ja-JP" dirty="0" err="1" smtClean="0"/>
-              <a:t>ContentControl</a:t>
-            </a:r>
-            <a:r>
-              <a:rPr kumimoji="1" lang="en-US" altLang="ja-JP" dirty="0" smtClean="0"/>
-              <a:t>,</a:t>
+              <a:t>VirtualizingListView</a:t>
             </a:r>
             <a:r>
               <a:rPr kumimoji="1" lang="ja-JP" altLang="en-US" dirty="0" smtClean="0"/>
-              <a:t> </a:t>
-            </a:r>
-            <a:r>
-              <a:rPr kumimoji="1" lang="en-US" altLang="ja-JP" dirty="0" err="1" smtClean="0"/>
-              <a:t>ItemsControl</a:t>
+              <a:t>クラス</a:t>
             </a:r>
             <a:endParaRPr kumimoji="1" lang="en-US" altLang="ja-JP" dirty="0" smtClean="0"/>
           </a:p>
           <a:p>
+            <a:pPr lvl="1"/>
+            <a:r>
+              <a:rPr kumimoji="1" lang="ja-JP" altLang="en-US" dirty="0" smtClean="0"/>
+              <a:t>仮想化</a:t>
+            </a:r>
+            <a:endParaRPr kumimoji="1" lang="en-US" altLang="ja-JP" dirty="0" smtClean="0"/>
+          </a:p>
+          <a:p>
+            <a:pPr lvl="2"/>
             <a:r>
               <a:rPr lang="ja-JP" altLang="en-US" dirty="0" smtClean="0"/>
-              <a:t>たいていの</a:t>
+              <a:t>リストのうちの、画面に見えてる範囲だけ、プレハブを</a:t>
             </a:r>
             <a:r>
               <a:rPr lang="en-US" altLang="ja-JP" dirty="0" smtClean="0"/>
-              <a:t>UI</a:t>
-            </a:r>
+              <a:t>Instantiate</a:t>
+            </a:r>
+          </a:p>
+          <a:p>
+            <a:pPr lvl="2"/>
+            <a:r>
+              <a:rPr kumimoji="1" lang="ja-JP" altLang="en-US" dirty="0"/>
+              <a:t>残</a:t>
+            </a:r>
+            <a:r>
+              <a:rPr kumimoji="1" lang="ja-JP" altLang="en-US" dirty="0" smtClean="0"/>
+              <a:t>りは作らない、隠れたら</a:t>
+            </a:r>
+            <a:r>
+              <a:rPr kumimoji="1" lang="ja-JP" altLang="en-US" dirty="0" smtClean="0"/>
+              <a:t>消す</a:t>
+            </a:r>
+            <a:endParaRPr lang="en-US" altLang="ja-JP" dirty="0" smtClean="0"/>
+          </a:p>
+          <a:p>
+            <a:pPr lvl="1"/>
+            <a:r>
+              <a:rPr kumimoji="1" lang="ja-JP" altLang="en-US" dirty="0" smtClean="0"/>
+              <a:t>これがないと</a:t>
+            </a:r>
+            <a:endParaRPr kumimoji="1" lang="en-US" altLang="ja-JP" dirty="0" smtClean="0"/>
+          </a:p>
+          <a:p>
+            <a:pPr lvl="2"/>
             <a:r>
               <a:rPr lang="ja-JP" altLang="en-US" dirty="0" smtClean="0"/>
-              <a:t>は、</a:t>
+              <a:t>「</a:t>
+            </a:r>
+            <a:r>
+              <a:rPr lang="ja-JP" altLang="en-US" dirty="0" smtClean="0"/>
+              <a:t>アイテムは</a:t>
+            </a:r>
+            <a:r>
+              <a:rPr lang="en-US" altLang="ja-JP" dirty="0" smtClean="0"/>
+              <a:t>100</a:t>
+            </a:r>
+            <a:r>
+              <a:rPr lang="ja-JP" altLang="en-US" dirty="0" smtClean="0"/>
+              <a:t>個までしか</a:t>
+            </a:r>
+            <a:r>
+              <a:rPr lang="ja-JP" altLang="en-US" dirty="0" smtClean="0"/>
+              <a:t>持てません」</a:t>
+            </a:r>
+            <a:r>
+              <a:rPr lang="ja-JP" altLang="en-US" dirty="0" smtClean="0"/>
+              <a:t>みたいなゲームに</a:t>
+            </a:r>
+            <a:r>
+              <a:rPr lang="ja-JP" altLang="en-US" dirty="0" smtClean="0"/>
+              <a:t>なる</a:t>
             </a:r>
             <a:endParaRPr lang="en-US" altLang="ja-JP" dirty="0" smtClean="0"/>
           </a:p>
           <a:p>
-            <a:pPr lvl="1"/>
-            <a:r>
-              <a:rPr kumimoji="1" lang="ja-JP" altLang="en-US" dirty="0" smtClean="0"/>
-              <a:t>「このデータ型に対して、このプレハブを作りたい」みたいな要件ばっかり</a:t>
-            </a:r>
-            <a:endParaRPr kumimoji="1" lang="en-US" altLang="ja-JP" dirty="0" smtClean="0"/>
-          </a:p>
-          <a:p>
-            <a:pPr lvl="1"/>
-            <a:r>
-              <a:rPr lang="en-US" altLang="ja-JP" dirty="0" smtClean="0"/>
-              <a:t>Unity</a:t>
+            <a:pPr lvl="3"/>
+            <a:r>
+              <a:rPr lang="ja-JP" altLang="en-US" dirty="0"/>
+              <a:t>数</a:t>
             </a:r>
             <a:r>
               <a:rPr lang="ja-JP" altLang="en-US" dirty="0" smtClean="0"/>
-              <a:t>インスペクターでプレハブを刺しとく</a:t>
+              <a:t>が多いと一覧画面に入った瞬間に数秒フリーズ</a:t>
             </a:r>
             <a:endParaRPr lang="en-US" altLang="ja-JP" dirty="0" smtClean="0"/>
           </a:p>
           <a:p>
-            <a:pPr lvl="1"/>
-            <a:r>
-              <a:rPr kumimoji="1" lang="en-US" altLang="ja-JP" dirty="0" smtClean="0"/>
-              <a:t>1</a:t>
-            </a:r>
-            <a:r>
-              <a:rPr kumimoji="1" lang="ja-JP" altLang="en-US" dirty="0" smtClean="0"/>
-              <a:t>要素</a:t>
-            </a:r>
-            <a:r>
-              <a:rPr kumimoji="1" lang="ja-JP" altLang="en-US" dirty="0"/>
-              <a:t>版</a:t>
-            </a:r>
-            <a:r>
-              <a:rPr kumimoji="1" lang="ja-JP" altLang="en-US" dirty="0" smtClean="0"/>
-              <a:t>が</a:t>
-            </a:r>
-            <a:r>
-              <a:rPr kumimoji="1" lang="en-US" altLang="ja-JP" dirty="0" smtClean="0"/>
-              <a:t>Content</a:t>
-            </a:r>
-            <a:r>
-              <a:rPr kumimoji="1" lang="ja-JP" altLang="en-US" dirty="0" err="1" smtClean="0"/>
-              <a:t>、</a:t>
-            </a:r>
-            <a:r>
-              <a:rPr kumimoji="1" lang="ja-JP" altLang="en-US" dirty="0" smtClean="0"/>
-              <a:t>リスト版が</a:t>
-            </a:r>
-            <a:r>
-              <a:rPr kumimoji="1" lang="en-US" altLang="ja-JP" dirty="0" smtClean="0"/>
-              <a:t>Items</a:t>
-            </a:r>
-            <a:endParaRPr kumimoji="1" lang="ja-JP" altLang="en-US" dirty="0"/>
+            <a:pPr lvl="3"/>
+            <a:r>
+              <a:rPr lang="ja-JP" altLang="en-US" dirty="0" smtClean="0"/>
+              <a:t>スクロールもきつい</a:t>
+            </a:r>
+            <a:endParaRPr lang="en-US" altLang="ja-JP" dirty="0" smtClean="0"/>
           </a:p>
         </p:txBody>
       </p:sp>
     </p:spTree>
     <p:extLst>
       <p:ext uri="{BB962C8B-B14F-4D97-AF65-F5344CB8AC3E}">
-        <p14:creationId xmlns:p14="http://schemas.microsoft.com/office/powerpoint/2010/main" val="16942979"/>
+        <p14:creationId xmlns:p14="http://schemas.microsoft.com/office/powerpoint/2010/main" val="3187862995"/>
       </p:ext>
     </p:extLst>
   </p:cSld>
   <p:clrMapOvr>
     <a:masterClrMapping/>
   </p:clrMapOvr>
+  <p:timing>
+    <p:tnLst>
+      <p:par>
+        <p:cTn id="1" dur="indefinite" restart="never" nodeType="tmRoot"/>
+      </p:par>
+    </p:tnLst>
+  </p:timing>
 </p:sld>
 </file>
 
@@ -52197,7 +54965,19 @@
           <a:bodyPr/>
           <a:lstStyle/>
           <a:p>
-            <a:endParaRPr kumimoji="1" lang="ja-JP" altLang="en-US"/>
+            <a:r>
+              <a:rPr kumimoji="1" lang="ja-JP" altLang="en-US" dirty="0" smtClean="0"/>
+              <a:t>反省</a:t>
+            </a:r>
+            <a:r>
+              <a:rPr kumimoji="1" lang="en-US" altLang="ja-JP" dirty="0" smtClean="0"/>
+              <a:t>:</a:t>
+            </a:r>
+            <a:r>
+              <a:rPr kumimoji="1" lang="ja-JP" altLang="en-US" dirty="0" smtClean="0"/>
+              <a:t> 同一プロジェクト内コード生成</a:t>
+            </a:r>
+            <a:endParaRPr kumimoji="1" lang="ja-JP" altLang="en-US" dirty="0"/>
           </a:p>
         </p:txBody>
       </p:sp>
@@ -52217,8 +54997,12 @@
           <a:lstStyle/>
           <a:p>
             <a:r>
+              <a:rPr kumimoji="1" lang="en-US" altLang="ja-JP" dirty="0" smtClean="0"/>
+              <a:t>Unity</a:t>
+            </a:r>
+            <a:r>
               <a:rPr kumimoji="1" lang="ja-JP" altLang="en-US" dirty="0" smtClean="0"/>
-              <a:t>仮想化</a:t>
+              <a:t>エディター拡張は、コンパイル エラーがある状態で動かせない</a:t>
             </a:r>
             <a:endParaRPr kumimoji="1" lang="en-US" altLang="ja-JP" dirty="0" smtClean="0"/>
           </a:p>
@@ -52226,84 +55010,37 @@
             <a:pPr lvl="1"/>
             <a:r>
               <a:rPr lang="ja-JP" altLang="en-US" dirty="0" smtClean="0"/>
-              <a:t>リストのうちの、画面に見えてる範囲だけ、プレハブを</a:t>
-            </a:r>
-            <a:r>
-              <a:rPr lang="en-US" altLang="ja-JP" dirty="0" smtClean="0"/>
-              <a:t>Instantiate</a:t>
-            </a:r>
-          </a:p>
-          <a:p>
-            <a:pPr lvl="1"/>
-            <a:r>
-              <a:rPr kumimoji="1" lang="ja-JP" altLang="en-US" dirty="0"/>
-              <a:t>残</a:t>
-            </a:r>
-            <a:r>
-              <a:rPr kumimoji="1" lang="ja-JP" altLang="en-US" dirty="0" smtClean="0"/>
-              <a:t>りは作らない、隠れたら消す</a:t>
-            </a:r>
-            <a:endParaRPr kumimoji="1" lang="en-US" altLang="ja-JP" dirty="0" smtClean="0"/>
-          </a:p>
-          <a:p>
-            <a:pPr lvl="1"/>
+              <a:t>コード生成結果でエラーになると、コード生成し直しがままならない</a:t>
+            </a:r>
+            <a:endParaRPr lang="en-US" altLang="ja-JP" dirty="0" smtClean="0"/>
+          </a:p>
+          <a:p>
+            <a:pPr lvl="2"/>
             <a:r>
               <a:rPr lang="ja-JP" altLang="en-US" dirty="0" smtClean="0"/>
-              <a:t>データ分離してないとできない。ビューにデータ持ってても消える・上書きされる</a:t>
+              <a:t>エラーがなくなるまでコードを元に戻してから生成しなおし</a:t>
             </a:r>
             <a:endParaRPr lang="en-US" altLang="ja-JP" dirty="0" smtClean="0"/>
-          </a:p>
-          <a:p>
-            <a:r>
-              <a:rPr kumimoji="1" lang="ja-JP" altLang="en-US" dirty="0" smtClean="0"/>
-              <a:t>これやらないと</a:t>
-            </a:r>
-            <a:endParaRPr kumimoji="1" lang="en-US" altLang="ja-JP" dirty="0" smtClean="0"/>
-          </a:p>
-          <a:p>
-            <a:pPr lvl="1"/>
-            <a:r>
-              <a:rPr lang="ja-JP" altLang="en-US" dirty="0" smtClean="0"/>
-              <a:t>「アイテムは</a:t>
-            </a:r>
-            <a:r>
-              <a:rPr lang="en-US" altLang="ja-JP" dirty="0" smtClean="0"/>
-              <a:t>100</a:t>
-            </a:r>
-            <a:r>
-              <a:rPr lang="ja-JP" altLang="en-US" dirty="0" smtClean="0"/>
-              <a:t>個までしか持てません。でないと一覧画面に入るのに</a:t>
-            </a:r>
-            <a:r>
-              <a:rPr lang="en-US" altLang="ja-JP" dirty="0" smtClean="0"/>
-              <a:t>2</a:t>
-            </a:r>
-            <a:r>
-              <a:rPr lang="ja-JP" altLang="en-US" dirty="0" smtClean="0"/>
-              <a:t>秒かかるし、スクロールが重たすぎてプレイに支障出ます」みたいなゲームになる</a:t>
-            </a:r>
-            <a:endParaRPr lang="en-US" altLang="ja-JP" dirty="0" smtClean="0"/>
-          </a:p>
-          <a:p>
-            <a:pPr lvl="1"/>
-            <a:r>
-              <a:rPr kumimoji="1" lang="ja-JP" altLang="en-US" dirty="0" smtClean="0"/>
-              <a:t>実際、表示都合で個数制限かかってるゲーム結構ある</a:t>
-            </a:r>
-            <a:endParaRPr kumimoji="1" lang="ja-JP" altLang="en-US" dirty="0"/>
           </a:p>
         </p:txBody>
       </p:sp>
     </p:spTree>
     <p:extLst>
       <p:ext uri="{BB962C8B-B14F-4D97-AF65-F5344CB8AC3E}">
-        <p14:creationId xmlns:p14="http://schemas.microsoft.com/office/powerpoint/2010/main" val="3187862995"/>
+        <p14:creationId xmlns:p14="http://schemas.microsoft.com/office/powerpoint/2010/main" val="1779453806"/>
       </p:ext>
     </p:extLst>
   </p:cSld>
   <p:clrMapOvr>
     <a:masterClrMapping/>
   </p:clrMapOvr>
+  <p:timing>
+    <p:tnLst>
+      <p:par>
+        <p:cTn id="1" dur="indefinite" restart="never" nodeType="tmRoot"/>
+      </p:par>
+    </p:tnLst>
+  </p:timing>
 </p:sld>
 </file>
 
@@ -52341,7 +55078,7 @@
           <a:p>
             <a:r>
               <a:rPr kumimoji="1" lang="ja-JP" altLang="en-US" dirty="0" smtClean="0"/>
-              <a:t>その他、全体的な反省点</a:t>
+              <a:t>まとめ</a:t>
             </a:r>
             <a:endParaRPr kumimoji="1" lang="ja-JP" altLang="en-US" dirty="0"/>
           </a:p>
@@ -52349,12 +55086,12 @@
       </p:sp>
       <p:sp>
         <p:nvSpPr>
-          <p:cNvPr id="3" name="コンテンツ プレースホルダー 2"/>
+          <p:cNvPr id="3" name="テキスト プレースホルダー 2"/>
           <p:cNvSpPr>
             <a:spLocks noGrp="1"/>
           </p:cNvSpPr>
           <p:nvPr>
-            <p:ph idx="1"/>
+            <p:ph type="body" idx="1"/>
           </p:nvPr>
         </p:nvSpPr>
         <p:spPr/>
@@ -52362,57 +55099,14 @@
           <a:bodyPr/>
           <a:lstStyle/>
           <a:p>
-            <a:r>
-              <a:rPr kumimoji="1" lang="en-US" altLang="ja-JP" dirty="0" smtClean="0"/>
-              <a:t>GitHub</a:t>
-            </a:r>
-            <a:r>
-              <a:rPr kumimoji="1" lang="ja-JP" altLang="en-US" dirty="0" smtClean="0"/>
-              <a:t>リポジトリ割りすぎた</a:t>
-            </a:r>
-            <a:endParaRPr kumimoji="1" lang="en-US" altLang="ja-JP" dirty="0" smtClean="0"/>
-          </a:p>
-          <a:p>
-            <a:r>
-              <a:rPr kumimoji="1" lang="ja-JP" altLang="en-US" dirty="0" smtClean="0"/>
-              <a:t>クローズな期間が長すぎた</a:t>
-            </a:r>
-            <a:endParaRPr kumimoji="1" lang="en-US" altLang="ja-JP" dirty="0" smtClean="0"/>
-          </a:p>
-          <a:p>
-            <a:pPr lvl="1"/>
-            <a:r>
-              <a:rPr lang="ja-JP" altLang="en-US" dirty="0"/>
-              <a:t>大人</a:t>
-            </a:r>
-            <a:r>
-              <a:rPr lang="ja-JP" altLang="en-US" dirty="0" smtClean="0"/>
-              <a:t>の事情</a:t>
-            </a:r>
-            <a:r>
-              <a:rPr lang="ja-JP" altLang="en-US" dirty="0"/>
-              <a:t>多分</a:t>
-            </a:r>
-            <a:r>
-              <a:rPr lang="ja-JP" altLang="en-US" dirty="0" smtClean="0"/>
-              <a:t>にあるのでしょうがないんだけど</a:t>
-            </a:r>
-            <a:endParaRPr lang="en-US" altLang="ja-JP" dirty="0" smtClean="0"/>
-          </a:p>
-          <a:p>
-            <a:pPr lvl="1"/>
-            <a:r>
-              <a:rPr kumimoji="1" lang="ja-JP" altLang="en-US" dirty="0" smtClean="0"/>
-              <a:t>コメント・ドキュメント不足に陥りがち。結構ひどい</a:t>
-            </a:r>
-            <a:endParaRPr kumimoji="1" lang="ja-JP" altLang="en-US" dirty="0"/>
+            <a:endParaRPr kumimoji="1" lang="ja-JP" altLang="en-US"/>
           </a:p>
         </p:txBody>
       </p:sp>
     </p:spTree>
     <p:extLst>
       <p:ext uri="{BB962C8B-B14F-4D97-AF65-F5344CB8AC3E}">
-        <p14:creationId xmlns:p14="http://schemas.microsoft.com/office/powerpoint/2010/main" val="1921373283"/>
+        <p14:creationId xmlns:p14="http://schemas.microsoft.com/office/powerpoint/2010/main" val="3731363921"/>
       </p:ext>
     </p:extLst>
   </p:cSld>
@@ -52431,6 +55125,506 @@
 
 <file path=ppt/slides/slide73.xml><?xml version="1.0" encoding="utf-8"?>
 <p:sld xmlns:a="http://schemas.openxmlformats.org/drawingml/2006/main" xmlns:r="http://schemas.openxmlformats.org/officeDocument/2006/relationships" xmlns:p="http://schemas.openxmlformats.org/presentationml/2006/main">
+  <p:cSld>
+    <p:spTree>
+      <p:nvGrpSpPr>
+        <p:cNvPr id="1" name=""/>
+        <p:cNvGrpSpPr/>
+        <p:nvPr/>
+      </p:nvGrpSpPr>
+      <p:grpSpPr>
+        <a:xfrm>
+          <a:off x="0" y="0"/>
+          <a:ext cx="0" cy="0"/>
+          <a:chOff x="0" y="0"/>
+          <a:chExt cx="0" cy="0"/>
+        </a:xfrm>
+      </p:grpSpPr>
+      <p:sp>
+        <p:nvSpPr>
+          <p:cNvPr id="4" name="タイトル 3"/>
+          <p:cNvSpPr>
+            <a:spLocks noGrp="1"/>
+          </p:cNvSpPr>
+          <p:nvPr>
+            <p:ph type="title"/>
+          </p:nvPr>
+        </p:nvSpPr>
+        <p:spPr/>
+        <p:txBody>
+          <a:bodyPr/>
+          <a:lstStyle/>
+          <a:p>
+            <a:r>
+              <a:rPr kumimoji="1" lang="ja-JP" altLang="en-US" dirty="0" smtClean="0"/>
+              <a:t>まとめ </a:t>
+            </a:r>
+            <a:r>
+              <a:rPr kumimoji="1" lang="en-US" altLang="ja-JP" dirty="0" smtClean="0"/>
+              <a:t>(1/2)</a:t>
+            </a:r>
+            <a:endParaRPr kumimoji="1" lang="ja-JP" altLang="en-US" dirty="0"/>
+          </a:p>
+        </p:txBody>
+      </p:sp>
+      <p:sp>
+        <p:nvSpPr>
+          <p:cNvPr id="5" name="コンテンツ プレースホルダー 4"/>
+          <p:cNvSpPr>
+            <a:spLocks noGrp="1"/>
+          </p:cNvSpPr>
+          <p:nvPr>
+            <p:ph idx="1"/>
+          </p:nvPr>
+        </p:nvSpPr>
+        <p:spPr/>
+        <p:txBody>
+          <a:bodyPr/>
+          <a:lstStyle/>
+          <a:p>
+            <a:r>
+              <a:rPr lang="en-US" altLang="ja-JP" dirty="0" err="1" smtClean="0"/>
+              <a:t>IteratorTasks</a:t>
+            </a:r>
+            <a:endParaRPr lang="en-US" altLang="ja-JP" dirty="0" smtClean="0"/>
+          </a:p>
+          <a:p>
+            <a:pPr lvl="1"/>
+            <a:r>
+              <a:rPr lang="en-US" altLang="ja-JP" dirty="0" err="1" smtClean="0"/>
+              <a:t>System.Threading.Tasks.Task</a:t>
+            </a:r>
+            <a:r>
+              <a:rPr lang="en-US" altLang="ja-JP" dirty="0" smtClean="0"/>
+              <a:t> </a:t>
+            </a:r>
+            <a:r>
+              <a:rPr lang="ja-JP" altLang="en-US" dirty="0"/>
+              <a:t>もどき</a:t>
+            </a:r>
+          </a:p>
+          <a:p>
+            <a:r>
+              <a:rPr lang="en-US" altLang="ja-JP" dirty="0" err="1"/>
+              <a:t>TaskInteraction</a:t>
+            </a:r>
+            <a:endParaRPr lang="en-US" altLang="ja-JP" dirty="0"/>
+          </a:p>
+          <a:p>
+            <a:pPr lvl="1"/>
+            <a:r>
+              <a:rPr lang="ja-JP" altLang="en-US" dirty="0"/>
+              <a:t>チャネルを介したゲーム ロジックとビューとの非同期</a:t>
+            </a:r>
+            <a:r>
+              <a:rPr lang="ja-JP" altLang="en-US" dirty="0" smtClean="0"/>
+              <a:t>やり取り</a:t>
+            </a:r>
+            <a:endParaRPr lang="en-US" altLang="ja-JP" dirty="0" smtClean="0"/>
+          </a:p>
+          <a:p>
+            <a:pPr lvl="1"/>
+            <a:r>
+              <a:rPr lang="ja-JP" altLang="en-US" dirty="0"/>
+              <a:t>やり取りの記録、再現</a:t>
+            </a:r>
+          </a:p>
+          <a:p>
+            <a:r>
+              <a:rPr lang="en-US" altLang="ja-JP" dirty="0" err="1"/>
+              <a:t>TaskNavigation</a:t>
+            </a:r>
+            <a:endParaRPr lang="en-US" altLang="ja-JP" dirty="0"/>
+          </a:p>
+          <a:p>
+            <a:pPr lvl="1"/>
+            <a:r>
+              <a:rPr lang="ja-JP" altLang="en-US" dirty="0"/>
+              <a:t>ページ遷移をステート マシンとして管理</a:t>
+            </a:r>
+            <a:endParaRPr lang="en-US" altLang="ja-JP" dirty="0"/>
+          </a:p>
+          <a:p>
+            <a:pPr lvl="1"/>
+            <a:r>
+              <a:rPr lang="ja-JP" altLang="en-US" dirty="0"/>
+              <a:t>遷移トリガーを</a:t>
+            </a:r>
+            <a:r>
+              <a:rPr lang="en-US" altLang="ja-JP" dirty="0"/>
+              <a:t>Task</a:t>
+            </a:r>
+            <a:r>
+              <a:rPr lang="ja-JP" altLang="en-US" dirty="0"/>
+              <a:t>で</a:t>
+            </a:r>
+            <a:r>
+              <a:rPr lang="ja-JP" altLang="en-US" dirty="0" smtClean="0"/>
+              <a:t>表現</a:t>
+            </a:r>
+            <a:endParaRPr lang="en-US" altLang="ja-JP" dirty="0"/>
+          </a:p>
+          <a:p>
+            <a:endParaRPr kumimoji="1" lang="ja-JP" altLang="en-US" dirty="0"/>
+          </a:p>
+        </p:txBody>
+      </p:sp>
+    </p:spTree>
+    <p:extLst>
+      <p:ext uri="{BB962C8B-B14F-4D97-AF65-F5344CB8AC3E}">
+        <p14:creationId xmlns:p14="http://schemas.microsoft.com/office/powerpoint/2010/main" val="570664851"/>
+      </p:ext>
+    </p:extLst>
+  </p:cSld>
+  <p:clrMapOvr>
+    <a:masterClrMapping/>
+  </p:clrMapOvr>
+  <p:timing>
+    <p:tnLst>
+      <p:par>
+        <p:cTn id="1" dur="indefinite" restart="never" nodeType="tmRoot"/>
+      </p:par>
+    </p:tnLst>
+  </p:timing>
+</p:sld>
+</file>
+
+<file path=ppt/slides/slide74.xml><?xml version="1.0" encoding="utf-8"?>
+<p:sld xmlns:a="http://schemas.openxmlformats.org/drawingml/2006/main" xmlns:r="http://schemas.openxmlformats.org/officeDocument/2006/relationships" xmlns:p="http://schemas.openxmlformats.org/presentationml/2006/main">
+  <p:cSld>
+    <p:spTree>
+      <p:nvGrpSpPr>
+        <p:cNvPr id="1" name=""/>
+        <p:cNvGrpSpPr/>
+        <p:nvPr/>
+      </p:nvGrpSpPr>
+      <p:grpSpPr>
+        <a:xfrm>
+          <a:off x="0" y="0"/>
+          <a:ext cx="0" cy="0"/>
+          <a:chOff x="0" y="0"/>
+          <a:chExt cx="0" cy="0"/>
+        </a:xfrm>
+      </p:grpSpPr>
+      <p:sp>
+        <p:nvSpPr>
+          <p:cNvPr id="2" name="タイトル 1"/>
+          <p:cNvSpPr>
+            <a:spLocks noGrp="1"/>
+          </p:cNvSpPr>
+          <p:nvPr>
+            <p:ph type="title"/>
+          </p:nvPr>
+        </p:nvSpPr>
+        <p:spPr/>
+        <p:txBody>
+          <a:bodyPr/>
+          <a:lstStyle/>
+          <a:p>
+            <a:r>
+              <a:rPr kumimoji="1" lang="ja-JP" altLang="en-US" dirty="0" smtClean="0"/>
+              <a:t>まとめ </a:t>
+            </a:r>
+            <a:r>
+              <a:rPr kumimoji="1" lang="en-US" altLang="ja-JP" dirty="0" smtClean="0"/>
+              <a:t>(2/</a:t>
+            </a:r>
+            <a:r>
+              <a:rPr lang="en-US" altLang="ja-JP" dirty="0" smtClean="0"/>
+              <a:t>2)</a:t>
+            </a:r>
+            <a:endParaRPr kumimoji="1" lang="ja-JP" altLang="en-US" dirty="0"/>
+          </a:p>
+        </p:txBody>
+      </p:sp>
+      <p:sp>
+        <p:nvSpPr>
+          <p:cNvPr id="3" name="コンテンツ プレースホルダー 2"/>
+          <p:cNvSpPr>
+            <a:spLocks noGrp="1"/>
+          </p:cNvSpPr>
+          <p:nvPr>
+            <p:ph idx="1"/>
+          </p:nvPr>
+        </p:nvSpPr>
+        <p:spPr/>
+        <p:txBody>
+          <a:bodyPr/>
+          <a:lstStyle/>
+          <a:p>
+            <a:r>
+              <a:rPr lang="en-US" altLang="ja-JP" dirty="0" err="1"/>
+              <a:t>TypeGen</a:t>
+            </a:r>
+            <a:endParaRPr lang="en-US" altLang="ja-JP" dirty="0"/>
+          </a:p>
+          <a:p>
+            <a:pPr lvl="1"/>
+            <a:r>
+              <a:rPr lang="en-US" altLang="ja-JP" dirty="0"/>
+              <a:t>API</a:t>
+            </a:r>
+            <a:r>
+              <a:rPr lang="ja-JP" altLang="en-US" dirty="0"/>
+              <a:t>定義・型定義を</a:t>
+            </a:r>
+            <a:r>
+              <a:rPr lang="en-US" altLang="ja-JP" dirty="0"/>
+              <a:t>C#</a:t>
+            </a:r>
+            <a:r>
+              <a:rPr lang="ja-JP" altLang="en-US" dirty="0"/>
+              <a:t>で</a:t>
+            </a:r>
+            <a:r>
+              <a:rPr lang="en-US" altLang="ja-JP" dirty="0"/>
+              <a:t>(C#</a:t>
+            </a:r>
+            <a:r>
+              <a:rPr lang="ja-JP" altLang="en-US" dirty="0"/>
+              <a:t>→</a:t>
+            </a:r>
+            <a:r>
+              <a:rPr lang="en-US" altLang="ja-JP" dirty="0"/>
+              <a:t>C#</a:t>
+            </a:r>
+            <a:r>
+              <a:rPr lang="ja-JP" altLang="en-US" dirty="0"/>
+              <a:t>コード生成</a:t>
+            </a:r>
+            <a:r>
+              <a:rPr lang="en-US" altLang="ja-JP" dirty="0"/>
+              <a:t>)</a:t>
+            </a:r>
+            <a:endParaRPr lang="ja-JP" altLang="en-US" dirty="0"/>
+          </a:p>
+          <a:p>
+            <a:r>
+              <a:rPr lang="en-US" altLang="ja-JP" dirty="0"/>
+              <a:t>Inventories/</a:t>
+            </a:r>
+            <a:r>
+              <a:rPr lang="en-US" altLang="ja-JP" dirty="0" err="1"/>
+              <a:t>MasterRepository</a:t>
+            </a:r>
+            <a:endParaRPr lang="en-US" altLang="ja-JP" dirty="0"/>
+          </a:p>
+          <a:p>
+            <a:pPr lvl="1"/>
+            <a:r>
+              <a:rPr lang="ja-JP" altLang="en-US" dirty="0"/>
+              <a:t>サーバーとのデータ同期、差分更新</a:t>
+            </a:r>
+            <a:endParaRPr lang="en-US" altLang="ja-JP" dirty="0"/>
+          </a:p>
+          <a:p>
+            <a:pPr lvl="1"/>
+            <a:r>
+              <a:rPr lang="ja-JP" altLang="en-US" dirty="0"/>
+              <a:t>ローカル ストレージにデータをキャッシュ</a:t>
+            </a:r>
+          </a:p>
+          <a:p>
+            <a:r>
+              <a:rPr lang="en-US" altLang="ja-JP" dirty="0"/>
+              <a:t>Binding-</a:t>
+            </a:r>
+            <a:r>
+              <a:rPr lang="en-US" altLang="ja-JP" dirty="0" err="1"/>
+              <a:t>CodeGen</a:t>
+            </a:r>
+            <a:endParaRPr lang="en-US" altLang="ja-JP" dirty="0"/>
+          </a:p>
+          <a:p>
+            <a:pPr lvl="1"/>
+            <a:r>
+              <a:rPr lang="ja-JP" altLang="en-US" dirty="0"/>
+              <a:t>ビューには「</a:t>
+            </a:r>
+            <a:r>
+              <a:rPr lang="en-US" altLang="ja-JP" dirty="0"/>
+              <a:t>UI</a:t>
+            </a:r>
+            <a:r>
+              <a:rPr lang="ja-JP" altLang="en-US" dirty="0"/>
+              <a:t>上のどこにどのデータを出したい」だけを記述</a:t>
+            </a:r>
+            <a:endParaRPr lang="en-US" altLang="ja-JP" dirty="0"/>
+          </a:p>
+          <a:p>
+            <a:pPr lvl="1"/>
+            <a:r>
+              <a:rPr lang="ja-JP" altLang="en-US" dirty="0"/>
+              <a:t>データが更新されたら</a:t>
+            </a:r>
+            <a:r>
+              <a:rPr lang="en-US" altLang="ja-JP" dirty="0"/>
+              <a:t>UI</a:t>
+            </a:r>
+            <a:r>
+              <a:rPr lang="ja-JP" altLang="en-US" dirty="0"/>
+              <a:t>を自動</a:t>
+            </a:r>
+            <a:r>
+              <a:rPr lang="ja-JP" altLang="en-US" dirty="0" smtClean="0"/>
+              <a:t>更新</a:t>
+            </a:r>
+            <a:endParaRPr kumimoji="1" lang="ja-JP" altLang="en-US" dirty="0"/>
+          </a:p>
+        </p:txBody>
+      </p:sp>
+    </p:spTree>
+    <p:extLst>
+      <p:ext uri="{BB962C8B-B14F-4D97-AF65-F5344CB8AC3E}">
+        <p14:creationId xmlns:p14="http://schemas.microsoft.com/office/powerpoint/2010/main" val="1442278249"/>
+      </p:ext>
+    </p:extLst>
+  </p:cSld>
+  <p:clrMapOvr>
+    <a:masterClrMapping/>
+  </p:clrMapOvr>
+  <p:timing>
+    <p:tnLst>
+      <p:par>
+        <p:cTn id="1" dur="indefinite" restart="never" nodeType="tmRoot"/>
+      </p:par>
+    </p:tnLst>
+  </p:timing>
+</p:sld>
+</file>
+
+<file path=ppt/slides/slide75.xml><?xml version="1.0" encoding="utf-8"?>
+<p:sld xmlns:a="http://schemas.openxmlformats.org/drawingml/2006/main" xmlns:r="http://schemas.openxmlformats.org/officeDocument/2006/relationships" xmlns:p="http://schemas.openxmlformats.org/presentationml/2006/main" show="0">
+  <p:cSld>
+    <p:spTree>
+      <p:nvGrpSpPr>
+        <p:cNvPr id="1" name=""/>
+        <p:cNvGrpSpPr/>
+        <p:nvPr/>
+      </p:nvGrpSpPr>
+      <p:grpSpPr>
+        <a:xfrm>
+          <a:off x="0" y="0"/>
+          <a:ext cx="0" cy="0"/>
+          <a:chOff x="0" y="0"/>
+          <a:chExt cx="0" cy="0"/>
+        </a:xfrm>
+      </p:grpSpPr>
+      <p:sp>
+        <p:nvSpPr>
+          <p:cNvPr id="2" name="タイトル 1"/>
+          <p:cNvSpPr>
+            <a:spLocks noGrp="1"/>
+          </p:cNvSpPr>
+          <p:nvPr>
+            <p:ph type="title"/>
+          </p:nvPr>
+        </p:nvSpPr>
+        <p:spPr/>
+        <p:txBody>
+          <a:bodyPr/>
+          <a:lstStyle/>
+          <a:p>
+            <a:r>
+              <a:rPr kumimoji="1" lang="ja-JP" altLang="en-US" dirty="0" smtClean="0"/>
+              <a:t>その他、全体的な反省点</a:t>
+            </a:r>
+            <a:endParaRPr kumimoji="1" lang="ja-JP" altLang="en-US" dirty="0"/>
+          </a:p>
+        </p:txBody>
+      </p:sp>
+      <p:sp>
+        <p:nvSpPr>
+          <p:cNvPr id="3" name="コンテンツ プレースホルダー 2"/>
+          <p:cNvSpPr>
+            <a:spLocks noGrp="1"/>
+          </p:cNvSpPr>
+          <p:nvPr>
+            <p:ph idx="1"/>
+          </p:nvPr>
+        </p:nvSpPr>
+        <p:spPr/>
+        <p:txBody>
+          <a:bodyPr/>
+          <a:lstStyle/>
+          <a:p>
+            <a:r>
+              <a:rPr kumimoji="1" lang="en-US" altLang="ja-JP" dirty="0" smtClean="0"/>
+              <a:t>GitHub</a:t>
+            </a:r>
+            <a:r>
+              <a:rPr kumimoji="1" lang="ja-JP" altLang="en-US" dirty="0" smtClean="0"/>
+              <a:t>リポジトリ割りすぎた</a:t>
+            </a:r>
+            <a:endParaRPr kumimoji="1" lang="en-US" altLang="ja-JP" dirty="0" smtClean="0"/>
+          </a:p>
+          <a:p>
+            <a:r>
+              <a:rPr kumimoji="1" lang="ja-JP" altLang="en-US" dirty="0" smtClean="0"/>
+              <a:t>クローズな期間が長すぎた</a:t>
+            </a:r>
+            <a:endParaRPr kumimoji="1" lang="en-US" altLang="ja-JP" dirty="0" smtClean="0"/>
+          </a:p>
+          <a:p>
+            <a:pPr lvl="1"/>
+            <a:r>
+              <a:rPr lang="ja-JP" altLang="en-US" dirty="0"/>
+              <a:t>大人</a:t>
+            </a:r>
+            <a:r>
+              <a:rPr lang="ja-JP" altLang="en-US" dirty="0" smtClean="0"/>
+              <a:t>の事情</a:t>
+            </a:r>
+            <a:r>
+              <a:rPr lang="ja-JP" altLang="en-US" dirty="0"/>
+              <a:t>多分</a:t>
+            </a:r>
+            <a:r>
+              <a:rPr lang="ja-JP" altLang="en-US" dirty="0" smtClean="0"/>
+              <a:t>にあるのでしょうがないんだけど</a:t>
+            </a:r>
+            <a:endParaRPr lang="en-US" altLang="ja-JP" dirty="0" smtClean="0"/>
+          </a:p>
+          <a:p>
+            <a:pPr lvl="1"/>
+            <a:r>
+              <a:rPr kumimoji="1" lang="ja-JP" altLang="en-US" dirty="0" smtClean="0"/>
+              <a:t>コメント・ドキュメント不足に陥りがち。結構ひどい</a:t>
+            </a:r>
+            <a:endParaRPr kumimoji="1" lang="ja-JP" altLang="en-US" dirty="0"/>
+          </a:p>
+        </p:txBody>
+      </p:sp>
+    </p:spTree>
+    <p:extLst>
+      <p:ext uri="{BB962C8B-B14F-4D97-AF65-F5344CB8AC3E}">
+        <p14:creationId xmlns:p14="http://schemas.microsoft.com/office/powerpoint/2010/main" val="1921373283"/>
+      </p:ext>
+    </p:extLst>
+  </p:cSld>
+  <p:clrMapOvr>
+    <a:masterClrMapping/>
+  </p:clrMapOvr>
+  <mc:AlternateContent xmlns:mc="http://schemas.openxmlformats.org/markup-compatibility/2006">
+    <mc:Choice xmlns:p14="http://schemas.microsoft.com/office/powerpoint/2010/main" Requires="p14">
+      <p:transition spd="slow" p14:dur="2000"/>
+    </mc:Choice>
+    <mc:Fallback>
+      <p:transition spd="slow"/>
+    </mc:Fallback>
+  </mc:AlternateContent>
+  <p:timing>
+    <p:tnLst>
+      <p:par>
+        <p:cTn id="1" dur="indefinite" restart="never" nodeType="tmRoot"/>
+      </p:par>
+    </p:tnLst>
+  </p:timing>
+</p:sld>
+</file>
+
+<file path=ppt/slides/slide76.xml><?xml version="1.0" encoding="utf-8"?>
+<p:sld xmlns:a="http://schemas.openxmlformats.org/drawingml/2006/main" xmlns:r="http://schemas.openxmlformats.org/officeDocument/2006/relationships" xmlns:p="http://schemas.openxmlformats.org/presentationml/2006/main" show="0">
   <p:cSld>
     <p:spTree>
       <p:nvGrpSpPr>
@@ -52518,6 +55712,14 @@
   <p:clrMapOvr>
     <a:masterClrMapping/>
   </p:clrMapOvr>
+  <mc:AlternateContent xmlns:mc="http://schemas.openxmlformats.org/markup-compatibility/2006">
+    <mc:Choice xmlns:p14="http://schemas.microsoft.com/office/powerpoint/2010/main" Requires="p14">
+      <p:transition spd="slow" p14:dur="2000"/>
+    </mc:Choice>
+    <mc:Fallback>
+      <p:transition spd="slow"/>
+    </mc:Fallback>
+  </mc:AlternateContent>
   <p:timing>
     <p:tnLst>
       <p:par>
@@ -52528,7 +55730,7 @@
 </p:sld>
 </file>
 
-<file path=ppt/slides/slide74.xml><?xml version="1.0" encoding="utf-8"?>
+<file path=ppt/slides/slide77.xml><?xml version="1.0" encoding="utf-8"?>
 <p:sld xmlns:a="http://schemas.openxmlformats.org/drawingml/2006/main" xmlns:r="http://schemas.openxmlformats.org/officeDocument/2006/relationships" xmlns:p="http://schemas.openxmlformats.org/presentationml/2006/main">
   <p:cSld>
     <p:spTree>
